--- a/figures/Figure-sources.pptx
+++ b/figures/Figure-sources.pptx
@@ -1,15 +1,17 @@
 
 <file path=ppt/presentation.xml><?xml version="1.0" encoding="utf-8"?>
-<p:presentation xmlns:a="http://schemas.openxmlformats.org/drawingml/2006/main" xmlns:r="http://schemas.openxmlformats.org/officeDocument/2006/relationships" xmlns:p="http://schemas.openxmlformats.org/presentationml/2006/main">
+<p:presentation xmlns:a="http://schemas.openxmlformats.org/drawingml/2006/main" xmlns:r="http://schemas.openxmlformats.org/officeDocument/2006/relationships" xmlns:p="http://schemas.openxmlformats.org/presentationml/2006/main" saveSubsetFonts="1">
   <p:sldMasterIdLst>
     <p:sldMasterId id="2147483661" r:id="rId1"/>
   </p:sldMasterIdLst>
   <p:notesMasterIdLst>
-    <p:notesMasterId r:id="rId4"/>
+    <p:notesMasterId r:id="rId6"/>
   </p:notesMasterIdLst>
   <p:sldIdLst>
     <p:sldId id="256" r:id="rId2"/>
     <p:sldId id="257" r:id="rId3"/>
+    <p:sldId id="258" r:id="rId4"/>
+    <p:sldId id="259" r:id="rId5"/>
   </p:sldIdLst>
   <p:sldSz cx="24384000" cy="13716000"/>
   <p:notesSz cx="6858000" cy="9144000"/>
@@ -396,6 +398,11 @@
         </p:txBody>
       </p:sp>
     </p:spTree>
+    <p:extLst>
+      <p:ext uri="{BB962C8B-B14F-4D97-AF65-F5344CB8AC3E}">
+        <p14:creationId xmlns:p14="http://schemas.microsoft.com/office/powerpoint/2010/main" val="776399816"/>
+      </p:ext>
+    </p:extLst>
   </p:cSld>
   <p:clrMap bg1="lt1" tx1="dk1" bg2="lt2" tx2="dk2" accent1="accent1" accent2="accent2" accent3="accent3" accent4="accent4" accent5="accent5" accent6="accent6" hlink="hlink" folHlink="folHlink"/>
   <p:notesStyle>
@@ -524,7 +531,7 @@
           <p:cNvPr id="2" name="Title 1">
             <a:extLst>
               <a:ext uri="{FF2B5EF4-FFF2-40B4-BE49-F238E27FC236}">
-                <a16:creationId xmlns:a16="http://schemas.microsoft.com/office/drawing/2014/main" id="{97AA87F7-F220-A348-83A7-9DAD1A4E82C9}"/>
+                <a16:creationId xmlns:a16="http://schemas.microsoft.com/office/drawing/2014/main" xmlns="" id="{97AA87F7-F220-A348-83A7-9DAD1A4E82C9}"/>
               </a:ext>
             </a:extLst>
           </p:cNvPr>
@@ -562,7 +569,7 @@
           <p:cNvPr id="3" name="Subtitle 2">
             <a:extLst>
               <a:ext uri="{FF2B5EF4-FFF2-40B4-BE49-F238E27FC236}">
-                <a16:creationId xmlns:a16="http://schemas.microsoft.com/office/drawing/2014/main" id="{629A7CAF-BEEE-384D-9B7E-EB647439A745}"/>
+                <a16:creationId xmlns:a16="http://schemas.microsoft.com/office/drawing/2014/main" xmlns="" id="{629A7CAF-BEEE-384D-9B7E-EB647439A745}"/>
               </a:ext>
             </a:extLst>
           </p:cNvPr>
@@ -633,7 +640,7 @@
           <p:cNvPr id="4" name="Date Placeholder 3">
             <a:extLst>
               <a:ext uri="{FF2B5EF4-FFF2-40B4-BE49-F238E27FC236}">
-                <a16:creationId xmlns:a16="http://schemas.microsoft.com/office/drawing/2014/main" id="{6D069569-281C-FC47-8642-ACF2C032D6F7}"/>
+                <a16:creationId xmlns:a16="http://schemas.microsoft.com/office/drawing/2014/main" xmlns="" id="{6D069569-281C-FC47-8642-ACF2C032D6F7}"/>
               </a:ext>
             </a:extLst>
           </p:cNvPr>
@@ -651,7 +658,7 @@
           <a:p>
             <a:fld id="{9AD5F5E7-BF49-4F47-A424-503B82E4E0B0}" type="datetimeFigureOut">
               <a:rPr lang="en-AU" smtClean="0"/>
-              <a:t>9/2/21</a:t>
+              <a:t>17/2/21</a:t>
             </a:fld>
             <a:endParaRPr lang="en-AU"/>
           </a:p>
@@ -662,7 +669,7 @@
           <p:cNvPr id="5" name="Footer Placeholder 4">
             <a:extLst>
               <a:ext uri="{FF2B5EF4-FFF2-40B4-BE49-F238E27FC236}">
-                <a16:creationId xmlns:a16="http://schemas.microsoft.com/office/drawing/2014/main" id="{B3B78786-5CBF-444F-882F-21247C7C9817}"/>
+                <a16:creationId xmlns:a16="http://schemas.microsoft.com/office/drawing/2014/main" xmlns="" id="{B3B78786-5CBF-444F-882F-21247C7C9817}"/>
               </a:ext>
             </a:extLst>
           </p:cNvPr>
@@ -687,7 +694,7 @@
           <p:cNvPr id="6" name="Slide Number Placeholder 5">
             <a:extLst>
               <a:ext uri="{FF2B5EF4-FFF2-40B4-BE49-F238E27FC236}">
-                <a16:creationId xmlns:a16="http://schemas.microsoft.com/office/drawing/2014/main" id="{6780543C-5D54-4547-B7BF-51EA1307F183}"/>
+                <a16:creationId xmlns:a16="http://schemas.microsoft.com/office/drawing/2014/main" xmlns="" id="{6780543C-5D54-4547-B7BF-51EA1307F183}"/>
               </a:ext>
             </a:extLst>
           </p:cNvPr>
@@ -746,7 +753,7 @@
           <p:cNvPr id="2" name="Title 1">
             <a:extLst>
               <a:ext uri="{FF2B5EF4-FFF2-40B4-BE49-F238E27FC236}">
-                <a16:creationId xmlns:a16="http://schemas.microsoft.com/office/drawing/2014/main" id="{10BD2D3E-6F40-8143-B660-4E4F4104A15F}"/>
+                <a16:creationId xmlns:a16="http://schemas.microsoft.com/office/drawing/2014/main" xmlns="" id="{10BD2D3E-6F40-8143-B660-4E4F4104A15F}"/>
               </a:ext>
             </a:extLst>
           </p:cNvPr>
@@ -775,7 +782,7 @@
           <p:cNvPr id="3" name="Vertical Text Placeholder 2">
             <a:extLst>
               <a:ext uri="{FF2B5EF4-FFF2-40B4-BE49-F238E27FC236}">
-                <a16:creationId xmlns:a16="http://schemas.microsoft.com/office/drawing/2014/main" id="{2B8588F5-26F4-EB4B-B0A9-B86C8000F826}"/>
+                <a16:creationId xmlns:a16="http://schemas.microsoft.com/office/drawing/2014/main" xmlns="" id="{2B8588F5-26F4-EB4B-B0A9-B86C8000F826}"/>
               </a:ext>
             </a:extLst>
           </p:cNvPr>
@@ -833,7 +840,7 @@
           <p:cNvPr id="4" name="Date Placeholder 3">
             <a:extLst>
               <a:ext uri="{FF2B5EF4-FFF2-40B4-BE49-F238E27FC236}">
-                <a16:creationId xmlns:a16="http://schemas.microsoft.com/office/drawing/2014/main" id="{A40B1970-810A-1741-BACA-89259DFF1C4C}"/>
+                <a16:creationId xmlns:a16="http://schemas.microsoft.com/office/drawing/2014/main" xmlns="" id="{A40B1970-810A-1741-BACA-89259DFF1C4C}"/>
               </a:ext>
             </a:extLst>
           </p:cNvPr>
@@ -851,7 +858,7 @@
           <a:p>
             <a:fld id="{9AD5F5E7-BF49-4F47-A424-503B82E4E0B0}" type="datetimeFigureOut">
               <a:rPr lang="en-AU" smtClean="0"/>
-              <a:t>9/2/21</a:t>
+              <a:t>17/2/21</a:t>
             </a:fld>
             <a:endParaRPr lang="en-AU"/>
           </a:p>
@@ -862,7 +869,7 @@
           <p:cNvPr id="5" name="Footer Placeholder 4">
             <a:extLst>
               <a:ext uri="{FF2B5EF4-FFF2-40B4-BE49-F238E27FC236}">
-                <a16:creationId xmlns:a16="http://schemas.microsoft.com/office/drawing/2014/main" id="{5F0BB669-928C-464B-B94B-04D902A62B18}"/>
+                <a16:creationId xmlns:a16="http://schemas.microsoft.com/office/drawing/2014/main" xmlns="" id="{5F0BB669-928C-464B-B94B-04D902A62B18}"/>
               </a:ext>
             </a:extLst>
           </p:cNvPr>
@@ -887,7 +894,7 @@
           <p:cNvPr id="6" name="Slide Number Placeholder 5">
             <a:extLst>
               <a:ext uri="{FF2B5EF4-FFF2-40B4-BE49-F238E27FC236}">
-                <a16:creationId xmlns:a16="http://schemas.microsoft.com/office/drawing/2014/main" id="{3F56EBA7-F2E9-5B42-9511-365251E19A72}"/>
+                <a16:creationId xmlns:a16="http://schemas.microsoft.com/office/drawing/2014/main" xmlns="" id="{3F56EBA7-F2E9-5B42-9511-365251E19A72}"/>
               </a:ext>
             </a:extLst>
           </p:cNvPr>
@@ -946,7 +953,7 @@
           <p:cNvPr id="2" name="Vertical Title 1">
             <a:extLst>
               <a:ext uri="{FF2B5EF4-FFF2-40B4-BE49-F238E27FC236}">
-                <a16:creationId xmlns:a16="http://schemas.microsoft.com/office/drawing/2014/main" id="{ADF0C358-6272-1D46-9DA0-1DCC937F371E}"/>
+                <a16:creationId xmlns:a16="http://schemas.microsoft.com/office/drawing/2014/main" xmlns="" id="{ADF0C358-6272-1D46-9DA0-1DCC937F371E}"/>
               </a:ext>
             </a:extLst>
           </p:cNvPr>
@@ -980,7 +987,7 @@
           <p:cNvPr id="3" name="Vertical Text Placeholder 2">
             <a:extLst>
               <a:ext uri="{FF2B5EF4-FFF2-40B4-BE49-F238E27FC236}">
-                <a16:creationId xmlns:a16="http://schemas.microsoft.com/office/drawing/2014/main" id="{7A0BF7F7-8200-0645-85B6-04BBC60ADD55}"/>
+                <a16:creationId xmlns:a16="http://schemas.microsoft.com/office/drawing/2014/main" xmlns="" id="{7A0BF7F7-8200-0645-85B6-04BBC60ADD55}"/>
               </a:ext>
             </a:extLst>
           </p:cNvPr>
@@ -1043,7 +1050,7 @@
           <p:cNvPr id="4" name="Date Placeholder 3">
             <a:extLst>
               <a:ext uri="{FF2B5EF4-FFF2-40B4-BE49-F238E27FC236}">
-                <a16:creationId xmlns:a16="http://schemas.microsoft.com/office/drawing/2014/main" id="{FD6A112C-6D1E-BF47-B3F2-BE321707C265}"/>
+                <a16:creationId xmlns:a16="http://schemas.microsoft.com/office/drawing/2014/main" xmlns="" id="{FD6A112C-6D1E-BF47-B3F2-BE321707C265}"/>
               </a:ext>
             </a:extLst>
           </p:cNvPr>
@@ -1061,7 +1068,7 @@
           <a:p>
             <a:fld id="{9AD5F5E7-BF49-4F47-A424-503B82E4E0B0}" type="datetimeFigureOut">
               <a:rPr lang="en-AU" smtClean="0"/>
-              <a:t>9/2/21</a:t>
+              <a:t>17/2/21</a:t>
             </a:fld>
             <a:endParaRPr lang="en-AU"/>
           </a:p>
@@ -1072,7 +1079,7 @@
           <p:cNvPr id="5" name="Footer Placeholder 4">
             <a:extLst>
               <a:ext uri="{FF2B5EF4-FFF2-40B4-BE49-F238E27FC236}">
-                <a16:creationId xmlns:a16="http://schemas.microsoft.com/office/drawing/2014/main" id="{1CA0E966-DECB-FB43-9226-C2448306F7B5}"/>
+                <a16:creationId xmlns:a16="http://schemas.microsoft.com/office/drawing/2014/main" xmlns="" id="{1CA0E966-DECB-FB43-9226-C2448306F7B5}"/>
               </a:ext>
             </a:extLst>
           </p:cNvPr>
@@ -1097,7 +1104,7 @@
           <p:cNvPr id="6" name="Slide Number Placeholder 5">
             <a:extLst>
               <a:ext uri="{FF2B5EF4-FFF2-40B4-BE49-F238E27FC236}">
-                <a16:creationId xmlns:a16="http://schemas.microsoft.com/office/drawing/2014/main" id="{9635A48C-6048-1443-9096-BF65A0F3108F}"/>
+                <a16:creationId xmlns:a16="http://schemas.microsoft.com/office/drawing/2014/main" xmlns="" id="{9635A48C-6048-1443-9096-BF65A0F3108F}"/>
               </a:ext>
             </a:extLst>
           </p:cNvPr>
@@ -1416,7 +1423,7 @@
           <p:cNvPr id="2" name="Title 1">
             <a:extLst>
               <a:ext uri="{FF2B5EF4-FFF2-40B4-BE49-F238E27FC236}">
-                <a16:creationId xmlns:a16="http://schemas.microsoft.com/office/drawing/2014/main" id="{4625AF13-CA35-4D4E-9243-E2E57FAC1417}"/>
+                <a16:creationId xmlns:a16="http://schemas.microsoft.com/office/drawing/2014/main" xmlns="" id="{4625AF13-CA35-4D4E-9243-E2E57FAC1417}"/>
               </a:ext>
             </a:extLst>
           </p:cNvPr>
@@ -1445,7 +1452,7 @@
           <p:cNvPr id="3" name="Content Placeholder 2">
             <a:extLst>
               <a:ext uri="{FF2B5EF4-FFF2-40B4-BE49-F238E27FC236}">
-                <a16:creationId xmlns:a16="http://schemas.microsoft.com/office/drawing/2014/main" id="{48D7C38F-2CAA-924C-A3B5-8A891172FD55}"/>
+                <a16:creationId xmlns:a16="http://schemas.microsoft.com/office/drawing/2014/main" xmlns="" id="{48D7C38F-2CAA-924C-A3B5-8A891172FD55}"/>
               </a:ext>
             </a:extLst>
           </p:cNvPr>
@@ -1503,7 +1510,7 @@
           <p:cNvPr id="4" name="Date Placeholder 3">
             <a:extLst>
               <a:ext uri="{FF2B5EF4-FFF2-40B4-BE49-F238E27FC236}">
-                <a16:creationId xmlns:a16="http://schemas.microsoft.com/office/drawing/2014/main" id="{E58F7042-666E-E646-86B5-371AB9E70C05}"/>
+                <a16:creationId xmlns:a16="http://schemas.microsoft.com/office/drawing/2014/main" xmlns="" id="{E58F7042-666E-E646-86B5-371AB9E70C05}"/>
               </a:ext>
             </a:extLst>
           </p:cNvPr>
@@ -1521,7 +1528,7 @@
           <a:p>
             <a:fld id="{9AD5F5E7-BF49-4F47-A424-503B82E4E0B0}" type="datetimeFigureOut">
               <a:rPr lang="en-AU" smtClean="0"/>
-              <a:t>9/2/21</a:t>
+              <a:t>17/2/21</a:t>
             </a:fld>
             <a:endParaRPr lang="en-AU"/>
           </a:p>
@@ -1532,7 +1539,7 @@
           <p:cNvPr id="5" name="Footer Placeholder 4">
             <a:extLst>
               <a:ext uri="{FF2B5EF4-FFF2-40B4-BE49-F238E27FC236}">
-                <a16:creationId xmlns:a16="http://schemas.microsoft.com/office/drawing/2014/main" id="{9EAED233-8517-4046-90B7-28486A0DA29E}"/>
+                <a16:creationId xmlns:a16="http://schemas.microsoft.com/office/drawing/2014/main" xmlns="" id="{9EAED233-8517-4046-90B7-28486A0DA29E}"/>
               </a:ext>
             </a:extLst>
           </p:cNvPr>
@@ -1557,7 +1564,7 @@
           <p:cNvPr id="6" name="Slide Number Placeholder 5">
             <a:extLst>
               <a:ext uri="{FF2B5EF4-FFF2-40B4-BE49-F238E27FC236}">
-                <a16:creationId xmlns:a16="http://schemas.microsoft.com/office/drawing/2014/main" id="{1FFE237F-9087-5346-B575-9AF6E3033CAD}"/>
+                <a16:creationId xmlns:a16="http://schemas.microsoft.com/office/drawing/2014/main" xmlns="" id="{1FFE237F-9087-5346-B575-9AF6E3033CAD}"/>
               </a:ext>
             </a:extLst>
           </p:cNvPr>
@@ -1616,7 +1623,7 @@
           <p:cNvPr id="2" name="Title 1">
             <a:extLst>
               <a:ext uri="{FF2B5EF4-FFF2-40B4-BE49-F238E27FC236}">
-                <a16:creationId xmlns:a16="http://schemas.microsoft.com/office/drawing/2014/main" id="{6F720557-B109-5B47-B5A9-26A80BDCEB1C}"/>
+                <a16:creationId xmlns:a16="http://schemas.microsoft.com/office/drawing/2014/main" xmlns="" id="{6F720557-B109-5B47-B5A9-26A80BDCEB1C}"/>
               </a:ext>
             </a:extLst>
           </p:cNvPr>
@@ -1654,7 +1661,7 @@
           <p:cNvPr id="3" name="Text Placeholder 2">
             <a:extLst>
               <a:ext uri="{FF2B5EF4-FFF2-40B4-BE49-F238E27FC236}">
-                <a16:creationId xmlns:a16="http://schemas.microsoft.com/office/drawing/2014/main" id="{0C20D79A-05B4-3B40-8068-ABB34008BD9B}"/>
+                <a16:creationId xmlns:a16="http://schemas.microsoft.com/office/drawing/2014/main" xmlns="" id="{0C20D79A-05B4-3B40-8068-ABB34008BD9B}"/>
               </a:ext>
             </a:extLst>
           </p:cNvPr>
@@ -1779,7 +1786,7 @@
           <p:cNvPr id="4" name="Date Placeholder 3">
             <a:extLst>
               <a:ext uri="{FF2B5EF4-FFF2-40B4-BE49-F238E27FC236}">
-                <a16:creationId xmlns:a16="http://schemas.microsoft.com/office/drawing/2014/main" id="{3DD79CA8-0048-7949-9CAC-04F2632F172B}"/>
+                <a16:creationId xmlns:a16="http://schemas.microsoft.com/office/drawing/2014/main" xmlns="" id="{3DD79CA8-0048-7949-9CAC-04F2632F172B}"/>
               </a:ext>
             </a:extLst>
           </p:cNvPr>
@@ -1797,7 +1804,7 @@
           <a:p>
             <a:fld id="{9AD5F5E7-BF49-4F47-A424-503B82E4E0B0}" type="datetimeFigureOut">
               <a:rPr lang="en-AU" smtClean="0"/>
-              <a:t>9/2/21</a:t>
+              <a:t>17/2/21</a:t>
             </a:fld>
             <a:endParaRPr lang="en-AU"/>
           </a:p>
@@ -1808,7 +1815,7 @@
           <p:cNvPr id="5" name="Footer Placeholder 4">
             <a:extLst>
               <a:ext uri="{FF2B5EF4-FFF2-40B4-BE49-F238E27FC236}">
-                <a16:creationId xmlns:a16="http://schemas.microsoft.com/office/drawing/2014/main" id="{12499C12-B6CF-764E-8C89-89ED8CC70616}"/>
+                <a16:creationId xmlns:a16="http://schemas.microsoft.com/office/drawing/2014/main" xmlns="" id="{12499C12-B6CF-764E-8C89-89ED8CC70616}"/>
               </a:ext>
             </a:extLst>
           </p:cNvPr>
@@ -1833,7 +1840,7 @@
           <p:cNvPr id="6" name="Slide Number Placeholder 5">
             <a:extLst>
               <a:ext uri="{FF2B5EF4-FFF2-40B4-BE49-F238E27FC236}">
-                <a16:creationId xmlns:a16="http://schemas.microsoft.com/office/drawing/2014/main" id="{C3F6875A-4E20-764B-9AE8-B4D10A1C52A4}"/>
+                <a16:creationId xmlns:a16="http://schemas.microsoft.com/office/drawing/2014/main" xmlns="" id="{C3F6875A-4E20-764B-9AE8-B4D10A1C52A4}"/>
               </a:ext>
             </a:extLst>
           </p:cNvPr>
@@ -1892,7 +1899,7 @@
           <p:cNvPr id="2" name="Title 1">
             <a:extLst>
               <a:ext uri="{FF2B5EF4-FFF2-40B4-BE49-F238E27FC236}">
-                <a16:creationId xmlns:a16="http://schemas.microsoft.com/office/drawing/2014/main" id="{0F0A814B-60E3-634D-8CFC-78C4682A031D}"/>
+                <a16:creationId xmlns:a16="http://schemas.microsoft.com/office/drawing/2014/main" xmlns="" id="{0F0A814B-60E3-634D-8CFC-78C4682A031D}"/>
               </a:ext>
             </a:extLst>
           </p:cNvPr>
@@ -1921,7 +1928,7 @@
           <p:cNvPr id="3" name="Content Placeholder 2">
             <a:extLst>
               <a:ext uri="{FF2B5EF4-FFF2-40B4-BE49-F238E27FC236}">
-                <a16:creationId xmlns:a16="http://schemas.microsoft.com/office/drawing/2014/main" id="{71F45B34-0D93-804C-8D5D-4E2112E22291}"/>
+                <a16:creationId xmlns:a16="http://schemas.microsoft.com/office/drawing/2014/main" xmlns="" id="{71F45B34-0D93-804C-8D5D-4E2112E22291}"/>
               </a:ext>
             </a:extLst>
           </p:cNvPr>
@@ -1984,7 +1991,7 @@
           <p:cNvPr id="4" name="Content Placeholder 3">
             <a:extLst>
               <a:ext uri="{FF2B5EF4-FFF2-40B4-BE49-F238E27FC236}">
-                <a16:creationId xmlns:a16="http://schemas.microsoft.com/office/drawing/2014/main" id="{74565BFB-0867-1247-8DF9-C791909D597D}"/>
+                <a16:creationId xmlns:a16="http://schemas.microsoft.com/office/drawing/2014/main" xmlns="" id="{74565BFB-0867-1247-8DF9-C791909D597D}"/>
               </a:ext>
             </a:extLst>
           </p:cNvPr>
@@ -2047,7 +2054,7 @@
           <p:cNvPr id="5" name="Date Placeholder 4">
             <a:extLst>
               <a:ext uri="{FF2B5EF4-FFF2-40B4-BE49-F238E27FC236}">
-                <a16:creationId xmlns:a16="http://schemas.microsoft.com/office/drawing/2014/main" id="{5CA91A76-8F50-D042-8C58-B57C08C8597F}"/>
+                <a16:creationId xmlns:a16="http://schemas.microsoft.com/office/drawing/2014/main" xmlns="" id="{5CA91A76-8F50-D042-8C58-B57C08C8597F}"/>
               </a:ext>
             </a:extLst>
           </p:cNvPr>
@@ -2065,7 +2072,7 @@
           <a:p>
             <a:fld id="{9AD5F5E7-BF49-4F47-A424-503B82E4E0B0}" type="datetimeFigureOut">
               <a:rPr lang="en-AU" smtClean="0"/>
-              <a:t>9/2/21</a:t>
+              <a:t>17/2/21</a:t>
             </a:fld>
             <a:endParaRPr lang="en-AU"/>
           </a:p>
@@ -2076,7 +2083,7 @@
           <p:cNvPr id="6" name="Footer Placeholder 5">
             <a:extLst>
               <a:ext uri="{FF2B5EF4-FFF2-40B4-BE49-F238E27FC236}">
-                <a16:creationId xmlns:a16="http://schemas.microsoft.com/office/drawing/2014/main" id="{D78C208F-19A9-3645-A987-7E2C4AAFFBA3}"/>
+                <a16:creationId xmlns:a16="http://schemas.microsoft.com/office/drawing/2014/main" xmlns="" id="{D78C208F-19A9-3645-A987-7E2C4AAFFBA3}"/>
               </a:ext>
             </a:extLst>
           </p:cNvPr>
@@ -2101,7 +2108,7 @@
           <p:cNvPr id="7" name="Slide Number Placeholder 6">
             <a:extLst>
               <a:ext uri="{FF2B5EF4-FFF2-40B4-BE49-F238E27FC236}">
-                <a16:creationId xmlns:a16="http://schemas.microsoft.com/office/drawing/2014/main" id="{C048E57B-2148-C147-A4F1-27CB58CE7E30}"/>
+                <a16:creationId xmlns:a16="http://schemas.microsoft.com/office/drawing/2014/main" xmlns="" id="{C048E57B-2148-C147-A4F1-27CB58CE7E30}"/>
               </a:ext>
             </a:extLst>
           </p:cNvPr>
@@ -2160,7 +2167,7 @@
           <p:cNvPr id="2" name="Title 1">
             <a:extLst>
               <a:ext uri="{FF2B5EF4-FFF2-40B4-BE49-F238E27FC236}">
-                <a16:creationId xmlns:a16="http://schemas.microsoft.com/office/drawing/2014/main" id="{E0F145C1-6E14-5442-868B-31237F979568}"/>
+                <a16:creationId xmlns:a16="http://schemas.microsoft.com/office/drawing/2014/main" xmlns="" id="{E0F145C1-6E14-5442-868B-31237F979568}"/>
               </a:ext>
             </a:extLst>
           </p:cNvPr>
@@ -2194,7 +2201,7 @@
           <p:cNvPr id="3" name="Text Placeholder 2">
             <a:extLst>
               <a:ext uri="{FF2B5EF4-FFF2-40B4-BE49-F238E27FC236}">
-                <a16:creationId xmlns:a16="http://schemas.microsoft.com/office/drawing/2014/main" id="{9D674802-21D1-3E4C-9CF4-6FFE83D4AE70}"/>
+                <a16:creationId xmlns:a16="http://schemas.microsoft.com/office/drawing/2014/main" xmlns="" id="{9D674802-21D1-3E4C-9CF4-6FFE83D4AE70}"/>
               </a:ext>
             </a:extLst>
           </p:cNvPr>
@@ -2265,7 +2272,7 @@
           <p:cNvPr id="4" name="Content Placeholder 3">
             <a:extLst>
               <a:ext uri="{FF2B5EF4-FFF2-40B4-BE49-F238E27FC236}">
-                <a16:creationId xmlns:a16="http://schemas.microsoft.com/office/drawing/2014/main" id="{A654C8A5-34FB-C347-B544-CF112B7A3F62}"/>
+                <a16:creationId xmlns:a16="http://schemas.microsoft.com/office/drawing/2014/main" xmlns="" id="{A654C8A5-34FB-C347-B544-CF112B7A3F62}"/>
               </a:ext>
             </a:extLst>
           </p:cNvPr>
@@ -2328,7 +2335,7 @@
           <p:cNvPr id="5" name="Text Placeholder 4">
             <a:extLst>
               <a:ext uri="{FF2B5EF4-FFF2-40B4-BE49-F238E27FC236}">
-                <a16:creationId xmlns:a16="http://schemas.microsoft.com/office/drawing/2014/main" id="{9390E334-5E3D-4441-8FD9-1C6AE0409427}"/>
+                <a16:creationId xmlns:a16="http://schemas.microsoft.com/office/drawing/2014/main" xmlns="" id="{9390E334-5E3D-4441-8FD9-1C6AE0409427}"/>
               </a:ext>
             </a:extLst>
           </p:cNvPr>
@@ -2399,7 +2406,7 @@
           <p:cNvPr id="6" name="Content Placeholder 5">
             <a:extLst>
               <a:ext uri="{FF2B5EF4-FFF2-40B4-BE49-F238E27FC236}">
-                <a16:creationId xmlns:a16="http://schemas.microsoft.com/office/drawing/2014/main" id="{D9B40D25-64B4-0C45-BB08-84E95442A4DC}"/>
+                <a16:creationId xmlns:a16="http://schemas.microsoft.com/office/drawing/2014/main" xmlns="" id="{D9B40D25-64B4-0C45-BB08-84E95442A4DC}"/>
               </a:ext>
             </a:extLst>
           </p:cNvPr>
@@ -2462,7 +2469,7 @@
           <p:cNvPr id="7" name="Date Placeholder 6">
             <a:extLst>
               <a:ext uri="{FF2B5EF4-FFF2-40B4-BE49-F238E27FC236}">
-                <a16:creationId xmlns:a16="http://schemas.microsoft.com/office/drawing/2014/main" id="{4D430FA6-5360-FD4C-85EA-546A2EADAD50}"/>
+                <a16:creationId xmlns:a16="http://schemas.microsoft.com/office/drawing/2014/main" xmlns="" id="{4D430FA6-5360-FD4C-85EA-546A2EADAD50}"/>
               </a:ext>
             </a:extLst>
           </p:cNvPr>
@@ -2480,7 +2487,7 @@
           <a:p>
             <a:fld id="{9AD5F5E7-BF49-4F47-A424-503B82E4E0B0}" type="datetimeFigureOut">
               <a:rPr lang="en-AU" smtClean="0"/>
-              <a:t>9/2/21</a:t>
+              <a:t>17/2/21</a:t>
             </a:fld>
             <a:endParaRPr lang="en-AU"/>
           </a:p>
@@ -2491,7 +2498,7 @@
           <p:cNvPr id="8" name="Footer Placeholder 7">
             <a:extLst>
               <a:ext uri="{FF2B5EF4-FFF2-40B4-BE49-F238E27FC236}">
-                <a16:creationId xmlns:a16="http://schemas.microsoft.com/office/drawing/2014/main" id="{BCBCE3F6-4CC2-9C4B-8E55-CFD5707C2821}"/>
+                <a16:creationId xmlns:a16="http://schemas.microsoft.com/office/drawing/2014/main" xmlns="" id="{BCBCE3F6-4CC2-9C4B-8E55-CFD5707C2821}"/>
               </a:ext>
             </a:extLst>
           </p:cNvPr>
@@ -2516,7 +2523,7 @@
           <p:cNvPr id="9" name="Slide Number Placeholder 8">
             <a:extLst>
               <a:ext uri="{FF2B5EF4-FFF2-40B4-BE49-F238E27FC236}">
-                <a16:creationId xmlns:a16="http://schemas.microsoft.com/office/drawing/2014/main" id="{EABE1DF0-B9A3-9B47-8CC5-0A2C13F4D4BE}"/>
+                <a16:creationId xmlns:a16="http://schemas.microsoft.com/office/drawing/2014/main" xmlns="" id="{EABE1DF0-B9A3-9B47-8CC5-0A2C13F4D4BE}"/>
               </a:ext>
             </a:extLst>
           </p:cNvPr>
@@ -2575,7 +2582,7 @@
           <p:cNvPr id="2" name="Title 1">
             <a:extLst>
               <a:ext uri="{FF2B5EF4-FFF2-40B4-BE49-F238E27FC236}">
-                <a16:creationId xmlns:a16="http://schemas.microsoft.com/office/drawing/2014/main" id="{4C27C41C-4DAB-C24E-9A7B-4DE6CAB14C0D}"/>
+                <a16:creationId xmlns:a16="http://schemas.microsoft.com/office/drawing/2014/main" xmlns="" id="{4C27C41C-4DAB-C24E-9A7B-4DE6CAB14C0D}"/>
               </a:ext>
             </a:extLst>
           </p:cNvPr>
@@ -2604,7 +2611,7 @@
           <p:cNvPr id="3" name="Date Placeholder 2">
             <a:extLst>
               <a:ext uri="{FF2B5EF4-FFF2-40B4-BE49-F238E27FC236}">
-                <a16:creationId xmlns:a16="http://schemas.microsoft.com/office/drawing/2014/main" id="{5D2AD071-0F60-D74C-884B-6F41F99EF401}"/>
+                <a16:creationId xmlns:a16="http://schemas.microsoft.com/office/drawing/2014/main" xmlns="" id="{5D2AD071-0F60-D74C-884B-6F41F99EF401}"/>
               </a:ext>
             </a:extLst>
           </p:cNvPr>
@@ -2622,7 +2629,7 @@
           <a:p>
             <a:fld id="{9AD5F5E7-BF49-4F47-A424-503B82E4E0B0}" type="datetimeFigureOut">
               <a:rPr lang="en-AU" smtClean="0"/>
-              <a:t>9/2/21</a:t>
+              <a:t>17/2/21</a:t>
             </a:fld>
             <a:endParaRPr lang="en-AU"/>
           </a:p>
@@ -2633,7 +2640,7 @@
           <p:cNvPr id="4" name="Footer Placeholder 3">
             <a:extLst>
               <a:ext uri="{FF2B5EF4-FFF2-40B4-BE49-F238E27FC236}">
-                <a16:creationId xmlns:a16="http://schemas.microsoft.com/office/drawing/2014/main" id="{E296BA41-3C9A-9A42-ADA4-E721C02A1080}"/>
+                <a16:creationId xmlns:a16="http://schemas.microsoft.com/office/drawing/2014/main" xmlns="" id="{E296BA41-3C9A-9A42-ADA4-E721C02A1080}"/>
               </a:ext>
             </a:extLst>
           </p:cNvPr>
@@ -2658,7 +2665,7 @@
           <p:cNvPr id="5" name="Slide Number Placeholder 4">
             <a:extLst>
               <a:ext uri="{FF2B5EF4-FFF2-40B4-BE49-F238E27FC236}">
-                <a16:creationId xmlns:a16="http://schemas.microsoft.com/office/drawing/2014/main" id="{70DB63D1-2E69-BE4D-934A-6B1E7DF756C9}"/>
+                <a16:creationId xmlns:a16="http://schemas.microsoft.com/office/drawing/2014/main" xmlns="" id="{70DB63D1-2E69-BE4D-934A-6B1E7DF756C9}"/>
               </a:ext>
             </a:extLst>
           </p:cNvPr>
@@ -2717,7 +2724,7 @@
           <p:cNvPr id="2" name="Date Placeholder 1">
             <a:extLst>
               <a:ext uri="{FF2B5EF4-FFF2-40B4-BE49-F238E27FC236}">
-                <a16:creationId xmlns:a16="http://schemas.microsoft.com/office/drawing/2014/main" id="{DB93B817-8806-6740-866B-6EAD1AF64020}"/>
+                <a16:creationId xmlns:a16="http://schemas.microsoft.com/office/drawing/2014/main" xmlns="" id="{DB93B817-8806-6740-866B-6EAD1AF64020}"/>
               </a:ext>
             </a:extLst>
           </p:cNvPr>
@@ -2735,7 +2742,7 @@
           <a:p>
             <a:fld id="{9AD5F5E7-BF49-4F47-A424-503B82E4E0B0}" type="datetimeFigureOut">
               <a:rPr lang="en-AU" smtClean="0"/>
-              <a:t>9/2/21</a:t>
+              <a:t>17/2/21</a:t>
             </a:fld>
             <a:endParaRPr lang="en-AU"/>
           </a:p>
@@ -2746,7 +2753,7 @@
           <p:cNvPr id="3" name="Footer Placeholder 2">
             <a:extLst>
               <a:ext uri="{FF2B5EF4-FFF2-40B4-BE49-F238E27FC236}">
-                <a16:creationId xmlns:a16="http://schemas.microsoft.com/office/drawing/2014/main" id="{CE39DCFA-7727-3142-8CC5-8AD6A4508462}"/>
+                <a16:creationId xmlns:a16="http://schemas.microsoft.com/office/drawing/2014/main" xmlns="" id="{CE39DCFA-7727-3142-8CC5-8AD6A4508462}"/>
               </a:ext>
             </a:extLst>
           </p:cNvPr>
@@ -2771,7 +2778,7 @@
           <p:cNvPr id="4" name="Slide Number Placeholder 3">
             <a:extLst>
               <a:ext uri="{FF2B5EF4-FFF2-40B4-BE49-F238E27FC236}">
-                <a16:creationId xmlns:a16="http://schemas.microsoft.com/office/drawing/2014/main" id="{FBFF1016-3923-A24F-9BEB-62F2BCD46AD6}"/>
+                <a16:creationId xmlns:a16="http://schemas.microsoft.com/office/drawing/2014/main" xmlns="" id="{FBFF1016-3923-A24F-9BEB-62F2BCD46AD6}"/>
               </a:ext>
             </a:extLst>
           </p:cNvPr>
@@ -2830,7 +2837,7 @@
           <p:cNvPr id="2" name="Title 1">
             <a:extLst>
               <a:ext uri="{FF2B5EF4-FFF2-40B4-BE49-F238E27FC236}">
-                <a16:creationId xmlns:a16="http://schemas.microsoft.com/office/drawing/2014/main" id="{B8293CB6-AC7D-CA49-B3A0-89B26FC3B936}"/>
+                <a16:creationId xmlns:a16="http://schemas.microsoft.com/office/drawing/2014/main" xmlns="" id="{B8293CB6-AC7D-CA49-B3A0-89B26FC3B936}"/>
               </a:ext>
             </a:extLst>
           </p:cNvPr>
@@ -2868,7 +2875,7 @@
           <p:cNvPr id="3" name="Content Placeholder 2">
             <a:extLst>
               <a:ext uri="{FF2B5EF4-FFF2-40B4-BE49-F238E27FC236}">
-                <a16:creationId xmlns:a16="http://schemas.microsoft.com/office/drawing/2014/main" id="{D35461D8-F8AC-9B4E-970B-32596351CFA1}"/>
+                <a16:creationId xmlns:a16="http://schemas.microsoft.com/office/drawing/2014/main" xmlns="" id="{D35461D8-F8AC-9B4E-970B-32596351CFA1}"/>
               </a:ext>
             </a:extLst>
           </p:cNvPr>
@@ -2959,7 +2966,7 @@
           <p:cNvPr id="4" name="Text Placeholder 3">
             <a:extLst>
               <a:ext uri="{FF2B5EF4-FFF2-40B4-BE49-F238E27FC236}">
-                <a16:creationId xmlns:a16="http://schemas.microsoft.com/office/drawing/2014/main" id="{077B56E6-A266-A14B-A0B5-B35F8FA39366}"/>
+                <a16:creationId xmlns:a16="http://schemas.microsoft.com/office/drawing/2014/main" xmlns="" id="{077B56E6-A266-A14B-A0B5-B35F8FA39366}"/>
               </a:ext>
             </a:extLst>
           </p:cNvPr>
@@ -3030,7 +3037,7 @@
           <p:cNvPr id="5" name="Date Placeholder 4">
             <a:extLst>
               <a:ext uri="{FF2B5EF4-FFF2-40B4-BE49-F238E27FC236}">
-                <a16:creationId xmlns:a16="http://schemas.microsoft.com/office/drawing/2014/main" id="{FD96A749-3557-224B-B3EA-5FB48885F5F4}"/>
+                <a16:creationId xmlns:a16="http://schemas.microsoft.com/office/drawing/2014/main" xmlns="" id="{FD96A749-3557-224B-B3EA-5FB48885F5F4}"/>
               </a:ext>
             </a:extLst>
           </p:cNvPr>
@@ -3048,7 +3055,7 @@
           <a:p>
             <a:fld id="{9AD5F5E7-BF49-4F47-A424-503B82E4E0B0}" type="datetimeFigureOut">
               <a:rPr lang="en-AU" smtClean="0"/>
-              <a:t>9/2/21</a:t>
+              <a:t>17/2/21</a:t>
             </a:fld>
             <a:endParaRPr lang="en-AU"/>
           </a:p>
@@ -3059,7 +3066,7 @@
           <p:cNvPr id="6" name="Footer Placeholder 5">
             <a:extLst>
               <a:ext uri="{FF2B5EF4-FFF2-40B4-BE49-F238E27FC236}">
-                <a16:creationId xmlns:a16="http://schemas.microsoft.com/office/drawing/2014/main" id="{44D29DC0-0ED0-1447-926A-E3F682725CAA}"/>
+                <a16:creationId xmlns:a16="http://schemas.microsoft.com/office/drawing/2014/main" xmlns="" id="{44D29DC0-0ED0-1447-926A-E3F682725CAA}"/>
               </a:ext>
             </a:extLst>
           </p:cNvPr>
@@ -3084,7 +3091,7 @@
           <p:cNvPr id="7" name="Slide Number Placeholder 6">
             <a:extLst>
               <a:ext uri="{FF2B5EF4-FFF2-40B4-BE49-F238E27FC236}">
-                <a16:creationId xmlns:a16="http://schemas.microsoft.com/office/drawing/2014/main" id="{1FF154F9-03EE-3C4A-8220-6502BB9D5120}"/>
+                <a16:creationId xmlns:a16="http://schemas.microsoft.com/office/drawing/2014/main" xmlns="" id="{1FF154F9-03EE-3C4A-8220-6502BB9D5120}"/>
               </a:ext>
             </a:extLst>
           </p:cNvPr>
@@ -3143,7 +3150,7 @@
           <p:cNvPr id="2" name="Title 1">
             <a:extLst>
               <a:ext uri="{FF2B5EF4-FFF2-40B4-BE49-F238E27FC236}">
-                <a16:creationId xmlns:a16="http://schemas.microsoft.com/office/drawing/2014/main" id="{0071BC45-5DA1-D64A-BB0D-2CAD9B409C0D}"/>
+                <a16:creationId xmlns:a16="http://schemas.microsoft.com/office/drawing/2014/main" xmlns="" id="{0071BC45-5DA1-D64A-BB0D-2CAD9B409C0D}"/>
               </a:ext>
             </a:extLst>
           </p:cNvPr>
@@ -3181,7 +3188,7 @@
           <p:cNvPr id="3" name="Picture Placeholder 2">
             <a:extLst>
               <a:ext uri="{FF2B5EF4-FFF2-40B4-BE49-F238E27FC236}">
-                <a16:creationId xmlns:a16="http://schemas.microsoft.com/office/drawing/2014/main" id="{E57A2F7F-87CB-044B-8953-A431C05687A2}"/>
+                <a16:creationId xmlns:a16="http://schemas.microsoft.com/office/drawing/2014/main" xmlns="" id="{E57A2F7F-87CB-044B-8953-A431C05687A2}"/>
               </a:ext>
             </a:extLst>
           </p:cNvPr>
@@ -3248,7 +3255,7 @@
           <p:cNvPr id="4" name="Text Placeholder 3">
             <a:extLst>
               <a:ext uri="{FF2B5EF4-FFF2-40B4-BE49-F238E27FC236}">
-                <a16:creationId xmlns:a16="http://schemas.microsoft.com/office/drawing/2014/main" id="{D6416332-3F4F-FC40-8BE7-08FB3A9D3672}"/>
+                <a16:creationId xmlns:a16="http://schemas.microsoft.com/office/drawing/2014/main" xmlns="" id="{D6416332-3F4F-FC40-8BE7-08FB3A9D3672}"/>
               </a:ext>
             </a:extLst>
           </p:cNvPr>
@@ -3319,7 +3326,7 @@
           <p:cNvPr id="5" name="Date Placeholder 4">
             <a:extLst>
               <a:ext uri="{FF2B5EF4-FFF2-40B4-BE49-F238E27FC236}">
-                <a16:creationId xmlns:a16="http://schemas.microsoft.com/office/drawing/2014/main" id="{BC9BA3CC-3AA7-2348-A8AA-F1FFAC7CCBF4}"/>
+                <a16:creationId xmlns:a16="http://schemas.microsoft.com/office/drawing/2014/main" xmlns="" id="{BC9BA3CC-3AA7-2348-A8AA-F1FFAC7CCBF4}"/>
               </a:ext>
             </a:extLst>
           </p:cNvPr>
@@ -3337,7 +3344,7 @@
           <a:p>
             <a:fld id="{9AD5F5E7-BF49-4F47-A424-503B82E4E0B0}" type="datetimeFigureOut">
               <a:rPr lang="en-AU" smtClean="0"/>
-              <a:t>9/2/21</a:t>
+              <a:t>17/2/21</a:t>
             </a:fld>
             <a:endParaRPr lang="en-AU"/>
           </a:p>
@@ -3348,7 +3355,7 @@
           <p:cNvPr id="6" name="Footer Placeholder 5">
             <a:extLst>
               <a:ext uri="{FF2B5EF4-FFF2-40B4-BE49-F238E27FC236}">
-                <a16:creationId xmlns:a16="http://schemas.microsoft.com/office/drawing/2014/main" id="{C1F151AB-CA0A-5A41-AA69-CE2DFCA9C437}"/>
+                <a16:creationId xmlns:a16="http://schemas.microsoft.com/office/drawing/2014/main" xmlns="" id="{C1F151AB-CA0A-5A41-AA69-CE2DFCA9C437}"/>
               </a:ext>
             </a:extLst>
           </p:cNvPr>
@@ -3373,7 +3380,7 @@
           <p:cNvPr id="7" name="Slide Number Placeholder 6">
             <a:extLst>
               <a:ext uri="{FF2B5EF4-FFF2-40B4-BE49-F238E27FC236}">
-                <a16:creationId xmlns:a16="http://schemas.microsoft.com/office/drawing/2014/main" id="{F8413409-4A80-2341-9150-6AABAE715147}"/>
+                <a16:creationId xmlns:a16="http://schemas.microsoft.com/office/drawing/2014/main" xmlns="" id="{F8413409-4A80-2341-9150-6AABAE715147}"/>
               </a:ext>
             </a:extLst>
           </p:cNvPr>
@@ -3437,7 +3444,7 @@
           <p:cNvPr id="2" name="Title Placeholder 1">
             <a:extLst>
               <a:ext uri="{FF2B5EF4-FFF2-40B4-BE49-F238E27FC236}">
-                <a16:creationId xmlns:a16="http://schemas.microsoft.com/office/drawing/2014/main" id="{5E0CEEB0-48F7-8542-A3FB-3F159C7BE944}"/>
+                <a16:creationId xmlns:a16="http://schemas.microsoft.com/office/drawing/2014/main" xmlns="" id="{5E0CEEB0-48F7-8542-A3FB-3F159C7BE944}"/>
               </a:ext>
             </a:extLst>
           </p:cNvPr>
@@ -3476,7 +3483,7 @@
           <p:cNvPr id="3" name="Text Placeholder 2">
             <a:extLst>
               <a:ext uri="{FF2B5EF4-FFF2-40B4-BE49-F238E27FC236}">
-                <a16:creationId xmlns:a16="http://schemas.microsoft.com/office/drawing/2014/main" id="{D222E7E2-9D11-D741-8F30-6872C9C6D4F4}"/>
+                <a16:creationId xmlns:a16="http://schemas.microsoft.com/office/drawing/2014/main" xmlns="" id="{D222E7E2-9D11-D741-8F30-6872C9C6D4F4}"/>
               </a:ext>
             </a:extLst>
           </p:cNvPr>
@@ -3544,7 +3551,7 @@
           <p:cNvPr id="4" name="Date Placeholder 3">
             <a:extLst>
               <a:ext uri="{FF2B5EF4-FFF2-40B4-BE49-F238E27FC236}">
-                <a16:creationId xmlns:a16="http://schemas.microsoft.com/office/drawing/2014/main" id="{52688440-0A56-A443-B2C9-D81BD11EA506}"/>
+                <a16:creationId xmlns:a16="http://schemas.microsoft.com/office/drawing/2014/main" xmlns="" id="{52688440-0A56-A443-B2C9-D81BD11EA506}"/>
               </a:ext>
             </a:extLst>
           </p:cNvPr>
@@ -3580,7 +3587,7 @@
           <a:p>
             <a:fld id="{9AD5F5E7-BF49-4F47-A424-503B82E4E0B0}" type="datetimeFigureOut">
               <a:rPr lang="en-AU" smtClean="0"/>
-              <a:t>9/2/21</a:t>
+              <a:t>17/2/21</a:t>
             </a:fld>
             <a:endParaRPr lang="en-AU"/>
           </a:p>
@@ -3591,7 +3598,7 @@
           <p:cNvPr id="5" name="Footer Placeholder 4">
             <a:extLst>
               <a:ext uri="{FF2B5EF4-FFF2-40B4-BE49-F238E27FC236}">
-                <a16:creationId xmlns:a16="http://schemas.microsoft.com/office/drawing/2014/main" id="{D9E5E2C4-B957-D048-A499-356F33CB58BE}"/>
+                <a16:creationId xmlns:a16="http://schemas.microsoft.com/office/drawing/2014/main" xmlns="" id="{D9E5E2C4-B957-D048-A499-356F33CB58BE}"/>
               </a:ext>
             </a:extLst>
           </p:cNvPr>
@@ -3634,7 +3641,7 @@
           <p:cNvPr id="6" name="Slide Number Placeholder 5">
             <a:extLst>
               <a:ext uri="{FF2B5EF4-FFF2-40B4-BE49-F238E27FC236}">
-                <a16:creationId xmlns:a16="http://schemas.microsoft.com/office/drawing/2014/main" id="{2592562D-71AE-D140-B3ED-86B6B7F769BF}"/>
+                <a16:creationId xmlns:a16="http://schemas.microsoft.com/office/drawing/2014/main" xmlns="" id="{2592562D-71AE-D140-B3ED-86B6B7F769BF}"/>
               </a:ext>
             </a:extLst>
           </p:cNvPr>
@@ -4092,7 +4099,7 @@
           <p:cNvPr id="3" name="Straight Connector 2">
             <a:extLst>
               <a:ext uri="{FF2B5EF4-FFF2-40B4-BE49-F238E27FC236}">
-                <a16:creationId xmlns:a16="http://schemas.microsoft.com/office/drawing/2014/main" id="{98B635A7-C07A-7043-8EF9-7D743360C09C}"/>
+                <a16:creationId xmlns:a16="http://schemas.microsoft.com/office/drawing/2014/main" xmlns="" id="{98B635A7-C07A-7043-8EF9-7D743360C09C}"/>
               </a:ext>
             </a:extLst>
           </p:cNvPr>
@@ -4128,7 +4135,7 @@
           <p:cNvPr id="5" name="Freeform 4">
             <a:extLst>
               <a:ext uri="{FF2B5EF4-FFF2-40B4-BE49-F238E27FC236}">
-                <a16:creationId xmlns:a16="http://schemas.microsoft.com/office/drawing/2014/main" id="{9DC84B63-BB3C-EA44-9C51-EA6690AD30F9}"/>
+                <a16:creationId xmlns:a16="http://schemas.microsoft.com/office/drawing/2014/main" xmlns="" id="{9DC84B63-BB3C-EA44-9C51-EA6690AD30F9}"/>
               </a:ext>
             </a:extLst>
           </p:cNvPr>
@@ -4342,7 +4349,7 @@
           <p:cNvPr id="6" name="Straight Connector 5">
             <a:extLst>
               <a:ext uri="{FF2B5EF4-FFF2-40B4-BE49-F238E27FC236}">
-                <a16:creationId xmlns:a16="http://schemas.microsoft.com/office/drawing/2014/main" id="{FC7B2C06-0E6A-5242-B210-B820D9414F72}"/>
+                <a16:creationId xmlns:a16="http://schemas.microsoft.com/office/drawing/2014/main" xmlns="" id="{FC7B2C06-0E6A-5242-B210-B820D9414F72}"/>
               </a:ext>
             </a:extLst>
           </p:cNvPr>
@@ -4380,7 +4387,7 @@
           <p:cNvPr id="9" name="TextBox 8">
             <a:extLst>
               <a:ext uri="{FF2B5EF4-FFF2-40B4-BE49-F238E27FC236}">
-                <a16:creationId xmlns:a16="http://schemas.microsoft.com/office/drawing/2014/main" id="{9144CF4C-E6F3-CD42-940A-63E54F727F8C}"/>
+                <a16:creationId xmlns:a16="http://schemas.microsoft.com/office/drawing/2014/main" xmlns="" id="{9144CF4C-E6F3-CD42-940A-63E54F727F8C}"/>
               </a:ext>
             </a:extLst>
           </p:cNvPr>
@@ -4418,7 +4425,7 @@
           <p:cNvPr id="10" name="TextBox 9">
             <a:extLst>
               <a:ext uri="{FF2B5EF4-FFF2-40B4-BE49-F238E27FC236}">
-                <a16:creationId xmlns:a16="http://schemas.microsoft.com/office/drawing/2014/main" id="{F1228DFD-B7FE-1B4B-B865-019E762F1BEE}"/>
+                <a16:creationId xmlns:a16="http://schemas.microsoft.com/office/drawing/2014/main" xmlns="" id="{F1228DFD-B7FE-1B4B-B865-019E762F1BEE}"/>
               </a:ext>
             </a:extLst>
           </p:cNvPr>
@@ -4456,7 +4463,7 @@
           <p:cNvPr id="11" name="Straight Connector 10">
             <a:extLst>
               <a:ext uri="{FF2B5EF4-FFF2-40B4-BE49-F238E27FC236}">
-                <a16:creationId xmlns:a16="http://schemas.microsoft.com/office/drawing/2014/main" id="{3E6082F1-66AE-C549-BD2E-53C5C496D070}"/>
+                <a16:creationId xmlns:a16="http://schemas.microsoft.com/office/drawing/2014/main" xmlns="" id="{3E6082F1-66AE-C549-BD2E-53C5C496D070}"/>
               </a:ext>
             </a:extLst>
           </p:cNvPr>
@@ -4495,7 +4502,7 @@
           <p:cNvPr id="12" name="TextBox 11">
             <a:extLst>
               <a:ext uri="{FF2B5EF4-FFF2-40B4-BE49-F238E27FC236}">
-                <a16:creationId xmlns:a16="http://schemas.microsoft.com/office/drawing/2014/main" id="{92F12434-0A65-C748-BC2B-781E993547B8}"/>
+                <a16:creationId xmlns:a16="http://schemas.microsoft.com/office/drawing/2014/main" xmlns="" id="{92F12434-0A65-C748-BC2B-781E993547B8}"/>
               </a:ext>
             </a:extLst>
           </p:cNvPr>
@@ -4532,6 +4539,1097 @@
     <p:extLst>
       <p:ext uri="{BB962C8B-B14F-4D97-AF65-F5344CB8AC3E}">
         <p14:creationId xmlns:p14="http://schemas.microsoft.com/office/powerpoint/2010/main" val="1813987740"/>
+      </p:ext>
+    </p:extLst>
+  </p:cSld>
+  <p:clrMapOvr>
+    <a:masterClrMapping/>
+  </p:clrMapOvr>
+</p:sld>
+</file>
+
+<file path=ppt/slides/slide3.xml><?xml version="1.0" encoding="utf-8"?>
+<p:sld xmlns:a="http://schemas.openxmlformats.org/drawingml/2006/main" xmlns:r="http://schemas.openxmlformats.org/officeDocument/2006/relationships" xmlns:p="http://schemas.openxmlformats.org/presentationml/2006/main">
+  <p:cSld>
+    <p:spTree>
+      <p:nvGrpSpPr>
+        <p:cNvPr id="1" name=""/>
+        <p:cNvGrpSpPr/>
+        <p:nvPr/>
+      </p:nvGrpSpPr>
+      <p:grpSpPr>
+        <a:xfrm>
+          <a:off x="0" y="0"/>
+          <a:ext cx="0" cy="0"/>
+          <a:chOff x="0" y="0"/>
+          <a:chExt cx="0" cy="0"/>
+        </a:xfrm>
+      </p:grpSpPr>
+      <p:sp>
+        <p:nvSpPr>
+          <p:cNvPr id="4" name="Rectangle 3"/>
+          <p:cNvSpPr/>
+          <p:nvPr/>
+        </p:nvSpPr>
+        <p:spPr>
+          <a:xfrm>
+            <a:off x="3740727" y="3657600"/>
+            <a:ext cx="2299855" cy="1385455"/>
+          </a:xfrm>
+          <a:prstGeom prst="rect">
+            <a:avLst/>
+          </a:prstGeom>
+          <a:ln>
+            <a:noFill/>
+          </a:ln>
+        </p:spPr>
+        <p:style>
+          <a:lnRef idx="2">
+            <a:schemeClr val="accent1">
+              <a:shade val="50000"/>
+            </a:schemeClr>
+          </a:lnRef>
+          <a:fillRef idx="1">
+            <a:schemeClr val="accent1"/>
+          </a:fillRef>
+          <a:effectRef idx="0">
+            <a:schemeClr val="accent1"/>
+          </a:effectRef>
+          <a:fontRef idx="minor">
+            <a:schemeClr val="lt1"/>
+          </a:fontRef>
+        </p:style>
+        <p:txBody>
+          <a:bodyPr rtlCol="0" anchor="ctr"/>
+          <a:lstStyle/>
+          <a:p>
+            <a:pPr algn="ctr"/>
+            <a:r>
+              <a:rPr lang="en-US" dirty="0" smtClean="0"/>
+              <a:t>Sender 1</a:t>
+            </a:r>
+            <a:endParaRPr lang="en-US" dirty="0"/>
+          </a:p>
+        </p:txBody>
+      </p:sp>
+      <p:sp>
+        <p:nvSpPr>
+          <p:cNvPr id="13" name="Rectangle 12"/>
+          <p:cNvSpPr/>
+          <p:nvPr/>
+        </p:nvSpPr>
+        <p:spPr>
+          <a:xfrm>
+            <a:off x="3740727" y="5943599"/>
+            <a:ext cx="2299856" cy="1385455"/>
+          </a:xfrm>
+          <a:prstGeom prst="rect">
+            <a:avLst/>
+          </a:prstGeom>
+          <a:ln>
+            <a:noFill/>
+          </a:ln>
+        </p:spPr>
+        <p:style>
+          <a:lnRef idx="2">
+            <a:schemeClr val="accent1">
+              <a:shade val="50000"/>
+            </a:schemeClr>
+          </a:lnRef>
+          <a:fillRef idx="1">
+            <a:schemeClr val="accent1"/>
+          </a:fillRef>
+          <a:effectRef idx="0">
+            <a:schemeClr val="accent1"/>
+          </a:effectRef>
+          <a:fontRef idx="minor">
+            <a:schemeClr val="lt1"/>
+          </a:fontRef>
+        </p:style>
+        <p:txBody>
+          <a:bodyPr rtlCol="0" anchor="ctr"/>
+          <a:lstStyle/>
+          <a:p>
+            <a:pPr algn="ctr"/>
+            <a:r>
+              <a:rPr lang="en-US" dirty="0" smtClean="0"/>
+              <a:t>Sender 2</a:t>
+            </a:r>
+            <a:endParaRPr lang="en-US" dirty="0"/>
+          </a:p>
+        </p:txBody>
+      </p:sp>
+      <p:sp>
+        <p:nvSpPr>
+          <p:cNvPr id="14" name="Rectangle 13"/>
+          <p:cNvSpPr/>
+          <p:nvPr/>
+        </p:nvSpPr>
+        <p:spPr>
+          <a:xfrm>
+            <a:off x="3740727" y="8229598"/>
+            <a:ext cx="2299856" cy="1385455"/>
+          </a:xfrm>
+          <a:prstGeom prst="rect">
+            <a:avLst/>
+          </a:prstGeom>
+          <a:ln>
+            <a:noFill/>
+          </a:ln>
+        </p:spPr>
+        <p:style>
+          <a:lnRef idx="2">
+            <a:schemeClr val="accent1">
+              <a:shade val="50000"/>
+            </a:schemeClr>
+          </a:lnRef>
+          <a:fillRef idx="1">
+            <a:schemeClr val="accent1"/>
+          </a:fillRef>
+          <a:effectRef idx="0">
+            <a:schemeClr val="accent1"/>
+          </a:effectRef>
+          <a:fontRef idx="minor">
+            <a:schemeClr val="lt1"/>
+          </a:fontRef>
+        </p:style>
+        <p:txBody>
+          <a:bodyPr rtlCol="0" anchor="ctr"/>
+          <a:lstStyle/>
+          <a:p>
+            <a:pPr algn="ctr"/>
+            <a:r>
+              <a:rPr lang="en-US" smtClean="0"/>
+              <a:t>Sender 3</a:t>
+            </a:r>
+            <a:endParaRPr lang="en-US" dirty="0"/>
+          </a:p>
+        </p:txBody>
+      </p:sp>
+      <p:sp>
+        <p:nvSpPr>
+          <p:cNvPr id="7" name="Oval 6"/>
+          <p:cNvSpPr/>
+          <p:nvPr/>
+        </p:nvSpPr>
+        <p:spPr>
+          <a:xfrm>
+            <a:off x="8534400" y="5638799"/>
+            <a:ext cx="1995055" cy="1995053"/>
+          </a:xfrm>
+          <a:prstGeom prst="ellipse">
+            <a:avLst/>
+          </a:prstGeom>
+          <a:ln>
+            <a:noFill/>
+          </a:ln>
+        </p:spPr>
+        <p:style>
+          <a:lnRef idx="1">
+            <a:schemeClr val="accent3"/>
+          </a:lnRef>
+          <a:fillRef idx="2">
+            <a:schemeClr val="accent3"/>
+          </a:fillRef>
+          <a:effectRef idx="1">
+            <a:schemeClr val="accent3"/>
+          </a:effectRef>
+          <a:fontRef idx="minor">
+            <a:schemeClr val="dk1"/>
+          </a:fontRef>
+        </p:style>
+        <p:txBody>
+          <a:bodyPr rtlCol="0" anchor="ctr"/>
+          <a:lstStyle/>
+          <a:p>
+            <a:pPr algn="ctr"/>
+            <a:r>
+              <a:rPr lang="en-US" smtClean="0"/>
+              <a:t>Switch</a:t>
+            </a:r>
+            <a:endParaRPr lang="en-US"/>
+          </a:p>
+        </p:txBody>
+      </p:sp>
+      <p:sp>
+        <p:nvSpPr>
+          <p:cNvPr id="15" name="Rectangle 14"/>
+          <p:cNvSpPr/>
+          <p:nvPr/>
+        </p:nvSpPr>
+        <p:spPr>
+          <a:xfrm>
+            <a:off x="13023272" y="5943599"/>
+            <a:ext cx="2299856" cy="1385455"/>
+          </a:xfrm>
+          <a:prstGeom prst="rect">
+            <a:avLst/>
+          </a:prstGeom>
+          <a:ln>
+            <a:noFill/>
+          </a:ln>
+        </p:spPr>
+        <p:style>
+          <a:lnRef idx="2">
+            <a:schemeClr val="accent1">
+              <a:shade val="50000"/>
+            </a:schemeClr>
+          </a:lnRef>
+          <a:fillRef idx="1">
+            <a:schemeClr val="accent1"/>
+          </a:fillRef>
+          <a:effectRef idx="0">
+            <a:schemeClr val="accent1"/>
+          </a:effectRef>
+          <a:fontRef idx="minor">
+            <a:schemeClr val="lt1"/>
+          </a:fontRef>
+        </p:style>
+        <p:txBody>
+          <a:bodyPr rtlCol="0" anchor="ctr"/>
+          <a:lstStyle/>
+          <a:p>
+            <a:pPr algn="ctr"/>
+            <a:r>
+              <a:rPr lang="en-US" smtClean="0"/>
+              <a:t>Receiver</a:t>
+            </a:r>
+            <a:endParaRPr lang="en-US" dirty="0"/>
+          </a:p>
+        </p:txBody>
+      </p:sp>
+      <p:cxnSp>
+        <p:nvCxnSpPr>
+          <p:cNvPr id="17" name="Straight Arrow Connector 16"/>
+          <p:cNvCxnSpPr>
+            <a:stCxn id="4" idx="3"/>
+            <a:endCxn id="7" idx="1"/>
+          </p:cNvCxnSpPr>
+          <p:nvPr/>
+        </p:nvCxnSpPr>
+        <p:spPr>
+          <a:xfrm>
+            <a:off x="6040582" y="4350328"/>
+            <a:ext cx="2785987" cy="1580640"/>
+          </a:xfrm>
+          <a:prstGeom prst="straightConnector1">
+            <a:avLst/>
+          </a:prstGeom>
+          <a:ln>
+            <a:solidFill>
+              <a:schemeClr val="tx1"/>
+            </a:solidFill>
+            <a:tailEnd type="triangle"/>
+          </a:ln>
+        </p:spPr>
+        <p:style>
+          <a:lnRef idx="3">
+            <a:schemeClr val="dk1"/>
+          </a:lnRef>
+          <a:fillRef idx="0">
+            <a:schemeClr val="dk1"/>
+          </a:fillRef>
+          <a:effectRef idx="2">
+            <a:schemeClr val="dk1"/>
+          </a:effectRef>
+          <a:fontRef idx="minor">
+            <a:schemeClr val="tx1"/>
+          </a:fontRef>
+        </p:style>
+      </p:cxnSp>
+      <p:cxnSp>
+        <p:nvCxnSpPr>
+          <p:cNvPr id="19" name="Straight Arrow Connector 18"/>
+          <p:cNvCxnSpPr>
+            <a:stCxn id="13" idx="3"/>
+            <a:endCxn id="7" idx="2"/>
+          </p:cNvCxnSpPr>
+          <p:nvPr/>
+        </p:nvCxnSpPr>
+        <p:spPr>
+          <a:xfrm flipV="1">
+            <a:off x="6040583" y="6636326"/>
+            <a:ext cx="2493817" cy="1"/>
+          </a:xfrm>
+          <a:prstGeom prst="straightConnector1">
+            <a:avLst/>
+          </a:prstGeom>
+          <a:ln>
+            <a:tailEnd type="triangle"/>
+          </a:ln>
+        </p:spPr>
+        <p:style>
+          <a:lnRef idx="3">
+            <a:schemeClr val="dk1"/>
+          </a:lnRef>
+          <a:fillRef idx="0">
+            <a:schemeClr val="dk1"/>
+          </a:fillRef>
+          <a:effectRef idx="2">
+            <a:schemeClr val="dk1"/>
+          </a:effectRef>
+          <a:fontRef idx="minor">
+            <a:schemeClr val="tx1"/>
+          </a:fontRef>
+        </p:style>
+      </p:cxnSp>
+      <p:cxnSp>
+        <p:nvCxnSpPr>
+          <p:cNvPr id="21" name="Straight Arrow Connector 20"/>
+          <p:cNvCxnSpPr>
+            <a:stCxn id="14" idx="3"/>
+            <a:endCxn id="7" idx="3"/>
+          </p:cNvCxnSpPr>
+          <p:nvPr/>
+        </p:nvCxnSpPr>
+        <p:spPr>
+          <a:xfrm flipV="1">
+            <a:off x="6040583" y="7341683"/>
+            <a:ext cx="2785986" cy="1580643"/>
+          </a:xfrm>
+          <a:prstGeom prst="straightConnector1">
+            <a:avLst/>
+          </a:prstGeom>
+          <a:ln>
+            <a:tailEnd type="triangle"/>
+          </a:ln>
+        </p:spPr>
+        <p:style>
+          <a:lnRef idx="3">
+            <a:schemeClr val="dk1"/>
+          </a:lnRef>
+          <a:fillRef idx="0">
+            <a:schemeClr val="dk1"/>
+          </a:fillRef>
+          <a:effectRef idx="2">
+            <a:schemeClr val="dk1"/>
+          </a:effectRef>
+          <a:fontRef idx="minor">
+            <a:schemeClr val="tx1"/>
+          </a:fontRef>
+        </p:style>
+      </p:cxnSp>
+      <p:cxnSp>
+        <p:nvCxnSpPr>
+          <p:cNvPr id="23" name="Straight Arrow Connector 22"/>
+          <p:cNvCxnSpPr>
+            <a:stCxn id="7" idx="6"/>
+            <a:endCxn id="15" idx="1"/>
+          </p:cNvCxnSpPr>
+          <p:nvPr/>
+        </p:nvCxnSpPr>
+        <p:spPr>
+          <a:xfrm>
+            <a:off x="10529455" y="6636326"/>
+            <a:ext cx="2493817" cy="1"/>
+          </a:xfrm>
+          <a:prstGeom prst="straightConnector1">
+            <a:avLst/>
+          </a:prstGeom>
+          <a:ln>
+            <a:tailEnd type="triangle"/>
+          </a:ln>
+        </p:spPr>
+        <p:style>
+          <a:lnRef idx="3">
+            <a:schemeClr val="dk1"/>
+          </a:lnRef>
+          <a:fillRef idx="0">
+            <a:schemeClr val="dk1"/>
+          </a:fillRef>
+          <a:effectRef idx="2">
+            <a:schemeClr val="dk1"/>
+          </a:effectRef>
+          <a:fontRef idx="minor">
+            <a:schemeClr val="tx1"/>
+          </a:fontRef>
+        </p:style>
+      </p:cxnSp>
+    </p:spTree>
+    <p:extLst>
+      <p:ext uri="{BB962C8B-B14F-4D97-AF65-F5344CB8AC3E}">
+        <p14:creationId xmlns:p14="http://schemas.microsoft.com/office/powerpoint/2010/main" val="209672785"/>
+      </p:ext>
+    </p:extLst>
+  </p:cSld>
+  <p:clrMapOvr>
+    <a:masterClrMapping/>
+  </p:clrMapOvr>
+</p:sld>
+</file>
+
+<file path=ppt/slides/slide4.xml><?xml version="1.0" encoding="utf-8"?>
+<p:sld xmlns:a="http://schemas.openxmlformats.org/drawingml/2006/main" xmlns:r="http://schemas.openxmlformats.org/officeDocument/2006/relationships" xmlns:p="http://schemas.openxmlformats.org/presentationml/2006/main">
+  <p:cSld>
+    <p:spTree>
+      <p:nvGrpSpPr>
+        <p:cNvPr id="1" name=""/>
+        <p:cNvGrpSpPr/>
+        <p:nvPr/>
+      </p:nvGrpSpPr>
+      <p:grpSpPr>
+        <a:xfrm>
+          <a:off x="0" y="0"/>
+          <a:ext cx="0" cy="0"/>
+          <a:chOff x="0" y="0"/>
+          <a:chExt cx="0" cy="0"/>
+        </a:xfrm>
+      </p:grpSpPr>
+      <p:sp>
+        <p:nvSpPr>
+          <p:cNvPr id="4" name="Rectangle 3"/>
+          <p:cNvSpPr/>
+          <p:nvPr/>
+        </p:nvSpPr>
+        <p:spPr>
+          <a:xfrm>
+            <a:off x="2964872" y="3632338"/>
+            <a:ext cx="2299855" cy="1385455"/>
+          </a:xfrm>
+          <a:prstGeom prst="rect">
+            <a:avLst/>
+          </a:prstGeom>
+          <a:ln>
+            <a:noFill/>
+          </a:ln>
+        </p:spPr>
+        <p:style>
+          <a:lnRef idx="2">
+            <a:schemeClr val="accent1">
+              <a:shade val="50000"/>
+            </a:schemeClr>
+          </a:lnRef>
+          <a:fillRef idx="1">
+            <a:schemeClr val="accent1"/>
+          </a:fillRef>
+          <a:effectRef idx="0">
+            <a:schemeClr val="accent1"/>
+          </a:effectRef>
+          <a:fontRef idx="minor">
+            <a:schemeClr val="lt1"/>
+          </a:fontRef>
+        </p:style>
+        <p:txBody>
+          <a:bodyPr rtlCol="0" anchor="ctr"/>
+          <a:lstStyle/>
+          <a:p>
+            <a:pPr algn="ctr"/>
+            <a:r>
+              <a:rPr lang="en-US" dirty="0" smtClean="0"/>
+              <a:t>Sender 1</a:t>
+            </a:r>
+            <a:endParaRPr lang="en-US" dirty="0"/>
+          </a:p>
+        </p:txBody>
+      </p:sp>
+      <p:sp>
+        <p:nvSpPr>
+          <p:cNvPr id="13" name="Rectangle 12"/>
+          <p:cNvSpPr/>
+          <p:nvPr/>
+        </p:nvSpPr>
+        <p:spPr>
+          <a:xfrm>
+            <a:off x="2964872" y="5930968"/>
+            <a:ext cx="2299856" cy="1385455"/>
+          </a:xfrm>
+          <a:prstGeom prst="rect">
+            <a:avLst/>
+          </a:prstGeom>
+          <a:ln>
+            <a:noFill/>
+          </a:ln>
+        </p:spPr>
+        <p:style>
+          <a:lnRef idx="2">
+            <a:schemeClr val="accent1">
+              <a:shade val="50000"/>
+            </a:schemeClr>
+          </a:lnRef>
+          <a:fillRef idx="1">
+            <a:schemeClr val="accent1"/>
+          </a:fillRef>
+          <a:effectRef idx="0">
+            <a:schemeClr val="accent1"/>
+          </a:effectRef>
+          <a:fontRef idx="minor">
+            <a:schemeClr val="lt1"/>
+          </a:fontRef>
+        </p:style>
+        <p:txBody>
+          <a:bodyPr rtlCol="0" anchor="ctr"/>
+          <a:lstStyle/>
+          <a:p>
+            <a:pPr algn="ctr"/>
+            <a:r>
+              <a:rPr lang="en-US" dirty="0" smtClean="0"/>
+              <a:t>Sender 2</a:t>
+            </a:r>
+            <a:endParaRPr lang="en-US" dirty="0"/>
+          </a:p>
+        </p:txBody>
+      </p:sp>
+      <p:sp>
+        <p:nvSpPr>
+          <p:cNvPr id="14" name="Rectangle 13"/>
+          <p:cNvSpPr/>
+          <p:nvPr/>
+        </p:nvSpPr>
+        <p:spPr>
+          <a:xfrm>
+            <a:off x="2964872" y="8229598"/>
+            <a:ext cx="2299856" cy="1385455"/>
+          </a:xfrm>
+          <a:prstGeom prst="rect">
+            <a:avLst/>
+          </a:prstGeom>
+          <a:ln>
+            <a:noFill/>
+          </a:ln>
+        </p:spPr>
+        <p:style>
+          <a:lnRef idx="2">
+            <a:schemeClr val="accent1">
+              <a:shade val="50000"/>
+            </a:schemeClr>
+          </a:lnRef>
+          <a:fillRef idx="1">
+            <a:schemeClr val="accent1"/>
+          </a:fillRef>
+          <a:effectRef idx="0">
+            <a:schemeClr val="accent1"/>
+          </a:effectRef>
+          <a:fontRef idx="minor">
+            <a:schemeClr val="lt1"/>
+          </a:fontRef>
+        </p:style>
+        <p:txBody>
+          <a:bodyPr rtlCol="0" anchor="ctr"/>
+          <a:lstStyle/>
+          <a:p>
+            <a:pPr algn="ctr"/>
+            <a:r>
+              <a:rPr lang="en-US" smtClean="0"/>
+              <a:t>Sender 3</a:t>
+            </a:r>
+            <a:endParaRPr lang="en-US" dirty="0"/>
+          </a:p>
+        </p:txBody>
+      </p:sp>
+      <p:sp>
+        <p:nvSpPr>
+          <p:cNvPr id="7" name="Oval 6"/>
+          <p:cNvSpPr/>
+          <p:nvPr/>
+        </p:nvSpPr>
+        <p:spPr>
+          <a:xfrm>
+            <a:off x="7481455" y="5626168"/>
+            <a:ext cx="1995055" cy="1995053"/>
+          </a:xfrm>
+          <a:prstGeom prst="ellipse">
+            <a:avLst/>
+          </a:prstGeom>
+          <a:ln>
+            <a:noFill/>
+          </a:ln>
+        </p:spPr>
+        <p:style>
+          <a:lnRef idx="1">
+            <a:schemeClr val="accent3"/>
+          </a:lnRef>
+          <a:fillRef idx="2">
+            <a:schemeClr val="accent3"/>
+          </a:fillRef>
+          <a:effectRef idx="1">
+            <a:schemeClr val="accent3"/>
+          </a:effectRef>
+          <a:fontRef idx="minor">
+            <a:schemeClr val="dk1"/>
+          </a:fontRef>
+        </p:style>
+        <p:txBody>
+          <a:bodyPr rtlCol="0" anchor="ctr"/>
+          <a:lstStyle/>
+          <a:p>
+            <a:pPr algn="ctr"/>
+            <a:r>
+              <a:rPr lang="en-US" dirty="0" smtClean="0"/>
+              <a:t>Switch</a:t>
+            </a:r>
+            <a:endParaRPr lang="en-US" dirty="0"/>
+          </a:p>
+        </p:txBody>
+      </p:sp>
+      <p:sp>
+        <p:nvSpPr>
+          <p:cNvPr id="15" name="Rectangle 14"/>
+          <p:cNvSpPr/>
+          <p:nvPr/>
+        </p:nvSpPr>
+        <p:spPr>
+          <a:xfrm>
+            <a:off x="11693237" y="5930968"/>
+            <a:ext cx="2299856" cy="1385455"/>
+          </a:xfrm>
+          <a:prstGeom prst="rect">
+            <a:avLst/>
+          </a:prstGeom>
+          <a:ln>
+            <a:noFill/>
+          </a:ln>
+        </p:spPr>
+        <p:style>
+          <a:lnRef idx="2">
+            <a:schemeClr val="accent1">
+              <a:shade val="50000"/>
+            </a:schemeClr>
+          </a:lnRef>
+          <a:fillRef idx="1">
+            <a:schemeClr val="accent1"/>
+          </a:fillRef>
+          <a:effectRef idx="0">
+            <a:schemeClr val="accent1"/>
+          </a:effectRef>
+          <a:fontRef idx="minor">
+            <a:schemeClr val="lt1"/>
+          </a:fontRef>
+        </p:style>
+        <p:txBody>
+          <a:bodyPr rtlCol="0" anchor="ctr"/>
+          <a:lstStyle/>
+          <a:p>
+            <a:pPr algn="ctr"/>
+            <a:r>
+              <a:rPr lang="en-US" dirty="0" smtClean="0"/>
+              <a:t>Router</a:t>
+            </a:r>
+            <a:endParaRPr lang="en-US" dirty="0"/>
+          </a:p>
+        </p:txBody>
+      </p:sp>
+      <p:cxnSp>
+        <p:nvCxnSpPr>
+          <p:cNvPr id="17" name="Straight Arrow Connector 16"/>
+          <p:cNvCxnSpPr>
+            <a:stCxn id="4" idx="3"/>
+            <a:endCxn id="7" idx="1"/>
+          </p:cNvCxnSpPr>
+          <p:nvPr/>
+        </p:nvCxnSpPr>
+        <p:spPr>
+          <a:xfrm>
+            <a:off x="5264727" y="4325066"/>
+            <a:ext cx="2508897" cy="1593271"/>
+          </a:xfrm>
+          <a:prstGeom prst="straightConnector1">
+            <a:avLst/>
+          </a:prstGeom>
+          <a:ln>
+            <a:solidFill>
+              <a:schemeClr val="tx1"/>
+            </a:solidFill>
+            <a:tailEnd type="triangle"/>
+          </a:ln>
+        </p:spPr>
+        <p:style>
+          <a:lnRef idx="3">
+            <a:schemeClr val="dk1"/>
+          </a:lnRef>
+          <a:fillRef idx="0">
+            <a:schemeClr val="dk1"/>
+          </a:fillRef>
+          <a:effectRef idx="2">
+            <a:schemeClr val="dk1"/>
+          </a:effectRef>
+          <a:fontRef idx="minor">
+            <a:schemeClr val="tx1"/>
+          </a:fontRef>
+        </p:style>
+      </p:cxnSp>
+      <p:cxnSp>
+        <p:nvCxnSpPr>
+          <p:cNvPr id="19" name="Straight Arrow Connector 18"/>
+          <p:cNvCxnSpPr>
+            <a:stCxn id="13" idx="3"/>
+            <a:endCxn id="7" idx="2"/>
+          </p:cNvCxnSpPr>
+          <p:nvPr/>
+        </p:nvCxnSpPr>
+        <p:spPr>
+          <a:xfrm flipV="1">
+            <a:off x="5264728" y="6623695"/>
+            <a:ext cx="2216727" cy="1"/>
+          </a:xfrm>
+          <a:prstGeom prst="straightConnector1">
+            <a:avLst/>
+          </a:prstGeom>
+          <a:ln>
+            <a:tailEnd type="triangle"/>
+          </a:ln>
+        </p:spPr>
+        <p:style>
+          <a:lnRef idx="3">
+            <a:schemeClr val="dk1"/>
+          </a:lnRef>
+          <a:fillRef idx="0">
+            <a:schemeClr val="dk1"/>
+          </a:fillRef>
+          <a:effectRef idx="2">
+            <a:schemeClr val="dk1"/>
+          </a:effectRef>
+          <a:fontRef idx="minor">
+            <a:schemeClr val="tx1"/>
+          </a:fontRef>
+        </p:style>
+      </p:cxnSp>
+      <p:cxnSp>
+        <p:nvCxnSpPr>
+          <p:cNvPr id="21" name="Straight Arrow Connector 20"/>
+          <p:cNvCxnSpPr>
+            <a:stCxn id="14" idx="3"/>
+            <a:endCxn id="7" idx="3"/>
+          </p:cNvCxnSpPr>
+          <p:nvPr/>
+        </p:nvCxnSpPr>
+        <p:spPr>
+          <a:xfrm flipV="1">
+            <a:off x="5264728" y="7329052"/>
+            <a:ext cx="2508896" cy="1593274"/>
+          </a:xfrm>
+          <a:prstGeom prst="straightConnector1">
+            <a:avLst/>
+          </a:prstGeom>
+          <a:ln>
+            <a:tailEnd type="triangle"/>
+          </a:ln>
+        </p:spPr>
+        <p:style>
+          <a:lnRef idx="3">
+            <a:schemeClr val="dk1"/>
+          </a:lnRef>
+          <a:fillRef idx="0">
+            <a:schemeClr val="dk1"/>
+          </a:fillRef>
+          <a:effectRef idx="2">
+            <a:schemeClr val="dk1"/>
+          </a:effectRef>
+          <a:fontRef idx="minor">
+            <a:schemeClr val="tx1"/>
+          </a:fontRef>
+        </p:style>
+      </p:cxnSp>
+      <p:cxnSp>
+        <p:nvCxnSpPr>
+          <p:cNvPr id="23" name="Straight Arrow Connector 22"/>
+          <p:cNvCxnSpPr>
+            <a:stCxn id="7" idx="6"/>
+            <a:endCxn id="15" idx="1"/>
+          </p:cNvCxnSpPr>
+          <p:nvPr/>
+        </p:nvCxnSpPr>
+        <p:spPr>
+          <a:xfrm>
+            <a:off x="9476510" y="6623695"/>
+            <a:ext cx="2216727" cy="1"/>
+          </a:xfrm>
+          <a:prstGeom prst="straightConnector1">
+            <a:avLst/>
+          </a:prstGeom>
+          <a:ln>
+            <a:tailEnd type="triangle"/>
+          </a:ln>
+        </p:spPr>
+        <p:style>
+          <a:lnRef idx="3">
+            <a:schemeClr val="dk1"/>
+          </a:lnRef>
+          <a:fillRef idx="0">
+            <a:schemeClr val="dk1"/>
+          </a:fillRef>
+          <a:effectRef idx="2">
+            <a:schemeClr val="dk1"/>
+          </a:effectRef>
+          <a:fontRef idx="minor">
+            <a:schemeClr val="tx1"/>
+          </a:fontRef>
+        </p:style>
+      </p:cxnSp>
+      <p:sp>
+        <p:nvSpPr>
+          <p:cNvPr id="11" name="Oval 10"/>
+          <p:cNvSpPr/>
+          <p:nvPr/>
+        </p:nvSpPr>
+        <p:spPr>
+          <a:xfrm>
+            <a:off x="16209820" y="5626167"/>
+            <a:ext cx="1995055" cy="1995053"/>
+          </a:xfrm>
+          <a:prstGeom prst="ellipse">
+            <a:avLst/>
+          </a:prstGeom>
+          <a:ln>
+            <a:noFill/>
+          </a:ln>
+        </p:spPr>
+        <p:style>
+          <a:lnRef idx="1">
+            <a:schemeClr val="accent3"/>
+          </a:lnRef>
+          <a:fillRef idx="2">
+            <a:schemeClr val="accent3"/>
+          </a:fillRef>
+          <a:effectRef idx="1">
+            <a:schemeClr val="accent3"/>
+          </a:effectRef>
+          <a:fontRef idx="minor">
+            <a:schemeClr val="dk1"/>
+          </a:fontRef>
+        </p:style>
+        <p:txBody>
+          <a:bodyPr rtlCol="0" anchor="ctr"/>
+          <a:lstStyle/>
+          <a:p>
+            <a:pPr algn="ctr"/>
+            <a:r>
+              <a:rPr lang="en-US" dirty="0" smtClean="0"/>
+              <a:t>Switch</a:t>
+            </a:r>
+            <a:endParaRPr lang="en-US" dirty="0"/>
+          </a:p>
+        </p:txBody>
+      </p:sp>
+      <p:cxnSp>
+        <p:nvCxnSpPr>
+          <p:cNvPr id="3" name="Straight Arrow Connector 2"/>
+          <p:cNvCxnSpPr>
+            <a:stCxn id="15" idx="3"/>
+            <a:endCxn id="11" idx="2"/>
+          </p:cNvCxnSpPr>
+          <p:nvPr/>
+        </p:nvCxnSpPr>
+        <p:spPr>
+          <a:xfrm flipV="1">
+            <a:off x="13993093" y="6623694"/>
+            <a:ext cx="2216727" cy="2"/>
+          </a:xfrm>
+          <a:prstGeom prst="straightConnector1">
+            <a:avLst/>
+          </a:prstGeom>
+          <a:ln>
+            <a:tailEnd type="triangle"/>
+          </a:ln>
+        </p:spPr>
+        <p:style>
+          <a:lnRef idx="3">
+            <a:schemeClr val="dk1"/>
+          </a:lnRef>
+          <a:fillRef idx="0">
+            <a:schemeClr val="dk1"/>
+          </a:fillRef>
+          <a:effectRef idx="2">
+            <a:schemeClr val="dk1"/>
+          </a:effectRef>
+          <a:fontRef idx="minor">
+            <a:schemeClr val="tx1"/>
+          </a:fontRef>
+        </p:style>
+      </p:cxnSp>
+      <p:sp>
+        <p:nvSpPr>
+          <p:cNvPr id="16" name="Rectangle 15"/>
+          <p:cNvSpPr/>
+          <p:nvPr/>
+        </p:nvSpPr>
+        <p:spPr>
+          <a:xfrm>
+            <a:off x="20446863" y="5930968"/>
+            <a:ext cx="2299856" cy="1385455"/>
+          </a:xfrm>
+          <a:prstGeom prst="rect">
+            <a:avLst/>
+          </a:prstGeom>
+          <a:ln>
+            <a:noFill/>
+          </a:ln>
+        </p:spPr>
+        <p:style>
+          <a:lnRef idx="2">
+            <a:schemeClr val="accent1">
+              <a:shade val="50000"/>
+            </a:schemeClr>
+          </a:lnRef>
+          <a:fillRef idx="1">
+            <a:schemeClr val="accent1"/>
+          </a:fillRef>
+          <a:effectRef idx="0">
+            <a:schemeClr val="accent1"/>
+          </a:effectRef>
+          <a:fontRef idx="minor">
+            <a:schemeClr val="lt1"/>
+          </a:fontRef>
+        </p:style>
+        <p:txBody>
+          <a:bodyPr rtlCol="0" anchor="ctr"/>
+          <a:lstStyle/>
+          <a:p>
+            <a:pPr algn="ctr"/>
+            <a:r>
+              <a:rPr lang="en-US" dirty="0" smtClean="0"/>
+              <a:t>Receiver</a:t>
+            </a:r>
+            <a:endParaRPr lang="en-US" dirty="0"/>
+          </a:p>
+        </p:txBody>
+      </p:sp>
+      <p:cxnSp>
+        <p:nvCxnSpPr>
+          <p:cNvPr id="18" name="Straight Arrow Connector 17"/>
+          <p:cNvCxnSpPr>
+            <a:stCxn id="11" idx="6"/>
+            <a:endCxn id="16" idx="1"/>
+          </p:cNvCxnSpPr>
+          <p:nvPr/>
+        </p:nvCxnSpPr>
+        <p:spPr>
+          <a:xfrm>
+            <a:off x="18204875" y="6623694"/>
+            <a:ext cx="2241988" cy="2"/>
+          </a:xfrm>
+          <a:prstGeom prst="straightConnector1">
+            <a:avLst/>
+          </a:prstGeom>
+          <a:ln>
+            <a:tailEnd type="triangle"/>
+          </a:ln>
+        </p:spPr>
+        <p:style>
+          <a:lnRef idx="3">
+            <a:schemeClr val="dk1"/>
+          </a:lnRef>
+          <a:fillRef idx="0">
+            <a:schemeClr val="dk1"/>
+          </a:fillRef>
+          <a:effectRef idx="2">
+            <a:schemeClr val="dk1"/>
+          </a:effectRef>
+          <a:fontRef idx="minor">
+            <a:schemeClr val="tx1"/>
+          </a:fontRef>
+        </p:style>
+      </p:cxnSp>
+      <p:sp>
+        <p:nvSpPr>
+          <p:cNvPr id="20" name="TextBox 19"/>
+          <p:cNvSpPr txBox="1"/>
+          <p:nvPr/>
+        </p:nvSpPr>
+        <p:spPr>
+          <a:xfrm>
+            <a:off x="6194346" y="4396327"/>
+            <a:ext cx="1579278" cy="584775"/>
+          </a:xfrm>
+          <a:prstGeom prst="rect">
+            <a:avLst/>
+          </a:prstGeom>
+          <a:noFill/>
+        </p:spPr>
+        <p:txBody>
+          <a:bodyPr wrap="none" rtlCol="0">
+            <a:spAutoFit/>
+          </a:bodyPr>
+          <a:lstStyle/>
+          <a:p>
+            <a:r>
+              <a:rPr lang="en-US" dirty="0" smtClean="0">
+                <a:latin typeface="+mn-lt"/>
+              </a:rPr>
+              <a:t>10-Gbps</a:t>
+            </a:r>
+            <a:endParaRPr lang="en-US" dirty="0">
+              <a:latin typeface="+mn-lt"/>
+            </a:endParaRPr>
+          </a:p>
+        </p:txBody>
+      </p:sp>
+      <p:sp>
+        <p:nvSpPr>
+          <p:cNvPr id="24" name="TextBox 23"/>
+          <p:cNvSpPr txBox="1"/>
+          <p:nvPr/>
+        </p:nvSpPr>
+        <p:spPr>
+          <a:xfrm>
+            <a:off x="13618517" y="7729171"/>
+            <a:ext cx="2965877" cy="584775"/>
+          </a:xfrm>
+          <a:prstGeom prst="rect">
+            <a:avLst/>
+          </a:prstGeom>
+          <a:noFill/>
+        </p:spPr>
+        <p:txBody>
+          <a:bodyPr wrap="none" rtlCol="0">
+            <a:spAutoFit/>
+          </a:bodyPr>
+          <a:lstStyle/>
+          <a:p>
+            <a:r>
+              <a:rPr lang="en-US" smtClean="0">
+                <a:latin typeface="+mn-lt"/>
+              </a:rPr>
+              <a:t>10- or 100-Mbps</a:t>
+            </a:r>
+            <a:endParaRPr lang="en-US" dirty="0">
+              <a:latin typeface="+mn-lt"/>
+            </a:endParaRPr>
+          </a:p>
+        </p:txBody>
+      </p:sp>
+      <p:cxnSp>
+        <p:nvCxnSpPr>
+          <p:cNvPr id="25" name="Straight Arrow Connector 24"/>
+          <p:cNvCxnSpPr>
+            <a:stCxn id="24" idx="0"/>
+          </p:cNvCxnSpPr>
+          <p:nvPr/>
+        </p:nvCxnSpPr>
+        <p:spPr>
+          <a:xfrm flipV="1">
+            <a:off x="15101456" y="6677672"/>
+            <a:ext cx="0" cy="1051499"/>
+          </a:xfrm>
+          <a:prstGeom prst="straightConnector1">
+            <a:avLst/>
+          </a:prstGeom>
+          <a:ln>
+            <a:solidFill>
+              <a:schemeClr val="tx1"/>
+            </a:solidFill>
+            <a:prstDash val="sysDot"/>
+            <a:tailEnd type="triangle"/>
+          </a:ln>
+        </p:spPr>
+        <p:style>
+          <a:lnRef idx="1">
+            <a:schemeClr val="accent1"/>
+          </a:lnRef>
+          <a:fillRef idx="0">
+            <a:schemeClr val="accent1"/>
+          </a:fillRef>
+          <a:effectRef idx="0">
+            <a:schemeClr val="accent1"/>
+          </a:effectRef>
+          <a:fontRef idx="minor">
+            <a:schemeClr val="tx1"/>
+          </a:fontRef>
+        </p:style>
+      </p:cxnSp>
+    </p:spTree>
+    <p:extLst>
+      <p:ext uri="{BB962C8B-B14F-4D97-AF65-F5344CB8AC3E}">
+        <p14:creationId xmlns:p14="http://schemas.microsoft.com/office/powerpoint/2010/main" val="1487201519"/>
       </p:ext>
     </p:extLst>
   </p:cSld>

--- a/figures/Figure-sources.pptx
+++ b/figures/Figure-sources.pptx
@@ -531,7 +531,7 @@
           <p:cNvPr id="2" name="Title 1">
             <a:extLst>
               <a:ext uri="{FF2B5EF4-FFF2-40B4-BE49-F238E27FC236}">
-                <a16:creationId xmlns:a16="http://schemas.microsoft.com/office/drawing/2014/main" xmlns="" id="{97AA87F7-F220-A348-83A7-9DAD1A4E82C9}"/>
+                <a16:creationId xmlns:a16="http://schemas.microsoft.com/office/drawing/2014/main" id="{97AA87F7-F220-A348-83A7-9DAD1A4E82C9}"/>
               </a:ext>
             </a:extLst>
           </p:cNvPr>
@@ -569,7 +569,7 @@
           <p:cNvPr id="3" name="Subtitle 2">
             <a:extLst>
               <a:ext uri="{FF2B5EF4-FFF2-40B4-BE49-F238E27FC236}">
-                <a16:creationId xmlns:a16="http://schemas.microsoft.com/office/drawing/2014/main" xmlns="" id="{629A7CAF-BEEE-384D-9B7E-EB647439A745}"/>
+                <a16:creationId xmlns:a16="http://schemas.microsoft.com/office/drawing/2014/main" id="{629A7CAF-BEEE-384D-9B7E-EB647439A745}"/>
               </a:ext>
             </a:extLst>
           </p:cNvPr>
@@ -640,7 +640,7 @@
           <p:cNvPr id="4" name="Date Placeholder 3">
             <a:extLst>
               <a:ext uri="{FF2B5EF4-FFF2-40B4-BE49-F238E27FC236}">
-                <a16:creationId xmlns:a16="http://schemas.microsoft.com/office/drawing/2014/main" xmlns="" id="{6D069569-281C-FC47-8642-ACF2C032D6F7}"/>
+                <a16:creationId xmlns:a16="http://schemas.microsoft.com/office/drawing/2014/main" id="{6D069569-281C-FC47-8642-ACF2C032D6F7}"/>
               </a:ext>
             </a:extLst>
           </p:cNvPr>
@@ -658,7 +658,7 @@
           <a:p>
             <a:fld id="{9AD5F5E7-BF49-4F47-A424-503B82E4E0B0}" type="datetimeFigureOut">
               <a:rPr lang="en-AU" smtClean="0"/>
-              <a:t>17/2/21</a:t>
+              <a:t>3/9/21</a:t>
             </a:fld>
             <a:endParaRPr lang="en-AU"/>
           </a:p>
@@ -669,7 +669,7 @@
           <p:cNvPr id="5" name="Footer Placeholder 4">
             <a:extLst>
               <a:ext uri="{FF2B5EF4-FFF2-40B4-BE49-F238E27FC236}">
-                <a16:creationId xmlns:a16="http://schemas.microsoft.com/office/drawing/2014/main" xmlns="" id="{B3B78786-5CBF-444F-882F-21247C7C9817}"/>
+                <a16:creationId xmlns:a16="http://schemas.microsoft.com/office/drawing/2014/main" id="{B3B78786-5CBF-444F-882F-21247C7C9817}"/>
               </a:ext>
             </a:extLst>
           </p:cNvPr>
@@ -694,7 +694,7 @@
           <p:cNvPr id="6" name="Slide Number Placeholder 5">
             <a:extLst>
               <a:ext uri="{FF2B5EF4-FFF2-40B4-BE49-F238E27FC236}">
-                <a16:creationId xmlns:a16="http://schemas.microsoft.com/office/drawing/2014/main" xmlns="" id="{6780543C-5D54-4547-B7BF-51EA1307F183}"/>
+                <a16:creationId xmlns:a16="http://schemas.microsoft.com/office/drawing/2014/main" id="{6780543C-5D54-4547-B7BF-51EA1307F183}"/>
               </a:ext>
             </a:extLst>
           </p:cNvPr>
@@ -753,7 +753,7 @@
           <p:cNvPr id="2" name="Title 1">
             <a:extLst>
               <a:ext uri="{FF2B5EF4-FFF2-40B4-BE49-F238E27FC236}">
-                <a16:creationId xmlns:a16="http://schemas.microsoft.com/office/drawing/2014/main" xmlns="" id="{10BD2D3E-6F40-8143-B660-4E4F4104A15F}"/>
+                <a16:creationId xmlns:a16="http://schemas.microsoft.com/office/drawing/2014/main" id="{10BD2D3E-6F40-8143-B660-4E4F4104A15F}"/>
               </a:ext>
             </a:extLst>
           </p:cNvPr>
@@ -782,7 +782,7 @@
           <p:cNvPr id="3" name="Vertical Text Placeholder 2">
             <a:extLst>
               <a:ext uri="{FF2B5EF4-FFF2-40B4-BE49-F238E27FC236}">
-                <a16:creationId xmlns:a16="http://schemas.microsoft.com/office/drawing/2014/main" xmlns="" id="{2B8588F5-26F4-EB4B-B0A9-B86C8000F826}"/>
+                <a16:creationId xmlns:a16="http://schemas.microsoft.com/office/drawing/2014/main" id="{2B8588F5-26F4-EB4B-B0A9-B86C8000F826}"/>
               </a:ext>
             </a:extLst>
           </p:cNvPr>
@@ -840,7 +840,7 @@
           <p:cNvPr id="4" name="Date Placeholder 3">
             <a:extLst>
               <a:ext uri="{FF2B5EF4-FFF2-40B4-BE49-F238E27FC236}">
-                <a16:creationId xmlns:a16="http://schemas.microsoft.com/office/drawing/2014/main" xmlns="" id="{A40B1970-810A-1741-BACA-89259DFF1C4C}"/>
+                <a16:creationId xmlns:a16="http://schemas.microsoft.com/office/drawing/2014/main" id="{A40B1970-810A-1741-BACA-89259DFF1C4C}"/>
               </a:ext>
             </a:extLst>
           </p:cNvPr>
@@ -858,7 +858,7 @@
           <a:p>
             <a:fld id="{9AD5F5E7-BF49-4F47-A424-503B82E4E0B0}" type="datetimeFigureOut">
               <a:rPr lang="en-AU" smtClean="0"/>
-              <a:t>17/2/21</a:t>
+              <a:t>3/9/21</a:t>
             </a:fld>
             <a:endParaRPr lang="en-AU"/>
           </a:p>
@@ -869,7 +869,7 @@
           <p:cNvPr id="5" name="Footer Placeholder 4">
             <a:extLst>
               <a:ext uri="{FF2B5EF4-FFF2-40B4-BE49-F238E27FC236}">
-                <a16:creationId xmlns:a16="http://schemas.microsoft.com/office/drawing/2014/main" xmlns="" id="{5F0BB669-928C-464B-B94B-04D902A62B18}"/>
+                <a16:creationId xmlns:a16="http://schemas.microsoft.com/office/drawing/2014/main" id="{5F0BB669-928C-464B-B94B-04D902A62B18}"/>
               </a:ext>
             </a:extLst>
           </p:cNvPr>
@@ -894,7 +894,7 @@
           <p:cNvPr id="6" name="Slide Number Placeholder 5">
             <a:extLst>
               <a:ext uri="{FF2B5EF4-FFF2-40B4-BE49-F238E27FC236}">
-                <a16:creationId xmlns:a16="http://schemas.microsoft.com/office/drawing/2014/main" xmlns="" id="{3F56EBA7-F2E9-5B42-9511-365251E19A72}"/>
+                <a16:creationId xmlns:a16="http://schemas.microsoft.com/office/drawing/2014/main" id="{3F56EBA7-F2E9-5B42-9511-365251E19A72}"/>
               </a:ext>
             </a:extLst>
           </p:cNvPr>
@@ -953,7 +953,7 @@
           <p:cNvPr id="2" name="Vertical Title 1">
             <a:extLst>
               <a:ext uri="{FF2B5EF4-FFF2-40B4-BE49-F238E27FC236}">
-                <a16:creationId xmlns:a16="http://schemas.microsoft.com/office/drawing/2014/main" xmlns="" id="{ADF0C358-6272-1D46-9DA0-1DCC937F371E}"/>
+                <a16:creationId xmlns:a16="http://schemas.microsoft.com/office/drawing/2014/main" id="{ADF0C358-6272-1D46-9DA0-1DCC937F371E}"/>
               </a:ext>
             </a:extLst>
           </p:cNvPr>
@@ -987,7 +987,7 @@
           <p:cNvPr id="3" name="Vertical Text Placeholder 2">
             <a:extLst>
               <a:ext uri="{FF2B5EF4-FFF2-40B4-BE49-F238E27FC236}">
-                <a16:creationId xmlns:a16="http://schemas.microsoft.com/office/drawing/2014/main" xmlns="" id="{7A0BF7F7-8200-0645-85B6-04BBC60ADD55}"/>
+                <a16:creationId xmlns:a16="http://schemas.microsoft.com/office/drawing/2014/main" id="{7A0BF7F7-8200-0645-85B6-04BBC60ADD55}"/>
               </a:ext>
             </a:extLst>
           </p:cNvPr>
@@ -1050,7 +1050,7 @@
           <p:cNvPr id="4" name="Date Placeholder 3">
             <a:extLst>
               <a:ext uri="{FF2B5EF4-FFF2-40B4-BE49-F238E27FC236}">
-                <a16:creationId xmlns:a16="http://schemas.microsoft.com/office/drawing/2014/main" xmlns="" id="{FD6A112C-6D1E-BF47-B3F2-BE321707C265}"/>
+                <a16:creationId xmlns:a16="http://schemas.microsoft.com/office/drawing/2014/main" id="{FD6A112C-6D1E-BF47-B3F2-BE321707C265}"/>
               </a:ext>
             </a:extLst>
           </p:cNvPr>
@@ -1068,7 +1068,7 @@
           <a:p>
             <a:fld id="{9AD5F5E7-BF49-4F47-A424-503B82E4E0B0}" type="datetimeFigureOut">
               <a:rPr lang="en-AU" smtClean="0"/>
-              <a:t>17/2/21</a:t>
+              <a:t>3/9/21</a:t>
             </a:fld>
             <a:endParaRPr lang="en-AU"/>
           </a:p>
@@ -1079,7 +1079,7 @@
           <p:cNvPr id="5" name="Footer Placeholder 4">
             <a:extLst>
               <a:ext uri="{FF2B5EF4-FFF2-40B4-BE49-F238E27FC236}">
-                <a16:creationId xmlns:a16="http://schemas.microsoft.com/office/drawing/2014/main" xmlns="" id="{1CA0E966-DECB-FB43-9226-C2448306F7B5}"/>
+                <a16:creationId xmlns:a16="http://schemas.microsoft.com/office/drawing/2014/main" id="{1CA0E966-DECB-FB43-9226-C2448306F7B5}"/>
               </a:ext>
             </a:extLst>
           </p:cNvPr>
@@ -1104,7 +1104,7 @@
           <p:cNvPr id="6" name="Slide Number Placeholder 5">
             <a:extLst>
               <a:ext uri="{FF2B5EF4-FFF2-40B4-BE49-F238E27FC236}">
-                <a16:creationId xmlns:a16="http://schemas.microsoft.com/office/drawing/2014/main" xmlns="" id="{9635A48C-6048-1443-9096-BF65A0F3108F}"/>
+                <a16:creationId xmlns:a16="http://schemas.microsoft.com/office/drawing/2014/main" id="{9635A48C-6048-1443-9096-BF65A0F3108F}"/>
               </a:ext>
             </a:extLst>
           </p:cNvPr>
@@ -1423,7 +1423,7 @@
           <p:cNvPr id="2" name="Title 1">
             <a:extLst>
               <a:ext uri="{FF2B5EF4-FFF2-40B4-BE49-F238E27FC236}">
-                <a16:creationId xmlns:a16="http://schemas.microsoft.com/office/drawing/2014/main" xmlns="" id="{4625AF13-CA35-4D4E-9243-E2E57FAC1417}"/>
+                <a16:creationId xmlns:a16="http://schemas.microsoft.com/office/drawing/2014/main" id="{4625AF13-CA35-4D4E-9243-E2E57FAC1417}"/>
               </a:ext>
             </a:extLst>
           </p:cNvPr>
@@ -1452,7 +1452,7 @@
           <p:cNvPr id="3" name="Content Placeholder 2">
             <a:extLst>
               <a:ext uri="{FF2B5EF4-FFF2-40B4-BE49-F238E27FC236}">
-                <a16:creationId xmlns:a16="http://schemas.microsoft.com/office/drawing/2014/main" xmlns="" id="{48D7C38F-2CAA-924C-A3B5-8A891172FD55}"/>
+                <a16:creationId xmlns:a16="http://schemas.microsoft.com/office/drawing/2014/main" id="{48D7C38F-2CAA-924C-A3B5-8A891172FD55}"/>
               </a:ext>
             </a:extLst>
           </p:cNvPr>
@@ -1510,7 +1510,7 @@
           <p:cNvPr id="4" name="Date Placeholder 3">
             <a:extLst>
               <a:ext uri="{FF2B5EF4-FFF2-40B4-BE49-F238E27FC236}">
-                <a16:creationId xmlns:a16="http://schemas.microsoft.com/office/drawing/2014/main" xmlns="" id="{E58F7042-666E-E646-86B5-371AB9E70C05}"/>
+                <a16:creationId xmlns:a16="http://schemas.microsoft.com/office/drawing/2014/main" id="{E58F7042-666E-E646-86B5-371AB9E70C05}"/>
               </a:ext>
             </a:extLst>
           </p:cNvPr>
@@ -1528,7 +1528,7 @@
           <a:p>
             <a:fld id="{9AD5F5E7-BF49-4F47-A424-503B82E4E0B0}" type="datetimeFigureOut">
               <a:rPr lang="en-AU" smtClean="0"/>
-              <a:t>17/2/21</a:t>
+              <a:t>3/9/21</a:t>
             </a:fld>
             <a:endParaRPr lang="en-AU"/>
           </a:p>
@@ -1539,7 +1539,7 @@
           <p:cNvPr id="5" name="Footer Placeholder 4">
             <a:extLst>
               <a:ext uri="{FF2B5EF4-FFF2-40B4-BE49-F238E27FC236}">
-                <a16:creationId xmlns:a16="http://schemas.microsoft.com/office/drawing/2014/main" xmlns="" id="{9EAED233-8517-4046-90B7-28486A0DA29E}"/>
+                <a16:creationId xmlns:a16="http://schemas.microsoft.com/office/drawing/2014/main" id="{9EAED233-8517-4046-90B7-28486A0DA29E}"/>
               </a:ext>
             </a:extLst>
           </p:cNvPr>
@@ -1564,7 +1564,7 @@
           <p:cNvPr id="6" name="Slide Number Placeholder 5">
             <a:extLst>
               <a:ext uri="{FF2B5EF4-FFF2-40B4-BE49-F238E27FC236}">
-                <a16:creationId xmlns:a16="http://schemas.microsoft.com/office/drawing/2014/main" xmlns="" id="{1FFE237F-9087-5346-B575-9AF6E3033CAD}"/>
+                <a16:creationId xmlns:a16="http://schemas.microsoft.com/office/drawing/2014/main" id="{1FFE237F-9087-5346-B575-9AF6E3033CAD}"/>
               </a:ext>
             </a:extLst>
           </p:cNvPr>
@@ -1623,7 +1623,7 @@
           <p:cNvPr id="2" name="Title 1">
             <a:extLst>
               <a:ext uri="{FF2B5EF4-FFF2-40B4-BE49-F238E27FC236}">
-                <a16:creationId xmlns:a16="http://schemas.microsoft.com/office/drawing/2014/main" xmlns="" id="{6F720557-B109-5B47-B5A9-26A80BDCEB1C}"/>
+                <a16:creationId xmlns:a16="http://schemas.microsoft.com/office/drawing/2014/main" id="{6F720557-B109-5B47-B5A9-26A80BDCEB1C}"/>
               </a:ext>
             </a:extLst>
           </p:cNvPr>
@@ -1661,7 +1661,7 @@
           <p:cNvPr id="3" name="Text Placeholder 2">
             <a:extLst>
               <a:ext uri="{FF2B5EF4-FFF2-40B4-BE49-F238E27FC236}">
-                <a16:creationId xmlns:a16="http://schemas.microsoft.com/office/drawing/2014/main" xmlns="" id="{0C20D79A-05B4-3B40-8068-ABB34008BD9B}"/>
+                <a16:creationId xmlns:a16="http://schemas.microsoft.com/office/drawing/2014/main" id="{0C20D79A-05B4-3B40-8068-ABB34008BD9B}"/>
               </a:ext>
             </a:extLst>
           </p:cNvPr>
@@ -1786,7 +1786,7 @@
           <p:cNvPr id="4" name="Date Placeholder 3">
             <a:extLst>
               <a:ext uri="{FF2B5EF4-FFF2-40B4-BE49-F238E27FC236}">
-                <a16:creationId xmlns:a16="http://schemas.microsoft.com/office/drawing/2014/main" xmlns="" id="{3DD79CA8-0048-7949-9CAC-04F2632F172B}"/>
+                <a16:creationId xmlns:a16="http://schemas.microsoft.com/office/drawing/2014/main" id="{3DD79CA8-0048-7949-9CAC-04F2632F172B}"/>
               </a:ext>
             </a:extLst>
           </p:cNvPr>
@@ -1804,7 +1804,7 @@
           <a:p>
             <a:fld id="{9AD5F5E7-BF49-4F47-A424-503B82E4E0B0}" type="datetimeFigureOut">
               <a:rPr lang="en-AU" smtClean="0"/>
-              <a:t>17/2/21</a:t>
+              <a:t>3/9/21</a:t>
             </a:fld>
             <a:endParaRPr lang="en-AU"/>
           </a:p>
@@ -1815,7 +1815,7 @@
           <p:cNvPr id="5" name="Footer Placeholder 4">
             <a:extLst>
               <a:ext uri="{FF2B5EF4-FFF2-40B4-BE49-F238E27FC236}">
-                <a16:creationId xmlns:a16="http://schemas.microsoft.com/office/drawing/2014/main" xmlns="" id="{12499C12-B6CF-764E-8C89-89ED8CC70616}"/>
+                <a16:creationId xmlns:a16="http://schemas.microsoft.com/office/drawing/2014/main" id="{12499C12-B6CF-764E-8C89-89ED8CC70616}"/>
               </a:ext>
             </a:extLst>
           </p:cNvPr>
@@ -1840,7 +1840,7 @@
           <p:cNvPr id="6" name="Slide Number Placeholder 5">
             <a:extLst>
               <a:ext uri="{FF2B5EF4-FFF2-40B4-BE49-F238E27FC236}">
-                <a16:creationId xmlns:a16="http://schemas.microsoft.com/office/drawing/2014/main" xmlns="" id="{C3F6875A-4E20-764B-9AE8-B4D10A1C52A4}"/>
+                <a16:creationId xmlns:a16="http://schemas.microsoft.com/office/drawing/2014/main" id="{C3F6875A-4E20-764B-9AE8-B4D10A1C52A4}"/>
               </a:ext>
             </a:extLst>
           </p:cNvPr>
@@ -1899,7 +1899,7 @@
           <p:cNvPr id="2" name="Title 1">
             <a:extLst>
               <a:ext uri="{FF2B5EF4-FFF2-40B4-BE49-F238E27FC236}">
-                <a16:creationId xmlns:a16="http://schemas.microsoft.com/office/drawing/2014/main" xmlns="" id="{0F0A814B-60E3-634D-8CFC-78C4682A031D}"/>
+                <a16:creationId xmlns:a16="http://schemas.microsoft.com/office/drawing/2014/main" id="{0F0A814B-60E3-634D-8CFC-78C4682A031D}"/>
               </a:ext>
             </a:extLst>
           </p:cNvPr>
@@ -1928,7 +1928,7 @@
           <p:cNvPr id="3" name="Content Placeholder 2">
             <a:extLst>
               <a:ext uri="{FF2B5EF4-FFF2-40B4-BE49-F238E27FC236}">
-                <a16:creationId xmlns:a16="http://schemas.microsoft.com/office/drawing/2014/main" xmlns="" id="{71F45B34-0D93-804C-8D5D-4E2112E22291}"/>
+                <a16:creationId xmlns:a16="http://schemas.microsoft.com/office/drawing/2014/main" id="{71F45B34-0D93-804C-8D5D-4E2112E22291}"/>
               </a:ext>
             </a:extLst>
           </p:cNvPr>
@@ -1991,7 +1991,7 @@
           <p:cNvPr id="4" name="Content Placeholder 3">
             <a:extLst>
               <a:ext uri="{FF2B5EF4-FFF2-40B4-BE49-F238E27FC236}">
-                <a16:creationId xmlns:a16="http://schemas.microsoft.com/office/drawing/2014/main" xmlns="" id="{74565BFB-0867-1247-8DF9-C791909D597D}"/>
+                <a16:creationId xmlns:a16="http://schemas.microsoft.com/office/drawing/2014/main" id="{74565BFB-0867-1247-8DF9-C791909D597D}"/>
               </a:ext>
             </a:extLst>
           </p:cNvPr>
@@ -2054,7 +2054,7 @@
           <p:cNvPr id="5" name="Date Placeholder 4">
             <a:extLst>
               <a:ext uri="{FF2B5EF4-FFF2-40B4-BE49-F238E27FC236}">
-                <a16:creationId xmlns:a16="http://schemas.microsoft.com/office/drawing/2014/main" xmlns="" id="{5CA91A76-8F50-D042-8C58-B57C08C8597F}"/>
+                <a16:creationId xmlns:a16="http://schemas.microsoft.com/office/drawing/2014/main" id="{5CA91A76-8F50-D042-8C58-B57C08C8597F}"/>
               </a:ext>
             </a:extLst>
           </p:cNvPr>
@@ -2072,7 +2072,7 @@
           <a:p>
             <a:fld id="{9AD5F5E7-BF49-4F47-A424-503B82E4E0B0}" type="datetimeFigureOut">
               <a:rPr lang="en-AU" smtClean="0"/>
-              <a:t>17/2/21</a:t>
+              <a:t>3/9/21</a:t>
             </a:fld>
             <a:endParaRPr lang="en-AU"/>
           </a:p>
@@ -2083,7 +2083,7 @@
           <p:cNvPr id="6" name="Footer Placeholder 5">
             <a:extLst>
               <a:ext uri="{FF2B5EF4-FFF2-40B4-BE49-F238E27FC236}">
-                <a16:creationId xmlns:a16="http://schemas.microsoft.com/office/drawing/2014/main" xmlns="" id="{D78C208F-19A9-3645-A987-7E2C4AAFFBA3}"/>
+                <a16:creationId xmlns:a16="http://schemas.microsoft.com/office/drawing/2014/main" id="{D78C208F-19A9-3645-A987-7E2C4AAFFBA3}"/>
               </a:ext>
             </a:extLst>
           </p:cNvPr>
@@ -2108,7 +2108,7 @@
           <p:cNvPr id="7" name="Slide Number Placeholder 6">
             <a:extLst>
               <a:ext uri="{FF2B5EF4-FFF2-40B4-BE49-F238E27FC236}">
-                <a16:creationId xmlns:a16="http://schemas.microsoft.com/office/drawing/2014/main" xmlns="" id="{C048E57B-2148-C147-A4F1-27CB58CE7E30}"/>
+                <a16:creationId xmlns:a16="http://schemas.microsoft.com/office/drawing/2014/main" id="{C048E57B-2148-C147-A4F1-27CB58CE7E30}"/>
               </a:ext>
             </a:extLst>
           </p:cNvPr>
@@ -2167,7 +2167,7 @@
           <p:cNvPr id="2" name="Title 1">
             <a:extLst>
               <a:ext uri="{FF2B5EF4-FFF2-40B4-BE49-F238E27FC236}">
-                <a16:creationId xmlns:a16="http://schemas.microsoft.com/office/drawing/2014/main" xmlns="" id="{E0F145C1-6E14-5442-868B-31237F979568}"/>
+                <a16:creationId xmlns:a16="http://schemas.microsoft.com/office/drawing/2014/main" id="{E0F145C1-6E14-5442-868B-31237F979568}"/>
               </a:ext>
             </a:extLst>
           </p:cNvPr>
@@ -2201,7 +2201,7 @@
           <p:cNvPr id="3" name="Text Placeholder 2">
             <a:extLst>
               <a:ext uri="{FF2B5EF4-FFF2-40B4-BE49-F238E27FC236}">
-                <a16:creationId xmlns:a16="http://schemas.microsoft.com/office/drawing/2014/main" xmlns="" id="{9D674802-21D1-3E4C-9CF4-6FFE83D4AE70}"/>
+                <a16:creationId xmlns:a16="http://schemas.microsoft.com/office/drawing/2014/main" id="{9D674802-21D1-3E4C-9CF4-6FFE83D4AE70}"/>
               </a:ext>
             </a:extLst>
           </p:cNvPr>
@@ -2272,7 +2272,7 @@
           <p:cNvPr id="4" name="Content Placeholder 3">
             <a:extLst>
               <a:ext uri="{FF2B5EF4-FFF2-40B4-BE49-F238E27FC236}">
-                <a16:creationId xmlns:a16="http://schemas.microsoft.com/office/drawing/2014/main" xmlns="" id="{A654C8A5-34FB-C347-B544-CF112B7A3F62}"/>
+                <a16:creationId xmlns:a16="http://schemas.microsoft.com/office/drawing/2014/main" id="{A654C8A5-34FB-C347-B544-CF112B7A3F62}"/>
               </a:ext>
             </a:extLst>
           </p:cNvPr>
@@ -2335,7 +2335,7 @@
           <p:cNvPr id="5" name="Text Placeholder 4">
             <a:extLst>
               <a:ext uri="{FF2B5EF4-FFF2-40B4-BE49-F238E27FC236}">
-                <a16:creationId xmlns:a16="http://schemas.microsoft.com/office/drawing/2014/main" xmlns="" id="{9390E334-5E3D-4441-8FD9-1C6AE0409427}"/>
+                <a16:creationId xmlns:a16="http://schemas.microsoft.com/office/drawing/2014/main" id="{9390E334-5E3D-4441-8FD9-1C6AE0409427}"/>
               </a:ext>
             </a:extLst>
           </p:cNvPr>
@@ -2406,7 +2406,7 @@
           <p:cNvPr id="6" name="Content Placeholder 5">
             <a:extLst>
               <a:ext uri="{FF2B5EF4-FFF2-40B4-BE49-F238E27FC236}">
-                <a16:creationId xmlns:a16="http://schemas.microsoft.com/office/drawing/2014/main" xmlns="" id="{D9B40D25-64B4-0C45-BB08-84E95442A4DC}"/>
+                <a16:creationId xmlns:a16="http://schemas.microsoft.com/office/drawing/2014/main" id="{D9B40D25-64B4-0C45-BB08-84E95442A4DC}"/>
               </a:ext>
             </a:extLst>
           </p:cNvPr>
@@ -2469,7 +2469,7 @@
           <p:cNvPr id="7" name="Date Placeholder 6">
             <a:extLst>
               <a:ext uri="{FF2B5EF4-FFF2-40B4-BE49-F238E27FC236}">
-                <a16:creationId xmlns:a16="http://schemas.microsoft.com/office/drawing/2014/main" xmlns="" id="{4D430FA6-5360-FD4C-85EA-546A2EADAD50}"/>
+                <a16:creationId xmlns:a16="http://schemas.microsoft.com/office/drawing/2014/main" id="{4D430FA6-5360-FD4C-85EA-546A2EADAD50}"/>
               </a:ext>
             </a:extLst>
           </p:cNvPr>
@@ -2487,7 +2487,7 @@
           <a:p>
             <a:fld id="{9AD5F5E7-BF49-4F47-A424-503B82E4E0B0}" type="datetimeFigureOut">
               <a:rPr lang="en-AU" smtClean="0"/>
-              <a:t>17/2/21</a:t>
+              <a:t>3/9/21</a:t>
             </a:fld>
             <a:endParaRPr lang="en-AU"/>
           </a:p>
@@ -2498,7 +2498,7 @@
           <p:cNvPr id="8" name="Footer Placeholder 7">
             <a:extLst>
               <a:ext uri="{FF2B5EF4-FFF2-40B4-BE49-F238E27FC236}">
-                <a16:creationId xmlns:a16="http://schemas.microsoft.com/office/drawing/2014/main" xmlns="" id="{BCBCE3F6-4CC2-9C4B-8E55-CFD5707C2821}"/>
+                <a16:creationId xmlns:a16="http://schemas.microsoft.com/office/drawing/2014/main" id="{BCBCE3F6-4CC2-9C4B-8E55-CFD5707C2821}"/>
               </a:ext>
             </a:extLst>
           </p:cNvPr>
@@ -2523,7 +2523,7 @@
           <p:cNvPr id="9" name="Slide Number Placeholder 8">
             <a:extLst>
               <a:ext uri="{FF2B5EF4-FFF2-40B4-BE49-F238E27FC236}">
-                <a16:creationId xmlns:a16="http://schemas.microsoft.com/office/drawing/2014/main" xmlns="" id="{EABE1DF0-B9A3-9B47-8CC5-0A2C13F4D4BE}"/>
+                <a16:creationId xmlns:a16="http://schemas.microsoft.com/office/drawing/2014/main" id="{EABE1DF0-B9A3-9B47-8CC5-0A2C13F4D4BE}"/>
               </a:ext>
             </a:extLst>
           </p:cNvPr>
@@ -2582,7 +2582,7 @@
           <p:cNvPr id="2" name="Title 1">
             <a:extLst>
               <a:ext uri="{FF2B5EF4-FFF2-40B4-BE49-F238E27FC236}">
-                <a16:creationId xmlns:a16="http://schemas.microsoft.com/office/drawing/2014/main" xmlns="" id="{4C27C41C-4DAB-C24E-9A7B-4DE6CAB14C0D}"/>
+                <a16:creationId xmlns:a16="http://schemas.microsoft.com/office/drawing/2014/main" id="{4C27C41C-4DAB-C24E-9A7B-4DE6CAB14C0D}"/>
               </a:ext>
             </a:extLst>
           </p:cNvPr>
@@ -2611,7 +2611,7 @@
           <p:cNvPr id="3" name="Date Placeholder 2">
             <a:extLst>
               <a:ext uri="{FF2B5EF4-FFF2-40B4-BE49-F238E27FC236}">
-                <a16:creationId xmlns:a16="http://schemas.microsoft.com/office/drawing/2014/main" xmlns="" id="{5D2AD071-0F60-D74C-884B-6F41F99EF401}"/>
+                <a16:creationId xmlns:a16="http://schemas.microsoft.com/office/drawing/2014/main" id="{5D2AD071-0F60-D74C-884B-6F41F99EF401}"/>
               </a:ext>
             </a:extLst>
           </p:cNvPr>
@@ -2629,7 +2629,7 @@
           <a:p>
             <a:fld id="{9AD5F5E7-BF49-4F47-A424-503B82E4E0B0}" type="datetimeFigureOut">
               <a:rPr lang="en-AU" smtClean="0"/>
-              <a:t>17/2/21</a:t>
+              <a:t>3/9/21</a:t>
             </a:fld>
             <a:endParaRPr lang="en-AU"/>
           </a:p>
@@ -2640,7 +2640,7 @@
           <p:cNvPr id="4" name="Footer Placeholder 3">
             <a:extLst>
               <a:ext uri="{FF2B5EF4-FFF2-40B4-BE49-F238E27FC236}">
-                <a16:creationId xmlns:a16="http://schemas.microsoft.com/office/drawing/2014/main" xmlns="" id="{E296BA41-3C9A-9A42-ADA4-E721C02A1080}"/>
+                <a16:creationId xmlns:a16="http://schemas.microsoft.com/office/drawing/2014/main" id="{E296BA41-3C9A-9A42-ADA4-E721C02A1080}"/>
               </a:ext>
             </a:extLst>
           </p:cNvPr>
@@ -2665,7 +2665,7 @@
           <p:cNvPr id="5" name="Slide Number Placeholder 4">
             <a:extLst>
               <a:ext uri="{FF2B5EF4-FFF2-40B4-BE49-F238E27FC236}">
-                <a16:creationId xmlns:a16="http://schemas.microsoft.com/office/drawing/2014/main" xmlns="" id="{70DB63D1-2E69-BE4D-934A-6B1E7DF756C9}"/>
+                <a16:creationId xmlns:a16="http://schemas.microsoft.com/office/drawing/2014/main" id="{70DB63D1-2E69-BE4D-934A-6B1E7DF756C9}"/>
               </a:ext>
             </a:extLst>
           </p:cNvPr>
@@ -2724,7 +2724,7 @@
           <p:cNvPr id="2" name="Date Placeholder 1">
             <a:extLst>
               <a:ext uri="{FF2B5EF4-FFF2-40B4-BE49-F238E27FC236}">
-                <a16:creationId xmlns:a16="http://schemas.microsoft.com/office/drawing/2014/main" xmlns="" id="{DB93B817-8806-6740-866B-6EAD1AF64020}"/>
+                <a16:creationId xmlns:a16="http://schemas.microsoft.com/office/drawing/2014/main" id="{DB93B817-8806-6740-866B-6EAD1AF64020}"/>
               </a:ext>
             </a:extLst>
           </p:cNvPr>
@@ -2742,7 +2742,7 @@
           <a:p>
             <a:fld id="{9AD5F5E7-BF49-4F47-A424-503B82E4E0B0}" type="datetimeFigureOut">
               <a:rPr lang="en-AU" smtClean="0"/>
-              <a:t>17/2/21</a:t>
+              <a:t>3/9/21</a:t>
             </a:fld>
             <a:endParaRPr lang="en-AU"/>
           </a:p>
@@ -2753,7 +2753,7 @@
           <p:cNvPr id="3" name="Footer Placeholder 2">
             <a:extLst>
               <a:ext uri="{FF2B5EF4-FFF2-40B4-BE49-F238E27FC236}">
-                <a16:creationId xmlns:a16="http://schemas.microsoft.com/office/drawing/2014/main" xmlns="" id="{CE39DCFA-7727-3142-8CC5-8AD6A4508462}"/>
+                <a16:creationId xmlns:a16="http://schemas.microsoft.com/office/drawing/2014/main" id="{CE39DCFA-7727-3142-8CC5-8AD6A4508462}"/>
               </a:ext>
             </a:extLst>
           </p:cNvPr>
@@ -2778,7 +2778,7 @@
           <p:cNvPr id="4" name="Slide Number Placeholder 3">
             <a:extLst>
               <a:ext uri="{FF2B5EF4-FFF2-40B4-BE49-F238E27FC236}">
-                <a16:creationId xmlns:a16="http://schemas.microsoft.com/office/drawing/2014/main" xmlns="" id="{FBFF1016-3923-A24F-9BEB-62F2BCD46AD6}"/>
+                <a16:creationId xmlns:a16="http://schemas.microsoft.com/office/drawing/2014/main" id="{FBFF1016-3923-A24F-9BEB-62F2BCD46AD6}"/>
               </a:ext>
             </a:extLst>
           </p:cNvPr>
@@ -2837,7 +2837,7 @@
           <p:cNvPr id="2" name="Title 1">
             <a:extLst>
               <a:ext uri="{FF2B5EF4-FFF2-40B4-BE49-F238E27FC236}">
-                <a16:creationId xmlns:a16="http://schemas.microsoft.com/office/drawing/2014/main" xmlns="" id="{B8293CB6-AC7D-CA49-B3A0-89B26FC3B936}"/>
+                <a16:creationId xmlns:a16="http://schemas.microsoft.com/office/drawing/2014/main" id="{B8293CB6-AC7D-CA49-B3A0-89B26FC3B936}"/>
               </a:ext>
             </a:extLst>
           </p:cNvPr>
@@ -2875,7 +2875,7 @@
           <p:cNvPr id="3" name="Content Placeholder 2">
             <a:extLst>
               <a:ext uri="{FF2B5EF4-FFF2-40B4-BE49-F238E27FC236}">
-                <a16:creationId xmlns:a16="http://schemas.microsoft.com/office/drawing/2014/main" xmlns="" id="{D35461D8-F8AC-9B4E-970B-32596351CFA1}"/>
+                <a16:creationId xmlns:a16="http://schemas.microsoft.com/office/drawing/2014/main" id="{D35461D8-F8AC-9B4E-970B-32596351CFA1}"/>
               </a:ext>
             </a:extLst>
           </p:cNvPr>
@@ -2966,7 +2966,7 @@
           <p:cNvPr id="4" name="Text Placeholder 3">
             <a:extLst>
               <a:ext uri="{FF2B5EF4-FFF2-40B4-BE49-F238E27FC236}">
-                <a16:creationId xmlns:a16="http://schemas.microsoft.com/office/drawing/2014/main" xmlns="" id="{077B56E6-A266-A14B-A0B5-B35F8FA39366}"/>
+                <a16:creationId xmlns:a16="http://schemas.microsoft.com/office/drawing/2014/main" id="{077B56E6-A266-A14B-A0B5-B35F8FA39366}"/>
               </a:ext>
             </a:extLst>
           </p:cNvPr>
@@ -3037,7 +3037,7 @@
           <p:cNvPr id="5" name="Date Placeholder 4">
             <a:extLst>
               <a:ext uri="{FF2B5EF4-FFF2-40B4-BE49-F238E27FC236}">
-                <a16:creationId xmlns:a16="http://schemas.microsoft.com/office/drawing/2014/main" xmlns="" id="{FD96A749-3557-224B-B3EA-5FB48885F5F4}"/>
+                <a16:creationId xmlns:a16="http://schemas.microsoft.com/office/drawing/2014/main" id="{FD96A749-3557-224B-B3EA-5FB48885F5F4}"/>
               </a:ext>
             </a:extLst>
           </p:cNvPr>
@@ -3055,7 +3055,7 @@
           <a:p>
             <a:fld id="{9AD5F5E7-BF49-4F47-A424-503B82E4E0B0}" type="datetimeFigureOut">
               <a:rPr lang="en-AU" smtClean="0"/>
-              <a:t>17/2/21</a:t>
+              <a:t>3/9/21</a:t>
             </a:fld>
             <a:endParaRPr lang="en-AU"/>
           </a:p>
@@ -3066,7 +3066,7 @@
           <p:cNvPr id="6" name="Footer Placeholder 5">
             <a:extLst>
               <a:ext uri="{FF2B5EF4-FFF2-40B4-BE49-F238E27FC236}">
-                <a16:creationId xmlns:a16="http://schemas.microsoft.com/office/drawing/2014/main" xmlns="" id="{44D29DC0-0ED0-1447-926A-E3F682725CAA}"/>
+                <a16:creationId xmlns:a16="http://schemas.microsoft.com/office/drawing/2014/main" id="{44D29DC0-0ED0-1447-926A-E3F682725CAA}"/>
               </a:ext>
             </a:extLst>
           </p:cNvPr>
@@ -3091,7 +3091,7 @@
           <p:cNvPr id="7" name="Slide Number Placeholder 6">
             <a:extLst>
               <a:ext uri="{FF2B5EF4-FFF2-40B4-BE49-F238E27FC236}">
-                <a16:creationId xmlns:a16="http://schemas.microsoft.com/office/drawing/2014/main" xmlns="" id="{1FF154F9-03EE-3C4A-8220-6502BB9D5120}"/>
+                <a16:creationId xmlns:a16="http://schemas.microsoft.com/office/drawing/2014/main" id="{1FF154F9-03EE-3C4A-8220-6502BB9D5120}"/>
               </a:ext>
             </a:extLst>
           </p:cNvPr>
@@ -3150,7 +3150,7 @@
           <p:cNvPr id="2" name="Title 1">
             <a:extLst>
               <a:ext uri="{FF2B5EF4-FFF2-40B4-BE49-F238E27FC236}">
-                <a16:creationId xmlns:a16="http://schemas.microsoft.com/office/drawing/2014/main" xmlns="" id="{0071BC45-5DA1-D64A-BB0D-2CAD9B409C0D}"/>
+                <a16:creationId xmlns:a16="http://schemas.microsoft.com/office/drawing/2014/main" id="{0071BC45-5DA1-D64A-BB0D-2CAD9B409C0D}"/>
               </a:ext>
             </a:extLst>
           </p:cNvPr>
@@ -3188,7 +3188,7 @@
           <p:cNvPr id="3" name="Picture Placeholder 2">
             <a:extLst>
               <a:ext uri="{FF2B5EF4-FFF2-40B4-BE49-F238E27FC236}">
-                <a16:creationId xmlns:a16="http://schemas.microsoft.com/office/drawing/2014/main" xmlns="" id="{E57A2F7F-87CB-044B-8953-A431C05687A2}"/>
+                <a16:creationId xmlns:a16="http://schemas.microsoft.com/office/drawing/2014/main" id="{E57A2F7F-87CB-044B-8953-A431C05687A2}"/>
               </a:ext>
             </a:extLst>
           </p:cNvPr>
@@ -3255,7 +3255,7 @@
           <p:cNvPr id="4" name="Text Placeholder 3">
             <a:extLst>
               <a:ext uri="{FF2B5EF4-FFF2-40B4-BE49-F238E27FC236}">
-                <a16:creationId xmlns:a16="http://schemas.microsoft.com/office/drawing/2014/main" xmlns="" id="{D6416332-3F4F-FC40-8BE7-08FB3A9D3672}"/>
+                <a16:creationId xmlns:a16="http://schemas.microsoft.com/office/drawing/2014/main" id="{D6416332-3F4F-FC40-8BE7-08FB3A9D3672}"/>
               </a:ext>
             </a:extLst>
           </p:cNvPr>
@@ -3326,7 +3326,7 @@
           <p:cNvPr id="5" name="Date Placeholder 4">
             <a:extLst>
               <a:ext uri="{FF2B5EF4-FFF2-40B4-BE49-F238E27FC236}">
-                <a16:creationId xmlns:a16="http://schemas.microsoft.com/office/drawing/2014/main" xmlns="" id="{BC9BA3CC-3AA7-2348-A8AA-F1FFAC7CCBF4}"/>
+                <a16:creationId xmlns:a16="http://schemas.microsoft.com/office/drawing/2014/main" id="{BC9BA3CC-3AA7-2348-A8AA-F1FFAC7CCBF4}"/>
               </a:ext>
             </a:extLst>
           </p:cNvPr>
@@ -3344,7 +3344,7 @@
           <a:p>
             <a:fld id="{9AD5F5E7-BF49-4F47-A424-503B82E4E0B0}" type="datetimeFigureOut">
               <a:rPr lang="en-AU" smtClean="0"/>
-              <a:t>17/2/21</a:t>
+              <a:t>3/9/21</a:t>
             </a:fld>
             <a:endParaRPr lang="en-AU"/>
           </a:p>
@@ -3355,7 +3355,7 @@
           <p:cNvPr id="6" name="Footer Placeholder 5">
             <a:extLst>
               <a:ext uri="{FF2B5EF4-FFF2-40B4-BE49-F238E27FC236}">
-                <a16:creationId xmlns:a16="http://schemas.microsoft.com/office/drawing/2014/main" xmlns="" id="{C1F151AB-CA0A-5A41-AA69-CE2DFCA9C437}"/>
+                <a16:creationId xmlns:a16="http://schemas.microsoft.com/office/drawing/2014/main" id="{C1F151AB-CA0A-5A41-AA69-CE2DFCA9C437}"/>
               </a:ext>
             </a:extLst>
           </p:cNvPr>
@@ -3380,7 +3380,7 @@
           <p:cNvPr id="7" name="Slide Number Placeholder 6">
             <a:extLst>
               <a:ext uri="{FF2B5EF4-FFF2-40B4-BE49-F238E27FC236}">
-                <a16:creationId xmlns:a16="http://schemas.microsoft.com/office/drawing/2014/main" xmlns="" id="{F8413409-4A80-2341-9150-6AABAE715147}"/>
+                <a16:creationId xmlns:a16="http://schemas.microsoft.com/office/drawing/2014/main" id="{F8413409-4A80-2341-9150-6AABAE715147}"/>
               </a:ext>
             </a:extLst>
           </p:cNvPr>
@@ -3444,7 +3444,7 @@
           <p:cNvPr id="2" name="Title Placeholder 1">
             <a:extLst>
               <a:ext uri="{FF2B5EF4-FFF2-40B4-BE49-F238E27FC236}">
-                <a16:creationId xmlns:a16="http://schemas.microsoft.com/office/drawing/2014/main" xmlns="" id="{5E0CEEB0-48F7-8542-A3FB-3F159C7BE944}"/>
+                <a16:creationId xmlns:a16="http://schemas.microsoft.com/office/drawing/2014/main" id="{5E0CEEB0-48F7-8542-A3FB-3F159C7BE944}"/>
               </a:ext>
             </a:extLst>
           </p:cNvPr>
@@ -3483,7 +3483,7 @@
           <p:cNvPr id="3" name="Text Placeholder 2">
             <a:extLst>
               <a:ext uri="{FF2B5EF4-FFF2-40B4-BE49-F238E27FC236}">
-                <a16:creationId xmlns:a16="http://schemas.microsoft.com/office/drawing/2014/main" xmlns="" id="{D222E7E2-9D11-D741-8F30-6872C9C6D4F4}"/>
+                <a16:creationId xmlns:a16="http://schemas.microsoft.com/office/drawing/2014/main" id="{D222E7E2-9D11-D741-8F30-6872C9C6D4F4}"/>
               </a:ext>
             </a:extLst>
           </p:cNvPr>
@@ -3551,7 +3551,7 @@
           <p:cNvPr id="4" name="Date Placeholder 3">
             <a:extLst>
               <a:ext uri="{FF2B5EF4-FFF2-40B4-BE49-F238E27FC236}">
-                <a16:creationId xmlns:a16="http://schemas.microsoft.com/office/drawing/2014/main" xmlns="" id="{52688440-0A56-A443-B2C9-D81BD11EA506}"/>
+                <a16:creationId xmlns:a16="http://schemas.microsoft.com/office/drawing/2014/main" id="{52688440-0A56-A443-B2C9-D81BD11EA506}"/>
               </a:ext>
             </a:extLst>
           </p:cNvPr>
@@ -3587,7 +3587,7 @@
           <a:p>
             <a:fld id="{9AD5F5E7-BF49-4F47-A424-503B82E4E0B0}" type="datetimeFigureOut">
               <a:rPr lang="en-AU" smtClean="0"/>
-              <a:t>17/2/21</a:t>
+              <a:t>3/9/21</a:t>
             </a:fld>
             <a:endParaRPr lang="en-AU"/>
           </a:p>
@@ -3598,7 +3598,7 @@
           <p:cNvPr id="5" name="Footer Placeholder 4">
             <a:extLst>
               <a:ext uri="{FF2B5EF4-FFF2-40B4-BE49-F238E27FC236}">
-                <a16:creationId xmlns:a16="http://schemas.microsoft.com/office/drawing/2014/main" xmlns="" id="{D9E5E2C4-B957-D048-A499-356F33CB58BE}"/>
+                <a16:creationId xmlns:a16="http://schemas.microsoft.com/office/drawing/2014/main" id="{D9E5E2C4-B957-D048-A499-356F33CB58BE}"/>
               </a:ext>
             </a:extLst>
           </p:cNvPr>
@@ -3641,7 +3641,7 @@
           <p:cNvPr id="6" name="Slide Number Placeholder 5">
             <a:extLst>
               <a:ext uri="{FF2B5EF4-FFF2-40B4-BE49-F238E27FC236}">
-                <a16:creationId xmlns:a16="http://schemas.microsoft.com/office/drawing/2014/main" xmlns="" id="{2592562D-71AE-D140-B3ED-86B6B7F769BF}"/>
+                <a16:creationId xmlns:a16="http://schemas.microsoft.com/office/drawing/2014/main" id="{2592562D-71AE-D140-B3ED-86B6B7F769BF}"/>
               </a:ext>
             </a:extLst>
           </p:cNvPr>
@@ -4099,7 +4099,7 @@
           <p:cNvPr id="3" name="Straight Connector 2">
             <a:extLst>
               <a:ext uri="{FF2B5EF4-FFF2-40B4-BE49-F238E27FC236}">
-                <a16:creationId xmlns:a16="http://schemas.microsoft.com/office/drawing/2014/main" xmlns="" id="{98B635A7-C07A-7043-8EF9-7D743360C09C}"/>
+                <a16:creationId xmlns:a16="http://schemas.microsoft.com/office/drawing/2014/main" id="{98B635A7-C07A-7043-8EF9-7D743360C09C}"/>
               </a:ext>
             </a:extLst>
           </p:cNvPr>
@@ -4135,7 +4135,7 @@
           <p:cNvPr id="5" name="Freeform 4">
             <a:extLst>
               <a:ext uri="{FF2B5EF4-FFF2-40B4-BE49-F238E27FC236}">
-                <a16:creationId xmlns:a16="http://schemas.microsoft.com/office/drawing/2014/main" xmlns="" id="{9DC84B63-BB3C-EA44-9C51-EA6690AD30F9}"/>
+                <a16:creationId xmlns:a16="http://schemas.microsoft.com/office/drawing/2014/main" id="{9DC84B63-BB3C-EA44-9C51-EA6690AD30F9}"/>
               </a:ext>
             </a:extLst>
           </p:cNvPr>
@@ -4349,7 +4349,7 @@
           <p:cNvPr id="6" name="Straight Connector 5">
             <a:extLst>
               <a:ext uri="{FF2B5EF4-FFF2-40B4-BE49-F238E27FC236}">
-                <a16:creationId xmlns:a16="http://schemas.microsoft.com/office/drawing/2014/main" xmlns="" id="{FC7B2C06-0E6A-5242-B210-B820D9414F72}"/>
+                <a16:creationId xmlns:a16="http://schemas.microsoft.com/office/drawing/2014/main" id="{FC7B2C06-0E6A-5242-B210-B820D9414F72}"/>
               </a:ext>
             </a:extLst>
           </p:cNvPr>
@@ -4387,7 +4387,7 @@
           <p:cNvPr id="9" name="TextBox 8">
             <a:extLst>
               <a:ext uri="{FF2B5EF4-FFF2-40B4-BE49-F238E27FC236}">
-                <a16:creationId xmlns:a16="http://schemas.microsoft.com/office/drawing/2014/main" xmlns="" id="{9144CF4C-E6F3-CD42-940A-63E54F727F8C}"/>
+                <a16:creationId xmlns:a16="http://schemas.microsoft.com/office/drawing/2014/main" id="{9144CF4C-E6F3-CD42-940A-63E54F727F8C}"/>
               </a:ext>
             </a:extLst>
           </p:cNvPr>
@@ -4425,7 +4425,7 @@
           <p:cNvPr id="10" name="TextBox 9">
             <a:extLst>
               <a:ext uri="{FF2B5EF4-FFF2-40B4-BE49-F238E27FC236}">
-                <a16:creationId xmlns:a16="http://schemas.microsoft.com/office/drawing/2014/main" xmlns="" id="{F1228DFD-B7FE-1B4B-B865-019E762F1BEE}"/>
+                <a16:creationId xmlns:a16="http://schemas.microsoft.com/office/drawing/2014/main" id="{F1228DFD-B7FE-1B4B-B865-019E762F1BEE}"/>
               </a:ext>
             </a:extLst>
           </p:cNvPr>
@@ -4463,7 +4463,7 @@
           <p:cNvPr id="11" name="Straight Connector 10">
             <a:extLst>
               <a:ext uri="{FF2B5EF4-FFF2-40B4-BE49-F238E27FC236}">
-                <a16:creationId xmlns:a16="http://schemas.microsoft.com/office/drawing/2014/main" xmlns="" id="{3E6082F1-66AE-C549-BD2E-53C5C496D070}"/>
+                <a16:creationId xmlns:a16="http://schemas.microsoft.com/office/drawing/2014/main" id="{3E6082F1-66AE-C549-BD2E-53C5C496D070}"/>
               </a:ext>
             </a:extLst>
           </p:cNvPr>
@@ -4502,7 +4502,7 @@
           <p:cNvPr id="12" name="TextBox 11">
             <a:extLst>
               <a:ext uri="{FF2B5EF4-FFF2-40B4-BE49-F238E27FC236}">
-                <a16:creationId xmlns:a16="http://schemas.microsoft.com/office/drawing/2014/main" xmlns="" id="{92F12434-0A65-C748-BC2B-781E993547B8}"/>
+                <a16:creationId xmlns:a16="http://schemas.microsoft.com/office/drawing/2014/main" id="{92F12434-0A65-C748-BC2B-781E993547B8}"/>
               </a:ext>
             </a:extLst>
           </p:cNvPr>
@@ -4605,10 +4605,9 @@
           <a:p>
             <a:pPr algn="ctr"/>
             <a:r>
-              <a:rPr lang="en-US" dirty="0" smtClean="0"/>
+              <a:rPr lang="en-US" dirty="0"/>
               <a:t>Sender 1</a:t>
             </a:r>
-            <a:endParaRPr lang="en-US" dirty="0"/>
           </a:p>
         </p:txBody>
       </p:sp>
@@ -4652,10 +4651,9 @@
           <a:p>
             <a:pPr algn="ctr"/>
             <a:r>
-              <a:rPr lang="en-US" dirty="0" smtClean="0"/>
+              <a:rPr lang="en-US" dirty="0"/>
               <a:t>Sender 2</a:t>
             </a:r>
-            <a:endParaRPr lang="en-US" dirty="0"/>
           </a:p>
         </p:txBody>
       </p:sp>
@@ -4699,7 +4697,7 @@
           <a:p>
             <a:pPr algn="ctr"/>
             <a:r>
-              <a:rPr lang="en-US" smtClean="0"/>
+              <a:rPr lang="en-US"/>
               <a:t>Sender 3</a:t>
             </a:r>
             <a:endParaRPr lang="en-US" dirty="0"/>
@@ -4744,10 +4742,9 @@
           <a:p>
             <a:pPr algn="ctr"/>
             <a:r>
-              <a:rPr lang="en-US" smtClean="0"/>
+              <a:rPr lang="en-US"/>
               <a:t>Switch</a:t>
             </a:r>
-            <a:endParaRPr lang="en-US"/>
           </a:p>
         </p:txBody>
       </p:sp>
@@ -4791,7 +4788,7 @@
           <a:p>
             <a:pPr algn="ctr"/>
             <a:r>
-              <a:rPr lang="en-US" smtClean="0"/>
+              <a:rPr lang="en-US"/>
               <a:t>Receiver</a:t>
             </a:r>
             <a:endParaRPr lang="en-US" dirty="0"/>
@@ -4945,6 +4942,92 @@
           </a:fontRef>
         </p:style>
       </p:cxnSp>
+      <p:sp>
+        <p:nvSpPr>
+          <p:cNvPr id="2" name="TextBox 1">
+            <a:extLst>
+              <a:ext uri="{FF2B5EF4-FFF2-40B4-BE49-F238E27FC236}">
+                <a16:creationId xmlns:a16="http://schemas.microsoft.com/office/drawing/2014/main" id="{6949684B-609F-A14B-935E-EB5575326536}"/>
+              </a:ext>
+            </a:extLst>
+          </p:cNvPr>
+          <p:cNvSpPr txBox="1"/>
+          <p:nvPr/>
+        </p:nvSpPr>
+        <p:spPr>
+          <a:xfrm>
+            <a:off x="10168392" y="7930233"/>
+            <a:ext cx="3215945" cy="523220"/>
+          </a:xfrm>
+          <a:prstGeom prst="rect">
+            <a:avLst/>
+          </a:prstGeom>
+          <a:noFill/>
+        </p:spPr>
+        <p:txBody>
+          <a:bodyPr wrap="none" rtlCol="0">
+            <a:spAutoFit/>
+          </a:bodyPr>
+          <a:lstStyle/>
+          <a:p>
+            <a:r>
+              <a:rPr lang="en-US" sz="2800" dirty="0">
+                <a:latin typeface="+mn-lt"/>
+              </a:rPr>
+              <a:t>Optional 10ms Delay</a:t>
+            </a:r>
+            <a:endParaRPr lang="en-US" sz="2800" dirty="0"/>
+          </a:p>
+        </p:txBody>
+      </p:sp>
+      <p:cxnSp>
+        <p:nvCxnSpPr>
+          <p:cNvPr id="5" name="Straight Arrow Connector 4">
+            <a:extLst>
+              <a:ext uri="{FF2B5EF4-FFF2-40B4-BE49-F238E27FC236}">
+                <a16:creationId xmlns:a16="http://schemas.microsoft.com/office/drawing/2014/main" id="{0634B1E8-572B-6348-8F19-C170EC3CCE15}"/>
+              </a:ext>
+            </a:extLst>
+          </p:cNvPr>
+          <p:cNvCxnSpPr>
+            <a:cxnSpLocks/>
+          </p:cNvCxnSpPr>
+          <p:nvPr/>
+        </p:nvCxnSpPr>
+        <p:spPr>
+          <a:xfrm flipV="1">
+            <a:off x="11754592" y="6636326"/>
+            <a:ext cx="0" cy="1310246"/>
+          </a:xfrm>
+          <a:prstGeom prst="straightConnector1">
+            <a:avLst/>
+          </a:prstGeom>
+          <a:ln w="12700">
+            <a:solidFill>
+              <a:schemeClr val="tx1">
+                <a:lumMod val="95000"/>
+                <a:lumOff val="5000"/>
+              </a:schemeClr>
+            </a:solidFill>
+            <a:prstDash val="sysDot"/>
+            <a:tailEnd type="triangle"/>
+          </a:ln>
+        </p:spPr>
+        <p:style>
+          <a:lnRef idx="1">
+            <a:schemeClr val="accent1"/>
+          </a:lnRef>
+          <a:fillRef idx="0">
+            <a:schemeClr val="accent1"/>
+          </a:fillRef>
+          <a:effectRef idx="0">
+            <a:schemeClr val="accent1"/>
+          </a:effectRef>
+          <a:fontRef idx="minor">
+            <a:schemeClr val="tx1"/>
+          </a:fontRef>
+        </p:style>
+      </p:cxnSp>
     </p:spTree>
     <p:extLst>
       <p:ext uri="{BB962C8B-B14F-4D97-AF65-F5344CB8AC3E}">
@@ -5015,10 +5098,9 @@
           <a:p>
             <a:pPr algn="ctr"/>
             <a:r>
-              <a:rPr lang="en-US" dirty="0" smtClean="0"/>
+              <a:rPr lang="en-US" dirty="0"/>
               <a:t>Sender 1</a:t>
             </a:r>
-            <a:endParaRPr lang="en-US" dirty="0"/>
           </a:p>
         </p:txBody>
       </p:sp>
@@ -5062,10 +5144,9 @@
           <a:p>
             <a:pPr algn="ctr"/>
             <a:r>
-              <a:rPr lang="en-US" dirty="0" smtClean="0"/>
+              <a:rPr lang="en-US" dirty="0"/>
               <a:t>Sender 2</a:t>
             </a:r>
-            <a:endParaRPr lang="en-US" dirty="0"/>
           </a:p>
         </p:txBody>
       </p:sp>
@@ -5109,7 +5190,7 @@
           <a:p>
             <a:pPr algn="ctr"/>
             <a:r>
-              <a:rPr lang="en-US" smtClean="0"/>
+              <a:rPr lang="en-US"/>
               <a:t>Sender 3</a:t>
             </a:r>
             <a:endParaRPr lang="en-US" dirty="0"/>
@@ -5154,10 +5235,9 @@
           <a:p>
             <a:pPr algn="ctr"/>
             <a:r>
-              <a:rPr lang="en-US" dirty="0" smtClean="0"/>
+              <a:rPr lang="en-US" dirty="0"/>
               <a:t>Switch</a:t>
             </a:r>
-            <a:endParaRPr lang="en-US" dirty="0"/>
           </a:p>
         </p:txBody>
       </p:sp>
@@ -5201,10 +5281,9 @@
           <a:p>
             <a:pPr algn="ctr"/>
             <a:r>
-              <a:rPr lang="en-US" dirty="0" smtClean="0"/>
+              <a:rPr lang="en-US" dirty="0"/>
               <a:t>Router</a:t>
             </a:r>
-            <a:endParaRPr lang="en-US" dirty="0"/>
           </a:p>
         </p:txBody>
       </p:sp>
@@ -5393,10 +5472,9 @@
           <a:p>
             <a:pPr algn="ctr"/>
             <a:r>
-              <a:rPr lang="en-US" dirty="0" smtClean="0"/>
+              <a:rPr lang="en-US" dirty="0"/>
               <a:t>Switch</a:t>
             </a:r>
-            <a:endParaRPr lang="en-US" dirty="0"/>
           </a:p>
         </p:txBody>
       </p:sp>
@@ -5476,10 +5554,9 @@
           <a:p>
             <a:pPr algn="ctr"/>
             <a:r>
-              <a:rPr lang="en-US" dirty="0" smtClean="0"/>
+              <a:rPr lang="en-US" dirty="0"/>
               <a:t>Receiver</a:t>
             </a:r>
-            <a:endParaRPr lang="en-US" dirty="0"/>
           </a:p>
         </p:txBody>
       </p:sp>
@@ -5542,14 +5619,11 @@
           <a:lstStyle/>
           <a:p>
             <a:r>
-              <a:rPr lang="en-US" dirty="0" smtClean="0">
+              <a:rPr lang="en-US" dirty="0">
                 <a:latin typeface="+mn-lt"/>
               </a:rPr>
               <a:t>10-Gbps</a:t>
             </a:r>
-            <a:endParaRPr lang="en-US" dirty="0">
-              <a:latin typeface="+mn-lt"/>
-            </a:endParaRPr>
           </a:p>
         </p:txBody>
       </p:sp>
@@ -5561,8 +5635,8 @@
         </p:nvSpPr>
         <p:spPr>
           <a:xfrm>
-            <a:off x="13618517" y="7729171"/>
-            <a:ext cx="2965877" cy="584775"/>
+            <a:off x="13375663" y="7729171"/>
+            <a:ext cx="3451586" cy="954107"/>
           </a:xfrm>
           <a:prstGeom prst="rect">
             <a:avLst/>
@@ -5576,14 +5650,19 @@
           <a:lstStyle/>
           <a:p>
             <a:r>
-              <a:rPr lang="en-US" smtClean="0">
+              <a:rPr lang="en-US" sz="2800" dirty="0">
                 <a:latin typeface="+mn-lt"/>
               </a:rPr>
-              <a:t>10- or 100-Mbps</a:t>
-            </a:r>
-            <a:endParaRPr lang="en-US" dirty="0">
-              <a:latin typeface="+mn-lt"/>
-            </a:endParaRPr>
+              <a:t>10-Mbps or 100-Mbps</a:t>
+            </a:r>
+          </a:p>
+          <a:p>
+            <a:r>
+              <a:rPr lang="en-US" sz="2800" dirty="0">
+                <a:latin typeface="+mn-lt"/>
+              </a:rPr>
+              <a:t>10ms or 40ms Delay</a:t>
+            </a:r>
           </a:p>
         </p:txBody>
       </p:sp>
@@ -5597,13 +5676,13 @@
         </p:nvCxnSpPr>
         <p:spPr>
           <a:xfrm flipV="1">
-            <a:off x="15101456" y="6677672"/>
-            <a:ext cx="0" cy="1051499"/>
+            <a:off x="15101456" y="6677673"/>
+            <a:ext cx="0" cy="1051498"/>
           </a:xfrm>
           <a:prstGeom prst="straightConnector1">
             <a:avLst/>
           </a:prstGeom>
-          <a:ln>
+          <a:ln w="12700">
             <a:solidFill>
               <a:schemeClr val="tx1"/>
             </a:solidFill>

--- a/figures/Figure-sources.pptx
+++ b/figures/Figure-sources.pptx
@@ -5,7 +5,7 @@
     <p:sldMasterId id="2147483661" r:id="rId1"/>
   </p:sldMasterIdLst>
   <p:notesMasterIdLst>
-    <p:notesMasterId r:id="rId7"/>
+    <p:notesMasterId r:id="rId9"/>
   </p:notesMasterIdLst>
   <p:sldIdLst>
     <p:sldId id="256" r:id="rId2"/>
@@ -13,6 +13,8 @@
     <p:sldId id="258" r:id="rId4"/>
     <p:sldId id="259" r:id="rId5"/>
     <p:sldId id="260" r:id="rId6"/>
+    <p:sldId id="262" r:id="rId7"/>
+    <p:sldId id="261" r:id="rId8"/>
   </p:sldIdLst>
   <p:sldSz cx="24384000" cy="13716000"/>
   <p:notesSz cx="6858000" cy="9144000"/>
@@ -316,7 +318,18 @@
   </p:defaultTextStyle>
   <p:extLst>
     <p:ext uri="{EFAFB233-063F-42B5-8137-9DF3F51BA10A}">
-      <p15:sldGuideLst xmlns:p15="http://schemas.microsoft.com/office/powerpoint/2012/main"/>
+      <p15:sldGuideLst xmlns:p15="http://schemas.microsoft.com/office/powerpoint/2012/main">
+        <p15:guide id="1" orient="horz" pos="4320" userDrawn="1">
+          <p15:clr>
+            <a:srgbClr val="A4A3A4"/>
+          </p15:clr>
+        </p15:guide>
+        <p15:guide id="2" pos="7680" userDrawn="1">
+          <p15:clr>
+            <a:srgbClr val="A4A3A4"/>
+          </p15:clr>
+        </p15:guide>
+      </p15:sldGuideLst>
     </p:ext>
   </p:extLst>
 </p:presentation>
@@ -659,7 +672,7 @@
           <a:p>
             <a:fld id="{9AD5F5E7-BF49-4F47-A424-503B82E4E0B0}" type="datetimeFigureOut">
               <a:rPr lang="en-AU" smtClean="0"/>
-              <a:t>30/9/21</a:t>
+              <a:t>26/11/21</a:t>
             </a:fld>
             <a:endParaRPr lang="en-AU"/>
           </a:p>
@@ -859,7 +872,7 @@
           <a:p>
             <a:fld id="{9AD5F5E7-BF49-4F47-A424-503B82E4E0B0}" type="datetimeFigureOut">
               <a:rPr lang="en-AU" smtClean="0"/>
-              <a:t>30/9/21</a:t>
+              <a:t>26/11/21</a:t>
             </a:fld>
             <a:endParaRPr lang="en-AU"/>
           </a:p>
@@ -1069,7 +1082,7 @@
           <a:p>
             <a:fld id="{9AD5F5E7-BF49-4F47-A424-503B82E4E0B0}" type="datetimeFigureOut">
               <a:rPr lang="en-AU" smtClean="0"/>
-              <a:t>30/9/21</a:t>
+              <a:t>26/11/21</a:t>
             </a:fld>
             <a:endParaRPr lang="en-AU"/>
           </a:p>
@@ -1529,7 +1542,7 @@
           <a:p>
             <a:fld id="{9AD5F5E7-BF49-4F47-A424-503B82E4E0B0}" type="datetimeFigureOut">
               <a:rPr lang="en-AU" smtClean="0"/>
-              <a:t>30/9/21</a:t>
+              <a:t>26/11/21</a:t>
             </a:fld>
             <a:endParaRPr lang="en-AU"/>
           </a:p>
@@ -1805,7 +1818,7 @@
           <a:p>
             <a:fld id="{9AD5F5E7-BF49-4F47-A424-503B82E4E0B0}" type="datetimeFigureOut">
               <a:rPr lang="en-AU" smtClean="0"/>
-              <a:t>30/9/21</a:t>
+              <a:t>26/11/21</a:t>
             </a:fld>
             <a:endParaRPr lang="en-AU"/>
           </a:p>
@@ -2073,7 +2086,7 @@
           <a:p>
             <a:fld id="{9AD5F5E7-BF49-4F47-A424-503B82E4E0B0}" type="datetimeFigureOut">
               <a:rPr lang="en-AU" smtClean="0"/>
-              <a:t>30/9/21</a:t>
+              <a:t>26/11/21</a:t>
             </a:fld>
             <a:endParaRPr lang="en-AU"/>
           </a:p>
@@ -2488,7 +2501,7 @@
           <a:p>
             <a:fld id="{9AD5F5E7-BF49-4F47-A424-503B82E4E0B0}" type="datetimeFigureOut">
               <a:rPr lang="en-AU" smtClean="0"/>
-              <a:t>30/9/21</a:t>
+              <a:t>26/11/21</a:t>
             </a:fld>
             <a:endParaRPr lang="en-AU"/>
           </a:p>
@@ -2630,7 +2643,7 @@
           <a:p>
             <a:fld id="{9AD5F5E7-BF49-4F47-A424-503B82E4E0B0}" type="datetimeFigureOut">
               <a:rPr lang="en-AU" smtClean="0"/>
-              <a:t>30/9/21</a:t>
+              <a:t>26/11/21</a:t>
             </a:fld>
             <a:endParaRPr lang="en-AU"/>
           </a:p>
@@ -2743,7 +2756,7 @@
           <a:p>
             <a:fld id="{9AD5F5E7-BF49-4F47-A424-503B82E4E0B0}" type="datetimeFigureOut">
               <a:rPr lang="en-AU" smtClean="0"/>
-              <a:t>30/9/21</a:t>
+              <a:t>26/11/21</a:t>
             </a:fld>
             <a:endParaRPr lang="en-AU"/>
           </a:p>
@@ -3056,7 +3069,7 @@
           <a:p>
             <a:fld id="{9AD5F5E7-BF49-4F47-A424-503B82E4E0B0}" type="datetimeFigureOut">
               <a:rPr lang="en-AU" smtClean="0"/>
-              <a:t>30/9/21</a:t>
+              <a:t>26/11/21</a:t>
             </a:fld>
             <a:endParaRPr lang="en-AU"/>
           </a:p>
@@ -3345,7 +3358,7 @@
           <a:p>
             <a:fld id="{9AD5F5E7-BF49-4F47-A424-503B82E4E0B0}" type="datetimeFigureOut">
               <a:rPr lang="en-AU" smtClean="0"/>
-              <a:t>30/9/21</a:t>
+              <a:t>26/11/21</a:t>
             </a:fld>
             <a:endParaRPr lang="en-AU"/>
           </a:p>
@@ -3588,7 +3601,7 @@
           <a:p>
             <a:fld id="{9AD5F5E7-BF49-4F47-A424-503B82E4E0B0}" type="datetimeFigureOut">
               <a:rPr lang="en-AU" smtClean="0"/>
-              <a:t>30/9/21</a:t>
+              <a:t>26/11/21</a:t>
             </a:fld>
             <a:endParaRPr lang="en-AU"/>
           </a:p>
@@ -8257,6 +8270,2696 @@
     <p:extLst>
       <p:ext uri="{BB962C8B-B14F-4D97-AF65-F5344CB8AC3E}">
         <p14:creationId xmlns:p14="http://schemas.microsoft.com/office/powerpoint/2010/main" val="4127646905"/>
+      </p:ext>
+    </p:extLst>
+  </p:cSld>
+  <p:clrMapOvr>
+    <a:masterClrMapping/>
+  </p:clrMapOvr>
+</p:sld>
+</file>
+
+<file path=ppt/slides/slide6.xml><?xml version="1.0" encoding="utf-8"?>
+<p:sld xmlns:a="http://schemas.openxmlformats.org/drawingml/2006/main" xmlns:r="http://schemas.openxmlformats.org/officeDocument/2006/relationships" xmlns:p="http://schemas.openxmlformats.org/presentationml/2006/main">
+  <p:cSld>
+    <p:spTree>
+      <p:nvGrpSpPr>
+        <p:cNvPr id="1" name=""/>
+        <p:cNvGrpSpPr/>
+        <p:nvPr/>
+      </p:nvGrpSpPr>
+      <p:grpSpPr>
+        <a:xfrm>
+          <a:off x="0" y="0"/>
+          <a:ext cx="0" cy="0"/>
+          <a:chOff x="0" y="0"/>
+          <a:chExt cx="0" cy="0"/>
+        </a:xfrm>
+      </p:grpSpPr>
+      <p:cxnSp>
+        <p:nvCxnSpPr>
+          <p:cNvPr id="27" name="Straight Connector 26">
+            <a:extLst>
+              <a:ext uri="{FF2B5EF4-FFF2-40B4-BE49-F238E27FC236}">
+                <a16:creationId xmlns:a16="http://schemas.microsoft.com/office/drawing/2014/main" id="{7F570506-618C-D941-A442-E6FFF3B93F0F}"/>
+              </a:ext>
+            </a:extLst>
+          </p:cNvPr>
+          <p:cNvCxnSpPr>
+            <a:cxnSpLocks/>
+          </p:cNvCxnSpPr>
+          <p:nvPr/>
+        </p:nvCxnSpPr>
+        <p:spPr>
+          <a:xfrm flipV="1">
+            <a:off x="5052060" y="9083755"/>
+            <a:ext cx="4987291" cy="1980485"/>
+          </a:xfrm>
+          <a:prstGeom prst="line">
+            <a:avLst/>
+          </a:prstGeom>
+          <a:ln w="57150">
+            <a:solidFill>
+              <a:schemeClr val="accent1">
+                <a:lumMod val="40000"/>
+                <a:lumOff val="60000"/>
+              </a:schemeClr>
+            </a:solidFill>
+          </a:ln>
+        </p:spPr>
+        <p:style>
+          <a:lnRef idx="1">
+            <a:schemeClr val="accent1"/>
+          </a:lnRef>
+          <a:fillRef idx="0">
+            <a:schemeClr val="accent1"/>
+          </a:fillRef>
+          <a:effectRef idx="0">
+            <a:schemeClr val="accent1"/>
+          </a:effectRef>
+          <a:fontRef idx="minor">
+            <a:schemeClr val="tx1"/>
+          </a:fontRef>
+        </p:style>
+      </p:cxnSp>
+      <p:cxnSp>
+        <p:nvCxnSpPr>
+          <p:cNvPr id="29" name="Straight Connector 28">
+            <a:extLst>
+              <a:ext uri="{FF2B5EF4-FFF2-40B4-BE49-F238E27FC236}">
+                <a16:creationId xmlns:a16="http://schemas.microsoft.com/office/drawing/2014/main" id="{E132F484-595C-7D4E-BF24-BE7E53AFE5C7}"/>
+              </a:ext>
+            </a:extLst>
+          </p:cNvPr>
+          <p:cNvCxnSpPr>
+            <a:cxnSpLocks/>
+          </p:cNvCxnSpPr>
+          <p:nvPr/>
+        </p:nvCxnSpPr>
+        <p:spPr>
+          <a:xfrm>
+            <a:off x="5006340" y="7979313"/>
+            <a:ext cx="0" cy="3107787"/>
+          </a:xfrm>
+          <a:prstGeom prst="line">
+            <a:avLst/>
+          </a:prstGeom>
+          <a:ln w="38100">
+            <a:solidFill>
+              <a:schemeClr val="tx1"/>
+            </a:solidFill>
+          </a:ln>
+        </p:spPr>
+        <p:style>
+          <a:lnRef idx="1">
+            <a:schemeClr val="accent1"/>
+          </a:lnRef>
+          <a:fillRef idx="0">
+            <a:schemeClr val="accent1"/>
+          </a:fillRef>
+          <a:effectRef idx="0">
+            <a:schemeClr val="accent1"/>
+          </a:effectRef>
+          <a:fontRef idx="minor">
+            <a:schemeClr val="tx1"/>
+          </a:fontRef>
+        </p:style>
+      </p:cxnSp>
+      <p:cxnSp>
+        <p:nvCxnSpPr>
+          <p:cNvPr id="30" name="Straight Connector 29">
+            <a:extLst>
+              <a:ext uri="{FF2B5EF4-FFF2-40B4-BE49-F238E27FC236}">
+                <a16:creationId xmlns:a16="http://schemas.microsoft.com/office/drawing/2014/main" id="{F6491BC2-3DD8-BB49-AE02-3C9924467AFE}"/>
+              </a:ext>
+            </a:extLst>
+          </p:cNvPr>
+          <p:cNvCxnSpPr>
+            <a:cxnSpLocks/>
+          </p:cNvCxnSpPr>
+          <p:nvPr/>
+        </p:nvCxnSpPr>
+        <p:spPr>
+          <a:xfrm flipH="1">
+            <a:off x="5006340" y="11064240"/>
+            <a:ext cx="15201900" cy="19050"/>
+          </a:xfrm>
+          <a:prstGeom prst="line">
+            <a:avLst/>
+          </a:prstGeom>
+          <a:ln w="38100">
+            <a:solidFill>
+              <a:schemeClr val="tx1"/>
+            </a:solidFill>
+          </a:ln>
+        </p:spPr>
+        <p:style>
+          <a:lnRef idx="1">
+            <a:schemeClr val="accent1"/>
+          </a:lnRef>
+          <a:fillRef idx="0">
+            <a:schemeClr val="accent1"/>
+          </a:fillRef>
+          <a:effectRef idx="0">
+            <a:schemeClr val="accent1"/>
+          </a:effectRef>
+          <a:fontRef idx="minor">
+            <a:schemeClr val="tx1"/>
+          </a:fontRef>
+        </p:style>
+      </p:cxnSp>
+      <p:cxnSp>
+        <p:nvCxnSpPr>
+          <p:cNvPr id="47" name="Straight Connector 46">
+            <a:extLst>
+              <a:ext uri="{FF2B5EF4-FFF2-40B4-BE49-F238E27FC236}">
+                <a16:creationId xmlns:a16="http://schemas.microsoft.com/office/drawing/2014/main" id="{5F68DBB4-7B54-1E40-8857-5ACF33434443}"/>
+              </a:ext>
+            </a:extLst>
+          </p:cNvPr>
+          <p:cNvCxnSpPr>
+            <a:cxnSpLocks/>
+          </p:cNvCxnSpPr>
+          <p:nvPr/>
+        </p:nvCxnSpPr>
+        <p:spPr>
+          <a:xfrm flipH="1">
+            <a:off x="4732020" y="8473440"/>
+            <a:ext cx="274320" cy="0"/>
+          </a:xfrm>
+          <a:prstGeom prst="line">
+            <a:avLst/>
+          </a:prstGeom>
+          <a:ln w="12700">
+            <a:solidFill>
+              <a:schemeClr val="tx1"/>
+            </a:solidFill>
+          </a:ln>
+        </p:spPr>
+        <p:style>
+          <a:lnRef idx="1">
+            <a:schemeClr val="accent1"/>
+          </a:lnRef>
+          <a:fillRef idx="0">
+            <a:schemeClr val="accent1"/>
+          </a:fillRef>
+          <a:effectRef idx="0">
+            <a:schemeClr val="accent1"/>
+          </a:effectRef>
+          <a:fontRef idx="minor">
+            <a:schemeClr val="tx1"/>
+          </a:fontRef>
+        </p:style>
+      </p:cxnSp>
+      <p:cxnSp>
+        <p:nvCxnSpPr>
+          <p:cNvPr id="48" name="Straight Connector 47">
+            <a:extLst>
+              <a:ext uri="{FF2B5EF4-FFF2-40B4-BE49-F238E27FC236}">
+                <a16:creationId xmlns:a16="http://schemas.microsoft.com/office/drawing/2014/main" id="{2E146578-2061-5944-B477-280782A57D8E}"/>
+              </a:ext>
+            </a:extLst>
+          </p:cNvPr>
+          <p:cNvCxnSpPr>
+            <a:cxnSpLocks/>
+          </p:cNvCxnSpPr>
+          <p:nvPr/>
+        </p:nvCxnSpPr>
+        <p:spPr>
+          <a:xfrm flipH="1">
+            <a:off x="4732020" y="9357360"/>
+            <a:ext cx="274320" cy="0"/>
+          </a:xfrm>
+          <a:prstGeom prst="line">
+            <a:avLst/>
+          </a:prstGeom>
+          <a:ln w="12700">
+            <a:solidFill>
+              <a:schemeClr val="tx1"/>
+            </a:solidFill>
+          </a:ln>
+        </p:spPr>
+        <p:style>
+          <a:lnRef idx="1">
+            <a:schemeClr val="accent1"/>
+          </a:lnRef>
+          <a:fillRef idx="0">
+            <a:schemeClr val="accent1"/>
+          </a:fillRef>
+          <a:effectRef idx="0">
+            <a:schemeClr val="accent1"/>
+          </a:effectRef>
+          <a:fontRef idx="minor">
+            <a:schemeClr val="tx1"/>
+          </a:fontRef>
+        </p:style>
+      </p:cxnSp>
+      <p:cxnSp>
+        <p:nvCxnSpPr>
+          <p:cNvPr id="49" name="Straight Connector 48">
+            <a:extLst>
+              <a:ext uri="{FF2B5EF4-FFF2-40B4-BE49-F238E27FC236}">
+                <a16:creationId xmlns:a16="http://schemas.microsoft.com/office/drawing/2014/main" id="{3AFD11C7-E7BA-2147-A2B8-B4E21BFB870B}"/>
+              </a:ext>
+            </a:extLst>
+          </p:cNvPr>
+          <p:cNvCxnSpPr>
+            <a:cxnSpLocks/>
+          </p:cNvCxnSpPr>
+          <p:nvPr/>
+        </p:nvCxnSpPr>
+        <p:spPr>
+          <a:xfrm flipH="1">
+            <a:off x="4732020" y="10195560"/>
+            <a:ext cx="274320" cy="0"/>
+          </a:xfrm>
+          <a:prstGeom prst="line">
+            <a:avLst/>
+          </a:prstGeom>
+          <a:ln w="12700">
+            <a:solidFill>
+              <a:schemeClr val="tx1"/>
+            </a:solidFill>
+          </a:ln>
+        </p:spPr>
+        <p:style>
+          <a:lnRef idx="1">
+            <a:schemeClr val="accent1"/>
+          </a:lnRef>
+          <a:fillRef idx="0">
+            <a:schemeClr val="accent1"/>
+          </a:fillRef>
+          <a:effectRef idx="0">
+            <a:schemeClr val="accent1"/>
+          </a:effectRef>
+          <a:fontRef idx="minor">
+            <a:schemeClr val="tx1"/>
+          </a:fontRef>
+        </p:style>
+      </p:cxnSp>
+      <p:cxnSp>
+        <p:nvCxnSpPr>
+          <p:cNvPr id="51" name="Straight Connector 50">
+            <a:extLst>
+              <a:ext uri="{FF2B5EF4-FFF2-40B4-BE49-F238E27FC236}">
+                <a16:creationId xmlns:a16="http://schemas.microsoft.com/office/drawing/2014/main" id="{49DC97B0-08F1-0044-9129-B4552F82186E}"/>
+              </a:ext>
+            </a:extLst>
+          </p:cNvPr>
+          <p:cNvCxnSpPr>
+            <a:cxnSpLocks/>
+          </p:cNvCxnSpPr>
+          <p:nvPr/>
+        </p:nvCxnSpPr>
+        <p:spPr>
+          <a:xfrm>
+            <a:off x="7532370" y="11052810"/>
+            <a:ext cx="0" cy="232410"/>
+          </a:xfrm>
+          <a:prstGeom prst="line">
+            <a:avLst/>
+          </a:prstGeom>
+          <a:ln w="12700">
+            <a:solidFill>
+              <a:schemeClr val="tx1"/>
+            </a:solidFill>
+          </a:ln>
+        </p:spPr>
+        <p:style>
+          <a:lnRef idx="1">
+            <a:schemeClr val="accent1"/>
+          </a:lnRef>
+          <a:fillRef idx="0">
+            <a:schemeClr val="accent1"/>
+          </a:fillRef>
+          <a:effectRef idx="0">
+            <a:schemeClr val="accent1"/>
+          </a:effectRef>
+          <a:fontRef idx="minor">
+            <a:schemeClr val="tx1"/>
+          </a:fontRef>
+        </p:style>
+      </p:cxnSp>
+      <p:cxnSp>
+        <p:nvCxnSpPr>
+          <p:cNvPr id="52" name="Straight Connector 51">
+            <a:extLst>
+              <a:ext uri="{FF2B5EF4-FFF2-40B4-BE49-F238E27FC236}">
+                <a16:creationId xmlns:a16="http://schemas.microsoft.com/office/drawing/2014/main" id="{7D6419BB-0F22-AE41-94FF-D1D8EDD22149}"/>
+              </a:ext>
+            </a:extLst>
+          </p:cNvPr>
+          <p:cNvCxnSpPr>
+            <a:cxnSpLocks/>
+          </p:cNvCxnSpPr>
+          <p:nvPr/>
+        </p:nvCxnSpPr>
+        <p:spPr>
+          <a:xfrm>
+            <a:off x="10083475" y="11052810"/>
+            <a:ext cx="0" cy="232410"/>
+          </a:xfrm>
+          <a:prstGeom prst="line">
+            <a:avLst/>
+          </a:prstGeom>
+          <a:ln w="12700">
+            <a:solidFill>
+              <a:schemeClr val="tx1"/>
+            </a:solidFill>
+          </a:ln>
+        </p:spPr>
+        <p:style>
+          <a:lnRef idx="1">
+            <a:schemeClr val="accent1"/>
+          </a:lnRef>
+          <a:fillRef idx="0">
+            <a:schemeClr val="accent1"/>
+          </a:fillRef>
+          <a:effectRef idx="0">
+            <a:schemeClr val="accent1"/>
+          </a:effectRef>
+          <a:fontRef idx="minor">
+            <a:schemeClr val="tx1"/>
+          </a:fontRef>
+        </p:style>
+      </p:cxnSp>
+      <p:cxnSp>
+        <p:nvCxnSpPr>
+          <p:cNvPr id="53" name="Straight Connector 52">
+            <a:extLst>
+              <a:ext uri="{FF2B5EF4-FFF2-40B4-BE49-F238E27FC236}">
+                <a16:creationId xmlns:a16="http://schemas.microsoft.com/office/drawing/2014/main" id="{D17AA5B1-A995-3B45-A9F8-6AA5088D8EEE}"/>
+              </a:ext>
+            </a:extLst>
+          </p:cNvPr>
+          <p:cNvCxnSpPr>
+            <a:cxnSpLocks/>
+          </p:cNvCxnSpPr>
+          <p:nvPr/>
+        </p:nvCxnSpPr>
+        <p:spPr>
+          <a:xfrm>
+            <a:off x="12592050" y="11052810"/>
+            <a:ext cx="0" cy="232410"/>
+          </a:xfrm>
+          <a:prstGeom prst="line">
+            <a:avLst/>
+          </a:prstGeom>
+          <a:ln w="12700">
+            <a:solidFill>
+              <a:schemeClr val="tx1"/>
+            </a:solidFill>
+          </a:ln>
+        </p:spPr>
+        <p:style>
+          <a:lnRef idx="1">
+            <a:schemeClr val="accent1"/>
+          </a:lnRef>
+          <a:fillRef idx="0">
+            <a:schemeClr val="accent1"/>
+          </a:fillRef>
+          <a:effectRef idx="0">
+            <a:schemeClr val="accent1"/>
+          </a:effectRef>
+          <a:fontRef idx="minor">
+            <a:schemeClr val="tx1"/>
+          </a:fontRef>
+        </p:style>
+      </p:cxnSp>
+      <p:cxnSp>
+        <p:nvCxnSpPr>
+          <p:cNvPr id="54" name="Straight Connector 53">
+            <a:extLst>
+              <a:ext uri="{FF2B5EF4-FFF2-40B4-BE49-F238E27FC236}">
+                <a16:creationId xmlns:a16="http://schemas.microsoft.com/office/drawing/2014/main" id="{0FAB73C2-BA8C-DA40-9649-DE62EB5756DA}"/>
+              </a:ext>
+            </a:extLst>
+          </p:cNvPr>
+          <p:cNvCxnSpPr>
+            <a:cxnSpLocks/>
+          </p:cNvCxnSpPr>
+          <p:nvPr/>
+        </p:nvCxnSpPr>
+        <p:spPr>
+          <a:xfrm>
+            <a:off x="15144750" y="11052810"/>
+            <a:ext cx="0" cy="232410"/>
+          </a:xfrm>
+          <a:prstGeom prst="line">
+            <a:avLst/>
+          </a:prstGeom>
+          <a:ln w="12700">
+            <a:solidFill>
+              <a:schemeClr val="tx1"/>
+            </a:solidFill>
+          </a:ln>
+        </p:spPr>
+        <p:style>
+          <a:lnRef idx="1">
+            <a:schemeClr val="accent1"/>
+          </a:lnRef>
+          <a:fillRef idx="0">
+            <a:schemeClr val="accent1"/>
+          </a:fillRef>
+          <a:effectRef idx="0">
+            <a:schemeClr val="accent1"/>
+          </a:effectRef>
+          <a:fontRef idx="minor">
+            <a:schemeClr val="tx1"/>
+          </a:fontRef>
+        </p:style>
+      </p:cxnSp>
+      <p:cxnSp>
+        <p:nvCxnSpPr>
+          <p:cNvPr id="55" name="Straight Connector 54">
+            <a:extLst>
+              <a:ext uri="{FF2B5EF4-FFF2-40B4-BE49-F238E27FC236}">
+                <a16:creationId xmlns:a16="http://schemas.microsoft.com/office/drawing/2014/main" id="{4F286192-5277-D644-98C0-5CC1566E7131}"/>
+              </a:ext>
+            </a:extLst>
+          </p:cNvPr>
+          <p:cNvCxnSpPr>
+            <a:cxnSpLocks/>
+          </p:cNvCxnSpPr>
+          <p:nvPr/>
+        </p:nvCxnSpPr>
+        <p:spPr>
+          <a:xfrm>
+            <a:off x="17697450" y="11052810"/>
+            <a:ext cx="0" cy="232410"/>
+          </a:xfrm>
+          <a:prstGeom prst="line">
+            <a:avLst/>
+          </a:prstGeom>
+          <a:ln w="12700">
+            <a:solidFill>
+              <a:schemeClr val="tx1"/>
+            </a:solidFill>
+          </a:ln>
+        </p:spPr>
+        <p:style>
+          <a:lnRef idx="1">
+            <a:schemeClr val="accent1"/>
+          </a:lnRef>
+          <a:fillRef idx="0">
+            <a:schemeClr val="accent1"/>
+          </a:fillRef>
+          <a:effectRef idx="0">
+            <a:schemeClr val="accent1"/>
+          </a:effectRef>
+          <a:fontRef idx="minor">
+            <a:schemeClr val="tx1"/>
+          </a:fontRef>
+        </p:style>
+      </p:cxnSp>
+      <p:cxnSp>
+        <p:nvCxnSpPr>
+          <p:cNvPr id="56" name="Straight Connector 55">
+            <a:extLst>
+              <a:ext uri="{FF2B5EF4-FFF2-40B4-BE49-F238E27FC236}">
+                <a16:creationId xmlns:a16="http://schemas.microsoft.com/office/drawing/2014/main" id="{30F3CF42-7C2A-A246-8B13-8CE64DC7948E}"/>
+              </a:ext>
+            </a:extLst>
+          </p:cNvPr>
+          <p:cNvCxnSpPr>
+            <a:cxnSpLocks/>
+          </p:cNvCxnSpPr>
+          <p:nvPr/>
+        </p:nvCxnSpPr>
+        <p:spPr>
+          <a:xfrm>
+            <a:off x="20227290" y="11052810"/>
+            <a:ext cx="0" cy="232410"/>
+          </a:xfrm>
+          <a:prstGeom prst="line">
+            <a:avLst/>
+          </a:prstGeom>
+          <a:ln w="12700">
+            <a:solidFill>
+              <a:schemeClr val="tx1"/>
+            </a:solidFill>
+          </a:ln>
+        </p:spPr>
+        <p:style>
+          <a:lnRef idx="1">
+            <a:schemeClr val="accent1"/>
+          </a:lnRef>
+          <a:fillRef idx="0">
+            <a:schemeClr val="accent1"/>
+          </a:fillRef>
+          <a:effectRef idx="0">
+            <a:schemeClr val="accent1"/>
+          </a:effectRef>
+          <a:fontRef idx="minor">
+            <a:schemeClr val="tx1"/>
+          </a:fontRef>
+        </p:style>
+      </p:cxnSp>
+      <p:sp>
+        <p:nvSpPr>
+          <p:cNvPr id="72" name="TextBox 71">
+            <a:extLst>
+              <a:ext uri="{FF2B5EF4-FFF2-40B4-BE49-F238E27FC236}">
+                <a16:creationId xmlns:a16="http://schemas.microsoft.com/office/drawing/2014/main" id="{38AEA369-5ED7-9E4D-B353-3ABFDE81C932}"/>
+              </a:ext>
+            </a:extLst>
+          </p:cNvPr>
+          <p:cNvSpPr txBox="1"/>
+          <p:nvPr/>
+        </p:nvSpPr>
+        <p:spPr>
+          <a:xfrm>
+            <a:off x="11313514" y="11727029"/>
+            <a:ext cx="2587568" cy="646331"/>
+          </a:xfrm>
+          <a:prstGeom prst="rect">
+            <a:avLst/>
+          </a:prstGeom>
+          <a:noFill/>
+        </p:spPr>
+        <p:txBody>
+          <a:bodyPr wrap="none" rtlCol="0">
+            <a:spAutoFit/>
+          </a:bodyPr>
+          <a:lstStyle/>
+          <a:p>
+            <a:r>
+              <a:rPr lang="en-US" sz="3600" dirty="0">
+                <a:latin typeface="+mn-lt"/>
+              </a:rPr>
+              <a:t>Data in flight</a:t>
+            </a:r>
+          </a:p>
+        </p:txBody>
+      </p:sp>
+      <p:sp>
+        <p:nvSpPr>
+          <p:cNvPr id="73" name="TextBox 72">
+            <a:extLst>
+              <a:ext uri="{FF2B5EF4-FFF2-40B4-BE49-F238E27FC236}">
+                <a16:creationId xmlns:a16="http://schemas.microsoft.com/office/drawing/2014/main" id="{468704B9-5D34-4742-8261-58177BCCC833}"/>
+              </a:ext>
+            </a:extLst>
+          </p:cNvPr>
+          <p:cNvSpPr txBox="1"/>
+          <p:nvPr/>
+        </p:nvSpPr>
+        <p:spPr>
+          <a:xfrm rot="16200000">
+            <a:off x="2282772" y="9049433"/>
+            <a:ext cx="2395207" cy="646331"/>
+          </a:xfrm>
+          <a:prstGeom prst="rect">
+            <a:avLst/>
+          </a:prstGeom>
+          <a:noFill/>
+        </p:spPr>
+        <p:txBody>
+          <a:bodyPr wrap="none" rtlCol="0">
+            <a:spAutoFit/>
+          </a:bodyPr>
+          <a:lstStyle/>
+          <a:p>
+            <a:r>
+              <a:rPr lang="en-US" sz="3600" dirty="0">
+                <a:latin typeface="+mn-lt"/>
+              </a:rPr>
+              <a:t>Throughput</a:t>
+            </a:r>
+          </a:p>
+        </p:txBody>
+      </p:sp>
+      <p:cxnSp>
+        <p:nvCxnSpPr>
+          <p:cNvPr id="64" name="Straight Connector 63">
+            <a:extLst>
+              <a:ext uri="{FF2B5EF4-FFF2-40B4-BE49-F238E27FC236}">
+                <a16:creationId xmlns:a16="http://schemas.microsoft.com/office/drawing/2014/main" id="{351BCD20-6863-9C49-A395-6D6AF6D20FE1}"/>
+              </a:ext>
+            </a:extLst>
+          </p:cNvPr>
+          <p:cNvCxnSpPr>
+            <a:cxnSpLocks/>
+          </p:cNvCxnSpPr>
+          <p:nvPr/>
+        </p:nvCxnSpPr>
+        <p:spPr>
+          <a:xfrm flipV="1">
+            <a:off x="10061592" y="9068782"/>
+            <a:ext cx="6284596" cy="14973"/>
+          </a:xfrm>
+          <a:prstGeom prst="line">
+            <a:avLst/>
+          </a:prstGeom>
+          <a:ln w="57150">
+            <a:solidFill>
+              <a:schemeClr val="accent1"/>
+            </a:solidFill>
+          </a:ln>
+        </p:spPr>
+        <p:style>
+          <a:lnRef idx="1">
+            <a:schemeClr val="accent1"/>
+          </a:lnRef>
+          <a:fillRef idx="0">
+            <a:schemeClr val="accent1"/>
+          </a:fillRef>
+          <a:effectRef idx="0">
+            <a:schemeClr val="accent1"/>
+          </a:effectRef>
+          <a:fontRef idx="minor">
+            <a:schemeClr val="tx1"/>
+          </a:fontRef>
+        </p:style>
+      </p:cxnSp>
+      <p:cxnSp>
+        <p:nvCxnSpPr>
+          <p:cNvPr id="69" name="Straight Connector 68">
+            <a:extLst>
+              <a:ext uri="{FF2B5EF4-FFF2-40B4-BE49-F238E27FC236}">
+                <a16:creationId xmlns:a16="http://schemas.microsoft.com/office/drawing/2014/main" id="{30080403-558F-FA43-B1DF-E2E8F0A745B1}"/>
+              </a:ext>
+            </a:extLst>
+          </p:cNvPr>
+          <p:cNvCxnSpPr>
+            <a:cxnSpLocks/>
+          </p:cNvCxnSpPr>
+          <p:nvPr/>
+        </p:nvCxnSpPr>
+        <p:spPr>
+          <a:xfrm>
+            <a:off x="5052060" y="3897612"/>
+            <a:ext cx="0" cy="3107787"/>
+          </a:xfrm>
+          <a:prstGeom prst="line">
+            <a:avLst/>
+          </a:prstGeom>
+          <a:ln w="38100">
+            <a:solidFill>
+              <a:schemeClr val="tx1"/>
+            </a:solidFill>
+          </a:ln>
+        </p:spPr>
+        <p:style>
+          <a:lnRef idx="1">
+            <a:schemeClr val="accent1"/>
+          </a:lnRef>
+          <a:fillRef idx="0">
+            <a:schemeClr val="accent1"/>
+          </a:fillRef>
+          <a:effectRef idx="0">
+            <a:schemeClr val="accent1"/>
+          </a:effectRef>
+          <a:fontRef idx="minor">
+            <a:schemeClr val="tx1"/>
+          </a:fontRef>
+        </p:style>
+      </p:cxnSp>
+      <p:cxnSp>
+        <p:nvCxnSpPr>
+          <p:cNvPr id="70" name="Straight Connector 69">
+            <a:extLst>
+              <a:ext uri="{FF2B5EF4-FFF2-40B4-BE49-F238E27FC236}">
+                <a16:creationId xmlns:a16="http://schemas.microsoft.com/office/drawing/2014/main" id="{00A0879B-8CC2-214F-A527-FE4DFEFC87FC}"/>
+              </a:ext>
+            </a:extLst>
+          </p:cNvPr>
+          <p:cNvCxnSpPr>
+            <a:cxnSpLocks/>
+          </p:cNvCxnSpPr>
+          <p:nvPr/>
+        </p:nvCxnSpPr>
+        <p:spPr>
+          <a:xfrm flipH="1">
+            <a:off x="5052060" y="6982539"/>
+            <a:ext cx="15201900" cy="19050"/>
+          </a:xfrm>
+          <a:prstGeom prst="line">
+            <a:avLst/>
+          </a:prstGeom>
+          <a:ln w="38100">
+            <a:solidFill>
+              <a:schemeClr val="tx1"/>
+            </a:solidFill>
+          </a:ln>
+        </p:spPr>
+        <p:style>
+          <a:lnRef idx="1">
+            <a:schemeClr val="accent1"/>
+          </a:lnRef>
+          <a:fillRef idx="0">
+            <a:schemeClr val="accent1"/>
+          </a:fillRef>
+          <a:effectRef idx="0">
+            <a:schemeClr val="accent1"/>
+          </a:effectRef>
+          <a:fontRef idx="minor">
+            <a:schemeClr val="tx1"/>
+          </a:fontRef>
+        </p:style>
+      </p:cxnSp>
+      <p:cxnSp>
+        <p:nvCxnSpPr>
+          <p:cNvPr id="71" name="Straight Connector 70">
+            <a:extLst>
+              <a:ext uri="{FF2B5EF4-FFF2-40B4-BE49-F238E27FC236}">
+                <a16:creationId xmlns:a16="http://schemas.microsoft.com/office/drawing/2014/main" id="{41AA18DB-11F1-EC4A-BFFB-D909C24661D5}"/>
+              </a:ext>
+            </a:extLst>
+          </p:cNvPr>
+          <p:cNvCxnSpPr>
+            <a:cxnSpLocks/>
+          </p:cNvCxnSpPr>
+          <p:nvPr/>
+        </p:nvCxnSpPr>
+        <p:spPr>
+          <a:xfrm flipH="1">
+            <a:off x="4777740" y="4391739"/>
+            <a:ext cx="274320" cy="0"/>
+          </a:xfrm>
+          <a:prstGeom prst="line">
+            <a:avLst/>
+          </a:prstGeom>
+          <a:ln w="12700">
+            <a:solidFill>
+              <a:schemeClr val="tx1"/>
+            </a:solidFill>
+          </a:ln>
+        </p:spPr>
+        <p:style>
+          <a:lnRef idx="1">
+            <a:schemeClr val="accent1"/>
+          </a:lnRef>
+          <a:fillRef idx="0">
+            <a:schemeClr val="accent1"/>
+          </a:fillRef>
+          <a:effectRef idx="0">
+            <a:schemeClr val="accent1"/>
+          </a:effectRef>
+          <a:fontRef idx="minor">
+            <a:schemeClr val="tx1"/>
+          </a:fontRef>
+        </p:style>
+      </p:cxnSp>
+      <p:cxnSp>
+        <p:nvCxnSpPr>
+          <p:cNvPr id="78" name="Straight Connector 77">
+            <a:extLst>
+              <a:ext uri="{FF2B5EF4-FFF2-40B4-BE49-F238E27FC236}">
+                <a16:creationId xmlns:a16="http://schemas.microsoft.com/office/drawing/2014/main" id="{C8D347B5-D5E8-E44C-A62F-0E267C20D011}"/>
+              </a:ext>
+            </a:extLst>
+          </p:cNvPr>
+          <p:cNvCxnSpPr>
+            <a:cxnSpLocks/>
+          </p:cNvCxnSpPr>
+          <p:nvPr/>
+        </p:nvCxnSpPr>
+        <p:spPr>
+          <a:xfrm flipH="1">
+            <a:off x="4777740" y="5275659"/>
+            <a:ext cx="274320" cy="0"/>
+          </a:xfrm>
+          <a:prstGeom prst="line">
+            <a:avLst/>
+          </a:prstGeom>
+          <a:ln w="12700">
+            <a:solidFill>
+              <a:schemeClr val="tx1"/>
+            </a:solidFill>
+          </a:ln>
+        </p:spPr>
+        <p:style>
+          <a:lnRef idx="1">
+            <a:schemeClr val="accent1"/>
+          </a:lnRef>
+          <a:fillRef idx="0">
+            <a:schemeClr val="accent1"/>
+          </a:fillRef>
+          <a:effectRef idx="0">
+            <a:schemeClr val="accent1"/>
+          </a:effectRef>
+          <a:fontRef idx="minor">
+            <a:schemeClr val="tx1"/>
+          </a:fontRef>
+        </p:style>
+      </p:cxnSp>
+      <p:cxnSp>
+        <p:nvCxnSpPr>
+          <p:cNvPr id="79" name="Straight Connector 78">
+            <a:extLst>
+              <a:ext uri="{FF2B5EF4-FFF2-40B4-BE49-F238E27FC236}">
+                <a16:creationId xmlns:a16="http://schemas.microsoft.com/office/drawing/2014/main" id="{7937515A-CB77-E84B-807E-1BA614385C81}"/>
+              </a:ext>
+            </a:extLst>
+          </p:cNvPr>
+          <p:cNvCxnSpPr>
+            <a:cxnSpLocks/>
+          </p:cNvCxnSpPr>
+          <p:nvPr/>
+        </p:nvCxnSpPr>
+        <p:spPr>
+          <a:xfrm flipH="1">
+            <a:off x="4777740" y="6113859"/>
+            <a:ext cx="274320" cy="0"/>
+          </a:xfrm>
+          <a:prstGeom prst="line">
+            <a:avLst/>
+          </a:prstGeom>
+          <a:ln w="12700">
+            <a:solidFill>
+              <a:schemeClr val="tx1"/>
+            </a:solidFill>
+          </a:ln>
+        </p:spPr>
+        <p:style>
+          <a:lnRef idx="1">
+            <a:schemeClr val="accent1"/>
+          </a:lnRef>
+          <a:fillRef idx="0">
+            <a:schemeClr val="accent1"/>
+          </a:fillRef>
+          <a:effectRef idx="0">
+            <a:schemeClr val="accent1"/>
+          </a:effectRef>
+          <a:fontRef idx="minor">
+            <a:schemeClr val="tx1"/>
+          </a:fontRef>
+        </p:style>
+      </p:cxnSp>
+      <p:cxnSp>
+        <p:nvCxnSpPr>
+          <p:cNvPr id="80" name="Straight Connector 79">
+            <a:extLst>
+              <a:ext uri="{FF2B5EF4-FFF2-40B4-BE49-F238E27FC236}">
+                <a16:creationId xmlns:a16="http://schemas.microsoft.com/office/drawing/2014/main" id="{685F0792-A2BE-8548-A6FE-D0D1159D08E2}"/>
+              </a:ext>
+            </a:extLst>
+          </p:cNvPr>
+          <p:cNvCxnSpPr>
+            <a:cxnSpLocks/>
+          </p:cNvCxnSpPr>
+          <p:nvPr/>
+        </p:nvCxnSpPr>
+        <p:spPr>
+          <a:xfrm>
+            <a:off x="7578090" y="6971109"/>
+            <a:ext cx="0" cy="232410"/>
+          </a:xfrm>
+          <a:prstGeom prst="line">
+            <a:avLst/>
+          </a:prstGeom>
+          <a:ln w="12700">
+            <a:solidFill>
+              <a:schemeClr val="tx1"/>
+            </a:solidFill>
+          </a:ln>
+        </p:spPr>
+        <p:style>
+          <a:lnRef idx="1">
+            <a:schemeClr val="accent1"/>
+          </a:lnRef>
+          <a:fillRef idx="0">
+            <a:schemeClr val="accent1"/>
+          </a:fillRef>
+          <a:effectRef idx="0">
+            <a:schemeClr val="accent1"/>
+          </a:effectRef>
+          <a:fontRef idx="minor">
+            <a:schemeClr val="tx1"/>
+          </a:fontRef>
+        </p:style>
+      </p:cxnSp>
+      <p:cxnSp>
+        <p:nvCxnSpPr>
+          <p:cNvPr id="81" name="Straight Connector 80">
+            <a:extLst>
+              <a:ext uri="{FF2B5EF4-FFF2-40B4-BE49-F238E27FC236}">
+                <a16:creationId xmlns:a16="http://schemas.microsoft.com/office/drawing/2014/main" id="{F25614E4-51BB-7146-995D-5260BD9C3CE8}"/>
+              </a:ext>
+            </a:extLst>
+          </p:cNvPr>
+          <p:cNvCxnSpPr>
+            <a:cxnSpLocks/>
+          </p:cNvCxnSpPr>
+          <p:nvPr/>
+        </p:nvCxnSpPr>
+        <p:spPr>
+          <a:xfrm>
+            <a:off x="10107930" y="6971109"/>
+            <a:ext cx="0" cy="232410"/>
+          </a:xfrm>
+          <a:prstGeom prst="line">
+            <a:avLst/>
+          </a:prstGeom>
+          <a:ln w="12700">
+            <a:solidFill>
+              <a:schemeClr val="tx1"/>
+            </a:solidFill>
+          </a:ln>
+        </p:spPr>
+        <p:style>
+          <a:lnRef idx="1">
+            <a:schemeClr val="accent1"/>
+          </a:lnRef>
+          <a:fillRef idx="0">
+            <a:schemeClr val="accent1"/>
+          </a:fillRef>
+          <a:effectRef idx="0">
+            <a:schemeClr val="accent1"/>
+          </a:effectRef>
+          <a:fontRef idx="minor">
+            <a:schemeClr val="tx1"/>
+          </a:fontRef>
+        </p:style>
+      </p:cxnSp>
+      <p:cxnSp>
+        <p:nvCxnSpPr>
+          <p:cNvPr id="82" name="Straight Connector 81">
+            <a:extLst>
+              <a:ext uri="{FF2B5EF4-FFF2-40B4-BE49-F238E27FC236}">
+                <a16:creationId xmlns:a16="http://schemas.microsoft.com/office/drawing/2014/main" id="{13B260FC-79FC-EB4B-A710-55973BE4C9CE}"/>
+              </a:ext>
+            </a:extLst>
+          </p:cNvPr>
+          <p:cNvCxnSpPr>
+            <a:cxnSpLocks/>
+          </p:cNvCxnSpPr>
+          <p:nvPr/>
+        </p:nvCxnSpPr>
+        <p:spPr>
+          <a:xfrm>
+            <a:off x="12637770" y="6971109"/>
+            <a:ext cx="0" cy="232410"/>
+          </a:xfrm>
+          <a:prstGeom prst="line">
+            <a:avLst/>
+          </a:prstGeom>
+          <a:ln w="12700">
+            <a:solidFill>
+              <a:schemeClr val="tx1"/>
+            </a:solidFill>
+          </a:ln>
+        </p:spPr>
+        <p:style>
+          <a:lnRef idx="1">
+            <a:schemeClr val="accent1"/>
+          </a:lnRef>
+          <a:fillRef idx="0">
+            <a:schemeClr val="accent1"/>
+          </a:fillRef>
+          <a:effectRef idx="0">
+            <a:schemeClr val="accent1"/>
+          </a:effectRef>
+          <a:fontRef idx="minor">
+            <a:schemeClr val="tx1"/>
+          </a:fontRef>
+        </p:style>
+      </p:cxnSp>
+      <p:cxnSp>
+        <p:nvCxnSpPr>
+          <p:cNvPr id="83" name="Straight Connector 82">
+            <a:extLst>
+              <a:ext uri="{FF2B5EF4-FFF2-40B4-BE49-F238E27FC236}">
+                <a16:creationId xmlns:a16="http://schemas.microsoft.com/office/drawing/2014/main" id="{C4603482-E165-4244-A188-56B615542C16}"/>
+              </a:ext>
+            </a:extLst>
+          </p:cNvPr>
+          <p:cNvCxnSpPr>
+            <a:cxnSpLocks/>
+          </p:cNvCxnSpPr>
+          <p:nvPr/>
+        </p:nvCxnSpPr>
+        <p:spPr>
+          <a:xfrm>
+            <a:off x="15190470" y="6971109"/>
+            <a:ext cx="0" cy="232410"/>
+          </a:xfrm>
+          <a:prstGeom prst="line">
+            <a:avLst/>
+          </a:prstGeom>
+          <a:ln w="12700">
+            <a:solidFill>
+              <a:schemeClr val="tx1"/>
+            </a:solidFill>
+          </a:ln>
+        </p:spPr>
+        <p:style>
+          <a:lnRef idx="1">
+            <a:schemeClr val="accent1"/>
+          </a:lnRef>
+          <a:fillRef idx="0">
+            <a:schemeClr val="accent1"/>
+          </a:fillRef>
+          <a:effectRef idx="0">
+            <a:schemeClr val="accent1"/>
+          </a:effectRef>
+          <a:fontRef idx="minor">
+            <a:schemeClr val="tx1"/>
+          </a:fontRef>
+        </p:style>
+      </p:cxnSp>
+      <p:cxnSp>
+        <p:nvCxnSpPr>
+          <p:cNvPr id="84" name="Straight Connector 83">
+            <a:extLst>
+              <a:ext uri="{FF2B5EF4-FFF2-40B4-BE49-F238E27FC236}">
+                <a16:creationId xmlns:a16="http://schemas.microsoft.com/office/drawing/2014/main" id="{9F93F6CC-FD86-5F41-9DC3-A65833B2209F}"/>
+              </a:ext>
+            </a:extLst>
+          </p:cNvPr>
+          <p:cNvCxnSpPr>
+            <a:cxnSpLocks/>
+          </p:cNvCxnSpPr>
+          <p:nvPr/>
+        </p:nvCxnSpPr>
+        <p:spPr>
+          <a:xfrm>
+            <a:off x="17743170" y="6971109"/>
+            <a:ext cx="0" cy="232410"/>
+          </a:xfrm>
+          <a:prstGeom prst="line">
+            <a:avLst/>
+          </a:prstGeom>
+          <a:ln w="12700">
+            <a:solidFill>
+              <a:schemeClr val="tx1"/>
+            </a:solidFill>
+          </a:ln>
+        </p:spPr>
+        <p:style>
+          <a:lnRef idx="1">
+            <a:schemeClr val="accent1"/>
+          </a:lnRef>
+          <a:fillRef idx="0">
+            <a:schemeClr val="accent1"/>
+          </a:fillRef>
+          <a:effectRef idx="0">
+            <a:schemeClr val="accent1"/>
+          </a:effectRef>
+          <a:fontRef idx="minor">
+            <a:schemeClr val="tx1"/>
+          </a:fontRef>
+        </p:style>
+      </p:cxnSp>
+      <p:cxnSp>
+        <p:nvCxnSpPr>
+          <p:cNvPr id="85" name="Straight Connector 84">
+            <a:extLst>
+              <a:ext uri="{FF2B5EF4-FFF2-40B4-BE49-F238E27FC236}">
+                <a16:creationId xmlns:a16="http://schemas.microsoft.com/office/drawing/2014/main" id="{4D1A7C5C-441B-694B-A198-4EAB2C61484E}"/>
+              </a:ext>
+            </a:extLst>
+          </p:cNvPr>
+          <p:cNvCxnSpPr>
+            <a:cxnSpLocks/>
+          </p:cNvCxnSpPr>
+          <p:nvPr/>
+        </p:nvCxnSpPr>
+        <p:spPr>
+          <a:xfrm>
+            <a:off x="20273010" y="6971109"/>
+            <a:ext cx="0" cy="232410"/>
+          </a:xfrm>
+          <a:prstGeom prst="line">
+            <a:avLst/>
+          </a:prstGeom>
+          <a:ln w="12700">
+            <a:solidFill>
+              <a:schemeClr val="tx1"/>
+            </a:solidFill>
+          </a:ln>
+        </p:spPr>
+        <p:style>
+          <a:lnRef idx="1">
+            <a:schemeClr val="accent1"/>
+          </a:lnRef>
+          <a:fillRef idx="0">
+            <a:schemeClr val="accent1"/>
+          </a:fillRef>
+          <a:effectRef idx="0">
+            <a:schemeClr val="accent1"/>
+          </a:effectRef>
+          <a:fontRef idx="minor">
+            <a:schemeClr val="tx1"/>
+          </a:fontRef>
+        </p:style>
+      </p:cxnSp>
+      <p:sp>
+        <p:nvSpPr>
+          <p:cNvPr id="86" name="TextBox 85">
+            <a:extLst>
+              <a:ext uri="{FF2B5EF4-FFF2-40B4-BE49-F238E27FC236}">
+                <a16:creationId xmlns:a16="http://schemas.microsoft.com/office/drawing/2014/main" id="{87D0BB5F-D223-C448-8DC5-17F244CBF1B7}"/>
+              </a:ext>
+            </a:extLst>
+          </p:cNvPr>
+          <p:cNvSpPr txBox="1"/>
+          <p:nvPr/>
+        </p:nvSpPr>
+        <p:spPr>
+          <a:xfrm rot="16200000">
+            <a:off x="3084307" y="4967732"/>
+            <a:ext cx="883575" cy="646331"/>
+          </a:xfrm>
+          <a:prstGeom prst="rect">
+            <a:avLst/>
+          </a:prstGeom>
+          <a:noFill/>
+        </p:spPr>
+        <p:txBody>
+          <a:bodyPr wrap="none" rtlCol="0">
+            <a:spAutoFit/>
+          </a:bodyPr>
+          <a:lstStyle/>
+          <a:p>
+            <a:r>
+              <a:rPr lang="en-US" sz="3600" dirty="0">
+                <a:latin typeface="+mn-lt"/>
+              </a:rPr>
+              <a:t>RTT</a:t>
+            </a:r>
+          </a:p>
+        </p:txBody>
+      </p:sp>
+      <p:cxnSp>
+        <p:nvCxnSpPr>
+          <p:cNvPr id="87" name="Straight Connector 86">
+            <a:extLst>
+              <a:ext uri="{FF2B5EF4-FFF2-40B4-BE49-F238E27FC236}">
+                <a16:creationId xmlns:a16="http://schemas.microsoft.com/office/drawing/2014/main" id="{26209245-D614-DE48-B115-5D563929AFA8}"/>
+              </a:ext>
+            </a:extLst>
+          </p:cNvPr>
+          <p:cNvCxnSpPr>
+            <a:cxnSpLocks/>
+          </p:cNvCxnSpPr>
+          <p:nvPr/>
+        </p:nvCxnSpPr>
+        <p:spPr>
+          <a:xfrm flipV="1">
+            <a:off x="5052060" y="6723217"/>
+            <a:ext cx="5048250" cy="5089"/>
+          </a:xfrm>
+          <a:prstGeom prst="line">
+            <a:avLst/>
+          </a:prstGeom>
+          <a:ln w="57150">
+            <a:solidFill>
+              <a:schemeClr val="accent1">
+                <a:lumMod val="40000"/>
+                <a:lumOff val="60000"/>
+              </a:schemeClr>
+            </a:solidFill>
+          </a:ln>
+        </p:spPr>
+        <p:style>
+          <a:lnRef idx="1">
+            <a:schemeClr val="accent1"/>
+          </a:lnRef>
+          <a:fillRef idx="0">
+            <a:schemeClr val="accent1"/>
+          </a:fillRef>
+          <a:effectRef idx="0">
+            <a:schemeClr val="accent1"/>
+          </a:effectRef>
+          <a:fontRef idx="minor">
+            <a:schemeClr val="tx1"/>
+          </a:fontRef>
+        </p:style>
+      </p:cxnSp>
+      <p:cxnSp>
+        <p:nvCxnSpPr>
+          <p:cNvPr id="88" name="Straight Connector 87">
+            <a:extLst>
+              <a:ext uri="{FF2B5EF4-FFF2-40B4-BE49-F238E27FC236}">
+                <a16:creationId xmlns:a16="http://schemas.microsoft.com/office/drawing/2014/main" id="{770C155E-A6E7-794D-B06C-2488AADF882C}"/>
+              </a:ext>
+            </a:extLst>
+          </p:cNvPr>
+          <p:cNvCxnSpPr>
+            <a:cxnSpLocks/>
+          </p:cNvCxnSpPr>
+          <p:nvPr/>
+        </p:nvCxnSpPr>
+        <p:spPr>
+          <a:xfrm flipV="1">
+            <a:off x="10082857" y="4732849"/>
+            <a:ext cx="6284596" cy="1994804"/>
+          </a:xfrm>
+          <a:prstGeom prst="line">
+            <a:avLst/>
+          </a:prstGeom>
+          <a:ln w="57150">
+            <a:solidFill>
+              <a:schemeClr val="accent1"/>
+            </a:solidFill>
+          </a:ln>
+        </p:spPr>
+        <p:style>
+          <a:lnRef idx="1">
+            <a:schemeClr val="accent1"/>
+          </a:lnRef>
+          <a:fillRef idx="0">
+            <a:schemeClr val="accent1"/>
+          </a:fillRef>
+          <a:effectRef idx="0">
+            <a:schemeClr val="accent1"/>
+          </a:effectRef>
+          <a:fontRef idx="minor">
+            <a:schemeClr val="tx1"/>
+          </a:fontRef>
+        </p:style>
+      </p:cxnSp>
+      <p:cxnSp>
+        <p:nvCxnSpPr>
+          <p:cNvPr id="28" name="Straight Connector 27">
+            <a:extLst>
+              <a:ext uri="{FF2B5EF4-FFF2-40B4-BE49-F238E27FC236}">
+                <a16:creationId xmlns:a16="http://schemas.microsoft.com/office/drawing/2014/main" id="{46AD57B8-3EA5-4B4A-A177-7013BF30E320}"/>
+              </a:ext>
+            </a:extLst>
+          </p:cNvPr>
+          <p:cNvCxnSpPr/>
+          <p:nvPr/>
+        </p:nvCxnSpPr>
+        <p:spPr>
+          <a:xfrm>
+            <a:off x="10082857" y="4391739"/>
+            <a:ext cx="0" cy="6691551"/>
+          </a:xfrm>
+          <a:prstGeom prst="line">
+            <a:avLst/>
+          </a:prstGeom>
+          <a:ln>
+            <a:prstDash val="dash"/>
+          </a:ln>
+        </p:spPr>
+        <p:style>
+          <a:lnRef idx="1">
+            <a:schemeClr val="accent1"/>
+          </a:lnRef>
+          <a:fillRef idx="0">
+            <a:schemeClr val="accent1"/>
+          </a:fillRef>
+          <a:effectRef idx="0">
+            <a:schemeClr val="accent1"/>
+          </a:effectRef>
+          <a:fontRef idx="minor">
+            <a:schemeClr val="tx1"/>
+          </a:fontRef>
+        </p:style>
+      </p:cxnSp>
+      <p:sp>
+        <p:nvSpPr>
+          <p:cNvPr id="89" name="TextBox 88">
+            <a:extLst>
+              <a:ext uri="{FF2B5EF4-FFF2-40B4-BE49-F238E27FC236}">
+                <a16:creationId xmlns:a16="http://schemas.microsoft.com/office/drawing/2014/main" id="{DF7F6DEB-9F6A-EA49-A926-4C1E06F15B01}"/>
+              </a:ext>
+            </a:extLst>
+          </p:cNvPr>
+          <p:cNvSpPr txBox="1"/>
+          <p:nvPr/>
+        </p:nvSpPr>
+        <p:spPr>
+          <a:xfrm>
+            <a:off x="8364260" y="10051800"/>
+            <a:ext cx="3026790" cy="523220"/>
+          </a:xfrm>
+          <a:prstGeom prst="rect">
+            <a:avLst/>
+          </a:prstGeom>
+          <a:noFill/>
+        </p:spPr>
+        <p:txBody>
+          <a:bodyPr wrap="none" rtlCol="0">
+            <a:spAutoFit/>
+          </a:bodyPr>
+          <a:lstStyle/>
+          <a:p>
+            <a:r>
+              <a:rPr lang="en-US" sz="2800" dirty="0">
+                <a:latin typeface="+mn-lt"/>
+              </a:rPr>
+              <a:t>Bandwidth ⨉ Delay</a:t>
+            </a:r>
+          </a:p>
+        </p:txBody>
+      </p:sp>
+      <p:sp>
+        <p:nvSpPr>
+          <p:cNvPr id="90" name="TextBox 89">
+            <a:extLst>
+              <a:ext uri="{FF2B5EF4-FFF2-40B4-BE49-F238E27FC236}">
+                <a16:creationId xmlns:a16="http://schemas.microsoft.com/office/drawing/2014/main" id="{AA6EC9C5-DEF5-084C-9AD5-28F81ECAD6E2}"/>
+              </a:ext>
+            </a:extLst>
+          </p:cNvPr>
+          <p:cNvSpPr txBox="1"/>
+          <p:nvPr/>
+        </p:nvSpPr>
+        <p:spPr>
+          <a:xfrm>
+            <a:off x="13407720" y="10052732"/>
+            <a:ext cx="5254965" cy="523220"/>
+          </a:xfrm>
+          <a:prstGeom prst="rect">
+            <a:avLst/>
+          </a:prstGeom>
+          <a:noFill/>
+        </p:spPr>
+        <p:txBody>
+          <a:bodyPr wrap="none" rtlCol="0">
+            <a:spAutoFit/>
+          </a:bodyPr>
+          <a:lstStyle/>
+          <a:p>
+            <a:r>
+              <a:rPr lang="en-US" sz="2800" dirty="0">
+                <a:latin typeface="+mn-lt"/>
+              </a:rPr>
+              <a:t>Bandwidth ⨉ Delay + Buffer Depth</a:t>
+            </a:r>
+          </a:p>
+        </p:txBody>
+      </p:sp>
+      <p:cxnSp>
+        <p:nvCxnSpPr>
+          <p:cNvPr id="91" name="Straight Connector 90">
+            <a:extLst>
+              <a:ext uri="{FF2B5EF4-FFF2-40B4-BE49-F238E27FC236}">
+                <a16:creationId xmlns:a16="http://schemas.microsoft.com/office/drawing/2014/main" id="{3FB8CD21-F621-CF4E-88A0-6C11EF3DEE0A}"/>
+              </a:ext>
+            </a:extLst>
+          </p:cNvPr>
+          <p:cNvCxnSpPr/>
+          <p:nvPr/>
+        </p:nvCxnSpPr>
+        <p:spPr>
+          <a:xfrm>
+            <a:off x="16359610" y="4374017"/>
+            <a:ext cx="0" cy="6691551"/>
+          </a:xfrm>
+          <a:prstGeom prst="line">
+            <a:avLst/>
+          </a:prstGeom>
+          <a:ln>
+            <a:prstDash val="dash"/>
+          </a:ln>
+        </p:spPr>
+        <p:style>
+          <a:lnRef idx="1">
+            <a:schemeClr val="accent1"/>
+          </a:lnRef>
+          <a:fillRef idx="0">
+            <a:schemeClr val="accent1"/>
+          </a:fillRef>
+          <a:effectRef idx="0">
+            <a:schemeClr val="accent1"/>
+          </a:effectRef>
+          <a:fontRef idx="minor">
+            <a:schemeClr val="tx1"/>
+          </a:fontRef>
+        </p:style>
+      </p:cxnSp>
+    </p:spTree>
+    <p:extLst>
+      <p:ext uri="{BB962C8B-B14F-4D97-AF65-F5344CB8AC3E}">
+        <p14:creationId xmlns:p14="http://schemas.microsoft.com/office/powerpoint/2010/main" val="626435694"/>
+      </p:ext>
+    </p:extLst>
+  </p:cSld>
+  <p:clrMapOvr>
+    <a:masterClrMapping/>
+  </p:clrMapOvr>
+</p:sld>
+</file>
+
+<file path=ppt/slides/slide7.xml><?xml version="1.0" encoding="utf-8"?>
+<p:sld xmlns:a="http://schemas.openxmlformats.org/drawingml/2006/main" xmlns:r="http://schemas.openxmlformats.org/officeDocument/2006/relationships" xmlns:p="http://schemas.openxmlformats.org/presentationml/2006/main">
+  <p:cSld>
+    <p:spTree>
+      <p:nvGrpSpPr>
+        <p:cNvPr id="1" name=""/>
+        <p:cNvGrpSpPr/>
+        <p:nvPr/>
+      </p:nvGrpSpPr>
+      <p:grpSpPr>
+        <a:xfrm>
+          <a:off x="0" y="0"/>
+          <a:ext cx="0" cy="0"/>
+          <a:chOff x="0" y="0"/>
+          <a:chExt cx="0" cy="0"/>
+        </a:xfrm>
+      </p:grpSpPr>
+      <p:sp>
+        <p:nvSpPr>
+          <p:cNvPr id="2" name="Rectangle 1">
+            <a:extLst>
+              <a:ext uri="{FF2B5EF4-FFF2-40B4-BE49-F238E27FC236}">
+                <a16:creationId xmlns:a16="http://schemas.microsoft.com/office/drawing/2014/main" id="{64960652-DC5F-DE4A-86E2-D4914DFC18FD}"/>
+              </a:ext>
+            </a:extLst>
+          </p:cNvPr>
+          <p:cNvSpPr/>
+          <p:nvPr/>
+        </p:nvSpPr>
+        <p:spPr>
+          <a:xfrm>
+            <a:off x="2794749" y="1296719"/>
+            <a:ext cx="2299855" cy="960927"/>
+          </a:xfrm>
+          <a:prstGeom prst="rect">
+            <a:avLst/>
+          </a:prstGeom>
+          <a:ln>
+            <a:noFill/>
+          </a:ln>
+        </p:spPr>
+        <p:style>
+          <a:lnRef idx="2">
+            <a:schemeClr val="accent1">
+              <a:shade val="50000"/>
+            </a:schemeClr>
+          </a:lnRef>
+          <a:fillRef idx="1">
+            <a:schemeClr val="accent1"/>
+          </a:fillRef>
+          <a:effectRef idx="0">
+            <a:schemeClr val="accent1"/>
+          </a:effectRef>
+          <a:fontRef idx="minor">
+            <a:schemeClr val="lt1"/>
+          </a:fontRef>
+        </p:style>
+        <p:txBody>
+          <a:bodyPr rtlCol="0" anchor="ctr"/>
+          <a:lstStyle/>
+          <a:p>
+            <a:pPr algn="ctr"/>
+            <a:r>
+              <a:rPr lang="en-US" sz="2000" dirty="0"/>
+              <a:t>Startup</a:t>
+            </a:r>
+          </a:p>
+        </p:txBody>
+      </p:sp>
+      <p:cxnSp>
+        <p:nvCxnSpPr>
+          <p:cNvPr id="5" name="Straight Arrow Connector 4">
+            <a:extLst>
+              <a:ext uri="{FF2B5EF4-FFF2-40B4-BE49-F238E27FC236}">
+                <a16:creationId xmlns:a16="http://schemas.microsoft.com/office/drawing/2014/main" id="{15C7A5C3-2E0B-2944-9FDF-F9274A27CD22}"/>
+              </a:ext>
+            </a:extLst>
+          </p:cNvPr>
+          <p:cNvCxnSpPr>
+            <a:cxnSpLocks/>
+          </p:cNvCxnSpPr>
+          <p:nvPr/>
+        </p:nvCxnSpPr>
+        <p:spPr>
+          <a:xfrm>
+            <a:off x="3944676" y="2257646"/>
+            <a:ext cx="0" cy="451850"/>
+          </a:xfrm>
+          <a:prstGeom prst="straightConnector1">
+            <a:avLst/>
+          </a:prstGeom>
+          <a:ln>
+            <a:tailEnd type="triangle"/>
+          </a:ln>
+        </p:spPr>
+        <p:style>
+          <a:lnRef idx="3">
+            <a:schemeClr val="dk1"/>
+          </a:lnRef>
+          <a:fillRef idx="0">
+            <a:schemeClr val="dk1"/>
+          </a:fillRef>
+          <a:effectRef idx="2">
+            <a:schemeClr val="dk1"/>
+          </a:effectRef>
+          <a:fontRef idx="minor">
+            <a:schemeClr val="tx1"/>
+          </a:fontRef>
+        </p:style>
+      </p:cxnSp>
+      <p:sp>
+        <p:nvSpPr>
+          <p:cNvPr id="6" name="Rectangle 5">
+            <a:extLst>
+              <a:ext uri="{FF2B5EF4-FFF2-40B4-BE49-F238E27FC236}">
+                <a16:creationId xmlns:a16="http://schemas.microsoft.com/office/drawing/2014/main" id="{A4776FB2-70E4-574F-9915-92D760D10647}"/>
+              </a:ext>
+            </a:extLst>
+          </p:cNvPr>
+          <p:cNvSpPr/>
+          <p:nvPr/>
+        </p:nvSpPr>
+        <p:spPr>
+          <a:xfrm>
+            <a:off x="2794750" y="10243546"/>
+            <a:ext cx="2299855" cy="960927"/>
+          </a:xfrm>
+          <a:prstGeom prst="rect">
+            <a:avLst/>
+          </a:prstGeom>
+          <a:ln>
+            <a:noFill/>
+          </a:ln>
+        </p:spPr>
+        <p:style>
+          <a:lnRef idx="2">
+            <a:schemeClr val="accent1">
+              <a:shade val="50000"/>
+            </a:schemeClr>
+          </a:lnRef>
+          <a:fillRef idx="1">
+            <a:schemeClr val="accent1"/>
+          </a:fillRef>
+          <a:effectRef idx="0">
+            <a:schemeClr val="accent1"/>
+          </a:effectRef>
+          <a:fontRef idx="minor">
+            <a:schemeClr val="lt1"/>
+          </a:fontRef>
+        </p:style>
+        <p:txBody>
+          <a:bodyPr rtlCol="0" anchor="ctr"/>
+          <a:lstStyle/>
+          <a:p>
+            <a:pPr algn="ctr"/>
+            <a:r>
+              <a:rPr lang="en-US" sz="2000" dirty="0" err="1"/>
+              <a:t>ProbeRTT</a:t>
+            </a:r>
+            <a:endParaRPr lang="en-US" sz="2000" dirty="0"/>
+          </a:p>
+        </p:txBody>
+      </p:sp>
+      <p:sp>
+        <p:nvSpPr>
+          <p:cNvPr id="7" name="Rectangle 6">
+            <a:extLst>
+              <a:ext uri="{FF2B5EF4-FFF2-40B4-BE49-F238E27FC236}">
+                <a16:creationId xmlns:a16="http://schemas.microsoft.com/office/drawing/2014/main" id="{246D892C-9674-A84E-AFBA-525A0E648950}"/>
+              </a:ext>
+            </a:extLst>
+          </p:cNvPr>
+          <p:cNvSpPr/>
+          <p:nvPr/>
+        </p:nvSpPr>
+        <p:spPr>
+          <a:xfrm>
+            <a:off x="2794750" y="8376733"/>
+            <a:ext cx="2299855" cy="960927"/>
+          </a:xfrm>
+          <a:prstGeom prst="rect">
+            <a:avLst/>
+          </a:prstGeom>
+          <a:ln>
+            <a:noFill/>
+          </a:ln>
+        </p:spPr>
+        <p:style>
+          <a:lnRef idx="2">
+            <a:schemeClr val="accent1">
+              <a:shade val="50000"/>
+            </a:schemeClr>
+          </a:lnRef>
+          <a:fillRef idx="1">
+            <a:schemeClr val="accent1"/>
+          </a:fillRef>
+          <a:effectRef idx="0">
+            <a:schemeClr val="accent1"/>
+          </a:effectRef>
+          <a:fontRef idx="minor">
+            <a:schemeClr val="lt1"/>
+          </a:fontRef>
+        </p:style>
+        <p:txBody>
+          <a:bodyPr rtlCol="0" anchor="ctr"/>
+          <a:lstStyle/>
+          <a:p>
+            <a:pPr algn="ctr"/>
+            <a:r>
+              <a:rPr lang="en-US" sz="2000" dirty="0" err="1"/>
+              <a:t>ProbeBW:UP</a:t>
+            </a:r>
+            <a:endParaRPr lang="en-US" sz="2000" dirty="0"/>
+          </a:p>
+        </p:txBody>
+      </p:sp>
+      <p:sp>
+        <p:nvSpPr>
+          <p:cNvPr id="8" name="Rectangle 7">
+            <a:extLst>
+              <a:ext uri="{FF2B5EF4-FFF2-40B4-BE49-F238E27FC236}">
+                <a16:creationId xmlns:a16="http://schemas.microsoft.com/office/drawing/2014/main" id="{149F7487-3020-F14F-8F9D-0A5AEAB6CB94}"/>
+              </a:ext>
+            </a:extLst>
+          </p:cNvPr>
+          <p:cNvSpPr/>
+          <p:nvPr/>
+        </p:nvSpPr>
+        <p:spPr>
+          <a:xfrm>
+            <a:off x="2794750" y="6963950"/>
+            <a:ext cx="2299855" cy="960927"/>
+          </a:xfrm>
+          <a:prstGeom prst="rect">
+            <a:avLst/>
+          </a:prstGeom>
+          <a:ln>
+            <a:noFill/>
+          </a:ln>
+        </p:spPr>
+        <p:style>
+          <a:lnRef idx="2">
+            <a:schemeClr val="accent1">
+              <a:shade val="50000"/>
+            </a:schemeClr>
+          </a:lnRef>
+          <a:fillRef idx="1">
+            <a:schemeClr val="accent1"/>
+          </a:fillRef>
+          <a:effectRef idx="0">
+            <a:schemeClr val="accent1"/>
+          </a:effectRef>
+          <a:fontRef idx="minor">
+            <a:schemeClr val="lt1"/>
+          </a:fontRef>
+        </p:style>
+        <p:txBody>
+          <a:bodyPr rtlCol="0" anchor="ctr"/>
+          <a:lstStyle/>
+          <a:p>
+            <a:pPr algn="ctr"/>
+            <a:r>
+              <a:rPr lang="en-US" sz="2000" dirty="0" err="1"/>
+              <a:t>ProbeBW:REFILL</a:t>
+            </a:r>
+            <a:endParaRPr lang="en-US" sz="2000" dirty="0"/>
+          </a:p>
+        </p:txBody>
+      </p:sp>
+      <p:sp>
+        <p:nvSpPr>
+          <p:cNvPr id="9" name="Rectangle 8">
+            <a:extLst>
+              <a:ext uri="{FF2B5EF4-FFF2-40B4-BE49-F238E27FC236}">
+                <a16:creationId xmlns:a16="http://schemas.microsoft.com/office/drawing/2014/main" id="{772DF0E7-90D4-4645-8EAB-6E3FFFF416E0}"/>
+              </a:ext>
+            </a:extLst>
+          </p:cNvPr>
+          <p:cNvSpPr/>
+          <p:nvPr/>
+        </p:nvSpPr>
+        <p:spPr>
+          <a:xfrm>
+            <a:off x="2794750" y="5549248"/>
+            <a:ext cx="2299855" cy="960927"/>
+          </a:xfrm>
+          <a:prstGeom prst="rect">
+            <a:avLst/>
+          </a:prstGeom>
+          <a:ln>
+            <a:noFill/>
+          </a:ln>
+        </p:spPr>
+        <p:style>
+          <a:lnRef idx="2">
+            <a:schemeClr val="accent1">
+              <a:shade val="50000"/>
+            </a:schemeClr>
+          </a:lnRef>
+          <a:fillRef idx="1">
+            <a:schemeClr val="accent1"/>
+          </a:fillRef>
+          <a:effectRef idx="0">
+            <a:schemeClr val="accent1"/>
+          </a:effectRef>
+          <a:fontRef idx="minor">
+            <a:schemeClr val="lt1"/>
+          </a:fontRef>
+        </p:style>
+        <p:txBody>
+          <a:bodyPr rtlCol="0" anchor="ctr"/>
+          <a:lstStyle/>
+          <a:p>
+            <a:pPr algn="ctr"/>
+            <a:r>
+              <a:rPr lang="en-US" sz="2000" dirty="0" err="1"/>
+              <a:t>ProbeBW:CRUISE</a:t>
+            </a:r>
+            <a:endParaRPr lang="en-US" sz="2000" dirty="0"/>
+          </a:p>
+        </p:txBody>
+      </p:sp>
+      <p:sp>
+        <p:nvSpPr>
+          <p:cNvPr id="10" name="Rectangle 9">
+            <a:extLst>
+              <a:ext uri="{FF2B5EF4-FFF2-40B4-BE49-F238E27FC236}">
+                <a16:creationId xmlns:a16="http://schemas.microsoft.com/office/drawing/2014/main" id="{38C90F49-FB55-6B46-B09E-D84FAEFA111A}"/>
+              </a:ext>
+            </a:extLst>
+          </p:cNvPr>
+          <p:cNvSpPr/>
+          <p:nvPr/>
+        </p:nvSpPr>
+        <p:spPr>
+          <a:xfrm>
+            <a:off x="2794751" y="4122273"/>
+            <a:ext cx="2299855" cy="960927"/>
+          </a:xfrm>
+          <a:prstGeom prst="rect">
+            <a:avLst/>
+          </a:prstGeom>
+          <a:ln>
+            <a:noFill/>
+          </a:ln>
+        </p:spPr>
+        <p:style>
+          <a:lnRef idx="2">
+            <a:schemeClr val="accent1">
+              <a:shade val="50000"/>
+            </a:schemeClr>
+          </a:lnRef>
+          <a:fillRef idx="1">
+            <a:schemeClr val="accent1"/>
+          </a:fillRef>
+          <a:effectRef idx="0">
+            <a:schemeClr val="accent1"/>
+          </a:effectRef>
+          <a:fontRef idx="minor">
+            <a:schemeClr val="lt1"/>
+          </a:fontRef>
+        </p:style>
+        <p:txBody>
+          <a:bodyPr rtlCol="0" anchor="ctr"/>
+          <a:lstStyle/>
+          <a:p>
+            <a:pPr algn="ctr"/>
+            <a:r>
+              <a:rPr lang="en-US" sz="2000" dirty="0" err="1"/>
+              <a:t>ProbeBW:DOWN</a:t>
+            </a:r>
+            <a:endParaRPr lang="en-US" sz="2000" dirty="0"/>
+          </a:p>
+        </p:txBody>
+      </p:sp>
+      <p:sp>
+        <p:nvSpPr>
+          <p:cNvPr id="11" name="Rectangle 10">
+            <a:extLst>
+              <a:ext uri="{FF2B5EF4-FFF2-40B4-BE49-F238E27FC236}">
+                <a16:creationId xmlns:a16="http://schemas.microsoft.com/office/drawing/2014/main" id="{36A631B1-83D3-1544-9655-721A61A8673D}"/>
+              </a:ext>
+            </a:extLst>
+          </p:cNvPr>
+          <p:cNvSpPr/>
+          <p:nvPr/>
+        </p:nvSpPr>
+        <p:spPr>
+          <a:xfrm>
+            <a:off x="2794752" y="2709496"/>
+            <a:ext cx="2299855" cy="960927"/>
+          </a:xfrm>
+          <a:prstGeom prst="rect">
+            <a:avLst/>
+          </a:prstGeom>
+          <a:ln>
+            <a:noFill/>
+          </a:ln>
+        </p:spPr>
+        <p:style>
+          <a:lnRef idx="2">
+            <a:schemeClr val="accent1">
+              <a:shade val="50000"/>
+            </a:schemeClr>
+          </a:lnRef>
+          <a:fillRef idx="1">
+            <a:schemeClr val="accent1"/>
+          </a:fillRef>
+          <a:effectRef idx="0">
+            <a:schemeClr val="accent1"/>
+          </a:effectRef>
+          <a:fontRef idx="minor">
+            <a:schemeClr val="lt1"/>
+          </a:fontRef>
+        </p:style>
+        <p:txBody>
+          <a:bodyPr rtlCol="0" anchor="ctr"/>
+          <a:lstStyle/>
+          <a:p>
+            <a:pPr algn="ctr"/>
+            <a:r>
+              <a:rPr lang="en-US" sz="2000" dirty="0"/>
+              <a:t>Drain</a:t>
+            </a:r>
+          </a:p>
+        </p:txBody>
+      </p:sp>
+      <p:cxnSp>
+        <p:nvCxnSpPr>
+          <p:cNvPr id="14" name="Straight Arrow Connector 13">
+            <a:extLst>
+              <a:ext uri="{FF2B5EF4-FFF2-40B4-BE49-F238E27FC236}">
+                <a16:creationId xmlns:a16="http://schemas.microsoft.com/office/drawing/2014/main" id="{8DB84DD9-2F07-514E-9907-E7EDB1B60D6E}"/>
+              </a:ext>
+            </a:extLst>
+          </p:cNvPr>
+          <p:cNvCxnSpPr>
+            <a:cxnSpLocks/>
+          </p:cNvCxnSpPr>
+          <p:nvPr/>
+        </p:nvCxnSpPr>
+        <p:spPr>
+          <a:xfrm>
+            <a:off x="3955889" y="3670423"/>
+            <a:ext cx="0" cy="451850"/>
+          </a:xfrm>
+          <a:prstGeom prst="straightConnector1">
+            <a:avLst/>
+          </a:prstGeom>
+          <a:ln>
+            <a:tailEnd type="triangle"/>
+          </a:ln>
+        </p:spPr>
+        <p:style>
+          <a:lnRef idx="3">
+            <a:schemeClr val="dk1"/>
+          </a:lnRef>
+          <a:fillRef idx="0">
+            <a:schemeClr val="dk1"/>
+          </a:fillRef>
+          <a:effectRef idx="2">
+            <a:schemeClr val="dk1"/>
+          </a:effectRef>
+          <a:fontRef idx="minor">
+            <a:schemeClr val="tx1"/>
+          </a:fontRef>
+        </p:style>
+      </p:cxnSp>
+      <p:cxnSp>
+        <p:nvCxnSpPr>
+          <p:cNvPr id="15" name="Straight Arrow Connector 14">
+            <a:extLst>
+              <a:ext uri="{FF2B5EF4-FFF2-40B4-BE49-F238E27FC236}">
+                <a16:creationId xmlns:a16="http://schemas.microsoft.com/office/drawing/2014/main" id="{D366F4E2-8CEC-9A4D-997B-4A907A070217}"/>
+              </a:ext>
+            </a:extLst>
+          </p:cNvPr>
+          <p:cNvCxnSpPr>
+            <a:cxnSpLocks/>
+          </p:cNvCxnSpPr>
+          <p:nvPr/>
+        </p:nvCxnSpPr>
+        <p:spPr>
+          <a:xfrm>
+            <a:off x="3957456" y="5083200"/>
+            <a:ext cx="0" cy="451850"/>
+          </a:xfrm>
+          <a:prstGeom prst="straightConnector1">
+            <a:avLst/>
+          </a:prstGeom>
+          <a:ln>
+            <a:tailEnd type="triangle"/>
+          </a:ln>
+        </p:spPr>
+        <p:style>
+          <a:lnRef idx="3">
+            <a:schemeClr val="dk1"/>
+          </a:lnRef>
+          <a:fillRef idx="0">
+            <a:schemeClr val="dk1"/>
+          </a:fillRef>
+          <a:effectRef idx="2">
+            <a:schemeClr val="dk1"/>
+          </a:effectRef>
+          <a:fontRef idx="minor">
+            <a:schemeClr val="tx1"/>
+          </a:fontRef>
+        </p:style>
+      </p:cxnSp>
+      <p:cxnSp>
+        <p:nvCxnSpPr>
+          <p:cNvPr id="16" name="Straight Arrow Connector 15">
+            <a:extLst>
+              <a:ext uri="{FF2B5EF4-FFF2-40B4-BE49-F238E27FC236}">
+                <a16:creationId xmlns:a16="http://schemas.microsoft.com/office/drawing/2014/main" id="{E44A627A-5B6F-9047-B809-85289FEDBFE4}"/>
+              </a:ext>
+            </a:extLst>
+          </p:cNvPr>
+          <p:cNvCxnSpPr>
+            <a:cxnSpLocks/>
+          </p:cNvCxnSpPr>
+          <p:nvPr/>
+        </p:nvCxnSpPr>
+        <p:spPr>
+          <a:xfrm>
+            <a:off x="1817225" y="4602736"/>
+            <a:ext cx="977524" cy="0"/>
+          </a:xfrm>
+          <a:prstGeom prst="straightConnector1">
+            <a:avLst/>
+          </a:prstGeom>
+          <a:ln>
+            <a:tailEnd type="triangle"/>
+          </a:ln>
+        </p:spPr>
+        <p:style>
+          <a:lnRef idx="3">
+            <a:schemeClr val="dk1"/>
+          </a:lnRef>
+          <a:fillRef idx="0">
+            <a:schemeClr val="dk1"/>
+          </a:fillRef>
+          <a:effectRef idx="2">
+            <a:schemeClr val="dk1"/>
+          </a:effectRef>
+          <a:fontRef idx="minor">
+            <a:schemeClr val="tx1"/>
+          </a:fontRef>
+        </p:style>
+      </p:cxnSp>
+      <p:cxnSp>
+        <p:nvCxnSpPr>
+          <p:cNvPr id="17" name="Straight Arrow Connector 16">
+            <a:extLst>
+              <a:ext uri="{FF2B5EF4-FFF2-40B4-BE49-F238E27FC236}">
+                <a16:creationId xmlns:a16="http://schemas.microsoft.com/office/drawing/2014/main" id="{AA6374A0-0C64-864A-BE1C-A712E23D3F10}"/>
+              </a:ext>
+            </a:extLst>
+          </p:cNvPr>
+          <p:cNvCxnSpPr>
+            <a:cxnSpLocks/>
+          </p:cNvCxnSpPr>
+          <p:nvPr/>
+        </p:nvCxnSpPr>
+        <p:spPr>
+          <a:xfrm>
+            <a:off x="3944676" y="7924877"/>
+            <a:ext cx="0" cy="451850"/>
+          </a:xfrm>
+          <a:prstGeom prst="straightConnector1">
+            <a:avLst/>
+          </a:prstGeom>
+          <a:ln>
+            <a:tailEnd type="triangle"/>
+          </a:ln>
+        </p:spPr>
+        <p:style>
+          <a:lnRef idx="3">
+            <a:schemeClr val="dk1"/>
+          </a:lnRef>
+          <a:fillRef idx="0">
+            <a:schemeClr val="dk1"/>
+          </a:fillRef>
+          <a:effectRef idx="2">
+            <a:schemeClr val="dk1"/>
+          </a:effectRef>
+          <a:fontRef idx="minor">
+            <a:schemeClr val="tx1"/>
+          </a:fontRef>
+        </p:style>
+      </p:cxnSp>
+      <p:cxnSp>
+        <p:nvCxnSpPr>
+          <p:cNvPr id="18" name="Straight Arrow Connector 17">
+            <a:extLst>
+              <a:ext uri="{FF2B5EF4-FFF2-40B4-BE49-F238E27FC236}">
+                <a16:creationId xmlns:a16="http://schemas.microsoft.com/office/drawing/2014/main" id="{EE2B0612-315F-114D-9C43-8653815AC2F8}"/>
+              </a:ext>
+            </a:extLst>
+          </p:cNvPr>
+          <p:cNvCxnSpPr>
+            <a:cxnSpLocks/>
+          </p:cNvCxnSpPr>
+          <p:nvPr/>
+        </p:nvCxnSpPr>
+        <p:spPr>
+          <a:xfrm>
+            <a:off x="3944676" y="6510175"/>
+            <a:ext cx="0" cy="451850"/>
+          </a:xfrm>
+          <a:prstGeom prst="straightConnector1">
+            <a:avLst/>
+          </a:prstGeom>
+          <a:ln>
+            <a:tailEnd type="triangle"/>
+          </a:ln>
+        </p:spPr>
+        <p:style>
+          <a:lnRef idx="3">
+            <a:schemeClr val="dk1"/>
+          </a:lnRef>
+          <a:fillRef idx="0">
+            <a:schemeClr val="dk1"/>
+          </a:fillRef>
+          <a:effectRef idx="2">
+            <a:schemeClr val="dk1"/>
+          </a:effectRef>
+          <a:fontRef idx="minor">
+            <a:schemeClr val="tx1"/>
+          </a:fontRef>
+        </p:style>
+      </p:cxnSp>
+      <p:cxnSp>
+        <p:nvCxnSpPr>
+          <p:cNvPr id="22" name="Straight Connector 21">
+            <a:extLst>
+              <a:ext uri="{FF2B5EF4-FFF2-40B4-BE49-F238E27FC236}">
+                <a16:creationId xmlns:a16="http://schemas.microsoft.com/office/drawing/2014/main" id="{AA3DB04B-CBC5-2342-ACA6-7B84B3B96D24}"/>
+              </a:ext>
+            </a:extLst>
+          </p:cNvPr>
+          <p:cNvCxnSpPr>
+            <a:cxnSpLocks/>
+          </p:cNvCxnSpPr>
+          <p:nvPr/>
+        </p:nvCxnSpPr>
+        <p:spPr>
+          <a:xfrm>
+            <a:off x="6053561" y="1791598"/>
+            <a:ext cx="0" cy="8932411"/>
+          </a:xfrm>
+          <a:prstGeom prst="line">
+            <a:avLst/>
+          </a:prstGeom>
+          <a:ln w="28575">
+            <a:solidFill>
+              <a:schemeClr val="tx1"/>
+            </a:solidFill>
+          </a:ln>
+        </p:spPr>
+        <p:style>
+          <a:lnRef idx="1">
+            <a:schemeClr val="accent1"/>
+          </a:lnRef>
+          <a:fillRef idx="0">
+            <a:schemeClr val="accent1"/>
+          </a:fillRef>
+          <a:effectRef idx="0">
+            <a:schemeClr val="accent1"/>
+          </a:effectRef>
+          <a:fontRef idx="minor">
+            <a:schemeClr val="tx1"/>
+          </a:fontRef>
+        </p:style>
+      </p:cxnSp>
+      <p:cxnSp>
+        <p:nvCxnSpPr>
+          <p:cNvPr id="24" name="Straight Arrow Connector 23">
+            <a:extLst>
+              <a:ext uri="{FF2B5EF4-FFF2-40B4-BE49-F238E27FC236}">
+                <a16:creationId xmlns:a16="http://schemas.microsoft.com/office/drawing/2014/main" id="{82339263-1B27-464B-B91D-F9A28E386052}"/>
+              </a:ext>
+            </a:extLst>
+          </p:cNvPr>
+          <p:cNvCxnSpPr>
+            <a:cxnSpLocks/>
+          </p:cNvCxnSpPr>
+          <p:nvPr/>
+        </p:nvCxnSpPr>
+        <p:spPr>
+          <a:xfrm flipH="1">
+            <a:off x="5094604" y="10724009"/>
+            <a:ext cx="977524" cy="0"/>
+          </a:xfrm>
+          <a:prstGeom prst="straightConnector1">
+            <a:avLst/>
+          </a:prstGeom>
+          <a:ln>
+            <a:tailEnd type="triangle"/>
+          </a:ln>
+        </p:spPr>
+        <p:style>
+          <a:lnRef idx="3">
+            <a:schemeClr val="dk1"/>
+          </a:lnRef>
+          <a:fillRef idx="0">
+            <a:schemeClr val="dk1"/>
+          </a:fillRef>
+          <a:effectRef idx="2">
+            <a:schemeClr val="dk1"/>
+          </a:effectRef>
+          <a:fontRef idx="minor">
+            <a:schemeClr val="tx1"/>
+          </a:fontRef>
+        </p:style>
+      </p:cxnSp>
+      <p:cxnSp>
+        <p:nvCxnSpPr>
+          <p:cNvPr id="25" name="Straight Arrow Connector 24">
+            <a:extLst>
+              <a:ext uri="{FF2B5EF4-FFF2-40B4-BE49-F238E27FC236}">
+                <a16:creationId xmlns:a16="http://schemas.microsoft.com/office/drawing/2014/main" id="{C21248B1-9CFC-2342-9A91-CCF686D6B2CF}"/>
+              </a:ext>
+            </a:extLst>
+          </p:cNvPr>
+          <p:cNvCxnSpPr>
+            <a:cxnSpLocks/>
+          </p:cNvCxnSpPr>
+          <p:nvPr/>
+        </p:nvCxnSpPr>
+        <p:spPr>
+          <a:xfrm flipH="1">
+            <a:off x="5094604" y="8857196"/>
+            <a:ext cx="977524" cy="0"/>
+          </a:xfrm>
+          <a:prstGeom prst="straightConnector1">
+            <a:avLst/>
+          </a:prstGeom>
+          <a:ln>
+            <a:headEnd type="none" w="med" len="med"/>
+            <a:tailEnd type="none" w="med" len="med"/>
+          </a:ln>
+        </p:spPr>
+        <p:style>
+          <a:lnRef idx="3">
+            <a:schemeClr val="dk1"/>
+          </a:lnRef>
+          <a:fillRef idx="0">
+            <a:schemeClr val="dk1"/>
+          </a:fillRef>
+          <a:effectRef idx="2">
+            <a:schemeClr val="dk1"/>
+          </a:effectRef>
+          <a:fontRef idx="minor">
+            <a:schemeClr val="tx1"/>
+          </a:fontRef>
+        </p:style>
+      </p:cxnSp>
+      <p:cxnSp>
+        <p:nvCxnSpPr>
+          <p:cNvPr id="26" name="Straight Arrow Connector 25">
+            <a:extLst>
+              <a:ext uri="{FF2B5EF4-FFF2-40B4-BE49-F238E27FC236}">
+                <a16:creationId xmlns:a16="http://schemas.microsoft.com/office/drawing/2014/main" id="{BD4D10E3-527D-1D4D-8279-B83931E15BFC}"/>
+              </a:ext>
+            </a:extLst>
+          </p:cNvPr>
+          <p:cNvCxnSpPr>
+            <a:cxnSpLocks/>
+          </p:cNvCxnSpPr>
+          <p:nvPr/>
+        </p:nvCxnSpPr>
+        <p:spPr>
+          <a:xfrm flipH="1">
+            <a:off x="5094604" y="1777182"/>
+            <a:ext cx="977524" cy="0"/>
+          </a:xfrm>
+          <a:prstGeom prst="straightConnector1">
+            <a:avLst/>
+          </a:prstGeom>
+          <a:ln>
+            <a:headEnd type="none" w="med" len="med"/>
+            <a:tailEnd type="none" w="med" len="med"/>
+          </a:ln>
+        </p:spPr>
+        <p:style>
+          <a:lnRef idx="3">
+            <a:schemeClr val="dk1"/>
+          </a:lnRef>
+          <a:fillRef idx="0">
+            <a:schemeClr val="dk1"/>
+          </a:fillRef>
+          <a:effectRef idx="2">
+            <a:schemeClr val="dk1"/>
+          </a:effectRef>
+          <a:fontRef idx="minor">
+            <a:schemeClr val="tx1"/>
+          </a:fontRef>
+        </p:style>
+      </p:cxnSp>
+      <p:cxnSp>
+        <p:nvCxnSpPr>
+          <p:cNvPr id="27" name="Straight Arrow Connector 26">
+            <a:extLst>
+              <a:ext uri="{FF2B5EF4-FFF2-40B4-BE49-F238E27FC236}">
+                <a16:creationId xmlns:a16="http://schemas.microsoft.com/office/drawing/2014/main" id="{913C33F3-DF2A-904C-8B74-7754FA06760C}"/>
+              </a:ext>
+            </a:extLst>
+          </p:cNvPr>
+          <p:cNvCxnSpPr>
+            <a:cxnSpLocks/>
+          </p:cNvCxnSpPr>
+          <p:nvPr/>
+        </p:nvCxnSpPr>
+        <p:spPr>
+          <a:xfrm flipH="1">
+            <a:off x="5076037" y="3173231"/>
+            <a:ext cx="977524" cy="0"/>
+          </a:xfrm>
+          <a:prstGeom prst="straightConnector1">
+            <a:avLst/>
+          </a:prstGeom>
+          <a:ln>
+            <a:headEnd type="none" w="med" len="med"/>
+            <a:tailEnd type="none" w="med" len="med"/>
+          </a:ln>
+        </p:spPr>
+        <p:style>
+          <a:lnRef idx="3">
+            <a:schemeClr val="dk1"/>
+          </a:lnRef>
+          <a:fillRef idx="0">
+            <a:schemeClr val="dk1"/>
+          </a:fillRef>
+          <a:effectRef idx="2">
+            <a:schemeClr val="dk1"/>
+          </a:effectRef>
+          <a:fontRef idx="minor">
+            <a:schemeClr val="tx1"/>
+          </a:fontRef>
+        </p:style>
+      </p:cxnSp>
+      <p:cxnSp>
+        <p:nvCxnSpPr>
+          <p:cNvPr id="28" name="Straight Arrow Connector 27">
+            <a:extLst>
+              <a:ext uri="{FF2B5EF4-FFF2-40B4-BE49-F238E27FC236}">
+                <a16:creationId xmlns:a16="http://schemas.microsoft.com/office/drawing/2014/main" id="{E25A5327-4189-9948-A654-1286E92BED21}"/>
+              </a:ext>
+            </a:extLst>
+          </p:cNvPr>
+          <p:cNvCxnSpPr>
+            <a:cxnSpLocks/>
+          </p:cNvCxnSpPr>
+          <p:nvPr/>
+        </p:nvCxnSpPr>
+        <p:spPr>
+          <a:xfrm flipH="1">
+            <a:off x="5076037" y="4602736"/>
+            <a:ext cx="977524" cy="0"/>
+          </a:xfrm>
+          <a:prstGeom prst="straightConnector1">
+            <a:avLst/>
+          </a:prstGeom>
+          <a:ln>
+            <a:headEnd type="none" w="med" len="med"/>
+            <a:tailEnd type="none" w="med" len="med"/>
+          </a:ln>
+        </p:spPr>
+        <p:style>
+          <a:lnRef idx="3">
+            <a:schemeClr val="dk1"/>
+          </a:lnRef>
+          <a:fillRef idx="0">
+            <a:schemeClr val="dk1"/>
+          </a:fillRef>
+          <a:effectRef idx="2">
+            <a:schemeClr val="dk1"/>
+          </a:effectRef>
+          <a:fontRef idx="minor">
+            <a:schemeClr val="tx1"/>
+          </a:fontRef>
+        </p:style>
+      </p:cxnSp>
+      <p:cxnSp>
+        <p:nvCxnSpPr>
+          <p:cNvPr id="29" name="Straight Arrow Connector 28">
+            <a:extLst>
+              <a:ext uri="{FF2B5EF4-FFF2-40B4-BE49-F238E27FC236}">
+                <a16:creationId xmlns:a16="http://schemas.microsoft.com/office/drawing/2014/main" id="{6E82BDF5-A800-2246-A844-296956FA8E06}"/>
+              </a:ext>
+            </a:extLst>
+          </p:cNvPr>
+          <p:cNvCxnSpPr>
+            <a:cxnSpLocks/>
+          </p:cNvCxnSpPr>
+          <p:nvPr/>
+        </p:nvCxnSpPr>
+        <p:spPr>
+          <a:xfrm flipH="1">
+            <a:off x="5094604" y="7444413"/>
+            <a:ext cx="977524" cy="0"/>
+          </a:xfrm>
+          <a:prstGeom prst="straightConnector1">
+            <a:avLst/>
+          </a:prstGeom>
+          <a:ln>
+            <a:headEnd type="none" w="med" len="med"/>
+            <a:tailEnd type="none" w="med" len="med"/>
+          </a:ln>
+        </p:spPr>
+        <p:style>
+          <a:lnRef idx="3">
+            <a:schemeClr val="dk1"/>
+          </a:lnRef>
+          <a:fillRef idx="0">
+            <a:schemeClr val="dk1"/>
+          </a:fillRef>
+          <a:effectRef idx="2">
+            <a:schemeClr val="dk1"/>
+          </a:effectRef>
+          <a:fontRef idx="minor">
+            <a:schemeClr val="tx1"/>
+          </a:fontRef>
+        </p:style>
+      </p:cxnSp>
+      <p:cxnSp>
+        <p:nvCxnSpPr>
+          <p:cNvPr id="30" name="Straight Arrow Connector 29">
+            <a:extLst>
+              <a:ext uri="{FF2B5EF4-FFF2-40B4-BE49-F238E27FC236}">
+                <a16:creationId xmlns:a16="http://schemas.microsoft.com/office/drawing/2014/main" id="{8A0D4B69-47BA-DE47-BDD1-17DF6AA7DB22}"/>
+              </a:ext>
+            </a:extLst>
+          </p:cNvPr>
+          <p:cNvCxnSpPr>
+            <a:cxnSpLocks/>
+          </p:cNvCxnSpPr>
+          <p:nvPr/>
+        </p:nvCxnSpPr>
+        <p:spPr>
+          <a:xfrm flipH="1">
+            <a:off x="5076037" y="6029711"/>
+            <a:ext cx="977524" cy="0"/>
+          </a:xfrm>
+          <a:prstGeom prst="straightConnector1">
+            <a:avLst/>
+          </a:prstGeom>
+          <a:ln>
+            <a:headEnd type="none" w="med" len="med"/>
+            <a:tailEnd type="none" w="med" len="med"/>
+          </a:ln>
+        </p:spPr>
+        <p:style>
+          <a:lnRef idx="3">
+            <a:schemeClr val="dk1"/>
+          </a:lnRef>
+          <a:fillRef idx="0">
+            <a:schemeClr val="dk1"/>
+          </a:fillRef>
+          <a:effectRef idx="2">
+            <a:schemeClr val="dk1"/>
+          </a:effectRef>
+          <a:fontRef idx="minor">
+            <a:schemeClr val="tx1"/>
+          </a:fontRef>
+        </p:style>
+      </p:cxnSp>
+      <p:cxnSp>
+        <p:nvCxnSpPr>
+          <p:cNvPr id="31" name="Straight Arrow Connector 30">
+            <a:extLst>
+              <a:ext uri="{FF2B5EF4-FFF2-40B4-BE49-F238E27FC236}">
+                <a16:creationId xmlns:a16="http://schemas.microsoft.com/office/drawing/2014/main" id="{B5F8DB8D-F194-CF41-8162-E1F4D980D567}"/>
+              </a:ext>
+            </a:extLst>
+          </p:cNvPr>
+          <p:cNvCxnSpPr>
+            <a:cxnSpLocks/>
+          </p:cNvCxnSpPr>
+          <p:nvPr/>
+        </p:nvCxnSpPr>
+        <p:spPr>
+          <a:xfrm flipH="1">
+            <a:off x="2307918" y="9796675"/>
+            <a:ext cx="1636758" cy="0"/>
+          </a:xfrm>
+          <a:prstGeom prst="straightConnector1">
+            <a:avLst/>
+          </a:prstGeom>
+          <a:ln>
+            <a:headEnd type="none" w="med" len="med"/>
+            <a:tailEnd type="none" w="med" len="med"/>
+          </a:ln>
+        </p:spPr>
+        <p:style>
+          <a:lnRef idx="3">
+            <a:schemeClr val="dk1"/>
+          </a:lnRef>
+          <a:fillRef idx="0">
+            <a:schemeClr val="dk1"/>
+          </a:fillRef>
+          <a:effectRef idx="2">
+            <a:schemeClr val="dk1"/>
+          </a:effectRef>
+          <a:fontRef idx="minor">
+            <a:schemeClr val="tx1"/>
+          </a:fontRef>
+        </p:style>
+      </p:cxnSp>
+      <p:cxnSp>
+        <p:nvCxnSpPr>
+          <p:cNvPr id="33" name="Straight Connector 32">
+            <a:extLst>
+              <a:ext uri="{FF2B5EF4-FFF2-40B4-BE49-F238E27FC236}">
+                <a16:creationId xmlns:a16="http://schemas.microsoft.com/office/drawing/2014/main" id="{71B39492-2F68-0C48-A822-5CA8D01AFB9A}"/>
+              </a:ext>
+            </a:extLst>
+          </p:cNvPr>
+          <p:cNvCxnSpPr>
+            <a:cxnSpLocks/>
+          </p:cNvCxnSpPr>
+          <p:nvPr/>
+        </p:nvCxnSpPr>
+        <p:spPr>
+          <a:xfrm>
+            <a:off x="1807581" y="1798018"/>
+            <a:ext cx="0" cy="8932411"/>
+          </a:xfrm>
+          <a:prstGeom prst="line">
+            <a:avLst/>
+          </a:prstGeom>
+          <a:ln w="28575">
+            <a:solidFill>
+              <a:schemeClr val="tx1"/>
+            </a:solidFill>
+          </a:ln>
+        </p:spPr>
+        <p:style>
+          <a:lnRef idx="1">
+            <a:schemeClr val="accent1"/>
+          </a:lnRef>
+          <a:fillRef idx="0">
+            <a:schemeClr val="accent1"/>
+          </a:fillRef>
+          <a:effectRef idx="0">
+            <a:schemeClr val="accent1"/>
+          </a:effectRef>
+          <a:fontRef idx="minor">
+            <a:schemeClr val="tx1"/>
+          </a:fontRef>
+        </p:style>
+      </p:cxnSp>
+      <p:cxnSp>
+        <p:nvCxnSpPr>
+          <p:cNvPr id="34" name="Straight Arrow Connector 33">
+            <a:extLst>
+              <a:ext uri="{FF2B5EF4-FFF2-40B4-BE49-F238E27FC236}">
+                <a16:creationId xmlns:a16="http://schemas.microsoft.com/office/drawing/2014/main" id="{2239EB4B-49AB-CE46-8CCA-B40023AC6837}"/>
+              </a:ext>
+            </a:extLst>
+          </p:cNvPr>
+          <p:cNvCxnSpPr>
+            <a:cxnSpLocks/>
+          </p:cNvCxnSpPr>
+          <p:nvPr/>
+        </p:nvCxnSpPr>
+        <p:spPr>
+          <a:xfrm>
+            <a:off x="1807581" y="1801114"/>
+            <a:ext cx="977524" cy="0"/>
+          </a:xfrm>
+          <a:prstGeom prst="straightConnector1">
+            <a:avLst/>
+          </a:prstGeom>
+          <a:ln>
+            <a:tailEnd type="triangle"/>
+          </a:ln>
+        </p:spPr>
+        <p:style>
+          <a:lnRef idx="3">
+            <a:schemeClr val="dk1"/>
+          </a:lnRef>
+          <a:fillRef idx="0">
+            <a:schemeClr val="dk1"/>
+          </a:fillRef>
+          <a:effectRef idx="2">
+            <a:schemeClr val="dk1"/>
+          </a:effectRef>
+          <a:fontRef idx="minor">
+            <a:schemeClr val="tx1"/>
+          </a:fontRef>
+        </p:style>
+      </p:cxnSp>
+      <p:cxnSp>
+        <p:nvCxnSpPr>
+          <p:cNvPr id="37" name="Straight Arrow Connector 36">
+            <a:extLst>
+              <a:ext uri="{FF2B5EF4-FFF2-40B4-BE49-F238E27FC236}">
+                <a16:creationId xmlns:a16="http://schemas.microsoft.com/office/drawing/2014/main" id="{D26A4E6A-FBBE-6D49-A2D5-7D2391819933}"/>
+              </a:ext>
+            </a:extLst>
+          </p:cNvPr>
+          <p:cNvCxnSpPr>
+            <a:cxnSpLocks/>
+          </p:cNvCxnSpPr>
+          <p:nvPr/>
+        </p:nvCxnSpPr>
+        <p:spPr>
+          <a:xfrm flipV="1">
+            <a:off x="2315271" y="4594438"/>
+            <a:ext cx="4555" cy="5202237"/>
+          </a:xfrm>
+          <a:prstGeom prst="straightConnector1">
+            <a:avLst/>
+          </a:prstGeom>
+          <a:ln>
+            <a:tailEnd type="triangle"/>
+          </a:ln>
+        </p:spPr>
+        <p:style>
+          <a:lnRef idx="3">
+            <a:schemeClr val="dk1"/>
+          </a:lnRef>
+          <a:fillRef idx="0">
+            <a:schemeClr val="dk1"/>
+          </a:fillRef>
+          <a:effectRef idx="2">
+            <a:schemeClr val="dk1"/>
+          </a:effectRef>
+          <a:fontRef idx="minor">
+            <a:schemeClr val="tx1"/>
+          </a:fontRef>
+        </p:style>
+      </p:cxnSp>
+      <p:cxnSp>
+        <p:nvCxnSpPr>
+          <p:cNvPr id="40" name="Straight Arrow Connector 39">
+            <a:extLst>
+              <a:ext uri="{FF2B5EF4-FFF2-40B4-BE49-F238E27FC236}">
+                <a16:creationId xmlns:a16="http://schemas.microsoft.com/office/drawing/2014/main" id="{1E186BDC-ED0D-8D4B-B0CC-FE09375012E7}"/>
+              </a:ext>
+            </a:extLst>
+          </p:cNvPr>
+          <p:cNvCxnSpPr>
+            <a:cxnSpLocks/>
+          </p:cNvCxnSpPr>
+          <p:nvPr/>
+        </p:nvCxnSpPr>
+        <p:spPr>
+          <a:xfrm>
+            <a:off x="3944314" y="9344825"/>
+            <a:ext cx="0" cy="451850"/>
+          </a:xfrm>
+          <a:prstGeom prst="straightConnector1">
+            <a:avLst/>
+          </a:prstGeom>
+          <a:ln>
+            <a:headEnd type="none" w="med" len="med"/>
+            <a:tailEnd type="none" w="med" len="med"/>
+          </a:ln>
+        </p:spPr>
+        <p:style>
+          <a:lnRef idx="3">
+            <a:schemeClr val="dk1"/>
+          </a:lnRef>
+          <a:fillRef idx="0">
+            <a:schemeClr val="dk1"/>
+          </a:fillRef>
+          <a:effectRef idx="2">
+            <a:schemeClr val="dk1"/>
+          </a:effectRef>
+          <a:fontRef idx="minor">
+            <a:schemeClr val="tx1"/>
+          </a:fontRef>
+        </p:style>
+      </p:cxnSp>
+      <p:cxnSp>
+        <p:nvCxnSpPr>
+          <p:cNvPr id="41" name="Straight Arrow Connector 40">
+            <a:extLst>
+              <a:ext uri="{FF2B5EF4-FFF2-40B4-BE49-F238E27FC236}">
+                <a16:creationId xmlns:a16="http://schemas.microsoft.com/office/drawing/2014/main" id="{9FC503B3-A1B3-5447-BBA6-ADDD35E5ADCB}"/>
+              </a:ext>
+            </a:extLst>
+          </p:cNvPr>
+          <p:cNvCxnSpPr>
+            <a:cxnSpLocks/>
+          </p:cNvCxnSpPr>
+          <p:nvPr/>
+        </p:nvCxnSpPr>
+        <p:spPr>
+          <a:xfrm>
+            <a:off x="1807581" y="10724009"/>
+            <a:ext cx="977524" cy="0"/>
+          </a:xfrm>
+          <a:prstGeom prst="straightConnector1">
+            <a:avLst/>
+          </a:prstGeom>
+          <a:ln>
+            <a:headEnd type="none" w="med" len="med"/>
+            <a:tailEnd type="none" w="med" len="med"/>
+          </a:ln>
+        </p:spPr>
+        <p:style>
+          <a:lnRef idx="3">
+            <a:schemeClr val="dk1"/>
+          </a:lnRef>
+          <a:fillRef idx="0">
+            <a:schemeClr val="dk1"/>
+          </a:fillRef>
+          <a:effectRef idx="2">
+            <a:schemeClr val="dk1"/>
+          </a:effectRef>
+          <a:fontRef idx="minor">
+            <a:schemeClr val="tx1"/>
+          </a:fontRef>
+        </p:style>
+      </p:cxnSp>
+      <p:cxnSp>
+        <p:nvCxnSpPr>
+          <p:cNvPr id="42" name="Straight Arrow Connector 41">
+            <a:extLst>
+              <a:ext uri="{FF2B5EF4-FFF2-40B4-BE49-F238E27FC236}">
+                <a16:creationId xmlns:a16="http://schemas.microsoft.com/office/drawing/2014/main" id="{5CAFBE2E-6390-864E-B702-5A43FA5600FD}"/>
+              </a:ext>
+            </a:extLst>
+          </p:cNvPr>
+          <p:cNvCxnSpPr>
+            <a:cxnSpLocks/>
+          </p:cNvCxnSpPr>
+          <p:nvPr/>
+        </p:nvCxnSpPr>
+        <p:spPr>
+          <a:xfrm>
+            <a:off x="3955889" y="844869"/>
+            <a:ext cx="0" cy="451850"/>
+          </a:xfrm>
+          <a:prstGeom prst="straightConnector1">
+            <a:avLst/>
+          </a:prstGeom>
+          <a:ln>
+            <a:tailEnd type="triangle"/>
+          </a:ln>
+        </p:spPr>
+        <p:style>
+          <a:lnRef idx="3">
+            <a:schemeClr val="dk1"/>
+          </a:lnRef>
+          <a:fillRef idx="0">
+            <a:schemeClr val="dk1"/>
+          </a:fillRef>
+          <a:effectRef idx="2">
+            <a:schemeClr val="dk1"/>
+          </a:effectRef>
+          <a:fontRef idx="minor">
+            <a:schemeClr val="tx1"/>
+          </a:fontRef>
+        </p:style>
+      </p:cxnSp>
+    </p:spTree>
+    <p:extLst>
+      <p:ext uri="{BB962C8B-B14F-4D97-AF65-F5344CB8AC3E}">
+        <p14:creationId xmlns:p14="http://schemas.microsoft.com/office/powerpoint/2010/main" val="4162267606"/>
       </p:ext>
     </p:extLst>
   </p:cSld>

--- a/figures/Figure-sources.pptx
+++ b/figures/Figure-sources.pptx
@@ -5,7 +5,7 @@
     <p:sldMasterId id="2147483661" r:id="rId1"/>
   </p:sldMasterIdLst>
   <p:notesMasterIdLst>
-    <p:notesMasterId r:id="rId9"/>
+    <p:notesMasterId r:id="rId12"/>
   </p:notesMasterIdLst>
   <p:sldIdLst>
     <p:sldId id="256" r:id="rId2"/>
@@ -15,6 +15,9 @@
     <p:sldId id="260" r:id="rId6"/>
     <p:sldId id="262" r:id="rId7"/>
     <p:sldId id="261" r:id="rId8"/>
+    <p:sldId id="263" r:id="rId9"/>
+    <p:sldId id="265" r:id="rId10"/>
+    <p:sldId id="264" r:id="rId11"/>
   </p:sldIdLst>
   <p:sldSz cx="24384000" cy="13716000"/>
   <p:notesSz cx="6858000" cy="9144000"/>
@@ -672,7 +675,7 @@
           <a:p>
             <a:fld id="{9AD5F5E7-BF49-4F47-A424-503B82E4E0B0}" type="datetimeFigureOut">
               <a:rPr lang="en-AU" smtClean="0"/>
-              <a:t>26/11/21</a:t>
+              <a:t>29/11/21</a:t>
             </a:fld>
             <a:endParaRPr lang="en-AU"/>
           </a:p>
@@ -872,7 +875,7 @@
           <a:p>
             <a:fld id="{9AD5F5E7-BF49-4F47-A424-503B82E4E0B0}" type="datetimeFigureOut">
               <a:rPr lang="en-AU" smtClean="0"/>
-              <a:t>26/11/21</a:t>
+              <a:t>29/11/21</a:t>
             </a:fld>
             <a:endParaRPr lang="en-AU"/>
           </a:p>
@@ -1082,7 +1085,7 @@
           <a:p>
             <a:fld id="{9AD5F5E7-BF49-4F47-A424-503B82E4E0B0}" type="datetimeFigureOut">
               <a:rPr lang="en-AU" smtClean="0"/>
-              <a:t>26/11/21</a:t>
+              <a:t>29/11/21</a:t>
             </a:fld>
             <a:endParaRPr lang="en-AU"/>
           </a:p>
@@ -1542,7 +1545,7 @@
           <a:p>
             <a:fld id="{9AD5F5E7-BF49-4F47-A424-503B82E4E0B0}" type="datetimeFigureOut">
               <a:rPr lang="en-AU" smtClean="0"/>
-              <a:t>26/11/21</a:t>
+              <a:t>29/11/21</a:t>
             </a:fld>
             <a:endParaRPr lang="en-AU"/>
           </a:p>
@@ -1818,7 +1821,7 @@
           <a:p>
             <a:fld id="{9AD5F5E7-BF49-4F47-A424-503B82E4E0B0}" type="datetimeFigureOut">
               <a:rPr lang="en-AU" smtClean="0"/>
-              <a:t>26/11/21</a:t>
+              <a:t>29/11/21</a:t>
             </a:fld>
             <a:endParaRPr lang="en-AU"/>
           </a:p>
@@ -2086,7 +2089,7 @@
           <a:p>
             <a:fld id="{9AD5F5E7-BF49-4F47-A424-503B82E4E0B0}" type="datetimeFigureOut">
               <a:rPr lang="en-AU" smtClean="0"/>
-              <a:t>26/11/21</a:t>
+              <a:t>29/11/21</a:t>
             </a:fld>
             <a:endParaRPr lang="en-AU"/>
           </a:p>
@@ -2501,7 +2504,7 @@
           <a:p>
             <a:fld id="{9AD5F5E7-BF49-4F47-A424-503B82E4E0B0}" type="datetimeFigureOut">
               <a:rPr lang="en-AU" smtClean="0"/>
-              <a:t>26/11/21</a:t>
+              <a:t>29/11/21</a:t>
             </a:fld>
             <a:endParaRPr lang="en-AU"/>
           </a:p>
@@ -2643,7 +2646,7 @@
           <a:p>
             <a:fld id="{9AD5F5E7-BF49-4F47-A424-503B82E4E0B0}" type="datetimeFigureOut">
               <a:rPr lang="en-AU" smtClean="0"/>
-              <a:t>26/11/21</a:t>
+              <a:t>29/11/21</a:t>
             </a:fld>
             <a:endParaRPr lang="en-AU"/>
           </a:p>
@@ -2756,7 +2759,7 @@
           <a:p>
             <a:fld id="{9AD5F5E7-BF49-4F47-A424-503B82E4E0B0}" type="datetimeFigureOut">
               <a:rPr lang="en-AU" smtClean="0"/>
-              <a:t>26/11/21</a:t>
+              <a:t>29/11/21</a:t>
             </a:fld>
             <a:endParaRPr lang="en-AU"/>
           </a:p>
@@ -3069,7 +3072,7 @@
           <a:p>
             <a:fld id="{9AD5F5E7-BF49-4F47-A424-503B82E4E0B0}" type="datetimeFigureOut">
               <a:rPr lang="en-AU" smtClean="0"/>
-              <a:t>26/11/21</a:t>
+              <a:t>29/11/21</a:t>
             </a:fld>
             <a:endParaRPr lang="en-AU"/>
           </a:p>
@@ -3358,7 +3361,7 @@
           <a:p>
             <a:fld id="{9AD5F5E7-BF49-4F47-A424-503B82E4E0B0}" type="datetimeFigureOut">
               <a:rPr lang="en-AU" smtClean="0"/>
-              <a:t>26/11/21</a:t>
+              <a:t>29/11/21</a:t>
             </a:fld>
             <a:endParaRPr lang="en-AU"/>
           </a:p>
@@ -3601,7 +3604,7 @@
           <a:p>
             <a:fld id="{9AD5F5E7-BF49-4F47-A424-503B82E4E0B0}" type="datetimeFigureOut">
               <a:rPr lang="en-AU" smtClean="0"/>
-              <a:t>26/11/21</a:t>
+              <a:t>29/11/21</a:t>
             </a:fld>
             <a:endParaRPr lang="en-AU"/>
           </a:p>
@@ -4091,6 +4094,310 @@
 </p:sld>
 </file>
 
+<file path=ppt/slides/slide10.xml><?xml version="1.0" encoding="utf-8"?>
+<p:sld xmlns:a="http://schemas.openxmlformats.org/drawingml/2006/main" xmlns:r="http://schemas.openxmlformats.org/officeDocument/2006/relationships" xmlns:p="http://schemas.openxmlformats.org/presentationml/2006/main">
+  <p:cSld>
+    <p:spTree>
+      <p:nvGrpSpPr>
+        <p:cNvPr id="1" name=""/>
+        <p:cNvGrpSpPr/>
+        <p:nvPr/>
+      </p:nvGrpSpPr>
+      <p:grpSpPr>
+        <a:xfrm>
+          <a:off x="0" y="0"/>
+          <a:ext cx="0" cy="0"/>
+          <a:chOff x="0" y="0"/>
+          <a:chExt cx="0" cy="0"/>
+        </a:xfrm>
+      </p:grpSpPr>
+      <p:cxnSp>
+        <p:nvCxnSpPr>
+          <p:cNvPr id="9" name="Elbow Connector 8"/>
+          <p:cNvCxnSpPr/>
+          <p:nvPr/>
+        </p:nvCxnSpPr>
+        <p:spPr>
+          <a:xfrm>
+            <a:off x="4743077" y="3539613"/>
+            <a:ext cx="11745630" cy="6305882"/>
+          </a:xfrm>
+          <a:prstGeom prst="bentConnector3">
+            <a:avLst>
+              <a:gd name="adj1" fmla="val 25"/>
+            </a:avLst>
+          </a:prstGeom>
+          <a:ln w="28575">
+            <a:solidFill>
+              <a:schemeClr val="tx1"/>
+            </a:solidFill>
+            <a:headEnd type="triangle" w="med" len="med"/>
+            <a:tailEnd type="triangle" w="med" len="med"/>
+          </a:ln>
+        </p:spPr>
+        <p:style>
+          <a:lnRef idx="1">
+            <a:schemeClr val="accent1"/>
+          </a:lnRef>
+          <a:fillRef idx="0">
+            <a:schemeClr val="accent1"/>
+          </a:fillRef>
+          <a:effectRef idx="0">
+            <a:schemeClr val="accent1"/>
+          </a:effectRef>
+          <a:fontRef idx="minor">
+            <a:schemeClr val="tx1"/>
+          </a:fontRef>
+        </p:style>
+      </p:cxnSp>
+      <p:sp>
+        <p:nvSpPr>
+          <p:cNvPr id="11" name="TextBox 10"/>
+          <p:cNvSpPr txBox="1"/>
+          <p:nvPr/>
+        </p:nvSpPr>
+        <p:spPr>
+          <a:xfrm>
+            <a:off x="15177770" y="9845494"/>
+            <a:ext cx="1217000" cy="707886"/>
+          </a:xfrm>
+          <a:prstGeom prst="rect">
+            <a:avLst/>
+          </a:prstGeom>
+          <a:noFill/>
+        </p:spPr>
+        <p:txBody>
+          <a:bodyPr wrap="none" rtlCol="0">
+            <a:spAutoFit/>
+          </a:bodyPr>
+          <a:lstStyle/>
+          <a:p>
+            <a:r>
+              <a:rPr lang="en-US" sz="4000" dirty="0">
+                <a:latin typeface="Calibri" panose="020F0502020204030204" pitchFamily="34" charset="0"/>
+                <a:cs typeface="Calibri" panose="020F0502020204030204" pitchFamily="34" charset="0"/>
+              </a:rPr>
+              <a:t>Time</a:t>
+            </a:r>
+          </a:p>
+        </p:txBody>
+      </p:sp>
+      <p:sp>
+        <p:nvSpPr>
+          <p:cNvPr id="12" name="TextBox 11"/>
+          <p:cNvSpPr txBox="1"/>
+          <p:nvPr/>
+        </p:nvSpPr>
+        <p:spPr>
+          <a:xfrm>
+            <a:off x="3126902" y="3805080"/>
+            <a:ext cx="1563249" cy="707886"/>
+          </a:xfrm>
+          <a:prstGeom prst="rect">
+            <a:avLst/>
+          </a:prstGeom>
+          <a:noFill/>
+        </p:spPr>
+        <p:txBody>
+          <a:bodyPr wrap="none" rtlCol="0">
+            <a:spAutoFit/>
+          </a:bodyPr>
+          <a:lstStyle/>
+          <a:p>
+            <a:pPr algn="r"/>
+            <a:r>
+              <a:rPr lang="en-US" sz="4000" dirty="0">
+                <a:latin typeface="Calibri" panose="020F0502020204030204" pitchFamily="34" charset="0"/>
+                <a:cs typeface="Calibri" panose="020F0502020204030204" pitchFamily="34" charset="0"/>
+              </a:rPr>
+              <a:t>CWND</a:t>
+            </a:r>
+          </a:p>
+        </p:txBody>
+      </p:sp>
+      <p:sp>
+        <p:nvSpPr>
+          <p:cNvPr id="26" name="Arc 25"/>
+          <p:cNvSpPr/>
+          <p:nvPr/>
+        </p:nvSpPr>
+        <p:spPr>
+          <a:xfrm flipH="1" flipV="1">
+            <a:off x="4831252" y="6843246"/>
+            <a:ext cx="9681176" cy="5928856"/>
+          </a:xfrm>
+          <a:prstGeom prst="arc">
+            <a:avLst>
+              <a:gd name="adj1" fmla="val 21556143"/>
+              <a:gd name="adj2" fmla="val 5189980"/>
+            </a:avLst>
+          </a:prstGeom>
+          <a:ln w="28575">
+            <a:solidFill>
+              <a:srgbClr val="00A6DA"/>
+            </a:solidFill>
+          </a:ln>
+        </p:spPr>
+        <p:style>
+          <a:lnRef idx="1">
+            <a:schemeClr val="accent1"/>
+          </a:lnRef>
+          <a:fillRef idx="0">
+            <a:schemeClr val="accent1"/>
+          </a:fillRef>
+          <a:effectRef idx="0">
+            <a:schemeClr val="accent1"/>
+          </a:effectRef>
+          <a:fontRef idx="minor">
+            <a:schemeClr val="tx1"/>
+          </a:fontRef>
+        </p:style>
+        <p:txBody>
+          <a:bodyPr rtlCol="0" anchor="ctr"/>
+          <a:lstStyle/>
+          <a:p>
+            <a:pPr algn="ctr"/>
+            <a:endParaRPr lang="en-US" sz="6400"/>
+          </a:p>
+        </p:txBody>
+      </p:sp>
+      <p:sp>
+        <p:nvSpPr>
+          <p:cNvPr id="27" name="Arc 26"/>
+          <p:cNvSpPr/>
+          <p:nvPr/>
+        </p:nvSpPr>
+        <p:spPr>
+          <a:xfrm>
+            <a:off x="4218058" y="766917"/>
+            <a:ext cx="10294372" cy="6076330"/>
+          </a:xfrm>
+          <a:prstGeom prst="arc">
+            <a:avLst>
+              <a:gd name="adj1" fmla="val 21597623"/>
+              <a:gd name="adj2" fmla="val 5297363"/>
+            </a:avLst>
+          </a:prstGeom>
+          <a:ln w="28575">
+            <a:solidFill>
+              <a:srgbClr val="00A6DA"/>
+            </a:solidFill>
+          </a:ln>
+        </p:spPr>
+        <p:style>
+          <a:lnRef idx="1">
+            <a:schemeClr val="accent1"/>
+          </a:lnRef>
+          <a:fillRef idx="0">
+            <a:schemeClr val="accent1"/>
+          </a:fillRef>
+          <a:effectRef idx="0">
+            <a:schemeClr val="accent1"/>
+          </a:effectRef>
+          <a:fontRef idx="minor">
+            <a:schemeClr val="tx1"/>
+          </a:fontRef>
+        </p:style>
+        <p:txBody>
+          <a:bodyPr rtlCol="0" anchor="ctr"/>
+          <a:lstStyle/>
+          <a:p>
+            <a:pPr algn="ctr"/>
+            <a:endParaRPr lang="en-US" sz="6400"/>
+          </a:p>
+        </p:txBody>
+      </p:sp>
+      <p:cxnSp>
+        <p:nvCxnSpPr>
+          <p:cNvPr id="29" name="Straight Connector 28"/>
+          <p:cNvCxnSpPr>
+            <a:cxnSpLocks/>
+          </p:cNvCxnSpPr>
+          <p:nvPr/>
+        </p:nvCxnSpPr>
+        <p:spPr>
+          <a:xfrm flipH="1" flipV="1">
+            <a:off x="4743077" y="6843246"/>
+            <a:ext cx="11505007" cy="1"/>
+          </a:xfrm>
+          <a:prstGeom prst="line">
+            <a:avLst/>
+          </a:prstGeom>
+          <a:ln w="28575">
+            <a:solidFill>
+              <a:schemeClr val="tx1"/>
+            </a:solidFill>
+            <a:prstDash val="sysDot"/>
+          </a:ln>
+        </p:spPr>
+        <p:style>
+          <a:lnRef idx="1">
+            <a:schemeClr val="accent1"/>
+          </a:lnRef>
+          <a:fillRef idx="0">
+            <a:schemeClr val="accent1"/>
+          </a:fillRef>
+          <a:effectRef idx="0">
+            <a:schemeClr val="accent1"/>
+          </a:effectRef>
+          <a:fontRef idx="minor">
+            <a:schemeClr val="tx1"/>
+          </a:fontRef>
+        </p:style>
+      </p:cxnSp>
+      <p:sp>
+        <p:nvSpPr>
+          <p:cNvPr id="32" name="TextBox 31"/>
+          <p:cNvSpPr txBox="1"/>
+          <p:nvPr/>
+        </p:nvSpPr>
+        <p:spPr>
+          <a:xfrm>
+            <a:off x="3453915" y="6473916"/>
+            <a:ext cx="1236236" cy="707886"/>
+          </a:xfrm>
+          <a:prstGeom prst="rect">
+            <a:avLst/>
+          </a:prstGeom>
+          <a:noFill/>
+        </p:spPr>
+        <p:txBody>
+          <a:bodyPr wrap="none" rtlCol="0">
+            <a:spAutoFit/>
+          </a:bodyPr>
+          <a:lstStyle/>
+          <a:p>
+            <a:r>
+              <a:rPr lang="en-US" sz="4000" dirty="0" err="1">
+                <a:latin typeface="+mn-lt"/>
+              </a:rPr>
+              <a:t>W</a:t>
+            </a:r>
+            <a:r>
+              <a:rPr lang="en-US" sz="4000" i="1" baseline="-25000" dirty="0" err="1">
+                <a:latin typeface="+mn-lt"/>
+              </a:rPr>
+              <a:t>max</a:t>
+            </a:r>
+            <a:endParaRPr lang="en-US" sz="4000" i="1" baseline="-25000" dirty="0">
+              <a:latin typeface="+mn-lt"/>
+            </a:endParaRPr>
+          </a:p>
+        </p:txBody>
+      </p:sp>
+    </p:spTree>
+    <p:extLst>
+      <p:ext uri="{BB962C8B-B14F-4D97-AF65-F5344CB8AC3E}">
+        <p14:creationId xmlns:p14="http://schemas.microsoft.com/office/powerpoint/2010/main" val="1379961659"/>
+      </p:ext>
+    </p:extLst>
+  </p:cSld>
+  <p:clrMapOvr>
+    <a:masterClrMapping/>
+  </p:clrMapOvr>
+</p:sld>
+</file>
+
 <file path=ppt/slides/slide2.xml><?xml version="1.0" encoding="utf-8"?>
 <p:sld xmlns:a="http://schemas.openxmlformats.org/drawingml/2006/main" xmlns:r="http://schemas.openxmlformats.org/officeDocument/2006/relationships" xmlns:p="http://schemas.openxmlformats.org/presentationml/2006/main">
   <p:cSld>
@@ -4117,17 +4424,27 @@
               </a:ext>
             </a:extLst>
           </p:cNvPr>
-          <p:cNvCxnSpPr/>
+          <p:cNvCxnSpPr>
+            <a:cxnSpLocks/>
+            <a:endCxn id="5" idx="0"/>
+          </p:cNvCxnSpPr>
           <p:nvPr/>
         </p:nvCxnSpPr>
         <p:spPr>
-          <a:xfrm>
-            <a:off x="4754880" y="1767840"/>
-            <a:ext cx="0" cy="7741920"/>
+          <a:xfrm flipH="1">
+            <a:off x="4702629" y="1767840"/>
+            <a:ext cx="52252" cy="7297785"/>
           </a:xfrm>
           <a:prstGeom prst="line">
             <a:avLst/>
           </a:prstGeom>
+          <a:ln w="28575">
+            <a:solidFill>
+              <a:schemeClr val="bg2">
+                <a:lumMod val="10000"/>
+              </a:schemeClr>
+            </a:solidFill>
+          </a:ln>
         </p:spPr>
         <p:style>
           <a:lnRef idx="1">
@@ -4327,9 +4644,9 @@
             </a:pathLst>
           </a:custGeom>
           <a:noFill/>
-          <a:ln>
-            <a:solidFill>
-              <a:schemeClr val="tx1"/>
+          <a:ln w="28575">
+            <a:solidFill>
+              <a:srgbClr val="00A6DA"/>
             </a:solidFill>
           </a:ln>
         </p:spPr>
@@ -4369,17 +4686,25 @@
           </p:cNvPr>
           <p:cNvCxnSpPr>
             <a:cxnSpLocks/>
+            <a:endCxn id="5" idx="0"/>
           </p:cNvCxnSpPr>
           <p:nvPr/>
         </p:nvCxnSpPr>
         <p:spPr>
-          <a:xfrm flipH="1">
-            <a:off x="4228013" y="9087394"/>
-            <a:ext cx="14347370" cy="0"/>
+          <a:xfrm flipH="1" flipV="1">
+            <a:off x="4702629" y="9065625"/>
+            <a:ext cx="13872754" cy="21770"/>
           </a:xfrm>
           <a:prstGeom prst="line">
             <a:avLst/>
           </a:prstGeom>
+          <a:ln w="28575">
+            <a:solidFill>
+              <a:schemeClr val="bg2">
+                <a:lumMod val="10000"/>
+              </a:schemeClr>
+            </a:solidFill>
+          </a:ln>
         </p:spPr>
         <p:style>
           <a:lnRef idx="1">
@@ -4410,8 +4735,8 @@
         </p:nvSpPr>
         <p:spPr>
           <a:xfrm>
-            <a:off x="9611536" y="9799000"/>
-            <a:ext cx="2618025" cy="584775"/>
+            <a:off x="10134188" y="9133392"/>
+            <a:ext cx="2369558" cy="584775"/>
           </a:xfrm>
           <a:prstGeom prst="rect">
             <a:avLst/>
@@ -4426,7 +4751,7 @@
           <a:p>
             <a:r>
               <a:rPr lang="en-AU" dirty="0">
-                <a:latin typeface="Microsoft Sans Serif" panose="020B0604020202020204" pitchFamily="34" charset="0"/>
+                <a:latin typeface="+mn-lt"/>
                 <a:cs typeface="Microsoft Sans Serif" panose="020B0604020202020204" pitchFamily="34" charset="0"/>
               </a:rPr>
               <a:t>Offered Load</a:t>
@@ -4448,8 +4773,8 @@
         </p:nvSpPr>
         <p:spPr>
           <a:xfrm rot="16200000">
-            <a:off x="2845955" y="4752383"/>
-            <a:ext cx="2278188" cy="584775"/>
+            <a:off x="2906067" y="4752383"/>
+            <a:ext cx="2157963" cy="584775"/>
           </a:xfrm>
           <a:prstGeom prst="rect">
             <a:avLst/>
@@ -4464,8 +4789,8 @@
           <a:p>
             <a:r>
               <a:rPr lang="en-AU" dirty="0">
-                <a:latin typeface="Microsoft Sans Serif" panose="020B0604020202020204" pitchFamily="34" charset="0"/>
-                <a:cs typeface="Microsoft Sans Serif" panose="020B0604020202020204" pitchFamily="34" charset="0"/>
+                <a:latin typeface="Calibri" panose="020F0502020204030204" pitchFamily="34" charset="0"/>
+                <a:cs typeface="Calibri" panose="020F0502020204030204" pitchFamily="34" charset="0"/>
               </a:rPr>
               <a:t>Throughput</a:t>
             </a:r>
@@ -4492,7 +4817,10 @@
           <a:prstGeom prst="line">
             <a:avLst/>
           </a:prstGeom>
-          <a:ln>
+          <a:ln w="19050">
+            <a:solidFill>
+              <a:srgbClr val="00A6DA"/>
+            </a:solidFill>
             <a:prstDash val="dash"/>
           </a:ln>
         </p:spPr>
@@ -4525,8 +4853,8 @@
         </p:nvSpPr>
         <p:spPr>
           <a:xfrm>
-            <a:off x="11401698" y="1577996"/>
-            <a:ext cx="4485523" cy="584775"/>
+            <a:off x="11318967" y="1484734"/>
+            <a:ext cx="4020652" cy="584775"/>
           </a:xfrm>
           <a:prstGeom prst="rect">
             <a:avLst/>
@@ -4541,7 +4869,7 @@
           <a:p>
             <a:r>
               <a:rPr lang="en-AU" dirty="0">
-                <a:latin typeface="Microsoft Sans Serif" panose="020B0604020202020204" pitchFamily="34" charset="0"/>
+                <a:latin typeface="+mn-lt"/>
                 <a:cs typeface="Microsoft Sans Serif" panose="020B0604020202020204" pitchFamily="34" charset="0"/>
               </a:rPr>
               <a:t>Congestion Collapse →</a:t>
@@ -4593,9 +4921,21 @@
           <a:prstGeom prst="rect">
             <a:avLst/>
           </a:prstGeom>
-          <a:ln>
-            <a:noFill/>
-          </a:ln>
+          <a:solidFill>
+            <a:srgbClr val="8FD1E9"/>
+          </a:solidFill>
+          <a:ln w="28575">
+            <a:solidFill>
+              <a:srgbClr val="00A6DA"/>
+            </a:solidFill>
+          </a:ln>
+          <a:effectLst>
+            <a:outerShdw blurRad="50800" dist="38100" dir="2700000" algn="tl" rotWithShape="0">
+              <a:prstClr val="black">
+                <a:alpha val="40000"/>
+              </a:prstClr>
+            </a:outerShdw>
+          </a:effectLst>
         </p:spPr>
         <p:style>
           <a:lnRef idx="2">
@@ -4619,7 +4959,11 @@
           <a:p>
             <a:pPr algn="ctr"/>
             <a:r>
-              <a:rPr lang="en-US" dirty="0"/>
+              <a:rPr lang="en-US" dirty="0">
+                <a:solidFill>
+                  <a:schemeClr val="tx1"/>
+                </a:solidFill>
+              </a:rPr>
               <a:t>Sender 1</a:t>
             </a:r>
           </a:p>
@@ -4639,9 +4983,21 @@
           <a:prstGeom prst="rect">
             <a:avLst/>
           </a:prstGeom>
-          <a:ln>
-            <a:noFill/>
-          </a:ln>
+          <a:solidFill>
+            <a:srgbClr val="8FD1E9"/>
+          </a:solidFill>
+          <a:ln w="28575">
+            <a:solidFill>
+              <a:srgbClr val="00A6DA"/>
+            </a:solidFill>
+          </a:ln>
+          <a:effectLst>
+            <a:outerShdw blurRad="50800" dist="38100" dir="2700000" algn="tl" rotWithShape="0">
+              <a:prstClr val="black">
+                <a:alpha val="40000"/>
+              </a:prstClr>
+            </a:outerShdw>
+          </a:effectLst>
         </p:spPr>
         <p:style>
           <a:lnRef idx="2">
@@ -4665,7 +5021,11 @@
           <a:p>
             <a:pPr algn="ctr"/>
             <a:r>
-              <a:rPr lang="en-US" dirty="0"/>
+              <a:rPr lang="en-US" dirty="0">
+                <a:solidFill>
+                  <a:schemeClr val="tx1"/>
+                </a:solidFill>
+              </a:rPr>
               <a:t>Sender 2</a:t>
             </a:r>
           </a:p>
@@ -4685,9 +5045,21 @@
           <a:prstGeom prst="rect">
             <a:avLst/>
           </a:prstGeom>
-          <a:ln>
-            <a:noFill/>
-          </a:ln>
+          <a:solidFill>
+            <a:srgbClr val="8FD1E9"/>
+          </a:solidFill>
+          <a:ln w="28575">
+            <a:solidFill>
+              <a:srgbClr val="00A6DA"/>
+            </a:solidFill>
+          </a:ln>
+          <a:effectLst>
+            <a:outerShdw blurRad="50800" dist="38100" dir="2700000" algn="tl" rotWithShape="0">
+              <a:prstClr val="black">
+                <a:alpha val="40000"/>
+              </a:prstClr>
+            </a:outerShdw>
+          </a:effectLst>
         </p:spPr>
         <p:style>
           <a:lnRef idx="2">
@@ -4711,10 +5083,25 @@
           <a:p>
             <a:pPr algn="ctr"/>
             <a:r>
-              <a:rPr lang="en-US"/>
-              <a:t>Sender 3</a:t>
+              <a:rPr lang="en-US" dirty="0">
+                <a:solidFill>
+                  <a:schemeClr val="tx1"/>
+                </a:solidFill>
+              </a:rPr>
+              <a:t>Sender</a:t>
             </a:r>
-            <a:endParaRPr lang="en-US" dirty="0"/>
+            <a:r>
+              <a:rPr lang="en-US" dirty="0"/>
+              <a:t> </a:t>
+            </a:r>
+            <a:r>
+              <a:rPr lang="en-US" dirty="0">
+                <a:solidFill>
+                  <a:schemeClr val="tx1"/>
+                </a:solidFill>
+              </a:rPr>
+              <a:t>3</a:t>
+            </a:r>
           </a:p>
         </p:txBody>
       </p:sp>
@@ -4732,9 +5119,23 @@
           <a:prstGeom prst="ellipse">
             <a:avLst/>
           </a:prstGeom>
-          <a:ln>
-            <a:noFill/>
-          </a:ln>
+          <a:solidFill>
+            <a:schemeClr val="bg1">
+              <a:lumMod val="85000"/>
+            </a:schemeClr>
+          </a:solidFill>
+          <a:ln w="28575">
+            <a:solidFill>
+              <a:schemeClr val="tx1"/>
+            </a:solidFill>
+          </a:ln>
+          <a:effectLst>
+            <a:outerShdw blurRad="50800" dist="38100" dir="2700000" algn="tl" rotWithShape="0">
+              <a:prstClr val="black">
+                <a:alpha val="40000"/>
+              </a:prstClr>
+            </a:outerShdw>
+          </a:effectLst>
         </p:spPr>
         <p:style>
           <a:lnRef idx="1">
@@ -4776,9 +5177,21 @@
           <a:prstGeom prst="rect">
             <a:avLst/>
           </a:prstGeom>
-          <a:ln>
-            <a:noFill/>
-          </a:ln>
+          <a:solidFill>
+            <a:srgbClr val="8FD1E9"/>
+          </a:solidFill>
+          <a:ln w="28575">
+            <a:solidFill>
+              <a:srgbClr val="00A6DA"/>
+            </a:solidFill>
+          </a:ln>
+          <a:effectLst>
+            <a:outerShdw blurRad="50800" dist="38100" dir="2700000" algn="tl" rotWithShape="0">
+              <a:prstClr val="black">
+                <a:alpha val="40000"/>
+              </a:prstClr>
+            </a:outerShdw>
+          </a:effectLst>
         </p:spPr>
         <p:style>
           <a:lnRef idx="2">
@@ -4802,10 +5215,13 @@
           <a:p>
             <a:pPr algn="ctr"/>
             <a:r>
-              <a:rPr lang="en-US"/>
+              <a:rPr lang="en-US" dirty="0">
+                <a:solidFill>
+                  <a:schemeClr val="tx1"/>
+                </a:solidFill>
+              </a:rPr>
               <a:t>Receiver</a:t>
             </a:r>
-            <a:endParaRPr lang="en-US" dirty="0"/>
           </a:p>
         </p:txBody>
       </p:sp>
@@ -4826,9 +5242,9 @@
           <a:prstGeom prst="straightConnector1">
             <a:avLst/>
           </a:prstGeom>
-          <a:ln>
-            <a:solidFill>
-              <a:schemeClr val="tx1"/>
+          <a:ln w="28575">
+            <a:solidFill>
+              <a:srgbClr val="00A6DA"/>
             </a:solidFill>
             <a:tailEnd type="triangle"/>
           </a:ln>
@@ -4865,7 +5281,10 @@
           <a:prstGeom prst="straightConnector1">
             <a:avLst/>
           </a:prstGeom>
-          <a:ln>
+          <a:ln w="28575">
+            <a:solidFill>
+              <a:srgbClr val="00A6DA"/>
+            </a:solidFill>
             <a:tailEnd type="triangle"/>
           </a:ln>
         </p:spPr>
@@ -4901,7 +5320,10 @@
           <a:prstGeom prst="straightConnector1">
             <a:avLst/>
           </a:prstGeom>
-          <a:ln>
+          <a:ln w="28575">
+            <a:solidFill>
+              <a:srgbClr val="00A6DA"/>
+            </a:solidFill>
             <a:tailEnd type="triangle"/>
           </a:ln>
         </p:spPr>
@@ -4937,7 +5359,10 @@
           <a:prstGeom prst="straightConnector1">
             <a:avLst/>
           </a:prstGeom>
-          <a:ln>
+          <a:ln w="28575">
+            <a:solidFill>
+              <a:srgbClr val="00A6DA"/>
+            </a:solidFill>
             <a:tailEnd type="triangle"/>
           </a:ln>
         </p:spPr>
@@ -4977,6 +5402,9 @@
             <a:avLst/>
           </a:prstGeom>
           <a:noFill/>
+          <a:ln w="28575">
+            <a:noFill/>
+          </a:ln>
         </p:spPr>
         <p:txBody>
           <a:bodyPr wrap="none" rtlCol="0">
@@ -5016,7 +5444,7 @@
           <a:prstGeom prst="straightConnector1">
             <a:avLst/>
           </a:prstGeom>
-          <a:ln w="12700">
+          <a:ln w="19050">
             <a:solidFill>
               <a:schemeClr val="tx1">
                 <a:lumMod val="95000"/>
@@ -5086,9 +5514,21 @@
           <a:prstGeom prst="rect">
             <a:avLst/>
           </a:prstGeom>
-          <a:ln>
-            <a:noFill/>
-          </a:ln>
+          <a:solidFill>
+            <a:srgbClr val="8FD1E9"/>
+          </a:solidFill>
+          <a:ln w="28575">
+            <a:solidFill>
+              <a:srgbClr val="00A6DA"/>
+            </a:solidFill>
+          </a:ln>
+          <a:effectLst>
+            <a:outerShdw blurRad="50800" dist="38100" dir="2700000" algn="tl" rotWithShape="0">
+              <a:prstClr val="black">
+                <a:alpha val="40000"/>
+              </a:prstClr>
+            </a:outerShdw>
+          </a:effectLst>
         </p:spPr>
         <p:style>
           <a:lnRef idx="2">
@@ -5112,7 +5552,11 @@
           <a:p>
             <a:pPr algn="ctr"/>
             <a:r>
-              <a:rPr lang="en-US" dirty="0"/>
+              <a:rPr lang="en-US" dirty="0">
+                <a:solidFill>
+                  <a:schemeClr val="tx1"/>
+                </a:solidFill>
+              </a:rPr>
               <a:t>Sender 1</a:t>
             </a:r>
           </a:p>
@@ -5132,9 +5576,21 @@
           <a:prstGeom prst="rect">
             <a:avLst/>
           </a:prstGeom>
-          <a:ln>
-            <a:noFill/>
-          </a:ln>
+          <a:solidFill>
+            <a:srgbClr val="8FD1E9"/>
+          </a:solidFill>
+          <a:ln w="28575">
+            <a:solidFill>
+              <a:srgbClr val="00A6DA"/>
+            </a:solidFill>
+          </a:ln>
+          <a:effectLst>
+            <a:outerShdw blurRad="50800" dist="38100" dir="2700000" algn="tl" rotWithShape="0">
+              <a:prstClr val="black">
+                <a:alpha val="40000"/>
+              </a:prstClr>
+            </a:outerShdw>
+          </a:effectLst>
         </p:spPr>
         <p:style>
           <a:lnRef idx="2">
@@ -5158,7 +5614,11 @@
           <a:p>
             <a:pPr algn="ctr"/>
             <a:r>
-              <a:rPr lang="en-US" dirty="0"/>
+              <a:rPr lang="en-US" dirty="0">
+                <a:solidFill>
+                  <a:schemeClr val="tx1"/>
+                </a:solidFill>
+              </a:rPr>
               <a:t>Sender 2</a:t>
             </a:r>
           </a:p>
@@ -5178,9 +5638,21 @@
           <a:prstGeom prst="rect">
             <a:avLst/>
           </a:prstGeom>
-          <a:ln>
-            <a:noFill/>
-          </a:ln>
+          <a:solidFill>
+            <a:srgbClr val="8FD1E9"/>
+          </a:solidFill>
+          <a:ln w="28575">
+            <a:solidFill>
+              <a:srgbClr val="00A6DA"/>
+            </a:solidFill>
+          </a:ln>
+          <a:effectLst>
+            <a:outerShdw blurRad="50800" dist="38100" dir="2700000" algn="tl" rotWithShape="0">
+              <a:prstClr val="black">
+                <a:alpha val="40000"/>
+              </a:prstClr>
+            </a:outerShdw>
+          </a:effectLst>
         </p:spPr>
         <p:style>
           <a:lnRef idx="2">
@@ -5204,10 +5676,25 @@
           <a:p>
             <a:pPr algn="ctr"/>
             <a:r>
-              <a:rPr lang="en-US"/>
-              <a:t>Sender 3</a:t>
+              <a:rPr lang="en-US" dirty="0">
+                <a:solidFill>
+                  <a:schemeClr val="tx1"/>
+                </a:solidFill>
+              </a:rPr>
+              <a:t>Sender</a:t>
             </a:r>
-            <a:endParaRPr lang="en-US" dirty="0"/>
+            <a:r>
+              <a:rPr lang="en-US" dirty="0"/>
+              <a:t> </a:t>
+            </a:r>
+            <a:r>
+              <a:rPr lang="en-US" dirty="0">
+                <a:solidFill>
+                  <a:schemeClr val="tx1"/>
+                </a:solidFill>
+              </a:rPr>
+              <a:t>3</a:t>
+            </a:r>
           </a:p>
         </p:txBody>
       </p:sp>
@@ -5225,9 +5712,23 @@
           <a:prstGeom prst="ellipse">
             <a:avLst/>
           </a:prstGeom>
-          <a:ln>
-            <a:noFill/>
-          </a:ln>
+          <a:solidFill>
+            <a:schemeClr val="bg1">
+              <a:lumMod val="85000"/>
+            </a:schemeClr>
+          </a:solidFill>
+          <a:ln w="28575">
+            <a:solidFill>
+              <a:schemeClr val="tx1"/>
+            </a:solidFill>
+          </a:ln>
+          <a:effectLst>
+            <a:outerShdw blurRad="50800" dist="38100" dir="2700000" algn="tl" rotWithShape="0">
+              <a:prstClr val="black">
+                <a:alpha val="40000"/>
+              </a:prstClr>
+            </a:outerShdw>
+          </a:effectLst>
         </p:spPr>
         <p:style>
           <a:lnRef idx="1">
@@ -5269,9 +5770,21 @@
           <a:prstGeom prst="rect">
             <a:avLst/>
           </a:prstGeom>
-          <a:ln>
-            <a:noFill/>
-          </a:ln>
+          <a:solidFill>
+            <a:srgbClr val="8FD1E9"/>
+          </a:solidFill>
+          <a:ln w="28575">
+            <a:solidFill>
+              <a:srgbClr val="00A6DA"/>
+            </a:solidFill>
+          </a:ln>
+          <a:effectLst>
+            <a:outerShdw blurRad="50800" dist="38100" dir="2700000" algn="tl" rotWithShape="0">
+              <a:prstClr val="black">
+                <a:alpha val="40000"/>
+              </a:prstClr>
+            </a:outerShdw>
+          </a:effectLst>
         </p:spPr>
         <p:style>
           <a:lnRef idx="2">
@@ -5295,7 +5808,11 @@
           <a:p>
             <a:pPr algn="ctr"/>
             <a:r>
-              <a:rPr lang="en-US" dirty="0"/>
+              <a:rPr lang="en-US" dirty="0">
+                <a:solidFill>
+                  <a:schemeClr val="tx1"/>
+                </a:solidFill>
+              </a:rPr>
               <a:t>Router</a:t>
             </a:r>
           </a:p>
@@ -5318,9 +5835,9 @@
           <a:prstGeom prst="straightConnector1">
             <a:avLst/>
           </a:prstGeom>
-          <a:ln>
-            <a:solidFill>
-              <a:schemeClr val="tx1"/>
+          <a:ln w="28575">
+            <a:solidFill>
+              <a:srgbClr val="00A6DA"/>
             </a:solidFill>
             <a:tailEnd type="triangle"/>
           </a:ln>
@@ -5357,7 +5874,10 @@
           <a:prstGeom prst="straightConnector1">
             <a:avLst/>
           </a:prstGeom>
-          <a:ln>
+          <a:ln w="28575">
+            <a:solidFill>
+              <a:srgbClr val="00A6DA"/>
+            </a:solidFill>
             <a:tailEnd type="triangle"/>
           </a:ln>
         </p:spPr>
@@ -5393,7 +5913,10 @@
           <a:prstGeom prst="straightConnector1">
             <a:avLst/>
           </a:prstGeom>
-          <a:ln>
+          <a:ln w="28575">
+            <a:solidFill>
+              <a:srgbClr val="00A6DA"/>
+            </a:solidFill>
             <a:tailEnd type="triangle"/>
           </a:ln>
         </p:spPr>
@@ -5429,7 +5952,10 @@
           <a:prstGeom prst="straightConnector1">
             <a:avLst/>
           </a:prstGeom>
-          <a:ln>
+          <a:ln w="28575">
+            <a:solidFill>
+              <a:srgbClr val="00A6DA"/>
+            </a:solidFill>
             <a:tailEnd type="triangle"/>
           </a:ln>
         </p:spPr>
@@ -5462,9 +5988,23 @@
           <a:prstGeom prst="ellipse">
             <a:avLst/>
           </a:prstGeom>
-          <a:ln>
-            <a:noFill/>
-          </a:ln>
+          <a:solidFill>
+            <a:schemeClr val="bg1">
+              <a:lumMod val="85000"/>
+            </a:schemeClr>
+          </a:solidFill>
+          <a:ln w="28575">
+            <a:solidFill>
+              <a:schemeClr val="tx1"/>
+            </a:solidFill>
+          </a:ln>
+          <a:effectLst>
+            <a:outerShdw blurRad="50800" dist="38100" dir="2700000" algn="tl" rotWithShape="0">
+              <a:prstClr val="black">
+                <a:alpha val="40000"/>
+              </a:prstClr>
+            </a:outerShdw>
+          </a:effectLst>
         </p:spPr>
         <p:style>
           <a:lnRef idx="1">
@@ -5509,7 +6049,10 @@
           <a:prstGeom prst="straightConnector1">
             <a:avLst/>
           </a:prstGeom>
-          <a:ln>
+          <a:ln w="28575">
+            <a:solidFill>
+              <a:srgbClr val="00A6DA"/>
+            </a:solidFill>
             <a:tailEnd type="triangle"/>
           </a:ln>
         </p:spPr>
@@ -5542,9 +6085,21 @@
           <a:prstGeom prst="rect">
             <a:avLst/>
           </a:prstGeom>
-          <a:ln>
-            <a:noFill/>
-          </a:ln>
+          <a:solidFill>
+            <a:srgbClr val="8FD1E9"/>
+          </a:solidFill>
+          <a:ln w="28575">
+            <a:solidFill>
+              <a:srgbClr val="00A6DA"/>
+            </a:solidFill>
+          </a:ln>
+          <a:effectLst>
+            <a:outerShdw blurRad="50800" dist="38100" dir="2700000" algn="tl" rotWithShape="0">
+              <a:prstClr val="black">
+                <a:alpha val="40000"/>
+              </a:prstClr>
+            </a:outerShdw>
+          </a:effectLst>
         </p:spPr>
         <p:style>
           <a:lnRef idx="2">
@@ -5568,7 +6123,11 @@
           <a:p>
             <a:pPr algn="ctr"/>
             <a:r>
-              <a:rPr lang="en-US" dirty="0"/>
+              <a:rPr lang="en-US" dirty="0">
+                <a:solidFill>
+                  <a:schemeClr val="tx1"/>
+                </a:solidFill>
+              </a:rPr>
               <a:t>Receiver</a:t>
             </a:r>
           </a:p>
@@ -5591,7 +6150,10 @@
           <a:prstGeom prst="straightConnector1">
             <a:avLst/>
           </a:prstGeom>
-          <a:ln>
+          <a:ln w="28575">
+            <a:solidFill>
+              <a:srgbClr val="00A6DA"/>
+            </a:solidFill>
             <a:tailEnd type="triangle"/>
           </a:ln>
         </p:spPr>
@@ -5625,6 +6187,9 @@
             <a:avLst/>
           </a:prstGeom>
           <a:noFill/>
+          <a:ln w="28575">
+            <a:noFill/>
+          </a:ln>
         </p:spPr>
         <p:txBody>
           <a:bodyPr wrap="none" rtlCol="0">
@@ -5656,6 +6221,9 @@
             <a:avLst/>
           </a:prstGeom>
           <a:noFill/>
+          <a:ln w="28575">
+            <a:noFill/>
+          </a:ln>
         </p:spPr>
         <p:txBody>
           <a:bodyPr wrap="none" rtlCol="0">
@@ -5770,9 +6338,7 @@
             <a:avLst/>
           </a:prstGeom>
           <a:solidFill>
-            <a:schemeClr val="bg1">
-              <a:lumMod val="50000"/>
-            </a:schemeClr>
+            <a:srgbClr val="8FD1E9"/>
           </a:solidFill>
           <a:ln>
             <a:noFill/>
@@ -5824,9 +6390,7 @@
             <a:avLst/>
           </a:prstGeom>
           <a:solidFill>
-            <a:schemeClr val="bg1">
-              <a:lumMod val="50000"/>
-            </a:schemeClr>
+            <a:srgbClr val="8FD1E9"/>
           </a:solidFill>
           <a:ln>
             <a:noFill/>
@@ -5878,9 +6442,7 @@
             <a:avLst/>
           </a:prstGeom>
           <a:solidFill>
-            <a:schemeClr val="bg1">
-              <a:lumMod val="50000"/>
-            </a:schemeClr>
+            <a:srgbClr val="8FD1E9"/>
           </a:solidFill>
           <a:ln>
             <a:noFill/>
@@ -5932,9 +6494,7 @@
             <a:avLst/>
           </a:prstGeom>
           <a:solidFill>
-            <a:schemeClr val="bg1">
-              <a:lumMod val="50000"/>
-            </a:schemeClr>
+            <a:srgbClr val="8FD1E9"/>
           </a:solidFill>
           <a:ln>
             <a:noFill/>
@@ -5986,9 +6546,7 @@
             <a:avLst/>
           </a:prstGeom>
           <a:solidFill>
-            <a:schemeClr val="bg1">
-              <a:lumMod val="50000"/>
-            </a:schemeClr>
+            <a:srgbClr val="8FD1E9"/>
           </a:solidFill>
           <a:ln>
             <a:noFill/>
@@ -6040,9 +6598,7 @@
             <a:avLst/>
           </a:prstGeom>
           <a:solidFill>
-            <a:schemeClr val="bg1">
-              <a:lumMod val="50000"/>
-            </a:schemeClr>
+            <a:srgbClr val="8FD1E9"/>
           </a:solidFill>
           <a:ln>
             <a:noFill/>
@@ -6094,9 +6650,7 @@
             <a:avLst/>
           </a:prstGeom>
           <a:solidFill>
-            <a:schemeClr val="bg1">
-              <a:lumMod val="50000"/>
-            </a:schemeClr>
+            <a:srgbClr val="8FD1E9"/>
           </a:solidFill>
           <a:ln>
             <a:noFill/>
@@ -6148,9 +6702,7 @@
             <a:avLst/>
           </a:prstGeom>
           <a:solidFill>
-            <a:schemeClr val="bg1">
-              <a:lumMod val="50000"/>
-            </a:schemeClr>
+            <a:srgbClr val="8FD1E9"/>
           </a:solidFill>
           <a:ln>
             <a:noFill/>
@@ -6202,9 +6754,7 @@
             <a:avLst/>
           </a:prstGeom>
           <a:solidFill>
-            <a:schemeClr val="bg1">
-              <a:lumMod val="50000"/>
-            </a:schemeClr>
+            <a:srgbClr val="8FD1E9"/>
           </a:solidFill>
           <a:ln>
             <a:noFill/>
@@ -6256,9 +6806,7 @@
             <a:avLst/>
           </a:prstGeom>
           <a:solidFill>
-            <a:schemeClr val="bg1">
-              <a:lumMod val="50000"/>
-            </a:schemeClr>
+            <a:srgbClr val="8FD1E9"/>
           </a:solidFill>
           <a:ln>
             <a:noFill/>
@@ -6310,9 +6858,7 @@
             <a:avLst/>
           </a:prstGeom>
           <a:solidFill>
-            <a:schemeClr val="bg1">
-              <a:lumMod val="50000"/>
-            </a:schemeClr>
+            <a:srgbClr val="8FD1E9"/>
           </a:solidFill>
           <a:ln>
             <a:noFill/>
@@ -6364,9 +6910,7 @@
             <a:avLst/>
           </a:prstGeom>
           <a:solidFill>
-            <a:schemeClr val="bg1">
-              <a:lumMod val="50000"/>
-            </a:schemeClr>
+            <a:srgbClr val="8FD1E9"/>
           </a:solidFill>
           <a:ln>
             <a:noFill/>
@@ -6418,9 +6962,7 @@
             <a:avLst/>
           </a:prstGeom>
           <a:solidFill>
-            <a:schemeClr val="bg1">
-              <a:lumMod val="50000"/>
-            </a:schemeClr>
+            <a:srgbClr val="8FD1E9"/>
           </a:solidFill>
           <a:ln>
             <a:noFill/>
@@ -6472,9 +7014,7 @@
             <a:avLst/>
           </a:prstGeom>
           <a:solidFill>
-            <a:schemeClr val="bg1">
-              <a:lumMod val="50000"/>
-            </a:schemeClr>
+            <a:srgbClr val="8FD1E9"/>
           </a:solidFill>
           <a:ln>
             <a:noFill/>
@@ -6526,9 +7066,7 @@
             <a:avLst/>
           </a:prstGeom>
           <a:solidFill>
-            <a:schemeClr val="bg1">
-              <a:lumMod val="50000"/>
-            </a:schemeClr>
+            <a:srgbClr val="8FD1E9"/>
           </a:solidFill>
           <a:ln>
             <a:noFill/>
@@ -6580,9 +7118,7 @@
             <a:avLst/>
           </a:prstGeom>
           <a:solidFill>
-            <a:schemeClr val="bg1">
-              <a:lumMod val="50000"/>
-            </a:schemeClr>
+            <a:srgbClr val="8FD1E9"/>
           </a:solidFill>
           <a:ln>
             <a:noFill/>
@@ -6634,9 +7170,7 @@
             <a:avLst/>
           </a:prstGeom>
           <a:solidFill>
-            <a:schemeClr val="bg1">
-              <a:lumMod val="50000"/>
-            </a:schemeClr>
+            <a:srgbClr val="8FD1E9"/>
           </a:solidFill>
           <a:ln>
             <a:noFill/>
@@ -6687,7 +7221,7 @@
           <a:prstGeom prst="line">
             <a:avLst/>
           </a:prstGeom>
-          <a:ln>
+          <a:ln w="12700">
             <a:solidFill>
               <a:schemeClr val="tx1"/>
             </a:solidFill>
@@ -6816,7 +7350,7 @@
           </a:prstGeom>
           <a:ln w="38100">
             <a:solidFill>
-              <a:srgbClr val="FF0000"/>
+              <a:srgbClr val="00A6DA"/>
             </a:solidFill>
             <a:prstDash val="dash"/>
           </a:ln>
@@ -6860,7 +7394,7 @@
           </a:prstGeom>
           <a:ln w="38100">
             <a:solidFill>
-              <a:srgbClr val="FF0000"/>
+              <a:srgbClr val="00A6DA"/>
             </a:solidFill>
             <a:prstDash val="dash"/>
           </a:ln>
@@ -7541,7 +8075,7 @@
         </p:nvCxnSpPr>
         <p:spPr>
           <a:xfrm>
-            <a:off x="20227290" y="11052810"/>
+            <a:off x="20203227" y="11052810"/>
             <a:ext cx="0" cy="232410"/>
           </a:xfrm>
           <a:prstGeom prst="line">
@@ -7767,7 +8301,7 @@
         </p:nvSpPr>
         <p:spPr>
           <a:xfrm>
-            <a:off x="19949426" y="11294804"/>
+            <a:off x="19925363" y="11294804"/>
             <a:ext cx="601447" cy="584775"/>
           </a:xfrm>
           <a:prstGeom prst="rect">
@@ -8068,7 +8602,7 @@
         </p:nvSpPr>
         <p:spPr>
           <a:xfrm>
-            <a:off x="12778998" y="9936552"/>
+            <a:off x="13618343" y="9121824"/>
             <a:ext cx="2100255" cy="646331"/>
           </a:xfrm>
           <a:prstGeom prst="rect">
@@ -8085,7 +8619,7 @@
             <a:r>
               <a:rPr lang="en-US" sz="3600" dirty="0" err="1">
                 <a:solidFill>
-                  <a:srgbClr val="FF0000"/>
+                  <a:schemeClr val="tx1"/>
                 </a:solidFill>
                 <a:latin typeface="+mn-lt"/>
               </a:rPr>
@@ -8094,7 +8628,7 @@
             <a:r>
               <a:rPr lang="en-US" sz="3600" dirty="0">
                 <a:solidFill>
-                  <a:srgbClr val="FF0000"/>
+                  <a:schemeClr val="tx1"/>
                 </a:solidFill>
                 <a:latin typeface="+mn-lt"/>
               </a:rPr>
@@ -8134,7 +8668,7 @@
             <a:r>
               <a:rPr lang="en-US" sz="3600" dirty="0">
                 <a:solidFill>
-                  <a:srgbClr val="3C5A98"/>
+                  <a:schemeClr val="tx1"/>
                 </a:solidFill>
                 <a:latin typeface="+mn-lt"/>
               </a:rPr>
@@ -8143,7 +8677,7 @@
             <a:r>
               <a:rPr lang="en-US" sz="3600" dirty="0" err="1">
                 <a:solidFill>
-                  <a:srgbClr val="3C5A98"/>
+                  <a:schemeClr val="tx1"/>
                 </a:solidFill>
                 <a:latin typeface="+mn-lt"/>
               </a:rPr>
@@ -8151,7 +8685,7 @@
             </a:r>
             <a:endParaRPr lang="en-US" sz="3600" dirty="0">
               <a:solidFill>
-                <a:srgbClr val="3C5A98"/>
+                <a:schemeClr val="tx1"/>
               </a:solidFill>
               <a:latin typeface="+mn-lt"/>
             </a:endParaRPr>
@@ -8179,11 +8713,11 @@
             <a:avLst/>
           </a:prstGeom>
           <a:solidFill>
-            <a:srgbClr val="0070C0"/>
+            <a:srgbClr val="00A6DA"/>
           </a:solidFill>
           <a:ln>
             <a:solidFill>
-              <a:srgbClr val="0070C0"/>
+              <a:srgbClr val="00A6DA"/>
             </a:solidFill>
           </a:ln>
         </p:spPr>
@@ -8233,12 +8767,10 @@
             <a:avLst/>
           </a:prstGeom>
           <a:solidFill>
-            <a:srgbClr val="FF0000"/>
+            <a:srgbClr val="00A6DA"/>
           </a:solidFill>
           <a:ln>
-            <a:solidFill>
-              <a:srgbClr val="FF0000"/>
-            </a:solidFill>
+            <a:noFill/>
           </a:ln>
         </p:spPr>
         <p:style>
@@ -8320,10 +8852,7 @@
           </a:prstGeom>
           <a:ln w="57150">
             <a:solidFill>
-              <a:schemeClr val="accent1">
-                <a:lumMod val="40000"/>
-                <a:lumOff val="60000"/>
-              </a:schemeClr>
+              <a:srgbClr val="8FD1E9"/>
             </a:solidFill>
           </a:ln>
         </p:spPr>
@@ -8913,7 +9442,7 @@
           </a:prstGeom>
           <a:ln w="57150">
             <a:solidFill>
-              <a:schemeClr val="accent1"/>
+              <a:srgbClr val="00A6DA"/>
             </a:solidFill>
           </a:ln>
         </p:spPr>
@@ -9466,10 +9995,7 @@
           </a:prstGeom>
           <a:ln w="57150">
             <a:solidFill>
-              <a:schemeClr val="accent1">
-                <a:lumMod val="40000"/>
-                <a:lumOff val="60000"/>
-              </a:schemeClr>
+              <a:srgbClr val="8FD1E9"/>
             </a:solidFill>
           </a:ln>
         </p:spPr>
@@ -9512,7 +10038,7 @@
           </a:prstGeom>
           <a:ln w="57150">
             <a:solidFill>
-              <a:schemeClr val="accent1"/>
+              <a:srgbClr val="00A6DA"/>
             </a:solidFill>
           </a:ln>
         </p:spPr>
@@ -9551,7 +10077,10 @@
           <a:prstGeom prst="line">
             <a:avLst/>
           </a:prstGeom>
-          <a:ln>
+          <a:ln w="19050">
+            <a:solidFill>
+              <a:srgbClr val="00A6DA"/>
+            </a:solidFill>
             <a:prstDash val="dash"/>
           </a:ln>
         </p:spPr>
@@ -9664,7 +10193,10 @@
           <a:prstGeom prst="line">
             <a:avLst/>
           </a:prstGeom>
-          <a:ln>
+          <a:ln w="19050">
+            <a:solidFill>
+              <a:srgbClr val="00A6DA"/>
+            </a:solidFill>
             <a:prstDash val="dash"/>
           </a:ln>
         </p:spPr>
@@ -9733,9 +10265,21 @@
           <a:prstGeom prst="rect">
             <a:avLst/>
           </a:prstGeom>
-          <a:ln>
-            <a:noFill/>
-          </a:ln>
+          <a:solidFill>
+            <a:srgbClr val="8FD1E9"/>
+          </a:solidFill>
+          <a:ln w="38100">
+            <a:solidFill>
+              <a:srgbClr val="00A6DA"/>
+            </a:solidFill>
+          </a:ln>
+          <a:effectLst>
+            <a:outerShdw blurRad="50800" dist="38100" dir="2700000" algn="tl" rotWithShape="0">
+              <a:prstClr val="black">
+                <a:alpha val="40000"/>
+              </a:prstClr>
+            </a:outerShdw>
+          </a:effectLst>
         </p:spPr>
         <p:style>
           <a:lnRef idx="2">
@@ -9759,7 +10303,11 @@
           <a:p>
             <a:pPr algn="ctr"/>
             <a:r>
-              <a:rPr lang="en-US" sz="2000" dirty="0"/>
+              <a:rPr lang="en-US" sz="2400" dirty="0">
+                <a:solidFill>
+                  <a:schemeClr val="tx1"/>
+                </a:solidFill>
+              </a:rPr>
               <a:t>Startup</a:t>
             </a:r>
           </a:p>
@@ -9787,9 +10335,13 @@
           <a:prstGeom prst="straightConnector1">
             <a:avLst/>
           </a:prstGeom>
-          <a:ln>
+          <a:ln w="38100">
+            <a:solidFill>
+              <a:srgbClr val="00A6DA"/>
+            </a:solidFill>
             <a:tailEnd type="triangle"/>
           </a:ln>
+          <a:effectLst/>
         </p:spPr>
         <p:style>
           <a:lnRef idx="3">
@@ -9826,9 +10378,21 @@
           <a:prstGeom prst="rect">
             <a:avLst/>
           </a:prstGeom>
-          <a:ln>
-            <a:noFill/>
-          </a:ln>
+          <a:solidFill>
+            <a:srgbClr val="8FD1E9"/>
+          </a:solidFill>
+          <a:ln w="38100">
+            <a:solidFill>
+              <a:srgbClr val="00A6DA"/>
+            </a:solidFill>
+          </a:ln>
+          <a:effectLst>
+            <a:outerShdw blurRad="50800" dist="38100" dir="2700000" algn="tl" rotWithShape="0">
+              <a:prstClr val="black">
+                <a:alpha val="40000"/>
+              </a:prstClr>
+            </a:outerShdw>
+          </a:effectLst>
         </p:spPr>
         <p:style>
           <a:lnRef idx="2">
@@ -9852,10 +10416,18 @@
           <a:p>
             <a:pPr algn="ctr"/>
             <a:r>
-              <a:rPr lang="en-US" sz="2000" dirty="0" err="1"/>
+              <a:rPr lang="en-US" sz="2400" dirty="0" err="1">
+                <a:solidFill>
+                  <a:schemeClr val="tx1"/>
+                </a:solidFill>
+              </a:rPr>
               <a:t>ProbeRTT</a:t>
             </a:r>
-            <a:endParaRPr lang="en-US" sz="2000" dirty="0"/>
+            <a:endParaRPr lang="en-US" sz="2400" dirty="0">
+              <a:solidFill>
+                <a:schemeClr val="tx1"/>
+              </a:solidFill>
+            </a:endParaRPr>
           </a:p>
         </p:txBody>
       </p:sp>
@@ -9879,9 +10451,21 @@
           <a:prstGeom prst="rect">
             <a:avLst/>
           </a:prstGeom>
-          <a:ln>
-            <a:noFill/>
-          </a:ln>
+          <a:solidFill>
+            <a:srgbClr val="8FD1E9"/>
+          </a:solidFill>
+          <a:ln w="38100">
+            <a:solidFill>
+              <a:srgbClr val="00A6DA"/>
+            </a:solidFill>
+          </a:ln>
+          <a:effectLst>
+            <a:outerShdw blurRad="50800" dist="38100" dir="2700000" algn="tl" rotWithShape="0">
+              <a:prstClr val="black">
+                <a:alpha val="40000"/>
+              </a:prstClr>
+            </a:outerShdw>
+          </a:effectLst>
         </p:spPr>
         <p:style>
           <a:lnRef idx="2">
@@ -9905,10 +10489,18 @@
           <a:p>
             <a:pPr algn="ctr"/>
             <a:r>
-              <a:rPr lang="en-US" sz="2000" dirty="0" err="1"/>
+              <a:rPr lang="en-US" sz="2400" dirty="0" err="1">
+                <a:solidFill>
+                  <a:schemeClr val="tx1"/>
+                </a:solidFill>
+              </a:rPr>
               <a:t>ProbeBW:UP</a:t>
             </a:r>
-            <a:endParaRPr lang="en-US" sz="2000" dirty="0"/>
+            <a:endParaRPr lang="en-US" sz="2400" dirty="0">
+              <a:solidFill>
+                <a:schemeClr val="tx1"/>
+              </a:solidFill>
+            </a:endParaRPr>
           </a:p>
         </p:txBody>
       </p:sp>
@@ -9932,9 +10524,21 @@
           <a:prstGeom prst="rect">
             <a:avLst/>
           </a:prstGeom>
-          <a:ln>
-            <a:noFill/>
-          </a:ln>
+          <a:solidFill>
+            <a:srgbClr val="8FD1E9"/>
+          </a:solidFill>
+          <a:ln w="38100">
+            <a:solidFill>
+              <a:srgbClr val="00A6DA"/>
+            </a:solidFill>
+          </a:ln>
+          <a:effectLst>
+            <a:outerShdw blurRad="50800" dist="38100" dir="2700000" algn="tl" rotWithShape="0">
+              <a:prstClr val="black">
+                <a:alpha val="40000"/>
+              </a:prstClr>
+            </a:outerShdw>
+          </a:effectLst>
         </p:spPr>
         <p:style>
           <a:lnRef idx="2">
@@ -9958,10 +10562,18 @@
           <a:p>
             <a:pPr algn="ctr"/>
             <a:r>
-              <a:rPr lang="en-US" sz="2000" dirty="0" err="1"/>
+              <a:rPr lang="en-US" sz="2400" dirty="0" err="1">
+                <a:solidFill>
+                  <a:schemeClr val="tx1"/>
+                </a:solidFill>
+              </a:rPr>
               <a:t>ProbeBW:REFILL</a:t>
             </a:r>
-            <a:endParaRPr lang="en-US" sz="2000" dirty="0"/>
+            <a:endParaRPr lang="en-US" sz="2400" dirty="0">
+              <a:solidFill>
+                <a:schemeClr val="tx1"/>
+              </a:solidFill>
+            </a:endParaRPr>
           </a:p>
         </p:txBody>
       </p:sp>
@@ -9985,9 +10597,21 @@
           <a:prstGeom prst="rect">
             <a:avLst/>
           </a:prstGeom>
-          <a:ln>
-            <a:noFill/>
-          </a:ln>
+          <a:solidFill>
+            <a:srgbClr val="8FD1E9"/>
+          </a:solidFill>
+          <a:ln w="38100">
+            <a:solidFill>
+              <a:srgbClr val="00A6DA"/>
+            </a:solidFill>
+          </a:ln>
+          <a:effectLst>
+            <a:outerShdw blurRad="50800" dist="38100" dir="2700000" algn="tl" rotWithShape="0">
+              <a:prstClr val="black">
+                <a:alpha val="40000"/>
+              </a:prstClr>
+            </a:outerShdw>
+          </a:effectLst>
         </p:spPr>
         <p:style>
           <a:lnRef idx="2">
@@ -10011,10 +10635,18 @@
           <a:p>
             <a:pPr algn="ctr"/>
             <a:r>
-              <a:rPr lang="en-US" sz="2000" dirty="0" err="1"/>
+              <a:rPr lang="en-US" sz="2400" dirty="0" err="1">
+                <a:solidFill>
+                  <a:schemeClr val="tx1"/>
+                </a:solidFill>
+              </a:rPr>
               <a:t>ProbeBW:CRUISE</a:t>
             </a:r>
-            <a:endParaRPr lang="en-US" sz="2000" dirty="0"/>
+            <a:endParaRPr lang="en-US" sz="2400" dirty="0">
+              <a:solidFill>
+                <a:schemeClr val="tx1"/>
+              </a:solidFill>
+            </a:endParaRPr>
           </a:p>
         </p:txBody>
       </p:sp>
@@ -10038,9 +10670,21 @@
           <a:prstGeom prst="rect">
             <a:avLst/>
           </a:prstGeom>
-          <a:ln>
-            <a:noFill/>
-          </a:ln>
+          <a:solidFill>
+            <a:srgbClr val="8FD1E9"/>
+          </a:solidFill>
+          <a:ln w="38100">
+            <a:solidFill>
+              <a:srgbClr val="00A6DA"/>
+            </a:solidFill>
+          </a:ln>
+          <a:effectLst>
+            <a:outerShdw blurRad="50800" dist="38100" dir="2700000" algn="tl" rotWithShape="0">
+              <a:prstClr val="black">
+                <a:alpha val="40000"/>
+              </a:prstClr>
+            </a:outerShdw>
+          </a:effectLst>
         </p:spPr>
         <p:style>
           <a:lnRef idx="2">
@@ -10064,10 +10708,18 @@
           <a:p>
             <a:pPr algn="ctr"/>
             <a:r>
-              <a:rPr lang="en-US" sz="2000" dirty="0" err="1"/>
+              <a:rPr lang="en-US" sz="2400" dirty="0" err="1">
+                <a:solidFill>
+                  <a:schemeClr val="tx1"/>
+                </a:solidFill>
+              </a:rPr>
               <a:t>ProbeBW:DOWN</a:t>
             </a:r>
-            <a:endParaRPr lang="en-US" sz="2000" dirty="0"/>
+            <a:endParaRPr lang="en-US" sz="2400" dirty="0">
+              <a:solidFill>
+                <a:schemeClr val="tx1"/>
+              </a:solidFill>
+            </a:endParaRPr>
           </a:p>
         </p:txBody>
       </p:sp>
@@ -10091,9 +10743,21 @@
           <a:prstGeom prst="rect">
             <a:avLst/>
           </a:prstGeom>
-          <a:ln>
-            <a:noFill/>
-          </a:ln>
+          <a:solidFill>
+            <a:srgbClr val="8FD1E9"/>
+          </a:solidFill>
+          <a:ln w="38100">
+            <a:solidFill>
+              <a:srgbClr val="00A6DA"/>
+            </a:solidFill>
+          </a:ln>
+          <a:effectLst>
+            <a:outerShdw blurRad="50800" dist="38100" dir="2700000" algn="tl" rotWithShape="0">
+              <a:prstClr val="black">
+                <a:alpha val="40000"/>
+              </a:prstClr>
+            </a:outerShdw>
+          </a:effectLst>
         </p:spPr>
         <p:style>
           <a:lnRef idx="2">
@@ -10117,7 +10781,11 @@
           <a:p>
             <a:pPr algn="ctr"/>
             <a:r>
-              <a:rPr lang="en-US" sz="2000" dirty="0"/>
+              <a:rPr lang="en-US" sz="2400" dirty="0">
+                <a:solidFill>
+                  <a:schemeClr val="tx1"/>
+                </a:solidFill>
+              </a:rPr>
               <a:t>Drain</a:t>
             </a:r>
           </a:p>
@@ -10145,9 +10813,13 @@
           <a:prstGeom prst="straightConnector1">
             <a:avLst/>
           </a:prstGeom>
-          <a:ln>
+          <a:ln w="38100">
+            <a:solidFill>
+              <a:srgbClr val="00A6DA"/>
+            </a:solidFill>
             <a:tailEnd type="triangle"/>
           </a:ln>
+          <a:effectLst/>
         </p:spPr>
         <p:style>
           <a:lnRef idx="3">
@@ -10186,9 +10858,13 @@
           <a:prstGeom prst="straightConnector1">
             <a:avLst/>
           </a:prstGeom>
-          <a:ln>
+          <a:ln w="38100">
+            <a:solidFill>
+              <a:srgbClr val="00A6DA"/>
+            </a:solidFill>
             <a:tailEnd type="triangle"/>
           </a:ln>
+          <a:effectLst/>
         </p:spPr>
         <p:style>
           <a:lnRef idx="3">
@@ -10227,7 +10903,10 @@
           <a:prstGeom prst="straightConnector1">
             <a:avLst/>
           </a:prstGeom>
-          <a:ln>
+          <a:ln w="38100">
+            <a:solidFill>
+              <a:srgbClr val="00A6DA"/>
+            </a:solidFill>
             <a:tailEnd type="triangle"/>
           </a:ln>
         </p:spPr>
@@ -10268,9 +10947,13 @@
           <a:prstGeom prst="straightConnector1">
             <a:avLst/>
           </a:prstGeom>
-          <a:ln>
+          <a:ln w="38100">
+            <a:solidFill>
+              <a:srgbClr val="00A6DA"/>
+            </a:solidFill>
             <a:tailEnd type="triangle"/>
           </a:ln>
+          <a:effectLst/>
         </p:spPr>
         <p:style>
           <a:lnRef idx="3">
@@ -10309,9 +10992,13 @@
           <a:prstGeom prst="straightConnector1">
             <a:avLst/>
           </a:prstGeom>
-          <a:ln>
+          <a:ln w="38100">
+            <a:solidFill>
+              <a:srgbClr val="00A6DA"/>
+            </a:solidFill>
             <a:tailEnd type="triangle"/>
           </a:ln>
+          <a:effectLst/>
         </p:spPr>
         <p:style>
           <a:lnRef idx="3">
@@ -10350,9 +11037,9 @@
           <a:prstGeom prst="line">
             <a:avLst/>
           </a:prstGeom>
-          <a:ln w="28575">
-            <a:solidFill>
-              <a:schemeClr val="tx1"/>
+          <a:ln w="38100">
+            <a:solidFill>
+              <a:srgbClr val="00A6DA"/>
             </a:solidFill>
           </a:ln>
         </p:spPr>
@@ -10393,7 +11080,10 @@
           <a:prstGeom prst="straightConnector1">
             <a:avLst/>
           </a:prstGeom>
-          <a:ln>
+          <a:ln w="38100">
+            <a:solidFill>
+              <a:srgbClr val="00A6DA"/>
+            </a:solidFill>
             <a:tailEnd type="triangle"/>
           </a:ln>
         </p:spPr>
@@ -10434,7 +11124,10 @@
           <a:prstGeom prst="straightConnector1">
             <a:avLst/>
           </a:prstGeom>
-          <a:ln>
+          <a:ln w="38100">
+            <a:solidFill>
+              <a:srgbClr val="00A6DA"/>
+            </a:solidFill>
             <a:headEnd type="none" w="med" len="med"/>
             <a:tailEnd type="none" w="med" len="med"/>
           </a:ln>
@@ -10476,7 +11169,10 @@
           <a:prstGeom prst="straightConnector1">
             <a:avLst/>
           </a:prstGeom>
-          <a:ln>
+          <a:ln w="38100">
+            <a:solidFill>
+              <a:srgbClr val="00A6DA"/>
+            </a:solidFill>
             <a:headEnd type="none" w="med" len="med"/>
             <a:tailEnd type="none" w="med" len="med"/>
           </a:ln>
@@ -10518,7 +11214,10 @@
           <a:prstGeom prst="straightConnector1">
             <a:avLst/>
           </a:prstGeom>
-          <a:ln>
+          <a:ln w="38100">
+            <a:solidFill>
+              <a:srgbClr val="00A6DA"/>
+            </a:solidFill>
             <a:headEnd type="none" w="med" len="med"/>
             <a:tailEnd type="none" w="med" len="med"/>
           </a:ln>
@@ -10560,7 +11259,10 @@
           <a:prstGeom prst="straightConnector1">
             <a:avLst/>
           </a:prstGeom>
-          <a:ln>
+          <a:ln w="38100">
+            <a:solidFill>
+              <a:srgbClr val="00A6DA"/>
+            </a:solidFill>
             <a:headEnd type="none" w="med" len="med"/>
             <a:tailEnd type="none" w="med" len="med"/>
           </a:ln>
@@ -10602,7 +11304,10 @@
           <a:prstGeom prst="straightConnector1">
             <a:avLst/>
           </a:prstGeom>
-          <a:ln>
+          <a:ln w="38100">
+            <a:solidFill>
+              <a:srgbClr val="00A6DA"/>
+            </a:solidFill>
             <a:headEnd type="none" w="med" len="med"/>
             <a:tailEnd type="none" w="med" len="med"/>
           </a:ln>
@@ -10644,7 +11349,10 @@
           <a:prstGeom prst="straightConnector1">
             <a:avLst/>
           </a:prstGeom>
-          <a:ln>
+          <a:ln w="38100">
+            <a:solidFill>
+              <a:srgbClr val="00A6DA"/>
+            </a:solidFill>
             <a:headEnd type="none" w="med" len="med"/>
             <a:tailEnd type="none" w="med" len="med"/>
           </a:ln>
@@ -10686,10 +11394,14 @@
           <a:prstGeom prst="straightConnector1">
             <a:avLst/>
           </a:prstGeom>
-          <a:ln>
+          <a:ln w="38100">
+            <a:solidFill>
+              <a:srgbClr val="00A6DA"/>
+            </a:solidFill>
             <a:headEnd type="none" w="med" len="med"/>
             <a:tailEnd type="none" w="med" len="med"/>
           </a:ln>
+          <a:effectLst/>
         </p:spPr>
         <p:style>
           <a:lnRef idx="3">
@@ -10728,9 +11440,9 @@
           <a:prstGeom prst="line">
             <a:avLst/>
           </a:prstGeom>
-          <a:ln w="28575">
-            <a:solidFill>
-              <a:schemeClr val="tx1"/>
+          <a:ln w="38100">
+            <a:solidFill>
+              <a:srgbClr val="00A6DA"/>
             </a:solidFill>
           </a:ln>
         </p:spPr>
@@ -10771,7 +11483,10 @@
           <a:prstGeom prst="straightConnector1">
             <a:avLst/>
           </a:prstGeom>
-          <a:ln>
+          <a:ln w="38100">
+            <a:solidFill>
+              <a:srgbClr val="00A6DA"/>
+            </a:solidFill>
             <a:tailEnd type="triangle"/>
           </a:ln>
         </p:spPr>
@@ -10812,9 +11527,13 @@
           <a:prstGeom prst="straightConnector1">
             <a:avLst/>
           </a:prstGeom>
-          <a:ln>
+          <a:ln w="38100">
+            <a:solidFill>
+              <a:srgbClr val="00A6DA"/>
+            </a:solidFill>
             <a:tailEnd type="triangle"/>
           </a:ln>
+          <a:effectLst/>
         </p:spPr>
         <p:style>
           <a:lnRef idx="3">
@@ -10853,10 +11572,14 @@
           <a:prstGeom prst="straightConnector1">
             <a:avLst/>
           </a:prstGeom>
-          <a:ln>
+          <a:ln w="38100">
+            <a:solidFill>
+              <a:srgbClr val="00A6DA"/>
+            </a:solidFill>
             <a:headEnd type="none" w="med" len="med"/>
             <a:tailEnd type="none" w="med" len="med"/>
           </a:ln>
+          <a:effectLst/>
         </p:spPr>
         <p:style>
           <a:lnRef idx="3">
@@ -10895,7 +11618,10 @@
           <a:prstGeom prst="straightConnector1">
             <a:avLst/>
           </a:prstGeom>
-          <a:ln>
+          <a:ln w="38100">
+            <a:solidFill>
+              <a:srgbClr val="00A6DA"/>
+            </a:solidFill>
             <a:headEnd type="none" w="med" len="med"/>
             <a:tailEnd type="none" w="med" len="med"/>
           </a:ln>
@@ -10937,9 +11663,13 @@
           <a:prstGeom prst="straightConnector1">
             <a:avLst/>
           </a:prstGeom>
-          <a:ln>
+          <a:ln w="38100">
+            <a:solidFill>
+              <a:srgbClr val="00A6DA"/>
+            </a:solidFill>
             <a:tailEnd type="triangle"/>
           </a:ln>
+          <a:effectLst/>
         </p:spPr>
         <p:style>
           <a:lnRef idx="3">
@@ -10960,6 +11690,1916 @@
     <p:extLst>
       <p:ext uri="{BB962C8B-B14F-4D97-AF65-F5344CB8AC3E}">
         <p14:creationId xmlns:p14="http://schemas.microsoft.com/office/powerpoint/2010/main" val="4162267606"/>
+      </p:ext>
+    </p:extLst>
+  </p:cSld>
+  <p:clrMapOvr>
+    <a:masterClrMapping/>
+  </p:clrMapOvr>
+</p:sld>
+</file>
+
+<file path=ppt/slides/slide8.xml><?xml version="1.0" encoding="utf-8"?>
+<p:sld xmlns:a="http://schemas.openxmlformats.org/drawingml/2006/main" xmlns:r="http://schemas.openxmlformats.org/officeDocument/2006/relationships" xmlns:p="http://schemas.openxmlformats.org/presentationml/2006/main">
+  <p:cSld>
+    <p:spTree>
+      <p:nvGrpSpPr>
+        <p:cNvPr id="1" name=""/>
+        <p:cNvGrpSpPr/>
+        <p:nvPr/>
+      </p:nvGrpSpPr>
+      <p:grpSpPr>
+        <a:xfrm>
+          <a:off x="0" y="0"/>
+          <a:ext cx="0" cy="0"/>
+          <a:chOff x="0" y="0"/>
+          <a:chExt cx="0" cy="0"/>
+        </a:xfrm>
+      </p:grpSpPr>
+      <p:sp>
+        <p:nvSpPr>
+          <p:cNvPr id="8" name="Oval 7">
+            <a:extLst>
+              <a:ext uri="{FF2B5EF4-FFF2-40B4-BE49-F238E27FC236}">
+                <a16:creationId xmlns:a16="http://schemas.microsoft.com/office/drawing/2014/main" id="{9544CBFC-3380-AD4E-8F7C-0F983B1B3768}"/>
+              </a:ext>
+            </a:extLst>
+          </p:cNvPr>
+          <p:cNvSpPr/>
+          <p:nvPr/>
+        </p:nvSpPr>
+        <p:spPr>
+          <a:xfrm>
+            <a:off x="3705727" y="7888104"/>
+            <a:ext cx="2385900" cy="1995053"/>
+          </a:xfrm>
+          <a:prstGeom prst="ellipse">
+            <a:avLst/>
+          </a:prstGeom>
+          <a:solidFill>
+            <a:schemeClr val="bg1"/>
+          </a:solidFill>
+          <a:ln w="28575">
+            <a:solidFill>
+              <a:schemeClr val="tx1"/>
+            </a:solidFill>
+          </a:ln>
+          <a:effectLst>
+            <a:outerShdw blurRad="50800" dist="38100" dir="2700000" algn="tl" rotWithShape="0">
+              <a:prstClr val="black">
+                <a:alpha val="40000"/>
+              </a:prstClr>
+            </a:outerShdw>
+          </a:effectLst>
+        </p:spPr>
+        <p:style>
+          <a:lnRef idx="1">
+            <a:schemeClr val="accent3"/>
+          </a:lnRef>
+          <a:fillRef idx="2">
+            <a:schemeClr val="accent3"/>
+          </a:fillRef>
+          <a:effectRef idx="1">
+            <a:schemeClr val="accent3"/>
+          </a:effectRef>
+          <a:fontRef idx="minor">
+            <a:schemeClr val="dk1"/>
+          </a:fontRef>
+        </p:style>
+        <p:txBody>
+          <a:bodyPr rtlCol="0" anchor="ctr"/>
+          <a:lstStyle/>
+          <a:p>
+            <a:pPr algn="ctr"/>
+            <a:r>
+              <a:rPr lang="en-US" dirty="0"/>
+              <a:t>Source 2</a:t>
+            </a:r>
+          </a:p>
+        </p:txBody>
+      </p:sp>
+      <p:sp>
+        <p:nvSpPr>
+          <p:cNvPr id="9" name="Oval 8">
+            <a:extLst>
+              <a:ext uri="{FF2B5EF4-FFF2-40B4-BE49-F238E27FC236}">
+                <a16:creationId xmlns:a16="http://schemas.microsoft.com/office/drawing/2014/main" id="{698BF1FF-F032-0946-8E31-2FDE2321CEC7}"/>
+              </a:ext>
+            </a:extLst>
+          </p:cNvPr>
+          <p:cNvSpPr/>
+          <p:nvPr/>
+        </p:nvSpPr>
+        <p:spPr>
+          <a:xfrm>
+            <a:off x="3705727" y="3179747"/>
+            <a:ext cx="2385899" cy="1995053"/>
+          </a:xfrm>
+          <a:prstGeom prst="ellipse">
+            <a:avLst/>
+          </a:prstGeom>
+          <a:solidFill>
+            <a:schemeClr val="bg1"/>
+          </a:solidFill>
+          <a:ln w="28575">
+            <a:solidFill>
+              <a:schemeClr val="tx1"/>
+            </a:solidFill>
+          </a:ln>
+          <a:effectLst>
+            <a:outerShdw blurRad="50800" dist="38100" dir="2700000" algn="tl" rotWithShape="0">
+              <a:prstClr val="black">
+                <a:alpha val="40000"/>
+              </a:prstClr>
+            </a:outerShdw>
+          </a:effectLst>
+        </p:spPr>
+        <p:style>
+          <a:lnRef idx="1">
+            <a:schemeClr val="accent3"/>
+          </a:lnRef>
+          <a:fillRef idx="2">
+            <a:schemeClr val="accent3"/>
+          </a:fillRef>
+          <a:effectRef idx="1">
+            <a:schemeClr val="accent3"/>
+          </a:effectRef>
+          <a:fontRef idx="minor">
+            <a:schemeClr val="dk1"/>
+          </a:fontRef>
+        </p:style>
+        <p:txBody>
+          <a:bodyPr rtlCol="0" anchor="ctr"/>
+          <a:lstStyle/>
+          <a:p>
+            <a:pPr algn="ctr"/>
+            <a:r>
+              <a:rPr lang="en-US" dirty="0"/>
+              <a:t>Source 1</a:t>
+            </a:r>
+          </a:p>
+        </p:txBody>
+      </p:sp>
+      <p:sp>
+        <p:nvSpPr>
+          <p:cNvPr id="10" name="Oval 9">
+            <a:extLst>
+              <a:ext uri="{FF2B5EF4-FFF2-40B4-BE49-F238E27FC236}">
+                <a16:creationId xmlns:a16="http://schemas.microsoft.com/office/drawing/2014/main" id="{024CBECC-8D7A-E348-832F-D55403849553}"/>
+              </a:ext>
+            </a:extLst>
+          </p:cNvPr>
+          <p:cNvSpPr/>
+          <p:nvPr/>
+        </p:nvSpPr>
+        <p:spPr>
+          <a:xfrm>
+            <a:off x="11459901" y="5533925"/>
+            <a:ext cx="2280162" cy="1995053"/>
+          </a:xfrm>
+          <a:prstGeom prst="ellipse">
+            <a:avLst/>
+          </a:prstGeom>
+          <a:solidFill>
+            <a:schemeClr val="bg1"/>
+          </a:solidFill>
+          <a:ln w="28575">
+            <a:solidFill>
+              <a:schemeClr val="tx1"/>
+            </a:solidFill>
+          </a:ln>
+          <a:effectLst>
+            <a:outerShdw blurRad="50800" dist="38100" dir="2700000" algn="tl" rotWithShape="0">
+              <a:schemeClr val="tx1">
+                <a:alpha val="40000"/>
+              </a:schemeClr>
+            </a:outerShdw>
+          </a:effectLst>
+        </p:spPr>
+        <p:style>
+          <a:lnRef idx="1">
+            <a:schemeClr val="accent3"/>
+          </a:lnRef>
+          <a:fillRef idx="2">
+            <a:schemeClr val="accent3"/>
+          </a:fillRef>
+          <a:effectRef idx="1">
+            <a:schemeClr val="accent3"/>
+          </a:effectRef>
+          <a:fontRef idx="minor">
+            <a:schemeClr val="dk1"/>
+          </a:fontRef>
+        </p:style>
+        <p:txBody>
+          <a:bodyPr rtlCol="0" anchor="ctr"/>
+          <a:lstStyle/>
+          <a:p>
+            <a:pPr algn="ctr"/>
+            <a:r>
+              <a:rPr lang="en-US" dirty="0"/>
+              <a:t>Receiver</a:t>
+            </a:r>
+          </a:p>
+        </p:txBody>
+      </p:sp>
+      <p:sp>
+        <p:nvSpPr>
+          <p:cNvPr id="12" name="Rectangle 11">
+            <a:extLst>
+              <a:ext uri="{FF2B5EF4-FFF2-40B4-BE49-F238E27FC236}">
+                <a16:creationId xmlns:a16="http://schemas.microsoft.com/office/drawing/2014/main" id="{4B1C3DA1-CED3-524D-A78F-D3E4C5DC14FC}"/>
+              </a:ext>
+            </a:extLst>
+          </p:cNvPr>
+          <p:cNvSpPr/>
+          <p:nvPr/>
+        </p:nvSpPr>
+        <p:spPr>
+          <a:xfrm>
+            <a:off x="7606145" y="5533925"/>
+            <a:ext cx="1995055" cy="1995053"/>
+          </a:xfrm>
+          <a:prstGeom prst="rect">
+            <a:avLst/>
+          </a:prstGeom>
+          <a:solidFill>
+            <a:srgbClr val="8FD1E9"/>
+          </a:solidFill>
+          <a:ln w="28575">
+            <a:solidFill>
+              <a:srgbClr val="00A6DA"/>
+            </a:solidFill>
+          </a:ln>
+          <a:effectLst>
+            <a:outerShdw blurRad="50800" dist="38100" dir="2700000" algn="tl" rotWithShape="0">
+              <a:prstClr val="black">
+                <a:alpha val="40000"/>
+              </a:prstClr>
+            </a:outerShdw>
+          </a:effectLst>
+        </p:spPr>
+        <p:style>
+          <a:lnRef idx="2">
+            <a:schemeClr val="accent1">
+              <a:shade val="50000"/>
+            </a:schemeClr>
+          </a:lnRef>
+          <a:fillRef idx="1">
+            <a:schemeClr val="accent1"/>
+          </a:fillRef>
+          <a:effectRef idx="0">
+            <a:schemeClr val="accent1"/>
+          </a:effectRef>
+          <a:fontRef idx="minor">
+            <a:schemeClr val="lt1"/>
+          </a:fontRef>
+        </p:style>
+        <p:txBody>
+          <a:bodyPr rtlCol="0" anchor="t"/>
+          <a:lstStyle/>
+          <a:p>
+            <a:pPr algn="ctr"/>
+            <a:r>
+              <a:rPr lang="en-US" dirty="0">
+                <a:solidFill>
+                  <a:schemeClr val="tx1"/>
+                </a:solidFill>
+              </a:rPr>
+              <a:t>Router</a:t>
+            </a:r>
+          </a:p>
+        </p:txBody>
+      </p:sp>
+      <p:cxnSp>
+        <p:nvCxnSpPr>
+          <p:cNvPr id="15" name="Straight Connector 14">
+            <a:extLst>
+              <a:ext uri="{FF2B5EF4-FFF2-40B4-BE49-F238E27FC236}">
+                <a16:creationId xmlns:a16="http://schemas.microsoft.com/office/drawing/2014/main" id="{EC4BFBA0-3C05-3548-A1F3-D3C8EB54C7ED}"/>
+              </a:ext>
+            </a:extLst>
+          </p:cNvPr>
+          <p:cNvCxnSpPr>
+            <a:cxnSpLocks/>
+            <a:stCxn id="9" idx="5"/>
+          </p:cNvCxnSpPr>
+          <p:nvPr/>
+        </p:nvCxnSpPr>
+        <p:spPr>
+          <a:xfrm>
+            <a:off x="5742219" y="4882631"/>
+            <a:ext cx="1861739" cy="1181285"/>
+          </a:xfrm>
+          <a:prstGeom prst="line">
+            <a:avLst/>
+          </a:prstGeom>
+          <a:ln w="38100">
+            <a:solidFill>
+              <a:srgbClr val="00A6DA"/>
+            </a:solidFill>
+          </a:ln>
+        </p:spPr>
+        <p:style>
+          <a:lnRef idx="1">
+            <a:schemeClr val="accent1"/>
+          </a:lnRef>
+          <a:fillRef idx="0">
+            <a:schemeClr val="accent1"/>
+          </a:fillRef>
+          <a:effectRef idx="0">
+            <a:schemeClr val="accent1"/>
+          </a:effectRef>
+          <a:fontRef idx="minor">
+            <a:schemeClr val="tx1"/>
+          </a:fontRef>
+        </p:style>
+      </p:cxnSp>
+      <p:cxnSp>
+        <p:nvCxnSpPr>
+          <p:cNvPr id="17" name="Straight Connector 16">
+            <a:extLst>
+              <a:ext uri="{FF2B5EF4-FFF2-40B4-BE49-F238E27FC236}">
+                <a16:creationId xmlns:a16="http://schemas.microsoft.com/office/drawing/2014/main" id="{927A1272-6219-384B-897B-05D39559B170}"/>
+              </a:ext>
+            </a:extLst>
+          </p:cNvPr>
+          <p:cNvCxnSpPr>
+            <a:cxnSpLocks/>
+            <a:stCxn id="8" idx="7"/>
+          </p:cNvCxnSpPr>
+          <p:nvPr/>
+        </p:nvCxnSpPr>
+        <p:spPr>
+          <a:xfrm flipV="1">
+            <a:off x="5742220" y="7050505"/>
+            <a:ext cx="1863925" cy="1129768"/>
+          </a:xfrm>
+          <a:prstGeom prst="line">
+            <a:avLst/>
+          </a:prstGeom>
+          <a:ln w="38100">
+            <a:solidFill>
+              <a:srgbClr val="00A6DA"/>
+            </a:solidFill>
+          </a:ln>
+        </p:spPr>
+        <p:style>
+          <a:lnRef idx="1">
+            <a:schemeClr val="accent1"/>
+          </a:lnRef>
+          <a:fillRef idx="0">
+            <a:schemeClr val="accent1"/>
+          </a:fillRef>
+          <a:effectRef idx="0">
+            <a:schemeClr val="accent1"/>
+          </a:effectRef>
+          <a:fontRef idx="minor">
+            <a:schemeClr val="tx1"/>
+          </a:fontRef>
+        </p:style>
+      </p:cxnSp>
+      <p:cxnSp>
+        <p:nvCxnSpPr>
+          <p:cNvPr id="18" name="Straight Connector 17">
+            <a:extLst>
+              <a:ext uri="{FF2B5EF4-FFF2-40B4-BE49-F238E27FC236}">
+                <a16:creationId xmlns:a16="http://schemas.microsoft.com/office/drawing/2014/main" id="{15285C85-23D4-494F-AF12-05B9B0A54EDB}"/>
+              </a:ext>
+            </a:extLst>
+          </p:cNvPr>
+          <p:cNvCxnSpPr>
+            <a:cxnSpLocks/>
+            <a:stCxn id="10" idx="2"/>
+          </p:cNvCxnSpPr>
+          <p:nvPr/>
+        </p:nvCxnSpPr>
+        <p:spPr>
+          <a:xfrm flipH="1">
+            <a:off x="9601201" y="6531452"/>
+            <a:ext cx="1858700" cy="0"/>
+          </a:xfrm>
+          <a:prstGeom prst="line">
+            <a:avLst/>
+          </a:prstGeom>
+          <a:ln w="38100">
+            <a:solidFill>
+              <a:srgbClr val="00A6DA"/>
+            </a:solidFill>
+          </a:ln>
+        </p:spPr>
+        <p:style>
+          <a:lnRef idx="1">
+            <a:schemeClr val="accent1"/>
+          </a:lnRef>
+          <a:fillRef idx="0">
+            <a:schemeClr val="accent1"/>
+          </a:fillRef>
+          <a:effectRef idx="0">
+            <a:schemeClr val="accent1"/>
+          </a:effectRef>
+          <a:fontRef idx="minor">
+            <a:schemeClr val="tx1"/>
+          </a:fontRef>
+        </p:style>
+      </p:cxnSp>
+      <p:grpSp>
+        <p:nvGrpSpPr>
+          <p:cNvPr id="35" name="Group 34">
+            <a:extLst>
+              <a:ext uri="{FF2B5EF4-FFF2-40B4-BE49-F238E27FC236}">
+                <a16:creationId xmlns:a16="http://schemas.microsoft.com/office/drawing/2014/main" id="{DC4B4726-53A6-4948-B0B0-C7CB68ADF979}"/>
+              </a:ext>
+            </a:extLst>
+          </p:cNvPr>
+          <p:cNvGrpSpPr/>
+          <p:nvPr/>
+        </p:nvGrpSpPr>
+        <p:grpSpPr>
+          <a:xfrm>
+            <a:off x="7725366" y="6216317"/>
+            <a:ext cx="1756611" cy="617620"/>
+            <a:chOff x="7844589" y="8855244"/>
+            <a:chExt cx="1756611" cy="617620"/>
+          </a:xfrm>
+        </p:grpSpPr>
+        <p:sp>
+          <p:nvSpPr>
+            <p:cNvPr id="27" name="Rectangle 26">
+              <a:extLst>
+                <a:ext uri="{FF2B5EF4-FFF2-40B4-BE49-F238E27FC236}">
+                  <a16:creationId xmlns:a16="http://schemas.microsoft.com/office/drawing/2014/main" id="{F7375614-AEDD-0046-BC5E-F7E30161B1DA}"/>
+                </a:ext>
+              </a:extLst>
+            </p:cNvPr>
+            <p:cNvSpPr/>
+            <p:nvPr/>
+          </p:nvSpPr>
+          <p:spPr>
+            <a:xfrm>
+              <a:off x="7844589" y="8871285"/>
+              <a:ext cx="1756611" cy="601579"/>
+            </a:xfrm>
+            <a:prstGeom prst="rect">
+              <a:avLst/>
+            </a:prstGeom>
+            <a:noFill/>
+            <a:ln w="38100">
+              <a:solidFill>
+                <a:srgbClr val="00A6DA"/>
+              </a:solidFill>
+            </a:ln>
+          </p:spPr>
+          <p:style>
+            <a:lnRef idx="2">
+              <a:schemeClr val="accent1">
+                <a:shade val="50000"/>
+              </a:schemeClr>
+            </a:lnRef>
+            <a:fillRef idx="1">
+              <a:schemeClr val="accent1"/>
+            </a:fillRef>
+            <a:effectRef idx="0">
+              <a:schemeClr val="accent1"/>
+            </a:effectRef>
+            <a:fontRef idx="minor">
+              <a:schemeClr val="lt1"/>
+            </a:fontRef>
+          </p:style>
+          <p:txBody>
+            <a:bodyPr rtlCol="0" anchor="ctr"/>
+            <a:lstStyle/>
+            <a:p>
+              <a:pPr algn="ctr"/>
+              <a:endParaRPr lang="en-US"/>
+            </a:p>
+          </p:txBody>
+        </p:sp>
+        <p:cxnSp>
+          <p:nvCxnSpPr>
+            <p:cNvPr id="29" name="Straight Connector 28">
+              <a:extLst>
+                <a:ext uri="{FF2B5EF4-FFF2-40B4-BE49-F238E27FC236}">
+                  <a16:creationId xmlns:a16="http://schemas.microsoft.com/office/drawing/2014/main" id="{1652C0D2-FEBE-7542-A36B-A8E6BF1504EA}"/>
+                </a:ext>
+              </a:extLst>
+            </p:cNvPr>
+            <p:cNvCxnSpPr>
+              <a:cxnSpLocks/>
+            </p:cNvCxnSpPr>
+            <p:nvPr/>
+          </p:nvCxnSpPr>
+          <p:spPr>
+            <a:xfrm>
+              <a:off x="9336505" y="8871285"/>
+              <a:ext cx="0" cy="601579"/>
+            </a:xfrm>
+            <a:prstGeom prst="line">
+              <a:avLst/>
+            </a:prstGeom>
+            <a:ln w="38100">
+              <a:solidFill>
+                <a:srgbClr val="00A6DA"/>
+              </a:solidFill>
+            </a:ln>
+          </p:spPr>
+          <p:style>
+            <a:lnRef idx="1">
+              <a:schemeClr val="accent1"/>
+            </a:lnRef>
+            <a:fillRef idx="0">
+              <a:schemeClr val="accent1"/>
+            </a:fillRef>
+            <a:effectRef idx="0">
+              <a:schemeClr val="accent1"/>
+            </a:effectRef>
+            <a:fontRef idx="minor">
+              <a:schemeClr val="tx1"/>
+            </a:fontRef>
+          </p:style>
+        </p:cxnSp>
+        <p:cxnSp>
+          <p:nvCxnSpPr>
+            <p:cNvPr id="30" name="Straight Connector 29">
+              <a:extLst>
+                <a:ext uri="{FF2B5EF4-FFF2-40B4-BE49-F238E27FC236}">
+                  <a16:creationId xmlns:a16="http://schemas.microsoft.com/office/drawing/2014/main" id="{A26DDF50-79AE-A244-95A1-9D55C8C56DFF}"/>
+                </a:ext>
+              </a:extLst>
+            </p:cNvPr>
+            <p:cNvCxnSpPr>
+              <a:cxnSpLocks/>
+            </p:cNvCxnSpPr>
+            <p:nvPr/>
+          </p:nvCxnSpPr>
+          <p:spPr>
+            <a:xfrm>
+              <a:off x="9079834" y="8871285"/>
+              <a:ext cx="0" cy="601579"/>
+            </a:xfrm>
+            <a:prstGeom prst="line">
+              <a:avLst/>
+            </a:prstGeom>
+            <a:ln w="38100">
+              <a:solidFill>
+                <a:srgbClr val="00A6DA"/>
+              </a:solidFill>
+            </a:ln>
+          </p:spPr>
+          <p:style>
+            <a:lnRef idx="1">
+              <a:schemeClr val="accent1"/>
+            </a:lnRef>
+            <a:fillRef idx="0">
+              <a:schemeClr val="accent1"/>
+            </a:fillRef>
+            <a:effectRef idx="0">
+              <a:schemeClr val="accent1"/>
+            </a:effectRef>
+            <a:fontRef idx="minor">
+              <a:schemeClr val="tx1"/>
+            </a:fontRef>
+          </p:style>
+        </p:cxnSp>
+        <p:cxnSp>
+          <p:nvCxnSpPr>
+            <p:cNvPr id="31" name="Straight Connector 30">
+              <a:extLst>
+                <a:ext uri="{FF2B5EF4-FFF2-40B4-BE49-F238E27FC236}">
+                  <a16:creationId xmlns:a16="http://schemas.microsoft.com/office/drawing/2014/main" id="{A8BE8C6C-B07E-CA4F-8336-175E0A522955}"/>
+                </a:ext>
+              </a:extLst>
+            </p:cNvPr>
+            <p:cNvCxnSpPr>
+              <a:cxnSpLocks/>
+            </p:cNvCxnSpPr>
+            <p:nvPr/>
+          </p:nvCxnSpPr>
+          <p:spPr>
+            <a:xfrm>
+              <a:off x="8799099" y="8871285"/>
+              <a:ext cx="0" cy="601579"/>
+            </a:xfrm>
+            <a:prstGeom prst="line">
+              <a:avLst/>
+            </a:prstGeom>
+            <a:ln w="38100">
+              <a:solidFill>
+                <a:srgbClr val="00A6DA"/>
+              </a:solidFill>
+            </a:ln>
+          </p:spPr>
+          <p:style>
+            <a:lnRef idx="1">
+              <a:schemeClr val="accent1"/>
+            </a:lnRef>
+            <a:fillRef idx="0">
+              <a:schemeClr val="accent1"/>
+            </a:fillRef>
+            <a:effectRef idx="0">
+              <a:schemeClr val="accent1"/>
+            </a:effectRef>
+            <a:fontRef idx="minor">
+              <a:schemeClr val="tx1"/>
+            </a:fontRef>
+          </p:style>
+        </p:cxnSp>
+        <p:cxnSp>
+          <p:nvCxnSpPr>
+            <p:cNvPr id="32" name="Straight Connector 31">
+              <a:extLst>
+                <a:ext uri="{FF2B5EF4-FFF2-40B4-BE49-F238E27FC236}">
+                  <a16:creationId xmlns:a16="http://schemas.microsoft.com/office/drawing/2014/main" id="{2E0C82EB-8CE1-934B-9608-DEB4E1F35EBE}"/>
+                </a:ext>
+              </a:extLst>
+            </p:cNvPr>
+            <p:cNvCxnSpPr>
+              <a:cxnSpLocks/>
+            </p:cNvCxnSpPr>
+            <p:nvPr/>
+          </p:nvCxnSpPr>
+          <p:spPr>
+            <a:xfrm>
+              <a:off x="8526383" y="8855244"/>
+              <a:ext cx="0" cy="601579"/>
+            </a:xfrm>
+            <a:prstGeom prst="line">
+              <a:avLst/>
+            </a:prstGeom>
+            <a:ln w="38100">
+              <a:solidFill>
+                <a:srgbClr val="00A6DA"/>
+              </a:solidFill>
+            </a:ln>
+          </p:spPr>
+          <p:style>
+            <a:lnRef idx="1">
+              <a:schemeClr val="accent1"/>
+            </a:lnRef>
+            <a:fillRef idx="0">
+              <a:schemeClr val="accent1"/>
+            </a:fillRef>
+            <a:effectRef idx="0">
+              <a:schemeClr val="accent1"/>
+            </a:effectRef>
+            <a:fontRef idx="minor">
+              <a:schemeClr val="tx1"/>
+            </a:fontRef>
+          </p:style>
+        </p:cxnSp>
+        <p:cxnSp>
+          <p:nvCxnSpPr>
+            <p:cNvPr id="33" name="Straight Connector 32">
+              <a:extLst>
+                <a:ext uri="{FF2B5EF4-FFF2-40B4-BE49-F238E27FC236}">
+                  <a16:creationId xmlns:a16="http://schemas.microsoft.com/office/drawing/2014/main" id="{F5F47094-E15A-C245-955E-179D1868CFF1}"/>
+                </a:ext>
+              </a:extLst>
+            </p:cNvPr>
+            <p:cNvCxnSpPr>
+              <a:cxnSpLocks/>
+            </p:cNvCxnSpPr>
+            <p:nvPr/>
+          </p:nvCxnSpPr>
+          <p:spPr>
+            <a:xfrm>
+              <a:off x="8269712" y="8855244"/>
+              <a:ext cx="0" cy="601579"/>
+            </a:xfrm>
+            <a:prstGeom prst="line">
+              <a:avLst/>
+            </a:prstGeom>
+            <a:ln w="38100">
+              <a:solidFill>
+                <a:srgbClr val="00A6DA"/>
+              </a:solidFill>
+            </a:ln>
+          </p:spPr>
+          <p:style>
+            <a:lnRef idx="1">
+              <a:schemeClr val="accent1"/>
+            </a:lnRef>
+            <a:fillRef idx="0">
+              <a:schemeClr val="accent1"/>
+            </a:fillRef>
+            <a:effectRef idx="0">
+              <a:schemeClr val="accent1"/>
+            </a:effectRef>
+            <a:fontRef idx="minor">
+              <a:schemeClr val="tx1"/>
+            </a:fontRef>
+          </p:style>
+        </p:cxnSp>
+        <p:cxnSp>
+          <p:nvCxnSpPr>
+            <p:cNvPr id="34" name="Straight Connector 33">
+              <a:extLst>
+                <a:ext uri="{FF2B5EF4-FFF2-40B4-BE49-F238E27FC236}">
+                  <a16:creationId xmlns:a16="http://schemas.microsoft.com/office/drawing/2014/main" id="{94FF3E01-4F9E-044E-BDAA-772508C9B79C}"/>
+                </a:ext>
+              </a:extLst>
+            </p:cNvPr>
+            <p:cNvCxnSpPr>
+              <a:cxnSpLocks/>
+            </p:cNvCxnSpPr>
+            <p:nvPr/>
+          </p:nvCxnSpPr>
+          <p:spPr>
+            <a:xfrm>
+              <a:off x="7844599" y="8855244"/>
+              <a:ext cx="0" cy="601579"/>
+            </a:xfrm>
+            <a:prstGeom prst="line">
+              <a:avLst/>
+            </a:prstGeom>
+            <a:ln w="38100">
+              <a:solidFill>
+                <a:srgbClr val="8FD1E9"/>
+              </a:solidFill>
+            </a:ln>
+          </p:spPr>
+          <p:style>
+            <a:lnRef idx="1">
+              <a:schemeClr val="accent1"/>
+            </a:lnRef>
+            <a:fillRef idx="0">
+              <a:schemeClr val="accent1"/>
+            </a:fillRef>
+            <a:effectRef idx="0">
+              <a:schemeClr val="accent1"/>
+            </a:effectRef>
+            <a:fontRef idx="minor">
+              <a:schemeClr val="tx1"/>
+            </a:fontRef>
+          </p:style>
+        </p:cxnSp>
+      </p:grpSp>
+      <p:sp>
+        <p:nvSpPr>
+          <p:cNvPr id="36" name="TextBox 35">
+            <a:extLst>
+              <a:ext uri="{FF2B5EF4-FFF2-40B4-BE49-F238E27FC236}">
+                <a16:creationId xmlns:a16="http://schemas.microsoft.com/office/drawing/2014/main" id="{EC4C2B63-0569-8745-A133-4C0046AC6CF4}"/>
+              </a:ext>
+            </a:extLst>
+          </p:cNvPr>
+          <p:cNvSpPr txBox="1"/>
+          <p:nvPr/>
+        </p:nvSpPr>
+        <p:spPr>
+          <a:xfrm>
+            <a:off x="7990424" y="6809319"/>
+            <a:ext cx="1378904" cy="523220"/>
+          </a:xfrm>
+          <a:prstGeom prst="rect">
+            <a:avLst/>
+          </a:prstGeom>
+          <a:noFill/>
+        </p:spPr>
+        <p:txBody>
+          <a:bodyPr wrap="none" rtlCol="0">
+            <a:spAutoFit/>
+          </a:bodyPr>
+          <a:lstStyle/>
+          <a:p>
+            <a:r>
+              <a:rPr lang="en-US" sz="2800" dirty="0">
+                <a:latin typeface="Calibri" panose="020F0502020204030204" pitchFamily="34" charset="0"/>
+                <a:cs typeface="Calibri" panose="020F0502020204030204" pitchFamily="34" charset="0"/>
+              </a:rPr>
+              <a:t>(Queue)</a:t>
+            </a:r>
+          </a:p>
+        </p:txBody>
+      </p:sp>
+      <p:sp>
+        <p:nvSpPr>
+          <p:cNvPr id="37" name="TextBox 36">
+            <a:extLst>
+              <a:ext uri="{FF2B5EF4-FFF2-40B4-BE49-F238E27FC236}">
+                <a16:creationId xmlns:a16="http://schemas.microsoft.com/office/drawing/2014/main" id="{16A891E5-C1F6-0149-B3D7-51B4DFC4B76C}"/>
+              </a:ext>
+            </a:extLst>
+          </p:cNvPr>
+          <p:cNvSpPr txBox="1"/>
+          <p:nvPr/>
+        </p:nvSpPr>
+        <p:spPr>
+          <a:xfrm>
+            <a:off x="9823477" y="6551647"/>
+            <a:ext cx="1430200" cy="584775"/>
+          </a:xfrm>
+          <a:prstGeom prst="rect">
+            <a:avLst/>
+          </a:prstGeom>
+          <a:noFill/>
+        </p:spPr>
+        <p:txBody>
+          <a:bodyPr wrap="none" rtlCol="0">
+            <a:spAutoFit/>
+          </a:bodyPr>
+          <a:lstStyle/>
+          <a:p>
+            <a:r>
+              <a:rPr lang="en-US" dirty="0">
+                <a:latin typeface="Calibri" panose="020F0502020204030204" pitchFamily="34" charset="0"/>
+                <a:cs typeface="Calibri" panose="020F0502020204030204" pitchFamily="34" charset="0"/>
+              </a:rPr>
+              <a:t>1 Mbps</a:t>
+            </a:r>
+          </a:p>
+        </p:txBody>
+      </p:sp>
+      <p:sp>
+        <p:nvSpPr>
+          <p:cNvPr id="38" name="TextBox 37">
+            <a:extLst>
+              <a:ext uri="{FF2B5EF4-FFF2-40B4-BE49-F238E27FC236}">
+                <a16:creationId xmlns:a16="http://schemas.microsoft.com/office/drawing/2014/main" id="{1DD60951-48F4-6644-B01A-120E263DA380}"/>
+              </a:ext>
+            </a:extLst>
+          </p:cNvPr>
+          <p:cNvSpPr txBox="1"/>
+          <p:nvPr/>
+        </p:nvSpPr>
+        <p:spPr>
+          <a:xfrm>
+            <a:off x="5876941" y="6292909"/>
+            <a:ext cx="1547219" cy="584775"/>
+          </a:xfrm>
+          <a:prstGeom prst="rect">
+            <a:avLst/>
+          </a:prstGeom>
+          <a:noFill/>
+        </p:spPr>
+        <p:txBody>
+          <a:bodyPr wrap="none" rtlCol="0">
+            <a:spAutoFit/>
+          </a:bodyPr>
+          <a:lstStyle/>
+          <a:p>
+            <a:r>
+              <a:rPr lang="en-US" dirty="0">
+                <a:latin typeface="Calibri" panose="020F0502020204030204" pitchFamily="34" charset="0"/>
+                <a:cs typeface="Calibri" panose="020F0502020204030204" pitchFamily="34" charset="0"/>
+              </a:rPr>
+              <a:t>10 Gbps</a:t>
+            </a:r>
+          </a:p>
+        </p:txBody>
+      </p:sp>
+      <p:cxnSp>
+        <p:nvCxnSpPr>
+          <p:cNvPr id="50" name="Straight Arrow Connector 49">
+            <a:extLst>
+              <a:ext uri="{FF2B5EF4-FFF2-40B4-BE49-F238E27FC236}">
+                <a16:creationId xmlns:a16="http://schemas.microsoft.com/office/drawing/2014/main" id="{7D2B2926-6C39-4B4E-BED1-5488E92AE48E}"/>
+              </a:ext>
+            </a:extLst>
+          </p:cNvPr>
+          <p:cNvCxnSpPr>
+            <a:cxnSpLocks/>
+            <a:stCxn id="38" idx="0"/>
+          </p:cNvCxnSpPr>
+          <p:nvPr/>
+        </p:nvCxnSpPr>
+        <p:spPr>
+          <a:xfrm flipV="1">
+            <a:off x="6650551" y="5862179"/>
+            <a:ext cx="373524" cy="430730"/>
+          </a:xfrm>
+          <a:prstGeom prst="straightConnector1">
+            <a:avLst/>
+          </a:prstGeom>
+          <a:ln w="28575">
+            <a:solidFill>
+              <a:schemeClr val="tx1"/>
+            </a:solidFill>
+            <a:prstDash val="sysDot"/>
+            <a:tailEnd type="triangle"/>
+          </a:ln>
+        </p:spPr>
+        <p:style>
+          <a:lnRef idx="1">
+            <a:schemeClr val="accent1"/>
+          </a:lnRef>
+          <a:fillRef idx="0">
+            <a:schemeClr val="accent1"/>
+          </a:fillRef>
+          <a:effectRef idx="0">
+            <a:schemeClr val="accent1"/>
+          </a:effectRef>
+          <a:fontRef idx="minor">
+            <a:schemeClr val="tx1"/>
+          </a:fontRef>
+        </p:style>
+      </p:cxnSp>
+      <p:cxnSp>
+        <p:nvCxnSpPr>
+          <p:cNvPr id="51" name="Straight Arrow Connector 50">
+            <a:extLst>
+              <a:ext uri="{FF2B5EF4-FFF2-40B4-BE49-F238E27FC236}">
+                <a16:creationId xmlns:a16="http://schemas.microsoft.com/office/drawing/2014/main" id="{CA3D0521-C1B1-2A4B-A89A-18A4C2EF5B03}"/>
+              </a:ext>
+            </a:extLst>
+          </p:cNvPr>
+          <p:cNvCxnSpPr>
+            <a:cxnSpLocks/>
+            <a:stCxn id="38" idx="2"/>
+          </p:cNvCxnSpPr>
+          <p:nvPr/>
+        </p:nvCxnSpPr>
+        <p:spPr>
+          <a:xfrm>
+            <a:off x="6650551" y="6877684"/>
+            <a:ext cx="373524" cy="394773"/>
+          </a:xfrm>
+          <a:prstGeom prst="straightConnector1">
+            <a:avLst/>
+          </a:prstGeom>
+          <a:ln w="28575">
+            <a:solidFill>
+              <a:schemeClr val="tx1"/>
+            </a:solidFill>
+            <a:prstDash val="sysDot"/>
+            <a:tailEnd type="triangle"/>
+          </a:ln>
+        </p:spPr>
+        <p:style>
+          <a:lnRef idx="1">
+            <a:schemeClr val="accent1"/>
+          </a:lnRef>
+          <a:fillRef idx="0">
+            <a:schemeClr val="accent1"/>
+          </a:fillRef>
+          <a:effectRef idx="0">
+            <a:schemeClr val="accent1"/>
+          </a:effectRef>
+          <a:fontRef idx="minor">
+            <a:schemeClr val="tx1"/>
+          </a:fontRef>
+        </p:style>
+      </p:cxnSp>
+    </p:spTree>
+    <p:extLst>
+      <p:ext uri="{BB962C8B-B14F-4D97-AF65-F5344CB8AC3E}">
+        <p14:creationId xmlns:p14="http://schemas.microsoft.com/office/powerpoint/2010/main" val="2783086765"/>
+      </p:ext>
+    </p:extLst>
+  </p:cSld>
+  <p:clrMapOvr>
+    <a:masterClrMapping/>
+  </p:clrMapOvr>
+</p:sld>
+</file>
+
+<file path=ppt/slides/slide9.xml><?xml version="1.0" encoding="utf-8"?>
+<p:sld xmlns:a="http://schemas.openxmlformats.org/drawingml/2006/main" xmlns:r="http://schemas.openxmlformats.org/officeDocument/2006/relationships" xmlns:p="http://schemas.openxmlformats.org/presentationml/2006/main">
+  <p:cSld>
+    <p:spTree>
+      <p:nvGrpSpPr>
+        <p:cNvPr id="1" name=""/>
+        <p:cNvGrpSpPr/>
+        <p:nvPr/>
+      </p:nvGrpSpPr>
+      <p:grpSpPr>
+        <a:xfrm>
+          <a:off x="0" y="0"/>
+          <a:ext cx="0" cy="0"/>
+          <a:chOff x="0" y="0"/>
+          <a:chExt cx="0" cy="0"/>
+        </a:xfrm>
+      </p:grpSpPr>
+      <p:sp>
+        <p:nvSpPr>
+          <p:cNvPr id="8" name="Oval 7">
+            <a:extLst>
+              <a:ext uri="{FF2B5EF4-FFF2-40B4-BE49-F238E27FC236}">
+                <a16:creationId xmlns:a16="http://schemas.microsoft.com/office/drawing/2014/main" id="{9544CBFC-3380-AD4E-8F7C-0F983B1B3768}"/>
+              </a:ext>
+            </a:extLst>
+          </p:cNvPr>
+          <p:cNvSpPr/>
+          <p:nvPr/>
+        </p:nvSpPr>
+        <p:spPr>
+          <a:xfrm>
+            <a:off x="3313832" y="6328828"/>
+            <a:ext cx="2385900" cy="1995053"/>
+          </a:xfrm>
+          <a:prstGeom prst="ellipse">
+            <a:avLst/>
+          </a:prstGeom>
+          <a:solidFill>
+            <a:schemeClr val="bg1"/>
+          </a:solidFill>
+          <a:ln w="28575">
+            <a:solidFill>
+              <a:schemeClr val="tx1"/>
+            </a:solidFill>
+          </a:ln>
+          <a:effectLst>
+            <a:outerShdw blurRad="50800" dist="38100" dir="2700000" algn="tl" rotWithShape="0">
+              <a:prstClr val="black">
+                <a:alpha val="40000"/>
+              </a:prstClr>
+            </a:outerShdw>
+          </a:effectLst>
+        </p:spPr>
+        <p:style>
+          <a:lnRef idx="1">
+            <a:schemeClr val="accent3"/>
+          </a:lnRef>
+          <a:fillRef idx="2">
+            <a:schemeClr val="accent3"/>
+          </a:fillRef>
+          <a:effectRef idx="1">
+            <a:schemeClr val="accent3"/>
+          </a:effectRef>
+          <a:fontRef idx="minor">
+            <a:schemeClr val="dk1"/>
+          </a:fontRef>
+        </p:style>
+        <p:txBody>
+          <a:bodyPr rtlCol="0" anchor="ctr"/>
+          <a:lstStyle/>
+          <a:p>
+            <a:pPr algn="ctr"/>
+            <a:r>
+              <a:rPr lang="en-US" dirty="0"/>
+              <a:t>Source 2</a:t>
+            </a:r>
+          </a:p>
+        </p:txBody>
+      </p:sp>
+      <p:sp>
+        <p:nvSpPr>
+          <p:cNvPr id="9" name="Oval 8">
+            <a:extLst>
+              <a:ext uri="{FF2B5EF4-FFF2-40B4-BE49-F238E27FC236}">
+                <a16:creationId xmlns:a16="http://schemas.microsoft.com/office/drawing/2014/main" id="{698BF1FF-F032-0946-8E31-2FDE2321CEC7}"/>
+              </a:ext>
+            </a:extLst>
+          </p:cNvPr>
+          <p:cNvSpPr/>
+          <p:nvPr/>
+        </p:nvSpPr>
+        <p:spPr>
+          <a:xfrm>
+            <a:off x="3259407" y="3399555"/>
+            <a:ext cx="2385899" cy="1995053"/>
+          </a:xfrm>
+          <a:prstGeom prst="ellipse">
+            <a:avLst/>
+          </a:prstGeom>
+          <a:solidFill>
+            <a:schemeClr val="bg1"/>
+          </a:solidFill>
+          <a:ln w="28575">
+            <a:solidFill>
+              <a:schemeClr val="tx1"/>
+            </a:solidFill>
+          </a:ln>
+          <a:effectLst>
+            <a:outerShdw blurRad="50800" dist="38100" dir="2700000" algn="tl" rotWithShape="0">
+              <a:prstClr val="black">
+                <a:alpha val="40000"/>
+              </a:prstClr>
+            </a:outerShdw>
+          </a:effectLst>
+        </p:spPr>
+        <p:style>
+          <a:lnRef idx="1">
+            <a:schemeClr val="accent3"/>
+          </a:lnRef>
+          <a:fillRef idx="2">
+            <a:schemeClr val="accent3"/>
+          </a:fillRef>
+          <a:effectRef idx="1">
+            <a:schemeClr val="accent3"/>
+          </a:effectRef>
+          <a:fontRef idx="minor">
+            <a:schemeClr val="dk1"/>
+          </a:fontRef>
+        </p:style>
+        <p:txBody>
+          <a:bodyPr rtlCol="0" anchor="ctr"/>
+          <a:lstStyle/>
+          <a:p>
+            <a:pPr algn="ctr"/>
+            <a:r>
+              <a:rPr lang="en-US" dirty="0"/>
+              <a:t>Source 1</a:t>
+            </a:r>
+          </a:p>
+        </p:txBody>
+      </p:sp>
+      <p:sp>
+        <p:nvSpPr>
+          <p:cNvPr id="10" name="Oval 9">
+            <a:extLst>
+              <a:ext uri="{FF2B5EF4-FFF2-40B4-BE49-F238E27FC236}">
+                <a16:creationId xmlns:a16="http://schemas.microsoft.com/office/drawing/2014/main" id="{024CBECC-8D7A-E348-832F-D55403849553}"/>
+              </a:ext>
+            </a:extLst>
+          </p:cNvPr>
+          <p:cNvSpPr/>
+          <p:nvPr/>
+        </p:nvSpPr>
+        <p:spPr>
+          <a:xfrm>
+            <a:off x="14954252" y="4409975"/>
+            <a:ext cx="2280162" cy="1995053"/>
+          </a:xfrm>
+          <a:prstGeom prst="ellipse">
+            <a:avLst/>
+          </a:prstGeom>
+          <a:solidFill>
+            <a:schemeClr val="bg1"/>
+          </a:solidFill>
+          <a:ln w="28575">
+            <a:solidFill>
+              <a:schemeClr val="tx1"/>
+            </a:solidFill>
+          </a:ln>
+          <a:effectLst>
+            <a:outerShdw blurRad="50800" dist="38100" dir="2700000" algn="tl" rotWithShape="0">
+              <a:prstClr val="black">
+                <a:alpha val="40000"/>
+              </a:prstClr>
+            </a:outerShdw>
+          </a:effectLst>
+        </p:spPr>
+        <p:style>
+          <a:lnRef idx="1">
+            <a:schemeClr val="accent3"/>
+          </a:lnRef>
+          <a:fillRef idx="2">
+            <a:schemeClr val="accent3"/>
+          </a:fillRef>
+          <a:effectRef idx="1">
+            <a:schemeClr val="accent3"/>
+          </a:effectRef>
+          <a:fontRef idx="minor">
+            <a:schemeClr val="dk1"/>
+          </a:fontRef>
+        </p:style>
+        <p:txBody>
+          <a:bodyPr rtlCol="0" anchor="ctr"/>
+          <a:lstStyle/>
+          <a:p>
+            <a:pPr algn="ctr"/>
+            <a:r>
+              <a:rPr lang="en-US" dirty="0"/>
+              <a:t>Receiver 1</a:t>
+            </a:r>
+          </a:p>
+        </p:txBody>
+      </p:sp>
+      <p:sp>
+        <p:nvSpPr>
+          <p:cNvPr id="22" name="Oval 21">
+            <a:extLst>
+              <a:ext uri="{FF2B5EF4-FFF2-40B4-BE49-F238E27FC236}">
+                <a16:creationId xmlns:a16="http://schemas.microsoft.com/office/drawing/2014/main" id="{DE284959-BD22-3848-B8F2-EB4372DCFDF7}"/>
+              </a:ext>
+            </a:extLst>
+          </p:cNvPr>
+          <p:cNvSpPr/>
+          <p:nvPr/>
+        </p:nvSpPr>
+        <p:spPr>
+          <a:xfrm>
+            <a:off x="15011402" y="8412974"/>
+            <a:ext cx="2280162" cy="1995053"/>
+          </a:xfrm>
+          <a:prstGeom prst="ellipse">
+            <a:avLst/>
+          </a:prstGeom>
+          <a:solidFill>
+            <a:schemeClr val="bg1"/>
+          </a:solidFill>
+          <a:ln w="28575">
+            <a:solidFill>
+              <a:schemeClr val="tx1"/>
+            </a:solidFill>
+          </a:ln>
+          <a:effectLst>
+            <a:outerShdw blurRad="50800" dist="38100" dir="2700000" algn="tl" rotWithShape="0">
+              <a:prstClr val="black">
+                <a:alpha val="40000"/>
+              </a:prstClr>
+            </a:outerShdw>
+          </a:effectLst>
+        </p:spPr>
+        <p:style>
+          <a:lnRef idx="1">
+            <a:schemeClr val="accent3"/>
+          </a:lnRef>
+          <a:fillRef idx="2">
+            <a:schemeClr val="accent3"/>
+          </a:fillRef>
+          <a:effectRef idx="1">
+            <a:schemeClr val="accent3"/>
+          </a:effectRef>
+          <a:fontRef idx="minor">
+            <a:schemeClr val="dk1"/>
+          </a:fontRef>
+        </p:style>
+        <p:txBody>
+          <a:bodyPr rtlCol="0" anchor="ctr"/>
+          <a:lstStyle/>
+          <a:p>
+            <a:pPr algn="ctr"/>
+            <a:r>
+              <a:rPr lang="en-US" dirty="0"/>
+              <a:t>Receiver 2</a:t>
+            </a:r>
+          </a:p>
+        </p:txBody>
+      </p:sp>
+      <p:sp>
+        <p:nvSpPr>
+          <p:cNvPr id="23" name="Oval 22">
+            <a:extLst>
+              <a:ext uri="{FF2B5EF4-FFF2-40B4-BE49-F238E27FC236}">
+                <a16:creationId xmlns:a16="http://schemas.microsoft.com/office/drawing/2014/main" id="{4802FEEC-83FE-2045-ADE0-7EAD48B15961}"/>
+              </a:ext>
+            </a:extLst>
+          </p:cNvPr>
+          <p:cNvSpPr/>
+          <p:nvPr/>
+        </p:nvSpPr>
+        <p:spPr>
+          <a:xfrm>
+            <a:off x="3348149" y="9410501"/>
+            <a:ext cx="2385900" cy="1995053"/>
+          </a:xfrm>
+          <a:prstGeom prst="ellipse">
+            <a:avLst/>
+          </a:prstGeom>
+          <a:solidFill>
+            <a:schemeClr val="bg1"/>
+          </a:solidFill>
+          <a:ln w="28575">
+            <a:solidFill>
+              <a:schemeClr val="tx1"/>
+            </a:solidFill>
+          </a:ln>
+          <a:effectLst>
+            <a:outerShdw blurRad="50800" dist="38100" dir="2700000" algn="tl" rotWithShape="0">
+              <a:prstClr val="black">
+                <a:alpha val="40000"/>
+              </a:prstClr>
+            </a:outerShdw>
+          </a:effectLst>
+        </p:spPr>
+        <p:style>
+          <a:lnRef idx="1">
+            <a:schemeClr val="accent3"/>
+          </a:lnRef>
+          <a:fillRef idx="2">
+            <a:schemeClr val="accent3"/>
+          </a:fillRef>
+          <a:effectRef idx="1">
+            <a:schemeClr val="accent3"/>
+          </a:effectRef>
+          <a:fontRef idx="minor">
+            <a:schemeClr val="dk1"/>
+          </a:fontRef>
+        </p:style>
+        <p:txBody>
+          <a:bodyPr rtlCol="0" anchor="ctr"/>
+          <a:lstStyle/>
+          <a:p>
+            <a:pPr algn="ctr"/>
+            <a:r>
+              <a:rPr lang="en-US" dirty="0"/>
+              <a:t>Source 3</a:t>
+            </a:r>
+          </a:p>
+        </p:txBody>
+      </p:sp>
+      <p:cxnSp>
+        <p:nvCxnSpPr>
+          <p:cNvPr id="3" name="Curved Connector 2">
+            <a:extLst>
+              <a:ext uri="{FF2B5EF4-FFF2-40B4-BE49-F238E27FC236}">
+                <a16:creationId xmlns:a16="http://schemas.microsoft.com/office/drawing/2014/main" id="{4CF174D0-F41D-2A49-BE59-174B406D78B8}"/>
+              </a:ext>
+            </a:extLst>
+          </p:cNvPr>
+          <p:cNvCxnSpPr>
+            <a:stCxn id="23" idx="6"/>
+            <a:endCxn id="24" idx="1"/>
+          </p:cNvCxnSpPr>
+          <p:nvPr/>
+        </p:nvCxnSpPr>
+        <p:spPr>
+          <a:xfrm flipV="1">
+            <a:off x="5734049" y="8806324"/>
+            <a:ext cx="2133601" cy="1601704"/>
+          </a:xfrm>
+          <a:prstGeom prst="curvedConnector3">
+            <a:avLst/>
+          </a:prstGeom>
+          <a:ln w="38100">
+            <a:solidFill>
+              <a:srgbClr val="00A6DA"/>
+            </a:solidFill>
+            <a:headEnd type="none" w="med" len="med"/>
+            <a:tailEnd type="none" w="med" len="med"/>
+          </a:ln>
+        </p:spPr>
+        <p:style>
+          <a:lnRef idx="1">
+            <a:schemeClr val="accent1"/>
+          </a:lnRef>
+          <a:fillRef idx="0">
+            <a:schemeClr val="accent1"/>
+          </a:fillRef>
+          <a:effectRef idx="0">
+            <a:schemeClr val="accent1"/>
+          </a:effectRef>
+          <a:fontRef idx="minor">
+            <a:schemeClr val="tx1"/>
+          </a:fontRef>
+        </p:style>
+      </p:cxnSp>
+      <p:cxnSp>
+        <p:nvCxnSpPr>
+          <p:cNvPr id="28" name="Curved Connector 27">
+            <a:extLst>
+              <a:ext uri="{FF2B5EF4-FFF2-40B4-BE49-F238E27FC236}">
+                <a16:creationId xmlns:a16="http://schemas.microsoft.com/office/drawing/2014/main" id="{BCF4FCE2-424C-744D-8AA7-33FF0D1E21B4}"/>
+              </a:ext>
+            </a:extLst>
+          </p:cNvPr>
+          <p:cNvCxnSpPr>
+            <a:cxnSpLocks/>
+          </p:cNvCxnSpPr>
+          <p:nvPr/>
+        </p:nvCxnSpPr>
+        <p:spPr>
+          <a:xfrm flipV="1">
+            <a:off x="9372599" y="7714398"/>
+            <a:ext cx="2066926" cy="1091926"/>
+          </a:xfrm>
+          <a:prstGeom prst="curvedConnector3">
+            <a:avLst/>
+          </a:prstGeom>
+          <a:ln w="38100">
+            <a:solidFill>
+              <a:srgbClr val="00A6DA"/>
+            </a:solidFill>
+            <a:headEnd type="none" w="med" len="med"/>
+            <a:tailEnd type="none" w="med" len="med"/>
+          </a:ln>
+        </p:spPr>
+        <p:style>
+          <a:lnRef idx="1">
+            <a:schemeClr val="accent1"/>
+          </a:lnRef>
+          <a:fillRef idx="0">
+            <a:schemeClr val="accent1"/>
+          </a:fillRef>
+          <a:effectRef idx="0">
+            <a:schemeClr val="accent1"/>
+          </a:effectRef>
+          <a:fontRef idx="minor">
+            <a:schemeClr val="tx1"/>
+          </a:fontRef>
+        </p:style>
+      </p:cxnSp>
+      <p:cxnSp>
+        <p:nvCxnSpPr>
+          <p:cNvPr id="39" name="Curved Connector 38">
+            <a:extLst>
+              <a:ext uri="{FF2B5EF4-FFF2-40B4-BE49-F238E27FC236}">
+                <a16:creationId xmlns:a16="http://schemas.microsoft.com/office/drawing/2014/main" id="{69C2BCDA-3D64-6A4A-A3B6-212B5B106B05}"/>
+              </a:ext>
+            </a:extLst>
+          </p:cNvPr>
+          <p:cNvCxnSpPr>
+            <a:cxnSpLocks/>
+            <a:endCxn id="22" idx="2"/>
+          </p:cNvCxnSpPr>
+          <p:nvPr/>
+        </p:nvCxnSpPr>
+        <p:spPr>
+          <a:xfrm>
+            <a:off x="12944475" y="7647605"/>
+            <a:ext cx="2066927" cy="1762896"/>
+          </a:xfrm>
+          <a:prstGeom prst="curvedConnector3">
+            <a:avLst/>
+          </a:prstGeom>
+          <a:ln w="38100">
+            <a:solidFill>
+              <a:srgbClr val="00A6DA"/>
+            </a:solidFill>
+            <a:tailEnd type="triangle"/>
+          </a:ln>
+        </p:spPr>
+        <p:style>
+          <a:lnRef idx="1">
+            <a:schemeClr val="accent1"/>
+          </a:lnRef>
+          <a:fillRef idx="0">
+            <a:schemeClr val="accent1"/>
+          </a:fillRef>
+          <a:effectRef idx="0">
+            <a:schemeClr val="accent1"/>
+          </a:effectRef>
+          <a:fontRef idx="minor">
+            <a:schemeClr val="tx1"/>
+          </a:fontRef>
+        </p:style>
+      </p:cxnSp>
+      <p:cxnSp>
+        <p:nvCxnSpPr>
+          <p:cNvPr id="40" name="Curved Connector 39">
+            <a:extLst>
+              <a:ext uri="{FF2B5EF4-FFF2-40B4-BE49-F238E27FC236}">
+                <a16:creationId xmlns:a16="http://schemas.microsoft.com/office/drawing/2014/main" id="{768D0287-E810-8644-97A9-105934CF778C}"/>
+              </a:ext>
+            </a:extLst>
+          </p:cNvPr>
+          <p:cNvCxnSpPr>
+            <a:cxnSpLocks/>
+            <a:stCxn id="8" idx="6"/>
+            <a:endCxn id="12" idx="1"/>
+          </p:cNvCxnSpPr>
+          <p:nvPr/>
+        </p:nvCxnSpPr>
+        <p:spPr>
+          <a:xfrm flipV="1">
+            <a:off x="5699732" y="5662151"/>
+            <a:ext cx="2034569" cy="1664204"/>
+          </a:xfrm>
+          <a:prstGeom prst="curvedConnector3">
+            <a:avLst/>
+          </a:prstGeom>
+          <a:ln w="38100">
+            <a:solidFill>
+              <a:srgbClr val="00A6DA"/>
+            </a:solidFill>
+            <a:headEnd type="none" w="med" len="med"/>
+            <a:tailEnd type="none" w="med" len="med"/>
+          </a:ln>
+        </p:spPr>
+        <p:style>
+          <a:lnRef idx="1">
+            <a:schemeClr val="accent1"/>
+          </a:lnRef>
+          <a:fillRef idx="0">
+            <a:schemeClr val="accent1"/>
+          </a:fillRef>
+          <a:effectRef idx="0">
+            <a:schemeClr val="accent1"/>
+          </a:effectRef>
+          <a:fontRef idx="minor">
+            <a:schemeClr val="tx1"/>
+          </a:fontRef>
+        </p:style>
+      </p:cxnSp>
+      <p:cxnSp>
+        <p:nvCxnSpPr>
+          <p:cNvPr id="41" name="Curved Connector 40">
+            <a:extLst>
+              <a:ext uri="{FF2B5EF4-FFF2-40B4-BE49-F238E27FC236}">
+                <a16:creationId xmlns:a16="http://schemas.microsoft.com/office/drawing/2014/main" id="{1BFB8469-E6BC-964E-AD46-B4CD15C766D1}"/>
+              </a:ext>
+            </a:extLst>
+          </p:cNvPr>
+          <p:cNvCxnSpPr>
+            <a:cxnSpLocks/>
+          </p:cNvCxnSpPr>
+          <p:nvPr/>
+        </p:nvCxnSpPr>
+        <p:spPr>
+          <a:xfrm flipV="1">
+            <a:off x="12929207" y="5662151"/>
+            <a:ext cx="2082193" cy="1498779"/>
+          </a:xfrm>
+          <a:prstGeom prst="curvedConnector3">
+            <a:avLst>
+              <a:gd name="adj1" fmla="val 54575"/>
+            </a:avLst>
+          </a:prstGeom>
+          <a:ln w="38100">
+            <a:solidFill>
+              <a:srgbClr val="00A6DA"/>
+            </a:solidFill>
+            <a:tailEnd type="triangle"/>
+          </a:ln>
+        </p:spPr>
+        <p:style>
+          <a:lnRef idx="1">
+            <a:schemeClr val="accent1"/>
+          </a:lnRef>
+          <a:fillRef idx="0">
+            <a:schemeClr val="accent1"/>
+          </a:fillRef>
+          <a:effectRef idx="0">
+            <a:schemeClr val="accent1"/>
+          </a:effectRef>
+          <a:fontRef idx="minor">
+            <a:schemeClr val="tx1"/>
+          </a:fontRef>
+        </p:style>
+      </p:cxnSp>
+      <p:cxnSp>
+        <p:nvCxnSpPr>
+          <p:cNvPr id="42" name="Curved Connector 41">
+            <a:extLst>
+              <a:ext uri="{FF2B5EF4-FFF2-40B4-BE49-F238E27FC236}">
+                <a16:creationId xmlns:a16="http://schemas.microsoft.com/office/drawing/2014/main" id="{3CCAA118-7AB6-7643-A8DD-16A12B8DC227}"/>
+              </a:ext>
+            </a:extLst>
+          </p:cNvPr>
+          <p:cNvCxnSpPr>
+            <a:cxnSpLocks/>
+          </p:cNvCxnSpPr>
+          <p:nvPr/>
+        </p:nvCxnSpPr>
+        <p:spPr>
+          <a:xfrm>
+            <a:off x="9206893" y="5666452"/>
+            <a:ext cx="2247901" cy="1475669"/>
+          </a:xfrm>
+          <a:prstGeom prst="curvedConnector3">
+            <a:avLst/>
+          </a:prstGeom>
+          <a:ln w="38100">
+            <a:solidFill>
+              <a:srgbClr val="00A6DA"/>
+            </a:solidFill>
+            <a:headEnd type="none" w="med" len="med"/>
+            <a:tailEnd type="none" w="med" len="med"/>
+          </a:ln>
+        </p:spPr>
+        <p:style>
+          <a:lnRef idx="1">
+            <a:schemeClr val="accent1"/>
+          </a:lnRef>
+          <a:fillRef idx="0">
+            <a:schemeClr val="accent1"/>
+          </a:fillRef>
+          <a:effectRef idx="0">
+            <a:schemeClr val="accent1"/>
+          </a:effectRef>
+          <a:fontRef idx="minor">
+            <a:schemeClr val="tx1"/>
+          </a:fontRef>
+        </p:style>
+      </p:cxnSp>
+      <p:cxnSp>
+        <p:nvCxnSpPr>
+          <p:cNvPr id="43" name="Curved Connector 42">
+            <a:extLst>
+              <a:ext uri="{FF2B5EF4-FFF2-40B4-BE49-F238E27FC236}">
+                <a16:creationId xmlns:a16="http://schemas.microsoft.com/office/drawing/2014/main" id="{F042B35C-C8FA-5740-B411-7047AB32706E}"/>
+              </a:ext>
+            </a:extLst>
+          </p:cNvPr>
+          <p:cNvCxnSpPr>
+            <a:cxnSpLocks/>
+            <a:stCxn id="9" idx="6"/>
+          </p:cNvCxnSpPr>
+          <p:nvPr/>
+        </p:nvCxnSpPr>
+        <p:spPr>
+          <a:xfrm>
+            <a:off x="5645306" y="4397082"/>
+            <a:ext cx="2087174" cy="934220"/>
+          </a:xfrm>
+          <a:prstGeom prst="curvedConnector3">
+            <a:avLst/>
+          </a:prstGeom>
+          <a:ln w="38100">
+            <a:solidFill>
+              <a:srgbClr val="00A6DA"/>
+            </a:solidFill>
+            <a:headEnd type="none" w="med" len="med"/>
+            <a:tailEnd type="none" w="med" len="med"/>
+          </a:ln>
+        </p:spPr>
+        <p:style>
+          <a:lnRef idx="1">
+            <a:schemeClr val="accent1"/>
+          </a:lnRef>
+          <a:fillRef idx="0">
+            <a:schemeClr val="accent1"/>
+          </a:fillRef>
+          <a:effectRef idx="0">
+            <a:schemeClr val="accent1"/>
+          </a:effectRef>
+          <a:fontRef idx="minor">
+            <a:schemeClr val="tx1"/>
+          </a:fontRef>
+        </p:style>
+      </p:cxnSp>
+      <p:cxnSp>
+        <p:nvCxnSpPr>
+          <p:cNvPr id="44" name="Curved Connector 43">
+            <a:extLst>
+              <a:ext uri="{FF2B5EF4-FFF2-40B4-BE49-F238E27FC236}">
+                <a16:creationId xmlns:a16="http://schemas.microsoft.com/office/drawing/2014/main" id="{0B14C8FE-D78F-FC4C-905F-3A0C2616E00B}"/>
+              </a:ext>
+            </a:extLst>
+          </p:cNvPr>
+          <p:cNvCxnSpPr>
+            <a:cxnSpLocks/>
+          </p:cNvCxnSpPr>
+          <p:nvPr/>
+        </p:nvCxnSpPr>
+        <p:spPr>
+          <a:xfrm>
+            <a:off x="9206893" y="5331302"/>
+            <a:ext cx="2247901" cy="1475669"/>
+          </a:xfrm>
+          <a:prstGeom prst="curvedConnector3">
+            <a:avLst>
+              <a:gd name="adj1" fmla="val 63559"/>
+            </a:avLst>
+          </a:prstGeom>
+          <a:ln w="38100">
+            <a:solidFill>
+              <a:srgbClr val="00A6DA"/>
+            </a:solidFill>
+            <a:headEnd type="none" w="med" len="med"/>
+            <a:tailEnd type="none" w="med" len="med"/>
+          </a:ln>
+        </p:spPr>
+        <p:style>
+          <a:lnRef idx="1">
+            <a:schemeClr val="accent1"/>
+          </a:lnRef>
+          <a:fillRef idx="0">
+            <a:schemeClr val="accent1"/>
+          </a:fillRef>
+          <a:effectRef idx="0">
+            <a:schemeClr val="accent1"/>
+          </a:effectRef>
+          <a:fontRef idx="minor">
+            <a:schemeClr val="tx1"/>
+          </a:fontRef>
+        </p:style>
+      </p:cxnSp>
+      <p:cxnSp>
+        <p:nvCxnSpPr>
+          <p:cNvPr id="45" name="Curved Connector 44">
+            <a:extLst>
+              <a:ext uri="{FF2B5EF4-FFF2-40B4-BE49-F238E27FC236}">
+                <a16:creationId xmlns:a16="http://schemas.microsoft.com/office/drawing/2014/main" id="{2CEA3AE1-2AFE-1745-AF9B-15C09C316ABC}"/>
+              </a:ext>
+            </a:extLst>
+          </p:cNvPr>
+          <p:cNvCxnSpPr>
+            <a:cxnSpLocks/>
+          </p:cNvCxnSpPr>
+          <p:nvPr/>
+        </p:nvCxnSpPr>
+        <p:spPr>
+          <a:xfrm flipV="1">
+            <a:off x="12913029" y="5120489"/>
+            <a:ext cx="2098371" cy="1686482"/>
+          </a:xfrm>
+          <a:prstGeom prst="curvedConnector3">
+            <a:avLst>
+              <a:gd name="adj1" fmla="val 40922"/>
+            </a:avLst>
+          </a:prstGeom>
+          <a:ln w="38100">
+            <a:solidFill>
+              <a:srgbClr val="00A6DA"/>
+            </a:solidFill>
+            <a:tailEnd type="triangle"/>
+          </a:ln>
+        </p:spPr>
+        <p:style>
+          <a:lnRef idx="1">
+            <a:schemeClr val="accent1"/>
+          </a:lnRef>
+          <a:fillRef idx="0">
+            <a:schemeClr val="accent1"/>
+          </a:fillRef>
+          <a:effectRef idx="0">
+            <a:schemeClr val="accent1"/>
+          </a:effectRef>
+          <a:fontRef idx="minor">
+            <a:schemeClr val="tx1"/>
+          </a:fontRef>
+        </p:style>
+      </p:cxnSp>
+      <p:sp>
+        <p:nvSpPr>
+          <p:cNvPr id="25" name="Rectangle 24">
+            <a:extLst>
+              <a:ext uri="{FF2B5EF4-FFF2-40B4-BE49-F238E27FC236}">
+                <a16:creationId xmlns:a16="http://schemas.microsoft.com/office/drawing/2014/main" id="{1EC39184-8A72-8A4A-A328-99D40270DAA8}"/>
+              </a:ext>
+            </a:extLst>
+          </p:cNvPr>
+          <p:cNvSpPr/>
+          <p:nvPr/>
+        </p:nvSpPr>
+        <p:spPr>
+          <a:xfrm>
+            <a:off x="11439525" y="6573879"/>
+            <a:ext cx="1504950" cy="1504950"/>
+          </a:xfrm>
+          <a:prstGeom prst="rect">
+            <a:avLst/>
+          </a:prstGeom>
+          <a:solidFill>
+            <a:srgbClr val="8FD1E9"/>
+          </a:solidFill>
+          <a:ln w="28575">
+            <a:solidFill>
+              <a:srgbClr val="00A6DA"/>
+            </a:solidFill>
+          </a:ln>
+          <a:effectLst>
+            <a:outerShdw blurRad="50800" dist="38100" dir="2700000" algn="tl" rotWithShape="0">
+              <a:prstClr val="black">
+                <a:alpha val="40000"/>
+              </a:prstClr>
+            </a:outerShdw>
+          </a:effectLst>
+        </p:spPr>
+        <p:style>
+          <a:lnRef idx="2">
+            <a:schemeClr val="accent1">
+              <a:shade val="50000"/>
+            </a:schemeClr>
+          </a:lnRef>
+          <a:fillRef idx="1">
+            <a:schemeClr val="accent1"/>
+          </a:fillRef>
+          <a:effectRef idx="0">
+            <a:schemeClr val="accent1"/>
+          </a:effectRef>
+          <a:fontRef idx="minor">
+            <a:schemeClr val="lt1"/>
+          </a:fontRef>
+        </p:style>
+        <p:txBody>
+          <a:bodyPr rtlCol="0" anchor="ctr"/>
+          <a:lstStyle/>
+          <a:p>
+            <a:pPr algn="ctr"/>
+            <a:r>
+              <a:rPr lang="en-US" dirty="0">
+                <a:solidFill>
+                  <a:schemeClr val="tx1"/>
+                </a:solidFill>
+              </a:rPr>
+              <a:t>Router</a:t>
+            </a:r>
+          </a:p>
+        </p:txBody>
+      </p:sp>
+      <p:sp>
+        <p:nvSpPr>
+          <p:cNvPr id="12" name="Rectangle 11">
+            <a:extLst>
+              <a:ext uri="{FF2B5EF4-FFF2-40B4-BE49-F238E27FC236}">
+                <a16:creationId xmlns:a16="http://schemas.microsoft.com/office/drawing/2014/main" id="{4B1C3DA1-CED3-524D-A78F-D3E4C5DC14FC}"/>
+              </a:ext>
+            </a:extLst>
+          </p:cNvPr>
+          <p:cNvSpPr/>
+          <p:nvPr/>
+        </p:nvSpPr>
+        <p:spPr>
+          <a:xfrm>
+            <a:off x="7734301" y="4909676"/>
+            <a:ext cx="1504950" cy="1504950"/>
+          </a:xfrm>
+          <a:prstGeom prst="rect">
+            <a:avLst/>
+          </a:prstGeom>
+          <a:solidFill>
+            <a:srgbClr val="8FD1E9"/>
+          </a:solidFill>
+          <a:ln w="28575">
+            <a:solidFill>
+              <a:srgbClr val="00A6DA"/>
+            </a:solidFill>
+          </a:ln>
+          <a:effectLst>
+            <a:outerShdw blurRad="50800" dist="38100" dir="2700000" algn="tl" rotWithShape="0">
+              <a:prstClr val="black">
+                <a:alpha val="40000"/>
+              </a:prstClr>
+            </a:outerShdw>
+          </a:effectLst>
+        </p:spPr>
+        <p:style>
+          <a:lnRef idx="2">
+            <a:schemeClr val="accent1">
+              <a:shade val="50000"/>
+            </a:schemeClr>
+          </a:lnRef>
+          <a:fillRef idx="1">
+            <a:schemeClr val="accent1"/>
+          </a:fillRef>
+          <a:effectRef idx="0">
+            <a:schemeClr val="accent1"/>
+          </a:effectRef>
+          <a:fontRef idx="minor">
+            <a:schemeClr val="lt1"/>
+          </a:fontRef>
+        </p:style>
+        <p:txBody>
+          <a:bodyPr rtlCol="0" anchor="ctr"/>
+          <a:lstStyle/>
+          <a:p>
+            <a:pPr algn="ctr"/>
+            <a:r>
+              <a:rPr lang="en-US" dirty="0">
+                <a:solidFill>
+                  <a:schemeClr val="tx1"/>
+                </a:solidFill>
+              </a:rPr>
+              <a:t>Router</a:t>
+            </a:r>
+          </a:p>
+        </p:txBody>
+      </p:sp>
+      <p:sp>
+        <p:nvSpPr>
+          <p:cNvPr id="24" name="Rectangle 23">
+            <a:extLst>
+              <a:ext uri="{FF2B5EF4-FFF2-40B4-BE49-F238E27FC236}">
+                <a16:creationId xmlns:a16="http://schemas.microsoft.com/office/drawing/2014/main" id="{1A7CD060-22E4-C048-9E3B-3BADF6FF5D3C}"/>
+              </a:ext>
+            </a:extLst>
+          </p:cNvPr>
+          <p:cNvSpPr/>
+          <p:nvPr/>
+        </p:nvSpPr>
+        <p:spPr>
+          <a:xfrm>
+            <a:off x="7867650" y="8053849"/>
+            <a:ext cx="1504950" cy="1504950"/>
+          </a:xfrm>
+          <a:prstGeom prst="rect">
+            <a:avLst/>
+          </a:prstGeom>
+          <a:solidFill>
+            <a:srgbClr val="8FD1E9"/>
+          </a:solidFill>
+          <a:ln w="28575">
+            <a:solidFill>
+              <a:srgbClr val="00A6DA"/>
+            </a:solidFill>
+          </a:ln>
+          <a:effectLst>
+            <a:outerShdw blurRad="50800" dist="38100" dir="2700000" algn="tl" rotWithShape="0">
+              <a:prstClr val="black">
+                <a:alpha val="40000"/>
+              </a:prstClr>
+            </a:outerShdw>
+          </a:effectLst>
+        </p:spPr>
+        <p:style>
+          <a:lnRef idx="2">
+            <a:schemeClr val="accent1">
+              <a:shade val="50000"/>
+            </a:schemeClr>
+          </a:lnRef>
+          <a:fillRef idx="1">
+            <a:schemeClr val="accent1"/>
+          </a:fillRef>
+          <a:effectRef idx="0">
+            <a:schemeClr val="accent1"/>
+          </a:effectRef>
+          <a:fontRef idx="minor">
+            <a:schemeClr val="lt1"/>
+          </a:fontRef>
+        </p:style>
+        <p:txBody>
+          <a:bodyPr rtlCol="0" anchor="ctr"/>
+          <a:lstStyle/>
+          <a:p>
+            <a:pPr algn="ctr"/>
+            <a:r>
+              <a:rPr lang="en-US" dirty="0">
+                <a:solidFill>
+                  <a:schemeClr val="tx1"/>
+                </a:solidFill>
+              </a:rPr>
+              <a:t>Router</a:t>
+            </a:r>
+          </a:p>
+        </p:txBody>
+      </p:sp>
+    </p:spTree>
+    <p:extLst>
+      <p:ext uri="{BB962C8B-B14F-4D97-AF65-F5344CB8AC3E}">
+        <p14:creationId xmlns:p14="http://schemas.microsoft.com/office/powerpoint/2010/main" val="735966988"/>
       </p:ext>
     </p:extLst>
   </p:cSld>

--- a/figures/Figure-sources.pptx
+++ b/figures/Figure-sources.pptx
@@ -5,7 +5,7 @@
     <p:sldMasterId id="2147483661" r:id="rId1"/>
   </p:sldMasterIdLst>
   <p:notesMasterIdLst>
-    <p:notesMasterId r:id="rId12"/>
+    <p:notesMasterId r:id="rId13"/>
   </p:notesMasterIdLst>
   <p:sldIdLst>
     <p:sldId id="257" r:id="rId2"/>
@@ -18,6 +18,7 @@
     <p:sldId id="265" r:id="rId9"/>
     <p:sldId id="264" r:id="rId10"/>
     <p:sldId id="266" r:id="rId11"/>
+    <p:sldId id="267" r:id="rId12"/>
   </p:sldIdLst>
   <p:sldSz cx="24384000" cy="13716000"/>
   <p:notesSz cx="6858000" cy="9144000"/>
@@ -675,7 +676,7 @@
           <a:p>
             <a:fld id="{9AD5F5E7-BF49-4F47-A424-503B82E4E0B0}" type="datetimeFigureOut">
               <a:rPr lang="en-AU" smtClean="0"/>
-              <a:t>29/11/21</a:t>
+              <a:t>30/11/21</a:t>
             </a:fld>
             <a:endParaRPr lang="en-AU"/>
           </a:p>
@@ -875,7 +876,7 @@
           <a:p>
             <a:fld id="{9AD5F5E7-BF49-4F47-A424-503B82E4E0B0}" type="datetimeFigureOut">
               <a:rPr lang="en-AU" smtClean="0"/>
-              <a:t>29/11/21</a:t>
+              <a:t>30/11/21</a:t>
             </a:fld>
             <a:endParaRPr lang="en-AU"/>
           </a:p>
@@ -1085,7 +1086,7 @@
           <a:p>
             <a:fld id="{9AD5F5E7-BF49-4F47-A424-503B82E4E0B0}" type="datetimeFigureOut">
               <a:rPr lang="en-AU" smtClean="0"/>
-              <a:t>29/11/21</a:t>
+              <a:t>30/11/21</a:t>
             </a:fld>
             <a:endParaRPr lang="en-AU"/>
           </a:p>
@@ -1285,7 +1286,7 @@
           <a:p>
             <a:fld id="{9AD5F5E7-BF49-4F47-A424-503B82E4E0B0}" type="datetimeFigureOut">
               <a:rPr lang="en-AU" smtClean="0"/>
-              <a:t>29/11/21</a:t>
+              <a:t>30/11/21</a:t>
             </a:fld>
             <a:endParaRPr lang="en-AU"/>
           </a:p>
@@ -1561,7 +1562,7 @@
           <a:p>
             <a:fld id="{9AD5F5E7-BF49-4F47-A424-503B82E4E0B0}" type="datetimeFigureOut">
               <a:rPr lang="en-AU" smtClean="0"/>
-              <a:t>29/11/21</a:t>
+              <a:t>30/11/21</a:t>
             </a:fld>
             <a:endParaRPr lang="en-AU"/>
           </a:p>
@@ -1829,7 +1830,7 @@
           <a:p>
             <a:fld id="{9AD5F5E7-BF49-4F47-A424-503B82E4E0B0}" type="datetimeFigureOut">
               <a:rPr lang="en-AU" smtClean="0"/>
-              <a:t>29/11/21</a:t>
+              <a:t>30/11/21</a:t>
             </a:fld>
             <a:endParaRPr lang="en-AU"/>
           </a:p>
@@ -2244,7 +2245,7 @@
           <a:p>
             <a:fld id="{9AD5F5E7-BF49-4F47-A424-503B82E4E0B0}" type="datetimeFigureOut">
               <a:rPr lang="en-AU" smtClean="0"/>
-              <a:t>29/11/21</a:t>
+              <a:t>30/11/21</a:t>
             </a:fld>
             <a:endParaRPr lang="en-AU"/>
           </a:p>
@@ -2386,7 +2387,7 @@
           <a:p>
             <a:fld id="{9AD5F5E7-BF49-4F47-A424-503B82E4E0B0}" type="datetimeFigureOut">
               <a:rPr lang="en-AU" smtClean="0"/>
-              <a:t>29/11/21</a:t>
+              <a:t>30/11/21</a:t>
             </a:fld>
             <a:endParaRPr lang="en-AU"/>
           </a:p>
@@ -2499,7 +2500,7 @@
           <a:p>
             <a:fld id="{9AD5F5E7-BF49-4F47-A424-503B82E4E0B0}" type="datetimeFigureOut">
               <a:rPr lang="en-AU" smtClean="0"/>
-              <a:t>29/11/21</a:t>
+              <a:t>30/11/21</a:t>
             </a:fld>
             <a:endParaRPr lang="en-AU"/>
           </a:p>
@@ -2812,7 +2813,7 @@
           <a:p>
             <a:fld id="{9AD5F5E7-BF49-4F47-A424-503B82E4E0B0}" type="datetimeFigureOut">
               <a:rPr lang="en-AU" smtClean="0"/>
-              <a:t>29/11/21</a:t>
+              <a:t>30/11/21</a:t>
             </a:fld>
             <a:endParaRPr lang="en-AU"/>
           </a:p>
@@ -3101,7 +3102,7 @@
           <a:p>
             <a:fld id="{9AD5F5E7-BF49-4F47-A424-503B82E4E0B0}" type="datetimeFigureOut">
               <a:rPr lang="en-AU" smtClean="0"/>
-              <a:t>29/11/21</a:t>
+              <a:t>30/11/21</a:t>
             </a:fld>
             <a:endParaRPr lang="en-AU"/>
           </a:p>
@@ -3344,7 +3345,7 @@
           <a:p>
             <a:fld id="{9AD5F5E7-BF49-4F47-A424-503B82E4E0B0}" type="datetimeFigureOut">
               <a:rPr lang="en-AU" smtClean="0"/>
-              <a:t>29/11/21</a:t>
+              <a:t>30/11/21</a:t>
             </a:fld>
             <a:endParaRPr lang="en-AU"/>
           </a:p>
@@ -4904,6 +4905,1998 @@
     <p:extLst>
       <p:ext uri="{BB962C8B-B14F-4D97-AF65-F5344CB8AC3E}">
         <p14:creationId xmlns:p14="http://schemas.microsoft.com/office/powerpoint/2010/main" val="1838561950"/>
+      </p:ext>
+    </p:extLst>
+  </p:cSld>
+  <p:clrMapOvr>
+    <a:masterClrMapping/>
+  </p:clrMapOvr>
+</p:sld>
+</file>
+
+<file path=ppt/slides/slide11.xml><?xml version="1.0" encoding="utf-8"?>
+<p:sld xmlns:a="http://schemas.openxmlformats.org/drawingml/2006/main" xmlns:r="http://schemas.openxmlformats.org/officeDocument/2006/relationships" xmlns:p="http://schemas.openxmlformats.org/presentationml/2006/main">
+  <p:cSld>
+    <p:spTree>
+      <p:nvGrpSpPr>
+        <p:cNvPr id="1" name=""/>
+        <p:cNvGrpSpPr/>
+        <p:nvPr/>
+      </p:nvGrpSpPr>
+      <p:grpSpPr>
+        <a:xfrm>
+          <a:off x="0" y="0"/>
+          <a:ext cx="0" cy="0"/>
+          <a:chOff x="0" y="0"/>
+          <a:chExt cx="0" cy="0"/>
+        </a:xfrm>
+      </p:grpSpPr>
+      <p:sp>
+        <p:nvSpPr>
+          <p:cNvPr id="51" name="Rectangle 50">
+            <a:extLst>
+              <a:ext uri="{FF2B5EF4-FFF2-40B4-BE49-F238E27FC236}">
+                <a16:creationId xmlns:a16="http://schemas.microsoft.com/office/drawing/2014/main" id="{1720B91B-64B7-EB41-B1C5-0878238F37C8}"/>
+              </a:ext>
+            </a:extLst>
+          </p:cNvPr>
+          <p:cNvSpPr/>
+          <p:nvPr/>
+        </p:nvSpPr>
+        <p:spPr>
+          <a:xfrm>
+            <a:off x="12967333" y="4998719"/>
+            <a:ext cx="2099946" cy="2722874"/>
+          </a:xfrm>
+          <a:prstGeom prst="rect">
+            <a:avLst/>
+          </a:prstGeom>
+          <a:solidFill>
+            <a:schemeClr val="bg1"/>
+          </a:solidFill>
+          <a:ln w="28575">
+            <a:solidFill>
+              <a:srgbClr val="00A6DA"/>
+            </a:solidFill>
+          </a:ln>
+          <a:effectLst>
+            <a:outerShdw blurRad="50800" dist="38100" dir="2700000" algn="tl" rotWithShape="0">
+              <a:prstClr val="black">
+                <a:alpha val="40000"/>
+              </a:prstClr>
+            </a:outerShdw>
+          </a:effectLst>
+        </p:spPr>
+        <p:style>
+          <a:lnRef idx="2">
+            <a:schemeClr val="accent1">
+              <a:shade val="50000"/>
+            </a:schemeClr>
+          </a:lnRef>
+          <a:fillRef idx="1">
+            <a:schemeClr val="accent1"/>
+          </a:fillRef>
+          <a:effectRef idx="0">
+            <a:schemeClr val="accent1"/>
+          </a:effectRef>
+          <a:fontRef idx="minor">
+            <a:schemeClr val="lt1"/>
+          </a:fontRef>
+        </p:style>
+        <p:txBody>
+          <a:bodyPr rtlCol="0" anchor="ctr"/>
+          <a:lstStyle/>
+          <a:p>
+            <a:pPr algn="ctr"/>
+            <a:endParaRPr lang="en-US" dirty="0">
+              <a:solidFill>
+                <a:schemeClr val="tx1"/>
+              </a:solidFill>
+            </a:endParaRPr>
+          </a:p>
+        </p:txBody>
+      </p:sp>
+      <p:sp>
+        <p:nvSpPr>
+          <p:cNvPr id="10" name="Rectangle 9">
+            <a:extLst>
+              <a:ext uri="{FF2B5EF4-FFF2-40B4-BE49-F238E27FC236}">
+                <a16:creationId xmlns:a16="http://schemas.microsoft.com/office/drawing/2014/main" id="{D740DFDE-1861-AC40-80AC-85BECB4B74F1}"/>
+              </a:ext>
+            </a:extLst>
+          </p:cNvPr>
+          <p:cNvSpPr/>
+          <p:nvPr/>
+        </p:nvSpPr>
+        <p:spPr>
+          <a:xfrm>
+            <a:off x="9550401" y="4998719"/>
+            <a:ext cx="2099946" cy="2722874"/>
+          </a:xfrm>
+          <a:prstGeom prst="rect">
+            <a:avLst/>
+          </a:prstGeom>
+          <a:solidFill>
+            <a:schemeClr val="bg1"/>
+          </a:solidFill>
+          <a:ln w="28575">
+            <a:solidFill>
+              <a:srgbClr val="00A6DA"/>
+            </a:solidFill>
+          </a:ln>
+          <a:effectLst>
+            <a:outerShdw blurRad="50800" dist="38100" dir="2700000" algn="tl" rotWithShape="0">
+              <a:prstClr val="black">
+                <a:alpha val="40000"/>
+              </a:prstClr>
+            </a:outerShdw>
+          </a:effectLst>
+        </p:spPr>
+        <p:style>
+          <a:lnRef idx="2">
+            <a:schemeClr val="accent1">
+              <a:shade val="50000"/>
+            </a:schemeClr>
+          </a:lnRef>
+          <a:fillRef idx="1">
+            <a:schemeClr val="accent1"/>
+          </a:fillRef>
+          <a:effectRef idx="0">
+            <a:schemeClr val="accent1"/>
+          </a:effectRef>
+          <a:fontRef idx="minor">
+            <a:schemeClr val="lt1"/>
+          </a:fontRef>
+        </p:style>
+        <p:txBody>
+          <a:bodyPr rtlCol="0" anchor="ctr"/>
+          <a:lstStyle/>
+          <a:p>
+            <a:pPr algn="ctr"/>
+            <a:endParaRPr lang="en-US" dirty="0">
+              <a:solidFill>
+                <a:schemeClr val="tx1"/>
+              </a:solidFill>
+            </a:endParaRPr>
+          </a:p>
+        </p:txBody>
+      </p:sp>
+      <p:grpSp>
+        <p:nvGrpSpPr>
+          <p:cNvPr id="23" name="Group 22">
+            <a:extLst>
+              <a:ext uri="{FF2B5EF4-FFF2-40B4-BE49-F238E27FC236}">
+                <a16:creationId xmlns:a16="http://schemas.microsoft.com/office/drawing/2014/main" id="{01D51965-108E-C74A-BBC3-841B1EED7B75}"/>
+              </a:ext>
+            </a:extLst>
+          </p:cNvPr>
+          <p:cNvGrpSpPr/>
+          <p:nvPr/>
+        </p:nvGrpSpPr>
+        <p:grpSpPr>
+          <a:xfrm>
+            <a:off x="9977120" y="5039359"/>
+            <a:ext cx="1258069" cy="2580641"/>
+            <a:chOff x="9977120" y="5039359"/>
+            <a:chExt cx="1258069" cy="2580641"/>
+          </a:xfrm>
+        </p:grpSpPr>
+        <p:grpSp>
+          <p:nvGrpSpPr>
+            <p:cNvPr id="22" name="Group 21">
+              <a:extLst>
+                <a:ext uri="{FF2B5EF4-FFF2-40B4-BE49-F238E27FC236}">
+                  <a16:creationId xmlns:a16="http://schemas.microsoft.com/office/drawing/2014/main" id="{C57D643F-F271-0042-ACBB-E6BB1768929F}"/>
+                </a:ext>
+              </a:extLst>
+            </p:cNvPr>
+            <p:cNvGrpSpPr/>
+            <p:nvPr/>
+          </p:nvGrpSpPr>
+          <p:grpSpPr>
+            <a:xfrm>
+              <a:off x="10149840" y="5192488"/>
+              <a:ext cx="1077729" cy="984792"/>
+              <a:chOff x="10160000" y="5192488"/>
+              <a:chExt cx="1077729" cy="984792"/>
+            </a:xfrm>
+          </p:grpSpPr>
+          <p:cxnSp>
+            <p:nvCxnSpPr>
+              <p:cNvPr id="6" name="Straight Connector 5">
+                <a:extLst>
+                  <a:ext uri="{FF2B5EF4-FFF2-40B4-BE49-F238E27FC236}">
+                    <a16:creationId xmlns:a16="http://schemas.microsoft.com/office/drawing/2014/main" id="{652F09FF-83DD-D24B-88D4-14C6B259E21A}"/>
+                  </a:ext>
+                </a:extLst>
+              </p:cNvPr>
+              <p:cNvCxnSpPr>
+                <a:cxnSpLocks/>
+              </p:cNvCxnSpPr>
+              <p:nvPr/>
+            </p:nvCxnSpPr>
+            <p:spPr>
+              <a:xfrm>
+                <a:off x="10564629" y="5192488"/>
+                <a:ext cx="673100" cy="984791"/>
+              </a:xfrm>
+              <a:prstGeom prst="line">
+                <a:avLst/>
+              </a:prstGeom>
+              <a:ln w="28575">
+                <a:solidFill>
+                  <a:srgbClr val="00A6DA"/>
+                </a:solidFill>
+              </a:ln>
+            </p:spPr>
+            <p:style>
+              <a:lnRef idx="1">
+                <a:schemeClr val="accent1"/>
+              </a:lnRef>
+              <a:fillRef idx="0">
+                <a:schemeClr val="accent1"/>
+              </a:fillRef>
+              <a:effectRef idx="0">
+                <a:schemeClr val="accent1"/>
+              </a:effectRef>
+              <a:fontRef idx="minor">
+                <a:schemeClr val="tx1"/>
+              </a:fontRef>
+            </p:style>
+          </p:cxnSp>
+          <p:sp>
+            <p:nvSpPr>
+              <p:cNvPr id="2" name="Triangle 1">
+                <a:extLst>
+                  <a:ext uri="{FF2B5EF4-FFF2-40B4-BE49-F238E27FC236}">
+                    <a16:creationId xmlns:a16="http://schemas.microsoft.com/office/drawing/2014/main" id="{4D9E0069-ACB2-5546-A055-F5D91C516E6F}"/>
+                  </a:ext>
+                </a:extLst>
+              </p:cNvPr>
+              <p:cNvSpPr/>
+              <p:nvPr/>
+            </p:nvSpPr>
+            <p:spPr>
+              <a:xfrm>
+                <a:off x="10160000" y="5669280"/>
+                <a:ext cx="711200" cy="508000"/>
+              </a:xfrm>
+              <a:prstGeom prst="triangle">
+                <a:avLst/>
+              </a:prstGeom>
+              <a:ln w="28575">
+                <a:solidFill>
+                  <a:srgbClr val="00A6DA"/>
+                </a:solidFill>
+              </a:ln>
+            </p:spPr>
+            <p:style>
+              <a:lnRef idx="2">
+                <a:schemeClr val="accent3"/>
+              </a:lnRef>
+              <a:fillRef idx="1">
+                <a:schemeClr val="lt1"/>
+              </a:fillRef>
+              <a:effectRef idx="0">
+                <a:schemeClr val="accent3"/>
+              </a:effectRef>
+              <a:fontRef idx="minor">
+                <a:schemeClr val="dk1"/>
+              </a:fontRef>
+            </p:style>
+            <p:txBody>
+              <a:bodyPr rtlCol="0" anchor="ctr"/>
+              <a:lstStyle/>
+              <a:p>
+                <a:pPr algn="ctr"/>
+                <a:endParaRPr lang="en-US"/>
+              </a:p>
+            </p:txBody>
+          </p:sp>
+        </p:grpSp>
+        <p:grpSp>
+          <p:nvGrpSpPr>
+            <p:cNvPr id="31" name="Group 30">
+              <a:extLst>
+                <a:ext uri="{FF2B5EF4-FFF2-40B4-BE49-F238E27FC236}">
+                  <a16:creationId xmlns:a16="http://schemas.microsoft.com/office/drawing/2014/main" id="{E393D2AA-8DB4-7049-A097-DA32F63B1EE6}"/>
+                </a:ext>
+              </a:extLst>
+            </p:cNvPr>
+            <p:cNvGrpSpPr/>
+            <p:nvPr/>
+          </p:nvGrpSpPr>
+          <p:grpSpPr>
+            <a:xfrm flipV="1">
+              <a:off x="10149840" y="6505627"/>
+              <a:ext cx="1085349" cy="984792"/>
+              <a:chOff x="10160000" y="5200877"/>
+              <a:chExt cx="1085349" cy="984792"/>
+            </a:xfrm>
+          </p:grpSpPr>
+          <p:cxnSp>
+            <p:nvCxnSpPr>
+              <p:cNvPr id="32" name="Straight Connector 31">
+                <a:extLst>
+                  <a:ext uri="{FF2B5EF4-FFF2-40B4-BE49-F238E27FC236}">
+                    <a16:creationId xmlns:a16="http://schemas.microsoft.com/office/drawing/2014/main" id="{0FD07D2A-F8D6-3F4B-B0F3-8E94FA1AB209}"/>
+                  </a:ext>
+                </a:extLst>
+              </p:cNvPr>
+              <p:cNvCxnSpPr>
+                <a:cxnSpLocks/>
+              </p:cNvCxnSpPr>
+              <p:nvPr/>
+            </p:nvCxnSpPr>
+            <p:spPr>
+              <a:xfrm>
+                <a:off x="10534149" y="5200877"/>
+                <a:ext cx="711200" cy="984792"/>
+              </a:xfrm>
+              <a:prstGeom prst="line">
+                <a:avLst/>
+              </a:prstGeom>
+              <a:ln w="28575">
+                <a:solidFill>
+                  <a:srgbClr val="00A6DA"/>
+                </a:solidFill>
+              </a:ln>
+            </p:spPr>
+            <p:style>
+              <a:lnRef idx="1">
+                <a:schemeClr val="accent1"/>
+              </a:lnRef>
+              <a:fillRef idx="0">
+                <a:schemeClr val="accent1"/>
+              </a:fillRef>
+              <a:effectRef idx="0">
+                <a:schemeClr val="accent1"/>
+              </a:effectRef>
+              <a:fontRef idx="minor">
+                <a:schemeClr val="tx1"/>
+              </a:fontRef>
+            </p:style>
+          </p:cxnSp>
+          <p:sp>
+            <p:nvSpPr>
+              <p:cNvPr id="40" name="Triangle 39">
+                <a:extLst>
+                  <a:ext uri="{FF2B5EF4-FFF2-40B4-BE49-F238E27FC236}">
+                    <a16:creationId xmlns:a16="http://schemas.microsoft.com/office/drawing/2014/main" id="{1B4AA908-30CA-3C43-B303-D907465B127B}"/>
+                  </a:ext>
+                </a:extLst>
+              </p:cNvPr>
+              <p:cNvSpPr/>
+              <p:nvPr/>
+            </p:nvSpPr>
+            <p:spPr>
+              <a:xfrm>
+                <a:off x="10160000" y="5669280"/>
+                <a:ext cx="711200" cy="508000"/>
+              </a:xfrm>
+              <a:prstGeom prst="triangle">
+                <a:avLst/>
+              </a:prstGeom>
+              <a:ln w="28575">
+                <a:solidFill>
+                  <a:srgbClr val="00A6DA"/>
+                </a:solidFill>
+              </a:ln>
+            </p:spPr>
+            <p:style>
+              <a:lnRef idx="2">
+                <a:schemeClr val="accent3"/>
+              </a:lnRef>
+              <a:fillRef idx="1">
+                <a:schemeClr val="lt1"/>
+              </a:fillRef>
+              <a:effectRef idx="0">
+                <a:schemeClr val="accent3"/>
+              </a:effectRef>
+              <a:fontRef idx="minor">
+                <a:schemeClr val="dk1"/>
+              </a:fontRef>
+            </p:style>
+            <p:txBody>
+              <a:bodyPr rtlCol="0" anchor="ctr"/>
+              <a:lstStyle/>
+              <a:p>
+                <a:pPr algn="ctr"/>
+                <a:endParaRPr lang="en-US"/>
+              </a:p>
+            </p:txBody>
+          </p:sp>
+        </p:grpSp>
+        <p:sp>
+          <p:nvSpPr>
+            <p:cNvPr id="21" name="Rectangle 20">
+              <a:extLst>
+                <a:ext uri="{FF2B5EF4-FFF2-40B4-BE49-F238E27FC236}">
+                  <a16:creationId xmlns:a16="http://schemas.microsoft.com/office/drawing/2014/main" id="{DCED55AF-1817-974F-A0F0-EF6D7AD175FA}"/>
+                </a:ext>
+              </a:extLst>
+            </p:cNvPr>
+            <p:cNvSpPr/>
+            <p:nvPr/>
+          </p:nvSpPr>
+          <p:spPr>
+            <a:xfrm>
+              <a:off x="9977120" y="5039359"/>
+              <a:ext cx="528320" cy="2580641"/>
+            </a:xfrm>
+            <a:prstGeom prst="rect">
+              <a:avLst/>
+            </a:prstGeom>
+            <a:solidFill>
+              <a:schemeClr val="bg1"/>
+            </a:solidFill>
+            <a:ln>
+              <a:solidFill>
+                <a:schemeClr val="bg1"/>
+              </a:solidFill>
+            </a:ln>
+          </p:spPr>
+          <p:style>
+            <a:lnRef idx="2">
+              <a:schemeClr val="accent1">
+                <a:shade val="50000"/>
+              </a:schemeClr>
+            </a:lnRef>
+            <a:fillRef idx="1">
+              <a:schemeClr val="accent1"/>
+            </a:fillRef>
+            <a:effectRef idx="0">
+              <a:schemeClr val="accent1"/>
+            </a:effectRef>
+            <a:fontRef idx="minor">
+              <a:schemeClr val="lt1"/>
+            </a:fontRef>
+          </p:style>
+          <p:txBody>
+            <a:bodyPr rtlCol="0" anchor="ctr"/>
+            <a:lstStyle/>
+            <a:p>
+              <a:pPr algn="ctr"/>
+              <a:endParaRPr lang="en-US"/>
+            </a:p>
+          </p:txBody>
+        </p:sp>
+      </p:grpSp>
+      <p:grpSp>
+        <p:nvGrpSpPr>
+          <p:cNvPr id="41" name="Group 40">
+            <a:extLst>
+              <a:ext uri="{FF2B5EF4-FFF2-40B4-BE49-F238E27FC236}">
+                <a16:creationId xmlns:a16="http://schemas.microsoft.com/office/drawing/2014/main" id="{CF29F38E-9B98-F64A-965F-B1860645318A}"/>
+              </a:ext>
+            </a:extLst>
+          </p:cNvPr>
+          <p:cNvGrpSpPr/>
+          <p:nvPr/>
+        </p:nvGrpSpPr>
+        <p:grpSpPr>
+          <a:xfrm flipH="1">
+            <a:off x="13482320" y="5029199"/>
+            <a:ext cx="1249680" cy="2580641"/>
+            <a:chOff x="9977120" y="5039359"/>
+            <a:chExt cx="1249680" cy="2580641"/>
+          </a:xfrm>
+        </p:grpSpPr>
+        <p:grpSp>
+          <p:nvGrpSpPr>
+            <p:cNvPr id="42" name="Group 41">
+              <a:extLst>
+                <a:ext uri="{FF2B5EF4-FFF2-40B4-BE49-F238E27FC236}">
+                  <a16:creationId xmlns:a16="http://schemas.microsoft.com/office/drawing/2014/main" id="{D48AB1E3-E345-0C42-90CD-81FCCF2D961D}"/>
+                </a:ext>
+              </a:extLst>
+            </p:cNvPr>
+            <p:cNvGrpSpPr/>
+            <p:nvPr/>
+          </p:nvGrpSpPr>
+          <p:grpSpPr>
+            <a:xfrm>
+              <a:off x="10149840" y="5192488"/>
+              <a:ext cx="1076960" cy="984792"/>
+              <a:chOff x="10160000" y="5192488"/>
+              <a:chExt cx="1076960" cy="984792"/>
+            </a:xfrm>
+          </p:grpSpPr>
+          <p:cxnSp>
+            <p:nvCxnSpPr>
+              <p:cNvPr id="47" name="Straight Connector 46">
+                <a:extLst>
+                  <a:ext uri="{FF2B5EF4-FFF2-40B4-BE49-F238E27FC236}">
+                    <a16:creationId xmlns:a16="http://schemas.microsoft.com/office/drawing/2014/main" id="{CBF0B4C9-1E51-C846-850D-5A91F85A0C17}"/>
+                  </a:ext>
+                </a:extLst>
+              </p:cNvPr>
+              <p:cNvCxnSpPr>
+                <a:cxnSpLocks/>
+              </p:cNvCxnSpPr>
+              <p:nvPr/>
+            </p:nvCxnSpPr>
+            <p:spPr>
+              <a:xfrm>
+                <a:off x="10525760" y="5192488"/>
+                <a:ext cx="711200" cy="984792"/>
+              </a:xfrm>
+              <a:prstGeom prst="line">
+                <a:avLst/>
+              </a:prstGeom>
+              <a:ln w="28575">
+                <a:solidFill>
+                  <a:srgbClr val="00A6DA"/>
+                </a:solidFill>
+              </a:ln>
+            </p:spPr>
+            <p:style>
+              <a:lnRef idx="1">
+                <a:schemeClr val="accent1"/>
+              </a:lnRef>
+              <a:fillRef idx="0">
+                <a:schemeClr val="accent1"/>
+              </a:fillRef>
+              <a:effectRef idx="0">
+                <a:schemeClr val="accent1"/>
+              </a:effectRef>
+              <a:fontRef idx="minor">
+                <a:schemeClr val="tx1"/>
+              </a:fontRef>
+            </p:style>
+          </p:cxnSp>
+          <p:sp>
+            <p:nvSpPr>
+              <p:cNvPr id="48" name="Triangle 47">
+                <a:extLst>
+                  <a:ext uri="{FF2B5EF4-FFF2-40B4-BE49-F238E27FC236}">
+                    <a16:creationId xmlns:a16="http://schemas.microsoft.com/office/drawing/2014/main" id="{78BD00ED-E45D-A248-A91F-CC1438931059}"/>
+                  </a:ext>
+                </a:extLst>
+              </p:cNvPr>
+              <p:cNvSpPr/>
+              <p:nvPr/>
+            </p:nvSpPr>
+            <p:spPr>
+              <a:xfrm>
+                <a:off x="10160000" y="5669280"/>
+                <a:ext cx="711200" cy="508000"/>
+              </a:xfrm>
+              <a:prstGeom prst="triangle">
+                <a:avLst/>
+              </a:prstGeom>
+              <a:ln w="28575">
+                <a:solidFill>
+                  <a:srgbClr val="00A6DA"/>
+                </a:solidFill>
+              </a:ln>
+            </p:spPr>
+            <p:style>
+              <a:lnRef idx="2">
+                <a:schemeClr val="accent3"/>
+              </a:lnRef>
+              <a:fillRef idx="1">
+                <a:schemeClr val="lt1"/>
+              </a:fillRef>
+              <a:effectRef idx="0">
+                <a:schemeClr val="accent3"/>
+              </a:effectRef>
+              <a:fontRef idx="minor">
+                <a:schemeClr val="dk1"/>
+              </a:fontRef>
+            </p:style>
+            <p:txBody>
+              <a:bodyPr rtlCol="0" anchor="ctr"/>
+              <a:lstStyle/>
+              <a:p>
+                <a:pPr algn="ctr"/>
+                <a:endParaRPr lang="en-US"/>
+              </a:p>
+            </p:txBody>
+          </p:sp>
+        </p:grpSp>
+        <p:grpSp>
+          <p:nvGrpSpPr>
+            <p:cNvPr id="43" name="Group 42">
+              <a:extLst>
+                <a:ext uri="{FF2B5EF4-FFF2-40B4-BE49-F238E27FC236}">
+                  <a16:creationId xmlns:a16="http://schemas.microsoft.com/office/drawing/2014/main" id="{2C6FE1B1-57D4-9648-A2B9-3C361643AC13}"/>
+                </a:ext>
+              </a:extLst>
+            </p:cNvPr>
+            <p:cNvGrpSpPr/>
+            <p:nvPr/>
+          </p:nvGrpSpPr>
+          <p:grpSpPr>
+            <a:xfrm flipV="1">
+              <a:off x="10149840" y="6514016"/>
+              <a:ext cx="1076960" cy="984792"/>
+              <a:chOff x="10160000" y="5192488"/>
+              <a:chExt cx="1076960" cy="984792"/>
+            </a:xfrm>
+          </p:grpSpPr>
+          <p:cxnSp>
+            <p:nvCxnSpPr>
+              <p:cNvPr id="45" name="Straight Connector 44">
+                <a:extLst>
+                  <a:ext uri="{FF2B5EF4-FFF2-40B4-BE49-F238E27FC236}">
+                    <a16:creationId xmlns:a16="http://schemas.microsoft.com/office/drawing/2014/main" id="{A5EA86C4-525B-5A4B-97C0-EF9B47232CB6}"/>
+                  </a:ext>
+                </a:extLst>
+              </p:cNvPr>
+              <p:cNvCxnSpPr>
+                <a:cxnSpLocks/>
+              </p:cNvCxnSpPr>
+              <p:nvPr/>
+            </p:nvCxnSpPr>
+            <p:spPr>
+              <a:xfrm>
+                <a:off x="10525760" y="5192488"/>
+                <a:ext cx="711200" cy="984792"/>
+              </a:xfrm>
+              <a:prstGeom prst="line">
+                <a:avLst/>
+              </a:prstGeom>
+              <a:ln w="28575">
+                <a:solidFill>
+                  <a:srgbClr val="00A6DA"/>
+                </a:solidFill>
+              </a:ln>
+            </p:spPr>
+            <p:style>
+              <a:lnRef idx="1">
+                <a:schemeClr val="accent1"/>
+              </a:lnRef>
+              <a:fillRef idx="0">
+                <a:schemeClr val="accent1"/>
+              </a:fillRef>
+              <a:effectRef idx="0">
+                <a:schemeClr val="accent1"/>
+              </a:effectRef>
+              <a:fontRef idx="minor">
+                <a:schemeClr val="tx1"/>
+              </a:fontRef>
+            </p:style>
+          </p:cxnSp>
+          <p:sp>
+            <p:nvSpPr>
+              <p:cNvPr id="46" name="Triangle 45">
+                <a:extLst>
+                  <a:ext uri="{FF2B5EF4-FFF2-40B4-BE49-F238E27FC236}">
+                    <a16:creationId xmlns:a16="http://schemas.microsoft.com/office/drawing/2014/main" id="{56FA9AB6-4EFA-5444-9E6A-94B4706E0EA0}"/>
+                  </a:ext>
+                </a:extLst>
+              </p:cNvPr>
+              <p:cNvSpPr/>
+              <p:nvPr/>
+            </p:nvSpPr>
+            <p:spPr>
+              <a:xfrm>
+                <a:off x="10160000" y="5669280"/>
+                <a:ext cx="711200" cy="508000"/>
+              </a:xfrm>
+              <a:prstGeom prst="triangle">
+                <a:avLst/>
+              </a:prstGeom>
+              <a:ln w="28575">
+                <a:solidFill>
+                  <a:srgbClr val="00A6DA"/>
+                </a:solidFill>
+              </a:ln>
+            </p:spPr>
+            <p:style>
+              <a:lnRef idx="2">
+                <a:schemeClr val="accent3"/>
+              </a:lnRef>
+              <a:fillRef idx="1">
+                <a:schemeClr val="lt1"/>
+              </a:fillRef>
+              <a:effectRef idx="0">
+                <a:schemeClr val="accent3"/>
+              </a:effectRef>
+              <a:fontRef idx="minor">
+                <a:schemeClr val="dk1"/>
+              </a:fontRef>
+            </p:style>
+            <p:txBody>
+              <a:bodyPr rtlCol="0" anchor="ctr"/>
+              <a:lstStyle/>
+              <a:p>
+                <a:pPr algn="ctr"/>
+                <a:endParaRPr lang="en-US"/>
+              </a:p>
+            </p:txBody>
+          </p:sp>
+        </p:grpSp>
+        <p:sp>
+          <p:nvSpPr>
+            <p:cNvPr id="44" name="Rectangle 43">
+              <a:extLst>
+                <a:ext uri="{FF2B5EF4-FFF2-40B4-BE49-F238E27FC236}">
+                  <a16:creationId xmlns:a16="http://schemas.microsoft.com/office/drawing/2014/main" id="{5DA77200-7D71-0242-9B66-8A10189272D7}"/>
+                </a:ext>
+              </a:extLst>
+            </p:cNvPr>
+            <p:cNvSpPr/>
+            <p:nvPr/>
+          </p:nvSpPr>
+          <p:spPr>
+            <a:xfrm>
+              <a:off x="9977120" y="5039359"/>
+              <a:ext cx="528320" cy="2580641"/>
+            </a:xfrm>
+            <a:prstGeom prst="rect">
+              <a:avLst/>
+            </a:prstGeom>
+            <a:solidFill>
+              <a:schemeClr val="bg1"/>
+            </a:solidFill>
+            <a:ln>
+              <a:solidFill>
+                <a:schemeClr val="bg1"/>
+              </a:solidFill>
+            </a:ln>
+          </p:spPr>
+          <p:style>
+            <a:lnRef idx="2">
+              <a:schemeClr val="accent1">
+                <a:shade val="50000"/>
+              </a:schemeClr>
+            </a:lnRef>
+            <a:fillRef idx="1">
+              <a:schemeClr val="accent1"/>
+            </a:fillRef>
+            <a:effectRef idx="0">
+              <a:schemeClr val="accent1"/>
+            </a:effectRef>
+            <a:fontRef idx="minor">
+              <a:schemeClr val="lt1"/>
+            </a:fontRef>
+          </p:style>
+          <p:txBody>
+            <a:bodyPr rtlCol="0" anchor="ctr"/>
+            <a:lstStyle/>
+            <a:p>
+              <a:pPr algn="ctr"/>
+              <a:endParaRPr lang="en-US"/>
+            </a:p>
+          </p:txBody>
+        </p:sp>
+      </p:grpSp>
+      <p:sp>
+        <p:nvSpPr>
+          <p:cNvPr id="27" name="TextBox 26">
+            <a:extLst>
+              <a:ext uri="{FF2B5EF4-FFF2-40B4-BE49-F238E27FC236}">
+                <a16:creationId xmlns:a16="http://schemas.microsoft.com/office/drawing/2014/main" id="{2AE6E7CC-7DEC-384A-9AA0-285F75E08C1C}"/>
+              </a:ext>
+            </a:extLst>
+          </p:cNvPr>
+          <p:cNvSpPr txBox="1"/>
+          <p:nvPr/>
+        </p:nvSpPr>
+        <p:spPr>
+          <a:xfrm>
+            <a:off x="9805124" y="7762233"/>
+            <a:ext cx="1590500" cy="584775"/>
+          </a:xfrm>
+          <a:prstGeom prst="rect">
+            <a:avLst/>
+          </a:prstGeom>
+          <a:noFill/>
+        </p:spPr>
+        <p:txBody>
+          <a:bodyPr wrap="none" rtlCol="0">
+            <a:spAutoFit/>
+          </a:bodyPr>
+          <a:lstStyle/>
+          <a:p>
+            <a:r>
+              <a:rPr lang="en-US" dirty="0">
+                <a:latin typeface="Calibri" panose="020F0502020204030204" pitchFamily="34" charset="0"/>
+                <a:cs typeface="Calibri" panose="020F0502020204030204" pitchFamily="34" charset="0"/>
+              </a:rPr>
+              <a:t>Switch 1</a:t>
+            </a:r>
+          </a:p>
+        </p:txBody>
+      </p:sp>
+      <p:sp>
+        <p:nvSpPr>
+          <p:cNvPr id="52" name="TextBox 51">
+            <a:extLst>
+              <a:ext uri="{FF2B5EF4-FFF2-40B4-BE49-F238E27FC236}">
+                <a16:creationId xmlns:a16="http://schemas.microsoft.com/office/drawing/2014/main" id="{3D7386C0-EEAB-A84E-BF6F-1F70A119C8D7}"/>
+              </a:ext>
+            </a:extLst>
+          </p:cNvPr>
+          <p:cNvSpPr txBox="1"/>
+          <p:nvPr/>
+        </p:nvSpPr>
+        <p:spPr>
+          <a:xfrm>
+            <a:off x="13222056" y="7764325"/>
+            <a:ext cx="1590500" cy="584775"/>
+          </a:xfrm>
+          <a:prstGeom prst="rect">
+            <a:avLst/>
+          </a:prstGeom>
+          <a:noFill/>
+        </p:spPr>
+        <p:txBody>
+          <a:bodyPr wrap="none" rtlCol="0">
+            <a:spAutoFit/>
+          </a:bodyPr>
+          <a:lstStyle/>
+          <a:p>
+            <a:r>
+              <a:rPr lang="en-US" dirty="0">
+                <a:latin typeface="Calibri" panose="020F0502020204030204" pitchFamily="34" charset="0"/>
+                <a:cs typeface="Calibri" panose="020F0502020204030204" pitchFamily="34" charset="0"/>
+              </a:rPr>
+              <a:t>Switch 2</a:t>
+            </a:r>
+          </a:p>
+        </p:txBody>
+      </p:sp>
+      <p:sp>
+        <p:nvSpPr>
+          <p:cNvPr id="28" name="Oval 27">
+            <a:extLst>
+              <a:ext uri="{FF2B5EF4-FFF2-40B4-BE49-F238E27FC236}">
+                <a16:creationId xmlns:a16="http://schemas.microsoft.com/office/drawing/2014/main" id="{007D0431-73B8-124E-8C1C-1D63D6E599F6}"/>
+              </a:ext>
+            </a:extLst>
+          </p:cNvPr>
+          <p:cNvSpPr/>
+          <p:nvPr/>
+        </p:nvSpPr>
+        <p:spPr>
+          <a:xfrm>
+            <a:off x="6951933" y="3637279"/>
+            <a:ext cx="1361440" cy="1361440"/>
+          </a:xfrm>
+          <a:prstGeom prst="ellipse">
+            <a:avLst/>
+          </a:prstGeom>
+          <a:solidFill>
+            <a:schemeClr val="bg1"/>
+          </a:solidFill>
+          <a:ln w="28575">
+            <a:solidFill>
+              <a:schemeClr val="tx1"/>
+            </a:solidFill>
+          </a:ln>
+          <a:effectLst>
+            <a:outerShdw blurRad="50800" dist="38100" dir="2700000" algn="tl" rotWithShape="0">
+              <a:prstClr val="black">
+                <a:alpha val="40000"/>
+              </a:prstClr>
+            </a:outerShdw>
+          </a:effectLst>
+        </p:spPr>
+        <p:style>
+          <a:lnRef idx="2">
+            <a:schemeClr val="accent1">
+              <a:shade val="50000"/>
+            </a:schemeClr>
+          </a:lnRef>
+          <a:fillRef idx="1">
+            <a:schemeClr val="accent1"/>
+          </a:fillRef>
+          <a:effectRef idx="0">
+            <a:schemeClr val="accent1"/>
+          </a:effectRef>
+          <a:fontRef idx="minor">
+            <a:schemeClr val="lt1"/>
+          </a:fontRef>
+        </p:style>
+        <p:txBody>
+          <a:bodyPr rtlCol="0" anchor="ctr"/>
+          <a:lstStyle/>
+          <a:p>
+            <a:pPr algn="ctr"/>
+            <a:r>
+              <a:rPr lang="en-US" dirty="0">
+                <a:solidFill>
+                  <a:schemeClr val="tx1"/>
+                </a:solidFill>
+              </a:rPr>
+              <a:t>S1</a:t>
+            </a:r>
+          </a:p>
+        </p:txBody>
+      </p:sp>
+      <p:sp>
+        <p:nvSpPr>
+          <p:cNvPr id="53" name="Oval 52">
+            <a:extLst>
+              <a:ext uri="{FF2B5EF4-FFF2-40B4-BE49-F238E27FC236}">
+                <a16:creationId xmlns:a16="http://schemas.microsoft.com/office/drawing/2014/main" id="{77E175E6-D615-7449-8405-DEF7B788F042}"/>
+              </a:ext>
+            </a:extLst>
+          </p:cNvPr>
+          <p:cNvSpPr/>
+          <p:nvPr/>
+        </p:nvSpPr>
+        <p:spPr>
+          <a:xfrm>
+            <a:off x="6957734" y="5684884"/>
+            <a:ext cx="1361440" cy="1361440"/>
+          </a:xfrm>
+          <a:prstGeom prst="ellipse">
+            <a:avLst/>
+          </a:prstGeom>
+          <a:solidFill>
+            <a:schemeClr val="bg1"/>
+          </a:solidFill>
+          <a:ln w="28575">
+            <a:solidFill>
+              <a:schemeClr val="tx1"/>
+            </a:solidFill>
+          </a:ln>
+          <a:effectLst>
+            <a:outerShdw blurRad="50800" dist="38100" dir="2700000" algn="tl" rotWithShape="0">
+              <a:prstClr val="black">
+                <a:alpha val="40000"/>
+              </a:prstClr>
+            </a:outerShdw>
+          </a:effectLst>
+        </p:spPr>
+        <p:style>
+          <a:lnRef idx="2">
+            <a:schemeClr val="accent1">
+              <a:shade val="50000"/>
+            </a:schemeClr>
+          </a:lnRef>
+          <a:fillRef idx="1">
+            <a:schemeClr val="accent1"/>
+          </a:fillRef>
+          <a:effectRef idx="0">
+            <a:schemeClr val="accent1"/>
+          </a:effectRef>
+          <a:fontRef idx="minor">
+            <a:schemeClr val="lt1"/>
+          </a:fontRef>
+        </p:style>
+        <p:txBody>
+          <a:bodyPr rtlCol="0" anchor="ctr"/>
+          <a:lstStyle/>
+          <a:p>
+            <a:pPr algn="ctr"/>
+            <a:r>
+              <a:rPr lang="en-US" dirty="0">
+                <a:solidFill>
+                  <a:schemeClr val="tx1"/>
+                </a:solidFill>
+              </a:rPr>
+              <a:t>S2</a:t>
+            </a:r>
+          </a:p>
+        </p:txBody>
+      </p:sp>
+      <p:sp>
+        <p:nvSpPr>
+          <p:cNvPr id="54" name="Oval 53">
+            <a:extLst>
+              <a:ext uri="{FF2B5EF4-FFF2-40B4-BE49-F238E27FC236}">
+                <a16:creationId xmlns:a16="http://schemas.microsoft.com/office/drawing/2014/main" id="{04F20DCA-FC83-D045-B22E-7B0367A1FA7F}"/>
+              </a:ext>
+            </a:extLst>
+          </p:cNvPr>
+          <p:cNvSpPr/>
+          <p:nvPr/>
+        </p:nvSpPr>
+        <p:spPr>
+          <a:xfrm>
+            <a:off x="6951933" y="7736177"/>
+            <a:ext cx="1361440" cy="1361440"/>
+          </a:xfrm>
+          <a:prstGeom prst="ellipse">
+            <a:avLst/>
+          </a:prstGeom>
+          <a:solidFill>
+            <a:schemeClr val="bg1"/>
+          </a:solidFill>
+          <a:ln w="28575">
+            <a:solidFill>
+              <a:schemeClr val="tx1"/>
+            </a:solidFill>
+          </a:ln>
+          <a:effectLst>
+            <a:outerShdw blurRad="50800" dist="38100" dir="2700000" algn="tl" rotWithShape="0">
+              <a:prstClr val="black">
+                <a:alpha val="40000"/>
+              </a:prstClr>
+            </a:outerShdw>
+          </a:effectLst>
+        </p:spPr>
+        <p:style>
+          <a:lnRef idx="2">
+            <a:schemeClr val="accent1">
+              <a:shade val="50000"/>
+            </a:schemeClr>
+          </a:lnRef>
+          <a:fillRef idx="1">
+            <a:schemeClr val="accent1"/>
+          </a:fillRef>
+          <a:effectRef idx="0">
+            <a:schemeClr val="accent1"/>
+          </a:effectRef>
+          <a:fontRef idx="minor">
+            <a:schemeClr val="lt1"/>
+          </a:fontRef>
+        </p:style>
+        <p:txBody>
+          <a:bodyPr rtlCol="0" anchor="ctr"/>
+          <a:lstStyle/>
+          <a:p>
+            <a:pPr algn="ctr"/>
+            <a:r>
+              <a:rPr lang="en-US" dirty="0">
+                <a:solidFill>
+                  <a:schemeClr val="tx1"/>
+                </a:solidFill>
+              </a:rPr>
+              <a:t>S3</a:t>
+            </a:r>
+          </a:p>
+        </p:txBody>
+      </p:sp>
+      <p:sp>
+        <p:nvSpPr>
+          <p:cNvPr id="55" name="Oval 54">
+            <a:extLst>
+              <a:ext uri="{FF2B5EF4-FFF2-40B4-BE49-F238E27FC236}">
+                <a16:creationId xmlns:a16="http://schemas.microsoft.com/office/drawing/2014/main" id="{3024AB46-523F-8842-B502-1BF63C4AAFC6}"/>
+              </a:ext>
+            </a:extLst>
+          </p:cNvPr>
+          <p:cNvSpPr/>
+          <p:nvPr/>
+        </p:nvSpPr>
+        <p:spPr>
+          <a:xfrm>
+            <a:off x="16298506" y="5684884"/>
+            <a:ext cx="1361440" cy="1361440"/>
+          </a:xfrm>
+          <a:prstGeom prst="ellipse">
+            <a:avLst/>
+          </a:prstGeom>
+          <a:solidFill>
+            <a:schemeClr val="bg1"/>
+          </a:solidFill>
+          <a:ln w="28575">
+            <a:solidFill>
+              <a:schemeClr val="tx1"/>
+            </a:solidFill>
+          </a:ln>
+          <a:effectLst>
+            <a:outerShdw blurRad="50800" dist="38100" dir="2700000" algn="tl" rotWithShape="0">
+              <a:prstClr val="black">
+                <a:alpha val="40000"/>
+              </a:prstClr>
+            </a:outerShdw>
+          </a:effectLst>
+        </p:spPr>
+        <p:style>
+          <a:lnRef idx="2">
+            <a:schemeClr val="accent1">
+              <a:shade val="50000"/>
+            </a:schemeClr>
+          </a:lnRef>
+          <a:fillRef idx="1">
+            <a:schemeClr val="accent1"/>
+          </a:fillRef>
+          <a:effectRef idx="0">
+            <a:schemeClr val="accent1"/>
+          </a:effectRef>
+          <a:fontRef idx="minor">
+            <a:schemeClr val="lt1"/>
+          </a:fontRef>
+        </p:style>
+        <p:txBody>
+          <a:bodyPr rtlCol="0" anchor="ctr"/>
+          <a:lstStyle/>
+          <a:p>
+            <a:pPr algn="ctr"/>
+            <a:r>
+              <a:rPr lang="en-US" dirty="0">
+                <a:solidFill>
+                  <a:schemeClr val="tx1"/>
+                </a:solidFill>
+              </a:rPr>
+              <a:t>R2</a:t>
+            </a:r>
+          </a:p>
+        </p:txBody>
+      </p:sp>
+      <p:cxnSp>
+        <p:nvCxnSpPr>
+          <p:cNvPr id="56" name="Straight Arrow Connector 55">
+            <a:extLst>
+              <a:ext uri="{FF2B5EF4-FFF2-40B4-BE49-F238E27FC236}">
+                <a16:creationId xmlns:a16="http://schemas.microsoft.com/office/drawing/2014/main" id="{8342D6BA-4E4D-404A-9660-91249A90EF63}"/>
+              </a:ext>
+            </a:extLst>
+          </p:cNvPr>
+          <p:cNvCxnSpPr/>
+          <p:nvPr/>
+        </p:nvCxnSpPr>
+        <p:spPr>
+          <a:xfrm>
+            <a:off x="11772739" y="6344916"/>
+            <a:ext cx="1082361" cy="0"/>
+          </a:xfrm>
+          <a:prstGeom prst="straightConnector1">
+            <a:avLst/>
+          </a:prstGeom>
+          <a:ln w="19050">
+            <a:solidFill>
+              <a:schemeClr val="tx1"/>
+            </a:solidFill>
+            <a:tailEnd type="triangle" w="med" len="lg"/>
+          </a:ln>
+        </p:spPr>
+        <p:style>
+          <a:lnRef idx="1">
+            <a:schemeClr val="accent1"/>
+          </a:lnRef>
+          <a:fillRef idx="0">
+            <a:schemeClr val="accent1"/>
+          </a:fillRef>
+          <a:effectRef idx="0">
+            <a:schemeClr val="accent1"/>
+          </a:effectRef>
+          <a:fontRef idx="minor">
+            <a:schemeClr val="tx1"/>
+          </a:fontRef>
+        </p:style>
+      </p:cxnSp>
+      <p:cxnSp>
+        <p:nvCxnSpPr>
+          <p:cNvPr id="57" name="Straight Arrow Connector 56">
+            <a:extLst>
+              <a:ext uri="{FF2B5EF4-FFF2-40B4-BE49-F238E27FC236}">
+                <a16:creationId xmlns:a16="http://schemas.microsoft.com/office/drawing/2014/main" id="{37300B1E-505F-554E-8A8C-5C213ADFD398}"/>
+              </a:ext>
+            </a:extLst>
+          </p:cNvPr>
+          <p:cNvCxnSpPr>
+            <a:cxnSpLocks/>
+          </p:cNvCxnSpPr>
+          <p:nvPr/>
+        </p:nvCxnSpPr>
+        <p:spPr>
+          <a:xfrm>
+            <a:off x="9805124" y="5405120"/>
+            <a:ext cx="652940" cy="0"/>
+          </a:xfrm>
+          <a:prstGeom prst="straightConnector1">
+            <a:avLst/>
+          </a:prstGeom>
+          <a:ln w="19050">
+            <a:solidFill>
+              <a:schemeClr val="tx1"/>
+            </a:solidFill>
+            <a:tailEnd type="triangle" w="med" len="lg"/>
+          </a:ln>
+        </p:spPr>
+        <p:style>
+          <a:lnRef idx="1">
+            <a:schemeClr val="accent1"/>
+          </a:lnRef>
+          <a:fillRef idx="0">
+            <a:schemeClr val="accent1"/>
+          </a:fillRef>
+          <a:effectRef idx="0">
+            <a:schemeClr val="accent1"/>
+          </a:effectRef>
+          <a:fontRef idx="minor">
+            <a:schemeClr val="tx1"/>
+          </a:fontRef>
+        </p:style>
+      </p:cxnSp>
+      <p:cxnSp>
+        <p:nvCxnSpPr>
+          <p:cNvPr id="59" name="Straight Arrow Connector 58">
+            <a:extLst>
+              <a:ext uri="{FF2B5EF4-FFF2-40B4-BE49-F238E27FC236}">
+                <a16:creationId xmlns:a16="http://schemas.microsoft.com/office/drawing/2014/main" id="{B3FB6B4D-931D-6944-BAFD-70698F0D93D8}"/>
+              </a:ext>
+            </a:extLst>
+          </p:cNvPr>
+          <p:cNvCxnSpPr>
+            <a:cxnSpLocks/>
+          </p:cNvCxnSpPr>
+          <p:nvPr/>
+        </p:nvCxnSpPr>
+        <p:spPr>
+          <a:xfrm>
+            <a:off x="9805124" y="6333372"/>
+            <a:ext cx="652940" cy="0"/>
+          </a:xfrm>
+          <a:prstGeom prst="straightConnector1">
+            <a:avLst/>
+          </a:prstGeom>
+          <a:ln w="19050">
+            <a:solidFill>
+              <a:schemeClr val="tx1"/>
+            </a:solidFill>
+            <a:tailEnd type="triangle" w="med" len="lg"/>
+          </a:ln>
+        </p:spPr>
+        <p:style>
+          <a:lnRef idx="1">
+            <a:schemeClr val="accent1"/>
+          </a:lnRef>
+          <a:fillRef idx="0">
+            <a:schemeClr val="accent1"/>
+          </a:fillRef>
+          <a:effectRef idx="0">
+            <a:schemeClr val="accent1"/>
+          </a:effectRef>
+          <a:fontRef idx="minor">
+            <a:schemeClr val="tx1"/>
+          </a:fontRef>
+        </p:style>
+      </p:cxnSp>
+      <p:cxnSp>
+        <p:nvCxnSpPr>
+          <p:cNvPr id="60" name="Straight Arrow Connector 59">
+            <a:extLst>
+              <a:ext uri="{FF2B5EF4-FFF2-40B4-BE49-F238E27FC236}">
+                <a16:creationId xmlns:a16="http://schemas.microsoft.com/office/drawing/2014/main" id="{7D76FBDD-5FDC-A048-A188-D100B4D72855}"/>
+              </a:ext>
+            </a:extLst>
+          </p:cNvPr>
+          <p:cNvCxnSpPr>
+            <a:cxnSpLocks/>
+          </p:cNvCxnSpPr>
+          <p:nvPr/>
+        </p:nvCxnSpPr>
+        <p:spPr>
+          <a:xfrm>
+            <a:off x="9805124" y="7206206"/>
+            <a:ext cx="652940" cy="0"/>
+          </a:xfrm>
+          <a:prstGeom prst="straightConnector1">
+            <a:avLst/>
+          </a:prstGeom>
+          <a:ln w="19050">
+            <a:solidFill>
+              <a:schemeClr val="tx1"/>
+            </a:solidFill>
+            <a:tailEnd type="triangle" w="med" len="lg"/>
+          </a:ln>
+        </p:spPr>
+        <p:style>
+          <a:lnRef idx="1">
+            <a:schemeClr val="accent1"/>
+          </a:lnRef>
+          <a:fillRef idx="0">
+            <a:schemeClr val="accent1"/>
+          </a:fillRef>
+          <a:effectRef idx="0">
+            <a:schemeClr val="accent1"/>
+          </a:effectRef>
+          <a:fontRef idx="minor">
+            <a:schemeClr val="tx1"/>
+          </a:fontRef>
+        </p:style>
+      </p:cxnSp>
+      <p:cxnSp>
+        <p:nvCxnSpPr>
+          <p:cNvPr id="61" name="Straight Arrow Connector 60">
+            <a:extLst>
+              <a:ext uri="{FF2B5EF4-FFF2-40B4-BE49-F238E27FC236}">
+                <a16:creationId xmlns:a16="http://schemas.microsoft.com/office/drawing/2014/main" id="{53EE1F51-91BC-5142-8D82-269470BF94B0}"/>
+              </a:ext>
+            </a:extLst>
+          </p:cNvPr>
+          <p:cNvCxnSpPr>
+            <a:cxnSpLocks/>
+          </p:cNvCxnSpPr>
+          <p:nvPr/>
+        </p:nvCxnSpPr>
+        <p:spPr>
+          <a:xfrm>
+            <a:off x="14197015" y="5418975"/>
+            <a:ext cx="652940" cy="0"/>
+          </a:xfrm>
+          <a:prstGeom prst="straightConnector1">
+            <a:avLst/>
+          </a:prstGeom>
+          <a:ln w="19050">
+            <a:solidFill>
+              <a:schemeClr val="tx1"/>
+            </a:solidFill>
+            <a:tailEnd type="triangle" w="med" len="lg"/>
+          </a:ln>
+        </p:spPr>
+        <p:style>
+          <a:lnRef idx="1">
+            <a:schemeClr val="accent1"/>
+          </a:lnRef>
+          <a:fillRef idx="0">
+            <a:schemeClr val="accent1"/>
+          </a:fillRef>
+          <a:effectRef idx="0">
+            <a:schemeClr val="accent1"/>
+          </a:effectRef>
+          <a:fontRef idx="minor">
+            <a:schemeClr val="tx1"/>
+          </a:fontRef>
+        </p:style>
+      </p:cxnSp>
+      <p:cxnSp>
+        <p:nvCxnSpPr>
+          <p:cNvPr id="62" name="Straight Arrow Connector 61">
+            <a:extLst>
+              <a:ext uri="{FF2B5EF4-FFF2-40B4-BE49-F238E27FC236}">
+                <a16:creationId xmlns:a16="http://schemas.microsoft.com/office/drawing/2014/main" id="{B6F76826-59F8-0444-9938-FE76FABE07B4}"/>
+              </a:ext>
+            </a:extLst>
+          </p:cNvPr>
+          <p:cNvCxnSpPr>
+            <a:cxnSpLocks/>
+          </p:cNvCxnSpPr>
+          <p:nvPr/>
+        </p:nvCxnSpPr>
+        <p:spPr>
+          <a:xfrm>
+            <a:off x="14197015" y="6347227"/>
+            <a:ext cx="652940" cy="0"/>
+          </a:xfrm>
+          <a:prstGeom prst="straightConnector1">
+            <a:avLst/>
+          </a:prstGeom>
+          <a:ln w="19050">
+            <a:solidFill>
+              <a:schemeClr val="tx1"/>
+            </a:solidFill>
+            <a:tailEnd type="triangle" w="med" len="lg"/>
+          </a:ln>
+        </p:spPr>
+        <p:style>
+          <a:lnRef idx="1">
+            <a:schemeClr val="accent1"/>
+          </a:lnRef>
+          <a:fillRef idx="0">
+            <a:schemeClr val="accent1"/>
+          </a:fillRef>
+          <a:effectRef idx="0">
+            <a:schemeClr val="accent1"/>
+          </a:effectRef>
+          <a:fontRef idx="minor">
+            <a:schemeClr val="tx1"/>
+          </a:fontRef>
+        </p:style>
+      </p:cxnSp>
+      <p:cxnSp>
+        <p:nvCxnSpPr>
+          <p:cNvPr id="63" name="Straight Arrow Connector 62">
+            <a:extLst>
+              <a:ext uri="{FF2B5EF4-FFF2-40B4-BE49-F238E27FC236}">
+                <a16:creationId xmlns:a16="http://schemas.microsoft.com/office/drawing/2014/main" id="{426B535A-C7F0-E949-A8F4-3544967D1709}"/>
+              </a:ext>
+            </a:extLst>
+          </p:cNvPr>
+          <p:cNvCxnSpPr>
+            <a:cxnSpLocks/>
+          </p:cNvCxnSpPr>
+          <p:nvPr/>
+        </p:nvCxnSpPr>
+        <p:spPr>
+          <a:xfrm>
+            <a:off x="14197015" y="7220061"/>
+            <a:ext cx="652940" cy="0"/>
+          </a:xfrm>
+          <a:prstGeom prst="straightConnector1">
+            <a:avLst/>
+          </a:prstGeom>
+          <a:ln w="19050">
+            <a:solidFill>
+              <a:schemeClr val="tx1"/>
+            </a:solidFill>
+            <a:tailEnd type="triangle" w="med" len="lg"/>
+          </a:ln>
+        </p:spPr>
+        <p:style>
+          <a:lnRef idx="1">
+            <a:schemeClr val="accent1"/>
+          </a:lnRef>
+          <a:fillRef idx="0">
+            <a:schemeClr val="accent1"/>
+          </a:fillRef>
+          <a:effectRef idx="0">
+            <a:schemeClr val="accent1"/>
+          </a:effectRef>
+          <a:fontRef idx="minor">
+            <a:schemeClr val="tx1"/>
+          </a:fontRef>
+        </p:style>
+      </p:cxnSp>
+      <p:sp>
+        <p:nvSpPr>
+          <p:cNvPr id="64" name="Oval 63">
+            <a:extLst>
+              <a:ext uri="{FF2B5EF4-FFF2-40B4-BE49-F238E27FC236}">
+                <a16:creationId xmlns:a16="http://schemas.microsoft.com/office/drawing/2014/main" id="{EE6992C1-DE36-DC47-A4C6-F06863C13E18}"/>
+              </a:ext>
+            </a:extLst>
+          </p:cNvPr>
+          <p:cNvSpPr/>
+          <p:nvPr/>
+        </p:nvSpPr>
+        <p:spPr>
+          <a:xfrm>
+            <a:off x="16298506" y="3637279"/>
+            <a:ext cx="1361440" cy="1361440"/>
+          </a:xfrm>
+          <a:prstGeom prst="ellipse">
+            <a:avLst/>
+          </a:prstGeom>
+          <a:solidFill>
+            <a:schemeClr val="bg1"/>
+          </a:solidFill>
+          <a:ln w="28575">
+            <a:solidFill>
+              <a:schemeClr val="tx1"/>
+            </a:solidFill>
+          </a:ln>
+          <a:effectLst>
+            <a:outerShdw blurRad="50800" dist="38100" dir="2700000" algn="tl" rotWithShape="0">
+              <a:prstClr val="black">
+                <a:alpha val="40000"/>
+              </a:prstClr>
+            </a:outerShdw>
+          </a:effectLst>
+        </p:spPr>
+        <p:style>
+          <a:lnRef idx="2">
+            <a:schemeClr val="accent1">
+              <a:shade val="50000"/>
+            </a:schemeClr>
+          </a:lnRef>
+          <a:fillRef idx="1">
+            <a:schemeClr val="accent1"/>
+          </a:fillRef>
+          <a:effectRef idx="0">
+            <a:schemeClr val="accent1"/>
+          </a:effectRef>
+          <a:fontRef idx="minor">
+            <a:schemeClr val="lt1"/>
+          </a:fontRef>
+        </p:style>
+        <p:txBody>
+          <a:bodyPr rtlCol="0" anchor="ctr"/>
+          <a:lstStyle/>
+          <a:p>
+            <a:pPr algn="ctr"/>
+            <a:r>
+              <a:rPr lang="en-US" dirty="0">
+                <a:solidFill>
+                  <a:schemeClr val="tx1"/>
+                </a:solidFill>
+              </a:rPr>
+              <a:t>R1</a:t>
+            </a:r>
+          </a:p>
+        </p:txBody>
+      </p:sp>
+      <p:sp>
+        <p:nvSpPr>
+          <p:cNvPr id="65" name="Oval 64">
+            <a:extLst>
+              <a:ext uri="{FF2B5EF4-FFF2-40B4-BE49-F238E27FC236}">
+                <a16:creationId xmlns:a16="http://schemas.microsoft.com/office/drawing/2014/main" id="{E3C8773E-9FA8-164F-9034-3D1A8BEBEE0F}"/>
+              </a:ext>
+            </a:extLst>
+          </p:cNvPr>
+          <p:cNvSpPr/>
+          <p:nvPr/>
+        </p:nvSpPr>
+        <p:spPr>
+          <a:xfrm>
+            <a:off x="16298506" y="7765728"/>
+            <a:ext cx="1361440" cy="1361440"/>
+          </a:xfrm>
+          <a:prstGeom prst="ellipse">
+            <a:avLst/>
+          </a:prstGeom>
+          <a:solidFill>
+            <a:schemeClr val="bg1"/>
+          </a:solidFill>
+          <a:ln w="28575">
+            <a:solidFill>
+              <a:schemeClr val="tx1"/>
+            </a:solidFill>
+          </a:ln>
+          <a:effectLst>
+            <a:outerShdw blurRad="50800" dist="38100" dir="2700000" algn="tl" rotWithShape="0">
+              <a:prstClr val="black">
+                <a:alpha val="40000"/>
+              </a:prstClr>
+            </a:outerShdw>
+          </a:effectLst>
+        </p:spPr>
+        <p:style>
+          <a:lnRef idx="2">
+            <a:schemeClr val="accent1">
+              <a:shade val="50000"/>
+            </a:schemeClr>
+          </a:lnRef>
+          <a:fillRef idx="1">
+            <a:schemeClr val="accent1"/>
+          </a:fillRef>
+          <a:effectRef idx="0">
+            <a:schemeClr val="accent1"/>
+          </a:effectRef>
+          <a:fontRef idx="minor">
+            <a:schemeClr val="lt1"/>
+          </a:fontRef>
+        </p:style>
+        <p:txBody>
+          <a:bodyPr rtlCol="0" anchor="ctr"/>
+          <a:lstStyle/>
+          <a:p>
+            <a:pPr algn="ctr"/>
+            <a:r>
+              <a:rPr lang="en-US" dirty="0">
+                <a:solidFill>
+                  <a:schemeClr val="tx1"/>
+                </a:solidFill>
+              </a:rPr>
+              <a:t>R3</a:t>
+            </a:r>
+          </a:p>
+        </p:txBody>
+      </p:sp>
+      <p:cxnSp>
+        <p:nvCxnSpPr>
+          <p:cNvPr id="67" name="Straight Connector 66">
+            <a:extLst>
+              <a:ext uri="{FF2B5EF4-FFF2-40B4-BE49-F238E27FC236}">
+                <a16:creationId xmlns:a16="http://schemas.microsoft.com/office/drawing/2014/main" id="{6CFDBE96-E452-FE4F-974C-A2C5CB2BB1AB}"/>
+              </a:ext>
+            </a:extLst>
+          </p:cNvPr>
+          <p:cNvCxnSpPr>
+            <a:cxnSpLocks/>
+            <a:stCxn id="28" idx="5"/>
+          </p:cNvCxnSpPr>
+          <p:nvPr/>
+        </p:nvCxnSpPr>
+        <p:spPr>
+          <a:xfrm>
+            <a:off x="8113995" y="4799341"/>
+            <a:ext cx="1436406" cy="619634"/>
+          </a:xfrm>
+          <a:prstGeom prst="line">
+            <a:avLst/>
+          </a:prstGeom>
+          <a:ln w="28575">
+            <a:solidFill>
+              <a:schemeClr val="tx1"/>
+            </a:solidFill>
+          </a:ln>
+        </p:spPr>
+        <p:style>
+          <a:lnRef idx="1">
+            <a:schemeClr val="accent1"/>
+          </a:lnRef>
+          <a:fillRef idx="0">
+            <a:schemeClr val="accent1"/>
+          </a:fillRef>
+          <a:effectRef idx="0">
+            <a:schemeClr val="accent1"/>
+          </a:effectRef>
+          <a:fontRef idx="minor">
+            <a:schemeClr val="tx1"/>
+          </a:fontRef>
+        </p:style>
+      </p:cxnSp>
+      <p:cxnSp>
+        <p:nvCxnSpPr>
+          <p:cNvPr id="69" name="Straight Connector 68">
+            <a:extLst>
+              <a:ext uri="{FF2B5EF4-FFF2-40B4-BE49-F238E27FC236}">
+                <a16:creationId xmlns:a16="http://schemas.microsoft.com/office/drawing/2014/main" id="{3371C1A3-E098-3642-B1CE-68CE65DBA981}"/>
+              </a:ext>
+            </a:extLst>
+          </p:cNvPr>
+          <p:cNvCxnSpPr>
+            <a:cxnSpLocks/>
+            <a:stCxn id="53" idx="6"/>
+            <a:endCxn id="10" idx="1"/>
+          </p:cNvCxnSpPr>
+          <p:nvPr/>
+        </p:nvCxnSpPr>
+        <p:spPr>
+          <a:xfrm flipV="1">
+            <a:off x="8319174" y="6360156"/>
+            <a:ext cx="1231227" cy="5448"/>
+          </a:xfrm>
+          <a:prstGeom prst="line">
+            <a:avLst/>
+          </a:prstGeom>
+          <a:ln w="28575">
+            <a:solidFill>
+              <a:schemeClr val="tx1"/>
+            </a:solidFill>
+          </a:ln>
+        </p:spPr>
+        <p:style>
+          <a:lnRef idx="1">
+            <a:schemeClr val="accent1"/>
+          </a:lnRef>
+          <a:fillRef idx="0">
+            <a:schemeClr val="accent1"/>
+          </a:fillRef>
+          <a:effectRef idx="0">
+            <a:schemeClr val="accent1"/>
+          </a:effectRef>
+          <a:fontRef idx="minor">
+            <a:schemeClr val="tx1"/>
+          </a:fontRef>
+        </p:style>
+      </p:cxnSp>
+      <p:cxnSp>
+        <p:nvCxnSpPr>
+          <p:cNvPr id="72" name="Straight Connector 71">
+            <a:extLst>
+              <a:ext uri="{FF2B5EF4-FFF2-40B4-BE49-F238E27FC236}">
+                <a16:creationId xmlns:a16="http://schemas.microsoft.com/office/drawing/2014/main" id="{82F28CA9-98F0-014B-AAF5-C4DBBB1019F0}"/>
+              </a:ext>
+            </a:extLst>
+          </p:cNvPr>
+          <p:cNvCxnSpPr>
+            <a:cxnSpLocks/>
+            <a:stCxn id="54" idx="7"/>
+          </p:cNvCxnSpPr>
+          <p:nvPr/>
+        </p:nvCxnSpPr>
+        <p:spPr>
+          <a:xfrm flipV="1">
+            <a:off x="8113995" y="7206206"/>
+            <a:ext cx="1424322" cy="729349"/>
+          </a:xfrm>
+          <a:prstGeom prst="line">
+            <a:avLst/>
+          </a:prstGeom>
+          <a:ln w="28575">
+            <a:solidFill>
+              <a:schemeClr val="tx1"/>
+            </a:solidFill>
+          </a:ln>
+        </p:spPr>
+        <p:style>
+          <a:lnRef idx="1">
+            <a:schemeClr val="accent1"/>
+          </a:lnRef>
+          <a:fillRef idx="0">
+            <a:schemeClr val="accent1"/>
+          </a:fillRef>
+          <a:effectRef idx="0">
+            <a:schemeClr val="accent1"/>
+          </a:effectRef>
+          <a:fontRef idx="minor">
+            <a:schemeClr val="tx1"/>
+          </a:fontRef>
+        </p:style>
+      </p:cxnSp>
+      <p:cxnSp>
+        <p:nvCxnSpPr>
+          <p:cNvPr id="75" name="Straight Connector 74">
+            <a:extLst>
+              <a:ext uri="{FF2B5EF4-FFF2-40B4-BE49-F238E27FC236}">
+                <a16:creationId xmlns:a16="http://schemas.microsoft.com/office/drawing/2014/main" id="{A6E7DC8E-FF6D-314B-B642-169F6F7734D0}"/>
+              </a:ext>
+            </a:extLst>
+          </p:cNvPr>
+          <p:cNvCxnSpPr>
+            <a:cxnSpLocks/>
+            <a:endCxn id="64" idx="3"/>
+          </p:cNvCxnSpPr>
+          <p:nvPr/>
+        </p:nvCxnSpPr>
+        <p:spPr>
+          <a:xfrm flipV="1">
+            <a:off x="15061478" y="4799341"/>
+            <a:ext cx="1436406" cy="658042"/>
+          </a:xfrm>
+          <a:prstGeom prst="line">
+            <a:avLst/>
+          </a:prstGeom>
+          <a:ln w="28575">
+            <a:solidFill>
+              <a:schemeClr val="tx1"/>
+            </a:solidFill>
+          </a:ln>
+        </p:spPr>
+        <p:style>
+          <a:lnRef idx="1">
+            <a:schemeClr val="accent1"/>
+          </a:lnRef>
+          <a:fillRef idx="0">
+            <a:schemeClr val="accent1"/>
+          </a:fillRef>
+          <a:effectRef idx="0">
+            <a:schemeClr val="accent1"/>
+          </a:effectRef>
+          <a:fontRef idx="minor">
+            <a:schemeClr val="tx1"/>
+          </a:fontRef>
+        </p:style>
+      </p:cxnSp>
+      <p:cxnSp>
+        <p:nvCxnSpPr>
+          <p:cNvPr id="79" name="Straight Connector 78">
+            <a:extLst>
+              <a:ext uri="{FF2B5EF4-FFF2-40B4-BE49-F238E27FC236}">
+                <a16:creationId xmlns:a16="http://schemas.microsoft.com/office/drawing/2014/main" id="{9C5BE53B-97E2-5C4F-A7E7-C0BDAAE65A73}"/>
+              </a:ext>
+            </a:extLst>
+          </p:cNvPr>
+          <p:cNvCxnSpPr>
+            <a:cxnSpLocks/>
+            <a:stCxn id="51" idx="3"/>
+            <a:endCxn id="55" idx="2"/>
+          </p:cNvCxnSpPr>
+          <p:nvPr/>
+        </p:nvCxnSpPr>
+        <p:spPr>
+          <a:xfrm>
+            <a:off x="15067279" y="6360156"/>
+            <a:ext cx="1231227" cy="5448"/>
+          </a:xfrm>
+          <a:prstGeom prst="line">
+            <a:avLst/>
+          </a:prstGeom>
+          <a:ln w="28575">
+            <a:solidFill>
+              <a:schemeClr val="tx1"/>
+            </a:solidFill>
+          </a:ln>
+        </p:spPr>
+        <p:style>
+          <a:lnRef idx="1">
+            <a:schemeClr val="accent1"/>
+          </a:lnRef>
+          <a:fillRef idx="0">
+            <a:schemeClr val="accent1"/>
+          </a:fillRef>
+          <a:effectRef idx="0">
+            <a:schemeClr val="accent1"/>
+          </a:effectRef>
+          <a:fontRef idx="minor">
+            <a:schemeClr val="tx1"/>
+          </a:fontRef>
+        </p:style>
+      </p:cxnSp>
+      <p:cxnSp>
+        <p:nvCxnSpPr>
+          <p:cNvPr id="82" name="Straight Connector 81">
+            <a:extLst>
+              <a:ext uri="{FF2B5EF4-FFF2-40B4-BE49-F238E27FC236}">
+                <a16:creationId xmlns:a16="http://schemas.microsoft.com/office/drawing/2014/main" id="{368B459F-D02B-2D49-B1D1-4C84471FCEBA}"/>
+              </a:ext>
+            </a:extLst>
+          </p:cNvPr>
+          <p:cNvCxnSpPr>
+            <a:cxnSpLocks/>
+            <a:endCxn id="65" idx="1"/>
+          </p:cNvCxnSpPr>
+          <p:nvPr/>
+        </p:nvCxnSpPr>
+        <p:spPr>
+          <a:xfrm>
+            <a:off x="15073944" y="7268378"/>
+            <a:ext cx="1423940" cy="696728"/>
+          </a:xfrm>
+          <a:prstGeom prst="line">
+            <a:avLst/>
+          </a:prstGeom>
+          <a:ln w="28575">
+            <a:solidFill>
+              <a:schemeClr val="tx1"/>
+            </a:solidFill>
+          </a:ln>
+        </p:spPr>
+        <p:style>
+          <a:lnRef idx="1">
+            <a:schemeClr val="accent1"/>
+          </a:lnRef>
+          <a:fillRef idx="0">
+            <a:schemeClr val="accent1"/>
+          </a:fillRef>
+          <a:effectRef idx="0">
+            <a:schemeClr val="accent1"/>
+          </a:effectRef>
+          <a:fontRef idx="minor">
+            <a:schemeClr val="tx1"/>
+          </a:fontRef>
+        </p:style>
+      </p:cxnSp>
+      <p:cxnSp>
+        <p:nvCxnSpPr>
+          <p:cNvPr id="92" name="Straight Connector 91">
+            <a:extLst>
+              <a:ext uri="{FF2B5EF4-FFF2-40B4-BE49-F238E27FC236}">
+                <a16:creationId xmlns:a16="http://schemas.microsoft.com/office/drawing/2014/main" id="{08B479BB-3D85-C440-A5C6-6B540227C856}"/>
+              </a:ext>
+            </a:extLst>
+          </p:cNvPr>
+          <p:cNvCxnSpPr>
+            <a:cxnSpLocks/>
+          </p:cNvCxnSpPr>
+          <p:nvPr/>
+        </p:nvCxnSpPr>
+        <p:spPr>
+          <a:xfrm>
+            <a:off x="12967333" y="6176471"/>
+            <a:ext cx="0" cy="329156"/>
+          </a:xfrm>
+          <a:prstGeom prst="line">
+            <a:avLst/>
+          </a:prstGeom>
+          <a:ln w="57150">
+            <a:solidFill>
+              <a:schemeClr val="bg1"/>
+            </a:solidFill>
+            <a:prstDash val="solid"/>
+          </a:ln>
+        </p:spPr>
+        <p:style>
+          <a:lnRef idx="1">
+            <a:schemeClr val="accent1"/>
+          </a:lnRef>
+          <a:fillRef idx="0">
+            <a:schemeClr val="accent1"/>
+          </a:fillRef>
+          <a:effectRef idx="0">
+            <a:schemeClr val="accent1"/>
+          </a:effectRef>
+          <a:fontRef idx="minor">
+            <a:schemeClr val="tx1"/>
+          </a:fontRef>
+        </p:style>
+      </p:cxnSp>
+      <p:cxnSp>
+        <p:nvCxnSpPr>
+          <p:cNvPr id="94" name="Straight Connector 93">
+            <a:extLst>
+              <a:ext uri="{FF2B5EF4-FFF2-40B4-BE49-F238E27FC236}">
+                <a16:creationId xmlns:a16="http://schemas.microsoft.com/office/drawing/2014/main" id="{7446805D-5517-2144-87AF-F750315FDDEE}"/>
+              </a:ext>
+            </a:extLst>
+          </p:cNvPr>
+          <p:cNvCxnSpPr>
+            <a:cxnSpLocks/>
+          </p:cNvCxnSpPr>
+          <p:nvPr/>
+        </p:nvCxnSpPr>
+        <p:spPr>
+          <a:xfrm>
+            <a:off x="11675514" y="6167120"/>
+            <a:ext cx="0" cy="331668"/>
+          </a:xfrm>
+          <a:prstGeom prst="line">
+            <a:avLst/>
+          </a:prstGeom>
+          <a:ln w="101600">
+            <a:solidFill>
+              <a:schemeClr val="bg1"/>
+            </a:solidFill>
+            <a:prstDash val="solid"/>
+          </a:ln>
+        </p:spPr>
+        <p:style>
+          <a:lnRef idx="1">
+            <a:schemeClr val="accent1"/>
+          </a:lnRef>
+          <a:fillRef idx="0">
+            <a:schemeClr val="accent1"/>
+          </a:fillRef>
+          <a:effectRef idx="0">
+            <a:schemeClr val="accent1"/>
+          </a:effectRef>
+          <a:fontRef idx="minor">
+            <a:schemeClr val="tx1"/>
+          </a:fontRef>
+        </p:style>
+      </p:cxnSp>
+      <p:cxnSp>
+        <p:nvCxnSpPr>
+          <p:cNvPr id="49" name="Straight Connector 48">
+            <a:extLst>
+              <a:ext uri="{FF2B5EF4-FFF2-40B4-BE49-F238E27FC236}">
+                <a16:creationId xmlns:a16="http://schemas.microsoft.com/office/drawing/2014/main" id="{B3D15A13-F426-0C4C-9F98-CB92EE5C9F3D}"/>
+              </a:ext>
+            </a:extLst>
+          </p:cNvPr>
+          <p:cNvCxnSpPr>
+            <a:cxnSpLocks/>
+          </p:cNvCxnSpPr>
+          <p:nvPr/>
+        </p:nvCxnSpPr>
+        <p:spPr>
+          <a:xfrm>
+            <a:off x="11226800" y="6503856"/>
+            <a:ext cx="2255520" cy="0"/>
+          </a:xfrm>
+          <a:prstGeom prst="line">
+            <a:avLst/>
+          </a:prstGeom>
+          <a:ln w="28575">
+            <a:solidFill>
+              <a:srgbClr val="00A6DA"/>
+            </a:solidFill>
+          </a:ln>
+        </p:spPr>
+        <p:style>
+          <a:lnRef idx="1">
+            <a:schemeClr val="accent1"/>
+          </a:lnRef>
+          <a:fillRef idx="0">
+            <a:schemeClr val="accent1"/>
+          </a:fillRef>
+          <a:effectRef idx="0">
+            <a:schemeClr val="accent1"/>
+          </a:effectRef>
+          <a:fontRef idx="minor">
+            <a:schemeClr val="tx1"/>
+          </a:fontRef>
+        </p:style>
+      </p:cxnSp>
+      <p:cxnSp>
+        <p:nvCxnSpPr>
+          <p:cNvPr id="26" name="Straight Connector 25">
+            <a:extLst>
+              <a:ext uri="{FF2B5EF4-FFF2-40B4-BE49-F238E27FC236}">
+                <a16:creationId xmlns:a16="http://schemas.microsoft.com/office/drawing/2014/main" id="{A62C383F-E0F4-F84B-B943-CDDF731CB092}"/>
+              </a:ext>
+            </a:extLst>
+          </p:cNvPr>
+          <p:cNvCxnSpPr>
+            <a:cxnSpLocks/>
+          </p:cNvCxnSpPr>
+          <p:nvPr/>
+        </p:nvCxnSpPr>
+        <p:spPr>
+          <a:xfrm>
+            <a:off x="11226800" y="6167120"/>
+            <a:ext cx="2255520" cy="0"/>
+          </a:xfrm>
+          <a:prstGeom prst="line">
+            <a:avLst/>
+          </a:prstGeom>
+          <a:ln w="28575">
+            <a:solidFill>
+              <a:srgbClr val="00A6DA"/>
+            </a:solidFill>
+          </a:ln>
+        </p:spPr>
+        <p:style>
+          <a:lnRef idx="1">
+            <a:schemeClr val="accent1"/>
+          </a:lnRef>
+          <a:fillRef idx="0">
+            <a:schemeClr val="accent1"/>
+          </a:fillRef>
+          <a:effectRef idx="0">
+            <a:schemeClr val="accent1"/>
+          </a:effectRef>
+          <a:fontRef idx="minor">
+            <a:schemeClr val="tx1"/>
+          </a:fontRef>
+        </p:style>
+      </p:cxnSp>
+    </p:spTree>
+    <p:extLst>
+      <p:ext uri="{BB962C8B-B14F-4D97-AF65-F5344CB8AC3E}">
+        <p14:creationId xmlns:p14="http://schemas.microsoft.com/office/powerpoint/2010/main" val="3916868231"/>
       </p:ext>
     </p:extLst>
   </p:cSld>

--- a/figures/Figure-sources.pptx
+++ b/figures/Figure-sources.pptx
@@ -10602,8 +10602,8 @@
         </p:nvSpPr>
         <p:spPr>
           <a:xfrm>
-            <a:off x="13618343" y="9121824"/>
-            <a:ext cx="2100255" cy="646331"/>
+            <a:off x="14389460" y="8499649"/>
+            <a:ext cx="3865161" cy="1200329"/>
           </a:xfrm>
           <a:prstGeom prst="rect">
             <a:avLst/>
@@ -10616,6 +10616,19 @@
           </a:bodyPr>
           <a:lstStyle/>
           <a:p>
+            <a:pPr algn="l"/>
+            <a:r>
+              <a:rPr lang="en-US" sz="3600" dirty="0">
+                <a:solidFill>
+                  <a:schemeClr val="tx1"/>
+                </a:solidFill>
+                <a:latin typeface="+mn-lt"/>
+              </a:rPr>
+              <a:t>Decrease</a:t>
+            </a:r>
+          </a:p>
+          <a:p>
+            <a:pPr algn="l"/>
             <a:r>
               <a:rPr lang="en-US" sz="3600" dirty="0" err="1">
                 <a:solidFill>
@@ -10623,8 +10636,46 @@
                 </a:solidFill>
                 <a:latin typeface="+mn-lt"/>
               </a:rPr>
-              <a:t>cwnd</a:t>
+              <a:t>CongestionWindow</a:t>
             </a:r>
+            <a:endParaRPr lang="en-US" sz="3600" dirty="0">
+              <a:solidFill>
+                <a:schemeClr val="tx1"/>
+              </a:solidFill>
+              <a:latin typeface="+mn-lt"/>
+            </a:endParaRPr>
+          </a:p>
+        </p:txBody>
+      </p:sp>
+      <p:sp>
+        <p:nvSpPr>
+          <p:cNvPr id="75" name="TextBox 74">
+            <a:extLst>
+              <a:ext uri="{FF2B5EF4-FFF2-40B4-BE49-F238E27FC236}">
+                <a16:creationId xmlns:a16="http://schemas.microsoft.com/office/drawing/2014/main" id="{0C2F16EE-6070-2D4F-A6AF-B608F68BDFCB}"/>
+              </a:ext>
+            </a:extLst>
+          </p:cNvPr>
+          <p:cNvSpPr txBox="1"/>
+          <p:nvPr/>
+        </p:nvSpPr>
+        <p:spPr>
+          <a:xfrm>
+            <a:off x="9031344" y="3977888"/>
+            <a:ext cx="3865161" cy="1200329"/>
+          </a:xfrm>
+          <a:prstGeom prst="rect">
+            <a:avLst/>
+          </a:prstGeom>
+          <a:noFill/>
+        </p:spPr>
+        <p:txBody>
+          <a:bodyPr wrap="none" rtlCol="0">
+            <a:spAutoFit/>
+          </a:bodyPr>
+          <a:lstStyle/>
+          <a:p>
+            <a:pPr algn="r"/>
             <a:r>
               <a:rPr lang="en-US" sz="3600" dirty="0">
                 <a:solidFill>
@@ -10632,48 +10683,11 @@
                 </a:solidFill>
                 <a:latin typeface="+mn-lt"/>
               </a:rPr>
-              <a:t> = 19</a:t>
+              <a:t>Increase</a:t>
             </a:r>
           </a:p>
-        </p:txBody>
-      </p:sp>
-      <p:sp>
-        <p:nvSpPr>
-          <p:cNvPr id="75" name="TextBox 74">
-            <a:extLst>
-              <a:ext uri="{FF2B5EF4-FFF2-40B4-BE49-F238E27FC236}">
-                <a16:creationId xmlns:a16="http://schemas.microsoft.com/office/drawing/2014/main" id="{0C2F16EE-6070-2D4F-A6AF-B608F68BDFCB}"/>
-              </a:ext>
-            </a:extLst>
-          </p:cNvPr>
-          <p:cNvSpPr txBox="1"/>
-          <p:nvPr/>
-        </p:nvSpPr>
-        <p:spPr>
-          <a:xfrm>
-            <a:off x="10097660" y="4463799"/>
-            <a:ext cx="2874505" cy="646331"/>
-          </a:xfrm>
-          <a:prstGeom prst="rect">
-            <a:avLst/>
-          </a:prstGeom>
-          <a:noFill/>
-        </p:spPr>
-        <p:txBody>
-          <a:bodyPr wrap="none" rtlCol="0">
-            <a:spAutoFit/>
-          </a:bodyPr>
-          <a:lstStyle/>
-          <a:p>
-            <a:r>
-              <a:rPr lang="en-US" sz="3600" dirty="0">
-                <a:solidFill>
-                  <a:schemeClr val="tx1"/>
-                </a:solidFill>
-                <a:latin typeface="+mn-lt"/>
-              </a:rPr>
-              <a:t>Increase </a:t>
-            </a:r>
+          <a:p>
+            <a:pPr algn="r"/>
             <a:r>
               <a:rPr lang="en-US" sz="3600" dirty="0" err="1">
                 <a:solidFill>
@@ -10681,7 +10695,7 @@
                 </a:solidFill>
                 <a:latin typeface="+mn-lt"/>
               </a:rPr>
-              <a:t>cwnd</a:t>
+              <a:t>CongestionWindow</a:t>
             </a:r>
             <a:endParaRPr lang="en-US" sz="3600" dirty="0">
               <a:solidFill>

--- a/figures/Figure-sources.pptx
+++ b/figures/Figure-sources.pptx
@@ -5,7 +5,7 @@
     <p:sldMasterId id="2147483661" r:id="rId1"/>
   </p:sldMasterIdLst>
   <p:notesMasterIdLst>
-    <p:notesMasterId r:id="rId13"/>
+    <p:notesMasterId r:id="rId14"/>
   </p:notesMasterIdLst>
   <p:sldIdLst>
     <p:sldId id="257" r:id="rId2"/>
@@ -19,6 +19,7 @@
     <p:sldId id="264" r:id="rId10"/>
     <p:sldId id="266" r:id="rId11"/>
     <p:sldId id="267" r:id="rId12"/>
+    <p:sldId id="268" r:id="rId13"/>
   </p:sldIdLst>
   <p:sldSz cx="24384000" cy="13716000"/>
   <p:notesSz cx="6858000" cy="9144000"/>
@@ -676,7 +677,7 @@
           <a:p>
             <a:fld id="{9AD5F5E7-BF49-4F47-A424-503B82E4E0B0}" type="datetimeFigureOut">
               <a:rPr lang="en-AU" smtClean="0"/>
-              <a:t>30/11/21</a:t>
+              <a:t>1/12/21</a:t>
             </a:fld>
             <a:endParaRPr lang="en-AU"/>
           </a:p>
@@ -876,7 +877,7 @@
           <a:p>
             <a:fld id="{9AD5F5E7-BF49-4F47-A424-503B82E4E0B0}" type="datetimeFigureOut">
               <a:rPr lang="en-AU" smtClean="0"/>
-              <a:t>30/11/21</a:t>
+              <a:t>1/12/21</a:t>
             </a:fld>
             <a:endParaRPr lang="en-AU"/>
           </a:p>
@@ -1086,7 +1087,7 @@
           <a:p>
             <a:fld id="{9AD5F5E7-BF49-4F47-A424-503B82E4E0B0}" type="datetimeFigureOut">
               <a:rPr lang="en-AU" smtClean="0"/>
-              <a:t>30/11/21</a:t>
+              <a:t>1/12/21</a:t>
             </a:fld>
             <a:endParaRPr lang="en-AU"/>
           </a:p>
@@ -1286,7 +1287,7 @@
           <a:p>
             <a:fld id="{9AD5F5E7-BF49-4F47-A424-503B82E4E0B0}" type="datetimeFigureOut">
               <a:rPr lang="en-AU" smtClean="0"/>
-              <a:t>30/11/21</a:t>
+              <a:t>1/12/21</a:t>
             </a:fld>
             <a:endParaRPr lang="en-AU"/>
           </a:p>
@@ -1562,7 +1563,7 @@
           <a:p>
             <a:fld id="{9AD5F5E7-BF49-4F47-A424-503B82E4E0B0}" type="datetimeFigureOut">
               <a:rPr lang="en-AU" smtClean="0"/>
-              <a:t>30/11/21</a:t>
+              <a:t>1/12/21</a:t>
             </a:fld>
             <a:endParaRPr lang="en-AU"/>
           </a:p>
@@ -1830,7 +1831,7 @@
           <a:p>
             <a:fld id="{9AD5F5E7-BF49-4F47-A424-503B82E4E0B0}" type="datetimeFigureOut">
               <a:rPr lang="en-AU" smtClean="0"/>
-              <a:t>30/11/21</a:t>
+              <a:t>1/12/21</a:t>
             </a:fld>
             <a:endParaRPr lang="en-AU"/>
           </a:p>
@@ -2245,7 +2246,7 @@
           <a:p>
             <a:fld id="{9AD5F5E7-BF49-4F47-A424-503B82E4E0B0}" type="datetimeFigureOut">
               <a:rPr lang="en-AU" smtClean="0"/>
-              <a:t>30/11/21</a:t>
+              <a:t>1/12/21</a:t>
             </a:fld>
             <a:endParaRPr lang="en-AU"/>
           </a:p>
@@ -2387,7 +2388,7 @@
           <a:p>
             <a:fld id="{9AD5F5E7-BF49-4F47-A424-503B82E4E0B0}" type="datetimeFigureOut">
               <a:rPr lang="en-AU" smtClean="0"/>
-              <a:t>30/11/21</a:t>
+              <a:t>1/12/21</a:t>
             </a:fld>
             <a:endParaRPr lang="en-AU"/>
           </a:p>
@@ -2500,7 +2501,7 @@
           <a:p>
             <a:fld id="{9AD5F5E7-BF49-4F47-A424-503B82E4E0B0}" type="datetimeFigureOut">
               <a:rPr lang="en-AU" smtClean="0"/>
-              <a:t>30/11/21</a:t>
+              <a:t>1/12/21</a:t>
             </a:fld>
             <a:endParaRPr lang="en-AU"/>
           </a:p>
@@ -2813,7 +2814,7 @@
           <a:p>
             <a:fld id="{9AD5F5E7-BF49-4F47-A424-503B82E4E0B0}" type="datetimeFigureOut">
               <a:rPr lang="en-AU" smtClean="0"/>
-              <a:t>30/11/21</a:t>
+              <a:t>1/12/21</a:t>
             </a:fld>
             <a:endParaRPr lang="en-AU"/>
           </a:p>
@@ -3102,7 +3103,7 @@
           <a:p>
             <a:fld id="{9AD5F5E7-BF49-4F47-A424-503B82E4E0B0}" type="datetimeFigureOut">
               <a:rPr lang="en-AU" smtClean="0"/>
-              <a:t>30/11/21</a:t>
+              <a:t>1/12/21</a:t>
             </a:fld>
             <a:endParaRPr lang="en-AU"/>
           </a:p>
@@ -3345,7 +3346,7 @@
           <a:p>
             <a:fld id="{9AD5F5E7-BF49-4F47-A424-503B82E4E0B0}" type="datetimeFigureOut">
               <a:rPr lang="en-AU" smtClean="0"/>
-              <a:t>30/11/21</a:t>
+              <a:t>1/12/21</a:t>
             </a:fld>
             <a:endParaRPr lang="en-AU"/>
           </a:p>
@@ -6897,6 +6898,964 @@
     <p:extLst>
       <p:ext uri="{BB962C8B-B14F-4D97-AF65-F5344CB8AC3E}">
         <p14:creationId xmlns:p14="http://schemas.microsoft.com/office/powerpoint/2010/main" val="3916868231"/>
+      </p:ext>
+    </p:extLst>
+  </p:cSld>
+  <p:clrMapOvr>
+    <a:masterClrMapping/>
+  </p:clrMapOvr>
+</p:sld>
+</file>
+
+<file path=ppt/slides/slide12.xml><?xml version="1.0" encoding="utf-8"?>
+<p:sld xmlns:a="http://schemas.openxmlformats.org/drawingml/2006/main" xmlns:r="http://schemas.openxmlformats.org/officeDocument/2006/relationships" xmlns:p="http://schemas.openxmlformats.org/presentationml/2006/main">
+  <p:cSld>
+    <p:spTree>
+      <p:nvGrpSpPr>
+        <p:cNvPr id="1" name=""/>
+        <p:cNvGrpSpPr/>
+        <p:nvPr/>
+      </p:nvGrpSpPr>
+      <p:grpSpPr>
+        <a:xfrm>
+          <a:off x="0" y="0"/>
+          <a:ext cx="0" cy="0"/>
+          <a:chOff x="0" y="0"/>
+          <a:chExt cx="0" cy="0"/>
+        </a:xfrm>
+      </p:grpSpPr>
+      <p:sp>
+        <p:nvSpPr>
+          <p:cNvPr id="28" name="Oval 27">
+            <a:extLst>
+              <a:ext uri="{FF2B5EF4-FFF2-40B4-BE49-F238E27FC236}">
+                <a16:creationId xmlns:a16="http://schemas.microsoft.com/office/drawing/2014/main" id="{007D0431-73B8-124E-8C1C-1D63D6E599F6}"/>
+              </a:ext>
+            </a:extLst>
+          </p:cNvPr>
+          <p:cNvSpPr/>
+          <p:nvPr/>
+        </p:nvSpPr>
+        <p:spPr>
+          <a:xfrm>
+            <a:off x="2804642" y="5842630"/>
+            <a:ext cx="2296745" cy="2247308"/>
+          </a:xfrm>
+          <a:prstGeom prst="ellipse">
+            <a:avLst/>
+          </a:prstGeom>
+          <a:solidFill>
+            <a:schemeClr val="bg1"/>
+          </a:solidFill>
+          <a:ln w="28575">
+            <a:solidFill>
+              <a:schemeClr val="tx1"/>
+            </a:solidFill>
+          </a:ln>
+          <a:effectLst>
+            <a:outerShdw blurRad="50800" dist="38100" dir="2700000" algn="tl" rotWithShape="0">
+              <a:prstClr val="black">
+                <a:alpha val="40000"/>
+              </a:prstClr>
+            </a:outerShdw>
+          </a:effectLst>
+        </p:spPr>
+        <p:style>
+          <a:lnRef idx="2">
+            <a:schemeClr val="accent1">
+              <a:shade val="50000"/>
+            </a:schemeClr>
+          </a:lnRef>
+          <a:fillRef idx="1">
+            <a:schemeClr val="accent1"/>
+          </a:fillRef>
+          <a:effectRef idx="0">
+            <a:schemeClr val="accent1"/>
+          </a:effectRef>
+          <a:fontRef idx="minor">
+            <a:schemeClr val="lt1"/>
+          </a:fontRef>
+        </p:style>
+        <p:txBody>
+          <a:bodyPr rtlCol="0" anchor="ctr"/>
+          <a:lstStyle/>
+          <a:p>
+            <a:pPr algn="ctr"/>
+            <a:r>
+              <a:rPr lang="en-US" dirty="0">
+                <a:solidFill>
+                  <a:schemeClr val="tx1"/>
+                </a:solidFill>
+              </a:rPr>
+              <a:t>Sender</a:t>
+            </a:r>
+          </a:p>
+        </p:txBody>
+      </p:sp>
+      <p:sp>
+        <p:nvSpPr>
+          <p:cNvPr id="50" name="Oval 49">
+            <a:extLst>
+              <a:ext uri="{FF2B5EF4-FFF2-40B4-BE49-F238E27FC236}">
+                <a16:creationId xmlns:a16="http://schemas.microsoft.com/office/drawing/2014/main" id="{09DEB202-0FE9-BE42-9EFF-B666D5372720}"/>
+              </a:ext>
+            </a:extLst>
+          </p:cNvPr>
+          <p:cNvSpPr/>
+          <p:nvPr/>
+        </p:nvSpPr>
+        <p:spPr>
+          <a:xfrm>
+            <a:off x="16952098" y="5842630"/>
+            <a:ext cx="2273631" cy="2247308"/>
+          </a:xfrm>
+          <a:prstGeom prst="ellipse">
+            <a:avLst/>
+          </a:prstGeom>
+          <a:solidFill>
+            <a:schemeClr val="bg1"/>
+          </a:solidFill>
+          <a:ln w="28575">
+            <a:solidFill>
+              <a:schemeClr val="tx1"/>
+            </a:solidFill>
+          </a:ln>
+          <a:effectLst>
+            <a:outerShdw blurRad="50800" dist="38100" dir="2700000" algn="tl" rotWithShape="0">
+              <a:prstClr val="black">
+                <a:alpha val="40000"/>
+              </a:prstClr>
+            </a:outerShdw>
+          </a:effectLst>
+        </p:spPr>
+        <p:style>
+          <a:lnRef idx="2">
+            <a:schemeClr val="accent1">
+              <a:shade val="50000"/>
+            </a:schemeClr>
+          </a:lnRef>
+          <a:fillRef idx="1">
+            <a:schemeClr val="accent1"/>
+          </a:fillRef>
+          <a:effectRef idx="0">
+            <a:schemeClr val="accent1"/>
+          </a:effectRef>
+          <a:fontRef idx="minor">
+            <a:schemeClr val="lt1"/>
+          </a:fontRef>
+        </p:style>
+        <p:txBody>
+          <a:bodyPr rtlCol="0" anchor="ctr"/>
+          <a:lstStyle/>
+          <a:p>
+            <a:pPr algn="ctr"/>
+            <a:r>
+              <a:rPr lang="en-US" dirty="0">
+                <a:solidFill>
+                  <a:schemeClr val="tx1"/>
+                </a:solidFill>
+              </a:rPr>
+              <a:t>Receiver</a:t>
+            </a:r>
+          </a:p>
+        </p:txBody>
+      </p:sp>
+      <p:sp>
+        <p:nvSpPr>
+          <p:cNvPr id="9" name="Cloud 8">
+            <a:extLst>
+              <a:ext uri="{FF2B5EF4-FFF2-40B4-BE49-F238E27FC236}">
+                <a16:creationId xmlns:a16="http://schemas.microsoft.com/office/drawing/2014/main" id="{16F3FE5B-1C22-F14F-AE67-6D96A513FC25}"/>
+              </a:ext>
+            </a:extLst>
+          </p:cNvPr>
+          <p:cNvSpPr/>
+          <p:nvPr/>
+        </p:nvSpPr>
+        <p:spPr>
+          <a:xfrm>
+            <a:off x="6665495" y="5029200"/>
+            <a:ext cx="5149516" cy="3874168"/>
+          </a:xfrm>
+          <a:prstGeom prst="cloud">
+            <a:avLst/>
+          </a:prstGeom>
+          <a:solidFill>
+            <a:srgbClr val="8FD1E9"/>
+          </a:solidFill>
+          <a:ln>
+            <a:solidFill>
+              <a:srgbClr val="00A6DA"/>
+            </a:solidFill>
+          </a:ln>
+          <a:effectLst>
+            <a:outerShdw blurRad="50800" dist="38100" dir="2700000" algn="tl" rotWithShape="0">
+              <a:prstClr val="black">
+                <a:alpha val="40000"/>
+              </a:prstClr>
+            </a:outerShdw>
+          </a:effectLst>
+        </p:spPr>
+        <p:style>
+          <a:lnRef idx="2">
+            <a:schemeClr val="accent1">
+              <a:shade val="50000"/>
+            </a:schemeClr>
+          </a:lnRef>
+          <a:fillRef idx="1">
+            <a:schemeClr val="accent1"/>
+          </a:fillRef>
+          <a:effectRef idx="0">
+            <a:schemeClr val="accent1"/>
+          </a:effectRef>
+          <a:fontRef idx="minor">
+            <a:schemeClr val="lt1"/>
+          </a:fontRef>
+        </p:style>
+        <p:txBody>
+          <a:bodyPr rtlCol="0" anchor="ctr"/>
+          <a:lstStyle/>
+          <a:p>
+            <a:pPr algn="ctr"/>
+            <a:r>
+              <a:rPr lang="en-US" dirty="0">
+                <a:solidFill>
+                  <a:schemeClr val="tx1"/>
+                </a:solidFill>
+              </a:rPr>
+              <a:t>Internet</a:t>
+            </a:r>
+          </a:p>
+        </p:txBody>
+      </p:sp>
+      <p:grpSp>
+        <p:nvGrpSpPr>
+          <p:cNvPr id="14" name="Group 13">
+            <a:extLst>
+              <a:ext uri="{FF2B5EF4-FFF2-40B4-BE49-F238E27FC236}">
+                <a16:creationId xmlns:a16="http://schemas.microsoft.com/office/drawing/2014/main" id="{CAFB1C65-07E1-474E-BC61-C3DA9D19B1AF}"/>
+              </a:ext>
+            </a:extLst>
+          </p:cNvPr>
+          <p:cNvGrpSpPr/>
+          <p:nvPr/>
+        </p:nvGrpSpPr>
+        <p:grpSpPr>
+          <a:xfrm>
+            <a:off x="13379119" y="4693163"/>
+            <a:ext cx="1995055" cy="2934858"/>
+            <a:chOff x="13379119" y="4693163"/>
+            <a:chExt cx="1995055" cy="2934858"/>
+          </a:xfrm>
+        </p:grpSpPr>
+        <p:grpSp>
+          <p:nvGrpSpPr>
+            <p:cNvPr id="11" name="Group 10">
+              <a:extLst>
+                <a:ext uri="{FF2B5EF4-FFF2-40B4-BE49-F238E27FC236}">
+                  <a16:creationId xmlns:a16="http://schemas.microsoft.com/office/drawing/2014/main" id="{C698B536-02A9-734C-8DCF-784A8A362781}"/>
+                </a:ext>
+              </a:extLst>
+            </p:cNvPr>
+            <p:cNvGrpSpPr/>
+            <p:nvPr/>
+          </p:nvGrpSpPr>
+          <p:grpSpPr>
+            <a:xfrm>
+              <a:off x="13379119" y="6304547"/>
+              <a:ext cx="1995055" cy="1323474"/>
+              <a:chOff x="12563155" y="6304547"/>
+              <a:chExt cx="1995055" cy="1323474"/>
+            </a:xfrm>
+          </p:grpSpPr>
+          <p:sp>
+            <p:nvSpPr>
+              <p:cNvPr id="58" name="Rectangle 57">
+                <a:extLst>
+                  <a:ext uri="{FF2B5EF4-FFF2-40B4-BE49-F238E27FC236}">
+                    <a16:creationId xmlns:a16="http://schemas.microsoft.com/office/drawing/2014/main" id="{22061AF8-C913-574B-BE71-AABFD43BB0A3}"/>
+                  </a:ext>
+                </a:extLst>
+              </p:cNvPr>
+              <p:cNvSpPr/>
+              <p:nvPr/>
+            </p:nvSpPr>
+            <p:spPr>
+              <a:xfrm>
+                <a:off x="12563155" y="6304547"/>
+                <a:ext cx="1995055" cy="1323474"/>
+              </a:xfrm>
+              <a:prstGeom prst="rect">
+                <a:avLst/>
+              </a:prstGeom>
+              <a:solidFill>
+                <a:srgbClr val="8FD1E9"/>
+              </a:solidFill>
+              <a:ln w="28575">
+                <a:solidFill>
+                  <a:srgbClr val="00A6DA"/>
+                </a:solidFill>
+              </a:ln>
+              <a:effectLst>
+                <a:outerShdw blurRad="50800" dist="38100" dir="2700000" algn="tl" rotWithShape="0">
+                  <a:prstClr val="black">
+                    <a:alpha val="40000"/>
+                  </a:prstClr>
+                </a:outerShdw>
+              </a:effectLst>
+            </p:spPr>
+            <p:style>
+              <a:lnRef idx="2">
+                <a:schemeClr val="accent1">
+                  <a:shade val="50000"/>
+                </a:schemeClr>
+              </a:lnRef>
+              <a:fillRef idx="1">
+                <a:schemeClr val="accent1"/>
+              </a:fillRef>
+              <a:effectRef idx="0">
+                <a:schemeClr val="accent1"/>
+              </a:effectRef>
+              <a:fontRef idx="minor">
+                <a:schemeClr val="lt1"/>
+              </a:fontRef>
+            </p:style>
+            <p:txBody>
+              <a:bodyPr rtlCol="0" anchor="t"/>
+              <a:lstStyle/>
+              <a:p>
+                <a:pPr algn="ctr"/>
+                <a:endParaRPr lang="en-US" dirty="0">
+                  <a:solidFill>
+                    <a:schemeClr val="tx1"/>
+                  </a:solidFill>
+                </a:endParaRPr>
+              </a:p>
+            </p:txBody>
+          </p:sp>
+          <p:sp>
+            <p:nvSpPr>
+              <p:cNvPr id="68" name="Rectangle 67">
+                <a:extLst>
+                  <a:ext uri="{FF2B5EF4-FFF2-40B4-BE49-F238E27FC236}">
+                    <a16:creationId xmlns:a16="http://schemas.microsoft.com/office/drawing/2014/main" id="{90393AC2-D78E-BD4F-9FAA-B6FBDDF82F12}"/>
+                  </a:ext>
+                </a:extLst>
+              </p:cNvPr>
+              <p:cNvSpPr/>
+              <p:nvPr/>
+            </p:nvSpPr>
+            <p:spPr>
+              <a:xfrm>
+                <a:off x="12682376" y="6665495"/>
+                <a:ext cx="1756611" cy="601579"/>
+              </a:xfrm>
+              <a:prstGeom prst="rect">
+                <a:avLst/>
+              </a:prstGeom>
+              <a:noFill/>
+              <a:ln w="38100">
+                <a:solidFill>
+                  <a:schemeClr val="tx1"/>
+                </a:solidFill>
+              </a:ln>
+            </p:spPr>
+            <p:style>
+              <a:lnRef idx="2">
+                <a:schemeClr val="accent1">
+                  <a:shade val="50000"/>
+                </a:schemeClr>
+              </a:lnRef>
+              <a:fillRef idx="1">
+                <a:schemeClr val="accent1"/>
+              </a:fillRef>
+              <a:effectRef idx="0">
+                <a:schemeClr val="accent1"/>
+              </a:effectRef>
+              <a:fontRef idx="minor">
+                <a:schemeClr val="lt1"/>
+              </a:fontRef>
+            </p:style>
+            <p:txBody>
+              <a:bodyPr rtlCol="0" anchor="ctr"/>
+              <a:lstStyle/>
+              <a:p>
+                <a:pPr algn="ctr"/>
+                <a:endParaRPr lang="en-US"/>
+              </a:p>
+            </p:txBody>
+          </p:sp>
+          <p:cxnSp>
+            <p:nvCxnSpPr>
+              <p:cNvPr id="70" name="Straight Connector 69">
+                <a:extLst>
+                  <a:ext uri="{FF2B5EF4-FFF2-40B4-BE49-F238E27FC236}">
+                    <a16:creationId xmlns:a16="http://schemas.microsoft.com/office/drawing/2014/main" id="{F29A40D1-B0E2-3244-8741-0A16517F3C07}"/>
+                  </a:ext>
+                </a:extLst>
+              </p:cNvPr>
+              <p:cNvCxnSpPr>
+                <a:cxnSpLocks/>
+              </p:cNvCxnSpPr>
+              <p:nvPr/>
+            </p:nvCxnSpPr>
+            <p:spPr>
+              <a:xfrm>
+                <a:off x="14174292" y="6665495"/>
+                <a:ext cx="0" cy="601579"/>
+              </a:xfrm>
+              <a:prstGeom prst="line">
+                <a:avLst/>
+              </a:prstGeom>
+              <a:ln w="38100">
+                <a:solidFill>
+                  <a:schemeClr val="tx1"/>
+                </a:solidFill>
+              </a:ln>
+            </p:spPr>
+            <p:style>
+              <a:lnRef idx="1">
+                <a:schemeClr val="accent1"/>
+              </a:lnRef>
+              <a:fillRef idx="0">
+                <a:schemeClr val="accent1"/>
+              </a:fillRef>
+              <a:effectRef idx="0">
+                <a:schemeClr val="accent1"/>
+              </a:effectRef>
+              <a:fontRef idx="minor">
+                <a:schemeClr val="tx1"/>
+              </a:fontRef>
+            </p:style>
+          </p:cxnSp>
+          <p:cxnSp>
+            <p:nvCxnSpPr>
+              <p:cNvPr id="71" name="Straight Connector 70">
+                <a:extLst>
+                  <a:ext uri="{FF2B5EF4-FFF2-40B4-BE49-F238E27FC236}">
+                    <a16:creationId xmlns:a16="http://schemas.microsoft.com/office/drawing/2014/main" id="{461A16E9-FB74-9C40-A1AA-FAFBDDDBEE62}"/>
+                  </a:ext>
+                </a:extLst>
+              </p:cNvPr>
+              <p:cNvCxnSpPr>
+                <a:cxnSpLocks/>
+              </p:cNvCxnSpPr>
+              <p:nvPr/>
+            </p:nvCxnSpPr>
+            <p:spPr>
+              <a:xfrm>
+                <a:off x="13917621" y="6665495"/>
+                <a:ext cx="0" cy="601579"/>
+              </a:xfrm>
+              <a:prstGeom prst="line">
+                <a:avLst/>
+              </a:prstGeom>
+              <a:ln w="38100">
+                <a:solidFill>
+                  <a:schemeClr val="tx1"/>
+                </a:solidFill>
+              </a:ln>
+            </p:spPr>
+            <p:style>
+              <a:lnRef idx="1">
+                <a:schemeClr val="accent1"/>
+              </a:lnRef>
+              <a:fillRef idx="0">
+                <a:schemeClr val="accent1"/>
+              </a:fillRef>
+              <a:effectRef idx="0">
+                <a:schemeClr val="accent1"/>
+              </a:effectRef>
+              <a:fontRef idx="minor">
+                <a:schemeClr val="tx1"/>
+              </a:fontRef>
+            </p:style>
+          </p:cxnSp>
+          <p:cxnSp>
+            <p:nvCxnSpPr>
+              <p:cNvPr id="73" name="Straight Connector 72">
+                <a:extLst>
+                  <a:ext uri="{FF2B5EF4-FFF2-40B4-BE49-F238E27FC236}">
+                    <a16:creationId xmlns:a16="http://schemas.microsoft.com/office/drawing/2014/main" id="{2930CAA4-3B77-374D-958B-F0661279A217}"/>
+                  </a:ext>
+                </a:extLst>
+              </p:cNvPr>
+              <p:cNvCxnSpPr>
+                <a:cxnSpLocks/>
+              </p:cNvCxnSpPr>
+              <p:nvPr/>
+            </p:nvCxnSpPr>
+            <p:spPr>
+              <a:xfrm>
+                <a:off x="13636886" y="6665495"/>
+                <a:ext cx="0" cy="601579"/>
+              </a:xfrm>
+              <a:prstGeom prst="line">
+                <a:avLst/>
+              </a:prstGeom>
+              <a:ln w="38100">
+                <a:solidFill>
+                  <a:schemeClr val="tx1"/>
+                </a:solidFill>
+              </a:ln>
+            </p:spPr>
+            <p:style>
+              <a:lnRef idx="1">
+                <a:schemeClr val="accent1"/>
+              </a:lnRef>
+              <a:fillRef idx="0">
+                <a:schemeClr val="accent1"/>
+              </a:fillRef>
+              <a:effectRef idx="0">
+                <a:schemeClr val="accent1"/>
+              </a:effectRef>
+              <a:fontRef idx="minor">
+                <a:schemeClr val="tx1"/>
+              </a:fontRef>
+            </p:style>
+          </p:cxnSp>
+          <p:cxnSp>
+            <p:nvCxnSpPr>
+              <p:cNvPr id="74" name="Straight Connector 73">
+                <a:extLst>
+                  <a:ext uri="{FF2B5EF4-FFF2-40B4-BE49-F238E27FC236}">
+                    <a16:creationId xmlns:a16="http://schemas.microsoft.com/office/drawing/2014/main" id="{6998B737-4C3A-D74F-A2B7-E2912DC69C5B}"/>
+                  </a:ext>
+                </a:extLst>
+              </p:cNvPr>
+              <p:cNvCxnSpPr>
+                <a:cxnSpLocks/>
+              </p:cNvCxnSpPr>
+              <p:nvPr/>
+            </p:nvCxnSpPr>
+            <p:spPr>
+              <a:xfrm>
+                <a:off x="13364170" y="6665495"/>
+                <a:ext cx="0" cy="601579"/>
+              </a:xfrm>
+              <a:prstGeom prst="line">
+                <a:avLst/>
+              </a:prstGeom>
+              <a:ln w="38100">
+                <a:solidFill>
+                  <a:schemeClr val="tx1"/>
+                </a:solidFill>
+              </a:ln>
+            </p:spPr>
+            <p:style>
+              <a:lnRef idx="1">
+                <a:schemeClr val="accent1"/>
+              </a:lnRef>
+              <a:fillRef idx="0">
+                <a:schemeClr val="accent1"/>
+              </a:fillRef>
+              <a:effectRef idx="0">
+                <a:schemeClr val="accent1"/>
+              </a:effectRef>
+              <a:fontRef idx="minor">
+                <a:schemeClr val="tx1"/>
+              </a:fontRef>
+            </p:style>
+          </p:cxnSp>
+          <p:cxnSp>
+            <p:nvCxnSpPr>
+              <p:cNvPr id="76" name="Straight Connector 75">
+                <a:extLst>
+                  <a:ext uri="{FF2B5EF4-FFF2-40B4-BE49-F238E27FC236}">
+                    <a16:creationId xmlns:a16="http://schemas.microsoft.com/office/drawing/2014/main" id="{9660C7EF-60B8-6247-9DB5-DD3B19792502}"/>
+                  </a:ext>
+                </a:extLst>
+              </p:cNvPr>
+              <p:cNvCxnSpPr>
+                <a:cxnSpLocks/>
+              </p:cNvCxnSpPr>
+              <p:nvPr/>
+            </p:nvCxnSpPr>
+            <p:spPr>
+              <a:xfrm>
+                <a:off x="13059373" y="6665495"/>
+                <a:ext cx="0" cy="601579"/>
+              </a:xfrm>
+              <a:prstGeom prst="line">
+                <a:avLst/>
+              </a:prstGeom>
+              <a:ln w="38100">
+                <a:solidFill>
+                  <a:schemeClr val="tx1"/>
+                </a:solidFill>
+              </a:ln>
+            </p:spPr>
+            <p:style>
+              <a:lnRef idx="1">
+                <a:schemeClr val="accent1"/>
+              </a:lnRef>
+              <a:fillRef idx="0">
+                <a:schemeClr val="accent1"/>
+              </a:fillRef>
+              <a:effectRef idx="0">
+                <a:schemeClr val="accent1"/>
+              </a:effectRef>
+              <a:fontRef idx="minor">
+                <a:schemeClr val="tx1"/>
+              </a:fontRef>
+            </p:style>
+          </p:cxnSp>
+          <p:cxnSp>
+            <p:nvCxnSpPr>
+              <p:cNvPr id="77" name="Straight Connector 76">
+                <a:extLst>
+                  <a:ext uri="{FF2B5EF4-FFF2-40B4-BE49-F238E27FC236}">
+                    <a16:creationId xmlns:a16="http://schemas.microsoft.com/office/drawing/2014/main" id="{E4C17DDB-6E5E-9146-B49D-CC283AA25059}"/>
+                  </a:ext>
+                </a:extLst>
+              </p:cNvPr>
+              <p:cNvCxnSpPr>
+                <a:cxnSpLocks/>
+              </p:cNvCxnSpPr>
+              <p:nvPr/>
+            </p:nvCxnSpPr>
+            <p:spPr>
+              <a:xfrm>
+                <a:off x="12682386" y="6622126"/>
+                <a:ext cx="0" cy="688316"/>
+              </a:xfrm>
+              <a:prstGeom prst="line">
+                <a:avLst/>
+              </a:prstGeom>
+              <a:ln w="63500" cap="flat">
+                <a:solidFill>
+                  <a:srgbClr val="8FD1E9"/>
+                </a:solidFill>
+              </a:ln>
+            </p:spPr>
+            <p:style>
+              <a:lnRef idx="1">
+                <a:schemeClr val="accent1"/>
+              </a:lnRef>
+              <a:fillRef idx="0">
+                <a:schemeClr val="accent1"/>
+              </a:fillRef>
+              <a:effectRef idx="0">
+                <a:schemeClr val="accent1"/>
+              </a:effectRef>
+              <a:fontRef idx="minor">
+                <a:schemeClr val="tx1"/>
+              </a:fontRef>
+            </p:style>
+          </p:cxnSp>
+        </p:grpSp>
+        <p:pic>
+          <p:nvPicPr>
+            <p:cNvPr id="80" name="Picture 79">
+              <a:extLst>
+                <a:ext uri="{FF2B5EF4-FFF2-40B4-BE49-F238E27FC236}">
+                  <a16:creationId xmlns:a16="http://schemas.microsoft.com/office/drawing/2014/main" id="{DE2AE539-9F98-8845-95DB-7342680777D4}"/>
+                </a:ext>
+              </a:extLst>
+            </p:cNvPr>
+            <p:cNvPicPr>
+              <a:picLocks noChangeAspect="1"/>
+            </p:cNvPicPr>
+            <p:nvPr/>
+          </p:nvPicPr>
+          <p:blipFill>
+            <a:blip r:embed="rId2"/>
+            <a:stretch>
+              <a:fillRect/>
+            </a:stretch>
+          </p:blipFill>
+          <p:spPr>
+            <a:xfrm>
+              <a:off x="13709456" y="4693163"/>
+              <a:ext cx="1334381" cy="1791858"/>
+            </a:xfrm>
+            <a:prstGeom prst="rect">
+              <a:avLst/>
+            </a:prstGeom>
+            <a:effectLst>
+              <a:outerShdw blurRad="50800" dist="38100" dir="2700000" algn="tl" rotWithShape="0">
+                <a:prstClr val="black">
+                  <a:alpha val="40000"/>
+                </a:prstClr>
+              </a:outerShdw>
+            </a:effectLst>
+          </p:spPr>
+        </p:pic>
+      </p:grpSp>
+      <p:cxnSp>
+        <p:nvCxnSpPr>
+          <p:cNvPr id="83" name="Straight Arrow Connector 82">
+            <a:extLst>
+              <a:ext uri="{FF2B5EF4-FFF2-40B4-BE49-F238E27FC236}">
+                <a16:creationId xmlns:a16="http://schemas.microsoft.com/office/drawing/2014/main" id="{659BA206-EB3A-B240-BDE8-7008E74F08F3}"/>
+              </a:ext>
+            </a:extLst>
+          </p:cNvPr>
+          <p:cNvCxnSpPr>
+            <a:cxnSpLocks/>
+            <a:stCxn id="28" idx="6"/>
+            <a:endCxn id="9" idx="2"/>
+          </p:cNvCxnSpPr>
+          <p:nvPr/>
+        </p:nvCxnSpPr>
+        <p:spPr>
+          <a:xfrm>
+            <a:off x="5101387" y="6966284"/>
+            <a:ext cx="1580081" cy="0"/>
+          </a:xfrm>
+          <a:prstGeom prst="straightConnector1">
+            <a:avLst/>
+          </a:prstGeom>
+          <a:ln w="38100">
+            <a:solidFill>
+              <a:srgbClr val="00A6DA"/>
+            </a:solidFill>
+            <a:tailEnd type="triangle" w="med" len="lg"/>
+          </a:ln>
+        </p:spPr>
+        <p:style>
+          <a:lnRef idx="1">
+            <a:schemeClr val="accent1"/>
+          </a:lnRef>
+          <a:fillRef idx="0">
+            <a:schemeClr val="accent1"/>
+          </a:fillRef>
+          <a:effectRef idx="0">
+            <a:schemeClr val="accent1"/>
+          </a:effectRef>
+          <a:fontRef idx="minor">
+            <a:schemeClr val="tx1"/>
+          </a:fontRef>
+        </p:style>
+      </p:cxnSp>
+      <p:cxnSp>
+        <p:nvCxnSpPr>
+          <p:cNvPr id="84" name="Straight Arrow Connector 83">
+            <a:extLst>
+              <a:ext uri="{FF2B5EF4-FFF2-40B4-BE49-F238E27FC236}">
+                <a16:creationId xmlns:a16="http://schemas.microsoft.com/office/drawing/2014/main" id="{F743B1FA-6659-9647-BD74-8B5779EB6C42}"/>
+              </a:ext>
+            </a:extLst>
+          </p:cNvPr>
+          <p:cNvCxnSpPr>
+            <a:cxnSpLocks/>
+            <a:stCxn id="9" idx="0"/>
+            <a:endCxn id="58" idx="1"/>
+          </p:cNvCxnSpPr>
+          <p:nvPr/>
+        </p:nvCxnSpPr>
+        <p:spPr>
+          <a:xfrm>
+            <a:off x="11810720" y="6966284"/>
+            <a:ext cx="1568399" cy="0"/>
+          </a:xfrm>
+          <a:prstGeom prst="straightConnector1">
+            <a:avLst/>
+          </a:prstGeom>
+          <a:ln w="38100">
+            <a:solidFill>
+              <a:srgbClr val="00A6DA"/>
+            </a:solidFill>
+            <a:tailEnd type="triangle" w="med" len="lg"/>
+          </a:ln>
+        </p:spPr>
+        <p:style>
+          <a:lnRef idx="1">
+            <a:schemeClr val="accent1"/>
+          </a:lnRef>
+          <a:fillRef idx="0">
+            <a:schemeClr val="accent1"/>
+          </a:fillRef>
+          <a:effectRef idx="0">
+            <a:schemeClr val="accent1"/>
+          </a:effectRef>
+          <a:fontRef idx="minor">
+            <a:schemeClr val="tx1"/>
+          </a:fontRef>
+        </p:style>
+      </p:cxnSp>
+      <p:cxnSp>
+        <p:nvCxnSpPr>
+          <p:cNvPr id="85" name="Straight Arrow Connector 84">
+            <a:extLst>
+              <a:ext uri="{FF2B5EF4-FFF2-40B4-BE49-F238E27FC236}">
+                <a16:creationId xmlns:a16="http://schemas.microsoft.com/office/drawing/2014/main" id="{CAED15F6-1CB0-E748-A078-895AEE99460C}"/>
+              </a:ext>
+            </a:extLst>
+          </p:cNvPr>
+          <p:cNvCxnSpPr>
+            <a:cxnSpLocks/>
+            <a:endCxn id="50" idx="2"/>
+          </p:cNvCxnSpPr>
+          <p:nvPr/>
+        </p:nvCxnSpPr>
+        <p:spPr>
+          <a:xfrm flipV="1">
+            <a:off x="15374174" y="6966284"/>
+            <a:ext cx="1577924" cy="14498"/>
+          </a:xfrm>
+          <a:prstGeom prst="straightConnector1">
+            <a:avLst/>
+          </a:prstGeom>
+          <a:ln w="38100">
+            <a:solidFill>
+              <a:srgbClr val="00A6DA"/>
+            </a:solidFill>
+            <a:prstDash val="sysDot"/>
+            <a:tailEnd type="triangle" w="med" len="lg"/>
+          </a:ln>
+        </p:spPr>
+        <p:style>
+          <a:lnRef idx="1">
+            <a:schemeClr val="accent1"/>
+          </a:lnRef>
+          <a:fillRef idx="0">
+            <a:schemeClr val="accent1"/>
+          </a:fillRef>
+          <a:effectRef idx="0">
+            <a:schemeClr val="accent1"/>
+          </a:effectRef>
+          <a:fontRef idx="minor">
+            <a:schemeClr val="tx1"/>
+          </a:fontRef>
+        </p:style>
+      </p:cxnSp>
+      <p:sp>
+        <p:nvSpPr>
+          <p:cNvPr id="29" name="TextBox 28">
+            <a:extLst>
+              <a:ext uri="{FF2B5EF4-FFF2-40B4-BE49-F238E27FC236}">
+                <a16:creationId xmlns:a16="http://schemas.microsoft.com/office/drawing/2014/main" id="{B03D3838-9E35-0F48-95D0-3A37068FCD76}"/>
+              </a:ext>
+            </a:extLst>
+          </p:cNvPr>
+          <p:cNvSpPr txBox="1"/>
+          <p:nvPr/>
+        </p:nvSpPr>
+        <p:spPr>
+          <a:xfrm>
+            <a:off x="13392935" y="7633798"/>
+            <a:ext cx="2129109" cy="584775"/>
+          </a:xfrm>
+          <a:prstGeom prst="rect">
+            <a:avLst/>
+          </a:prstGeom>
+          <a:noFill/>
+        </p:spPr>
+        <p:txBody>
+          <a:bodyPr wrap="none" rtlCol="0">
+            <a:spAutoFit/>
+          </a:bodyPr>
+          <a:lstStyle/>
+          <a:p>
+            <a:r>
+              <a:rPr lang="en-US" dirty="0" err="1">
+                <a:latin typeface="Calibri" panose="020F0502020204030204" pitchFamily="34" charset="0"/>
+                <a:cs typeface="Calibri" panose="020F0502020204030204" pitchFamily="34" charset="0"/>
+              </a:rPr>
+              <a:t>Basestation</a:t>
+            </a:r>
+            <a:endParaRPr lang="en-US" dirty="0">
+              <a:latin typeface="Calibri" panose="020F0502020204030204" pitchFamily="34" charset="0"/>
+              <a:cs typeface="Calibri" panose="020F0502020204030204" pitchFamily="34" charset="0"/>
+            </a:endParaRPr>
+          </a:p>
+        </p:txBody>
+      </p:sp>
+      <p:sp>
+        <p:nvSpPr>
+          <p:cNvPr id="30" name="Right Brace 29">
+            <a:extLst>
+              <a:ext uri="{FF2B5EF4-FFF2-40B4-BE49-F238E27FC236}">
+                <a16:creationId xmlns:a16="http://schemas.microsoft.com/office/drawing/2014/main" id="{0C3D3E3B-6CAC-1146-8452-E7C5364D7EBB}"/>
+              </a:ext>
+            </a:extLst>
+          </p:cNvPr>
+          <p:cNvSpPr/>
+          <p:nvPr/>
+        </p:nvSpPr>
+        <p:spPr>
+          <a:xfrm rot="5400000">
+            <a:off x="16089592" y="5763905"/>
+            <a:ext cx="329047" cy="5511555"/>
+          </a:xfrm>
+          <a:prstGeom prst="rightBrace">
+            <a:avLst>
+              <a:gd name="adj1" fmla="val 8333"/>
+              <a:gd name="adj2" fmla="val 49563"/>
+            </a:avLst>
+          </a:prstGeom>
+          <a:ln w="12700">
+            <a:solidFill>
+              <a:schemeClr val="tx1"/>
+            </a:solidFill>
+          </a:ln>
+        </p:spPr>
+        <p:style>
+          <a:lnRef idx="1">
+            <a:schemeClr val="accent1"/>
+          </a:lnRef>
+          <a:fillRef idx="0">
+            <a:schemeClr val="accent1"/>
+          </a:fillRef>
+          <a:effectRef idx="0">
+            <a:schemeClr val="accent1"/>
+          </a:effectRef>
+          <a:fontRef idx="minor">
+            <a:schemeClr val="tx1"/>
+          </a:fontRef>
+        </p:style>
+        <p:txBody>
+          <a:bodyPr rtlCol="0" anchor="ctr"/>
+          <a:lstStyle/>
+          <a:p>
+            <a:pPr algn="ctr"/>
+            <a:endParaRPr lang="en-US"/>
+          </a:p>
+        </p:txBody>
+      </p:sp>
+      <p:sp>
+        <p:nvSpPr>
+          <p:cNvPr id="86" name="TextBox 85">
+            <a:extLst>
+              <a:ext uri="{FF2B5EF4-FFF2-40B4-BE49-F238E27FC236}">
+                <a16:creationId xmlns:a16="http://schemas.microsoft.com/office/drawing/2014/main" id="{7B3CB9A2-26A0-1145-A034-49E48EAD52F1}"/>
+              </a:ext>
+            </a:extLst>
+          </p:cNvPr>
+          <p:cNvSpPr txBox="1"/>
+          <p:nvPr/>
+        </p:nvSpPr>
+        <p:spPr>
+          <a:xfrm>
+            <a:off x="14319130" y="8662447"/>
+            <a:ext cx="3869970" cy="584775"/>
+          </a:xfrm>
+          <a:prstGeom prst="rect">
+            <a:avLst/>
+          </a:prstGeom>
+          <a:noFill/>
+        </p:spPr>
+        <p:txBody>
+          <a:bodyPr wrap="none" rtlCol="0">
+            <a:spAutoFit/>
+          </a:bodyPr>
+          <a:lstStyle/>
+          <a:p>
+            <a:r>
+              <a:rPr lang="en-US" dirty="0">
+                <a:latin typeface="Calibri" panose="020F0502020204030204" pitchFamily="34" charset="0"/>
+                <a:cs typeface="Calibri" panose="020F0502020204030204" pitchFamily="34" charset="0"/>
+              </a:rPr>
+              <a:t>Radio Access Network</a:t>
+            </a:r>
+          </a:p>
+        </p:txBody>
+      </p:sp>
+    </p:spTree>
+    <p:extLst>
+      <p:ext uri="{BB962C8B-B14F-4D97-AF65-F5344CB8AC3E}">
+        <p14:creationId xmlns:p14="http://schemas.microsoft.com/office/powerpoint/2010/main" val="3139041404"/>
       </p:ext>
     </p:extLst>
   </p:cSld>

--- a/figures/Figure-sources.pptx
+++ b/figures/Figure-sources.pptx
@@ -677,7 +677,7 @@
           <a:p>
             <a:fld id="{9AD5F5E7-BF49-4F47-A424-503B82E4E0B0}" type="datetimeFigureOut">
               <a:rPr lang="en-AU" smtClean="0"/>
-              <a:t>1/12/21</a:t>
+              <a:t>2/12/21</a:t>
             </a:fld>
             <a:endParaRPr lang="en-AU"/>
           </a:p>
@@ -877,7 +877,7 @@
           <a:p>
             <a:fld id="{9AD5F5E7-BF49-4F47-A424-503B82E4E0B0}" type="datetimeFigureOut">
               <a:rPr lang="en-AU" smtClean="0"/>
-              <a:t>1/12/21</a:t>
+              <a:t>2/12/21</a:t>
             </a:fld>
             <a:endParaRPr lang="en-AU"/>
           </a:p>
@@ -1087,7 +1087,7 @@
           <a:p>
             <a:fld id="{9AD5F5E7-BF49-4F47-A424-503B82E4E0B0}" type="datetimeFigureOut">
               <a:rPr lang="en-AU" smtClean="0"/>
-              <a:t>1/12/21</a:t>
+              <a:t>2/12/21</a:t>
             </a:fld>
             <a:endParaRPr lang="en-AU"/>
           </a:p>
@@ -1287,7 +1287,7 @@
           <a:p>
             <a:fld id="{9AD5F5E7-BF49-4F47-A424-503B82E4E0B0}" type="datetimeFigureOut">
               <a:rPr lang="en-AU" smtClean="0"/>
-              <a:t>1/12/21</a:t>
+              <a:t>2/12/21</a:t>
             </a:fld>
             <a:endParaRPr lang="en-AU"/>
           </a:p>
@@ -1563,7 +1563,7 @@
           <a:p>
             <a:fld id="{9AD5F5E7-BF49-4F47-A424-503B82E4E0B0}" type="datetimeFigureOut">
               <a:rPr lang="en-AU" smtClean="0"/>
-              <a:t>1/12/21</a:t>
+              <a:t>2/12/21</a:t>
             </a:fld>
             <a:endParaRPr lang="en-AU"/>
           </a:p>
@@ -1831,7 +1831,7 @@
           <a:p>
             <a:fld id="{9AD5F5E7-BF49-4F47-A424-503B82E4E0B0}" type="datetimeFigureOut">
               <a:rPr lang="en-AU" smtClean="0"/>
-              <a:t>1/12/21</a:t>
+              <a:t>2/12/21</a:t>
             </a:fld>
             <a:endParaRPr lang="en-AU"/>
           </a:p>
@@ -2246,7 +2246,7 @@
           <a:p>
             <a:fld id="{9AD5F5E7-BF49-4F47-A424-503B82E4E0B0}" type="datetimeFigureOut">
               <a:rPr lang="en-AU" smtClean="0"/>
-              <a:t>1/12/21</a:t>
+              <a:t>2/12/21</a:t>
             </a:fld>
             <a:endParaRPr lang="en-AU"/>
           </a:p>
@@ -2388,7 +2388,7 @@
           <a:p>
             <a:fld id="{9AD5F5E7-BF49-4F47-A424-503B82E4E0B0}" type="datetimeFigureOut">
               <a:rPr lang="en-AU" smtClean="0"/>
-              <a:t>1/12/21</a:t>
+              <a:t>2/12/21</a:t>
             </a:fld>
             <a:endParaRPr lang="en-AU"/>
           </a:p>
@@ -2501,7 +2501,7 @@
           <a:p>
             <a:fld id="{9AD5F5E7-BF49-4F47-A424-503B82E4E0B0}" type="datetimeFigureOut">
               <a:rPr lang="en-AU" smtClean="0"/>
-              <a:t>1/12/21</a:t>
+              <a:t>2/12/21</a:t>
             </a:fld>
             <a:endParaRPr lang="en-AU"/>
           </a:p>
@@ -2814,7 +2814,7 @@
           <a:p>
             <a:fld id="{9AD5F5E7-BF49-4F47-A424-503B82E4E0B0}" type="datetimeFigureOut">
               <a:rPr lang="en-AU" smtClean="0"/>
-              <a:t>1/12/21</a:t>
+              <a:t>2/12/21</a:t>
             </a:fld>
             <a:endParaRPr lang="en-AU"/>
           </a:p>
@@ -3103,7 +3103,7 @@
           <a:p>
             <a:fld id="{9AD5F5E7-BF49-4F47-A424-503B82E4E0B0}" type="datetimeFigureOut">
               <a:rPr lang="en-AU" smtClean="0"/>
-              <a:t>1/12/21</a:t>
+              <a:t>2/12/21</a:t>
             </a:fld>
             <a:endParaRPr lang="en-AU"/>
           </a:p>
@@ -3346,7 +3346,7 @@
           <a:p>
             <a:fld id="{9AD5F5E7-BF49-4F47-A424-503B82E4E0B0}" type="datetimeFigureOut">
               <a:rPr lang="en-AU" smtClean="0"/>
-              <a:t>1/12/21</a:t>
+              <a:t>2/12/21</a:t>
             </a:fld>
             <a:endParaRPr lang="en-AU"/>
           </a:p>
@@ -16692,9 +16692,9 @@
           <p:nvPr/>
         </p:nvSpPr>
         <p:spPr>
-          <a:xfrm>
-            <a:off x="3126902" y="3805080"/>
-            <a:ext cx="1563249" cy="707886"/>
+          <a:xfrm rot="16200000">
+            <a:off x="603888" y="6473916"/>
+            <a:ext cx="4275529" cy="707886"/>
           </a:xfrm>
           <a:prstGeom prst="rect">
             <a:avLst/>
@@ -16709,12 +16709,16 @@
           <a:p>
             <a:pPr algn="r"/>
             <a:r>
-              <a:rPr lang="en-US" sz="4000" dirty="0">
+              <a:rPr lang="en-US" sz="4000" dirty="0" err="1">
                 <a:latin typeface="Calibri" panose="020F0502020204030204" pitchFamily="34" charset="0"/>
                 <a:cs typeface="Calibri" panose="020F0502020204030204" pitchFamily="34" charset="0"/>
               </a:rPr>
-              <a:t>CWND</a:t>
+              <a:t>CongestionWindow</a:t>
             </a:r>
+            <a:endParaRPr lang="en-US" sz="4000" dirty="0">
+              <a:latin typeface="Calibri" panose="020F0502020204030204" pitchFamily="34" charset="0"/>
+              <a:cs typeface="Calibri" panose="020F0502020204030204" pitchFamily="34" charset="0"/>
+            </a:endParaRPr>
           </a:p>
         </p:txBody>
       </p:sp>

--- a/figures/Figure-sources.pptx
+++ b/figures/Figure-sources.pptx
@@ -5,7 +5,7 @@
     <p:sldMasterId id="2147483661" r:id="rId1"/>
   </p:sldMasterIdLst>
   <p:notesMasterIdLst>
-    <p:notesMasterId r:id="rId14"/>
+    <p:notesMasterId r:id="rId15"/>
   </p:notesMasterIdLst>
   <p:sldIdLst>
     <p:sldId id="257" r:id="rId2"/>
@@ -20,6 +20,7 @@
     <p:sldId id="266" r:id="rId11"/>
     <p:sldId id="267" r:id="rId12"/>
     <p:sldId id="268" r:id="rId13"/>
+    <p:sldId id="269" r:id="rId14"/>
   </p:sldIdLst>
   <p:sldSz cx="24384000" cy="13716000"/>
   <p:notesSz cx="6858000" cy="9144000"/>
@@ -677,7 +678,7 @@
           <a:p>
             <a:fld id="{9AD5F5E7-BF49-4F47-A424-503B82E4E0B0}" type="datetimeFigureOut">
               <a:rPr lang="en-AU" smtClean="0"/>
-              <a:t>2/12/21</a:t>
+              <a:t>24/1/22</a:t>
             </a:fld>
             <a:endParaRPr lang="en-AU"/>
           </a:p>
@@ -877,7 +878,7 @@
           <a:p>
             <a:fld id="{9AD5F5E7-BF49-4F47-A424-503B82E4E0B0}" type="datetimeFigureOut">
               <a:rPr lang="en-AU" smtClean="0"/>
-              <a:t>2/12/21</a:t>
+              <a:t>24/1/22</a:t>
             </a:fld>
             <a:endParaRPr lang="en-AU"/>
           </a:p>
@@ -1087,7 +1088,7 @@
           <a:p>
             <a:fld id="{9AD5F5E7-BF49-4F47-A424-503B82E4E0B0}" type="datetimeFigureOut">
               <a:rPr lang="en-AU" smtClean="0"/>
-              <a:t>2/12/21</a:t>
+              <a:t>24/1/22</a:t>
             </a:fld>
             <a:endParaRPr lang="en-AU"/>
           </a:p>
@@ -1287,7 +1288,7 @@
           <a:p>
             <a:fld id="{9AD5F5E7-BF49-4F47-A424-503B82E4E0B0}" type="datetimeFigureOut">
               <a:rPr lang="en-AU" smtClean="0"/>
-              <a:t>2/12/21</a:t>
+              <a:t>24/1/22</a:t>
             </a:fld>
             <a:endParaRPr lang="en-AU"/>
           </a:p>
@@ -1563,7 +1564,7 @@
           <a:p>
             <a:fld id="{9AD5F5E7-BF49-4F47-A424-503B82E4E0B0}" type="datetimeFigureOut">
               <a:rPr lang="en-AU" smtClean="0"/>
-              <a:t>2/12/21</a:t>
+              <a:t>24/1/22</a:t>
             </a:fld>
             <a:endParaRPr lang="en-AU"/>
           </a:p>
@@ -1831,7 +1832,7 @@
           <a:p>
             <a:fld id="{9AD5F5E7-BF49-4F47-A424-503B82E4E0B0}" type="datetimeFigureOut">
               <a:rPr lang="en-AU" smtClean="0"/>
-              <a:t>2/12/21</a:t>
+              <a:t>24/1/22</a:t>
             </a:fld>
             <a:endParaRPr lang="en-AU"/>
           </a:p>
@@ -2246,7 +2247,7 @@
           <a:p>
             <a:fld id="{9AD5F5E7-BF49-4F47-A424-503B82E4E0B0}" type="datetimeFigureOut">
               <a:rPr lang="en-AU" smtClean="0"/>
-              <a:t>2/12/21</a:t>
+              <a:t>24/1/22</a:t>
             </a:fld>
             <a:endParaRPr lang="en-AU"/>
           </a:p>
@@ -2388,7 +2389,7 @@
           <a:p>
             <a:fld id="{9AD5F5E7-BF49-4F47-A424-503B82E4E0B0}" type="datetimeFigureOut">
               <a:rPr lang="en-AU" smtClean="0"/>
-              <a:t>2/12/21</a:t>
+              <a:t>24/1/22</a:t>
             </a:fld>
             <a:endParaRPr lang="en-AU"/>
           </a:p>
@@ -2501,7 +2502,7 @@
           <a:p>
             <a:fld id="{9AD5F5E7-BF49-4F47-A424-503B82E4E0B0}" type="datetimeFigureOut">
               <a:rPr lang="en-AU" smtClean="0"/>
-              <a:t>2/12/21</a:t>
+              <a:t>24/1/22</a:t>
             </a:fld>
             <a:endParaRPr lang="en-AU"/>
           </a:p>
@@ -2814,7 +2815,7 @@
           <a:p>
             <a:fld id="{9AD5F5E7-BF49-4F47-A424-503B82E4E0B0}" type="datetimeFigureOut">
               <a:rPr lang="en-AU" smtClean="0"/>
-              <a:t>2/12/21</a:t>
+              <a:t>24/1/22</a:t>
             </a:fld>
             <a:endParaRPr lang="en-AU"/>
           </a:p>
@@ -3103,7 +3104,7 @@
           <a:p>
             <a:fld id="{9AD5F5E7-BF49-4F47-A424-503B82E4E0B0}" type="datetimeFigureOut">
               <a:rPr lang="en-AU" smtClean="0"/>
-              <a:t>2/12/21</a:t>
+              <a:t>24/1/22</a:t>
             </a:fld>
             <a:endParaRPr lang="en-AU"/>
           </a:p>
@@ -3346,7 +3347,7 @@
           <a:p>
             <a:fld id="{9AD5F5E7-BF49-4F47-A424-503B82E4E0B0}" type="datetimeFigureOut">
               <a:rPr lang="en-AU" smtClean="0"/>
-              <a:t>2/12/21</a:t>
+              <a:t>24/1/22</a:t>
             </a:fld>
             <a:endParaRPr lang="en-AU"/>
           </a:p>
@@ -7856,6 +7857,921 @@
     <p:extLst>
       <p:ext uri="{BB962C8B-B14F-4D97-AF65-F5344CB8AC3E}">
         <p14:creationId xmlns:p14="http://schemas.microsoft.com/office/powerpoint/2010/main" val="3139041404"/>
+      </p:ext>
+    </p:extLst>
+  </p:cSld>
+  <p:clrMapOvr>
+    <a:masterClrMapping/>
+  </p:clrMapOvr>
+</p:sld>
+</file>
+
+<file path=ppt/slides/slide13.xml><?xml version="1.0" encoding="utf-8"?>
+<p:sld xmlns:a="http://schemas.openxmlformats.org/drawingml/2006/main" xmlns:r="http://schemas.openxmlformats.org/officeDocument/2006/relationships" xmlns:p="http://schemas.openxmlformats.org/presentationml/2006/main">
+  <p:cSld>
+    <p:spTree>
+      <p:nvGrpSpPr>
+        <p:cNvPr id="1" name=""/>
+        <p:cNvGrpSpPr/>
+        <p:nvPr/>
+      </p:nvGrpSpPr>
+      <p:grpSpPr>
+        <a:xfrm>
+          <a:off x="0" y="0"/>
+          <a:ext cx="0" cy="0"/>
+          <a:chOff x="0" y="0"/>
+          <a:chExt cx="0" cy="0"/>
+        </a:xfrm>
+      </p:grpSpPr>
+      <p:sp>
+        <p:nvSpPr>
+          <p:cNvPr id="28" name="Oval 27">
+            <a:extLst>
+              <a:ext uri="{FF2B5EF4-FFF2-40B4-BE49-F238E27FC236}">
+                <a16:creationId xmlns:a16="http://schemas.microsoft.com/office/drawing/2014/main" id="{007D0431-73B8-124E-8C1C-1D63D6E599F6}"/>
+              </a:ext>
+            </a:extLst>
+          </p:cNvPr>
+          <p:cNvSpPr/>
+          <p:nvPr/>
+        </p:nvSpPr>
+        <p:spPr>
+          <a:xfrm>
+            <a:off x="5287055" y="3159664"/>
+            <a:ext cx="2006085" cy="1323474"/>
+          </a:xfrm>
+          <a:prstGeom prst="ellipse">
+            <a:avLst/>
+          </a:prstGeom>
+          <a:solidFill>
+            <a:schemeClr val="bg1"/>
+          </a:solidFill>
+          <a:ln w="28575">
+            <a:solidFill>
+              <a:schemeClr val="tx1"/>
+            </a:solidFill>
+          </a:ln>
+          <a:effectLst>
+            <a:outerShdw blurRad="50800" dist="38100" dir="2700000" algn="tl" rotWithShape="0">
+              <a:prstClr val="black">
+                <a:alpha val="40000"/>
+              </a:prstClr>
+            </a:outerShdw>
+          </a:effectLst>
+        </p:spPr>
+        <p:style>
+          <a:lnRef idx="2">
+            <a:schemeClr val="accent1">
+              <a:shade val="50000"/>
+            </a:schemeClr>
+          </a:lnRef>
+          <a:fillRef idx="1">
+            <a:schemeClr val="accent1"/>
+          </a:fillRef>
+          <a:effectRef idx="0">
+            <a:schemeClr val="accent1"/>
+          </a:effectRef>
+          <a:fontRef idx="minor">
+            <a:schemeClr val="lt1"/>
+          </a:fontRef>
+        </p:style>
+        <p:txBody>
+          <a:bodyPr rtlCol="0" anchor="ctr"/>
+          <a:lstStyle/>
+          <a:p>
+            <a:pPr algn="ctr"/>
+            <a:r>
+              <a:rPr lang="en-US" dirty="0">
+                <a:solidFill>
+                  <a:schemeClr val="tx1"/>
+                </a:solidFill>
+              </a:rPr>
+              <a:t>App</a:t>
+            </a:r>
+          </a:p>
+        </p:txBody>
+      </p:sp>
+      <p:sp>
+        <p:nvSpPr>
+          <p:cNvPr id="58" name="Rectangle 57">
+            <a:extLst>
+              <a:ext uri="{FF2B5EF4-FFF2-40B4-BE49-F238E27FC236}">
+                <a16:creationId xmlns:a16="http://schemas.microsoft.com/office/drawing/2014/main" id="{22061AF8-C913-574B-BE71-AABFD43BB0A3}"/>
+              </a:ext>
+            </a:extLst>
+          </p:cNvPr>
+          <p:cNvSpPr/>
+          <p:nvPr/>
+        </p:nvSpPr>
+        <p:spPr>
+          <a:xfrm>
+            <a:off x="5298085" y="5258298"/>
+            <a:ext cx="1995055" cy="1323474"/>
+          </a:xfrm>
+          <a:prstGeom prst="rect">
+            <a:avLst/>
+          </a:prstGeom>
+          <a:solidFill>
+            <a:schemeClr val="bg1"/>
+          </a:solidFill>
+          <a:ln w="28575">
+            <a:solidFill>
+              <a:srgbClr val="00A6DA"/>
+            </a:solidFill>
+          </a:ln>
+          <a:effectLst>
+            <a:outerShdw blurRad="50800" dist="38100" dir="2700000" algn="tl" rotWithShape="0">
+              <a:prstClr val="black">
+                <a:alpha val="40000"/>
+              </a:prstClr>
+            </a:outerShdw>
+          </a:effectLst>
+        </p:spPr>
+        <p:style>
+          <a:lnRef idx="2">
+            <a:schemeClr val="accent1">
+              <a:shade val="50000"/>
+            </a:schemeClr>
+          </a:lnRef>
+          <a:fillRef idx="1">
+            <a:schemeClr val="accent1"/>
+          </a:fillRef>
+          <a:effectRef idx="0">
+            <a:schemeClr val="accent1"/>
+          </a:effectRef>
+          <a:fontRef idx="minor">
+            <a:schemeClr val="lt1"/>
+          </a:fontRef>
+        </p:style>
+        <p:txBody>
+          <a:bodyPr rtlCol="0" anchor="ctr"/>
+          <a:lstStyle/>
+          <a:p>
+            <a:pPr algn="ctr"/>
+            <a:r>
+              <a:rPr lang="en-US" dirty="0">
+                <a:solidFill>
+                  <a:schemeClr val="tx1"/>
+                </a:solidFill>
+              </a:rPr>
+              <a:t>Traditional</a:t>
+            </a:r>
+          </a:p>
+          <a:p>
+            <a:pPr algn="ctr"/>
+            <a:r>
+              <a:rPr lang="en-US" dirty="0">
+                <a:solidFill>
+                  <a:schemeClr val="tx1"/>
+                </a:solidFill>
+              </a:rPr>
+              <a:t>CC</a:t>
+            </a:r>
+          </a:p>
+        </p:txBody>
+      </p:sp>
+      <p:sp>
+        <p:nvSpPr>
+          <p:cNvPr id="24" name="Rectangle 23">
+            <a:extLst>
+              <a:ext uri="{FF2B5EF4-FFF2-40B4-BE49-F238E27FC236}">
+                <a16:creationId xmlns:a16="http://schemas.microsoft.com/office/drawing/2014/main" id="{DCB2E92B-CC19-534D-B08F-71077DFA9615}"/>
+              </a:ext>
+            </a:extLst>
+          </p:cNvPr>
+          <p:cNvSpPr/>
+          <p:nvPr/>
+        </p:nvSpPr>
+        <p:spPr>
+          <a:xfrm>
+            <a:off x="5287055" y="7356933"/>
+            <a:ext cx="2006085" cy="1323474"/>
+          </a:xfrm>
+          <a:prstGeom prst="rect">
+            <a:avLst/>
+          </a:prstGeom>
+          <a:solidFill>
+            <a:srgbClr val="8FD1E9"/>
+          </a:solidFill>
+          <a:ln w="28575">
+            <a:solidFill>
+              <a:srgbClr val="00A6DA"/>
+            </a:solidFill>
+          </a:ln>
+          <a:effectLst>
+            <a:outerShdw blurRad="50800" dist="38100" dir="2700000" algn="tl" rotWithShape="0">
+              <a:prstClr val="black">
+                <a:alpha val="40000"/>
+              </a:prstClr>
+            </a:outerShdw>
+          </a:effectLst>
+        </p:spPr>
+        <p:style>
+          <a:lnRef idx="2">
+            <a:schemeClr val="accent1">
+              <a:shade val="50000"/>
+            </a:schemeClr>
+          </a:lnRef>
+          <a:fillRef idx="1">
+            <a:schemeClr val="accent1"/>
+          </a:fillRef>
+          <a:effectRef idx="0">
+            <a:schemeClr val="accent1"/>
+          </a:effectRef>
+          <a:fontRef idx="minor">
+            <a:schemeClr val="lt1"/>
+          </a:fontRef>
+        </p:style>
+        <p:txBody>
+          <a:bodyPr rtlCol="0" anchor="ctr"/>
+          <a:lstStyle/>
+          <a:p>
+            <a:pPr algn="ctr"/>
+            <a:r>
+              <a:rPr lang="en-US" dirty="0">
+                <a:solidFill>
+                  <a:schemeClr val="tx1"/>
+                </a:solidFill>
+              </a:rPr>
+              <a:t>On-Ramp</a:t>
+            </a:r>
+          </a:p>
+          <a:p>
+            <a:pPr algn="ctr"/>
+            <a:r>
+              <a:rPr lang="en-US" dirty="0">
+                <a:solidFill>
+                  <a:schemeClr val="tx1"/>
+                </a:solidFill>
+              </a:rPr>
+              <a:t>Shim</a:t>
+            </a:r>
+          </a:p>
+        </p:txBody>
+      </p:sp>
+      <p:sp>
+        <p:nvSpPr>
+          <p:cNvPr id="25" name="Rectangle 24">
+            <a:extLst>
+              <a:ext uri="{FF2B5EF4-FFF2-40B4-BE49-F238E27FC236}">
+                <a16:creationId xmlns:a16="http://schemas.microsoft.com/office/drawing/2014/main" id="{B0A6A5A3-D21D-2549-BDB2-78AA0227DD84}"/>
+              </a:ext>
+            </a:extLst>
+          </p:cNvPr>
+          <p:cNvSpPr/>
+          <p:nvPr/>
+        </p:nvSpPr>
+        <p:spPr>
+          <a:xfrm>
+            <a:off x="10987942" y="5258298"/>
+            <a:ext cx="1995055" cy="1323474"/>
+          </a:xfrm>
+          <a:prstGeom prst="rect">
+            <a:avLst/>
+          </a:prstGeom>
+          <a:solidFill>
+            <a:schemeClr val="bg1"/>
+          </a:solidFill>
+          <a:ln w="28575">
+            <a:solidFill>
+              <a:srgbClr val="00A6DA"/>
+            </a:solidFill>
+          </a:ln>
+          <a:effectLst>
+            <a:outerShdw blurRad="50800" dist="38100" dir="2700000" algn="tl" rotWithShape="0">
+              <a:prstClr val="black">
+                <a:alpha val="40000"/>
+              </a:prstClr>
+            </a:outerShdw>
+          </a:effectLst>
+        </p:spPr>
+        <p:style>
+          <a:lnRef idx="2">
+            <a:schemeClr val="accent1">
+              <a:shade val="50000"/>
+            </a:schemeClr>
+          </a:lnRef>
+          <a:fillRef idx="1">
+            <a:schemeClr val="accent1"/>
+          </a:fillRef>
+          <a:effectRef idx="0">
+            <a:schemeClr val="accent1"/>
+          </a:effectRef>
+          <a:fontRef idx="minor">
+            <a:schemeClr val="lt1"/>
+          </a:fontRef>
+        </p:style>
+        <p:txBody>
+          <a:bodyPr rtlCol="0" anchor="ctr"/>
+          <a:lstStyle/>
+          <a:p>
+            <a:pPr algn="ctr"/>
+            <a:r>
+              <a:rPr lang="en-US" dirty="0">
+                <a:solidFill>
+                  <a:schemeClr val="tx1"/>
+                </a:solidFill>
+              </a:rPr>
+              <a:t>Traditional</a:t>
+            </a:r>
+          </a:p>
+          <a:p>
+            <a:pPr algn="ctr"/>
+            <a:r>
+              <a:rPr lang="en-US" dirty="0">
+                <a:solidFill>
+                  <a:schemeClr val="tx1"/>
+                </a:solidFill>
+              </a:rPr>
+              <a:t>CC</a:t>
+            </a:r>
+          </a:p>
+        </p:txBody>
+      </p:sp>
+      <p:sp>
+        <p:nvSpPr>
+          <p:cNvPr id="26" name="Rectangle 25">
+            <a:extLst>
+              <a:ext uri="{FF2B5EF4-FFF2-40B4-BE49-F238E27FC236}">
+                <a16:creationId xmlns:a16="http://schemas.microsoft.com/office/drawing/2014/main" id="{4D8C2FFA-7C6A-D548-8A54-B95CDD6E23BB}"/>
+              </a:ext>
+            </a:extLst>
+          </p:cNvPr>
+          <p:cNvSpPr/>
+          <p:nvPr/>
+        </p:nvSpPr>
+        <p:spPr>
+          <a:xfrm>
+            <a:off x="10987943" y="7356933"/>
+            <a:ext cx="1995055" cy="1323474"/>
+          </a:xfrm>
+          <a:prstGeom prst="rect">
+            <a:avLst/>
+          </a:prstGeom>
+          <a:solidFill>
+            <a:srgbClr val="8FD1E9"/>
+          </a:solidFill>
+          <a:ln w="28575">
+            <a:solidFill>
+              <a:srgbClr val="00A6DA"/>
+            </a:solidFill>
+          </a:ln>
+          <a:effectLst>
+            <a:outerShdw blurRad="50800" dist="38100" dir="2700000" algn="tl" rotWithShape="0">
+              <a:prstClr val="black">
+                <a:alpha val="40000"/>
+              </a:prstClr>
+            </a:outerShdw>
+          </a:effectLst>
+        </p:spPr>
+        <p:style>
+          <a:lnRef idx="2">
+            <a:schemeClr val="accent1">
+              <a:shade val="50000"/>
+            </a:schemeClr>
+          </a:lnRef>
+          <a:fillRef idx="1">
+            <a:schemeClr val="accent1"/>
+          </a:fillRef>
+          <a:effectRef idx="0">
+            <a:schemeClr val="accent1"/>
+          </a:effectRef>
+          <a:fontRef idx="minor">
+            <a:schemeClr val="lt1"/>
+          </a:fontRef>
+        </p:style>
+        <p:txBody>
+          <a:bodyPr rtlCol="0" anchor="ctr"/>
+          <a:lstStyle/>
+          <a:p>
+            <a:pPr algn="ctr"/>
+            <a:r>
+              <a:rPr lang="en-US" dirty="0">
+                <a:solidFill>
+                  <a:schemeClr val="tx1"/>
+                </a:solidFill>
+              </a:rPr>
+              <a:t>On-Ramp</a:t>
+            </a:r>
+          </a:p>
+          <a:p>
+            <a:pPr algn="ctr"/>
+            <a:r>
+              <a:rPr lang="en-US" dirty="0">
+                <a:solidFill>
+                  <a:schemeClr val="tx1"/>
+                </a:solidFill>
+              </a:rPr>
+              <a:t>Shim</a:t>
+            </a:r>
+          </a:p>
+        </p:txBody>
+      </p:sp>
+      <p:sp>
+        <p:nvSpPr>
+          <p:cNvPr id="27" name="Oval 26">
+            <a:extLst>
+              <a:ext uri="{FF2B5EF4-FFF2-40B4-BE49-F238E27FC236}">
+                <a16:creationId xmlns:a16="http://schemas.microsoft.com/office/drawing/2014/main" id="{35AE9419-A1E2-B045-BC00-DD61D903B23D}"/>
+              </a:ext>
+            </a:extLst>
+          </p:cNvPr>
+          <p:cNvSpPr/>
+          <p:nvPr/>
+        </p:nvSpPr>
+        <p:spPr>
+          <a:xfrm>
+            <a:off x="10987942" y="3159664"/>
+            <a:ext cx="1995055" cy="1323474"/>
+          </a:xfrm>
+          <a:prstGeom prst="ellipse">
+            <a:avLst/>
+          </a:prstGeom>
+          <a:solidFill>
+            <a:schemeClr val="bg1"/>
+          </a:solidFill>
+          <a:ln w="28575">
+            <a:solidFill>
+              <a:schemeClr val="tx1"/>
+            </a:solidFill>
+          </a:ln>
+          <a:effectLst>
+            <a:outerShdw blurRad="50800" dist="38100" dir="2700000" algn="tl" rotWithShape="0">
+              <a:prstClr val="black">
+                <a:alpha val="40000"/>
+              </a:prstClr>
+            </a:outerShdw>
+          </a:effectLst>
+        </p:spPr>
+        <p:style>
+          <a:lnRef idx="2">
+            <a:schemeClr val="accent1">
+              <a:shade val="50000"/>
+            </a:schemeClr>
+          </a:lnRef>
+          <a:fillRef idx="1">
+            <a:schemeClr val="accent1"/>
+          </a:fillRef>
+          <a:effectRef idx="0">
+            <a:schemeClr val="accent1"/>
+          </a:effectRef>
+          <a:fontRef idx="minor">
+            <a:schemeClr val="lt1"/>
+          </a:fontRef>
+        </p:style>
+        <p:txBody>
+          <a:bodyPr rtlCol="0" anchor="ctr"/>
+          <a:lstStyle/>
+          <a:p>
+            <a:pPr algn="ctr"/>
+            <a:r>
+              <a:rPr lang="en-US" dirty="0">
+                <a:solidFill>
+                  <a:schemeClr val="tx1"/>
+                </a:solidFill>
+              </a:rPr>
+              <a:t>App</a:t>
+            </a:r>
+          </a:p>
+        </p:txBody>
+      </p:sp>
+      <p:cxnSp>
+        <p:nvCxnSpPr>
+          <p:cNvPr id="5" name="Straight Arrow Connector 4">
+            <a:extLst>
+              <a:ext uri="{FF2B5EF4-FFF2-40B4-BE49-F238E27FC236}">
+                <a16:creationId xmlns:a16="http://schemas.microsoft.com/office/drawing/2014/main" id="{29699A96-20C1-1744-BD18-9C3ECCB09F78}"/>
+              </a:ext>
+            </a:extLst>
+          </p:cNvPr>
+          <p:cNvCxnSpPr>
+            <a:stCxn id="28" idx="4"/>
+            <a:endCxn id="58" idx="0"/>
+          </p:cNvCxnSpPr>
+          <p:nvPr/>
+        </p:nvCxnSpPr>
+        <p:spPr>
+          <a:xfrm>
+            <a:off x="6290098" y="4483138"/>
+            <a:ext cx="5515" cy="775160"/>
+          </a:xfrm>
+          <a:prstGeom prst="straightConnector1">
+            <a:avLst/>
+          </a:prstGeom>
+          <a:ln w="38100">
+            <a:solidFill>
+              <a:srgbClr val="00A6DA"/>
+            </a:solidFill>
+            <a:headEnd type="none" w="med" len="med"/>
+            <a:tailEnd type="none" w="med" len="med"/>
+          </a:ln>
+        </p:spPr>
+        <p:style>
+          <a:lnRef idx="1">
+            <a:schemeClr val="accent1"/>
+          </a:lnRef>
+          <a:fillRef idx="0">
+            <a:schemeClr val="accent1"/>
+          </a:fillRef>
+          <a:effectRef idx="0">
+            <a:schemeClr val="accent1"/>
+          </a:effectRef>
+          <a:fontRef idx="minor">
+            <a:schemeClr val="tx1"/>
+          </a:fontRef>
+        </p:style>
+      </p:cxnSp>
+      <p:cxnSp>
+        <p:nvCxnSpPr>
+          <p:cNvPr id="31" name="Straight Arrow Connector 30">
+            <a:extLst>
+              <a:ext uri="{FF2B5EF4-FFF2-40B4-BE49-F238E27FC236}">
+                <a16:creationId xmlns:a16="http://schemas.microsoft.com/office/drawing/2014/main" id="{278D4681-06C4-C04C-8D22-B074A6354442}"/>
+              </a:ext>
+            </a:extLst>
+          </p:cNvPr>
+          <p:cNvCxnSpPr>
+            <a:cxnSpLocks/>
+            <a:stCxn id="58" idx="2"/>
+            <a:endCxn id="24" idx="0"/>
+          </p:cNvCxnSpPr>
+          <p:nvPr/>
+        </p:nvCxnSpPr>
+        <p:spPr>
+          <a:xfrm flipH="1">
+            <a:off x="6290098" y="6581772"/>
+            <a:ext cx="5515" cy="775161"/>
+          </a:xfrm>
+          <a:prstGeom prst="straightConnector1">
+            <a:avLst/>
+          </a:prstGeom>
+          <a:ln w="38100">
+            <a:solidFill>
+              <a:srgbClr val="00A6DA"/>
+            </a:solidFill>
+            <a:headEnd type="none" w="med" len="med"/>
+            <a:tailEnd type="none" w="med" len="med"/>
+          </a:ln>
+        </p:spPr>
+        <p:style>
+          <a:lnRef idx="1">
+            <a:schemeClr val="accent1"/>
+          </a:lnRef>
+          <a:fillRef idx="0">
+            <a:schemeClr val="accent1"/>
+          </a:fillRef>
+          <a:effectRef idx="0">
+            <a:schemeClr val="accent1"/>
+          </a:effectRef>
+          <a:fontRef idx="minor">
+            <a:schemeClr val="tx1"/>
+          </a:fontRef>
+        </p:style>
+      </p:cxnSp>
+      <p:cxnSp>
+        <p:nvCxnSpPr>
+          <p:cNvPr id="34" name="Straight Arrow Connector 33">
+            <a:extLst>
+              <a:ext uri="{FF2B5EF4-FFF2-40B4-BE49-F238E27FC236}">
+                <a16:creationId xmlns:a16="http://schemas.microsoft.com/office/drawing/2014/main" id="{80C8CEAE-3E3B-914F-8B35-51AAA952DB0A}"/>
+              </a:ext>
+            </a:extLst>
+          </p:cNvPr>
+          <p:cNvCxnSpPr/>
+          <p:nvPr/>
+        </p:nvCxnSpPr>
+        <p:spPr>
+          <a:xfrm>
+            <a:off x="11985469" y="4483138"/>
+            <a:ext cx="5515" cy="775160"/>
+          </a:xfrm>
+          <a:prstGeom prst="straightConnector1">
+            <a:avLst/>
+          </a:prstGeom>
+          <a:ln w="38100">
+            <a:solidFill>
+              <a:srgbClr val="00A6DA"/>
+            </a:solidFill>
+            <a:headEnd type="none" w="med" len="med"/>
+            <a:tailEnd type="none" w="med" len="med"/>
+          </a:ln>
+        </p:spPr>
+        <p:style>
+          <a:lnRef idx="1">
+            <a:schemeClr val="accent1"/>
+          </a:lnRef>
+          <a:fillRef idx="0">
+            <a:schemeClr val="accent1"/>
+          </a:fillRef>
+          <a:effectRef idx="0">
+            <a:schemeClr val="accent1"/>
+          </a:effectRef>
+          <a:fontRef idx="minor">
+            <a:schemeClr val="tx1"/>
+          </a:fontRef>
+        </p:style>
+      </p:cxnSp>
+      <p:cxnSp>
+        <p:nvCxnSpPr>
+          <p:cNvPr id="35" name="Straight Arrow Connector 34">
+            <a:extLst>
+              <a:ext uri="{FF2B5EF4-FFF2-40B4-BE49-F238E27FC236}">
+                <a16:creationId xmlns:a16="http://schemas.microsoft.com/office/drawing/2014/main" id="{A075C654-0C8B-E948-87A3-7F873CBCFF24}"/>
+              </a:ext>
+            </a:extLst>
+          </p:cNvPr>
+          <p:cNvCxnSpPr>
+            <a:cxnSpLocks/>
+          </p:cNvCxnSpPr>
+          <p:nvPr/>
+        </p:nvCxnSpPr>
+        <p:spPr>
+          <a:xfrm flipH="1">
+            <a:off x="11985469" y="6581771"/>
+            <a:ext cx="5515" cy="775161"/>
+          </a:xfrm>
+          <a:prstGeom prst="straightConnector1">
+            <a:avLst/>
+          </a:prstGeom>
+          <a:ln w="38100">
+            <a:solidFill>
+              <a:srgbClr val="00A6DA"/>
+            </a:solidFill>
+            <a:headEnd type="none" w="med" len="med"/>
+            <a:tailEnd type="none" w="med" len="med"/>
+          </a:ln>
+        </p:spPr>
+        <p:style>
+          <a:lnRef idx="1">
+            <a:schemeClr val="accent1"/>
+          </a:lnRef>
+          <a:fillRef idx="0">
+            <a:schemeClr val="accent1"/>
+          </a:fillRef>
+          <a:effectRef idx="0">
+            <a:schemeClr val="accent1"/>
+          </a:effectRef>
+          <a:fontRef idx="minor">
+            <a:schemeClr val="tx1"/>
+          </a:fontRef>
+        </p:style>
+      </p:cxnSp>
+      <p:cxnSp>
+        <p:nvCxnSpPr>
+          <p:cNvPr id="21" name="Elbow Connector 20">
+            <a:extLst>
+              <a:ext uri="{FF2B5EF4-FFF2-40B4-BE49-F238E27FC236}">
+                <a16:creationId xmlns:a16="http://schemas.microsoft.com/office/drawing/2014/main" id="{BCBB4A72-88E3-6046-B607-6E6B4A117045}"/>
+              </a:ext>
+            </a:extLst>
+          </p:cNvPr>
+          <p:cNvCxnSpPr>
+            <a:cxnSpLocks/>
+            <a:stCxn id="24" idx="2"/>
+            <a:endCxn id="26" idx="2"/>
+          </p:cNvCxnSpPr>
+          <p:nvPr/>
+        </p:nvCxnSpPr>
+        <p:spPr>
+          <a:xfrm rot="16200000" flipH="1">
+            <a:off x="9137784" y="5832720"/>
+            <a:ext cx="12700" cy="5695373"/>
+          </a:xfrm>
+          <a:prstGeom prst="bentConnector3">
+            <a:avLst>
+              <a:gd name="adj1" fmla="val 5600000"/>
+            </a:avLst>
+          </a:prstGeom>
+          <a:ln w="38100">
+            <a:solidFill>
+              <a:schemeClr val="tx1"/>
+            </a:solidFill>
+            <a:headEnd type="none" w="med" len="med"/>
+            <a:tailEnd type="none" w="med" len="med"/>
+          </a:ln>
+        </p:spPr>
+        <p:style>
+          <a:lnRef idx="1">
+            <a:schemeClr val="accent1"/>
+          </a:lnRef>
+          <a:fillRef idx="0">
+            <a:schemeClr val="accent1"/>
+          </a:fillRef>
+          <a:effectRef idx="0">
+            <a:schemeClr val="accent1"/>
+          </a:effectRef>
+          <a:fontRef idx="minor">
+            <a:schemeClr val="tx1"/>
+          </a:fontRef>
+        </p:style>
+      </p:cxnSp>
+      <p:sp>
+        <p:nvSpPr>
+          <p:cNvPr id="54" name="TextBox 53">
+            <a:extLst>
+              <a:ext uri="{FF2B5EF4-FFF2-40B4-BE49-F238E27FC236}">
+                <a16:creationId xmlns:a16="http://schemas.microsoft.com/office/drawing/2014/main" id="{81E63567-7F77-084E-B153-4E634EF03861}"/>
+              </a:ext>
+            </a:extLst>
+          </p:cNvPr>
+          <p:cNvSpPr txBox="1"/>
+          <p:nvPr/>
+        </p:nvSpPr>
+        <p:spPr>
+          <a:xfrm>
+            <a:off x="8607941" y="8818843"/>
+            <a:ext cx="1558440" cy="584775"/>
+          </a:xfrm>
+          <a:prstGeom prst="rect">
+            <a:avLst/>
+          </a:prstGeom>
+          <a:noFill/>
+        </p:spPr>
+        <p:txBody>
+          <a:bodyPr wrap="none" rtlCol="0">
+            <a:spAutoFit/>
+          </a:bodyPr>
+          <a:lstStyle/>
+          <a:p>
+            <a:r>
+              <a:rPr lang="en-US" dirty="0">
+                <a:latin typeface="+mn-lt"/>
+              </a:rPr>
+              <a:t>Data </a:t>
+            </a:r>
+            <a:r>
+              <a:rPr lang="en-US" dirty="0">
+                <a:latin typeface="+mn-lt"/>
+                <a:sym typeface="Wingdings" pitchFamily="2" charset="2"/>
+              </a:rPr>
+              <a:t> </a:t>
+            </a:r>
+            <a:endParaRPr lang="en-US" dirty="0">
+              <a:latin typeface="+mn-lt"/>
+            </a:endParaRPr>
+          </a:p>
+        </p:txBody>
+      </p:sp>
+      <p:sp>
+        <p:nvSpPr>
+          <p:cNvPr id="69" name="TextBox 68">
+            <a:extLst>
+              <a:ext uri="{FF2B5EF4-FFF2-40B4-BE49-F238E27FC236}">
+                <a16:creationId xmlns:a16="http://schemas.microsoft.com/office/drawing/2014/main" id="{13C5084E-DBB5-294A-897E-1C28981FE985}"/>
+              </a:ext>
+            </a:extLst>
+          </p:cNvPr>
+          <p:cNvSpPr txBox="1"/>
+          <p:nvPr/>
+        </p:nvSpPr>
+        <p:spPr>
+          <a:xfrm>
+            <a:off x="8165168" y="9408704"/>
+            <a:ext cx="1529586" cy="584775"/>
+          </a:xfrm>
+          <a:prstGeom prst="rect">
+            <a:avLst/>
+          </a:prstGeom>
+          <a:noFill/>
+        </p:spPr>
+        <p:txBody>
+          <a:bodyPr wrap="none" rtlCol="0">
+            <a:spAutoFit/>
+          </a:bodyPr>
+          <a:lstStyle/>
+          <a:p>
+            <a:r>
+              <a:rPr lang="en-US" dirty="0">
+                <a:latin typeface="+mn-lt"/>
+                <a:sym typeface="Wingdings" pitchFamily="2" charset="2"/>
+              </a:rPr>
+              <a:t> Acks </a:t>
+            </a:r>
+            <a:endParaRPr lang="en-US" dirty="0">
+              <a:latin typeface="+mn-lt"/>
+            </a:endParaRPr>
+          </a:p>
+        </p:txBody>
+      </p:sp>
+      <p:sp>
+        <p:nvSpPr>
+          <p:cNvPr id="72" name="TextBox 71">
+            <a:extLst>
+              <a:ext uri="{FF2B5EF4-FFF2-40B4-BE49-F238E27FC236}">
+                <a16:creationId xmlns:a16="http://schemas.microsoft.com/office/drawing/2014/main" id="{517BA405-9F9F-3C4B-BB8D-5564FFE3FDFD}"/>
+              </a:ext>
+            </a:extLst>
+          </p:cNvPr>
+          <p:cNvSpPr txBox="1"/>
+          <p:nvPr/>
+        </p:nvSpPr>
+        <p:spPr>
+          <a:xfrm>
+            <a:off x="7316340" y="6476154"/>
+            <a:ext cx="2066591" cy="1135054"/>
+          </a:xfrm>
+          <a:prstGeom prst="rect">
+            <a:avLst/>
+          </a:prstGeom>
+          <a:noFill/>
+        </p:spPr>
+        <p:txBody>
+          <a:bodyPr wrap="none" rtlCol="0">
+            <a:spAutoFit/>
+          </a:bodyPr>
+          <a:lstStyle/>
+          <a:p>
+            <a:pPr algn="l">
+              <a:lnSpc>
+                <a:spcPct val="80000"/>
+              </a:lnSpc>
+            </a:pPr>
+            <a:r>
+              <a:rPr lang="en-US" sz="2800" dirty="0">
+                <a:latin typeface="+mn-lt"/>
+              </a:rPr>
+              <a:t>Hold packets</a:t>
+            </a:r>
+          </a:p>
+          <a:p>
+            <a:pPr algn="l">
+              <a:lnSpc>
+                <a:spcPct val="80000"/>
+              </a:lnSpc>
+            </a:pPr>
+            <a:r>
+              <a:rPr lang="en-US" sz="2800" dirty="0">
+                <a:latin typeface="+mn-lt"/>
+              </a:rPr>
+              <a:t>when OWD </a:t>
+            </a:r>
+          </a:p>
+          <a:p>
+            <a:pPr algn="l">
+              <a:lnSpc>
+                <a:spcPct val="80000"/>
+              </a:lnSpc>
+            </a:pPr>
+            <a:r>
+              <a:rPr lang="en-US" sz="2800" dirty="0">
+                <a:latin typeface="+mn-lt"/>
+              </a:rPr>
+              <a:t>is too high</a:t>
+            </a:r>
+          </a:p>
+        </p:txBody>
+      </p:sp>
+      <p:cxnSp>
+        <p:nvCxnSpPr>
+          <p:cNvPr id="56" name="Elbow Connector 55">
+            <a:extLst>
+              <a:ext uri="{FF2B5EF4-FFF2-40B4-BE49-F238E27FC236}">
+                <a16:creationId xmlns:a16="http://schemas.microsoft.com/office/drawing/2014/main" id="{57F94C1C-FFD6-7A42-AA16-A4E09F223E75}"/>
+              </a:ext>
+            </a:extLst>
+          </p:cNvPr>
+          <p:cNvCxnSpPr>
+            <a:cxnSpLocks/>
+            <a:stCxn id="72" idx="2"/>
+            <a:endCxn id="24" idx="3"/>
+          </p:cNvCxnSpPr>
+          <p:nvPr/>
+        </p:nvCxnSpPr>
+        <p:spPr>
+          <a:xfrm rot="5400000">
+            <a:off x="7617657" y="7286691"/>
+            <a:ext cx="407462" cy="1056496"/>
+          </a:xfrm>
+          <a:prstGeom prst="bentConnector2">
+            <a:avLst/>
+          </a:prstGeom>
+          <a:ln w="28575">
+            <a:solidFill>
+              <a:schemeClr val="tx1"/>
+            </a:solidFill>
+            <a:prstDash val="sysDot"/>
+            <a:tailEnd type="triangle"/>
+          </a:ln>
+        </p:spPr>
+        <p:style>
+          <a:lnRef idx="1">
+            <a:schemeClr val="accent1"/>
+          </a:lnRef>
+          <a:fillRef idx="0">
+            <a:schemeClr val="accent1"/>
+          </a:fillRef>
+          <a:effectRef idx="0">
+            <a:schemeClr val="accent1"/>
+          </a:effectRef>
+          <a:fontRef idx="minor">
+            <a:schemeClr val="tx1"/>
+          </a:fontRef>
+        </p:style>
+      </p:cxnSp>
+    </p:spTree>
+    <p:extLst>
+      <p:ext uri="{BB962C8B-B14F-4D97-AF65-F5344CB8AC3E}">
+        <p14:creationId xmlns:p14="http://schemas.microsoft.com/office/powerpoint/2010/main" val="736260739"/>
       </p:ext>
     </p:extLst>
   </p:cSld>

--- a/figures/Figure-sources.pptx
+++ b/figures/Figure-sources.pptx
@@ -5,7 +5,7 @@
     <p:sldMasterId id="2147483661" r:id="rId1"/>
   </p:sldMasterIdLst>
   <p:notesMasterIdLst>
-    <p:notesMasterId r:id="rId16"/>
+    <p:notesMasterId r:id="rId17"/>
   </p:notesMasterIdLst>
   <p:sldIdLst>
     <p:sldId id="257" r:id="rId2"/>
@@ -22,6 +22,7 @@
     <p:sldId id="268" r:id="rId13"/>
     <p:sldId id="269" r:id="rId14"/>
     <p:sldId id="270" r:id="rId15"/>
+    <p:sldId id="271" r:id="rId16"/>
   </p:sldIdLst>
   <p:sldSz cx="24384000" cy="13716000"/>
   <p:notesSz cx="6858000" cy="9144000"/>
@@ -530,6 +531,72 @@
 </p:notesMaster>
 </file>
 
+<file path=ppt/notesSlides/notesSlide1.xml><?xml version="1.0" encoding="utf-8"?>
+<p:notes xmlns:a="http://schemas.openxmlformats.org/drawingml/2006/main" xmlns:r="http://schemas.openxmlformats.org/officeDocument/2006/relationships" xmlns:p="http://schemas.openxmlformats.org/presentationml/2006/main">
+  <p:cSld>
+    <p:spTree>
+      <p:nvGrpSpPr>
+        <p:cNvPr id="1" name=""/>
+        <p:cNvGrpSpPr/>
+        <p:nvPr/>
+      </p:nvGrpSpPr>
+      <p:grpSpPr>
+        <a:xfrm>
+          <a:off x="0" y="0"/>
+          <a:ext cx="0" cy="0"/>
+          <a:chOff x="0" y="0"/>
+          <a:chExt cx="0" cy="0"/>
+        </a:xfrm>
+      </p:grpSpPr>
+      <p:sp>
+        <p:nvSpPr>
+          <p:cNvPr id="2" name="Slide Image Placeholder 1"/>
+          <p:cNvSpPr>
+            <a:spLocks noGrp="1" noRot="1" noChangeAspect="1"/>
+          </p:cNvSpPr>
+          <p:nvPr>
+            <p:ph type="sldImg"/>
+          </p:nvPr>
+        </p:nvSpPr>
+        <p:spPr>
+          <a:xfrm>
+            <a:off x="381000" y="685800"/>
+            <a:ext cx="6096000" cy="3429000"/>
+          </a:xfrm>
+        </p:spPr>
+      </p:sp>
+      <p:sp>
+        <p:nvSpPr>
+          <p:cNvPr id="3" name="Notes Placeholder 2"/>
+          <p:cNvSpPr>
+            <a:spLocks noGrp="1"/>
+          </p:cNvSpPr>
+          <p:nvPr>
+            <p:ph type="body" idx="1"/>
+          </p:nvPr>
+        </p:nvSpPr>
+        <p:spPr/>
+        <p:txBody>
+          <a:bodyPr/>
+          <a:lstStyle/>
+          <a:p>
+            <a:endParaRPr lang="en-US" dirty="0"/>
+          </a:p>
+        </p:txBody>
+      </p:sp>
+    </p:spTree>
+    <p:extLst>
+      <p:ext uri="{BB962C8B-B14F-4D97-AF65-F5344CB8AC3E}">
+        <p14:creationId xmlns:p14="http://schemas.microsoft.com/office/powerpoint/2010/main" val="2524367586"/>
+      </p:ext>
+    </p:extLst>
+  </p:cSld>
+  <p:clrMapOvr>
+    <a:masterClrMapping/>
+  </p:clrMapOvr>
+</p:notes>
+</file>
+
 <file path=ppt/slideLayouts/slideLayout1.xml><?xml version="1.0" encoding="utf-8"?>
 <p:sldLayout xmlns:a="http://schemas.openxmlformats.org/drawingml/2006/main" xmlns:r="http://schemas.openxmlformats.org/officeDocument/2006/relationships" xmlns:p="http://schemas.openxmlformats.org/presentationml/2006/main" type="title" preserve="1">
   <p:cSld name="Title Slide">
@@ -679,7 +746,7 @@
           <a:p>
             <a:fld id="{9AD5F5E7-BF49-4F47-A424-503B82E4E0B0}" type="datetimeFigureOut">
               <a:rPr lang="en-AU" smtClean="0"/>
-              <a:t>10/2/2022</a:t>
+              <a:t>14/2/22</a:t>
             </a:fld>
             <a:endParaRPr lang="en-AU"/>
           </a:p>
@@ -879,7 +946,7 @@
           <a:p>
             <a:fld id="{9AD5F5E7-BF49-4F47-A424-503B82E4E0B0}" type="datetimeFigureOut">
               <a:rPr lang="en-AU" smtClean="0"/>
-              <a:t>10/2/2022</a:t>
+              <a:t>14/2/22</a:t>
             </a:fld>
             <a:endParaRPr lang="en-AU"/>
           </a:p>
@@ -1089,7 +1156,7 @@
           <a:p>
             <a:fld id="{9AD5F5E7-BF49-4F47-A424-503B82E4E0B0}" type="datetimeFigureOut">
               <a:rPr lang="en-AU" smtClean="0"/>
-              <a:t>10/2/2022</a:t>
+              <a:t>14/2/22</a:t>
             </a:fld>
             <a:endParaRPr lang="en-AU"/>
           </a:p>
@@ -1289,7 +1356,7 @@
           <a:p>
             <a:fld id="{9AD5F5E7-BF49-4F47-A424-503B82E4E0B0}" type="datetimeFigureOut">
               <a:rPr lang="en-AU" smtClean="0"/>
-              <a:t>10/2/2022</a:t>
+              <a:t>14/2/22</a:t>
             </a:fld>
             <a:endParaRPr lang="en-AU"/>
           </a:p>
@@ -1565,7 +1632,7 @@
           <a:p>
             <a:fld id="{9AD5F5E7-BF49-4F47-A424-503B82E4E0B0}" type="datetimeFigureOut">
               <a:rPr lang="en-AU" smtClean="0"/>
-              <a:t>10/2/2022</a:t>
+              <a:t>14/2/22</a:t>
             </a:fld>
             <a:endParaRPr lang="en-AU"/>
           </a:p>
@@ -1833,7 +1900,7 @@
           <a:p>
             <a:fld id="{9AD5F5E7-BF49-4F47-A424-503B82E4E0B0}" type="datetimeFigureOut">
               <a:rPr lang="en-AU" smtClean="0"/>
-              <a:t>10/2/2022</a:t>
+              <a:t>14/2/22</a:t>
             </a:fld>
             <a:endParaRPr lang="en-AU"/>
           </a:p>
@@ -2248,7 +2315,7 @@
           <a:p>
             <a:fld id="{9AD5F5E7-BF49-4F47-A424-503B82E4E0B0}" type="datetimeFigureOut">
               <a:rPr lang="en-AU" smtClean="0"/>
-              <a:t>10/2/2022</a:t>
+              <a:t>14/2/22</a:t>
             </a:fld>
             <a:endParaRPr lang="en-AU"/>
           </a:p>
@@ -2390,7 +2457,7 @@
           <a:p>
             <a:fld id="{9AD5F5E7-BF49-4F47-A424-503B82E4E0B0}" type="datetimeFigureOut">
               <a:rPr lang="en-AU" smtClean="0"/>
-              <a:t>10/2/2022</a:t>
+              <a:t>14/2/22</a:t>
             </a:fld>
             <a:endParaRPr lang="en-AU"/>
           </a:p>
@@ -2503,7 +2570,7 @@
           <a:p>
             <a:fld id="{9AD5F5E7-BF49-4F47-A424-503B82E4E0B0}" type="datetimeFigureOut">
               <a:rPr lang="en-AU" smtClean="0"/>
-              <a:t>10/2/2022</a:t>
+              <a:t>14/2/22</a:t>
             </a:fld>
             <a:endParaRPr lang="en-AU"/>
           </a:p>
@@ -2816,7 +2883,7 @@
           <a:p>
             <a:fld id="{9AD5F5E7-BF49-4F47-A424-503B82E4E0B0}" type="datetimeFigureOut">
               <a:rPr lang="en-AU" smtClean="0"/>
-              <a:t>10/2/2022</a:t>
+              <a:t>14/2/22</a:t>
             </a:fld>
             <a:endParaRPr lang="en-AU"/>
           </a:p>
@@ -3105,7 +3172,7 @@
           <a:p>
             <a:fld id="{9AD5F5E7-BF49-4F47-A424-503B82E4E0B0}" type="datetimeFigureOut">
               <a:rPr lang="en-AU" smtClean="0"/>
-              <a:t>10/2/2022</a:t>
+              <a:t>14/2/22</a:t>
             </a:fld>
             <a:endParaRPr lang="en-AU"/>
           </a:p>
@@ -3348,7 +3415,7 @@
           <a:p>
             <a:fld id="{9AD5F5E7-BF49-4F47-A424-503B82E4E0B0}" type="datetimeFigureOut">
               <a:rPr lang="en-AU" smtClean="0"/>
-              <a:t>10/2/2022</a:t>
+              <a:t>14/2/22</a:t>
             </a:fld>
             <a:endParaRPr lang="en-AU"/>
           </a:p>
@@ -15388,7 +15455,7 @@
         </p:nvSpPr>
         <p:spPr>
           <a:xfrm>
-            <a:off x="1234260" y="6379442"/>
+            <a:off x="11193972" y="4390085"/>
             <a:ext cx="1683474" cy="369332"/>
           </a:xfrm>
           <a:prstGeom prst="rect">
@@ -15402,6 +15469,7 @@
           </a:bodyPr>
           <a:lstStyle/>
           <a:p>
+            <a:pPr algn="r"/>
             <a:r>
               <a:rPr lang="en-AU" sz="1800" dirty="0">
                 <a:latin typeface="+mn-lt"/>
@@ -19618,7 +19686,7 @@
         </p:nvSpPr>
         <p:spPr>
           <a:xfrm>
-            <a:off x="1305594" y="11516661"/>
+            <a:off x="11336640" y="9512272"/>
             <a:ext cx="1540806" cy="369332"/>
           </a:xfrm>
           <a:prstGeom prst="rect">
@@ -19632,6 +19700,7 @@
           </a:bodyPr>
           <a:lstStyle/>
           <a:p>
+            <a:pPr algn="r"/>
             <a:r>
               <a:rPr lang="en-AU" sz="1800" dirty="0">
                 <a:latin typeface="+mn-lt"/>
@@ -22033,6 +22102,2509 @@
     <p:extLst>
       <p:ext uri="{BB962C8B-B14F-4D97-AF65-F5344CB8AC3E}">
         <p14:creationId xmlns:p14="http://schemas.microsoft.com/office/powerpoint/2010/main" val="3056204782"/>
+      </p:ext>
+    </p:extLst>
+  </p:cSld>
+  <p:clrMapOvr>
+    <a:masterClrMapping/>
+  </p:clrMapOvr>
+</p:sld>
+</file>
+
+<file path=ppt/slides/slide15.xml><?xml version="1.0" encoding="utf-8"?>
+<p:sld xmlns:a="http://schemas.openxmlformats.org/drawingml/2006/main" xmlns:r="http://schemas.openxmlformats.org/officeDocument/2006/relationships" xmlns:p="http://schemas.openxmlformats.org/presentationml/2006/main">
+  <p:cSld>
+    <p:spTree>
+      <p:nvGrpSpPr>
+        <p:cNvPr id="1" name=""/>
+        <p:cNvGrpSpPr/>
+        <p:nvPr/>
+      </p:nvGrpSpPr>
+      <p:grpSpPr>
+        <a:xfrm>
+          <a:off x="0" y="0"/>
+          <a:ext cx="0" cy="0"/>
+          <a:chOff x="0" y="0"/>
+          <a:chExt cx="0" cy="0"/>
+        </a:xfrm>
+      </p:grpSpPr>
+      <p:grpSp>
+        <p:nvGrpSpPr>
+          <p:cNvPr id="256" name="Group 255">
+            <a:extLst>
+              <a:ext uri="{FF2B5EF4-FFF2-40B4-BE49-F238E27FC236}">
+                <a16:creationId xmlns:a16="http://schemas.microsoft.com/office/drawing/2014/main" id="{9AE73204-3BCC-984C-A958-83D10E81F640}"/>
+              </a:ext>
+            </a:extLst>
+          </p:cNvPr>
+          <p:cNvGrpSpPr/>
+          <p:nvPr/>
+        </p:nvGrpSpPr>
+        <p:grpSpPr>
+          <a:xfrm>
+            <a:off x="7378369" y="8435872"/>
+            <a:ext cx="1995055" cy="1323474"/>
+            <a:chOff x="12563155" y="6304547"/>
+            <a:chExt cx="1995055" cy="1323474"/>
+          </a:xfrm>
+        </p:grpSpPr>
+        <p:sp>
+          <p:nvSpPr>
+            <p:cNvPr id="258" name="Rectangle 257">
+              <a:extLst>
+                <a:ext uri="{FF2B5EF4-FFF2-40B4-BE49-F238E27FC236}">
+                  <a16:creationId xmlns:a16="http://schemas.microsoft.com/office/drawing/2014/main" id="{977B4678-7155-F947-9B78-541E27D980A1}"/>
+                </a:ext>
+              </a:extLst>
+            </p:cNvPr>
+            <p:cNvSpPr/>
+            <p:nvPr/>
+          </p:nvSpPr>
+          <p:spPr>
+            <a:xfrm>
+              <a:off x="12563155" y="6304547"/>
+              <a:ext cx="1995055" cy="1323474"/>
+            </a:xfrm>
+            <a:prstGeom prst="rect">
+              <a:avLst/>
+            </a:prstGeom>
+            <a:solidFill>
+              <a:srgbClr val="8FD1E9"/>
+            </a:solidFill>
+            <a:ln w="28575">
+              <a:solidFill>
+                <a:srgbClr val="00A6DA"/>
+              </a:solidFill>
+            </a:ln>
+            <a:effectLst>
+              <a:outerShdw blurRad="50800" dist="38100" dir="2700000" algn="tl" rotWithShape="0">
+                <a:prstClr val="black">
+                  <a:alpha val="40000"/>
+                </a:prstClr>
+              </a:outerShdw>
+            </a:effectLst>
+          </p:spPr>
+          <p:style>
+            <a:lnRef idx="2">
+              <a:schemeClr val="accent1">
+                <a:shade val="50000"/>
+              </a:schemeClr>
+            </a:lnRef>
+            <a:fillRef idx="1">
+              <a:schemeClr val="accent1"/>
+            </a:fillRef>
+            <a:effectRef idx="0">
+              <a:schemeClr val="accent1"/>
+            </a:effectRef>
+            <a:fontRef idx="minor">
+              <a:schemeClr val="lt1"/>
+            </a:fontRef>
+          </p:style>
+          <p:txBody>
+            <a:bodyPr rtlCol="0" anchor="t"/>
+            <a:lstStyle/>
+            <a:p>
+              <a:pPr algn="ctr"/>
+              <a:endParaRPr lang="en-US" dirty="0">
+                <a:solidFill>
+                  <a:schemeClr val="tx1"/>
+                </a:solidFill>
+              </a:endParaRPr>
+            </a:p>
+          </p:txBody>
+        </p:sp>
+        <p:sp>
+          <p:nvSpPr>
+            <p:cNvPr id="259" name="Rectangle 258">
+              <a:extLst>
+                <a:ext uri="{FF2B5EF4-FFF2-40B4-BE49-F238E27FC236}">
+                  <a16:creationId xmlns:a16="http://schemas.microsoft.com/office/drawing/2014/main" id="{CDB35446-8119-7E43-AF35-86543343F719}"/>
+                </a:ext>
+              </a:extLst>
+            </p:cNvPr>
+            <p:cNvSpPr/>
+            <p:nvPr/>
+          </p:nvSpPr>
+          <p:spPr>
+            <a:xfrm>
+              <a:off x="12682376" y="6665495"/>
+              <a:ext cx="1756611" cy="601579"/>
+            </a:xfrm>
+            <a:prstGeom prst="rect">
+              <a:avLst/>
+            </a:prstGeom>
+            <a:noFill/>
+            <a:ln w="38100">
+              <a:solidFill>
+                <a:schemeClr val="tx1"/>
+              </a:solidFill>
+            </a:ln>
+          </p:spPr>
+          <p:style>
+            <a:lnRef idx="2">
+              <a:schemeClr val="accent1">
+                <a:shade val="50000"/>
+              </a:schemeClr>
+            </a:lnRef>
+            <a:fillRef idx="1">
+              <a:schemeClr val="accent1"/>
+            </a:fillRef>
+            <a:effectRef idx="0">
+              <a:schemeClr val="accent1"/>
+            </a:effectRef>
+            <a:fontRef idx="minor">
+              <a:schemeClr val="lt1"/>
+            </a:fontRef>
+          </p:style>
+          <p:txBody>
+            <a:bodyPr rtlCol="0" anchor="ctr"/>
+            <a:lstStyle/>
+            <a:p>
+              <a:pPr algn="ctr"/>
+              <a:endParaRPr lang="en-US"/>
+            </a:p>
+          </p:txBody>
+        </p:sp>
+        <p:cxnSp>
+          <p:nvCxnSpPr>
+            <p:cNvPr id="260" name="Straight Connector 259">
+              <a:extLst>
+                <a:ext uri="{FF2B5EF4-FFF2-40B4-BE49-F238E27FC236}">
+                  <a16:creationId xmlns:a16="http://schemas.microsoft.com/office/drawing/2014/main" id="{112216D4-30EF-9044-961C-CD39D781CEC4}"/>
+                </a:ext>
+              </a:extLst>
+            </p:cNvPr>
+            <p:cNvCxnSpPr>
+              <a:cxnSpLocks/>
+            </p:cNvCxnSpPr>
+            <p:nvPr/>
+          </p:nvCxnSpPr>
+          <p:spPr>
+            <a:xfrm>
+              <a:off x="14174292" y="6665495"/>
+              <a:ext cx="0" cy="601579"/>
+            </a:xfrm>
+            <a:prstGeom prst="line">
+              <a:avLst/>
+            </a:prstGeom>
+            <a:ln w="38100">
+              <a:solidFill>
+                <a:schemeClr val="tx1"/>
+              </a:solidFill>
+            </a:ln>
+          </p:spPr>
+          <p:style>
+            <a:lnRef idx="1">
+              <a:schemeClr val="accent1"/>
+            </a:lnRef>
+            <a:fillRef idx="0">
+              <a:schemeClr val="accent1"/>
+            </a:fillRef>
+            <a:effectRef idx="0">
+              <a:schemeClr val="accent1"/>
+            </a:effectRef>
+            <a:fontRef idx="minor">
+              <a:schemeClr val="tx1"/>
+            </a:fontRef>
+          </p:style>
+        </p:cxnSp>
+        <p:cxnSp>
+          <p:nvCxnSpPr>
+            <p:cNvPr id="261" name="Straight Connector 260">
+              <a:extLst>
+                <a:ext uri="{FF2B5EF4-FFF2-40B4-BE49-F238E27FC236}">
+                  <a16:creationId xmlns:a16="http://schemas.microsoft.com/office/drawing/2014/main" id="{52A86E75-9358-104A-BF82-3DDC768CE625}"/>
+                </a:ext>
+              </a:extLst>
+            </p:cNvPr>
+            <p:cNvCxnSpPr>
+              <a:cxnSpLocks/>
+            </p:cNvCxnSpPr>
+            <p:nvPr/>
+          </p:nvCxnSpPr>
+          <p:spPr>
+            <a:xfrm>
+              <a:off x="13917621" y="6665495"/>
+              <a:ext cx="0" cy="601579"/>
+            </a:xfrm>
+            <a:prstGeom prst="line">
+              <a:avLst/>
+            </a:prstGeom>
+            <a:ln w="38100">
+              <a:solidFill>
+                <a:schemeClr val="tx1"/>
+              </a:solidFill>
+            </a:ln>
+          </p:spPr>
+          <p:style>
+            <a:lnRef idx="1">
+              <a:schemeClr val="accent1"/>
+            </a:lnRef>
+            <a:fillRef idx="0">
+              <a:schemeClr val="accent1"/>
+            </a:fillRef>
+            <a:effectRef idx="0">
+              <a:schemeClr val="accent1"/>
+            </a:effectRef>
+            <a:fontRef idx="minor">
+              <a:schemeClr val="tx1"/>
+            </a:fontRef>
+          </p:style>
+        </p:cxnSp>
+        <p:cxnSp>
+          <p:nvCxnSpPr>
+            <p:cNvPr id="262" name="Straight Connector 261">
+              <a:extLst>
+                <a:ext uri="{FF2B5EF4-FFF2-40B4-BE49-F238E27FC236}">
+                  <a16:creationId xmlns:a16="http://schemas.microsoft.com/office/drawing/2014/main" id="{2C9DB177-64DD-9341-ABF1-F799B2EA8346}"/>
+                </a:ext>
+              </a:extLst>
+            </p:cNvPr>
+            <p:cNvCxnSpPr>
+              <a:cxnSpLocks/>
+            </p:cNvCxnSpPr>
+            <p:nvPr/>
+          </p:nvCxnSpPr>
+          <p:spPr>
+            <a:xfrm>
+              <a:off x="13636886" y="6665495"/>
+              <a:ext cx="0" cy="601579"/>
+            </a:xfrm>
+            <a:prstGeom prst="line">
+              <a:avLst/>
+            </a:prstGeom>
+            <a:ln w="38100">
+              <a:solidFill>
+                <a:schemeClr val="tx1"/>
+              </a:solidFill>
+            </a:ln>
+          </p:spPr>
+          <p:style>
+            <a:lnRef idx="1">
+              <a:schemeClr val="accent1"/>
+            </a:lnRef>
+            <a:fillRef idx="0">
+              <a:schemeClr val="accent1"/>
+            </a:fillRef>
+            <a:effectRef idx="0">
+              <a:schemeClr val="accent1"/>
+            </a:effectRef>
+            <a:fontRef idx="minor">
+              <a:schemeClr val="tx1"/>
+            </a:fontRef>
+          </p:style>
+        </p:cxnSp>
+        <p:cxnSp>
+          <p:nvCxnSpPr>
+            <p:cNvPr id="263" name="Straight Connector 262">
+              <a:extLst>
+                <a:ext uri="{FF2B5EF4-FFF2-40B4-BE49-F238E27FC236}">
+                  <a16:creationId xmlns:a16="http://schemas.microsoft.com/office/drawing/2014/main" id="{A27D5B59-9758-AF4A-812C-BAB04E86BEEB}"/>
+                </a:ext>
+              </a:extLst>
+            </p:cNvPr>
+            <p:cNvCxnSpPr>
+              <a:cxnSpLocks/>
+            </p:cNvCxnSpPr>
+            <p:nvPr/>
+          </p:nvCxnSpPr>
+          <p:spPr>
+            <a:xfrm>
+              <a:off x="13364170" y="6665495"/>
+              <a:ext cx="0" cy="601579"/>
+            </a:xfrm>
+            <a:prstGeom prst="line">
+              <a:avLst/>
+            </a:prstGeom>
+            <a:ln w="38100">
+              <a:solidFill>
+                <a:schemeClr val="tx1"/>
+              </a:solidFill>
+            </a:ln>
+          </p:spPr>
+          <p:style>
+            <a:lnRef idx="1">
+              <a:schemeClr val="accent1"/>
+            </a:lnRef>
+            <a:fillRef idx="0">
+              <a:schemeClr val="accent1"/>
+            </a:fillRef>
+            <a:effectRef idx="0">
+              <a:schemeClr val="accent1"/>
+            </a:effectRef>
+            <a:fontRef idx="minor">
+              <a:schemeClr val="tx1"/>
+            </a:fontRef>
+          </p:style>
+        </p:cxnSp>
+        <p:cxnSp>
+          <p:nvCxnSpPr>
+            <p:cNvPr id="264" name="Straight Connector 263">
+              <a:extLst>
+                <a:ext uri="{FF2B5EF4-FFF2-40B4-BE49-F238E27FC236}">
+                  <a16:creationId xmlns:a16="http://schemas.microsoft.com/office/drawing/2014/main" id="{E11E7ACE-0872-4F4D-BBD0-34375B799D28}"/>
+                </a:ext>
+              </a:extLst>
+            </p:cNvPr>
+            <p:cNvCxnSpPr>
+              <a:cxnSpLocks/>
+            </p:cNvCxnSpPr>
+            <p:nvPr/>
+          </p:nvCxnSpPr>
+          <p:spPr>
+            <a:xfrm>
+              <a:off x="13059373" y="6665495"/>
+              <a:ext cx="0" cy="601579"/>
+            </a:xfrm>
+            <a:prstGeom prst="line">
+              <a:avLst/>
+            </a:prstGeom>
+            <a:ln w="38100">
+              <a:solidFill>
+                <a:schemeClr val="tx1"/>
+              </a:solidFill>
+            </a:ln>
+          </p:spPr>
+          <p:style>
+            <a:lnRef idx="1">
+              <a:schemeClr val="accent1"/>
+            </a:lnRef>
+            <a:fillRef idx="0">
+              <a:schemeClr val="accent1"/>
+            </a:fillRef>
+            <a:effectRef idx="0">
+              <a:schemeClr val="accent1"/>
+            </a:effectRef>
+            <a:fontRef idx="minor">
+              <a:schemeClr val="tx1"/>
+            </a:fontRef>
+          </p:style>
+        </p:cxnSp>
+        <p:cxnSp>
+          <p:nvCxnSpPr>
+            <p:cNvPr id="265" name="Straight Connector 264">
+              <a:extLst>
+                <a:ext uri="{FF2B5EF4-FFF2-40B4-BE49-F238E27FC236}">
+                  <a16:creationId xmlns:a16="http://schemas.microsoft.com/office/drawing/2014/main" id="{303ABC45-1F7C-CA41-8B89-951850E4A297}"/>
+                </a:ext>
+              </a:extLst>
+            </p:cNvPr>
+            <p:cNvCxnSpPr>
+              <a:cxnSpLocks/>
+            </p:cNvCxnSpPr>
+            <p:nvPr/>
+          </p:nvCxnSpPr>
+          <p:spPr>
+            <a:xfrm>
+              <a:off x="12682386" y="6622126"/>
+              <a:ext cx="0" cy="688316"/>
+            </a:xfrm>
+            <a:prstGeom prst="line">
+              <a:avLst/>
+            </a:prstGeom>
+            <a:ln w="63500" cap="flat">
+              <a:solidFill>
+                <a:srgbClr val="8FD1E9"/>
+              </a:solidFill>
+            </a:ln>
+          </p:spPr>
+          <p:style>
+            <a:lnRef idx="1">
+              <a:schemeClr val="accent1"/>
+            </a:lnRef>
+            <a:fillRef idx="0">
+              <a:schemeClr val="accent1"/>
+            </a:fillRef>
+            <a:effectRef idx="0">
+              <a:schemeClr val="accent1"/>
+            </a:effectRef>
+            <a:fontRef idx="minor">
+              <a:schemeClr val="tx1"/>
+            </a:fontRef>
+          </p:style>
+        </p:cxnSp>
+      </p:grpSp>
+      <p:cxnSp>
+        <p:nvCxnSpPr>
+          <p:cNvPr id="266" name="Straight Arrow Connector 265">
+            <a:extLst>
+              <a:ext uri="{FF2B5EF4-FFF2-40B4-BE49-F238E27FC236}">
+                <a16:creationId xmlns:a16="http://schemas.microsoft.com/office/drawing/2014/main" id="{CCD85769-AAAD-5940-9AE7-8AAEF0A00493}"/>
+              </a:ext>
+            </a:extLst>
+          </p:cNvPr>
+          <p:cNvCxnSpPr>
+            <a:cxnSpLocks/>
+            <a:endCxn id="258" idx="1"/>
+          </p:cNvCxnSpPr>
+          <p:nvPr/>
+        </p:nvCxnSpPr>
+        <p:spPr>
+          <a:xfrm>
+            <a:off x="5809970" y="9097609"/>
+            <a:ext cx="1568399" cy="0"/>
+          </a:xfrm>
+          <a:prstGeom prst="straightConnector1">
+            <a:avLst/>
+          </a:prstGeom>
+          <a:ln w="38100">
+            <a:solidFill>
+              <a:srgbClr val="00A6DA"/>
+            </a:solidFill>
+            <a:tailEnd type="triangle" w="med" len="lg"/>
+          </a:ln>
+        </p:spPr>
+        <p:style>
+          <a:lnRef idx="1">
+            <a:schemeClr val="accent1"/>
+          </a:lnRef>
+          <a:fillRef idx="0">
+            <a:schemeClr val="accent1"/>
+          </a:fillRef>
+          <a:effectRef idx="0">
+            <a:schemeClr val="accent1"/>
+          </a:effectRef>
+          <a:fontRef idx="minor">
+            <a:schemeClr val="tx1"/>
+          </a:fontRef>
+        </p:style>
+      </p:cxnSp>
+      <p:sp>
+        <p:nvSpPr>
+          <p:cNvPr id="268" name="TextBox 267">
+            <a:extLst>
+              <a:ext uri="{FF2B5EF4-FFF2-40B4-BE49-F238E27FC236}">
+                <a16:creationId xmlns:a16="http://schemas.microsoft.com/office/drawing/2014/main" id="{D0D738A2-AF2E-DE4B-A208-09C7D8C7CE87}"/>
+              </a:ext>
+            </a:extLst>
+          </p:cNvPr>
+          <p:cNvSpPr txBox="1"/>
+          <p:nvPr/>
+        </p:nvSpPr>
+        <p:spPr>
+          <a:xfrm>
+            <a:off x="7812173" y="9776772"/>
+            <a:ext cx="1289135" cy="584775"/>
+          </a:xfrm>
+          <a:prstGeom prst="rect">
+            <a:avLst/>
+          </a:prstGeom>
+          <a:noFill/>
+        </p:spPr>
+        <p:txBody>
+          <a:bodyPr wrap="none" rtlCol="0">
+            <a:spAutoFit/>
+          </a:bodyPr>
+          <a:lstStyle/>
+          <a:p>
+            <a:r>
+              <a:rPr lang="en-US" dirty="0">
+                <a:latin typeface="Calibri" panose="020F0502020204030204" pitchFamily="34" charset="0"/>
+                <a:cs typeface="Calibri" panose="020F0502020204030204" pitchFamily="34" charset="0"/>
+              </a:rPr>
+              <a:t>Switch</a:t>
+            </a:r>
+          </a:p>
+        </p:txBody>
+      </p:sp>
+      <p:grpSp>
+        <p:nvGrpSpPr>
+          <p:cNvPr id="283" name="Group 282">
+            <a:extLst>
+              <a:ext uri="{FF2B5EF4-FFF2-40B4-BE49-F238E27FC236}">
+                <a16:creationId xmlns:a16="http://schemas.microsoft.com/office/drawing/2014/main" id="{857F129F-0751-C74A-A78B-03D7F07B82A5}"/>
+              </a:ext>
+            </a:extLst>
+          </p:cNvPr>
+          <p:cNvGrpSpPr/>
+          <p:nvPr/>
+        </p:nvGrpSpPr>
+        <p:grpSpPr>
+          <a:xfrm>
+            <a:off x="12243998" y="8435872"/>
+            <a:ext cx="1995055" cy="1323474"/>
+            <a:chOff x="12563155" y="6304547"/>
+            <a:chExt cx="1995055" cy="1323474"/>
+          </a:xfrm>
+        </p:grpSpPr>
+        <p:sp>
+          <p:nvSpPr>
+            <p:cNvPr id="284" name="Rectangle 283">
+              <a:extLst>
+                <a:ext uri="{FF2B5EF4-FFF2-40B4-BE49-F238E27FC236}">
+                  <a16:creationId xmlns:a16="http://schemas.microsoft.com/office/drawing/2014/main" id="{208FE718-2C5F-984D-A472-85F08972BD36}"/>
+                </a:ext>
+              </a:extLst>
+            </p:cNvPr>
+            <p:cNvSpPr/>
+            <p:nvPr/>
+          </p:nvSpPr>
+          <p:spPr>
+            <a:xfrm>
+              <a:off x="12563155" y="6304547"/>
+              <a:ext cx="1995055" cy="1323474"/>
+            </a:xfrm>
+            <a:prstGeom prst="rect">
+              <a:avLst/>
+            </a:prstGeom>
+            <a:solidFill>
+              <a:srgbClr val="8FD1E9"/>
+            </a:solidFill>
+            <a:ln w="28575">
+              <a:solidFill>
+                <a:srgbClr val="00A6DA"/>
+              </a:solidFill>
+            </a:ln>
+            <a:effectLst>
+              <a:outerShdw blurRad="50800" dist="38100" dir="2700000" algn="tl" rotWithShape="0">
+                <a:prstClr val="black">
+                  <a:alpha val="40000"/>
+                </a:prstClr>
+              </a:outerShdw>
+            </a:effectLst>
+          </p:spPr>
+          <p:style>
+            <a:lnRef idx="2">
+              <a:schemeClr val="accent1">
+                <a:shade val="50000"/>
+              </a:schemeClr>
+            </a:lnRef>
+            <a:fillRef idx="1">
+              <a:schemeClr val="accent1"/>
+            </a:fillRef>
+            <a:effectRef idx="0">
+              <a:schemeClr val="accent1"/>
+            </a:effectRef>
+            <a:fontRef idx="minor">
+              <a:schemeClr val="lt1"/>
+            </a:fontRef>
+          </p:style>
+          <p:txBody>
+            <a:bodyPr rtlCol="0" anchor="t"/>
+            <a:lstStyle/>
+            <a:p>
+              <a:pPr algn="ctr"/>
+              <a:endParaRPr lang="en-US" dirty="0">
+                <a:solidFill>
+                  <a:schemeClr val="tx1"/>
+                </a:solidFill>
+              </a:endParaRPr>
+            </a:p>
+          </p:txBody>
+        </p:sp>
+        <p:sp>
+          <p:nvSpPr>
+            <p:cNvPr id="285" name="Rectangle 284">
+              <a:extLst>
+                <a:ext uri="{FF2B5EF4-FFF2-40B4-BE49-F238E27FC236}">
+                  <a16:creationId xmlns:a16="http://schemas.microsoft.com/office/drawing/2014/main" id="{C5119B83-6273-7045-AC73-C77F43523EF5}"/>
+                </a:ext>
+              </a:extLst>
+            </p:cNvPr>
+            <p:cNvSpPr/>
+            <p:nvPr/>
+          </p:nvSpPr>
+          <p:spPr>
+            <a:xfrm>
+              <a:off x="12682376" y="6665495"/>
+              <a:ext cx="1756611" cy="601579"/>
+            </a:xfrm>
+            <a:prstGeom prst="rect">
+              <a:avLst/>
+            </a:prstGeom>
+            <a:noFill/>
+            <a:ln w="38100">
+              <a:solidFill>
+                <a:schemeClr val="tx1"/>
+              </a:solidFill>
+            </a:ln>
+          </p:spPr>
+          <p:style>
+            <a:lnRef idx="2">
+              <a:schemeClr val="accent1">
+                <a:shade val="50000"/>
+              </a:schemeClr>
+            </a:lnRef>
+            <a:fillRef idx="1">
+              <a:schemeClr val="accent1"/>
+            </a:fillRef>
+            <a:effectRef idx="0">
+              <a:schemeClr val="accent1"/>
+            </a:effectRef>
+            <a:fontRef idx="minor">
+              <a:schemeClr val="lt1"/>
+            </a:fontRef>
+          </p:style>
+          <p:txBody>
+            <a:bodyPr rtlCol="0" anchor="ctr"/>
+            <a:lstStyle/>
+            <a:p>
+              <a:pPr algn="ctr"/>
+              <a:endParaRPr lang="en-US"/>
+            </a:p>
+          </p:txBody>
+        </p:sp>
+        <p:cxnSp>
+          <p:nvCxnSpPr>
+            <p:cNvPr id="286" name="Straight Connector 285">
+              <a:extLst>
+                <a:ext uri="{FF2B5EF4-FFF2-40B4-BE49-F238E27FC236}">
+                  <a16:creationId xmlns:a16="http://schemas.microsoft.com/office/drawing/2014/main" id="{9908289A-4E8B-B54F-AC36-A6AD83A6CEDD}"/>
+                </a:ext>
+              </a:extLst>
+            </p:cNvPr>
+            <p:cNvCxnSpPr>
+              <a:cxnSpLocks/>
+            </p:cNvCxnSpPr>
+            <p:nvPr/>
+          </p:nvCxnSpPr>
+          <p:spPr>
+            <a:xfrm>
+              <a:off x="14174292" y="6665495"/>
+              <a:ext cx="0" cy="601579"/>
+            </a:xfrm>
+            <a:prstGeom prst="line">
+              <a:avLst/>
+            </a:prstGeom>
+            <a:ln w="38100">
+              <a:solidFill>
+                <a:schemeClr val="tx1"/>
+              </a:solidFill>
+            </a:ln>
+          </p:spPr>
+          <p:style>
+            <a:lnRef idx="1">
+              <a:schemeClr val="accent1"/>
+            </a:lnRef>
+            <a:fillRef idx="0">
+              <a:schemeClr val="accent1"/>
+            </a:fillRef>
+            <a:effectRef idx="0">
+              <a:schemeClr val="accent1"/>
+            </a:effectRef>
+            <a:fontRef idx="minor">
+              <a:schemeClr val="tx1"/>
+            </a:fontRef>
+          </p:style>
+        </p:cxnSp>
+        <p:cxnSp>
+          <p:nvCxnSpPr>
+            <p:cNvPr id="287" name="Straight Connector 286">
+              <a:extLst>
+                <a:ext uri="{FF2B5EF4-FFF2-40B4-BE49-F238E27FC236}">
+                  <a16:creationId xmlns:a16="http://schemas.microsoft.com/office/drawing/2014/main" id="{73552447-F3D7-D24B-881B-93A6169ABDFE}"/>
+                </a:ext>
+              </a:extLst>
+            </p:cNvPr>
+            <p:cNvCxnSpPr>
+              <a:cxnSpLocks/>
+            </p:cNvCxnSpPr>
+            <p:nvPr/>
+          </p:nvCxnSpPr>
+          <p:spPr>
+            <a:xfrm>
+              <a:off x="13917621" y="6665495"/>
+              <a:ext cx="0" cy="601579"/>
+            </a:xfrm>
+            <a:prstGeom prst="line">
+              <a:avLst/>
+            </a:prstGeom>
+            <a:ln w="38100">
+              <a:solidFill>
+                <a:schemeClr val="tx1"/>
+              </a:solidFill>
+            </a:ln>
+          </p:spPr>
+          <p:style>
+            <a:lnRef idx="1">
+              <a:schemeClr val="accent1"/>
+            </a:lnRef>
+            <a:fillRef idx="0">
+              <a:schemeClr val="accent1"/>
+            </a:fillRef>
+            <a:effectRef idx="0">
+              <a:schemeClr val="accent1"/>
+            </a:effectRef>
+            <a:fontRef idx="minor">
+              <a:schemeClr val="tx1"/>
+            </a:fontRef>
+          </p:style>
+        </p:cxnSp>
+        <p:cxnSp>
+          <p:nvCxnSpPr>
+            <p:cNvPr id="288" name="Straight Connector 287">
+              <a:extLst>
+                <a:ext uri="{FF2B5EF4-FFF2-40B4-BE49-F238E27FC236}">
+                  <a16:creationId xmlns:a16="http://schemas.microsoft.com/office/drawing/2014/main" id="{22319193-DB75-554A-AFA5-C3B2A5FE4958}"/>
+                </a:ext>
+              </a:extLst>
+            </p:cNvPr>
+            <p:cNvCxnSpPr>
+              <a:cxnSpLocks/>
+            </p:cNvCxnSpPr>
+            <p:nvPr/>
+          </p:nvCxnSpPr>
+          <p:spPr>
+            <a:xfrm>
+              <a:off x="13636886" y="6665495"/>
+              <a:ext cx="0" cy="601579"/>
+            </a:xfrm>
+            <a:prstGeom prst="line">
+              <a:avLst/>
+            </a:prstGeom>
+            <a:ln w="38100">
+              <a:solidFill>
+                <a:schemeClr val="tx1"/>
+              </a:solidFill>
+            </a:ln>
+          </p:spPr>
+          <p:style>
+            <a:lnRef idx="1">
+              <a:schemeClr val="accent1"/>
+            </a:lnRef>
+            <a:fillRef idx="0">
+              <a:schemeClr val="accent1"/>
+            </a:fillRef>
+            <a:effectRef idx="0">
+              <a:schemeClr val="accent1"/>
+            </a:effectRef>
+            <a:fontRef idx="minor">
+              <a:schemeClr val="tx1"/>
+            </a:fontRef>
+          </p:style>
+        </p:cxnSp>
+        <p:cxnSp>
+          <p:nvCxnSpPr>
+            <p:cNvPr id="289" name="Straight Connector 288">
+              <a:extLst>
+                <a:ext uri="{FF2B5EF4-FFF2-40B4-BE49-F238E27FC236}">
+                  <a16:creationId xmlns:a16="http://schemas.microsoft.com/office/drawing/2014/main" id="{5A8A8DD9-2E29-6743-BBBF-62E1A779CB53}"/>
+                </a:ext>
+              </a:extLst>
+            </p:cNvPr>
+            <p:cNvCxnSpPr>
+              <a:cxnSpLocks/>
+            </p:cNvCxnSpPr>
+            <p:nvPr/>
+          </p:nvCxnSpPr>
+          <p:spPr>
+            <a:xfrm>
+              <a:off x="13364170" y="6665495"/>
+              <a:ext cx="0" cy="601579"/>
+            </a:xfrm>
+            <a:prstGeom prst="line">
+              <a:avLst/>
+            </a:prstGeom>
+            <a:ln w="38100">
+              <a:solidFill>
+                <a:schemeClr val="tx1"/>
+              </a:solidFill>
+            </a:ln>
+          </p:spPr>
+          <p:style>
+            <a:lnRef idx="1">
+              <a:schemeClr val="accent1"/>
+            </a:lnRef>
+            <a:fillRef idx="0">
+              <a:schemeClr val="accent1"/>
+            </a:fillRef>
+            <a:effectRef idx="0">
+              <a:schemeClr val="accent1"/>
+            </a:effectRef>
+            <a:fontRef idx="minor">
+              <a:schemeClr val="tx1"/>
+            </a:fontRef>
+          </p:style>
+        </p:cxnSp>
+        <p:cxnSp>
+          <p:nvCxnSpPr>
+            <p:cNvPr id="290" name="Straight Connector 289">
+              <a:extLst>
+                <a:ext uri="{FF2B5EF4-FFF2-40B4-BE49-F238E27FC236}">
+                  <a16:creationId xmlns:a16="http://schemas.microsoft.com/office/drawing/2014/main" id="{5F8FA610-CFEC-BE4F-A2E8-AEDCBDB3C4AF}"/>
+                </a:ext>
+              </a:extLst>
+            </p:cNvPr>
+            <p:cNvCxnSpPr>
+              <a:cxnSpLocks/>
+            </p:cNvCxnSpPr>
+            <p:nvPr/>
+          </p:nvCxnSpPr>
+          <p:spPr>
+            <a:xfrm>
+              <a:off x="13059373" y="6665495"/>
+              <a:ext cx="0" cy="601579"/>
+            </a:xfrm>
+            <a:prstGeom prst="line">
+              <a:avLst/>
+            </a:prstGeom>
+            <a:ln w="38100">
+              <a:solidFill>
+                <a:schemeClr val="tx1"/>
+              </a:solidFill>
+            </a:ln>
+          </p:spPr>
+          <p:style>
+            <a:lnRef idx="1">
+              <a:schemeClr val="accent1"/>
+            </a:lnRef>
+            <a:fillRef idx="0">
+              <a:schemeClr val="accent1"/>
+            </a:fillRef>
+            <a:effectRef idx="0">
+              <a:schemeClr val="accent1"/>
+            </a:effectRef>
+            <a:fontRef idx="minor">
+              <a:schemeClr val="tx1"/>
+            </a:fontRef>
+          </p:style>
+        </p:cxnSp>
+        <p:cxnSp>
+          <p:nvCxnSpPr>
+            <p:cNvPr id="291" name="Straight Connector 290">
+              <a:extLst>
+                <a:ext uri="{FF2B5EF4-FFF2-40B4-BE49-F238E27FC236}">
+                  <a16:creationId xmlns:a16="http://schemas.microsoft.com/office/drawing/2014/main" id="{59EAD7C2-0A38-1642-B857-76299A1E5C7F}"/>
+                </a:ext>
+              </a:extLst>
+            </p:cNvPr>
+            <p:cNvCxnSpPr>
+              <a:cxnSpLocks/>
+            </p:cNvCxnSpPr>
+            <p:nvPr/>
+          </p:nvCxnSpPr>
+          <p:spPr>
+            <a:xfrm>
+              <a:off x="12682386" y="6622126"/>
+              <a:ext cx="0" cy="688316"/>
+            </a:xfrm>
+            <a:prstGeom prst="line">
+              <a:avLst/>
+            </a:prstGeom>
+            <a:ln w="63500" cap="flat">
+              <a:solidFill>
+                <a:srgbClr val="8FD1E9"/>
+              </a:solidFill>
+            </a:ln>
+          </p:spPr>
+          <p:style>
+            <a:lnRef idx="1">
+              <a:schemeClr val="accent1"/>
+            </a:lnRef>
+            <a:fillRef idx="0">
+              <a:schemeClr val="accent1"/>
+            </a:fillRef>
+            <a:effectRef idx="0">
+              <a:schemeClr val="accent1"/>
+            </a:effectRef>
+            <a:fontRef idx="minor">
+              <a:schemeClr val="tx1"/>
+            </a:fontRef>
+          </p:style>
+        </p:cxnSp>
+      </p:grpSp>
+      <p:cxnSp>
+        <p:nvCxnSpPr>
+          <p:cNvPr id="293" name="Straight Arrow Connector 292">
+            <a:extLst>
+              <a:ext uri="{FF2B5EF4-FFF2-40B4-BE49-F238E27FC236}">
+                <a16:creationId xmlns:a16="http://schemas.microsoft.com/office/drawing/2014/main" id="{027E5710-D6EA-764B-9A44-BB2160EA5635}"/>
+              </a:ext>
+            </a:extLst>
+          </p:cNvPr>
+          <p:cNvCxnSpPr>
+            <a:cxnSpLocks/>
+          </p:cNvCxnSpPr>
+          <p:nvPr/>
+        </p:nvCxnSpPr>
+        <p:spPr>
+          <a:xfrm flipV="1">
+            <a:off x="14239053" y="9090360"/>
+            <a:ext cx="1577924" cy="14498"/>
+          </a:xfrm>
+          <a:prstGeom prst="straightConnector1">
+            <a:avLst/>
+          </a:prstGeom>
+          <a:ln w="38100">
+            <a:solidFill>
+              <a:srgbClr val="00A6DA"/>
+            </a:solidFill>
+            <a:prstDash val="solid"/>
+            <a:tailEnd type="triangle" w="med" len="lg"/>
+          </a:ln>
+        </p:spPr>
+        <p:style>
+          <a:lnRef idx="1">
+            <a:schemeClr val="accent1"/>
+          </a:lnRef>
+          <a:fillRef idx="0">
+            <a:schemeClr val="accent1"/>
+          </a:fillRef>
+          <a:effectRef idx="0">
+            <a:schemeClr val="accent1"/>
+          </a:effectRef>
+          <a:fontRef idx="minor">
+            <a:schemeClr val="tx1"/>
+          </a:fontRef>
+        </p:style>
+      </p:cxnSp>
+      <p:sp>
+        <p:nvSpPr>
+          <p:cNvPr id="294" name="TextBox 293">
+            <a:extLst>
+              <a:ext uri="{FF2B5EF4-FFF2-40B4-BE49-F238E27FC236}">
+                <a16:creationId xmlns:a16="http://schemas.microsoft.com/office/drawing/2014/main" id="{5C9A5B77-DC2C-DD45-927F-9484CDA0F89F}"/>
+              </a:ext>
+            </a:extLst>
+          </p:cNvPr>
+          <p:cNvSpPr txBox="1"/>
+          <p:nvPr/>
+        </p:nvSpPr>
+        <p:spPr>
+          <a:xfrm>
+            <a:off x="12677802" y="9748197"/>
+            <a:ext cx="1289135" cy="584775"/>
+          </a:xfrm>
+          <a:prstGeom prst="rect">
+            <a:avLst/>
+          </a:prstGeom>
+          <a:noFill/>
+        </p:spPr>
+        <p:txBody>
+          <a:bodyPr wrap="none" rtlCol="0">
+            <a:spAutoFit/>
+          </a:bodyPr>
+          <a:lstStyle/>
+          <a:p>
+            <a:r>
+              <a:rPr lang="en-US" dirty="0">
+                <a:latin typeface="Calibri" panose="020F0502020204030204" pitchFamily="34" charset="0"/>
+                <a:cs typeface="Calibri" panose="020F0502020204030204" pitchFamily="34" charset="0"/>
+              </a:rPr>
+              <a:t>Switch</a:t>
+            </a:r>
+          </a:p>
+        </p:txBody>
+      </p:sp>
+      <p:sp>
+        <p:nvSpPr>
+          <p:cNvPr id="13" name="Rectangle 12">
+            <a:extLst>
+              <a:ext uri="{FF2B5EF4-FFF2-40B4-BE49-F238E27FC236}">
+                <a16:creationId xmlns:a16="http://schemas.microsoft.com/office/drawing/2014/main" id="{91CC51F4-B8BC-8246-9087-AB08C4487AF9}"/>
+              </a:ext>
+            </a:extLst>
+          </p:cNvPr>
+          <p:cNvSpPr/>
+          <p:nvPr/>
+        </p:nvSpPr>
+        <p:spPr>
+          <a:xfrm>
+            <a:off x="10162128" y="6213573"/>
+            <a:ext cx="1162060" cy="595795"/>
+          </a:xfrm>
+          <a:prstGeom prst="rect">
+            <a:avLst/>
+          </a:prstGeom>
+          <a:solidFill>
+            <a:schemeClr val="bg1"/>
+          </a:solidFill>
+          <a:ln>
+            <a:noFill/>
+          </a:ln>
+        </p:spPr>
+        <p:style>
+          <a:lnRef idx="2">
+            <a:schemeClr val="accent1">
+              <a:shade val="50000"/>
+            </a:schemeClr>
+          </a:lnRef>
+          <a:fillRef idx="1">
+            <a:schemeClr val="accent1"/>
+          </a:fillRef>
+          <a:effectRef idx="0">
+            <a:schemeClr val="accent1"/>
+          </a:effectRef>
+          <a:fontRef idx="minor">
+            <a:schemeClr val="lt1"/>
+          </a:fontRef>
+        </p:style>
+        <p:txBody>
+          <a:bodyPr rtlCol="0" anchor="ctr"/>
+          <a:lstStyle/>
+          <a:p>
+            <a:pPr algn="ctr"/>
+            <a:endParaRPr lang="en-US"/>
+          </a:p>
+        </p:txBody>
+      </p:sp>
+      <p:grpSp>
+        <p:nvGrpSpPr>
+          <p:cNvPr id="46" name="Group 45">
+            <a:extLst>
+              <a:ext uri="{FF2B5EF4-FFF2-40B4-BE49-F238E27FC236}">
+                <a16:creationId xmlns:a16="http://schemas.microsoft.com/office/drawing/2014/main" id="{D857841F-10C1-7E41-97B3-B4F7C6EC58F2}"/>
+              </a:ext>
+            </a:extLst>
+          </p:cNvPr>
+          <p:cNvGrpSpPr/>
+          <p:nvPr/>
+        </p:nvGrpSpPr>
+        <p:grpSpPr>
+          <a:xfrm>
+            <a:off x="3795310" y="5943601"/>
+            <a:ext cx="1995055" cy="4705797"/>
+            <a:chOff x="3795310" y="5943601"/>
+            <a:chExt cx="1995055" cy="4705797"/>
+          </a:xfrm>
+        </p:grpSpPr>
+        <p:grpSp>
+          <p:nvGrpSpPr>
+            <p:cNvPr id="295" name="Group 294">
+              <a:extLst>
+                <a:ext uri="{FF2B5EF4-FFF2-40B4-BE49-F238E27FC236}">
+                  <a16:creationId xmlns:a16="http://schemas.microsoft.com/office/drawing/2014/main" id="{6535AA6B-F35C-8349-95C9-DB14C93D6362}"/>
+                </a:ext>
+              </a:extLst>
+            </p:cNvPr>
+            <p:cNvGrpSpPr/>
+            <p:nvPr/>
+          </p:nvGrpSpPr>
+          <p:grpSpPr>
+            <a:xfrm>
+              <a:off x="3795310" y="5943601"/>
+              <a:ext cx="1995055" cy="3787170"/>
+              <a:chOff x="12563155" y="3840851"/>
+              <a:chExt cx="1995055" cy="3787170"/>
+            </a:xfrm>
+          </p:grpSpPr>
+          <p:sp>
+            <p:nvSpPr>
+              <p:cNvPr id="296" name="Rectangle 295">
+                <a:extLst>
+                  <a:ext uri="{FF2B5EF4-FFF2-40B4-BE49-F238E27FC236}">
+                    <a16:creationId xmlns:a16="http://schemas.microsoft.com/office/drawing/2014/main" id="{BCAA0987-EF9F-0A44-97B4-505D2D48879F}"/>
+                  </a:ext>
+                </a:extLst>
+              </p:cNvPr>
+              <p:cNvSpPr/>
+              <p:nvPr/>
+            </p:nvSpPr>
+            <p:spPr>
+              <a:xfrm>
+                <a:off x="12563155" y="3840851"/>
+                <a:ext cx="1995055" cy="3787170"/>
+              </a:xfrm>
+              <a:prstGeom prst="rect">
+                <a:avLst/>
+              </a:prstGeom>
+              <a:solidFill>
+                <a:schemeClr val="bg1">
+                  <a:lumMod val="75000"/>
+                </a:schemeClr>
+              </a:solidFill>
+              <a:ln w="28575">
+                <a:solidFill>
+                  <a:schemeClr val="tx1"/>
+                </a:solidFill>
+              </a:ln>
+              <a:effectLst>
+                <a:outerShdw blurRad="50800" dist="38100" dir="2700000" algn="tl" rotWithShape="0">
+                  <a:prstClr val="black">
+                    <a:alpha val="40000"/>
+                  </a:prstClr>
+                </a:outerShdw>
+              </a:effectLst>
+            </p:spPr>
+            <p:style>
+              <a:lnRef idx="2">
+                <a:schemeClr val="accent1">
+                  <a:shade val="50000"/>
+                </a:schemeClr>
+              </a:lnRef>
+              <a:fillRef idx="1">
+                <a:schemeClr val="accent1"/>
+              </a:fillRef>
+              <a:effectRef idx="0">
+                <a:schemeClr val="accent1"/>
+              </a:effectRef>
+              <a:fontRef idx="minor">
+                <a:schemeClr val="lt1"/>
+              </a:fontRef>
+            </p:style>
+            <p:txBody>
+              <a:bodyPr rtlCol="0" anchor="t"/>
+              <a:lstStyle/>
+              <a:p>
+                <a:pPr algn="ctr"/>
+                <a:endParaRPr lang="en-US" dirty="0">
+                  <a:solidFill>
+                    <a:schemeClr val="tx1"/>
+                  </a:solidFill>
+                </a:endParaRPr>
+              </a:p>
+            </p:txBody>
+          </p:sp>
+          <p:sp>
+            <p:nvSpPr>
+              <p:cNvPr id="298" name="Rectangle 297">
+                <a:extLst>
+                  <a:ext uri="{FF2B5EF4-FFF2-40B4-BE49-F238E27FC236}">
+                    <a16:creationId xmlns:a16="http://schemas.microsoft.com/office/drawing/2014/main" id="{92FD17D2-444D-2444-8AD2-EDFD5C9FF7E3}"/>
+                  </a:ext>
+                </a:extLst>
+              </p:cNvPr>
+              <p:cNvSpPr/>
+              <p:nvPr/>
+            </p:nvSpPr>
+            <p:spPr>
+              <a:xfrm>
+                <a:off x="12682376" y="6665495"/>
+                <a:ext cx="1756611" cy="601579"/>
+              </a:xfrm>
+              <a:prstGeom prst="rect">
+                <a:avLst/>
+              </a:prstGeom>
+              <a:noFill/>
+              <a:ln w="38100">
+                <a:solidFill>
+                  <a:schemeClr val="tx1"/>
+                </a:solidFill>
+              </a:ln>
+            </p:spPr>
+            <p:style>
+              <a:lnRef idx="2">
+                <a:schemeClr val="accent1">
+                  <a:shade val="50000"/>
+                </a:schemeClr>
+              </a:lnRef>
+              <a:fillRef idx="1">
+                <a:schemeClr val="accent1"/>
+              </a:fillRef>
+              <a:effectRef idx="0">
+                <a:schemeClr val="accent1"/>
+              </a:effectRef>
+              <a:fontRef idx="minor">
+                <a:schemeClr val="lt1"/>
+              </a:fontRef>
+            </p:style>
+            <p:txBody>
+              <a:bodyPr rtlCol="0" anchor="ctr"/>
+              <a:lstStyle/>
+              <a:p>
+                <a:pPr algn="ctr"/>
+                <a:endParaRPr lang="en-US"/>
+              </a:p>
+            </p:txBody>
+          </p:sp>
+          <p:cxnSp>
+            <p:nvCxnSpPr>
+              <p:cNvPr id="302" name="Straight Connector 301">
+                <a:extLst>
+                  <a:ext uri="{FF2B5EF4-FFF2-40B4-BE49-F238E27FC236}">
+                    <a16:creationId xmlns:a16="http://schemas.microsoft.com/office/drawing/2014/main" id="{BC9175AF-6F78-CC4E-BA18-3F847FE8E47E}"/>
+                  </a:ext>
+                </a:extLst>
+              </p:cNvPr>
+              <p:cNvCxnSpPr>
+                <a:cxnSpLocks/>
+              </p:cNvCxnSpPr>
+              <p:nvPr/>
+            </p:nvCxnSpPr>
+            <p:spPr>
+              <a:xfrm>
+                <a:off x="14174292" y="6665495"/>
+                <a:ext cx="0" cy="601579"/>
+              </a:xfrm>
+              <a:prstGeom prst="line">
+                <a:avLst/>
+              </a:prstGeom>
+              <a:ln w="38100">
+                <a:solidFill>
+                  <a:schemeClr val="tx1"/>
+                </a:solidFill>
+              </a:ln>
+            </p:spPr>
+            <p:style>
+              <a:lnRef idx="1">
+                <a:schemeClr val="accent1"/>
+              </a:lnRef>
+              <a:fillRef idx="0">
+                <a:schemeClr val="accent1"/>
+              </a:fillRef>
+              <a:effectRef idx="0">
+                <a:schemeClr val="accent1"/>
+              </a:effectRef>
+              <a:fontRef idx="minor">
+                <a:schemeClr val="tx1"/>
+              </a:fontRef>
+            </p:style>
+          </p:cxnSp>
+          <p:cxnSp>
+            <p:nvCxnSpPr>
+              <p:cNvPr id="316" name="Straight Connector 315">
+                <a:extLst>
+                  <a:ext uri="{FF2B5EF4-FFF2-40B4-BE49-F238E27FC236}">
+                    <a16:creationId xmlns:a16="http://schemas.microsoft.com/office/drawing/2014/main" id="{9F955B39-9641-C747-857B-8264C11DE446}"/>
+                  </a:ext>
+                </a:extLst>
+              </p:cNvPr>
+              <p:cNvCxnSpPr>
+                <a:cxnSpLocks/>
+              </p:cNvCxnSpPr>
+              <p:nvPr/>
+            </p:nvCxnSpPr>
+            <p:spPr>
+              <a:xfrm>
+                <a:off x="13917621" y="6665495"/>
+                <a:ext cx="0" cy="601579"/>
+              </a:xfrm>
+              <a:prstGeom prst="line">
+                <a:avLst/>
+              </a:prstGeom>
+              <a:ln w="38100">
+                <a:solidFill>
+                  <a:schemeClr val="tx1"/>
+                </a:solidFill>
+              </a:ln>
+            </p:spPr>
+            <p:style>
+              <a:lnRef idx="1">
+                <a:schemeClr val="accent1"/>
+              </a:lnRef>
+              <a:fillRef idx="0">
+                <a:schemeClr val="accent1"/>
+              </a:fillRef>
+              <a:effectRef idx="0">
+                <a:schemeClr val="accent1"/>
+              </a:effectRef>
+              <a:fontRef idx="minor">
+                <a:schemeClr val="tx1"/>
+              </a:fontRef>
+            </p:style>
+          </p:cxnSp>
+          <p:cxnSp>
+            <p:nvCxnSpPr>
+              <p:cNvPr id="339" name="Straight Connector 338">
+                <a:extLst>
+                  <a:ext uri="{FF2B5EF4-FFF2-40B4-BE49-F238E27FC236}">
+                    <a16:creationId xmlns:a16="http://schemas.microsoft.com/office/drawing/2014/main" id="{185E3212-F405-9C45-B11D-562DDB14D07E}"/>
+                  </a:ext>
+                </a:extLst>
+              </p:cNvPr>
+              <p:cNvCxnSpPr>
+                <a:cxnSpLocks/>
+              </p:cNvCxnSpPr>
+              <p:nvPr/>
+            </p:nvCxnSpPr>
+            <p:spPr>
+              <a:xfrm>
+                <a:off x="13636886" y="6665495"/>
+                <a:ext cx="0" cy="601579"/>
+              </a:xfrm>
+              <a:prstGeom prst="line">
+                <a:avLst/>
+              </a:prstGeom>
+              <a:ln w="38100">
+                <a:solidFill>
+                  <a:schemeClr val="tx1"/>
+                </a:solidFill>
+              </a:ln>
+            </p:spPr>
+            <p:style>
+              <a:lnRef idx="1">
+                <a:schemeClr val="accent1"/>
+              </a:lnRef>
+              <a:fillRef idx="0">
+                <a:schemeClr val="accent1"/>
+              </a:fillRef>
+              <a:effectRef idx="0">
+                <a:schemeClr val="accent1"/>
+              </a:effectRef>
+              <a:fontRef idx="minor">
+                <a:schemeClr val="tx1"/>
+              </a:fontRef>
+            </p:style>
+          </p:cxnSp>
+          <p:cxnSp>
+            <p:nvCxnSpPr>
+              <p:cNvPr id="340" name="Straight Connector 339">
+                <a:extLst>
+                  <a:ext uri="{FF2B5EF4-FFF2-40B4-BE49-F238E27FC236}">
+                    <a16:creationId xmlns:a16="http://schemas.microsoft.com/office/drawing/2014/main" id="{8D5B2E9E-9881-474F-898F-A5E0A1AD990E}"/>
+                  </a:ext>
+                </a:extLst>
+              </p:cNvPr>
+              <p:cNvCxnSpPr>
+                <a:cxnSpLocks/>
+              </p:cNvCxnSpPr>
+              <p:nvPr/>
+            </p:nvCxnSpPr>
+            <p:spPr>
+              <a:xfrm>
+                <a:off x="13364170" y="6665495"/>
+                <a:ext cx="0" cy="601579"/>
+              </a:xfrm>
+              <a:prstGeom prst="line">
+                <a:avLst/>
+              </a:prstGeom>
+              <a:ln w="38100">
+                <a:solidFill>
+                  <a:schemeClr val="tx1"/>
+                </a:solidFill>
+              </a:ln>
+            </p:spPr>
+            <p:style>
+              <a:lnRef idx="1">
+                <a:schemeClr val="accent1"/>
+              </a:lnRef>
+              <a:fillRef idx="0">
+                <a:schemeClr val="accent1"/>
+              </a:fillRef>
+              <a:effectRef idx="0">
+                <a:schemeClr val="accent1"/>
+              </a:effectRef>
+              <a:fontRef idx="minor">
+                <a:schemeClr val="tx1"/>
+              </a:fontRef>
+            </p:style>
+          </p:cxnSp>
+          <p:cxnSp>
+            <p:nvCxnSpPr>
+              <p:cNvPr id="341" name="Straight Connector 340">
+                <a:extLst>
+                  <a:ext uri="{FF2B5EF4-FFF2-40B4-BE49-F238E27FC236}">
+                    <a16:creationId xmlns:a16="http://schemas.microsoft.com/office/drawing/2014/main" id="{22241B0F-2DB5-994B-BAD2-D11D6A3A1BF6}"/>
+                  </a:ext>
+                </a:extLst>
+              </p:cNvPr>
+              <p:cNvCxnSpPr>
+                <a:cxnSpLocks/>
+              </p:cNvCxnSpPr>
+              <p:nvPr/>
+            </p:nvCxnSpPr>
+            <p:spPr>
+              <a:xfrm>
+                <a:off x="13059373" y="6665495"/>
+                <a:ext cx="0" cy="601579"/>
+              </a:xfrm>
+              <a:prstGeom prst="line">
+                <a:avLst/>
+              </a:prstGeom>
+              <a:ln w="38100">
+                <a:solidFill>
+                  <a:schemeClr val="tx1"/>
+                </a:solidFill>
+              </a:ln>
+            </p:spPr>
+            <p:style>
+              <a:lnRef idx="1">
+                <a:schemeClr val="accent1"/>
+              </a:lnRef>
+              <a:fillRef idx="0">
+                <a:schemeClr val="accent1"/>
+              </a:fillRef>
+              <a:effectRef idx="0">
+                <a:schemeClr val="accent1"/>
+              </a:effectRef>
+              <a:fontRef idx="minor">
+                <a:schemeClr val="tx1"/>
+              </a:fontRef>
+            </p:style>
+          </p:cxnSp>
+          <p:cxnSp>
+            <p:nvCxnSpPr>
+              <p:cNvPr id="342" name="Straight Connector 341">
+                <a:extLst>
+                  <a:ext uri="{FF2B5EF4-FFF2-40B4-BE49-F238E27FC236}">
+                    <a16:creationId xmlns:a16="http://schemas.microsoft.com/office/drawing/2014/main" id="{FE7CC20E-8A1D-094A-A05F-018AE4DFB244}"/>
+                  </a:ext>
+                </a:extLst>
+              </p:cNvPr>
+              <p:cNvCxnSpPr>
+                <a:cxnSpLocks/>
+              </p:cNvCxnSpPr>
+              <p:nvPr/>
+            </p:nvCxnSpPr>
+            <p:spPr>
+              <a:xfrm>
+                <a:off x="12682386" y="6622126"/>
+                <a:ext cx="0" cy="688316"/>
+              </a:xfrm>
+              <a:prstGeom prst="line">
+                <a:avLst/>
+              </a:prstGeom>
+              <a:ln w="63500" cap="flat">
+                <a:solidFill>
+                  <a:schemeClr val="bg1">
+                    <a:lumMod val="75000"/>
+                  </a:schemeClr>
+                </a:solidFill>
+              </a:ln>
+            </p:spPr>
+            <p:style>
+              <a:lnRef idx="1">
+                <a:schemeClr val="accent1"/>
+              </a:lnRef>
+              <a:fillRef idx="0">
+                <a:schemeClr val="accent1"/>
+              </a:fillRef>
+              <a:effectRef idx="0">
+                <a:schemeClr val="accent1"/>
+              </a:effectRef>
+              <a:fontRef idx="minor">
+                <a:schemeClr val="tx1"/>
+              </a:fontRef>
+            </p:style>
+          </p:cxnSp>
+        </p:grpSp>
+        <p:sp>
+          <p:nvSpPr>
+            <p:cNvPr id="15" name="Oval 14">
+              <a:extLst>
+                <a:ext uri="{FF2B5EF4-FFF2-40B4-BE49-F238E27FC236}">
+                  <a16:creationId xmlns:a16="http://schemas.microsoft.com/office/drawing/2014/main" id="{C3AA0C65-A635-8A46-ABCF-D66060FFA964}"/>
+                </a:ext>
+              </a:extLst>
+            </p:cNvPr>
+            <p:cNvSpPr/>
+            <p:nvPr/>
+          </p:nvSpPr>
+          <p:spPr>
+            <a:xfrm>
+              <a:off x="3949026" y="6300787"/>
+              <a:ext cx="1687620" cy="1114425"/>
+            </a:xfrm>
+            <a:prstGeom prst="ellipse">
+              <a:avLst/>
+            </a:prstGeom>
+            <a:solidFill>
+              <a:srgbClr val="0070C0"/>
+            </a:solidFill>
+          </p:spPr>
+          <p:style>
+            <a:lnRef idx="2">
+              <a:schemeClr val="accent1">
+                <a:shade val="50000"/>
+              </a:schemeClr>
+            </a:lnRef>
+            <a:fillRef idx="1">
+              <a:schemeClr val="accent1"/>
+            </a:fillRef>
+            <a:effectRef idx="0">
+              <a:schemeClr val="accent1"/>
+            </a:effectRef>
+            <a:fontRef idx="minor">
+              <a:schemeClr val="lt1"/>
+            </a:fontRef>
+          </p:style>
+          <p:txBody>
+            <a:bodyPr rtlCol="0" anchor="ctr"/>
+            <a:lstStyle/>
+            <a:p>
+              <a:pPr algn="ctr"/>
+              <a:r>
+                <a:rPr lang="en-US" dirty="0"/>
+                <a:t>TCP</a:t>
+              </a:r>
+            </a:p>
+          </p:txBody>
+        </p:sp>
+        <p:sp>
+          <p:nvSpPr>
+            <p:cNvPr id="344" name="TextBox 343">
+              <a:extLst>
+                <a:ext uri="{FF2B5EF4-FFF2-40B4-BE49-F238E27FC236}">
+                  <a16:creationId xmlns:a16="http://schemas.microsoft.com/office/drawing/2014/main" id="{D80BF01B-9F2C-854D-9FE2-1B3B80888D05}"/>
+                </a:ext>
+              </a:extLst>
+            </p:cNvPr>
+            <p:cNvSpPr txBox="1"/>
+            <p:nvPr/>
+          </p:nvSpPr>
+          <p:spPr>
+            <a:xfrm>
+              <a:off x="4035257" y="9759346"/>
+              <a:ext cx="1515158" cy="890052"/>
+            </a:xfrm>
+            <a:prstGeom prst="rect">
+              <a:avLst/>
+            </a:prstGeom>
+            <a:noFill/>
+          </p:spPr>
+          <p:txBody>
+            <a:bodyPr wrap="none" rtlCol="0">
+              <a:spAutoFit/>
+            </a:bodyPr>
+            <a:lstStyle/>
+            <a:p>
+              <a:pPr>
+                <a:lnSpc>
+                  <a:spcPct val="80000"/>
+                </a:lnSpc>
+              </a:pPr>
+              <a:r>
+                <a:rPr lang="en-US" dirty="0">
+                  <a:latin typeface="Calibri" panose="020F0502020204030204" pitchFamily="34" charset="0"/>
+                  <a:cs typeface="Calibri" panose="020F0502020204030204" pitchFamily="34" charset="0"/>
+                </a:rPr>
+                <a:t>Sending</a:t>
+              </a:r>
+            </a:p>
+            <a:p>
+              <a:pPr>
+                <a:lnSpc>
+                  <a:spcPct val="80000"/>
+                </a:lnSpc>
+              </a:pPr>
+              <a:r>
+                <a:rPr lang="en-US" dirty="0">
+                  <a:latin typeface="Calibri" panose="020F0502020204030204" pitchFamily="34" charset="0"/>
+                  <a:cs typeface="Calibri" panose="020F0502020204030204" pitchFamily="34" charset="0"/>
+                </a:rPr>
+                <a:t>Host</a:t>
+              </a:r>
+            </a:p>
+          </p:txBody>
+        </p:sp>
+        <p:sp>
+          <p:nvSpPr>
+            <p:cNvPr id="345" name="TextBox 344">
+              <a:extLst>
+                <a:ext uri="{FF2B5EF4-FFF2-40B4-BE49-F238E27FC236}">
+                  <a16:creationId xmlns:a16="http://schemas.microsoft.com/office/drawing/2014/main" id="{11704788-3ED5-9446-8BB3-50689583A362}"/>
+                </a:ext>
+              </a:extLst>
+            </p:cNvPr>
+            <p:cNvSpPr txBox="1"/>
+            <p:nvPr/>
+          </p:nvSpPr>
+          <p:spPr>
+            <a:xfrm>
+              <a:off x="4262744" y="9377134"/>
+              <a:ext cx="1072730" cy="395173"/>
+            </a:xfrm>
+            <a:prstGeom prst="rect">
+              <a:avLst/>
+            </a:prstGeom>
+            <a:noFill/>
+          </p:spPr>
+          <p:txBody>
+            <a:bodyPr wrap="none" rtlCol="0">
+              <a:spAutoFit/>
+            </a:bodyPr>
+            <a:lstStyle/>
+            <a:p>
+              <a:pPr>
+                <a:lnSpc>
+                  <a:spcPct val="80000"/>
+                </a:lnSpc>
+              </a:pPr>
+              <a:r>
+                <a:rPr lang="en-US" sz="2400" i="1" dirty="0">
+                  <a:latin typeface="Calibri" panose="020F0502020204030204" pitchFamily="34" charset="0"/>
+                  <a:cs typeface="Calibri" panose="020F0502020204030204" pitchFamily="34" charset="0"/>
+                </a:rPr>
+                <a:t>Ingress</a:t>
+              </a:r>
+            </a:p>
+          </p:txBody>
+        </p:sp>
+        <p:cxnSp>
+          <p:nvCxnSpPr>
+            <p:cNvPr id="45" name="Straight Arrow Connector 44">
+              <a:extLst>
+                <a:ext uri="{FF2B5EF4-FFF2-40B4-BE49-F238E27FC236}">
+                  <a16:creationId xmlns:a16="http://schemas.microsoft.com/office/drawing/2014/main" id="{C9CB6C15-2295-E140-89AF-20F3013EB000}"/>
+                </a:ext>
+              </a:extLst>
+            </p:cNvPr>
+            <p:cNvCxnSpPr>
+              <a:stCxn id="15" idx="4"/>
+              <a:endCxn id="298" idx="0"/>
+            </p:cNvCxnSpPr>
+            <p:nvPr/>
+          </p:nvCxnSpPr>
+          <p:spPr>
+            <a:xfrm>
+              <a:off x="4792836" y="7415212"/>
+              <a:ext cx="1" cy="1353033"/>
+            </a:xfrm>
+            <a:prstGeom prst="straightConnector1">
+              <a:avLst/>
+            </a:prstGeom>
+            <a:ln w="28575">
+              <a:solidFill>
+                <a:schemeClr val="tx1">
+                  <a:lumMod val="95000"/>
+                  <a:lumOff val="5000"/>
+                </a:schemeClr>
+              </a:solidFill>
+              <a:tailEnd type="triangle"/>
+            </a:ln>
+          </p:spPr>
+          <p:style>
+            <a:lnRef idx="1">
+              <a:schemeClr val="accent1"/>
+            </a:lnRef>
+            <a:fillRef idx="0">
+              <a:schemeClr val="accent1"/>
+            </a:fillRef>
+            <a:effectRef idx="0">
+              <a:schemeClr val="accent1"/>
+            </a:effectRef>
+            <a:fontRef idx="minor">
+              <a:schemeClr val="tx1"/>
+            </a:fontRef>
+          </p:style>
+        </p:cxnSp>
+        <p:sp>
+          <p:nvSpPr>
+            <p:cNvPr id="346" name="TextBox 345">
+              <a:extLst>
+                <a:ext uri="{FF2B5EF4-FFF2-40B4-BE49-F238E27FC236}">
+                  <a16:creationId xmlns:a16="http://schemas.microsoft.com/office/drawing/2014/main" id="{75E1C671-70BF-CF43-8787-CF741F99DC2E}"/>
+                </a:ext>
+              </a:extLst>
+            </p:cNvPr>
+            <p:cNvSpPr txBox="1"/>
+            <p:nvPr/>
+          </p:nvSpPr>
+          <p:spPr>
+            <a:xfrm>
+              <a:off x="4742835" y="7870856"/>
+              <a:ext cx="885179" cy="395173"/>
+            </a:xfrm>
+            <a:prstGeom prst="rect">
+              <a:avLst/>
+            </a:prstGeom>
+            <a:noFill/>
+          </p:spPr>
+          <p:txBody>
+            <a:bodyPr wrap="none" rtlCol="0">
+              <a:spAutoFit/>
+            </a:bodyPr>
+            <a:lstStyle/>
+            <a:p>
+              <a:pPr>
+                <a:lnSpc>
+                  <a:spcPct val="80000"/>
+                </a:lnSpc>
+              </a:pPr>
+              <a:r>
+                <a:rPr lang="en-US" sz="2400" i="1" dirty="0">
+                  <a:latin typeface="Calibri" panose="020F0502020204030204" pitchFamily="34" charset="0"/>
+                  <a:cs typeface="Calibri" panose="020F0502020204030204" pitchFamily="34" charset="0"/>
+                </a:rPr>
+                <a:t>Write</a:t>
+              </a:r>
+            </a:p>
+          </p:txBody>
+        </p:sp>
+      </p:grpSp>
+      <p:grpSp>
+        <p:nvGrpSpPr>
+          <p:cNvPr id="347" name="Group 346">
+            <a:extLst>
+              <a:ext uri="{FF2B5EF4-FFF2-40B4-BE49-F238E27FC236}">
+                <a16:creationId xmlns:a16="http://schemas.microsoft.com/office/drawing/2014/main" id="{5E6322B0-9100-FC43-8170-C145697CB859}"/>
+              </a:ext>
+            </a:extLst>
+          </p:cNvPr>
+          <p:cNvGrpSpPr/>
+          <p:nvPr/>
+        </p:nvGrpSpPr>
+        <p:grpSpPr>
+          <a:xfrm>
+            <a:off x="15828570" y="5943601"/>
+            <a:ext cx="1995055" cy="4705797"/>
+            <a:chOff x="3795310" y="5943601"/>
+            <a:chExt cx="1995055" cy="4705797"/>
+          </a:xfrm>
+        </p:grpSpPr>
+        <p:grpSp>
+          <p:nvGrpSpPr>
+            <p:cNvPr id="348" name="Group 347">
+              <a:extLst>
+                <a:ext uri="{FF2B5EF4-FFF2-40B4-BE49-F238E27FC236}">
+                  <a16:creationId xmlns:a16="http://schemas.microsoft.com/office/drawing/2014/main" id="{8CE5B2AE-9E0C-134F-AA3F-FED6929A1FD6}"/>
+                </a:ext>
+              </a:extLst>
+            </p:cNvPr>
+            <p:cNvGrpSpPr/>
+            <p:nvPr/>
+          </p:nvGrpSpPr>
+          <p:grpSpPr>
+            <a:xfrm>
+              <a:off x="3795310" y="5943601"/>
+              <a:ext cx="1995055" cy="3787170"/>
+              <a:chOff x="12563155" y="3840851"/>
+              <a:chExt cx="1995055" cy="3787170"/>
+            </a:xfrm>
+          </p:grpSpPr>
+          <p:sp>
+            <p:nvSpPr>
+              <p:cNvPr id="354" name="Rectangle 353">
+                <a:extLst>
+                  <a:ext uri="{FF2B5EF4-FFF2-40B4-BE49-F238E27FC236}">
+                    <a16:creationId xmlns:a16="http://schemas.microsoft.com/office/drawing/2014/main" id="{F774B288-15DD-724D-A424-B3FBFD475ED1}"/>
+                  </a:ext>
+                </a:extLst>
+              </p:cNvPr>
+              <p:cNvSpPr/>
+              <p:nvPr/>
+            </p:nvSpPr>
+            <p:spPr>
+              <a:xfrm>
+                <a:off x="12563155" y="3840851"/>
+                <a:ext cx="1995055" cy="3787170"/>
+              </a:xfrm>
+              <a:prstGeom prst="rect">
+                <a:avLst/>
+              </a:prstGeom>
+              <a:solidFill>
+                <a:schemeClr val="bg1">
+                  <a:lumMod val="75000"/>
+                </a:schemeClr>
+              </a:solidFill>
+              <a:ln w="28575">
+                <a:solidFill>
+                  <a:schemeClr val="tx1"/>
+                </a:solidFill>
+              </a:ln>
+              <a:effectLst>
+                <a:outerShdw blurRad="50800" dist="38100" dir="2700000" algn="tl" rotWithShape="0">
+                  <a:prstClr val="black">
+                    <a:alpha val="40000"/>
+                  </a:prstClr>
+                </a:outerShdw>
+              </a:effectLst>
+            </p:spPr>
+            <p:style>
+              <a:lnRef idx="2">
+                <a:schemeClr val="accent1">
+                  <a:shade val="50000"/>
+                </a:schemeClr>
+              </a:lnRef>
+              <a:fillRef idx="1">
+                <a:schemeClr val="accent1"/>
+              </a:fillRef>
+              <a:effectRef idx="0">
+                <a:schemeClr val="accent1"/>
+              </a:effectRef>
+              <a:fontRef idx="minor">
+                <a:schemeClr val="lt1"/>
+              </a:fontRef>
+            </p:style>
+            <p:txBody>
+              <a:bodyPr rtlCol="0" anchor="t"/>
+              <a:lstStyle/>
+              <a:p>
+                <a:pPr algn="ctr"/>
+                <a:endParaRPr lang="en-US" dirty="0">
+                  <a:solidFill>
+                    <a:schemeClr val="tx1"/>
+                  </a:solidFill>
+                </a:endParaRPr>
+              </a:p>
+            </p:txBody>
+          </p:sp>
+          <p:sp>
+            <p:nvSpPr>
+              <p:cNvPr id="355" name="Rectangle 354">
+                <a:extLst>
+                  <a:ext uri="{FF2B5EF4-FFF2-40B4-BE49-F238E27FC236}">
+                    <a16:creationId xmlns:a16="http://schemas.microsoft.com/office/drawing/2014/main" id="{09C91BE2-34AB-0A42-B6F5-600E5C1E6F65}"/>
+                  </a:ext>
+                </a:extLst>
+              </p:cNvPr>
+              <p:cNvSpPr/>
+              <p:nvPr/>
+            </p:nvSpPr>
+            <p:spPr>
+              <a:xfrm>
+                <a:off x="12682376" y="6665495"/>
+                <a:ext cx="1756611" cy="601579"/>
+              </a:xfrm>
+              <a:prstGeom prst="rect">
+                <a:avLst/>
+              </a:prstGeom>
+              <a:noFill/>
+              <a:ln w="38100">
+                <a:solidFill>
+                  <a:schemeClr val="tx1"/>
+                </a:solidFill>
+              </a:ln>
+            </p:spPr>
+            <p:style>
+              <a:lnRef idx="2">
+                <a:schemeClr val="accent1">
+                  <a:shade val="50000"/>
+                </a:schemeClr>
+              </a:lnRef>
+              <a:fillRef idx="1">
+                <a:schemeClr val="accent1"/>
+              </a:fillRef>
+              <a:effectRef idx="0">
+                <a:schemeClr val="accent1"/>
+              </a:effectRef>
+              <a:fontRef idx="minor">
+                <a:schemeClr val="lt1"/>
+              </a:fontRef>
+            </p:style>
+            <p:txBody>
+              <a:bodyPr rtlCol="0" anchor="ctr"/>
+              <a:lstStyle/>
+              <a:p>
+                <a:pPr algn="ctr"/>
+                <a:endParaRPr lang="en-US"/>
+              </a:p>
+            </p:txBody>
+          </p:sp>
+          <p:cxnSp>
+            <p:nvCxnSpPr>
+              <p:cNvPr id="356" name="Straight Connector 355">
+                <a:extLst>
+                  <a:ext uri="{FF2B5EF4-FFF2-40B4-BE49-F238E27FC236}">
+                    <a16:creationId xmlns:a16="http://schemas.microsoft.com/office/drawing/2014/main" id="{F59C8261-807A-FC42-AB06-3D35B7E72467}"/>
+                  </a:ext>
+                </a:extLst>
+              </p:cNvPr>
+              <p:cNvCxnSpPr>
+                <a:cxnSpLocks/>
+              </p:cNvCxnSpPr>
+              <p:nvPr/>
+            </p:nvCxnSpPr>
+            <p:spPr>
+              <a:xfrm>
+                <a:off x="14174292" y="6665495"/>
+                <a:ext cx="0" cy="601579"/>
+              </a:xfrm>
+              <a:prstGeom prst="line">
+                <a:avLst/>
+              </a:prstGeom>
+              <a:ln w="38100">
+                <a:solidFill>
+                  <a:schemeClr val="tx1"/>
+                </a:solidFill>
+              </a:ln>
+            </p:spPr>
+            <p:style>
+              <a:lnRef idx="1">
+                <a:schemeClr val="accent1"/>
+              </a:lnRef>
+              <a:fillRef idx="0">
+                <a:schemeClr val="accent1"/>
+              </a:fillRef>
+              <a:effectRef idx="0">
+                <a:schemeClr val="accent1"/>
+              </a:effectRef>
+              <a:fontRef idx="minor">
+                <a:schemeClr val="tx1"/>
+              </a:fontRef>
+            </p:style>
+          </p:cxnSp>
+          <p:cxnSp>
+            <p:nvCxnSpPr>
+              <p:cNvPr id="357" name="Straight Connector 356">
+                <a:extLst>
+                  <a:ext uri="{FF2B5EF4-FFF2-40B4-BE49-F238E27FC236}">
+                    <a16:creationId xmlns:a16="http://schemas.microsoft.com/office/drawing/2014/main" id="{552249D4-2F2B-0C45-8313-CD843F5499A4}"/>
+                  </a:ext>
+                </a:extLst>
+              </p:cNvPr>
+              <p:cNvCxnSpPr>
+                <a:cxnSpLocks/>
+              </p:cNvCxnSpPr>
+              <p:nvPr/>
+            </p:nvCxnSpPr>
+            <p:spPr>
+              <a:xfrm>
+                <a:off x="13917621" y="6665495"/>
+                <a:ext cx="0" cy="601579"/>
+              </a:xfrm>
+              <a:prstGeom prst="line">
+                <a:avLst/>
+              </a:prstGeom>
+              <a:ln w="38100">
+                <a:solidFill>
+                  <a:schemeClr val="tx1"/>
+                </a:solidFill>
+              </a:ln>
+            </p:spPr>
+            <p:style>
+              <a:lnRef idx="1">
+                <a:schemeClr val="accent1"/>
+              </a:lnRef>
+              <a:fillRef idx="0">
+                <a:schemeClr val="accent1"/>
+              </a:fillRef>
+              <a:effectRef idx="0">
+                <a:schemeClr val="accent1"/>
+              </a:effectRef>
+              <a:fontRef idx="minor">
+                <a:schemeClr val="tx1"/>
+              </a:fontRef>
+            </p:style>
+          </p:cxnSp>
+          <p:cxnSp>
+            <p:nvCxnSpPr>
+              <p:cNvPr id="358" name="Straight Connector 357">
+                <a:extLst>
+                  <a:ext uri="{FF2B5EF4-FFF2-40B4-BE49-F238E27FC236}">
+                    <a16:creationId xmlns:a16="http://schemas.microsoft.com/office/drawing/2014/main" id="{380EB117-BEF7-364A-855E-4270968DF30D}"/>
+                  </a:ext>
+                </a:extLst>
+              </p:cNvPr>
+              <p:cNvCxnSpPr>
+                <a:cxnSpLocks/>
+              </p:cNvCxnSpPr>
+              <p:nvPr/>
+            </p:nvCxnSpPr>
+            <p:spPr>
+              <a:xfrm>
+                <a:off x="13636886" y="6665495"/>
+                <a:ext cx="0" cy="601579"/>
+              </a:xfrm>
+              <a:prstGeom prst="line">
+                <a:avLst/>
+              </a:prstGeom>
+              <a:ln w="38100">
+                <a:solidFill>
+                  <a:schemeClr val="tx1"/>
+                </a:solidFill>
+              </a:ln>
+            </p:spPr>
+            <p:style>
+              <a:lnRef idx="1">
+                <a:schemeClr val="accent1"/>
+              </a:lnRef>
+              <a:fillRef idx="0">
+                <a:schemeClr val="accent1"/>
+              </a:fillRef>
+              <a:effectRef idx="0">
+                <a:schemeClr val="accent1"/>
+              </a:effectRef>
+              <a:fontRef idx="minor">
+                <a:schemeClr val="tx1"/>
+              </a:fontRef>
+            </p:style>
+          </p:cxnSp>
+          <p:cxnSp>
+            <p:nvCxnSpPr>
+              <p:cNvPr id="359" name="Straight Connector 358">
+                <a:extLst>
+                  <a:ext uri="{FF2B5EF4-FFF2-40B4-BE49-F238E27FC236}">
+                    <a16:creationId xmlns:a16="http://schemas.microsoft.com/office/drawing/2014/main" id="{7BDC140F-1E49-6C46-BF83-E7C9A66DEF77}"/>
+                  </a:ext>
+                </a:extLst>
+              </p:cNvPr>
+              <p:cNvCxnSpPr>
+                <a:cxnSpLocks/>
+              </p:cNvCxnSpPr>
+              <p:nvPr/>
+            </p:nvCxnSpPr>
+            <p:spPr>
+              <a:xfrm>
+                <a:off x="13364170" y="6665495"/>
+                <a:ext cx="0" cy="601579"/>
+              </a:xfrm>
+              <a:prstGeom prst="line">
+                <a:avLst/>
+              </a:prstGeom>
+              <a:ln w="38100">
+                <a:solidFill>
+                  <a:schemeClr val="tx1"/>
+                </a:solidFill>
+              </a:ln>
+            </p:spPr>
+            <p:style>
+              <a:lnRef idx="1">
+                <a:schemeClr val="accent1"/>
+              </a:lnRef>
+              <a:fillRef idx="0">
+                <a:schemeClr val="accent1"/>
+              </a:fillRef>
+              <a:effectRef idx="0">
+                <a:schemeClr val="accent1"/>
+              </a:effectRef>
+              <a:fontRef idx="minor">
+                <a:schemeClr val="tx1"/>
+              </a:fontRef>
+            </p:style>
+          </p:cxnSp>
+          <p:cxnSp>
+            <p:nvCxnSpPr>
+              <p:cNvPr id="360" name="Straight Connector 359">
+                <a:extLst>
+                  <a:ext uri="{FF2B5EF4-FFF2-40B4-BE49-F238E27FC236}">
+                    <a16:creationId xmlns:a16="http://schemas.microsoft.com/office/drawing/2014/main" id="{C3FED7DC-8261-9E4C-88A7-F80F2D49C750}"/>
+                  </a:ext>
+                </a:extLst>
+              </p:cNvPr>
+              <p:cNvCxnSpPr>
+                <a:cxnSpLocks/>
+              </p:cNvCxnSpPr>
+              <p:nvPr/>
+            </p:nvCxnSpPr>
+            <p:spPr>
+              <a:xfrm>
+                <a:off x="13059373" y="6665495"/>
+                <a:ext cx="0" cy="601579"/>
+              </a:xfrm>
+              <a:prstGeom prst="line">
+                <a:avLst/>
+              </a:prstGeom>
+              <a:ln w="38100">
+                <a:solidFill>
+                  <a:schemeClr val="tx1"/>
+                </a:solidFill>
+              </a:ln>
+            </p:spPr>
+            <p:style>
+              <a:lnRef idx="1">
+                <a:schemeClr val="accent1"/>
+              </a:lnRef>
+              <a:fillRef idx="0">
+                <a:schemeClr val="accent1"/>
+              </a:fillRef>
+              <a:effectRef idx="0">
+                <a:schemeClr val="accent1"/>
+              </a:effectRef>
+              <a:fontRef idx="minor">
+                <a:schemeClr val="tx1"/>
+              </a:fontRef>
+            </p:style>
+          </p:cxnSp>
+          <p:cxnSp>
+            <p:nvCxnSpPr>
+              <p:cNvPr id="361" name="Straight Connector 360">
+                <a:extLst>
+                  <a:ext uri="{FF2B5EF4-FFF2-40B4-BE49-F238E27FC236}">
+                    <a16:creationId xmlns:a16="http://schemas.microsoft.com/office/drawing/2014/main" id="{DD6D0C7C-67E2-FA46-9CCA-C75D73DA13F3}"/>
+                  </a:ext>
+                </a:extLst>
+              </p:cNvPr>
+              <p:cNvCxnSpPr>
+                <a:cxnSpLocks/>
+              </p:cNvCxnSpPr>
+              <p:nvPr/>
+            </p:nvCxnSpPr>
+            <p:spPr>
+              <a:xfrm>
+                <a:off x="12682386" y="6622126"/>
+                <a:ext cx="0" cy="688316"/>
+              </a:xfrm>
+              <a:prstGeom prst="line">
+                <a:avLst/>
+              </a:prstGeom>
+              <a:ln w="63500" cap="flat">
+                <a:solidFill>
+                  <a:schemeClr val="bg1">
+                    <a:lumMod val="75000"/>
+                  </a:schemeClr>
+                </a:solidFill>
+              </a:ln>
+            </p:spPr>
+            <p:style>
+              <a:lnRef idx="1">
+                <a:schemeClr val="accent1"/>
+              </a:lnRef>
+              <a:fillRef idx="0">
+                <a:schemeClr val="accent1"/>
+              </a:fillRef>
+              <a:effectRef idx="0">
+                <a:schemeClr val="accent1"/>
+              </a:effectRef>
+              <a:fontRef idx="minor">
+                <a:schemeClr val="tx1"/>
+              </a:fontRef>
+            </p:style>
+          </p:cxnSp>
+        </p:grpSp>
+        <p:sp>
+          <p:nvSpPr>
+            <p:cNvPr id="349" name="Oval 348">
+              <a:extLst>
+                <a:ext uri="{FF2B5EF4-FFF2-40B4-BE49-F238E27FC236}">
+                  <a16:creationId xmlns:a16="http://schemas.microsoft.com/office/drawing/2014/main" id="{7CBCAB9F-CA12-E549-AB32-4E3BB619499A}"/>
+                </a:ext>
+              </a:extLst>
+            </p:cNvPr>
+            <p:cNvSpPr/>
+            <p:nvPr/>
+          </p:nvSpPr>
+          <p:spPr>
+            <a:xfrm>
+              <a:off x="3949026" y="6300787"/>
+              <a:ext cx="1687620" cy="1114425"/>
+            </a:xfrm>
+            <a:prstGeom prst="ellipse">
+              <a:avLst/>
+            </a:prstGeom>
+            <a:solidFill>
+              <a:srgbClr val="0070C0"/>
+            </a:solidFill>
+          </p:spPr>
+          <p:style>
+            <a:lnRef idx="2">
+              <a:schemeClr val="accent1">
+                <a:shade val="50000"/>
+              </a:schemeClr>
+            </a:lnRef>
+            <a:fillRef idx="1">
+              <a:schemeClr val="accent1"/>
+            </a:fillRef>
+            <a:effectRef idx="0">
+              <a:schemeClr val="accent1"/>
+            </a:effectRef>
+            <a:fontRef idx="minor">
+              <a:schemeClr val="lt1"/>
+            </a:fontRef>
+          </p:style>
+          <p:txBody>
+            <a:bodyPr rtlCol="0" anchor="ctr"/>
+            <a:lstStyle/>
+            <a:p>
+              <a:pPr algn="ctr"/>
+              <a:r>
+                <a:rPr lang="en-US" dirty="0"/>
+                <a:t>TCP</a:t>
+              </a:r>
+            </a:p>
+          </p:txBody>
+        </p:sp>
+        <p:sp>
+          <p:nvSpPr>
+            <p:cNvPr id="350" name="TextBox 349">
+              <a:extLst>
+                <a:ext uri="{FF2B5EF4-FFF2-40B4-BE49-F238E27FC236}">
+                  <a16:creationId xmlns:a16="http://schemas.microsoft.com/office/drawing/2014/main" id="{66876C06-8FC0-C248-A9E5-63CD8F47F427}"/>
+                </a:ext>
+              </a:extLst>
+            </p:cNvPr>
+            <p:cNvSpPr txBox="1"/>
+            <p:nvPr/>
+          </p:nvSpPr>
+          <p:spPr>
+            <a:xfrm>
+              <a:off x="3906218" y="9759346"/>
+              <a:ext cx="1773242" cy="890052"/>
+            </a:xfrm>
+            <a:prstGeom prst="rect">
+              <a:avLst/>
+            </a:prstGeom>
+            <a:noFill/>
+          </p:spPr>
+          <p:txBody>
+            <a:bodyPr wrap="none" rtlCol="0">
+              <a:spAutoFit/>
+            </a:bodyPr>
+            <a:lstStyle/>
+            <a:p>
+              <a:pPr>
+                <a:lnSpc>
+                  <a:spcPct val="80000"/>
+                </a:lnSpc>
+              </a:pPr>
+              <a:r>
+                <a:rPr lang="en-US" dirty="0">
+                  <a:latin typeface="Calibri" panose="020F0502020204030204" pitchFamily="34" charset="0"/>
+                  <a:cs typeface="Calibri" panose="020F0502020204030204" pitchFamily="34" charset="0"/>
+                </a:rPr>
+                <a:t>Receiving</a:t>
+              </a:r>
+            </a:p>
+            <a:p>
+              <a:pPr>
+                <a:lnSpc>
+                  <a:spcPct val="80000"/>
+                </a:lnSpc>
+              </a:pPr>
+              <a:r>
+                <a:rPr lang="en-US" dirty="0">
+                  <a:latin typeface="Calibri" panose="020F0502020204030204" pitchFamily="34" charset="0"/>
+                  <a:cs typeface="Calibri" panose="020F0502020204030204" pitchFamily="34" charset="0"/>
+                </a:rPr>
+                <a:t>Host</a:t>
+              </a:r>
+            </a:p>
+          </p:txBody>
+        </p:sp>
+        <p:sp>
+          <p:nvSpPr>
+            <p:cNvPr id="351" name="TextBox 350">
+              <a:extLst>
+                <a:ext uri="{FF2B5EF4-FFF2-40B4-BE49-F238E27FC236}">
+                  <a16:creationId xmlns:a16="http://schemas.microsoft.com/office/drawing/2014/main" id="{528B1106-EBB7-2B4E-902F-C915AF8F3C4D}"/>
+                </a:ext>
+              </a:extLst>
+            </p:cNvPr>
+            <p:cNvSpPr txBox="1"/>
+            <p:nvPr/>
+          </p:nvSpPr>
+          <p:spPr>
+            <a:xfrm>
+              <a:off x="4305223" y="9377134"/>
+              <a:ext cx="987771" cy="395173"/>
+            </a:xfrm>
+            <a:prstGeom prst="rect">
+              <a:avLst/>
+            </a:prstGeom>
+            <a:noFill/>
+          </p:spPr>
+          <p:txBody>
+            <a:bodyPr wrap="none" rtlCol="0">
+              <a:spAutoFit/>
+            </a:bodyPr>
+            <a:lstStyle/>
+            <a:p>
+              <a:pPr>
+                <a:lnSpc>
+                  <a:spcPct val="80000"/>
+                </a:lnSpc>
+              </a:pPr>
+              <a:r>
+                <a:rPr lang="en-US" sz="2400" i="1" dirty="0">
+                  <a:latin typeface="Calibri" panose="020F0502020204030204" pitchFamily="34" charset="0"/>
+                  <a:cs typeface="Calibri" panose="020F0502020204030204" pitchFamily="34" charset="0"/>
+                </a:rPr>
+                <a:t>Egress</a:t>
+              </a:r>
+            </a:p>
+          </p:txBody>
+        </p:sp>
+        <p:cxnSp>
+          <p:nvCxnSpPr>
+            <p:cNvPr id="352" name="Straight Arrow Connector 351">
+              <a:extLst>
+                <a:ext uri="{FF2B5EF4-FFF2-40B4-BE49-F238E27FC236}">
+                  <a16:creationId xmlns:a16="http://schemas.microsoft.com/office/drawing/2014/main" id="{B396E20E-A4F9-DF4F-B3AC-B8EA996F2934}"/>
+                </a:ext>
+              </a:extLst>
+            </p:cNvPr>
+            <p:cNvCxnSpPr>
+              <a:stCxn id="349" idx="4"/>
+              <a:endCxn id="355" idx="0"/>
+            </p:cNvCxnSpPr>
+            <p:nvPr/>
+          </p:nvCxnSpPr>
+          <p:spPr>
+            <a:xfrm>
+              <a:off x="4792836" y="7415212"/>
+              <a:ext cx="1" cy="1353033"/>
+            </a:xfrm>
+            <a:prstGeom prst="straightConnector1">
+              <a:avLst/>
+            </a:prstGeom>
+            <a:ln w="28575">
+              <a:solidFill>
+                <a:schemeClr val="tx1">
+                  <a:lumMod val="95000"/>
+                  <a:lumOff val="5000"/>
+                </a:schemeClr>
+              </a:solidFill>
+              <a:headEnd type="triangle" w="med" len="med"/>
+              <a:tailEnd type="none" w="med" len="med"/>
+            </a:ln>
+          </p:spPr>
+          <p:style>
+            <a:lnRef idx="1">
+              <a:schemeClr val="accent1"/>
+            </a:lnRef>
+            <a:fillRef idx="0">
+              <a:schemeClr val="accent1"/>
+            </a:fillRef>
+            <a:effectRef idx="0">
+              <a:schemeClr val="accent1"/>
+            </a:effectRef>
+            <a:fontRef idx="minor">
+              <a:schemeClr val="tx1"/>
+            </a:fontRef>
+          </p:style>
+        </p:cxnSp>
+        <p:sp>
+          <p:nvSpPr>
+            <p:cNvPr id="353" name="TextBox 352">
+              <a:extLst>
+                <a:ext uri="{FF2B5EF4-FFF2-40B4-BE49-F238E27FC236}">
+                  <a16:creationId xmlns:a16="http://schemas.microsoft.com/office/drawing/2014/main" id="{8D1C7BE5-39BD-1948-9E6B-B112B90654C8}"/>
+                </a:ext>
+              </a:extLst>
+            </p:cNvPr>
+            <p:cNvSpPr txBox="1"/>
+            <p:nvPr/>
+          </p:nvSpPr>
+          <p:spPr>
+            <a:xfrm>
+              <a:off x="4777299" y="7870856"/>
+              <a:ext cx="816250" cy="395173"/>
+            </a:xfrm>
+            <a:prstGeom prst="rect">
+              <a:avLst/>
+            </a:prstGeom>
+            <a:noFill/>
+          </p:spPr>
+          <p:txBody>
+            <a:bodyPr wrap="none" rtlCol="0">
+              <a:spAutoFit/>
+            </a:bodyPr>
+            <a:lstStyle/>
+            <a:p>
+              <a:pPr>
+                <a:lnSpc>
+                  <a:spcPct val="80000"/>
+                </a:lnSpc>
+              </a:pPr>
+              <a:r>
+                <a:rPr lang="en-US" sz="2400" i="1" dirty="0">
+                  <a:latin typeface="Calibri" panose="020F0502020204030204" pitchFamily="34" charset="0"/>
+                  <a:cs typeface="Calibri" panose="020F0502020204030204" pitchFamily="34" charset="0"/>
+                </a:rPr>
+                <a:t>Read</a:t>
+              </a:r>
+            </a:p>
+          </p:txBody>
+        </p:sp>
+      </p:grpSp>
+      <p:cxnSp>
+        <p:nvCxnSpPr>
+          <p:cNvPr id="364" name="Straight Arrow Connector 363">
+            <a:extLst>
+              <a:ext uri="{FF2B5EF4-FFF2-40B4-BE49-F238E27FC236}">
+                <a16:creationId xmlns:a16="http://schemas.microsoft.com/office/drawing/2014/main" id="{FC247C81-8896-6341-A43C-8CECD38AA0B9}"/>
+              </a:ext>
+            </a:extLst>
+          </p:cNvPr>
+          <p:cNvCxnSpPr>
+            <a:cxnSpLocks/>
+          </p:cNvCxnSpPr>
+          <p:nvPr/>
+        </p:nvCxnSpPr>
+        <p:spPr>
+          <a:xfrm>
+            <a:off x="9373424" y="9109220"/>
+            <a:ext cx="924236" cy="0"/>
+          </a:xfrm>
+          <a:prstGeom prst="straightConnector1">
+            <a:avLst/>
+          </a:prstGeom>
+          <a:ln w="38100">
+            <a:solidFill>
+              <a:srgbClr val="00A6DA"/>
+            </a:solidFill>
+            <a:tailEnd type="triangle" w="med" len="lg"/>
+          </a:ln>
+        </p:spPr>
+        <p:style>
+          <a:lnRef idx="1">
+            <a:schemeClr val="accent1"/>
+          </a:lnRef>
+          <a:fillRef idx="0">
+            <a:schemeClr val="accent1"/>
+          </a:fillRef>
+          <a:effectRef idx="0">
+            <a:schemeClr val="accent1"/>
+          </a:effectRef>
+          <a:fontRef idx="minor">
+            <a:schemeClr val="tx1"/>
+          </a:fontRef>
+        </p:style>
+      </p:cxnSp>
+      <p:cxnSp>
+        <p:nvCxnSpPr>
+          <p:cNvPr id="365" name="Straight Arrow Connector 364">
+            <a:extLst>
+              <a:ext uri="{FF2B5EF4-FFF2-40B4-BE49-F238E27FC236}">
+                <a16:creationId xmlns:a16="http://schemas.microsoft.com/office/drawing/2014/main" id="{B2F0C220-F614-634A-953C-4FD3DA7BA7B0}"/>
+              </a:ext>
+            </a:extLst>
+          </p:cNvPr>
+          <p:cNvCxnSpPr>
+            <a:cxnSpLocks/>
+          </p:cNvCxnSpPr>
+          <p:nvPr/>
+        </p:nvCxnSpPr>
+        <p:spPr>
+          <a:xfrm>
+            <a:off x="11319762" y="9109220"/>
+            <a:ext cx="924236" cy="0"/>
+          </a:xfrm>
+          <a:prstGeom prst="straightConnector1">
+            <a:avLst/>
+          </a:prstGeom>
+          <a:ln w="38100">
+            <a:solidFill>
+              <a:srgbClr val="00A6DA"/>
+            </a:solidFill>
+            <a:tailEnd type="triangle" w="med" len="lg"/>
+          </a:ln>
+        </p:spPr>
+        <p:style>
+          <a:lnRef idx="1">
+            <a:schemeClr val="accent1"/>
+          </a:lnRef>
+          <a:fillRef idx="0">
+            <a:schemeClr val="accent1"/>
+          </a:fillRef>
+          <a:effectRef idx="0">
+            <a:schemeClr val="accent1"/>
+          </a:effectRef>
+          <a:fontRef idx="minor">
+            <a:schemeClr val="tx1"/>
+          </a:fontRef>
+        </p:style>
+      </p:cxnSp>
+      <p:cxnSp>
+        <p:nvCxnSpPr>
+          <p:cNvPr id="366" name="Straight Arrow Connector 365">
+            <a:extLst>
+              <a:ext uri="{FF2B5EF4-FFF2-40B4-BE49-F238E27FC236}">
+                <a16:creationId xmlns:a16="http://schemas.microsoft.com/office/drawing/2014/main" id="{C995AAE8-0B17-5F47-A4A6-C34EF8002888}"/>
+              </a:ext>
+            </a:extLst>
+          </p:cNvPr>
+          <p:cNvCxnSpPr>
+            <a:cxnSpLocks/>
+          </p:cNvCxnSpPr>
+          <p:nvPr/>
+        </p:nvCxnSpPr>
+        <p:spPr>
+          <a:xfrm>
+            <a:off x="10516969" y="9109220"/>
+            <a:ext cx="578660" cy="0"/>
+          </a:xfrm>
+          <a:prstGeom prst="straightConnector1">
+            <a:avLst/>
+          </a:prstGeom>
+          <a:ln w="38100">
+            <a:solidFill>
+              <a:srgbClr val="00A6DA"/>
+            </a:solidFill>
+            <a:prstDash val="sysDot"/>
+            <a:headEnd type="none" w="med" len="med"/>
+            <a:tailEnd type="none" w="med" len="med"/>
+          </a:ln>
+        </p:spPr>
+        <p:style>
+          <a:lnRef idx="1">
+            <a:schemeClr val="accent1"/>
+          </a:lnRef>
+          <a:fillRef idx="0">
+            <a:schemeClr val="accent1"/>
+          </a:fillRef>
+          <a:effectRef idx="0">
+            <a:schemeClr val="accent1"/>
+          </a:effectRef>
+          <a:fontRef idx="minor">
+            <a:schemeClr val="tx1"/>
+          </a:fontRef>
+        </p:style>
+      </p:cxnSp>
+    </p:spTree>
+    <p:extLst>
+      <p:ext uri="{BB962C8B-B14F-4D97-AF65-F5344CB8AC3E}">
+        <p14:creationId xmlns:p14="http://schemas.microsoft.com/office/powerpoint/2010/main" val="2756012963"/>
       </p:ext>
     </p:extLst>
   </p:cSld>

--- a/figures/Figure-sources.pptx
+++ b/figures/Figure-sources.pptx
@@ -5,7 +5,7 @@
     <p:sldMasterId id="2147483661" r:id="rId1"/>
   </p:sldMasterIdLst>
   <p:notesMasterIdLst>
-    <p:notesMasterId r:id="rId17"/>
+    <p:notesMasterId r:id="rId18"/>
   </p:notesMasterIdLst>
   <p:sldIdLst>
     <p:sldId id="257" r:id="rId2"/>
@@ -23,6 +23,7 @@
     <p:sldId id="269" r:id="rId14"/>
     <p:sldId id="270" r:id="rId15"/>
     <p:sldId id="271" r:id="rId16"/>
+    <p:sldId id="272" r:id="rId17"/>
   </p:sldIdLst>
   <p:sldSz cx="24384000" cy="13716000"/>
   <p:notesSz cx="6858000" cy="9144000"/>
@@ -24605,6 +24606,815 @@
     <p:extLst>
       <p:ext uri="{BB962C8B-B14F-4D97-AF65-F5344CB8AC3E}">
         <p14:creationId xmlns:p14="http://schemas.microsoft.com/office/powerpoint/2010/main" val="2756012963"/>
+      </p:ext>
+    </p:extLst>
+  </p:cSld>
+  <p:clrMapOvr>
+    <a:masterClrMapping/>
+  </p:clrMapOvr>
+</p:sld>
+</file>
+
+<file path=ppt/slides/slide16.xml><?xml version="1.0" encoding="utf-8"?>
+<p:sld xmlns:a="http://schemas.openxmlformats.org/drawingml/2006/main" xmlns:r="http://schemas.openxmlformats.org/officeDocument/2006/relationships" xmlns:p="http://schemas.openxmlformats.org/presentationml/2006/main">
+  <p:cSld>
+    <p:spTree>
+      <p:nvGrpSpPr>
+        <p:cNvPr id="1" name=""/>
+        <p:cNvGrpSpPr/>
+        <p:nvPr/>
+      </p:nvGrpSpPr>
+      <p:grpSpPr>
+        <a:xfrm>
+          <a:off x="0" y="0"/>
+          <a:ext cx="0" cy="0"/>
+          <a:chOff x="0" y="0"/>
+          <a:chExt cx="0" cy="0"/>
+        </a:xfrm>
+      </p:grpSpPr>
+      <p:sp>
+        <p:nvSpPr>
+          <p:cNvPr id="28" name="Oval 27">
+            <a:extLst>
+              <a:ext uri="{FF2B5EF4-FFF2-40B4-BE49-F238E27FC236}">
+                <a16:creationId xmlns:a16="http://schemas.microsoft.com/office/drawing/2014/main" id="{007D0431-73B8-124E-8C1C-1D63D6E599F6}"/>
+              </a:ext>
+            </a:extLst>
+          </p:cNvPr>
+          <p:cNvSpPr/>
+          <p:nvPr/>
+        </p:nvSpPr>
+        <p:spPr>
+          <a:xfrm>
+            <a:off x="2804642" y="5842630"/>
+            <a:ext cx="2296745" cy="2247308"/>
+          </a:xfrm>
+          <a:prstGeom prst="ellipse">
+            <a:avLst/>
+          </a:prstGeom>
+          <a:solidFill>
+            <a:schemeClr val="bg1"/>
+          </a:solidFill>
+          <a:ln w="28575">
+            <a:solidFill>
+              <a:schemeClr val="tx1"/>
+            </a:solidFill>
+          </a:ln>
+          <a:effectLst>
+            <a:outerShdw blurRad="50800" dist="38100" dir="2700000" algn="tl" rotWithShape="0">
+              <a:prstClr val="black">
+                <a:alpha val="40000"/>
+              </a:prstClr>
+            </a:outerShdw>
+          </a:effectLst>
+        </p:spPr>
+        <p:style>
+          <a:lnRef idx="2">
+            <a:schemeClr val="accent1">
+              <a:shade val="50000"/>
+            </a:schemeClr>
+          </a:lnRef>
+          <a:fillRef idx="1">
+            <a:schemeClr val="accent1"/>
+          </a:fillRef>
+          <a:effectRef idx="0">
+            <a:schemeClr val="accent1"/>
+          </a:effectRef>
+          <a:fontRef idx="minor">
+            <a:schemeClr val="lt1"/>
+          </a:fontRef>
+        </p:style>
+        <p:txBody>
+          <a:bodyPr rtlCol="0" anchor="ctr"/>
+          <a:lstStyle/>
+          <a:p>
+            <a:pPr algn="ctr"/>
+            <a:r>
+              <a:rPr lang="en-US" dirty="0">
+                <a:solidFill>
+                  <a:schemeClr val="tx1"/>
+                </a:solidFill>
+              </a:rPr>
+              <a:t>Sender</a:t>
+            </a:r>
+          </a:p>
+        </p:txBody>
+      </p:sp>
+      <p:sp>
+        <p:nvSpPr>
+          <p:cNvPr id="50" name="Oval 49">
+            <a:extLst>
+              <a:ext uri="{FF2B5EF4-FFF2-40B4-BE49-F238E27FC236}">
+                <a16:creationId xmlns:a16="http://schemas.microsoft.com/office/drawing/2014/main" id="{09DEB202-0FE9-BE42-9EFF-B666D5372720}"/>
+              </a:ext>
+            </a:extLst>
+          </p:cNvPr>
+          <p:cNvSpPr/>
+          <p:nvPr/>
+        </p:nvSpPr>
+        <p:spPr>
+          <a:xfrm>
+            <a:off x="16952098" y="5842630"/>
+            <a:ext cx="2273631" cy="2247308"/>
+          </a:xfrm>
+          <a:prstGeom prst="ellipse">
+            <a:avLst/>
+          </a:prstGeom>
+          <a:solidFill>
+            <a:schemeClr val="bg1"/>
+          </a:solidFill>
+          <a:ln w="28575">
+            <a:solidFill>
+              <a:schemeClr val="tx1"/>
+            </a:solidFill>
+          </a:ln>
+          <a:effectLst>
+            <a:outerShdw blurRad="50800" dist="38100" dir="2700000" algn="tl" rotWithShape="0">
+              <a:prstClr val="black">
+                <a:alpha val="40000"/>
+              </a:prstClr>
+            </a:outerShdw>
+          </a:effectLst>
+        </p:spPr>
+        <p:style>
+          <a:lnRef idx="2">
+            <a:schemeClr val="accent1">
+              <a:shade val="50000"/>
+            </a:schemeClr>
+          </a:lnRef>
+          <a:fillRef idx="1">
+            <a:schemeClr val="accent1"/>
+          </a:fillRef>
+          <a:effectRef idx="0">
+            <a:schemeClr val="accent1"/>
+          </a:effectRef>
+          <a:fontRef idx="minor">
+            <a:schemeClr val="lt1"/>
+          </a:fontRef>
+        </p:style>
+        <p:txBody>
+          <a:bodyPr rtlCol="0" anchor="ctr"/>
+          <a:lstStyle/>
+          <a:p>
+            <a:pPr algn="ctr"/>
+            <a:r>
+              <a:rPr lang="en-US" dirty="0">
+                <a:solidFill>
+                  <a:schemeClr val="tx1"/>
+                </a:solidFill>
+              </a:rPr>
+              <a:t>Receiver</a:t>
+            </a:r>
+          </a:p>
+        </p:txBody>
+      </p:sp>
+      <p:sp>
+        <p:nvSpPr>
+          <p:cNvPr id="9" name="Cloud 8">
+            <a:extLst>
+              <a:ext uri="{FF2B5EF4-FFF2-40B4-BE49-F238E27FC236}">
+                <a16:creationId xmlns:a16="http://schemas.microsoft.com/office/drawing/2014/main" id="{16F3FE5B-1C22-F14F-AE67-6D96A513FC25}"/>
+              </a:ext>
+            </a:extLst>
+          </p:cNvPr>
+          <p:cNvSpPr/>
+          <p:nvPr/>
+        </p:nvSpPr>
+        <p:spPr>
+          <a:xfrm>
+            <a:off x="6665495" y="5029200"/>
+            <a:ext cx="5149516" cy="3874168"/>
+          </a:xfrm>
+          <a:prstGeom prst="cloud">
+            <a:avLst/>
+          </a:prstGeom>
+          <a:solidFill>
+            <a:srgbClr val="8FD1E9"/>
+          </a:solidFill>
+          <a:ln>
+            <a:solidFill>
+              <a:srgbClr val="00A6DA"/>
+            </a:solidFill>
+          </a:ln>
+          <a:effectLst>
+            <a:outerShdw blurRad="50800" dist="38100" dir="2700000" algn="tl" rotWithShape="0">
+              <a:prstClr val="black">
+                <a:alpha val="40000"/>
+              </a:prstClr>
+            </a:outerShdw>
+          </a:effectLst>
+        </p:spPr>
+        <p:style>
+          <a:lnRef idx="2">
+            <a:schemeClr val="accent1">
+              <a:shade val="50000"/>
+            </a:schemeClr>
+          </a:lnRef>
+          <a:fillRef idx="1">
+            <a:schemeClr val="accent1"/>
+          </a:fillRef>
+          <a:effectRef idx="0">
+            <a:schemeClr val="accent1"/>
+          </a:effectRef>
+          <a:fontRef idx="minor">
+            <a:schemeClr val="lt1"/>
+          </a:fontRef>
+        </p:style>
+        <p:txBody>
+          <a:bodyPr rtlCol="0" anchor="ctr"/>
+          <a:lstStyle/>
+          <a:p>
+            <a:pPr algn="ctr"/>
+            <a:r>
+              <a:rPr lang="en-US" dirty="0">
+                <a:solidFill>
+                  <a:schemeClr val="tx1"/>
+                </a:solidFill>
+              </a:rPr>
+              <a:t>Internet</a:t>
+            </a:r>
+          </a:p>
+        </p:txBody>
+      </p:sp>
+      <p:grpSp>
+        <p:nvGrpSpPr>
+          <p:cNvPr id="11" name="Group 10">
+            <a:extLst>
+              <a:ext uri="{FF2B5EF4-FFF2-40B4-BE49-F238E27FC236}">
+                <a16:creationId xmlns:a16="http://schemas.microsoft.com/office/drawing/2014/main" id="{C698B536-02A9-734C-8DCF-784A8A362781}"/>
+              </a:ext>
+            </a:extLst>
+          </p:cNvPr>
+          <p:cNvGrpSpPr/>
+          <p:nvPr/>
+        </p:nvGrpSpPr>
+        <p:grpSpPr>
+          <a:xfrm>
+            <a:off x="13379119" y="6304547"/>
+            <a:ext cx="1995055" cy="1323474"/>
+            <a:chOff x="12563155" y="6304547"/>
+            <a:chExt cx="1995055" cy="1323474"/>
+          </a:xfrm>
+        </p:grpSpPr>
+        <p:sp>
+          <p:nvSpPr>
+            <p:cNvPr id="58" name="Rectangle 57">
+              <a:extLst>
+                <a:ext uri="{FF2B5EF4-FFF2-40B4-BE49-F238E27FC236}">
+                  <a16:creationId xmlns:a16="http://schemas.microsoft.com/office/drawing/2014/main" id="{22061AF8-C913-574B-BE71-AABFD43BB0A3}"/>
+                </a:ext>
+              </a:extLst>
+            </p:cNvPr>
+            <p:cNvSpPr/>
+            <p:nvPr/>
+          </p:nvSpPr>
+          <p:spPr>
+            <a:xfrm>
+              <a:off x="12563155" y="6304547"/>
+              <a:ext cx="1995055" cy="1323474"/>
+            </a:xfrm>
+            <a:prstGeom prst="rect">
+              <a:avLst/>
+            </a:prstGeom>
+            <a:solidFill>
+              <a:srgbClr val="8FD1E9"/>
+            </a:solidFill>
+            <a:ln w="28575">
+              <a:solidFill>
+                <a:srgbClr val="00A6DA"/>
+              </a:solidFill>
+            </a:ln>
+            <a:effectLst>
+              <a:outerShdw blurRad="50800" dist="38100" dir="2700000" algn="tl" rotWithShape="0">
+                <a:prstClr val="black">
+                  <a:alpha val="40000"/>
+                </a:prstClr>
+              </a:outerShdw>
+            </a:effectLst>
+          </p:spPr>
+          <p:style>
+            <a:lnRef idx="2">
+              <a:schemeClr val="accent1">
+                <a:shade val="50000"/>
+              </a:schemeClr>
+            </a:lnRef>
+            <a:fillRef idx="1">
+              <a:schemeClr val="accent1"/>
+            </a:fillRef>
+            <a:effectRef idx="0">
+              <a:schemeClr val="accent1"/>
+            </a:effectRef>
+            <a:fontRef idx="minor">
+              <a:schemeClr val="lt1"/>
+            </a:fontRef>
+          </p:style>
+          <p:txBody>
+            <a:bodyPr rtlCol="0" anchor="t"/>
+            <a:lstStyle/>
+            <a:p>
+              <a:pPr algn="ctr"/>
+              <a:endParaRPr lang="en-US" dirty="0">
+                <a:solidFill>
+                  <a:schemeClr val="tx1"/>
+                </a:solidFill>
+              </a:endParaRPr>
+            </a:p>
+          </p:txBody>
+        </p:sp>
+        <p:sp>
+          <p:nvSpPr>
+            <p:cNvPr id="68" name="Rectangle 67">
+              <a:extLst>
+                <a:ext uri="{FF2B5EF4-FFF2-40B4-BE49-F238E27FC236}">
+                  <a16:creationId xmlns:a16="http://schemas.microsoft.com/office/drawing/2014/main" id="{90393AC2-D78E-BD4F-9FAA-B6FBDDF82F12}"/>
+                </a:ext>
+              </a:extLst>
+            </p:cNvPr>
+            <p:cNvSpPr/>
+            <p:nvPr/>
+          </p:nvSpPr>
+          <p:spPr>
+            <a:xfrm>
+              <a:off x="12682376" y="6665495"/>
+              <a:ext cx="1756611" cy="601579"/>
+            </a:xfrm>
+            <a:prstGeom prst="rect">
+              <a:avLst/>
+            </a:prstGeom>
+            <a:noFill/>
+            <a:ln w="38100">
+              <a:solidFill>
+                <a:schemeClr val="tx1"/>
+              </a:solidFill>
+            </a:ln>
+          </p:spPr>
+          <p:style>
+            <a:lnRef idx="2">
+              <a:schemeClr val="accent1">
+                <a:shade val="50000"/>
+              </a:schemeClr>
+            </a:lnRef>
+            <a:fillRef idx="1">
+              <a:schemeClr val="accent1"/>
+            </a:fillRef>
+            <a:effectRef idx="0">
+              <a:schemeClr val="accent1"/>
+            </a:effectRef>
+            <a:fontRef idx="minor">
+              <a:schemeClr val="lt1"/>
+            </a:fontRef>
+          </p:style>
+          <p:txBody>
+            <a:bodyPr rtlCol="0" anchor="ctr"/>
+            <a:lstStyle/>
+            <a:p>
+              <a:pPr algn="ctr"/>
+              <a:endParaRPr lang="en-US"/>
+            </a:p>
+          </p:txBody>
+        </p:sp>
+        <p:cxnSp>
+          <p:nvCxnSpPr>
+            <p:cNvPr id="70" name="Straight Connector 69">
+              <a:extLst>
+                <a:ext uri="{FF2B5EF4-FFF2-40B4-BE49-F238E27FC236}">
+                  <a16:creationId xmlns:a16="http://schemas.microsoft.com/office/drawing/2014/main" id="{F29A40D1-B0E2-3244-8741-0A16517F3C07}"/>
+                </a:ext>
+              </a:extLst>
+            </p:cNvPr>
+            <p:cNvCxnSpPr>
+              <a:cxnSpLocks/>
+            </p:cNvCxnSpPr>
+            <p:nvPr/>
+          </p:nvCxnSpPr>
+          <p:spPr>
+            <a:xfrm>
+              <a:off x="14174292" y="6665495"/>
+              <a:ext cx="0" cy="601579"/>
+            </a:xfrm>
+            <a:prstGeom prst="line">
+              <a:avLst/>
+            </a:prstGeom>
+            <a:ln w="38100">
+              <a:solidFill>
+                <a:schemeClr val="tx1"/>
+              </a:solidFill>
+            </a:ln>
+          </p:spPr>
+          <p:style>
+            <a:lnRef idx="1">
+              <a:schemeClr val="accent1"/>
+            </a:lnRef>
+            <a:fillRef idx="0">
+              <a:schemeClr val="accent1"/>
+            </a:fillRef>
+            <a:effectRef idx="0">
+              <a:schemeClr val="accent1"/>
+            </a:effectRef>
+            <a:fontRef idx="minor">
+              <a:schemeClr val="tx1"/>
+            </a:fontRef>
+          </p:style>
+        </p:cxnSp>
+        <p:cxnSp>
+          <p:nvCxnSpPr>
+            <p:cNvPr id="71" name="Straight Connector 70">
+              <a:extLst>
+                <a:ext uri="{FF2B5EF4-FFF2-40B4-BE49-F238E27FC236}">
+                  <a16:creationId xmlns:a16="http://schemas.microsoft.com/office/drawing/2014/main" id="{461A16E9-FB74-9C40-A1AA-FAFBDDDBEE62}"/>
+                </a:ext>
+              </a:extLst>
+            </p:cNvPr>
+            <p:cNvCxnSpPr>
+              <a:cxnSpLocks/>
+            </p:cNvCxnSpPr>
+            <p:nvPr/>
+          </p:nvCxnSpPr>
+          <p:spPr>
+            <a:xfrm>
+              <a:off x="13917621" y="6665495"/>
+              <a:ext cx="0" cy="601579"/>
+            </a:xfrm>
+            <a:prstGeom prst="line">
+              <a:avLst/>
+            </a:prstGeom>
+            <a:ln w="38100">
+              <a:solidFill>
+                <a:schemeClr val="tx1"/>
+              </a:solidFill>
+            </a:ln>
+          </p:spPr>
+          <p:style>
+            <a:lnRef idx="1">
+              <a:schemeClr val="accent1"/>
+            </a:lnRef>
+            <a:fillRef idx="0">
+              <a:schemeClr val="accent1"/>
+            </a:fillRef>
+            <a:effectRef idx="0">
+              <a:schemeClr val="accent1"/>
+            </a:effectRef>
+            <a:fontRef idx="minor">
+              <a:schemeClr val="tx1"/>
+            </a:fontRef>
+          </p:style>
+        </p:cxnSp>
+        <p:cxnSp>
+          <p:nvCxnSpPr>
+            <p:cNvPr id="73" name="Straight Connector 72">
+              <a:extLst>
+                <a:ext uri="{FF2B5EF4-FFF2-40B4-BE49-F238E27FC236}">
+                  <a16:creationId xmlns:a16="http://schemas.microsoft.com/office/drawing/2014/main" id="{2930CAA4-3B77-374D-958B-F0661279A217}"/>
+                </a:ext>
+              </a:extLst>
+            </p:cNvPr>
+            <p:cNvCxnSpPr>
+              <a:cxnSpLocks/>
+            </p:cNvCxnSpPr>
+            <p:nvPr/>
+          </p:nvCxnSpPr>
+          <p:spPr>
+            <a:xfrm>
+              <a:off x="13636886" y="6665495"/>
+              <a:ext cx="0" cy="601579"/>
+            </a:xfrm>
+            <a:prstGeom prst="line">
+              <a:avLst/>
+            </a:prstGeom>
+            <a:ln w="38100">
+              <a:solidFill>
+                <a:schemeClr val="tx1"/>
+              </a:solidFill>
+            </a:ln>
+          </p:spPr>
+          <p:style>
+            <a:lnRef idx="1">
+              <a:schemeClr val="accent1"/>
+            </a:lnRef>
+            <a:fillRef idx="0">
+              <a:schemeClr val="accent1"/>
+            </a:fillRef>
+            <a:effectRef idx="0">
+              <a:schemeClr val="accent1"/>
+            </a:effectRef>
+            <a:fontRef idx="minor">
+              <a:schemeClr val="tx1"/>
+            </a:fontRef>
+          </p:style>
+        </p:cxnSp>
+        <p:cxnSp>
+          <p:nvCxnSpPr>
+            <p:cNvPr id="74" name="Straight Connector 73">
+              <a:extLst>
+                <a:ext uri="{FF2B5EF4-FFF2-40B4-BE49-F238E27FC236}">
+                  <a16:creationId xmlns:a16="http://schemas.microsoft.com/office/drawing/2014/main" id="{6998B737-4C3A-D74F-A2B7-E2912DC69C5B}"/>
+                </a:ext>
+              </a:extLst>
+            </p:cNvPr>
+            <p:cNvCxnSpPr>
+              <a:cxnSpLocks/>
+            </p:cNvCxnSpPr>
+            <p:nvPr/>
+          </p:nvCxnSpPr>
+          <p:spPr>
+            <a:xfrm>
+              <a:off x="13364170" y="6665495"/>
+              <a:ext cx="0" cy="601579"/>
+            </a:xfrm>
+            <a:prstGeom prst="line">
+              <a:avLst/>
+            </a:prstGeom>
+            <a:ln w="38100">
+              <a:solidFill>
+                <a:schemeClr val="tx1"/>
+              </a:solidFill>
+            </a:ln>
+          </p:spPr>
+          <p:style>
+            <a:lnRef idx="1">
+              <a:schemeClr val="accent1"/>
+            </a:lnRef>
+            <a:fillRef idx="0">
+              <a:schemeClr val="accent1"/>
+            </a:fillRef>
+            <a:effectRef idx="0">
+              <a:schemeClr val="accent1"/>
+            </a:effectRef>
+            <a:fontRef idx="minor">
+              <a:schemeClr val="tx1"/>
+            </a:fontRef>
+          </p:style>
+        </p:cxnSp>
+        <p:cxnSp>
+          <p:nvCxnSpPr>
+            <p:cNvPr id="76" name="Straight Connector 75">
+              <a:extLst>
+                <a:ext uri="{FF2B5EF4-FFF2-40B4-BE49-F238E27FC236}">
+                  <a16:creationId xmlns:a16="http://schemas.microsoft.com/office/drawing/2014/main" id="{9660C7EF-60B8-6247-9DB5-DD3B19792502}"/>
+                </a:ext>
+              </a:extLst>
+            </p:cNvPr>
+            <p:cNvCxnSpPr>
+              <a:cxnSpLocks/>
+            </p:cNvCxnSpPr>
+            <p:nvPr/>
+          </p:nvCxnSpPr>
+          <p:spPr>
+            <a:xfrm>
+              <a:off x="13059373" y="6665495"/>
+              <a:ext cx="0" cy="601579"/>
+            </a:xfrm>
+            <a:prstGeom prst="line">
+              <a:avLst/>
+            </a:prstGeom>
+            <a:ln w="38100">
+              <a:solidFill>
+                <a:schemeClr val="tx1"/>
+              </a:solidFill>
+            </a:ln>
+          </p:spPr>
+          <p:style>
+            <a:lnRef idx="1">
+              <a:schemeClr val="accent1"/>
+            </a:lnRef>
+            <a:fillRef idx="0">
+              <a:schemeClr val="accent1"/>
+            </a:fillRef>
+            <a:effectRef idx="0">
+              <a:schemeClr val="accent1"/>
+            </a:effectRef>
+            <a:fontRef idx="minor">
+              <a:schemeClr val="tx1"/>
+            </a:fontRef>
+          </p:style>
+        </p:cxnSp>
+        <p:cxnSp>
+          <p:nvCxnSpPr>
+            <p:cNvPr id="77" name="Straight Connector 76">
+              <a:extLst>
+                <a:ext uri="{FF2B5EF4-FFF2-40B4-BE49-F238E27FC236}">
+                  <a16:creationId xmlns:a16="http://schemas.microsoft.com/office/drawing/2014/main" id="{E4C17DDB-6E5E-9146-B49D-CC283AA25059}"/>
+                </a:ext>
+              </a:extLst>
+            </p:cNvPr>
+            <p:cNvCxnSpPr>
+              <a:cxnSpLocks/>
+            </p:cNvCxnSpPr>
+            <p:nvPr/>
+          </p:nvCxnSpPr>
+          <p:spPr>
+            <a:xfrm>
+              <a:off x="12682386" y="6622126"/>
+              <a:ext cx="0" cy="688316"/>
+            </a:xfrm>
+            <a:prstGeom prst="line">
+              <a:avLst/>
+            </a:prstGeom>
+            <a:ln w="63500" cap="flat">
+              <a:solidFill>
+                <a:srgbClr val="8FD1E9"/>
+              </a:solidFill>
+            </a:ln>
+          </p:spPr>
+          <p:style>
+            <a:lnRef idx="1">
+              <a:schemeClr val="accent1"/>
+            </a:lnRef>
+            <a:fillRef idx="0">
+              <a:schemeClr val="accent1"/>
+            </a:fillRef>
+            <a:effectRef idx="0">
+              <a:schemeClr val="accent1"/>
+            </a:effectRef>
+            <a:fontRef idx="minor">
+              <a:schemeClr val="tx1"/>
+            </a:fontRef>
+          </p:style>
+        </p:cxnSp>
+      </p:grpSp>
+      <p:cxnSp>
+        <p:nvCxnSpPr>
+          <p:cNvPr id="83" name="Straight Arrow Connector 82">
+            <a:extLst>
+              <a:ext uri="{FF2B5EF4-FFF2-40B4-BE49-F238E27FC236}">
+                <a16:creationId xmlns:a16="http://schemas.microsoft.com/office/drawing/2014/main" id="{659BA206-EB3A-B240-BDE8-7008E74F08F3}"/>
+              </a:ext>
+            </a:extLst>
+          </p:cNvPr>
+          <p:cNvCxnSpPr>
+            <a:cxnSpLocks/>
+            <a:stCxn id="28" idx="6"/>
+            <a:endCxn id="9" idx="2"/>
+          </p:cNvCxnSpPr>
+          <p:nvPr/>
+        </p:nvCxnSpPr>
+        <p:spPr>
+          <a:xfrm>
+            <a:off x="5101387" y="6966284"/>
+            <a:ext cx="1580081" cy="0"/>
+          </a:xfrm>
+          <a:prstGeom prst="straightConnector1">
+            <a:avLst/>
+          </a:prstGeom>
+          <a:ln w="38100">
+            <a:solidFill>
+              <a:srgbClr val="00A6DA"/>
+            </a:solidFill>
+            <a:tailEnd type="triangle" w="med" len="lg"/>
+          </a:ln>
+        </p:spPr>
+        <p:style>
+          <a:lnRef idx="1">
+            <a:schemeClr val="accent1"/>
+          </a:lnRef>
+          <a:fillRef idx="0">
+            <a:schemeClr val="accent1"/>
+          </a:fillRef>
+          <a:effectRef idx="0">
+            <a:schemeClr val="accent1"/>
+          </a:effectRef>
+          <a:fontRef idx="minor">
+            <a:schemeClr val="tx1"/>
+          </a:fontRef>
+        </p:style>
+      </p:cxnSp>
+      <p:cxnSp>
+        <p:nvCxnSpPr>
+          <p:cNvPr id="84" name="Straight Arrow Connector 83">
+            <a:extLst>
+              <a:ext uri="{FF2B5EF4-FFF2-40B4-BE49-F238E27FC236}">
+                <a16:creationId xmlns:a16="http://schemas.microsoft.com/office/drawing/2014/main" id="{F743B1FA-6659-9647-BD74-8B5779EB6C42}"/>
+              </a:ext>
+            </a:extLst>
+          </p:cNvPr>
+          <p:cNvCxnSpPr>
+            <a:cxnSpLocks/>
+            <a:stCxn id="9" idx="0"/>
+            <a:endCxn id="58" idx="1"/>
+          </p:cNvCxnSpPr>
+          <p:nvPr/>
+        </p:nvCxnSpPr>
+        <p:spPr>
+          <a:xfrm>
+            <a:off x="11810720" y="6966284"/>
+            <a:ext cx="1568399" cy="0"/>
+          </a:xfrm>
+          <a:prstGeom prst="straightConnector1">
+            <a:avLst/>
+          </a:prstGeom>
+          <a:ln w="38100">
+            <a:solidFill>
+              <a:srgbClr val="00A6DA"/>
+            </a:solidFill>
+            <a:tailEnd type="triangle" w="med" len="lg"/>
+          </a:ln>
+        </p:spPr>
+        <p:style>
+          <a:lnRef idx="1">
+            <a:schemeClr val="accent1"/>
+          </a:lnRef>
+          <a:fillRef idx="0">
+            <a:schemeClr val="accent1"/>
+          </a:fillRef>
+          <a:effectRef idx="0">
+            <a:schemeClr val="accent1"/>
+          </a:effectRef>
+          <a:fontRef idx="minor">
+            <a:schemeClr val="tx1"/>
+          </a:fontRef>
+        </p:style>
+      </p:cxnSp>
+      <p:cxnSp>
+        <p:nvCxnSpPr>
+          <p:cNvPr id="85" name="Straight Arrow Connector 84">
+            <a:extLst>
+              <a:ext uri="{FF2B5EF4-FFF2-40B4-BE49-F238E27FC236}">
+                <a16:creationId xmlns:a16="http://schemas.microsoft.com/office/drawing/2014/main" id="{CAED15F6-1CB0-E748-A078-895AEE99460C}"/>
+              </a:ext>
+            </a:extLst>
+          </p:cNvPr>
+          <p:cNvCxnSpPr>
+            <a:cxnSpLocks/>
+            <a:endCxn id="50" idx="2"/>
+          </p:cNvCxnSpPr>
+          <p:nvPr/>
+        </p:nvCxnSpPr>
+        <p:spPr>
+          <a:xfrm flipV="1">
+            <a:off x="15374174" y="6966284"/>
+            <a:ext cx="1577924" cy="14498"/>
+          </a:xfrm>
+          <a:prstGeom prst="straightConnector1">
+            <a:avLst/>
+          </a:prstGeom>
+          <a:ln w="38100">
+            <a:solidFill>
+              <a:srgbClr val="00A6DA"/>
+            </a:solidFill>
+            <a:prstDash val="solid"/>
+            <a:tailEnd type="triangle" w="med" len="lg"/>
+          </a:ln>
+        </p:spPr>
+        <p:style>
+          <a:lnRef idx="1">
+            <a:schemeClr val="accent1"/>
+          </a:lnRef>
+          <a:fillRef idx="0">
+            <a:schemeClr val="accent1"/>
+          </a:fillRef>
+          <a:effectRef idx="0">
+            <a:schemeClr val="accent1"/>
+          </a:effectRef>
+          <a:fontRef idx="minor">
+            <a:schemeClr val="tx1"/>
+          </a:fontRef>
+        </p:style>
+      </p:cxnSp>
+      <p:sp>
+        <p:nvSpPr>
+          <p:cNvPr id="29" name="TextBox 28">
+            <a:extLst>
+              <a:ext uri="{FF2B5EF4-FFF2-40B4-BE49-F238E27FC236}">
+                <a16:creationId xmlns:a16="http://schemas.microsoft.com/office/drawing/2014/main" id="{B03D3838-9E35-0F48-95D0-3A37068FCD76}"/>
+              </a:ext>
+            </a:extLst>
+          </p:cNvPr>
+          <p:cNvSpPr txBox="1"/>
+          <p:nvPr/>
+        </p:nvSpPr>
+        <p:spPr>
+          <a:xfrm>
+            <a:off x="13246263" y="7633798"/>
+            <a:ext cx="2422458" cy="584775"/>
+          </a:xfrm>
+          <a:prstGeom prst="rect">
+            <a:avLst/>
+          </a:prstGeom>
+          <a:noFill/>
+        </p:spPr>
+        <p:txBody>
+          <a:bodyPr wrap="none" rtlCol="0">
+            <a:spAutoFit/>
+          </a:bodyPr>
+          <a:lstStyle/>
+          <a:p>
+            <a:r>
+              <a:rPr lang="en-US" dirty="0">
+                <a:solidFill>
+                  <a:schemeClr val="tx1"/>
+                </a:solidFill>
+                <a:latin typeface="Calibri" panose="020F0502020204030204" pitchFamily="34" charset="0"/>
+                <a:cs typeface="Calibri" panose="020F0502020204030204" pitchFamily="34" charset="0"/>
+              </a:rPr>
+              <a:t>Home Router</a:t>
+            </a:r>
+          </a:p>
+        </p:txBody>
+      </p:sp>
+    </p:spTree>
+    <p:extLst>
+      <p:ext uri="{BB962C8B-B14F-4D97-AF65-F5344CB8AC3E}">
+        <p14:creationId xmlns:p14="http://schemas.microsoft.com/office/powerpoint/2010/main" val="3523281770"/>
       </p:ext>
     </p:extLst>
   </p:cSld>

--- a/figures/Figure-sources.pptx
+++ b/figures/Figure-sources.pptx
@@ -747,7 +747,7 @@
           <a:p>
             <a:fld id="{9AD5F5E7-BF49-4F47-A424-503B82E4E0B0}" type="datetimeFigureOut">
               <a:rPr lang="en-AU" smtClean="0"/>
-              <a:t>14/2/22</a:t>
+              <a:t>16/2/2022</a:t>
             </a:fld>
             <a:endParaRPr lang="en-AU"/>
           </a:p>
@@ -947,7 +947,7 @@
           <a:p>
             <a:fld id="{9AD5F5E7-BF49-4F47-A424-503B82E4E0B0}" type="datetimeFigureOut">
               <a:rPr lang="en-AU" smtClean="0"/>
-              <a:t>14/2/22</a:t>
+              <a:t>16/2/2022</a:t>
             </a:fld>
             <a:endParaRPr lang="en-AU"/>
           </a:p>
@@ -1157,7 +1157,7 @@
           <a:p>
             <a:fld id="{9AD5F5E7-BF49-4F47-A424-503B82E4E0B0}" type="datetimeFigureOut">
               <a:rPr lang="en-AU" smtClean="0"/>
-              <a:t>14/2/22</a:t>
+              <a:t>16/2/2022</a:t>
             </a:fld>
             <a:endParaRPr lang="en-AU"/>
           </a:p>
@@ -1357,7 +1357,7 @@
           <a:p>
             <a:fld id="{9AD5F5E7-BF49-4F47-A424-503B82E4E0B0}" type="datetimeFigureOut">
               <a:rPr lang="en-AU" smtClean="0"/>
-              <a:t>14/2/22</a:t>
+              <a:t>16/2/2022</a:t>
             </a:fld>
             <a:endParaRPr lang="en-AU"/>
           </a:p>
@@ -1633,7 +1633,7 @@
           <a:p>
             <a:fld id="{9AD5F5E7-BF49-4F47-A424-503B82E4E0B0}" type="datetimeFigureOut">
               <a:rPr lang="en-AU" smtClean="0"/>
-              <a:t>14/2/22</a:t>
+              <a:t>16/2/2022</a:t>
             </a:fld>
             <a:endParaRPr lang="en-AU"/>
           </a:p>
@@ -1901,7 +1901,7 @@
           <a:p>
             <a:fld id="{9AD5F5E7-BF49-4F47-A424-503B82E4E0B0}" type="datetimeFigureOut">
               <a:rPr lang="en-AU" smtClean="0"/>
-              <a:t>14/2/22</a:t>
+              <a:t>16/2/2022</a:t>
             </a:fld>
             <a:endParaRPr lang="en-AU"/>
           </a:p>
@@ -2316,7 +2316,7 @@
           <a:p>
             <a:fld id="{9AD5F5E7-BF49-4F47-A424-503B82E4E0B0}" type="datetimeFigureOut">
               <a:rPr lang="en-AU" smtClean="0"/>
-              <a:t>14/2/22</a:t>
+              <a:t>16/2/2022</a:t>
             </a:fld>
             <a:endParaRPr lang="en-AU"/>
           </a:p>
@@ -2458,7 +2458,7 @@
           <a:p>
             <a:fld id="{9AD5F5E7-BF49-4F47-A424-503B82E4E0B0}" type="datetimeFigureOut">
               <a:rPr lang="en-AU" smtClean="0"/>
-              <a:t>14/2/22</a:t>
+              <a:t>16/2/2022</a:t>
             </a:fld>
             <a:endParaRPr lang="en-AU"/>
           </a:p>
@@ -2571,7 +2571,7 @@
           <a:p>
             <a:fld id="{9AD5F5E7-BF49-4F47-A424-503B82E4E0B0}" type="datetimeFigureOut">
               <a:rPr lang="en-AU" smtClean="0"/>
-              <a:t>14/2/22</a:t>
+              <a:t>16/2/2022</a:t>
             </a:fld>
             <a:endParaRPr lang="en-AU"/>
           </a:p>
@@ -2884,7 +2884,7 @@
           <a:p>
             <a:fld id="{9AD5F5E7-BF49-4F47-A424-503B82E4E0B0}" type="datetimeFigureOut">
               <a:rPr lang="en-AU" smtClean="0"/>
-              <a:t>14/2/22</a:t>
+              <a:t>16/2/2022</a:t>
             </a:fld>
             <a:endParaRPr lang="en-AU"/>
           </a:p>
@@ -3173,7 +3173,7 @@
           <a:p>
             <a:fld id="{9AD5F5E7-BF49-4F47-A424-503B82E4E0B0}" type="datetimeFigureOut">
               <a:rPr lang="en-AU" smtClean="0"/>
-              <a:t>14/2/22</a:t>
+              <a:t>16/2/2022</a:t>
             </a:fld>
             <a:endParaRPr lang="en-AU"/>
           </a:p>
@@ -3416,7 +3416,7 @@
           <a:p>
             <a:fld id="{9AD5F5E7-BF49-4F47-A424-503B82E4E0B0}" type="datetimeFigureOut">
               <a:rPr lang="en-AU" smtClean="0"/>
-              <a:t>14/2/22</a:t>
+              <a:t>16/2/2022</a:t>
             </a:fld>
             <a:endParaRPr lang="en-AU"/>
           </a:p>
@@ -8883,7 +8883,7 @@
         </p:nvCxnSpPr>
         <p:spPr>
           <a:xfrm flipH="1">
-            <a:off x="4702629" y="5472854"/>
+            <a:off x="4702629" y="3927110"/>
             <a:ext cx="20270" cy="2495492"/>
           </a:xfrm>
           <a:prstGeom prst="line">
@@ -8928,7 +8928,7 @@
         </p:nvCxnSpPr>
         <p:spPr>
           <a:xfrm flipH="1">
-            <a:off x="4702629" y="7960006"/>
+            <a:off x="4702629" y="6414262"/>
             <a:ext cx="7980438" cy="8340"/>
           </a:xfrm>
           <a:prstGeom prst="line">
@@ -8971,8 +8971,8 @@
         </p:nvSpPr>
         <p:spPr>
           <a:xfrm>
-            <a:off x="8119328" y="8240376"/>
-            <a:ext cx="649537" cy="369332"/>
+            <a:off x="8041583" y="6564006"/>
+            <a:ext cx="805029" cy="461665"/>
           </a:xfrm>
           <a:prstGeom prst="rect">
             <a:avLst/>
@@ -8986,7 +8986,7 @@
           <a:lstStyle/>
           <a:p>
             <a:r>
-              <a:rPr lang="en-AU" sz="1800" dirty="0">
+              <a:rPr lang="en-AU" sz="2400" dirty="0">
                 <a:latin typeface="+mn-lt"/>
                 <a:cs typeface="Microsoft Sans Serif" panose="020B0604020202020204" pitchFamily="34" charset="0"/>
               </a:rPr>
@@ -9009,8 +9009,8 @@
         </p:nvSpPr>
         <p:spPr>
           <a:xfrm rot="16200000">
-            <a:off x="3229876" y="6285887"/>
-            <a:ext cx="1510349" cy="369332"/>
+            <a:off x="3011868" y="4693977"/>
+            <a:ext cx="1946367" cy="461665"/>
           </a:xfrm>
           <a:prstGeom prst="rect">
             <a:avLst/>
@@ -9024,7 +9024,7 @@
           <a:lstStyle/>
           <a:p>
             <a:r>
-              <a:rPr lang="en-AU" sz="1800" dirty="0">
+              <a:rPr lang="en-AU" sz="2400" dirty="0">
                 <a:latin typeface="Calibri" panose="020F0502020204030204" pitchFamily="34" charset="0"/>
                 <a:cs typeface="Calibri" panose="020F0502020204030204" pitchFamily="34" charset="0"/>
               </a:rPr>
@@ -9047,7 +9047,7 @@
         </p:nvGrpSpPr>
         <p:grpSpPr>
           <a:xfrm>
-            <a:off x="4861034" y="7678857"/>
+            <a:off x="4861034" y="6133113"/>
             <a:ext cx="110362" cy="278526"/>
             <a:chOff x="4861034" y="8776136"/>
             <a:chExt cx="110362" cy="278526"/>
@@ -9130,7 +9130,7 @@
             <a:lstStyle/>
             <a:p>
               <a:pPr algn="ctr"/>
-              <a:endParaRPr lang="en-AU"/>
+              <a:endParaRPr lang="en-AU" sz="2000"/>
             </a:p>
           </p:txBody>
         </p:sp>
@@ -9211,7 +9211,7 @@
             <a:lstStyle/>
             <a:p>
               <a:pPr algn="ctr"/>
-              <a:endParaRPr lang="en-AU"/>
+              <a:endParaRPr lang="en-AU" sz="2000"/>
             </a:p>
           </p:txBody>
         </p:sp>
@@ -9230,7 +9230,7 @@
         </p:nvGrpSpPr>
         <p:grpSpPr>
           <a:xfrm>
-            <a:off x="4976649" y="7405589"/>
+            <a:off x="4976649" y="5859845"/>
             <a:ext cx="110362" cy="278526"/>
             <a:chOff x="4861034" y="8776136"/>
             <a:chExt cx="110362" cy="278526"/>
@@ -9313,7 +9313,7 @@
             <a:lstStyle/>
             <a:p>
               <a:pPr algn="ctr"/>
-              <a:endParaRPr lang="en-AU"/>
+              <a:endParaRPr lang="en-AU" sz="2000"/>
             </a:p>
           </p:txBody>
         </p:sp>
@@ -9394,7 +9394,7 @@
             <a:lstStyle/>
             <a:p>
               <a:pPr algn="ctr"/>
-              <a:endParaRPr lang="en-AU"/>
+              <a:endParaRPr lang="en-AU" sz="2000"/>
             </a:p>
           </p:txBody>
         </p:sp>
@@ -9413,7 +9413,7 @@
         </p:nvGrpSpPr>
         <p:grpSpPr>
           <a:xfrm>
-            <a:off x="5081749" y="6859056"/>
+            <a:off x="5081749" y="5313312"/>
             <a:ext cx="225977" cy="551794"/>
             <a:chOff x="4861034" y="8502868"/>
             <a:chExt cx="225977" cy="551794"/>
@@ -9516,7 +9516,7 @@
               <a:lstStyle/>
               <a:p>
                 <a:pPr algn="ctr"/>
-                <a:endParaRPr lang="en-AU"/>
+                <a:endParaRPr lang="en-AU" sz="2000"/>
               </a:p>
             </p:txBody>
           </p:sp>
@@ -9597,7 +9597,7 @@
               <a:lstStyle/>
               <a:p>
                 <a:pPr algn="ctr"/>
-                <a:endParaRPr lang="en-AU"/>
+                <a:endParaRPr lang="en-AU" sz="2000"/>
               </a:p>
             </p:txBody>
           </p:sp>
@@ -9699,7 +9699,7 @@
               <a:lstStyle/>
               <a:p>
                 <a:pPr algn="ctr"/>
-                <a:endParaRPr lang="en-AU"/>
+                <a:endParaRPr lang="en-AU" sz="2000"/>
               </a:p>
             </p:txBody>
           </p:sp>
@@ -9780,7 +9780,7 @@
               <a:lstStyle/>
               <a:p>
                 <a:pPr algn="ctr"/>
-                <a:endParaRPr lang="en-AU"/>
+                <a:endParaRPr lang="en-AU" sz="2000"/>
               </a:p>
             </p:txBody>
           </p:sp>
@@ -9800,7 +9800,7 @@
         </p:nvGrpSpPr>
         <p:grpSpPr>
           <a:xfrm>
-            <a:off x="5302464" y="6312521"/>
+            <a:off x="5302464" y="4766777"/>
             <a:ext cx="225977" cy="551794"/>
             <a:chOff x="4861034" y="8502868"/>
             <a:chExt cx="225977" cy="551794"/>
@@ -9903,7 +9903,7 @@
               <a:lstStyle/>
               <a:p>
                 <a:pPr algn="ctr"/>
-                <a:endParaRPr lang="en-AU"/>
+                <a:endParaRPr lang="en-AU" sz="2000"/>
               </a:p>
             </p:txBody>
           </p:sp>
@@ -9984,7 +9984,7 @@
               <a:lstStyle/>
               <a:p>
                 <a:pPr algn="ctr"/>
-                <a:endParaRPr lang="en-AU"/>
+                <a:endParaRPr lang="en-AU" sz="2000"/>
               </a:p>
             </p:txBody>
           </p:sp>
@@ -10086,7 +10086,7 @@
               <a:lstStyle/>
               <a:p>
                 <a:pPr algn="ctr"/>
-                <a:endParaRPr lang="en-AU"/>
+                <a:endParaRPr lang="en-AU" sz="2000"/>
               </a:p>
             </p:txBody>
           </p:sp>
@@ -10167,7 +10167,7 @@
               <a:lstStyle/>
               <a:p>
                 <a:pPr algn="ctr"/>
-                <a:endParaRPr lang="en-AU"/>
+                <a:endParaRPr lang="en-AU" sz="2000"/>
               </a:p>
             </p:txBody>
           </p:sp>
@@ -10187,7 +10187,7 @@
         </p:nvGrpSpPr>
         <p:grpSpPr>
           <a:xfrm>
-            <a:off x="5523179" y="5765986"/>
+            <a:off x="5523179" y="4220242"/>
             <a:ext cx="225977" cy="551794"/>
             <a:chOff x="4861034" y="8502868"/>
             <a:chExt cx="225977" cy="551794"/>
@@ -10290,7 +10290,7 @@
               <a:lstStyle/>
               <a:p>
                 <a:pPr algn="ctr"/>
-                <a:endParaRPr lang="en-AU"/>
+                <a:endParaRPr lang="en-AU" sz="2000"/>
               </a:p>
             </p:txBody>
           </p:sp>
@@ -10371,7 +10371,7 @@
               <a:lstStyle/>
               <a:p>
                 <a:pPr algn="ctr"/>
-                <a:endParaRPr lang="en-AU"/>
+                <a:endParaRPr lang="en-AU" sz="2000"/>
               </a:p>
             </p:txBody>
           </p:sp>
@@ -10473,7 +10473,7 @@
               <a:lstStyle/>
               <a:p>
                 <a:pPr algn="ctr"/>
-                <a:endParaRPr lang="en-AU"/>
+                <a:endParaRPr lang="en-AU" sz="2000"/>
               </a:p>
             </p:txBody>
           </p:sp>
@@ -10554,7 +10554,7 @@
               <a:lstStyle/>
               <a:p>
                 <a:pPr algn="ctr"/>
-                <a:endParaRPr lang="en-AU"/>
+                <a:endParaRPr lang="en-AU" sz="2000"/>
               </a:p>
             </p:txBody>
           </p:sp>
@@ -10574,7 +10574,7 @@
         </p:nvGrpSpPr>
         <p:grpSpPr>
           <a:xfrm>
-            <a:off x="5746823" y="5765977"/>
+            <a:off x="5746823" y="4220233"/>
             <a:ext cx="590625" cy="551795"/>
             <a:chOff x="5746823" y="6863256"/>
             <a:chExt cx="590625" cy="551795"/>
@@ -10677,7 +10677,7 @@
               <a:lstStyle/>
               <a:p>
                 <a:pPr algn="ctr"/>
-                <a:endParaRPr lang="en-AU"/>
+                <a:endParaRPr lang="en-AU" sz="2000"/>
               </a:p>
             </p:txBody>
           </p:sp>
@@ -10758,7 +10758,7 @@
               <a:lstStyle/>
               <a:p>
                 <a:pPr algn="ctr"/>
-                <a:endParaRPr lang="en-AU"/>
+                <a:endParaRPr lang="en-AU" sz="2000"/>
               </a:p>
             </p:txBody>
           </p:sp>
@@ -10860,7 +10860,7 @@
               <a:lstStyle/>
               <a:p>
                 <a:pPr algn="ctr"/>
-                <a:endParaRPr lang="en-AU"/>
+                <a:endParaRPr lang="en-AU" sz="2000"/>
               </a:p>
             </p:txBody>
           </p:sp>
@@ -10941,7 +10941,7 @@
               <a:lstStyle/>
               <a:p>
                 <a:pPr algn="ctr"/>
-                <a:endParaRPr lang="en-AU"/>
+                <a:endParaRPr lang="en-AU" sz="2000"/>
               </a:p>
             </p:txBody>
           </p:sp>
@@ -10961,7 +10961,7 @@
         </p:nvGrpSpPr>
         <p:grpSpPr>
           <a:xfrm>
-            <a:off x="8926038" y="7689825"/>
+            <a:off x="8926038" y="6144081"/>
             <a:ext cx="110362" cy="278526"/>
             <a:chOff x="4861034" y="8776136"/>
             <a:chExt cx="110362" cy="278526"/>
@@ -11044,7 +11044,7 @@
             <a:lstStyle/>
             <a:p>
               <a:pPr algn="ctr"/>
-              <a:endParaRPr lang="en-AU"/>
+              <a:endParaRPr lang="en-AU" sz="2000"/>
             </a:p>
           </p:txBody>
         </p:sp>
@@ -11125,7 +11125,7 @@
             <a:lstStyle/>
             <a:p>
               <a:pPr algn="ctr"/>
-              <a:endParaRPr lang="en-AU"/>
+              <a:endParaRPr lang="en-AU" sz="2000"/>
             </a:p>
           </p:txBody>
         </p:sp>
@@ -11144,7 +11144,7 @@
         </p:nvGrpSpPr>
         <p:grpSpPr>
           <a:xfrm>
-            <a:off x="9041653" y="7416557"/>
+            <a:off x="9041653" y="5870813"/>
             <a:ext cx="110362" cy="278526"/>
             <a:chOff x="4861034" y="8776136"/>
             <a:chExt cx="110362" cy="278526"/>
@@ -11227,7 +11227,7 @@
             <a:lstStyle/>
             <a:p>
               <a:pPr algn="ctr"/>
-              <a:endParaRPr lang="en-AU"/>
+              <a:endParaRPr lang="en-AU" sz="2000"/>
             </a:p>
           </p:txBody>
         </p:sp>
@@ -11308,7 +11308,7 @@
             <a:lstStyle/>
             <a:p>
               <a:pPr algn="ctr"/>
-              <a:endParaRPr lang="en-AU"/>
+              <a:endParaRPr lang="en-AU" sz="2000"/>
             </a:p>
           </p:txBody>
         </p:sp>
@@ -11327,7 +11327,7 @@
         </p:nvGrpSpPr>
         <p:grpSpPr>
           <a:xfrm>
-            <a:off x="9146753" y="6870024"/>
+            <a:off x="9146753" y="5324280"/>
             <a:ext cx="225977" cy="551794"/>
             <a:chOff x="4861034" y="8502868"/>
             <a:chExt cx="225977" cy="551794"/>
@@ -11430,7 +11430,7 @@
               <a:lstStyle/>
               <a:p>
                 <a:pPr algn="ctr"/>
-                <a:endParaRPr lang="en-AU"/>
+                <a:endParaRPr lang="en-AU" sz="2000"/>
               </a:p>
             </p:txBody>
           </p:sp>
@@ -11511,7 +11511,7 @@
               <a:lstStyle/>
               <a:p>
                 <a:pPr algn="ctr"/>
-                <a:endParaRPr lang="en-AU"/>
+                <a:endParaRPr lang="en-AU" sz="2000"/>
               </a:p>
             </p:txBody>
           </p:sp>
@@ -11613,7 +11613,7 @@
               <a:lstStyle/>
               <a:p>
                 <a:pPr algn="ctr"/>
-                <a:endParaRPr lang="en-AU"/>
+                <a:endParaRPr lang="en-AU" sz="2000"/>
               </a:p>
             </p:txBody>
           </p:sp>
@@ -11694,7 +11694,7 @@
               <a:lstStyle/>
               <a:p>
                 <a:pPr algn="ctr"/>
-                <a:endParaRPr lang="en-AU"/>
+                <a:endParaRPr lang="en-AU" sz="2000"/>
               </a:p>
             </p:txBody>
           </p:sp>
@@ -11714,7 +11714,7 @@
         </p:nvGrpSpPr>
         <p:grpSpPr>
           <a:xfrm>
-            <a:off x="9367468" y="6323489"/>
+            <a:off x="9367468" y="4777745"/>
             <a:ext cx="225977" cy="551794"/>
             <a:chOff x="4861034" y="8502868"/>
             <a:chExt cx="225977" cy="551794"/>
@@ -11817,7 +11817,7 @@
               <a:lstStyle/>
               <a:p>
                 <a:pPr algn="ctr"/>
-                <a:endParaRPr lang="en-AU"/>
+                <a:endParaRPr lang="en-AU" sz="2000"/>
               </a:p>
             </p:txBody>
           </p:sp>
@@ -11898,7 +11898,7 @@
               <a:lstStyle/>
               <a:p>
                 <a:pPr algn="ctr"/>
-                <a:endParaRPr lang="en-AU"/>
+                <a:endParaRPr lang="en-AU" sz="2000"/>
               </a:p>
             </p:txBody>
           </p:sp>
@@ -12000,7 +12000,7 @@
               <a:lstStyle/>
               <a:p>
                 <a:pPr algn="ctr"/>
-                <a:endParaRPr lang="en-AU"/>
+                <a:endParaRPr lang="en-AU" sz="2000"/>
               </a:p>
             </p:txBody>
           </p:sp>
@@ -12081,7 +12081,7 @@
               <a:lstStyle/>
               <a:p>
                 <a:pPr algn="ctr"/>
-                <a:endParaRPr lang="en-AU"/>
+                <a:endParaRPr lang="en-AU" sz="2000"/>
               </a:p>
             </p:txBody>
           </p:sp>
@@ -12101,7 +12101,7 @@
         </p:nvGrpSpPr>
         <p:grpSpPr>
           <a:xfrm>
-            <a:off x="9588183" y="5776954"/>
+            <a:off x="9588183" y="4231210"/>
             <a:ext cx="225977" cy="551794"/>
             <a:chOff x="4861034" y="8502868"/>
             <a:chExt cx="225977" cy="551794"/>
@@ -12204,7 +12204,7 @@
               <a:lstStyle/>
               <a:p>
                 <a:pPr algn="ctr"/>
-                <a:endParaRPr lang="en-AU"/>
+                <a:endParaRPr lang="en-AU" sz="2000"/>
               </a:p>
             </p:txBody>
           </p:sp>
@@ -12285,7 +12285,7 @@
               <a:lstStyle/>
               <a:p>
                 <a:pPr algn="ctr"/>
-                <a:endParaRPr lang="en-AU"/>
+                <a:endParaRPr lang="en-AU" sz="2000"/>
               </a:p>
             </p:txBody>
           </p:sp>
@@ -12387,7 +12387,7 @@
               <a:lstStyle/>
               <a:p>
                 <a:pPr algn="ctr"/>
-                <a:endParaRPr lang="en-AU"/>
+                <a:endParaRPr lang="en-AU" sz="2000"/>
               </a:p>
             </p:txBody>
           </p:sp>
@@ -12468,7 +12468,7 @@
               <a:lstStyle/>
               <a:p>
                 <a:pPr algn="ctr"/>
-                <a:endParaRPr lang="en-AU"/>
+                <a:endParaRPr lang="en-AU" sz="2000"/>
               </a:p>
             </p:txBody>
           </p:sp>
@@ -12488,7 +12488,7 @@
         </p:nvGrpSpPr>
         <p:grpSpPr>
           <a:xfrm>
-            <a:off x="6329444" y="6310657"/>
+            <a:off x="6329444" y="4764913"/>
             <a:ext cx="590625" cy="551795"/>
             <a:chOff x="5746823" y="6863256"/>
             <a:chExt cx="590625" cy="551795"/>
@@ -12591,7 +12591,7 @@
               <a:lstStyle/>
               <a:p>
                 <a:pPr algn="ctr"/>
-                <a:endParaRPr lang="en-AU"/>
+                <a:endParaRPr lang="en-AU" sz="2000"/>
               </a:p>
             </p:txBody>
           </p:sp>
@@ -12672,7 +12672,7 @@
               <a:lstStyle/>
               <a:p>
                 <a:pPr algn="ctr"/>
-                <a:endParaRPr lang="en-AU"/>
+                <a:endParaRPr lang="en-AU" sz="2000"/>
               </a:p>
             </p:txBody>
           </p:sp>
@@ -12774,7 +12774,7 @@
               <a:lstStyle/>
               <a:p>
                 <a:pPr algn="ctr"/>
-                <a:endParaRPr lang="en-AU"/>
+                <a:endParaRPr lang="en-AU" sz="2000"/>
               </a:p>
             </p:txBody>
           </p:sp>
@@ -12855,7 +12855,7 @@
               <a:lstStyle/>
               <a:p>
                 <a:pPr algn="ctr"/>
-                <a:endParaRPr lang="en-AU"/>
+                <a:endParaRPr lang="en-AU" sz="2000"/>
               </a:p>
             </p:txBody>
           </p:sp>
@@ -12875,7 +12875,7 @@
         </p:nvGrpSpPr>
         <p:grpSpPr>
           <a:xfrm>
-            <a:off x="6915894" y="6862383"/>
+            <a:off x="6915894" y="5316639"/>
             <a:ext cx="590625" cy="551795"/>
             <a:chOff x="5746823" y="6863256"/>
             <a:chExt cx="590625" cy="551795"/>
@@ -12978,7 +12978,7 @@
               <a:lstStyle/>
               <a:p>
                 <a:pPr algn="ctr"/>
-                <a:endParaRPr lang="en-AU"/>
+                <a:endParaRPr lang="en-AU" sz="2000"/>
               </a:p>
             </p:txBody>
           </p:sp>
@@ -13059,7 +13059,7 @@
               <a:lstStyle/>
               <a:p>
                 <a:pPr algn="ctr"/>
-                <a:endParaRPr lang="en-AU"/>
+                <a:endParaRPr lang="en-AU" sz="2000"/>
               </a:p>
             </p:txBody>
           </p:sp>
@@ -13161,7 +13161,7 @@
               <a:lstStyle/>
               <a:p>
                 <a:pPr algn="ctr"/>
-                <a:endParaRPr lang="en-AU"/>
+                <a:endParaRPr lang="en-AU" sz="2000"/>
               </a:p>
             </p:txBody>
           </p:sp>
@@ -13242,7 +13242,7 @@
               <a:lstStyle/>
               <a:p>
                 <a:pPr algn="ctr"/>
-                <a:endParaRPr lang="en-AU"/>
+                <a:endParaRPr lang="en-AU" sz="2000"/>
               </a:p>
             </p:txBody>
           </p:sp>
@@ -13262,7 +13262,7 @@
         </p:nvGrpSpPr>
         <p:grpSpPr>
           <a:xfrm>
-            <a:off x="7502342" y="7408320"/>
+            <a:off x="7502342" y="5862576"/>
             <a:ext cx="590625" cy="551795"/>
             <a:chOff x="5746823" y="6863256"/>
             <a:chExt cx="590625" cy="551795"/>
@@ -13365,7 +13365,7 @@
               <a:lstStyle/>
               <a:p>
                 <a:pPr algn="ctr"/>
-                <a:endParaRPr lang="en-AU"/>
+                <a:endParaRPr lang="en-AU" sz="2000"/>
               </a:p>
             </p:txBody>
           </p:sp>
@@ -13446,7 +13446,7 @@
               <a:lstStyle/>
               <a:p>
                 <a:pPr algn="ctr"/>
-                <a:endParaRPr lang="en-AU"/>
+                <a:endParaRPr lang="en-AU" sz="2000"/>
               </a:p>
             </p:txBody>
           </p:sp>
@@ -13548,7 +13548,7 @@
               <a:lstStyle/>
               <a:p>
                 <a:pPr algn="ctr"/>
-                <a:endParaRPr lang="en-AU"/>
+                <a:endParaRPr lang="en-AU" sz="2000"/>
               </a:p>
             </p:txBody>
           </p:sp>
@@ -13629,7 +13629,7 @@
               <a:lstStyle/>
               <a:p>
                 <a:pPr algn="ctr"/>
-                <a:endParaRPr lang="en-AU"/>
+                <a:endParaRPr lang="en-AU" sz="2000"/>
               </a:p>
             </p:txBody>
           </p:sp>
@@ -13649,7 +13649,7 @@
         </p:nvGrpSpPr>
         <p:grpSpPr>
           <a:xfrm>
-            <a:off x="9786434" y="5779577"/>
+            <a:off x="9786434" y="4233833"/>
             <a:ext cx="590625" cy="551795"/>
             <a:chOff x="5746823" y="6863256"/>
             <a:chExt cx="590625" cy="551795"/>
@@ -13752,7 +13752,7 @@
               <a:lstStyle/>
               <a:p>
                 <a:pPr algn="ctr"/>
-                <a:endParaRPr lang="en-AU"/>
+                <a:endParaRPr lang="en-AU" sz="2000"/>
               </a:p>
             </p:txBody>
           </p:sp>
@@ -13833,7 +13833,7 @@
               <a:lstStyle/>
               <a:p>
                 <a:pPr algn="ctr"/>
-                <a:endParaRPr lang="en-AU"/>
+                <a:endParaRPr lang="en-AU" sz="2000"/>
               </a:p>
             </p:txBody>
           </p:sp>
@@ -13935,7 +13935,7 @@
               <a:lstStyle/>
               <a:p>
                 <a:pPr algn="ctr"/>
-                <a:endParaRPr lang="en-AU"/>
+                <a:endParaRPr lang="en-AU" sz="2000"/>
               </a:p>
             </p:txBody>
           </p:sp>
@@ -14016,7 +14016,7 @@
               <a:lstStyle/>
               <a:p>
                 <a:pPr algn="ctr"/>
-                <a:endParaRPr lang="en-AU"/>
+                <a:endParaRPr lang="en-AU" sz="2000"/>
               </a:p>
             </p:txBody>
           </p:sp>
@@ -14036,7 +14036,7 @@
         </p:nvGrpSpPr>
         <p:grpSpPr>
           <a:xfrm>
-            <a:off x="10369055" y="6324257"/>
+            <a:off x="10369055" y="4778513"/>
             <a:ext cx="590625" cy="551795"/>
             <a:chOff x="5746823" y="6863256"/>
             <a:chExt cx="590625" cy="551795"/>
@@ -14139,7 +14139,7 @@
               <a:lstStyle/>
               <a:p>
                 <a:pPr algn="ctr"/>
-                <a:endParaRPr lang="en-AU"/>
+                <a:endParaRPr lang="en-AU" sz="2000"/>
               </a:p>
             </p:txBody>
           </p:sp>
@@ -14220,7 +14220,7 @@
               <a:lstStyle/>
               <a:p>
                 <a:pPr algn="ctr"/>
-                <a:endParaRPr lang="en-AU"/>
+                <a:endParaRPr lang="en-AU" sz="2000"/>
               </a:p>
             </p:txBody>
           </p:sp>
@@ -14322,7 +14322,7 @@
               <a:lstStyle/>
               <a:p>
                 <a:pPr algn="ctr"/>
-                <a:endParaRPr lang="en-AU"/>
+                <a:endParaRPr lang="en-AU" sz="2000"/>
               </a:p>
             </p:txBody>
           </p:sp>
@@ -14403,7 +14403,7 @@
               <a:lstStyle/>
               <a:p>
                 <a:pPr algn="ctr"/>
-                <a:endParaRPr lang="en-AU"/>
+                <a:endParaRPr lang="en-AU" sz="2000"/>
               </a:p>
             </p:txBody>
           </p:sp>
@@ -14423,7 +14423,7 @@
         </p:nvGrpSpPr>
         <p:grpSpPr>
           <a:xfrm>
-            <a:off x="10955505" y="6875983"/>
+            <a:off x="10955505" y="5330239"/>
             <a:ext cx="590625" cy="551795"/>
             <a:chOff x="5746823" y="6863256"/>
             <a:chExt cx="590625" cy="551795"/>
@@ -14526,7 +14526,7 @@
               <a:lstStyle/>
               <a:p>
                 <a:pPr algn="ctr"/>
-                <a:endParaRPr lang="en-AU"/>
+                <a:endParaRPr lang="en-AU" sz="2000"/>
               </a:p>
             </p:txBody>
           </p:sp>
@@ -14607,7 +14607,7 @@
               <a:lstStyle/>
               <a:p>
                 <a:pPr algn="ctr"/>
-                <a:endParaRPr lang="en-AU"/>
+                <a:endParaRPr lang="en-AU" sz="2000"/>
               </a:p>
             </p:txBody>
           </p:sp>
@@ -14709,7 +14709,7 @@
               <a:lstStyle/>
               <a:p>
                 <a:pPr algn="ctr"/>
-                <a:endParaRPr lang="en-AU"/>
+                <a:endParaRPr lang="en-AU" sz="2000"/>
               </a:p>
             </p:txBody>
           </p:sp>
@@ -14790,7 +14790,7 @@
               <a:lstStyle/>
               <a:p>
                 <a:pPr algn="ctr"/>
-                <a:endParaRPr lang="en-AU"/>
+                <a:endParaRPr lang="en-AU" sz="2000"/>
               </a:p>
             </p:txBody>
           </p:sp>
@@ -14810,7 +14810,7 @@
         </p:nvGrpSpPr>
         <p:grpSpPr>
           <a:xfrm>
-            <a:off x="11541953" y="7421920"/>
+            <a:off x="11541953" y="5876176"/>
             <a:ext cx="590625" cy="551795"/>
             <a:chOff x="5746823" y="6863256"/>
             <a:chExt cx="590625" cy="551795"/>
@@ -14913,7 +14913,7 @@
               <a:lstStyle/>
               <a:p>
                 <a:pPr algn="ctr"/>
-                <a:endParaRPr lang="en-AU"/>
+                <a:endParaRPr lang="en-AU" sz="2000"/>
               </a:p>
             </p:txBody>
           </p:sp>
@@ -14994,7 +14994,7 @@
               <a:lstStyle/>
               <a:p>
                 <a:pPr algn="ctr"/>
-                <a:endParaRPr lang="en-AU"/>
+                <a:endParaRPr lang="en-AU" sz="2000"/>
               </a:p>
             </p:txBody>
           </p:sp>
@@ -15096,7 +15096,7 @@
               <a:lstStyle/>
               <a:p>
                 <a:pPr algn="ctr"/>
-                <a:endParaRPr lang="en-AU"/>
+                <a:endParaRPr lang="en-AU" sz="2000"/>
               </a:p>
             </p:txBody>
           </p:sp>
@@ -15177,7 +15177,7 @@
               <a:lstStyle/>
               <a:p>
                 <a:pPr algn="ctr"/>
-                <a:endParaRPr lang="en-AU"/>
+                <a:endParaRPr lang="en-AU" sz="2000"/>
               </a:p>
             </p:txBody>
           </p:sp>
@@ -15199,7 +15199,7 @@
         </p:nvCxnSpPr>
         <p:spPr>
           <a:xfrm>
-            <a:off x="5763756" y="4375053"/>
+            <a:off x="5763756" y="2829309"/>
             <a:ext cx="0" cy="3582330"/>
           </a:xfrm>
           <a:prstGeom prst="line">
@@ -15243,7 +15243,7 @@
         </p:nvCxnSpPr>
         <p:spPr>
           <a:xfrm>
-            <a:off x="8100692" y="4375435"/>
+            <a:off x="8100692" y="2829691"/>
             <a:ext cx="0" cy="3582330"/>
           </a:xfrm>
           <a:prstGeom prst="line">
@@ -15287,7 +15287,7 @@
         </p:nvCxnSpPr>
         <p:spPr>
           <a:xfrm>
-            <a:off x="8914273" y="4373087"/>
+            <a:off x="8914273" y="2827343"/>
             <a:ext cx="0" cy="3582330"/>
           </a:xfrm>
           <a:prstGeom prst="line">
@@ -15329,8 +15329,8 @@
         </p:nvSpPr>
         <p:spPr>
           <a:xfrm>
-            <a:off x="4662567" y="4383895"/>
-            <a:ext cx="1189749" cy="646331"/>
+            <a:off x="4322488" y="2838151"/>
+            <a:ext cx="1521571" cy="830997"/>
           </a:xfrm>
           <a:prstGeom prst="rect">
             <a:avLst/>
@@ -15344,20 +15344,20 @@
           <a:lstStyle/>
           <a:p>
             <a:r>
-              <a:rPr lang="en-AU" sz="1800" dirty="0">
+              <a:rPr lang="en-AU" sz="2400" dirty="0">
                 <a:latin typeface="+mn-lt"/>
                 <a:cs typeface="Microsoft Sans Serif" panose="020B0604020202020204" pitchFamily="34" charset="0"/>
               </a:rPr>
               <a:t>Absorbing </a:t>
             </a:r>
             <a:br>
-              <a:rPr lang="en-AU" sz="1800" dirty="0">
+              <a:rPr lang="en-AU" sz="2400" dirty="0">
                 <a:latin typeface="+mn-lt"/>
                 <a:cs typeface="Microsoft Sans Serif" panose="020B0604020202020204" pitchFamily="34" charset="0"/>
               </a:rPr>
             </a:br>
             <a:r>
-              <a:rPr lang="en-AU" sz="1800" dirty="0">
+              <a:rPr lang="en-AU" sz="2400" dirty="0">
                 <a:latin typeface="+mn-lt"/>
                 <a:cs typeface="Microsoft Sans Serif" panose="020B0604020202020204" pitchFamily="34" charset="0"/>
               </a:rPr>
@@ -15380,8 +15380,8 @@
         </p:nvSpPr>
         <p:spPr>
           <a:xfrm>
-            <a:off x="6399523" y="4380783"/>
-            <a:ext cx="976550" cy="369332"/>
+            <a:off x="6268879" y="2835039"/>
+            <a:ext cx="1237839" cy="461665"/>
           </a:xfrm>
           <a:prstGeom prst="rect">
             <a:avLst/>
@@ -15395,7 +15395,7 @@
           <a:lstStyle/>
           <a:p>
             <a:r>
-              <a:rPr lang="en-AU" sz="1800" dirty="0">
+              <a:rPr lang="en-AU" sz="2400" dirty="0">
                 <a:latin typeface="+mn-lt"/>
                 <a:cs typeface="Microsoft Sans Serif" panose="020B0604020202020204" pitchFamily="34" charset="0"/>
               </a:rPr>
@@ -15418,8 +15418,8 @@
         </p:nvSpPr>
         <p:spPr>
           <a:xfrm>
-            <a:off x="8156031" y="4390085"/>
-            <a:ext cx="784189" cy="369332"/>
+            <a:off x="8055844" y="2844341"/>
+            <a:ext cx="984565" cy="461665"/>
           </a:xfrm>
           <a:prstGeom prst="rect">
             <a:avLst/>
@@ -15433,7 +15433,7 @@
           <a:lstStyle/>
           <a:p>
             <a:r>
-              <a:rPr lang="en-AU" sz="1800" dirty="0">
+              <a:rPr lang="en-AU" sz="2400" dirty="0">
                 <a:latin typeface="+mn-lt"/>
                 <a:cs typeface="Microsoft Sans Serif" panose="020B0604020202020204" pitchFamily="34" charset="0"/>
               </a:rPr>
@@ -15456,8 +15456,8 @@
         </p:nvSpPr>
         <p:spPr>
           <a:xfrm>
-            <a:off x="11193972" y="4390085"/>
-            <a:ext cx="1683474" cy="369332"/>
+            <a:off x="7064366" y="7244169"/>
+            <a:ext cx="2787521" cy="461665"/>
           </a:xfrm>
           <a:prstGeom prst="rect">
             <a:avLst/>
@@ -15465,14 +15465,13 @@
           <a:noFill/>
         </p:spPr>
         <p:txBody>
-          <a:bodyPr wrap="none" rtlCol="0">
+          <a:bodyPr wrap="square" rtlCol="0">
             <a:spAutoFit/>
           </a:bodyPr>
           <a:lstStyle/>
           <a:p>
-            <a:pPr algn="r"/>
             <a:r>
-              <a:rPr lang="en-AU" sz="1800" dirty="0">
+              <a:rPr lang="en-AU" sz="2400" dirty="0">
                 <a:latin typeface="+mn-lt"/>
                 <a:cs typeface="Microsoft Sans Serif" panose="020B0604020202020204" pitchFamily="34" charset="0"/>
               </a:rPr>
@@ -15497,7 +15496,7 @@
         </p:nvCxnSpPr>
         <p:spPr>
           <a:xfrm flipH="1">
-            <a:off x="4702629" y="10610073"/>
+            <a:off x="4702629" y="9652149"/>
             <a:ext cx="20270" cy="2495492"/>
           </a:xfrm>
           <a:prstGeom prst="line">
@@ -15542,7 +15541,7 @@
         </p:nvCxnSpPr>
         <p:spPr>
           <a:xfrm flipH="1">
-            <a:off x="4702629" y="13097225"/>
+            <a:off x="4702629" y="12139301"/>
             <a:ext cx="7980438" cy="8340"/>
           </a:xfrm>
           <a:prstGeom prst="line">
@@ -15585,8 +15584,8 @@
         </p:nvSpPr>
         <p:spPr>
           <a:xfrm>
-            <a:off x="8119328" y="13377597"/>
-            <a:ext cx="649537" cy="369332"/>
+            <a:off x="8041583" y="12267276"/>
+            <a:ext cx="805029" cy="461665"/>
           </a:xfrm>
           <a:prstGeom prst="rect">
             <a:avLst/>
@@ -15600,7 +15599,7 @@
           <a:lstStyle/>
           <a:p>
             <a:r>
-              <a:rPr lang="en-AU" sz="1800" dirty="0">
+              <a:rPr lang="en-AU" sz="2400" dirty="0">
                 <a:latin typeface="+mn-lt"/>
                 <a:cs typeface="Microsoft Sans Serif" panose="020B0604020202020204" pitchFamily="34" charset="0"/>
               </a:rPr>
@@ -15623,8 +15622,8 @@
         </p:nvSpPr>
         <p:spPr>
           <a:xfrm rot="16200000">
-            <a:off x="3229876" y="11423106"/>
-            <a:ext cx="1510349" cy="369332"/>
+            <a:off x="3011867" y="10419016"/>
+            <a:ext cx="1946367" cy="461665"/>
           </a:xfrm>
           <a:prstGeom prst="rect">
             <a:avLst/>
@@ -15638,7 +15637,7 @@
           <a:lstStyle/>
           <a:p>
             <a:r>
-              <a:rPr lang="en-AU" sz="1800" dirty="0">
+              <a:rPr lang="en-AU" sz="2400" dirty="0">
                 <a:latin typeface="Calibri" panose="020F0502020204030204" pitchFamily="34" charset="0"/>
                 <a:cs typeface="Calibri" panose="020F0502020204030204" pitchFamily="34" charset="0"/>
               </a:rPr>
@@ -15661,7 +15660,7 @@
         </p:nvGrpSpPr>
         <p:grpSpPr>
           <a:xfrm>
-            <a:off x="4861034" y="12816076"/>
+            <a:off x="4861034" y="11858152"/>
             <a:ext cx="110362" cy="278526"/>
             <a:chOff x="4861034" y="8776136"/>
             <a:chExt cx="110362" cy="278526"/>
@@ -15744,7 +15743,7 @@
             <a:lstStyle/>
             <a:p>
               <a:pPr algn="ctr"/>
-              <a:endParaRPr lang="en-AU"/>
+              <a:endParaRPr lang="en-AU" sz="2000"/>
             </a:p>
           </p:txBody>
         </p:sp>
@@ -15825,7 +15824,7 @@
             <a:lstStyle/>
             <a:p>
               <a:pPr algn="ctr"/>
-              <a:endParaRPr lang="en-AU"/>
+              <a:endParaRPr lang="en-AU" sz="2000"/>
             </a:p>
           </p:txBody>
         </p:sp>
@@ -15844,7 +15843,7 @@
         </p:nvGrpSpPr>
         <p:grpSpPr>
           <a:xfrm>
-            <a:off x="4976649" y="12542808"/>
+            <a:off x="4976649" y="11584884"/>
             <a:ext cx="110362" cy="278526"/>
             <a:chOff x="4861034" y="8776136"/>
             <a:chExt cx="110362" cy="278526"/>
@@ -15927,7 +15926,7 @@
             <a:lstStyle/>
             <a:p>
               <a:pPr algn="ctr"/>
-              <a:endParaRPr lang="en-AU"/>
+              <a:endParaRPr lang="en-AU" sz="2000"/>
             </a:p>
           </p:txBody>
         </p:sp>
@@ -16008,7 +16007,7 @@
             <a:lstStyle/>
             <a:p>
               <a:pPr algn="ctr"/>
-              <a:endParaRPr lang="en-AU"/>
+              <a:endParaRPr lang="en-AU" sz="2000"/>
             </a:p>
           </p:txBody>
         </p:sp>
@@ -16027,7 +16026,7 @@
         </p:nvGrpSpPr>
         <p:grpSpPr>
           <a:xfrm>
-            <a:off x="5081749" y="11996275"/>
+            <a:off x="5081749" y="11038351"/>
             <a:ext cx="225977" cy="551794"/>
             <a:chOff x="4861034" y="8502868"/>
             <a:chExt cx="225977" cy="551794"/>
@@ -16130,7 +16129,7 @@
               <a:lstStyle/>
               <a:p>
                 <a:pPr algn="ctr"/>
-                <a:endParaRPr lang="en-AU"/>
+                <a:endParaRPr lang="en-AU" sz="2000"/>
               </a:p>
             </p:txBody>
           </p:sp>
@@ -16211,7 +16210,7 @@
               <a:lstStyle/>
               <a:p>
                 <a:pPr algn="ctr"/>
-                <a:endParaRPr lang="en-AU"/>
+                <a:endParaRPr lang="en-AU" sz="2000"/>
               </a:p>
             </p:txBody>
           </p:sp>
@@ -16313,7 +16312,7 @@
               <a:lstStyle/>
               <a:p>
                 <a:pPr algn="ctr"/>
-                <a:endParaRPr lang="en-AU"/>
+                <a:endParaRPr lang="en-AU" sz="2000"/>
               </a:p>
             </p:txBody>
           </p:sp>
@@ -16394,7 +16393,7 @@
               <a:lstStyle/>
               <a:p>
                 <a:pPr algn="ctr"/>
-                <a:endParaRPr lang="en-AU"/>
+                <a:endParaRPr lang="en-AU" sz="2000"/>
               </a:p>
             </p:txBody>
           </p:sp>
@@ -16414,7 +16413,7 @@
         </p:nvGrpSpPr>
         <p:grpSpPr>
           <a:xfrm>
-            <a:off x="5302464" y="11449740"/>
+            <a:off x="5302464" y="10491816"/>
             <a:ext cx="225977" cy="551794"/>
             <a:chOff x="4861034" y="8502868"/>
             <a:chExt cx="225977" cy="551794"/>
@@ -16517,7 +16516,7 @@
               <a:lstStyle/>
               <a:p>
                 <a:pPr algn="ctr"/>
-                <a:endParaRPr lang="en-AU"/>
+                <a:endParaRPr lang="en-AU" sz="2000"/>
               </a:p>
             </p:txBody>
           </p:sp>
@@ -16598,7 +16597,7 @@
               <a:lstStyle/>
               <a:p>
                 <a:pPr algn="ctr"/>
-                <a:endParaRPr lang="en-AU"/>
+                <a:endParaRPr lang="en-AU" sz="2000"/>
               </a:p>
             </p:txBody>
           </p:sp>
@@ -16700,7 +16699,7 @@
               <a:lstStyle/>
               <a:p>
                 <a:pPr algn="ctr"/>
-                <a:endParaRPr lang="en-AU"/>
+                <a:endParaRPr lang="en-AU" sz="2000"/>
               </a:p>
             </p:txBody>
           </p:sp>
@@ -16781,7 +16780,7 @@
               <a:lstStyle/>
               <a:p>
                 <a:pPr algn="ctr"/>
-                <a:endParaRPr lang="en-AU"/>
+                <a:endParaRPr lang="en-AU" sz="2000"/>
               </a:p>
             </p:txBody>
           </p:sp>
@@ -16801,7 +16800,7 @@
         </p:nvGrpSpPr>
         <p:grpSpPr>
           <a:xfrm>
-            <a:off x="5523179" y="10903205"/>
+            <a:off x="5523179" y="9945281"/>
             <a:ext cx="225977" cy="551794"/>
             <a:chOff x="4861034" y="8502868"/>
             <a:chExt cx="225977" cy="551794"/>
@@ -16904,7 +16903,7 @@
               <a:lstStyle/>
               <a:p>
                 <a:pPr algn="ctr"/>
-                <a:endParaRPr lang="en-AU"/>
+                <a:endParaRPr lang="en-AU" sz="2000"/>
               </a:p>
             </p:txBody>
           </p:sp>
@@ -16985,7 +16984,7 @@
               <a:lstStyle/>
               <a:p>
                 <a:pPr algn="ctr"/>
-                <a:endParaRPr lang="en-AU"/>
+                <a:endParaRPr lang="en-AU" sz="2000"/>
               </a:p>
             </p:txBody>
           </p:sp>
@@ -17087,7 +17086,7 @@
               <a:lstStyle/>
               <a:p>
                 <a:pPr algn="ctr"/>
-                <a:endParaRPr lang="en-AU"/>
+                <a:endParaRPr lang="en-AU" sz="2000"/>
               </a:p>
             </p:txBody>
           </p:sp>
@@ -17168,7 +17167,7 @@
               <a:lstStyle/>
               <a:p>
                 <a:pPr algn="ctr"/>
-                <a:endParaRPr lang="en-AU"/>
+                <a:endParaRPr lang="en-AU" sz="2000"/>
               </a:p>
             </p:txBody>
           </p:sp>
@@ -17188,7 +17187,7 @@
         </p:nvGrpSpPr>
         <p:grpSpPr>
           <a:xfrm>
-            <a:off x="5746823" y="10903196"/>
+            <a:off x="5746823" y="9945272"/>
             <a:ext cx="590625" cy="551795"/>
             <a:chOff x="5746823" y="6863256"/>
             <a:chExt cx="590625" cy="551795"/>
@@ -17291,7 +17290,7 @@
               <a:lstStyle/>
               <a:p>
                 <a:pPr algn="ctr"/>
-                <a:endParaRPr lang="en-AU"/>
+                <a:endParaRPr lang="en-AU" sz="2000"/>
               </a:p>
             </p:txBody>
           </p:sp>
@@ -17372,7 +17371,7 @@
               <a:lstStyle/>
               <a:p>
                 <a:pPr algn="ctr"/>
-                <a:endParaRPr lang="en-AU"/>
+                <a:endParaRPr lang="en-AU" sz="2000"/>
               </a:p>
             </p:txBody>
           </p:sp>
@@ -17474,7 +17473,7 @@
               <a:lstStyle/>
               <a:p>
                 <a:pPr algn="ctr"/>
-                <a:endParaRPr lang="en-AU"/>
+                <a:endParaRPr lang="en-AU" sz="2000"/>
               </a:p>
             </p:txBody>
           </p:sp>
@@ -17555,7 +17554,7 @@
               <a:lstStyle/>
               <a:p>
                 <a:pPr algn="ctr"/>
-                <a:endParaRPr lang="en-AU"/>
+                <a:endParaRPr lang="en-AU" sz="2000"/>
               </a:p>
             </p:txBody>
           </p:sp>
@@ -17575,7 +17574,7 @@
         </p:nvGrpSpPr>
         <p:grpSpPr>
           <a:xfrm>
-            <a:off x="8472665" y="11444378"/>
+            <a:off x="8472665" y="10486454"/>
             <a:ext cx="225977" cy="551794"/>
             <a:chOff x="4861034" y="8502868"/>
             <a:chExt cx="225977" cy="551794"/>
@@ -17678,7 +17677,7 @@
               <a:lstStyle/>
               <a:p>
                 <a:pPr algn="ctr"/>
-                <a:endParaRPr lang="en-AU"/>
+                <a:endParaRPr lang="en-AU" sz="2000"/>
               </a:p>
             </p:txBody>
           </p:sp>
@@ -17759,7 +17758,7 @@
               <a:lstStyle/>
               <a:p>
                 <a:pPr algn="ctr"/>
-                <a:endParaRPr lang="en-AU"/>
+                <a:endParaRPr lang="en-AU" sz="2000"/>
               </a:p>
             </p:txBody>
           </p:sp>
@@ -17861,7 +17860,7 @@
               <a:lstStyle/>
               <a:p>
                 <a:pPr algn="ctr"/>
-                <a:endParaRPr lang="en-AU"/>
+                <a:endParaRPr lang="en-AU" sz="2000"/>
               </a:p>
             </p:txBody>
           </p:sp>
@@ -17942,7 +17941,7 @@
               <a:lstStyle/>
               <a:p>
                 <a:pPr algn="ctr"/>
-                <a:endParaRPr lang="en-AU"/>
+                <a:endParaRPr lang="en-AU" sz="2000"/>
               </a:p>
             </p:txBody>
           </p:sp>
@@ -17962,7 +17961,7 @@
         </p:nvGrpSpPr>
         <p:grpSpPr>
           <a:xfrm>
-            <a:off x="8693380" y="10897843"/>
+            <a:off x="8693380" y="9939919"/>
             <a:ext cx="225977" cy="551794"/>
             <a:chOff x="4861034" y="8502868"/>
             <a:chExt cx="225977" cy="551794"/>
@@ -18065,7 +18064,7 @@
               <a:lstStyle/>
               <a:p>
                 <a:pPr algn="ctr"/>
-                <a:endParaRPr lang="en-AU"/>
+                <a:endParaRPr lang="en-AU" sz="2000"/>
               </a:p>
             </p:txBody>
           </p:sp>
@@ -18146,7 +18145,7 @@
               <a:lstStyle/>
               <a:p>
                 <a:pPr algn="ctr"/>
-                <a:endParaRPr lang="en-AU"/>
+                <a:endParaRPr lang="en-AU" sz="2000"/>
               </a:p>
             </p:txBody>
           </p:sp>
@@ -18248,7 +18247,7 @@
               <a:lstStyle/>
               <a:p>
                 <a:pPr algn="ctr"/>
-                <a:endParaRPr lang="en-AU"/>
+                <a:endParaRPr lang="en-AU" sz="2000"/>
               </a:p>
             </p:txBody>
           </p:sp>
@@ -18329,7 +18328,7 @@
               <a:lstStyle/>
               <a:p>
                 <a:pPr algn="ctr"/>
-                <a:endParaRPr lang="en-AU"/>
+                <a:endParaRPr lang="en-AU" sz="2000"/>
               </a:p>
             </p:txBody>
           </p:sp>
@@ -18349,7 +18348,7 @@
         </p:nvGrpSpPr>
         <p:grpSpPr>
           <a:xfrm>
-            <a:off x="6329444" y="11447876"/>
+            <a:off x="6329444" y="10489952"/>
             <a:ext cx="590625" cy="551795"/>
             <a:chOff x="5746823" y="6863256"/>
             <a:chExt cx="590625" cy="551795"/>
@@ -18452,7 +18451,7 @@
               <a:lstStyle/>
               <a:p>
                 <a:pPr algn="ctr"/>
-                <a:endParaRPr lang="en-AU"/>
+                <a:endParaRPr lang="en-AU" sz="2000"/>
               </a:p>
             </p:txBody>
           </p:sp>
@@ -18533,7 +18532,7 @@
               <a:lstStyle/>
               <a:p>
                 <a:pPr algn="ctr"/>
-                <a:endParaRPr lang="en-AU"/>
+                <a:endParaRPr lang="en-AU" sz="2000"/>
               </a:p>
             </p:txBody>
           </p:sp>
@@ -18635,7 +18634,7 @@
               <a:lstStyle/>
               <a:p>
                 <a:pPr algn="ctr"/>
-                <a:endParaRPr lang="en-AU"/>
+                <a:endParaRPr lang="en-AU" sz="2000"/>
               </a:p>
             </p:txBody>
           </p:sp>
@@ -18716,7 +18715,7 @@
               <a:lstStyle/>
               <a:p>
                 <a:pPr algn="ctr"/>
-                <a:endParaRPr lang="en-AU"/>
+                <a:endParaRPr lang="en-AU" sz="2000"/>
               </a:p>
             </p:txBody>
           </p:sp>
@@ -18736,7 +18735,7 @@
         </p:nvGrpSpPr>
         <p:grpSpPr>
           <a:xfrm>
-            <a:off x="8885099" y="10897200"/>
+            <a:off x="8885099" y="9939276"/>
             <a:ext cx="590625" cy="551795"/>
             <a:chOff x="5746823" y="6863256"/>
             <a:chExt cx="590625" cy="551795"/>
@@ -18839,7 +18838,7 @@
               <a:lstStyle/>
               <a:p>
                 <a:pPr algn="ctr"/>
-                <a:endParaRPr lang="en-AU"/>
+                <a:endParaRPr lang="en-AU" sz="2000"/>
               </a:p>
             </p:txBody>
           </p:sp>
@@ -18920,7 +18919,7 @@
               <a:lstStyle/>
               <a:p>
                 <a:pPr algn="ctr"/>
-                <a:endParaRPr lang="en-AU"/>
+                <a:endParaRPr lang="en-AU" sz="2000"/>
               </a:p>
             </p:txBody>
           </p:sp>
@@ -19022,7 +19021,7 @@
               <a:lstStyle/>
               <a:p>
                 <a:pPr algn="ctr"/>
-                <a:endParaRPr lang="en-AU"/>
+                <a:endParaRPr lang="en-AU" sz="2000"/>
               </a:p>
             </p:txBody>
           </p:sp>
@@ -19103,7 +19102,7 @@
               <a:lstStyle/>
               <a:p>
                 <a:pPr algn="ctr"/>
-                <a:endParaRPr lang="en-AU"/>
+                <a:endParaRPr lang="en-AU" sz="2000"/>
               </a:p>
             </p:txBody>
           </p:sp>
@@ -19123,7 +19122,7 @@
         </p:nvGrpSpPr>
         <p:grpSpPr>
           <a:xfrm>
-            <a:off x="9470989" y="11451678"/>
+            <a:off x="9470989" y="10493754"/>
             <a:ext cx="590625" cy="551795"/>
             <a:chOff x="5746823" y="6863256"/>
             <a:chExt cx="590625" cy="551795"/>
@@ -19226,7 +19225,7 @@
               <a:lstStyle/>
               <a:p>
                 <a:pPr algn="ctr"/>
-                <a:endParaRPr lang="en-AU"/>
+                <a:endParaRPr lang="en-AU" sz="2000"/>
               </a:p>
             </p:txBody>
           </p:sp>
@@ -19307,7 +19306,7 @@
               <a:lstStyle/>
               <a:p>
                 <a:pPr algn="ctr"/>
-                <a:endParaRPr lang="en-AU"/>
+                <a:endParaRPr lang="en-AU" sz="2000"/>
               </a:p>
             </p:txBody>
           </p:sp>
@@ -19409,7 +19408,7 @@
               <a:lstStyle/>
               <a:p>
                 <a:pPr algn="ctr"/>
-                <a:endParaRPr lang="en-AU"/>
+                <a:endParaRPr lang="en-AU" sz="2000"/>
               </a:p>
             </p:txBody>
           </p:sp>
@@ -19490,7 +19489,7 @@
               <a:lstStyle/>
               <a:p>
                 <a:pPr algn="ctr"/>
-                <a:endParaRPr lang="en-AU"/>
+                <a:endParaRPr lang="en-AU" sz="2000"/>
               </a:p>
             </p:txBody>
           </p:sp>
@@ -19512,7 +19511,7 @@
         </p:nvCxnSpPr>
         <p:spPr>
           <a:xfrm>
-            <a:off x="5763756" y="9512272"/>
+            <a:off x="5763756" y="8554348"/>
             <a:ext cx="0" cy="3582330"/>
           </a:xfrm>
           <a:prstGeom prst="line">
@@ -19556,7 +19555,7 @@
         </p:nvCxnSpPr>
         <p:spPr>
           <a:xfrm>
-            <a:off x="6932536" y="9523235"/>
+            <a:off x="6932536" y="8565311"/>
             <a:ext cx="0" cy="3582330"/>
           </a:xfrm>
           <a:prstGeom prst="line">
@@ -19598,8 +19597,8 @@
         </p:nvSpPr>
         <p:spPr>
           <a:xfrm>
-            <a:off x="4662567" y="9521114"/>
-            <a:ext cx="1189749" cy="646331"/>
+            <a:off x="4300717" y="8563190"/>
+            <a:ext cx="1521571" cy="830997"/>
           </a:xfrm>
           <a:prstGeom prst="rect">
             <a:avLst/>
@@ -19613,20 +19612,20 @@
           <a:lstStyle/>
           <a:p>
             <a:r>
-              <a:rPr lang="en-AU" sz="1800" dirty="0">
+              <a:rPr lang="en-AU" sz="2400" dirty="0">
                 <a:latin typeface="+mn-lt"/>
                 <a:cs typeface="Microsoft Sans Serif" panose="020B0604020202020204" pitchFamily="34" charset="0"/>
               </a:rPr>
               <a:t>Absorbing </a:t>
             </a:r>
             <a:br>
-              <a:rPr lang="en-AU" sz="1800" dirty="0">
+              <a:rPr lang="en-AU" sz="2400" dirty="0">
                 <a:latin typeface="+mn-lt"/>
                 <a:cs typeface="Microsoft Sans Serif" panose="020B0604020202020204" pitchFamily="34" charset="0"/>
               </a:rPr>
             </a:br>
             <a:r>
-              <a:rPr lang="en-AU" sz="1800" dirty="0">
+              <a:rPr lang="en-AU" sz="2400" dirty="0">
                 <a:latin typeface="+mn-lt"/>
                 <a:cs typeface="Microsoft Sans Serif" panose="020B0604020202020204" pitchFamily="34" charset="0"/>
               </a:rPr>
@@ -19649,8 +19648,8 @@
         </p:nvSpPr>
         <p:spPr>
           <a:xfrm>
-            <a:off x="5869032" y="9518002"/>
-            <a:ext cx="976550" cy="369332"/>
+            <a:off x="5738388" y="8560078"/>
+            <a:ext cx="1237839" cy="461665"/>
           </a:xfrm>
           <a:prstGeom prst="rect">
             <a:avLst/>
@@ -19664,7 +19663,7 @@
           <a:lstStyle/>
           <a:p>
             <a:r>
-              <a:rPr lang="en-AU" sz="1800" dirty="0">
+              <a:rPr lang="en-AU" sz="2400" dirty="0">
                 <a:latin typeface="+mn-lt"/>
                 <a:cs typeface="Microsoft Sans Serif" panose="020B0604020202020204" pitchFamily="34" charset="0"/>
               </a:rPr>
@@ -19687,8 +19686,8 @@
         </p:nvSpPr>
         <p:spPr>
           <a:xfrm>
-            <a:off x="11336640" y="9512272"/>
-            <a:ext cx="1540806" cy="369332"/>
+            <a:off x="7434892" y="13157648"/>
+            <a:ext cx="1984839" cy="461665"/>
           </a:xfrm>
           <a:prstGeom prst="rect">
             <a:avLst/>
@@ -19701,9 +19700,8 @@
           </a:bodyPr>
           <a:lstStyle/>
           <a:p>
-            <a:pPr algn="r"/>
             <a:r>
-              <a:rPr lang="en-AU" sz="1800" dirty="0">
+              <a:rPr lang="en-AU" sz="2400" dirty="0">
                 <a:latin typeface="+mn-lt"/>
                 <a:cs typeface="Microsoft Sans Serif" panose="020B0604020202020204" pitchFamily="34" charset="0"/>
               </a:rPr>
@@ -19726,7 +19724,7 @@
         </p:nvGrpSpPr>
         <p:grpSpPr>
           <a:xfrm>
-            <a:off x="6916782" y="11854851"/>
+            <a:off x="6916782" y="10896927"/>
             <a:ext cx="379604" cy="147582"/>
             <a:chOff x="6916782" y="11854851"/>
             <a:chExt cx="379604" cy="147582"/>
@@ -19835,7 +19833,7 @@
             <a:lstStyle/>
             <a:p>
               <a:pPr algn="ctr"/>
-              <a:endParaRPr lang="en-AU"/>
+              <a:endParaRPr lang="en-AU" sz="2000"/>
             </a:p>
           </p:txBody>
         </p:sp>
@@ -19942,7 +19940,7 @@
             <a:lstStyle/>
             <a:p>
               <a:pPr algn="ctr"/>
-              <a:endParaRPr lang="en-AU"/>
+              <a:endParaRPr lang="en-AU" sz="2000"/>
             </a:p>
           </p:txBody>
         </p:sp>
@@ -19961,7 +19959,7 @@
         </p:nvGrpSpPr>
         <p:grpSpPr>
           <a:xfrm>
-            <a:off x="7291250" y="11853761"/>
+            <a:off x="7291250" y="10895837"/>
             <a:ext cx="379604" cy="147582"/>
             <a:chOff x="6916782" y="11854851"/>
             <a:chExt cx="379604" cy="147582"/>
@@ -20070,7 +20068,7 @@
             <a:lstStyle/>
             <a:p>
               <a:pPr algn="ctr"/>
-              <a:endParaRPr lang="en-AU"/>
+              <a:endParaRPr lang="en-AU" sz="2000"/>
             </a:p>
           </p:txBody>
         </p:sp>
@@ -20177,7 +20175,7 @@
             <a:lstStyle/>
             <a:p>
               <a:pPr algn="ctr"/>
-              <a:endParaRPr lang="en-AU"/>
+              <a:endParaRPr lang="en-AU" sz="2000"/>
             </a:p>
           </p:txBody>
         </p:sp>
@@ -20196,7 +20194,7 @@
         </p:nvGrpSpPr>
         <p:grpSpPr>
           <a:xfrm>
-            <a:off x="7665720" y="11855937"/>
+            <a:off x="7665720" y="10898013"/>
             <a:ext cx="379604" cy="147582"/>
             <a:chOff x="6916782" y="11854851"/>
             <a:chExt cx="379604" cy="147582"/>
@@ -20305,7 +20303,7 @@
             <a:lstStyle/>
             <a:p>
               <a:pPr algn="ctr"/>
-              <a:endParaRPr lang="en-AU"/>
+              <a:endParaRPr lang="en-AU" sz="2000"/>
             </a:p>
           </p:txBody>
         </p:sp>
@@ -20412,7 +20410,7 @@
             <a:lstStyle/>
             <a:p>
               <a:pPr algn="ctr"/>
-              <a:endParaRPr lang="en-AU"/>
+              <a:endParaRPr lang="en-AU" sz="2000"/>
             </a:p>
           </p:txBody>
         </p:sp>
@@ -20431,7 +20429,7 @@
         </p:nvGrpSpPr>
         <p:grpSpPr>
           <a:xfrm>
-            <a:off x="8043456" y="11854846"/>
+            <a:off x="8043456" y="10896922"/>
             <a:ext cx="379604" cy="147582"/>
             <a:chOff x="6916782" y="11854851"/>
             <a:chExt cx="379604" cy="147582"/>
@@ -20540,7 +20538,7 @@
             <a:lstStyle/>
             <a:p>
               <a:pPr algn="ctr"/>
-              <a:endParaRPr lang="en-AU"/>
+              <a:endParaRPr lang="en-AU" sz="2000"/>
             </a:p>
           </p:txBody>
         </p:sp>
@@ -20647,7 +20645,7 @@
             <a:lstStyle/>
             <a:p>
               <a:pPr algn="ctr"/>
-              <a:endParaRPr lang="en-AU"/>
+              <a:endParaRPr lang="en-AU" sz="2000"/>
             </a:p>
           </p:txBody>
         </p:sp>
@@ -20666,7 +20664,7 @@
         </p:nvCxnSpPr>
         <p:spPr>
           <a:xfrm flipH="1">
-            <a:off x="8414658" y="11999574"/>
+            <a:off x="8414658" y="11041650"/>
             <a:ext cx="60502" cy="0"/>
           </a:xfrm>
           <a:prstGeom prst="line">
@@ -20707,7 +20705,7 @@
         </p:nvGrpSpPr>
         <p:grpSpPr>
           <a:xfrm>
-            <a:off x="11623181" y="11450273"/>
+            <a:off x="11623181" y="10492349"/>
             <a:ext cx="225977" cy="551794"/>
             <a:chOff x="4861034" y="8502868"/>
             <a:chExt cx="225977" cy="551794"/>
@@ -20810,7 +20808,7 @@
               <a:lstStyle/>
               <a:p>
                 <a:pPr algn="ctr"/>
-                <a:endParaRPr lang="en-AU"/>
+                <a:endParaRPr lang="en-AU" sz="2000"/>
               </a:p>
             </p:txBody>
           </p:sp>
@@ -20891,7 +20889,7 @@
               <a:lstStyle/>
               <a:p>
                 <a:pPr algn="ctr"/>
-                <a:endParaRPr lang="en-AU"/>
+                <a:endParaRPr lang="en-AU" sz="2000"/>
               </a:p>
             </p:txBody>
           </p:sp>
@@ -20993,7 +20991,7 @@
               <a:lstStyle/>
               <a:p>
                 <a:pPr algn="ctr"/>
-                <a:endParaRPr lang="en-AU"/>
+                <a:endParaRPr lang="en-AU" sz="2000"/>
               </a:p>
             </p:txBody>
           </p:sp>
@@ -21074,7 +21072,7 @@
               <a:lstStyle/>
               <a:p>
                 <a:pPr algn="ctr"/>
-                <a:endParaRPr lang="en-AU"/>
+                <a:endParaRPr lang="en-AU" sz="2000"/>
               </a:p>
             </p:txBody>
           </p:sp>
@@ -21094,7 +21092,7 @@
         </p:nvGrpSpPr>
         <p:grpSpPr>
           <a:xfrm>
-            <a:off x="10067298" y="11860746"/>
+            <a:off x="10067298" y="10902822"/>
             <a:ext cx="379604" cy="147582"/>
             <a:chOff x="6916782" y="11854851"/>
             <a:chExt cx="379604" cy="147582"/>
@@ -21203,7 +21201,7 @@
             <a:lstStyle/>
             <a:p>
               <a:pPr algn="ctr"/>
-              <a:endParaRPr lang="en-AU"/>
+              <a:endParaRPr lang="en-AU" sz="2000"/>
             </a:p>
           </p:txBody>
         </p:sp>
@@ -21310,7 +21308,7 @@
             <a:lstStyle/>
             <a:p>
               <a:pPr algn="ctr"/>
-              <a:endParaRPr lang="en-AU"/>
+              <a:endParaRPr lang="en-AU" sz="2000"/>
             </a:p>
           </p:txBody>
         </p:sp>
@@ -21329,7 +21327,7 @@
         </p:nvGrpSpPr>
         <p:grpSpPr>
           <a:xfrm>
-            <a:off x="10441766" y="11859656"/>
+            <a:off x="10441766" y="10901732"/>
             <a:ext cx="379604" cy="147582"/>
             <a:chOff x="6916782" y="11854851"/>
             <a:chExt cx="379604" cy="147582"/>
@@ -21438,7 +21436,7 @@
             <a:lstStyle/>
             <a:p>
               <a:pPr algn="ctr"/>
-              <a:endParaRPr lang="en-AU"/>
+              <a:endParaRPr lang="en-AU" sz="2000"/>
             </a:p>
           </p:txBody>
         </p:sp>
@@ -21545,7 +21543,7 @@
             <a:lstStyle/>
             <a:p>
               <a:pPr algn="ctr"/>
-              <a:endParaRPr lang="en-AU"/>
+              <a:endParaRPr lang="en-AU" sz="2000"/>
             </a:p>
           </p:txBody>
         </p:sp>
@@ -21564,7 +21562,7 @@
         </p:nvGrpSpPr>
         <p:grpSpPr>
           <a:xfrm>
-            <a:off x="10816236" y="11861832"/>
+            <a:off x="10816236" y="10903908"/>
             <a:ext cx="379604" cy="147582"/>
             <a:chOff x="6916782" y="11854851"/>
             <a:chExt cx="379604" cy="147582"/>
@@ -21673,7 +21671,7 @@
             <a:lstStyle/>
             <a:p>
               <a:pPr algn="ctr"/>
-              <a:endParaRPr lang="en-AU"/>
+              <a:endParaRPr lang="en-AU" sz="2000"/>
             </a:p>
           </p:txBody>
         </p:sp>
@@ -21780,7 +21778,7 @@
             <a:lstStyle/>
             <a:p>
               <a:pPr algn="ctr"/>
-              <a:endParaRPr lang="en-AU"/>
+              <a:endParaRPr lang="en-AU" sz="2000"/>
             </a:p>
           </p:txBody>
         </p:sp>
@@ -21799,7 +21797,7 @@
         </p:nvGrpSpPr>
         <p:grpSpPr>
           <a:xfrm>
-            <a:off x="11193972" y="11860741"/>
+            <a:off x="11193972" y="10902817"/>
             <a:ext cx="379604" cy="147582"/>
             <a:chOff x="6916782" y="11854851"/>
             <a:chExt cx="379604" cy="147582"/>
@@ -21908,7 +21906,7 @@
             <a:lstStyle/>
             <a:p>
               <a:pPr algn="ctr"/>
-              <a:endParaRPr lang="en-AU"/>
+              <a:endParaRPr lang="en-AU" sz="2000"/>
             </a:p>
           </p:txBody>
         </p:sp>
@@ -22015,7 +22013,7 @@
             <a:lstStyle/>
             <a:p>
               <a:pPr algn="ctr"/>
-              <a:endParaRPr lang="en-AU"/>
+              <a:endParaRPr lang="en-AU" sz="2000"/>
             </a:p>
           </p:txBody>
         </p:sp>
@@ -22034,7 +22032,7 @@
         </p:nvCxnSpPr>
         <p:spPr>
           <a:xfrm flipH="1">
-            <a:off x="11565174" y="12005469"/>
+            <a:off x="11565174" y="11047545"/>
             <a:ext cx="60502" cy="0"/>
           </a:xfrm>
           <a:prstGeom prst="line">
@@ -22075,8 +22073,8 @@
         </p:nvSpPr>
         <p:spPr>
           <a:xfrm>
-            <a:off x="6996142" y="9519148"/>
-            <a:ext cx="1239443" cy="369332"/>
+            <a:off x="7758383" y="8561224"/>
+            <a:ext cx="1587294" cy="461665"/>
           </a:xfrm>
           <a:prstGeom prst="rect">
             <a:avLst/>
@@ -22090,7 +22088,7 @@
           <a:lstStyle/>
           <a:p>
             <a:r>
-              <a:rPr lang="en-AU" sz="1800" dirty="0">
+              <a:rPr lang="en-AU" sz="2400" dirty="0">
                 <a:latin typeface="+mn-lt"/>
                 <a:cs typeface="Microsoft Sans Serif" panose="020B0604020202020204" pitchFamily="34" charset="0"/>
               </a:rPr>

--- a/figures/Figure-sources.pptx
+++ b/figures/Figure-sources.pptx
@@ -747,7 +747,7 @@
           <a:p>
             <a:fld id="{9AD5F5E7-BF49-4F47-A424-503B82E4E0B0}" type="datetimeFigureOut">
               <a:rPr lang="en-AU" smtClean="0"/>
-              <a:t>16/2/2022</a:t>
+              <a:t>16/2/22</a:t>
             </a:fld>
             <a:endParaRPr lang="en-AU"/>
           </a:p>
@@ -947,7 +947,7 @@
           <a:p>
             <a:fld id="{9AD5F5E7-BF49-4F47-A424-503B82E4E0B0}" type="datetimeFigureOut">
               <a:rPr lang="en-AU" smtClean="0"/>
-              <a:t>16/2/2022</a:t>
+              <a:t>16/2/22</a:t>
             </a:fld>
             <a:endParaRPr lang="en-AU"/>
           </a:p>
@@ -1157,7 +1157,7 @@
           <a:p>
             <a:fld id="{9AD5F5E7-BF49-4F47-A424-503B82E4E0B0}" type="datetimeFigureOut">
               <a:rPr lang="en-AU" smtClean="0"/>
-              <a:t>16/2/2022</a:t>
+              <a:t>16/2/22</a:t>
             </a:fld>
             <a:endParaRPr lang="en-AU"/>
           </a:p>
@@ -1357,7 +1357,7 @@
           <a:p>
             <a:fld id="{9AD5F5E7-BF49-4F47-A424-503B82E4E0B0}" type="datetimeFigureOut">
               <a:rPr lang="en-AU" smtClean="0"/>
-              <a:t>16/2/2022</a:t>
+              <a:t>16/2/22</a:t>
             </a:fld>
             <a:endParaRPr lang="en-AU"/>
           </a:p>
@@ -1633,7 +1633,7 @@
           <a:p>
             <a:fld id="{9AD5F5E7-BF49-4F47-A424-503B82E4E0B0}" type="datetimeFigureOut">
               <a:rPr lang="en-AU" smtClean="0"/>
-              <a:t>16/2/2022</a:t>
+              <a:t>16/2/22</a:t>
             </a:fld>
             <a:endParaRPr lang="en-AU"/>
           </a:p>
@@ -1901,7 +1901,7 @@
           <a:p>
             <a:fld id="{9AD5F5E7-BF49-4F47-A424-503B82E4E0B0}" type="datetimeFigureOut">
               <a:rPr lang="en-AU" smtClean="0"/>
-              <a:t>16/2/2022</a:t>
+              <a:t>16/2/22</a:t>
             </a:fld>
             <a:endParaRPr lang="en-AU"/>
           </a:p>
@@ -2316,7 +2316,7 @@
           <a:p>
             <a:fld id="{9AD5F5E7-BF49-4F47-A424-503B82E4E0B0}" type="datetimeFigureOut">
               <a:rPr lang="en-AU" smtClean="0"/>
-              <a:t>16/2/2022</a:t>
+              <a:t>16/2/22</a:t>
             </a:fld>
             <a:endParaRPr lang="en-AU"/>
           </a:p>
@@ -2458,7 +2458,7 @@
           <a:p>
             <a:fld id="{9AD5F5E7-BF49-4F47-A424-503B82E4E0B0}" type="datetimeFigureOut">
               <a:rPr lang="en-AU" smtClean="0"/>
-              <a:t>16/2/2022</a:t>
+              <a:t>16/2/22</a:t>
             </a:fld>
             <a:endParaRPr lang="en-AU"/>
           </a:p>
@@ -2571,7 +2571,7 @@
           <a:p>
             <a:fld id="{9AD5F5E7-BF49-4F47-A424-503B82E4E0B0}" type="datetimeFigureOut">
               <a:rPr lang="en-AU" smtClean="0"/>
-              <a:t>16/2/2022</a:t>
+              <a:t>16/2/22</a:t>
             </a:fld>
             <a:endParaRPr lang="en-AU"/>
           </a:p>
@@ -2884,7 +2884,7 @@
           <a:p>
             <a:fld id="{9AD5F5E7-BF49-4F47-A424-503B82E4E0B0}" type="datetimeFigureOut">
               <a:rPr lang="en-AU" smtClean="0"/>
-              <a:t>16/2/2022</a:t>
+              <a:t>16/2/22</a:t>
             </a:fld>
             <a:endParaRPr lang="en-AU"/>
           </a:p>
@@ -3173,7 +3173,7 @@
           <a:p>
             <a:fld id="{9AD5F5E7-BF49-4F47-A424-503B82E4E0B0}" type="datetimeFigureOut">
               <a:rPr lang="en-AU" smtClean="0"/>
-              <a:t>16/2/2022</a:t>
+              <a:t>16/2/22</a:t>
             </a:fld>
             <a:endParaRPr lang="en-AU"/>
           </a:p>
@@ -3416,7 +3416,7 @@
           <a:p>
             <a:fld id="{9AD5F5E7-BF49-4F47-A424-503B82E4E0B0}" type="datetimeFigureOut">
               <a:rPr lang="en-AU" smtClean="0"/>
-              <a:t>16/2/2022</a:t>
+              <a:t>16/2/22</a:t>
             </a:fld>
             <a:endParaRPr lang="en-AU"/>
           </a:p>
@@ -22582,8 +22582,8 @@
         </p:nvSpPr>
         <p:spPr>
           <a:xfrm>
-            <a:off x="7812173" y="9776772"/>
-            <a:ext cx="1289135" cy="584775"/>
+            <a:off x="7776906" y="9776772"/>
+            <a:ext cx="1324402" cy="584775"/>
           </a:xfrm>
           <a:prstGeom prst="rect">
             <a:avLst/>
@@ -22596,12 +22596,13 @@
           </a:bodyPr>
           <a:lstStyle/>
           <a:p>
+            <a:pPr algn="r"/>
             <a:r>
               <a:rPr lang="en-US" dirty="0">
                 <a:latin typeface="Calibri" panose="020F0502020204030204" pitchFamily="34" charset="0"/>
                 <a:cs typeface="Calibri" panose="020F0502020204030204" pitchFamily="34" charset="0"/>
               </a:rPr>
-              <a:t>Switch</a:t>
+              <a:t>Router</a:t>
             </a:r>
           </a:p>
         </p:txBody>
@@ -23061,8 +23062,8 @@
         </p:nvSpPr>
         <p:spPr>
           <a:xfrm>
-            <a:off x="12677802" y="9748197"/>
-            <a:ext cx="1289135" cy="584775"/>
+            <a:off x="12660169" y="9748197"/>
+            <a:ext cx="1324402" cy="584775"/>
           </a:xfrm>
           <a:prstGeom prst="rect">
             <a:avLst/>
@@ -23080,60 +23081,8 @@
                 <a:latin typeface="Calibri" panose="020F0502020204030204" pitchFamily="34" charset="0"/>
                 <a:cs typeface="Calibri" panose="020F0502020204030204" pitchFamily="34" charset="0"/>
               </a:rPr>
-              <a:t>Switch</a:t>
+              <a:t>Router</a:t>
             </a:r>
-          </a:p>
-        </p:txBody>
-      </p:sp>
-      <p:sp>
-        <p:nvSpPr>
-          <p:cNvPr id="13" name="Rectangle 12">
-            <a:extLst>
-              <a:ext uri="{FF2B5EF4-FFF2-40B4-BE49-F238E27FC236}">
-                <a16:creationId xmlns:a16="http://schemas.microsoft.com/office/drawing/2014/main" id="{91CC51F4-B8BC-8246-9087-AB08C4487AF9}"/>
-              </a:ext>
-            </a:extLst>
-          </p:cNvPr>
-          <p:cNvSpPr/>
-          <p:nvPr/>
-        </p:nvSpPr>
-        <p:spPr>
-          <a:xfrm>
-            <a:off x="10162128" y="6213573"/>
-            <a:ext cx="1162060" cy="595795"/>
-          </a:xfrm>
-          <a:prstGeom prst="rect">
-            <a:avLst/>
-          </a:prstGeom>
-          <a:solidFill>
-            <a:schemeClr val="bg1"/>
-          </a:solidFill>
-          <a:ln>
-            <a:noFill/>
-          </a:ln>
-        </p:spPr>
-        <p:style>
-          <a:lnRef idx="2">
-            <a:schemeClr val="accent1">
-              <a:shade val="50000"/>
-            </a:schemeClr>
-          </a:lnRef>
-          <a:fillRef idx="1">
-            <a:schemeClr val="accent1"/>
-          </a:fillRef>
-          <a:effectRef idx="0">
-            <a:schemeClr val="accent1"/>
-          </a:effectRef>
-          <a:fontRef idx="minor">
-            <a:schemeClr val="lt1"/>
-          </a:fontRef>
-        </p:style>
-        <p:txBody>
-          <a:bodyPr rtlCol="0" anchor="ctr"/>
-          <a:lstStyle/>
-          <a:p>
-            <a:pPr algn="ctr"/>
-            <a:endParaRPr lang="en-US"/>
           </a:p>
         </p:txBody>
       </p:sp>
@@ -23199,7 +23148,7 @@
               </a:prstGeom>
               <a:solidFill>
                 <a:schemeClr val="bg1">
-                  <a:lumMod val="75000"/>
+                  <a:lumMod val="85000"/>
                 </a:schemeClr>
               </a:solidFill>
               <a:ln w="28575">
@@ -23536,7 +23485,7 @@
               <a:ln w="63500" cap="flat">
                 <a:solidFill>
                   <a:schemeClr val="bg1">
-                    <a:lumMod val="75000"/>
+                    <a:lumMod val="85000"/>
                   </a:schemeClr>
                 </a:solidFill>
               </a:ln>
@@ -23578,8 +23527,20 @@
               <a:avLst/>
             </a:prstGeom>
             <a:solidFill>
-              <a:srgbClr val="0070C0"/>
+              <a:srgbClr val="DCF0F6"/>
             </a:solidFill>
+            <a:ln>
+              <a:solidFill>
+                <a:srgbClr val="00B0F0"/>
+              </a:solidFill>
+            </a:ln>
+            <a:effectLst>
+              <a:outerShdw blurRad="50800" dist="38100" dir="2700000" algn="ctr" rotWithShape="0">
+                <a:srgbClr val="00A6DA">
+                  <a:alpha val="40000"/>
+                </a:srgbClr>
+              </a:outerShdw>
+            </a:effectLst>
           </p:spPr>
           <p:style>
             <a:lnRef idx="2">
@@ -23603,7 +23564,11 @@
             <a:p>
               <a:pPr algn="ctr"/>
               <a:r>
-                <a:rPr lang="en-US" dirty="0"/>
+                <a:rPr lang="en-US" dirty="0">
+                  <a:solidFill>
+                    <a:schemeClr val="tx1"/>
+                  </a:solidFill>
+                </a:rPr>
                 <a:t>TCP</a:t>
               </a:r>
             </a:p>
@@ -23771,7 +23736,7 @@
           </p:nvSpPr>
           <p:spPr>
             <a:xfrm>
-              <a:off x="4742835" y="7870856"/>
+              <a:off x="4761885" y="7870856"/>
               <a:ext cx="885179" cy="395173"/>
             </a:xfrm>
             <a:prstGeom prst="rect">
@@ -23863,7 +23828,7 @@
               </a:prstGeom>
               <a:solidFill>
                 <a:schemeClr val="bg1">
-                  <a:lumMod val="75000"/>
+                  <a:lumMod val="85000"/>
                 </a:schemeClr>
               </a:solidFill>
               <a:ln w="28575">
@@ -24200,10 +24165,17 @@
               <a:ln w="63500" cap="flat">
                 <a:solidFill>
                   <a:schemeClr val="bg1">
-                    <a:lumMod val="75000"/>
+                    <a:lumMod val="85000"/>
                   </a:schemeClr>
                 </a:solidFill>
               </a:ln>
+              <a:effectLst>
+                <a:outerShdw blurRad="50800" dist="50800" dir="5400000" algn="ctr" rotWithShape="0">
+                  <a:schemeClr val="bg1">
+                    <a:lumMod val="85000"/>
+                  </a:schemeClr>
+                </a:outerShdw>
+              </a:effectLst>
             </p:spPr>
             <p:style>
               <a:lnRef idx="1">
@@ -24242,8 +24214,20 @@
               <a:avLst/>
             </a:prstGeom>
             <a:solidFill>
-              <a:srgbClr val="0070C0"/>
+              <a:srgbClr val="DCF0F6"/>
             </a:solidFill>
+            <a:ln>
+              <a:solidFill>
+                <a:srgbClr val="00B0F0"/>
+              </a:solidFill>
+            </a:ln>
+            <a:effectLst>
+              <a:outerShdw blurRad="50800" dist="38100" dir="2700000" algn="ctr" rotWithShape="0">
+                <a:srgbClr val="00A6DA">
+                  <a:alpha val="40000"/>
+                </a:srgbClr>
+              </a:outerShdw>
+            </a:effectLst>
           </p:spPr>
           <p:style>
             <a:lnRef idx="2">
@@ -24267,7 +24251,11 @@
             <a:p>
               <a:pPr algn="ctr"/>
               <a:r>
-                <a:rPr lang="en-US" dirty="0"/>
+                <a:rPr lang="en-US" dirty="0">
+                  <a:solidFill>
+                    <a:schemeClr val="tx1"/>
+                  </a:solidFill>
+                </a:rPr>
                 <a:t>TCP</a:t>
               </a:r>
             </a:p>

--- a/figures/Figure-sources.pptx
+++ b/figures/Figure-sources.pptx
@@ -747,7 +747,7 @@
           <a:p>
             <a:fld id="{9AD5F5E7-BF49-4F47-A424-503B82E4E0B0}" type="datetimeFigureOut">
               <a:rPr lang="en-AU" smtClean="0"/>
-              <a:t>16/2/22</a:t>
+              <a:t>8/3/22</a:t>
             </a:fld>
             <a:endParaRPr lang="en-AU"/>
           </a:p>
@@ -947,7 +947,7 @@
           <a:p>
             <a:fld id="{9AD5F5E7-BF49-4F47-A424-503B82E4E0B0}" type="datetimeFigureOut">
               <a:rPr lang="en-AU" smtClean="0"/>
-              <a:t>16/2/22</a:t>
+              <a:t>8/3/22</a:t>
             </a:fld>
             <a:endParaRPr lang="en-AU"/>
           </a:p>
@@ -1157,7 +1157,7 @@
           <a:p>
             <a:fld id="{9AD5F5E7-BF49-4F47-A424-503B82E4E0B0}" type="datetimeFigureOut">
               <a:rPr lang="en-AU" smtClean="0"/>
-              <a:t>16/2/22</a:t>
+              <a:t>8/3/22</a:t>
             </a:fld>
             <a:endParaRPr lang="en-AU"/>
           </a:p>
@@ -1357,7 +1357,7 @@
           <a:p>
             <a:fld id="{9AD5F5E7-BF49-4F47-A424-503B82E4E0B0}" type="datetimeFigureOut">
               <a:rPr lang="en-AU" smtClean="0"/>
-              <a:t>16/2/22</a:t>
+              <a:t>8/3/22</a:t>
             </a:fld>
             <a:endParaRPr lang="en-AU"/>
           </a:p>
@@ -1633,7 +1633,7 @@
           <a:p>
             <a:fld id="{9AD5F5E7-BF49-4F47-A424-503B82E4E0B0}" type="datetimeFigureOut">
               <a:rPr lang="en-AU" smtClean="0"/>
-              <a:t>16/2/22</a:t>
+              <a:t>8/3/22</a:t>
             </a:fld>
             <a:endParaRPr lang="en-AU"/>
           </a:p>
@@ -1901,7 +1901,7 @@
           <a:p>
             <a:fld id="{9AD5F5E7-BF49-4F47-A424-503B82E4E0B0}" type="datetimeFigureOut">
               <a:rPr lang="en-AU" smtClean="0"/>
-              <a:t>16/2/22</a:t>
+              <a:t>8/3/22</a:t>
             </a:fld>
             <a:endParaRPr lang="en-AU"/>
           </a:p>
@@ -2316,7 +2316,7 @@
           <a:p>
             <a:fld id="{9AD5F5E7-BF49-4F47-A424-503B82E4E0B0}" type="datetimeFigureOut">
               <a:rPr lang="en-AU" smtClean="0"/>
-              <a:t>16/2/22</a:t>
+              <a:t>8/3/22</a:t>
             </a:fld>
             <a:endParaRPr lang="en-AU"/>
           </a:p>
@@ -2458,7 +2458,7 @@
           <a:p>
             <a:fld id="{9AD5F5E7-BF49-4F47-A424-503B82E4E0B0}" type="datetimeFigureOut">
               <a:rPr lang="en-AU" smtClean="0"/>
-              <a:t>16/2/22</a:t>
+              <a:t>8/3/22</a:t>
             </a:fld>
             <a:endParaRPr lang="en-AU"/>
           </a:p>
@@ -2571,7 +2571,7 @@
           <a:p>
             <a:fld id="{9AD5F5E7-BF49-4F47-A424-503B82E4E0B0}" type="datetimeFigureOut">
               <a:rPr lang="en-AU" smtClean="0"/>
-              <a:t>16/2/22</a:t>
+              <a:t>8/3/22</a:t>
             </a:fld>
             <a:endParaRPr lang="en-AU"/>
           </a:p>
@@ -2884,7 +2884,7 @@
           <a:p>
             <a:fld id="{9AD5F5E7-BF49-4F47-A424-503B82E4E0B0}" type="datetimeFigureOut">
               <a:rPr lang="en-AU" smtClean="0"/>
-              <a:t>16/2/22</a:t>
+              <a:t>8/3/22</a:t>
             </a:fld>
             <a:endParaRPr lang="en-AU"/>
           </a:p>
@@ -3173,7 +3173,7 @@
           <a:p>
             <a:fld id="{9AD5F5E7-BF49-4F47-A424-503B82E4E0B0}" type="datetimeFigureOut">
               <a:rPr lang="en-AU" smtClean="0"/>
-              <a:t>16/2/22</a:t>
+              <a:t>8/3/22</a:t>
             </a:fld>
             <a:endParaRPr lang="en-AU"/>
           </a:p>
@@ -3416,7 +3416,7 @@
           <a:p>
             <a:fld id="{9AD5F5E7-BF49-4F47-A424-503B82E4E0B0}" type="datetimeFigureOut">
               <a:rPr lang="en-AU" smtClean="0"/>
-              <a:t>16/2/22</a:t>
+              <a:t>8/3/22</a:t>
             </a:fld>
             <a:endParaRPr lang="en-AU"/>
           </a:p>
@@ -29106,8 +29106,8 @@
         </p:nvSpPr>
         <p:spPr>
           <a:xfrm>
-            <a:off x="14389460" y="8499649"/>
-            <a:ext cx="3865161" cy="1200329"/>
+            <a:off x="14338660" y="8550449"/>
+            <a:ext cx="3865161" cy="1089529"/>
           </a:xfrm>
           <a:prstGeom prst="rect">
             <a:avLst/>
@@ -29120,7 +29120,11 @@
           </a:bodyPr>
           <a:lstStyle/>
           <a:p>
-            <a:pPr algn="l"/>
+            <a:pPr algn="l">
+              <a:lnSpc>
+                <a:spcPct val="90000"/>
+              </a:lnSpc>
+            </a:pPr>
             <a:r>
               <a:rPr lang="en-US" sz="3600" dirty="0">
                 <a:solidFill>
@@ -29132,7 +29136,11 @@
             </a:r>
           </a:p>
           <a:p>
-            <a:pPr algn="l"/>
+            <a:pPr algn="l">
+              <a:lnSpc>
+                <a:spcPct val="90000"/>
+              </a:lnSpc>
+            </a:pPr>
             <a:r>
               <a:rPr lang="en-US" sz="3600" dirty="0" err="1">
                 <a:solidFill>
@@ -29165,8 +29173,8 @@
         </p:nvSpPr>
         <p:spPr>
           <a:xfrm>
-            <a:off x="9031344" y="3977888"/>
-            <a:ext cx="3865161" cy="1200329"/>
+            <a:off x="9031344" y="4028688"/>
+            <a:ext cx="3865161" cy="1089529"/>
           </a:xfrm>
           <a:prstGeom prst="rect">
             <a:avLst/>
@@ -29179,7 +29187,11 @@
           </a:bodyPr>
           <a:lstStyle/>
           <a:p>
-            <a:pPr algn="r"/>
+            <a:pPr algn="r">
+              <a:lnSpc>
+                <a:spcPct val="90000"/>
+              </a:lnSpc>
+            </a:pPr>
             <a:r>
               <a:rPr lang="en-US" sz="3600" dirty="0">
                 <a:solidFill>
@@ -29191,7 +29203,11 @@
             </a:r>
           </a:p>
           <a:p>
-            <a:pPr algn="r"/>
+            <a:pPr algn="r">
+              <a:lnSpc>
+                <a:spcPct val="90000"/>
+              </a:lnSpc>
+            </a:pPr>
             <a:r>
               <a:rPr lang="en-US" sz="3600" dirty="0" err="1">
                 <a:solidFill>
@@ -29231,12 +29247,10 @@
             <a:avLst/>
           </a:prstGeom>
           <a:solidFill>
-            <a:srgbClr val="00A6DA"/>
+            <a:schemeClr val="tx1"/>
           </a:solidFill>
           <a:ln>
-            <a:solidFill>
-              <a:srgbClr val="00A6DA"/>
-            </a:solidFill>
+            <a:noFill/>
           </a:ln>
         </p:spPr>
         <p:style>
